--- a/profilesont/diagrams.pptx
+++ b/profilesont/diagrams.pptx
@@ -266,7 +266,7 @@
           <a:lstStyle/>
           <a:p>
             <a:fld id="{7E83BB5F-FC7B-E342-A7CB-8A5E9A913100}" type="datetimeFigureOut">
-              <a:t>9/13/2018</a:t>
+              <a:t>10/11/2018</a:t>
             </a:fld>
             <a:endParaRPr lang="en-US"/>
           </a:p>
@@ -462,7 +462,7 @@
           <a:lstStyle/>
           <a:p>
             <a:fld id="{7E83BB5F-FC7B-E342-A7CB-8A5E9A913100}" type="datetimeFigureOut">
-              <a:t>9/13/2018</a:t>
+              <a:t>10/11/2018</a:t>
             </a:fld>
             <a:endParaRPr lang="en-US"/>
           </a:p>
@@ -668,7 +668,7 @@
           <a:lstStyle/>
           <a:p>
             <a:fld id="{7E83BB5F-FC7B-E342-A7CB-8A5E9A913100}" type="datetimeFigureOut">
-              <a:t>9/13/2018</a:t>
+              <a:t>10/11/2018</a:t>
             </a:fld>
             <a:endParaRPr lang="en-US"/>
           </a:p>
@@ -864,7 +864,7 @@
           <a:lstStyle/>
           <a:p>
             <a:fld id="{7E83BB5F-FC7B-E342-A7CB-8A5E9A913100}" type="datetimeFigureOut">
-              <a:t>9/13/2018</a:t>
+              <a:t>10/11/2018</a:t>
             </a:fld>
             <a:endParaRPr lang="en-US"/>
           </a:p>
@@ -1137,7 +1137,7 @@
           <a:lstStyle/>
           <a:p>
             <a:fld id="{7E83BB5F-FC7B-E342-A7CB-8A5E9A913100}" type="datetimeFigureOut">
-              <a:t>9/13/2018</a:t>
+              <a:t>10/11/2018</a:t>
             </a:fld>
             <a:endParaRPr lang="en-US"/>
           </a:p>
@@ -1400,7 +1400,7 @@
           <a:lstStyle/>
           <a:p>
             <a:fld id="{7E83BB5F-FC7B-E342-A7CB-8A5E9A913100}" type="datetimeFigureOut">
-              <a:t>9/13/2018</a:t>
+              <a:t>10/11/2018</a:t>
             </a:fld>
             <a:endParaRPr lang="en-US"/>
           </a:p>
@@ -1810,7 +1810,7 @@
           <a:lstStyle/>
           <a:p>
             <a:fld id="{7E83BB5F-FC7B-E342-A7CB-8A5E9A913100}" type="datetimeFigureOut">
-              <a:t>9/13/2018</a:t>
+              <a:t>10/11/2018</a:t>
             </a:fld>
             <a:endParaRPr lang="en-US"/>
           </a:p>
@@ -1949,7 +1949,7 @@
           <a:lstStyle/>
           <a:p>
             <a:fld id="{7E83BB5F-FC7B-E342-A7CB-8A5E9A913100}" type="datetimeFigureOut">
-              <a:t>9/13/2018</a:t>
+              <a:t>10/11/2018</a:t>
             </a:fld>
             <a:endParaRPr lang="en-US"/>
           </a:p>
@@ -2060,7 +2060,7 @@
           <a:lstStyle/>
           <a:p>
             <a:fld id="{7E83BB5F-FC7B-E342-A7CB-8A5E9A913100}" type="datetimeFigureOut">
-              <a:t>9/13/2018</a:t>
+              <a:t>10/11/2018</a:t>
             </a:fld>
             <a:endParaRPr lang="en-US"/>
           </a:p>
@@ -2369,7 +2369,7 @@
           <a:lstStyle/>
           <a:p>
             <a:fld id="{7E83BB5F-FC7B-E342-A7CB-8A5E9A913100}" type="datetimeFigureOut">
-              <a:t>9/13/2018</a:t>
+              <a:t>10/11/2018</a:t>
             </a:fld>
             <a:endParaRPr lang="en-US"/>
           </a:p>
@@ -2655,7 +2655,7 @@
           <a:lstStyle/>
           <a:p>
             <a:fld id="{7E83BB5F-FC7B-E342-A7CB-8A5E9A913100}" type="datetimeFigureOut">
-              <a:t>9/13/2018</a:t>
+              <a:t>10/11/2018</a:t>
             </a:fld>
             <a:endParaRPr lang="en-US"/>
           </a:p>
@@ -2894,7 +2894,7 @@
           </a:lstStyle>
           <a:p>
             <a:fld id="{7E83BB5F-FC7B-E342-A7CB-8A5E9A913100}" type="datetimeFigureOut">
-              <a:t>9/13/2018</a:t>
+              <a:t>10/11/2018</a:t>
             </a:fld>
             <a:endParaRPr lang="en-US"/>
           </a:p>
@@ -3324,7 +3324,7 @@
         </p:nvSpPr>
         <p:spPr>
           <a:xfrm>
-            <a:off x="200722" y="156117"/>
+            <a:off x="200722" y="375573"/>
             <a:ext cx="1489575" cy="369332"/>
           </a:xfrm>
           <a:prstGeom prst="rect">
@@ -3363,7 +3363,7 @@
         </p:nvCxnSpPr>
         <p:spPr>
           <a:xfrm flipH="1" flipV="1">
-            <a:off x="7869087" y="4820077"/>
+            <a:off x="7869087" y="3905677"/>
             <a:ext cx="1150932" cy="1201973"/>
           </a:xfrm>
           <a:prstGeom prst="straightConnector1">
@@ -3403,14 +3403,13 @@
           </p:cNvPr>
           <p:cNvCxnSpPr>
             <a:cxnSpLocks/>
-            <a:endCxn id="43" idx="0"/>
           </p:cNvCxnSpPr>
           <p:nvPr/>
         </p:nvCxnSpPr>
         <p:spPr>
           <a:xfrm flipH="1">
-            <a:off x="6165823" y="5626569"/>
-            <a:ext cx="400975" cy="395481"/>
+            <a:off x="6566798" y="4712169"/>
+            <a:ext cx="1" cy="395481"/>
           </a:xfrm>
           <a:prstGeom prst="straightConnector1">
             <a:avLst/>
@@ -3456,7 +3455,7 @@
         </p:nvCxnSpPr>
         <p:spPr>
           <a:xfrm>
-            <a:off x="5091114" y="5289558"/>
+            <a:off x="5091114" y="4375158"/>
             <a:ext cx="573329" cy="4745"/>
           </a:xfrm>
           <a:prstGeom prst="straightConnector1">
@@ -3504,7 +3503,7 @@
         </p:nvCxnSpPr>
         <p:spPr>
           <a:xfrm rot="16200000" flipH="1">
-            <a:off x="5375406" y="4709758"/>
+            <a:off x="5375406" y="3795358"/>
             <a:ext cx="4745" cy="1822265"/>
           </a:xfrm>
           <a:prstGeom prst="curvedConnector3">
@@ -3549,7 +3548,7 @@
         </p:nvSpPr>
         <p:spPr>
           <a:xfrm>
-            <a:off x="5541355" y="6022050"/>
+            <a:off x="5541355" y="5107650"/>
             <a:ext cx="1248936" cy="657922"/>
           </a:xfrm>
           <a:prstGeom prst="roundRect">
@@ -3584,13 +3583,18 @@
           <a:p>
             <a:pPr algn="ctr"/>
             <a:r>
-              <a:rPr lang="en-US" sz="1200">
+              <a:rPr lang="en-US" sz="1200" dirty="0" err="1">
                 <a:solidFill>
                   <a:schemeClr val="tx1"/>
                 </a:solidFill>
               </a:rPr>
-              <a:t>xsd:Token</a:t>
-            </a:r>
+              <a:t>xsd:token</a:t>
+            </a:r>
+            <a:endParaRPr lang="en-US" sz="1200" dirty="0">
+              <a:solidFill>
+                <a:schemeClr val="tx1"/>
+              </a:solidFill>
+            </a:endParaRPr>
           </a:p>
         </p:txBody>
       </p:sp>
@@ -3608,7 +3612,7 @@
         </p:nvSpPr>
         <p:spPr>
           <a:xfrm>
-            <a:off x="8841688" y="4968647"/>
+            <a:off x="8841688" y="4054247"/>
             <a:ext cx="1248936" cy="657922"/>
           </a:xfrm>
           <a:prstGeom prst="roundRect">
@@ -3697,7 +3701,7 @@
         </p:nvSpPr>
         <p:spPr>
           <a:xfrm>
-            <a:off x="3842178" y="4960597"/>
+            <a:off x="3842178" y="4046197"/>
             <a:ext cx="1248936" cy="657922"/>
           </a:xfrm>
           <a:prstGeom prst="roundRect">
@@ -3756,7 +3760,7 @@
         </p:nvSpPr>
         <p:spPr>
           <a:xfrm>
-            <a:off x="5664443" y="4965342"/>
+            <a:off x="5664443" y="4050942"/>
             <a:ext cx="1248936" cy="657922"/>
           </a:xfrm>
           <a:prstGeom prst="roundRect">
@@ -3791,12 +3795,12 @@
           <a:p>
             <a:pPr algn="ctr"/>
             <a:r>
-              <a:rPr lang="en-US" sz="1200">
+              <a:rPr lang="en-US" sz="1200" dirty="0">
                 <a:solidFill>
                   <a:schemeClr val="tx1"/>
                 </a:solidFill>
               </a:rPr>
-              <a:t>Implementation Profile</a:t>
+              <a:t>Profile</a:t>
             </a:r>
           </a:p>
         </p:txBody>
@@ -3818,7 +3822,7 @@
         </p:nvCxnSpPr>
         <p:spPr>
           <a:xfrm rot="16200000" flipH="1" flipV="1">
-            <a:off x="5891422" y="4732555"/>
+            <a:off x="5891422" y="3818155"/>
             <a:ext cx="164703" cy="630275"/>
           </a:xfrm>
           <a:prstGeom prst="curvedConnector4">
@@ -3864,7 +3868,7 @@
         </p:nvSpPr>
         <p:spPr>
           <a:xfrm>
-            <a:off x="10889088" y="4973322"/>
+            <a:off x="10889088" y="4058922"/>
             <a:ext cx="1248936" cy="657922"/>
           </a:xfrm>
           <a:prstGeom prst="roundRect">
@@ -3927,7 +3931,7 @@
         </p:nvCxnSpPr>
         <p:spPr>
           <a:xfrm flipV="1">
-            <a:off x="9020019" y="5626569"/>
+            <a:off x="9020019" y="4712169"/>
             <a:ext cx="446137" cy="395481"/>
           </a:xfrm>
           <a:prstGeom prst="straightConnector1">
@@ -3970,7 +3974,7 @@
         </p:nvSpPr>
         <p:spPr>
           <a:xfrm>
-            <a:off x="10889088" y="6022050"/>
+            <a:off x="10889088" y="5107650"/>
             <a:ext cx="1248936" cy="657922"/>
           </a:xfrm>
           <a:prstGeom prst="roundRect">
@@ -4005,12 +4009,12 @@
           <a:p>
             <a:pPr algn="ctr"/>
             <a:r>
-              <a:rPr lang="en-US" sz="1200">
+              <a:rPr lang="en-US" sz="1200" dirty="0">
                 <a:solidFill>
                   <a:schemeClr val="tx1"/>
                 </a:solidFill>
               </a:rPr>
-              <a:t>Implementation Resource Role</a:t>
+              <a:t>Resource Role</a:t>
             </a:r>
           </a:p>
         </p:txBody>
@@ -4033,7 +4037,7 @@
         </p:nvCxnSpPr>
         <p:spPr>
           <a:xfrm flipV="1">
-            <a:off x="11513556" y="5631244"/>
+            <a:off x="11513556" y="4716844"/>
             <a:ext cx="0" cy="390806"/>
           </a:xfrm>
           <a:prstGeom prst="straightConnector1">
@@ -4079,7 +4083,7 @@
         </p:nvCxnSpPr>
         <p:spPr>
           <a:xfrm flipV="1">
-            <a:off x="1351752" y="5788240"/>
+            <a:off x="1351752" y="4873840"/>
             <a:ext cx="0" cy="423747"/>
           </a:xfrm>
           <a:prstGeom prst="straightConnector1">
@@ -4123,7 +4127,7 @@
         </p:nvSpPr>
         <p:spPr>
           <a:xfrm>
-            <a:off x="1394035" y="5861613"/>
+            <a:off x="1394035" y="4947213"/>
             <a:ext cx="1145506" cy="276999"/>
           </a:xfrm>
           <a:prstGeom prst="rect">
@@ -4160,7 +4164,7 @@
         </p:nvSpPr>
         <p:spPr>
           <a:xfrm>
-            <a:off x="1301930" y="4938159"/>
+            <a:off x="1301930" y="4023759"/>
             <a:ext cx="1248936" cy="657922"/>
           </a:xfrm>
           <a:prstGeom prst="roundRect">
@@ -4221,7 +4225,7 @@
         </p:nvCxnSpPr>
         <p:spPr>
           <a:xfrm flipV="1">
-            <a:off x="2692455" y="5788239"/>
+            <a:off x="2692455" y="4873839"/>
             <a:ext cx="0" cy="423748"/>
           </a:xfrm>
           <a:prstGeom prst="straightConnector1">
@@ -4265,7 +4269,7 @@
         </p:nvSpPr>
         <p:spPr>
           <a:xfrm>
-            <a:off x="2728620" y="5861613"/>
+            <a:off x="2728620" y="4947213"/>
             <a:ext cx="727187" cy="276999"/>
           </a:xfrm>
           <a:prstGeom prst="rect">
@@ -4288,54 +4292,6 @@
           </a:p>
         </p:txBody>
       </p:sp>
-      <p:cxnSp>
-        <p:nvCxnSpPr>
-          <p:cNvPr id="32" name="Curved Connector 31">
-            <a:extLst>
-              <a:ext uri="{FF2B5EF4-FFF2-40B4-BE49-F238E27FC236}">
-                <a16:creationId xmlns:a16="http://schemas.microsoft.com/office/drawing/2014/main" id="{AF5BB75F-BF34-714F-933A-F464250E119A}"/>
-              </a:ext>
-            </a:extLst>
-          </p:cNvPr>
-          <p:cNvCxnSpPr>
-            <a:cxnSpLocks/>
-            <a:endCxn id="38" idx="1"/>
-          </p:cNvCxnSpPr>
-          <p:nvPr/>
-        </p:nvCxnSpPr>
-        <p:spPr>
-          <a:xfrm>
-            <a:off x="6907572" y="5464570"/>
-            <a:ext cx="1487979" cy="886441"/>
-          </a:xfrm>
-          <a:prstGeom prst="curvedConnector3">
-            <a:avLst>
-              <a:gd name="adj1" fmla="val 50000"/>
-            </a:avLst>
-          </a:prstGeom>
-          <a:ln>
-            <a:solidFill>
-              <a:schemeClr val="tx1"/>
-            </a:solidFill>
-            <a:headEnd type="none" w="med" len="med"/>
-            <a:tailEnd type="arrow" w="med" len="med"/>
-          </a:ln>
-        </p:spPr>
-        <p:style>
-          <a:lnRef idx="1">
-            <a:schemeClr val="accent1"/>
-          </a:lnRef>
-          <a:fillRef idx="0">
-            <a:schemeClr val="accent1"/>
-          </a:fillRef>
-          <a:effectRef idx="0">
-            <a:schemeClr val="accent1"/>
-          </a:effectRef>
-          <a:fontRef idx="minor">
-            <a:schemeClr val="tx1"/>
-          </a:fontRef>
-        </p:style>
-      </p:cxnSp>
       <p:sp>
         <p:nvSpPr>
           <p:cNvPr id="39" name="Rounded Rectangle 38">
@@ -4350,7 +4306,7 @@
         </p:nvSpPr>
         <p:spPr>
           <a:xfrm>
-            <a:off x="7244619" y="4162155"/>
+            <a:off x="7244619" y="3247755"/>
             <a:ext cx="1248936" cy="657922"/>
           </a:xfrm>
           <a:prstGeom prst="roundRect">
@@ -4413,7 +4369,7 @@
         </p:nvCxnSpPr>
         <p:spPr>
           <a:xfrm flipV="1">
-            <a:off x="6913379" y="4820077"/>
+            <a:off x="6913379" y="3905677"/>
             <a:ext cx="955708" cy="474226"/>
           </a:xfrm>
           <a:prstGeom prst="straightConnector1">
@@ -4457,7 +4413,7 @@
         </p:nvSpPr>
         <p:spPr>
           <a:xfrm>
-            <a:off x="8395551" y="6022050"/>
+            <a:off x="8395551" y="5107650"/>
             <a:ext cx="1248936" cy="657922"/>
           </a:xfrm>
           <a:prstGeom prst="roundRect">
@@ -4492,12 +4448,12 @@
           <a:p>
             <a:pPr algn="ctr"/>
             <a:r>
-              <a:rPr lang="en-US" sz="1200">
+              <a:rPr lang="en-US" sz="1200" dirty="0">
                 <a:solidFill>
                   <a:schemeClr val="tx1"/>
                 </a:solidFill>
               </a:rPr>
-              <a:t>Implementation Resource Descriptor</a:t>
+              <a:t>Resource Descriptor</a:t>
             </a:r>
           </a:p>
         </p:txBody>
@@ -4516,7 +4472,7 @@
         </p:nvSpPr>
         <p:spPr>
           <a:xfrm>
-            <a:off x="1256465" y="4507558"/>
+            <a:off x="1256465" y="3593158"/>
             <a:ext cx="1090683" cy="307777"/>
           </a:xfrm>
           <a:prstGeom prst="rect">
@@ -4554,7 +4510,7 @@
         </p:nvCxnSpPr>
         <p:spPr>
           <a:xfrm rot="16200000" flipH="1">
-            <a:off x="9029131" y="2488898"/>
+            <a:off x="9029131" y="1574498"/>
             <a:ext cx="12728" cy="4956121"/>
           </a:xfrm>
           <a:prstGeom prst="curvedConnector3">
@@ -4600,7 +4556,7 @@
         </p:nvSpPr>
         <p:spPr>
           <a:xfrm>
-            <a:off x="7698594" y="5067441"/>
+            <a:off x="7698594" y="4153041"/>
             <a:ext cx="970009" cy="184666"/>
           </a:xfrm>
           <a:prstGeom prst="rect">
@@ -4638,7 +4594,7 @@
         </p:nvSpPr>
         <p:spPr>
           <a:xfrm>
-            <a:off x="4596969" y="5723124"/>
+            <a:off x="4596969" y="4808724"/>
             <a:ext cx="776559" cy="184666"/>
           </a:xfrm>
           <a:prstGeom prst="rect">
@@ -4679,7 +4635,7 @@
         </p:nvSpPr>
         <p:spPr>
           <a:xfrm>
-            <a:off x="6261058" y="5745052"/>
+            <a:off x="6418206" y="4808724"/>
             <a:ext cx="354264" cy="184666"/>
           </a:xfrm>
           <a:prstGeom prst="rect">
@@ -4716,7 +4672,7 @@
         </p:nvSpPr>
         <p:spPr>
           <a:xfrm>
-            <a:off x="4898113" y="4302675"/>
+            <a:off x="4898113" y="3388275"/>
             <a:ext cx="1539769" cy="184666"/>
           </a:xfrm>
           <a:prstGeom prst="rect">
@@ -4762,7 +4718,7 @@
         </p:nvSpPr>
         <p:spPr>
           <a:xfrm>
-            <a:off x="9862107" y="6130747"/>
+            <a:off x="9862107" y="5216347"/>
             <a:ext cx="823559" cy="184666"/>
           </a:xfrm>
           <a:prstGeom prst="rect">
@@ -4788,10 +4744,10 @@
       </p:sp>
       <p:sp>
         <p:nvSpPr>
-          <p:cNvPr id="36" name="TextBox 35">
-            <a:extLst>
-              <a:ext uri="{FF2B5EF4-FFF2-40B4-BE49-F238E27FC236}">
-                <a16:creationId xmlns:a16="http://schemas.microsoft.com/office/drawing/2014/main" id="{2439A7AD-5BC1-1140-9CFD-EB5B337D12EB}"/>
+          <p:cNvPr id="19" name="TextBox 18">
+            <a:extLst>
+              <a:ext uri="{FF2B5EF4-FFF2-40B4-BE49-F238E27FC236}">
+                <a16:creationId xmlns:a16="http://schemas.microsoft.com/office/drawing/2014/main" id="{A3F35545-D886-F341-9736-B188651A95C8}"/>
               </a:ext>
             </a:extLst>
           </p:cNvPr>
@@ -4800,8 +4756,8 @@
         </p:nvSpPr>
         <p:spPr>
           <a:xfrm>
-            <a:off x="7277891" y="5945063"/>
-            <a:ext cx="543931" cy="184666"/>
+            <a:off x="9068858" y="4833491"/>
+            <a:ext cx="684865" cy="184666"/>
           </a:xfrm>
           <a:prstGeom prst="rect">
             <a:avLst/>
@@ -4811,43 +4767,6 @@
           </a:solidFill>
         </p:spPr>
         <p:txBody>
-          <a:bodyPr wrap="none" lIns="0" tIns="0" rIns="0" bIns="0" rtlCol="0">
-            <a:spAutoFit/>
-          </a:bodyPr>
-          <a:lstStyle/>
-          <a:p>
-            <a:r>
-              <a:rPr lang="en-US" sz="1200" dirty="0"/>
-              <a:t>resource</a:t>
-            </a:r>
-          </a:p>
-        </p:txBody>
-      </p:sp>
-      <p:sp>
-        <p:nvSpPr>
-          <p:cNvPr id="19" name="TextBox 18">
-            <a:extLst>
-              <a:ext uri="{FF2B5EF4-FFF2-40B4-BE49-F238E27FC236}">
-                <a16:creationId xmlns:a16="http://schemas.microsoft.com/office/drawing/2014/main" id="{A3F35545-D886-F341-9736-B188651A95C8}"/>
-              </a:ext>
-            </a:extLst>
-          </p:cNvPr>
-          <p:cNvSpPr txBox="1"/>
-          <p:nvPr/>
-        </p:nvSpPr>
-        <p:spPr>
-          <a:xfrm>
-            <a:off x="9068858" y="5747891"/>
-            <a:ext cx="684865" cy="184666"/>
-          </a:xfrm>
-          <a:prstGeom prst="rect">
-            <a:avLst/>
-          </a:prstGeom>
-          <a:solidFill>
-            <a:schemeClr val="bg1"/>
-          </a:solidFill>
-        </p:spPr>
-        <p:txBody>
           <a:bodyPr wrap="square" lIns="0" tIns="0" rIns="0" bIns="0" rtlCol="0">
             <a:spAutoFit/>
           </a:bodyPr>
@@ -4856,92 +4775,6 @@
             <a:r>
               <a:rPr lang="en-US" sz="1200" dirty="0" err="1"/>
               <a:t>dct:format</a:t>
-            </a:r>
-            <a:endParaRPr lang="en-US" sz="1200" dirty="0"/>
-          </a:p>
-        </p:txBody>
-      </p:sp>
-      <p:cxnSp>
-        <p:nvCxnSpPr>
-          <p:cNvPr id="44" name="Curved Connector 31">
-            <a:extLst>
-              <a:ext uri="{FF2B5EF4-FFF2-40B4-BE49-F238E27FC236}">
-                <a16:creationId xmlns:a16="http://schemas.microsoft.com/office/drawing/2014/main" id="{EEB2D649-64E6-4D05-9C10-B19B865B4489}"/>
-              </a:ext>
-            </a:extLst>
-          </p:cNvPr>
-          <p:cNvCxnSpPr>
-            <a:cxnSpLocks/>
-            <a:stCxn id="38" idx="2"/>
-          </p:cNvCxnSpPr>
-          <p:nvPr/>
-        </p:nvCxnSpPr>
-        <p:spPr>
-          <a:xfrm rot="5400000" flipH="1">
-            <a:off x="7376332" y="5036286"/>
-            <a:ext cx="1061971" cy="2225402"/>
-          </a:xfrm>
-          <a:prstGeom prst="curvedConnector3">
-            <a:avLst>
-              <a:gd name="adj1" fmla="val -11591"/>
-            </a:avLst>
-          </a:prstGeom>
-          <a:ln>
-            <a:solidFill>
-              <a:schemeClr val="tx1"/>
-            </a:solidFill>
-            <a:headEnd type="none" w="med" len="med"/>
-            <a:tailEnd type="arrow" w="med" len="med"/>
-          </a:ln>
-        </p:spPr>
-        <p:style>
-          <a:lnRef idx="1">
-            <a:schemeClr val="accent1"/>
-          </a:lnRef>
-          <a:fillRef idx="0">
-            <a:schemeClr val="accent1"/>
-          </a:fillRef>
-          <a:effectRef idx="0">
-            <a:schemeClr val="accent1"/>
-          </a:effectRef>
-          <a:fontRef idx="minor">
-            <a:schemeClr val="tx1"/>
-          </a:fontRef>
-        </p:style>
-      </p:cxnSp>
-      <p:sp>
-        <p:nvSpPr>
-          <p:cNvPr id="46" name="TextBox 45">
-            <a:extLst>
-              <a:ext uri="{FF2B5EF4-FFF2-40B4-BE49-F238E27FC236}">
-                <a16:creationId xmlns:a16="http://schemas.microsoft.com/office/drawing/2014/main" id="{5FB455BE-701D-4332-AAA3-96ADC53BBE2F}"/>
-              </a:ext>
-            </a:extLst>
-          </p:cNvPr>
-          <p:cNvSpPr txBox="1"/>
-          <p:nvPr/>
-        </p:nvSpPr>
-        <p:spPr>
-          <a:xfrm>
-            <a:off x="6920686" y="6471141"/>
-            <a:ext cx="904735" cy="184666"/>
-          </a:xfrm>
-          <a:prstGeom prst="rect">
-            <a:avLst/>
-          </a:prstGeom>
-          <a:solidFill>
-            <a:schemeClr val="bg1"/>
-          </a:solidFill>
-        </p:spPr>
-        <p:txBody>
-          <a:bodyPr wrap="none" lIns="0" tIns="0" rIns="0" bIns="0" rtlCol="0">
-            <a:spAutoFit/>
-          </a:bodyPr>
-          <a:lstStyle/>
-          <a:p>
-            <a:r>
-              <a:rPr lang="en-US" sz="1200" dirty="0" err="1"/>
-              <a:t>inherited from</a:t>
             </a:r>
             <a:endParaRPr lang="en-US" sz="1200" dirty="0"/>
           </a:p>
@@ -4965,7 +4798,7 @@
         </p:nvCxnSpPr>
         <p:spPr>
           <a:xfrm>
-            <a:off x="9644487" y="6351011"/>
+            <a:off x="9644487" y="5436611"/>
             <a:ext cx="1244601" cy="0"/>
           </a:xfrm>
           <a:prstGeom prst="straightConnector1">
@@ -4994,6 +4827,316 @@
           </a:fontRef>
         </p:style>
       </p:cxnSp>
+      <p:sp>
+        <p:nvSpPr>
+          <p:cNvPr id="47" name="Rounded Rectangle 182">
+            <a:extLst>
+              <a:ext uri="{FF2B5EF4-FFF2-40B4-BE49-F238E27FC236}">
+                <a16:creationId xmlns:a16="http://schemas.microsoft.com/office/drawing/2014/main" id="{EFB09EAB-C7F2-4B65-A45F-482A5685C8DF}"/>
+              </a:ext>
+            </a:extLst>
+          </p:cNvPr>
+          <p:cNvSpPr/>
+          <p:nvPr/>
+        </p:nvSpPr>
+        <p:spPr>
+          <a:xfrm>
+            <a:off x="9753723" y="6145327"/>
+            <a:ext cx="1248936" cy="657922"/>
+          </a:xfrm>
+          <a:prstGeom prst="roundRect">
+            <a:avLst/>
+          </a:prstGeom>
+          <a:noFill/>
+          <a:ln>
+            <a:solidFill>
+              <a:schemeClr val="tx1"/>
+            </a:solidFill>
+          </a:ln>
+        </p:spPr>
+        <p:style>
+          <a:lnRef idx="2">
+            <a:schemeClr val="accent1">
+              <a:shade val="50000"/>
+            </a:schemeClr>
+          </a:lnRef>
+          <a:fillRef idx="1">
+            <a:schemeClr val="accent1"/>
+          </a:fillRef>
+          <a:effectRef idx="0">
+            <a:schemeClr val="accent1"/>
+          </a:effectRef>
+          <a:fontRef idx="minor">
+            <a:schemeClr val="lt1"/>
+          </a:fontRef>
+        </p:style>
+        <p:txBody>
+          <a:bodyPr rtlCol="0" anchor="ctr"/>
+          <a:lstStyle/>
+          <a:p>
+            <a:pPr algn="ctr"/>
+            <a:r>
+              <a:rPr lang="en-US" sz="1200" dirty="0">
+                <a:solidFill>
+                  <a:schemeClr val="tx1"/>
+                </a:solidFill>
+              </a:rPr>
+              <a:t>Resource</a:t>
+            </a:r>
+          </a:p>
+        </p:txBody>
+      </p:sp>
+      <p:cxnSp>
+        <p:nvCxnSpPr>
+          <p:cNvPr id="49" name="Straight Arrow Connector 48">
+            <a:extLst>
+              <a:ext uri="{FF2B5EF4-FFF2-40B4-BE49-F238E27FC236}">
+                <a16:creationId xmlns:a16="http://schemas.microsoft.com/office/drawing/2014/main" id="{BF1CFF90-8E3D-45BD-80A5-7EEBDB26996C}"/>
+              </a:ext>
+            </a:extLst>
+          </p:cNvPr>
+          <p:cNvCxnSpPr>
+            <a:cxnSpLocks/>
+            <a:stCxn id="38" idx="3"/>
+            <a:endCxn id="47" idx="0"/>
+          </p:cNvCxnSpPr>
+          <p:nvPr/>
+        </p:nvCxnSpPr>
+        <p:spPr>
+          <a:xfrm>
+            <a:off x="9644487" y="5436611"/>
+            <a:ext cx="733704" cy="708716"/>
+          </a:xfrm>
+          <a:prstGeom prst="straightConnector1">
+            <a:avLst/>
+          </a:prstGeom>
+          <a:ln>
+            <a:solidFill>
+              <a:schemeClr val="tx1"/>
+            </a:solidFill>
+            <a:headEnd type="none" w="med" len="med"/>
+            <a:tailEnd type="arrow" w="med" len="med"/>
+          </a:ln>
+        </p:spPr>
+        <p:style>
+          <a:lnRef idx="1">
+            <a:schemeClr val="accent1"/>
+          </a:lnRef>
+          <a:fillRef idx="0">
+            <a:schemeClr val="accent1"/>
+          </a:fillRef>
+          <a:effectRef idx="0">
+            <a:schemeClr val="accent1"/>
+          </a:effectRef>
+          <a:fontRef idx="minor">
+            <a:schemeClr val="tx1"/>
+          </a:fontRef>
+        </p:style>
+      </p:cxnSp>
+      <p:sp>
+        <p:nvSpPr>
+          <p:cNvPr id="50" name="TextBox 49">
+            <a:extLst>
+              <a:ext uri="{FF2B5EF4-FFF2-40B4-BE49-F238E27FC236}">
+                <a16:creationId xmlns:a16="http://schemas.microsoft.com/office/drawing/2014/main" id="{22FD51B1-AE57-434C-A625-7B81DF44ED7D}"/>
+              </a:ext>
+            </a:extLst>
+          </p:cNvPr>
+          <p:cNvSpPr txBox="1"/>
+          <p:nvPr/>
+        </p:nvSpPr>
+        <p:spPr>
+          <a:xfrm>
+            <a:off x="9738412" y="5650315"/>
+            <a:ext cx="486095" cy="184666"/>
+          </a:xfrm>
+          <a:prstGeom prst="rect">
+            <a:avLst/>
+          </a:prstGeom>
+          <a:solidFill>
+            <a:schemeClr val="bg1"/>
+          </a:solidFill>
+        </p:spPr>
+        <p:txBody>
+          <a:bodyPr wrap="none" lIns="0" tIns="0" rIns="0" bIns="0" rtlCol="0">
+            <a:spAutoFit/>
+          </a:bodyPr>
+          <a:lstStyle/>
+          <a:p>
+            <a:r>
+              <a:rPr lang="en-US" sz="1200" dirty="0"/>
+              <a:t>artefact</a:t>
+            </a:r>
+          </a:p>
+        </p:txBody>
+      </p:sp>
+      <p:cxnSp>
+        <p:nvCxnSpPr>
+          <p:cNvPr id="51" name="Straight Arrow Connector 50">
+            <a:extLst>
+              <a:ext uri="{FF2B5EF4-FFF2-40B4-BE49-F238E27FC236}">
+                <a16:creationId xmlns:a16="http://schemas.microsoft.com/office/drawing/2014/main" id="{3FE75ACA-CB50-49F4-81EE-8CC3773D5A6E}"/>
+              </a:ext>
+            </a:extLst>
+          </p:cNvPr>
+          <p:cNvCxnSpPr>
+            <a:cxnSpLocks/>
+            <a:stCxn id="20" idx="3"/>
+          </p:cNvCxnSpPr>
+          <p:nvPr/>
+        </p:nvCxnSpPr>
+        <p:spPr>
+          <a:xfrm>
+            <a:off x="6913379" y="4379903"/>
+            <a:ext cx="1495755" cy="769943"/>
+          </a:xfrm>
+          <a:prstGeom prst="straightConnector1">
+            <a:avLst/>
+          </a:prstGeom>
+          <a:ln>
+            <a:solidFill>
+              <a:schemeClr val="tx1"/>
+            </a:solidFill>
+            <a:headEnd type="none" w="med" len="med"/>
+            <a:tailEnd type="arrow" w="med" len="med"/>
+          </a:ln>
+        </p:spPr>
+        <p:style>
+          <a:lnRef idx="1">
+            <a:schemeClr val="accent1"/>
+          </a:lnRef>
+          <a:fillRef idx="0">
+            <a:schemeClr val="accent1"/>
+          </a:fillRef>
+          <a:effectRef idx="0">
+            <a:schemeClr val="accent1"/>
+          </a:effectRef>
+          <a:fontRef idx="minor">
+            <a:schemeClr val="tx1"/>
+          </a:fontRef>
+        </p:style>
+      </p:cxnSp>
+      <p:sp>
+        <p:nvSpPr>
+          <p:cNvPr id="36" name="TextBox 35">
+            <a:extLst>
+              <a:ext uri="{FF2B5EF4-FFF2-40B4-BE49-F238E27FC236}">
+                <a16:creationId xmlns:a16="http://schemas.microsoft.com/office/drawing/2014/main" id="{2439A7AD-5BC1-1140-9CFD-EB5B337D12EB}"/>
+              </a:ext>
+            </a:extLst>
+          </p:cNvPr>
+          <p:cNvSpPr txBox="1"/>
+          <p:nvPr/>
+        </p:nvSpPr>
+        <p:spPr>
+          <a:xfrm>
+            <a:off x="7425006" y="4683843"/>
+            <a:ext cx="543931" cy="184666"/>
+          </a:xfrm>
+          <a:prstGeom prst="rect">
+            <a:avLst/>
+          </a:prstGeom>
+          <a:solidFill>
+            <a:schemeClr val="bg1"/>
+          </a:solidFill>
+        </p:spPr>
+        <p:txBody>
+          <a:bodyPr wrap="none" lIns="0" tIns="0" rIns="0" bIns="0" rtlCol="0">
+            <a:spAutoFit/>
+          </a:bodyPr>
+          <a:lstStyle/>
+          <a:p>
+            <a:r>
+              <a:rPr lang="en-US" sz="1200" dirty="0"/>
+              <a:t>resource</a:t>
+            </a:r>
+          </a:p>
+        </p:txBody>
+      </p:sp>
+      <p:cxnSp>
+        <p:nvCxnSpPr>
+          <p:cNvPr id="52" name="Straight Arrow Connector 51">
+            <a:extLst>
+              <a:ext uri="{FF2B5EF4-FFF2-40B4-BE49-F238E27FC236}">
+                <a16:creationId xmlns:a16="http://schemas.microsoft.com/office/drawing/2014/main" id="{0E677052-7D57-4F0F-907C-A1B6ADAB18B3}"/>
+              </a:ext>
+            </a:extLst>
+          </p:cNvPr>
+          <p:cNvCxnSpPr>
+            <a:cxnSpLocks/>
+            <a:stCxn id="38" idx="1"/>
+          </p:cNvCxnSpPr>
+          <p:nvPr/>
+        </p:nvCxnSpPr>
+        <p:spPr>
+          <a:xfrm flipH="1" flipV="1">
+            <a:off x="6878670" y="4683843"/>
+            <a:ext cx="1516881" cy="752768"/>
+          </a:xfrm>
+          <a:prstGeom prst="straightConnector1">
+            <a:avLst/>
+          </a:prstGeom>
+          <a:ln>
+            <a:solidFill>
+              <a:schemeClr val="tx1"/>
+            </a:solidFill>
+            <a:headEnd type="none" w="med" len="med"/>
+            <a:tailEnd type="arrow" w="med" len="med"/>
+          </a:ln>
+        </p:spPr>
+        <p:style>
+          <a:lnRef idx="1">
+            <a:schemeClr val="accent1"/>
+          </a:lnRef>
+          <a:fillRef idx="0">
+            <a:schemeClr val="accent1"/>
+          </a:fillRef>
+          <a:effectRef idx="0">
+            <a:schemeClr val="accent1"/>
+          </a:effectRef>
+          <a:fontRef idx="minor">
+            <a:schemeClr val="tx1"/>
+          </a:fontRef>
+        </p:style>
+      </p:cxnSp>
+      <p:sp>
+        <p:nvSpPr>
+          <p:cNvPr id="46" name="TextBox 45">
+            <a:extLst>
+              <a:ext uri="{FF2B5EF4-FFF2-40B4-BE49-F238E27FC236}">
+                <a16:creationId xmlns:a16="http://schemas.microsoft.com/office/drawing/2014/main" id="{5FB455BE-701D-4332-AAA3-96ADC53BBE2F}"/>
+              </a:ext>
+            </a:extLst>
+          </p:cNvPr>
+          <p:cNvSpPr txBox="1"/>
+          <p:nvPr/>
+        </p:nvSpPr>
+        <p:spPr>
+          <a:xfrm>
+            <a:off x="7182232" y="5027508"/>
+            <a:ext cx="904735" cy="184666"/>
+          </a:xfrm>
+          <a:prstGeom prst="rect">
+            <a:avLst/>
+          </a:prstGeom>
+          <a:solidFill>
+            <a:schemeClr val="bg1"/>
+          </a:solidFill>
+        </p:spPr>
+        <p:txBody>
+          <a:bodyPr wrap="none" lIns="0" tIns="0" rIns="0" bIns="0" rtlCol="0">
+            <a:spAutoFit/>
+          </a:bodyPr>
+          <a:lstStyle/>
+          <a:p>
+            <a:r>
+              <a:rPr lang="en-US" sz="1200" dirty="0" err="1"/>
+              <a:t>inherited from</a:t>
+            </a:r>
+            <a:endParaRPr lang="en-US" sz="1200" dirty="0"/>
+          </a:p>
+        </p:txBody>
+      </p:sp>
     </p:spTree>
     <p:extLst>
       <p:ext uri="{BB962C8B-B14F-4D97-AF65-F5344CB8AC3E}">

--- a/profilesont/diagrams.pptx
+++ b/profilesont/diagrams.pptx
@@ -266,7 +266,7 @@
           <a:lstStyle/>
           <a:p>
             <a:fld id="{7E83BB5F-FC7B-E342-A7CB-8A5E9A913100}" type="datetimeFigureOut">
-              <a:t>10/11/2018</a:t>
+              <a:t>10/31/2018</a:t>
             </a:fld>
             <a:endParaRPr lang="en-US"/>
           </a:p>
@@ -462,7 +462,7 @@
           <a:lstStyle/>
           <a:p>
             <a:fld id="{7E83BB5F-FC7B-E342-A7CB-8A5E9A913100}" type="datetimeFigureOut">
-              <a:t>10/11/2018</a:t>
+              <a:t>10/31/2018</a:t>
             </a:fld>
             <a:endParaRPr lang="en-US"/>
           </a:p>
@@ -668,7 +668,7 @@
           <a:lstStyle/>
           <a:p>
             <a:fld id="{7E83BB5F-FC7B-E342-A7CB-8A5E9A913100}" type="datetimeFigureOut">
-              <a:t>10/11/2018</a:t>
+              <a:t>10/31/2018</a:t>
             </a:fld>
             <a:endParaRPr lang="en-US"/>
           </a:p>
@@ -864,7 +864,7 @@
           <a:lstStyle/>
           <a:p>
             <a:fld id="{7E83BB5F-FC7B-E342-A7CB-8A5E9A913100}" type="datetimeFigureOut">
-              <a:t>10/11/2018</a:t>
+              <a:t>10/31/2018</a:t>
             </a:fld>
             <a:endParaRPr lang="en-US"/>
           </a:p>
@@ -1137,7 +1137,7 @@
           <a:lstStyle/>
           <a:p>
             <a:fld id="{7E83BB5F-FC7B-E342-A7CB-8A5E9A913100}" type="datetimeFigureOut">
-              <a:t>10/11/2018</a:t>
+              <a:t>10/31/2018</a:t>
             </a:fld>
             <a:endParaRPr lang="en-US"/>
           </a:p>
@@ -1400,7 +1400,7 @@
           <a:lstStyle/>
           <a:p>
             <a:fld id="{7E83BB5F-FC7B-E342-A7CB-8A5E9A913100}" type="datetimeFigureOut">
-              <a:t>10/11/2018</a:t>
+              <a:t>10/31/2018</a:t>
             </a:fld>
             <a:endParaRPr lang="en-US"/>
           </a:p>
@@ -1810,7 +1810,7 @@
           <a:lstStyle/>
           <a:p>
             <a:fld id="{7E83BB5F-FC7B-E342-A7CB-8A5E9A913100}" type="datetimeFigureOut">
-              <a:t>10/11/2018</a:t>
+              <a:t>10/31/2018</a:t>
             </a:fld>
             <a:endParaRPr lang="en-US"/>
           </a:p>
@@ -1949,7 +1949,7 @@
           <a:lstStyle/>
           <a:p>
             <a:fld id="{7E83BB5F-FC7B-E342-A7CB-8A5E9A913100}" type="datetimeFigureOut">
-              <a:t>10/11/2018</a:t>
+              <a:t>10/31/2018</a:t>
             </a:fld>
             <a:endParaRPr lang="en-US"/>
           </a:p>
@@ -2060,7 +2060,7 @@
           <a:lstStyle/>
           <a:p>
             <a:fld id="{7E83BB5F-FC7B-E342-A7CB-8A5E9A913100}" type="datetimeFigureOut">
-              <a:t>10/11/2018</a:t>
+              <a:t>10/31/2018</a:t>
             </a:fld>
             <a:endParaRPr lang="en-US"/>
           </a:p>
@@ -2369,7 +2369,7 @@
           <a:lstStyle/>
           <a:p>
             <a:fld id="{7E83BB5F-FC7B-E342-A7CB-8A5E9A913100}" type="datetimeFigureOut">
-              <a:t>10/11/2018</a:t>
+              <a:t>10/31/2018</a:t>
             </a:fld>
             <a:endParaRPr lang="en-US"/>
           </a:p>
@@ -2655,7 +2655,7 @@
           <a:lstStyle/>
           <a:p>
             <a:fld id="{7E83BB5F-FC7B-E342-A7CB-8A5E9A913100}" type="datetimeFigureOut">
-              <a:t>10/11/2018</a:t>
+              <a:t>10/31/2018</a:t>
             </a:fld>
             <a:endParaRPr lang="en-US"/>
           </a:p>
@@ -2894,7 +2894,7 @@
           </a:lstStyle>
           <a:p>
             <a:fld id="{7E83BB5F-FC7B-E342-A7CB-8A5E9A913100}" type="datetimeFigureOut">
-              <a:t>10/11/2018</a:t>
+              <a:t>10/31/2018</a:t>
             </a:fld>
             <a:endParaRPr lang="en-US"/>
           </a:p>
@@ -3347,69 +3347,24 @@
       </p:sp>
       <p:cxnSp>
         <p:nvCxnSpPr>
-          <p:cNvPr id="15" name="Straight Arrow Connector 14">
-            <a:extLst>
-              <a:ext uri="{FF2B5EF4-FFF2-40B4-BE49-F238E27FC236}">
-                <a16:creationId xmlns:a16="http://schemas.microsoft.com/office/drawing/2014/main" id="{EB830C7E-D432-0045-B1FA-AEB27F07E814}"/>
+          <p:cNvPr id="24" name="Straight Arrow Connector 23">
+            <a:extLst>
+              <a:ext uri="{FF2B5EF4-FFF2-40B4-BE49-F238E27FC236}">
+                <a16:creationId xmlns:a16="http://schemas.microsoft.com/office/drawing/2014/main" id="{9FBC0AA1-972E-5849-9EC0-816B59BC0805}"/>
               </a:ext>
             </a:extLst>
           </p:cNvPr>
           <p:cNvCxnSpPr>
             <a:cxnSpLocks/>
-            <a:stCxn id="38" idx="0"/>
-            <a:endCxn id="39" idx="2"/>
+            <a:stCxn id="20" idx="3"/>
+            <a:endCxn id="43" idx="0"/>
           </p:cNvCxnSpPr>
           <p:nvPr/>
         </p:nvCxnSpPr>
         <p:spPr>
-          <a:xfrm flipH="1" flipV="1">
-            <a:off x="7869087" y="3905677"/>
-            <a:ext cx="1150932" cy="1201973"/>
-          </a:xfrm>
-          <a:prstGeom prst="straightConnector1">
-            <a:avLst/>
-          </a:prstGeom>
-          <a:ln>
-            <a:solidFill>
-              <a:schemeClr val="tx1"/>
-            </a:solidFill>
-            <a:headEnd type="none" w="med" len="med"/>
-            <a:tailEnd type="arrow" w="med" len="med"/>
-          </a:ln>
-        </p:spPr>
-        <p:style>
-          <a:lnRef idx="1">
-            <a:schemeClr val="accent1"/>
-          </a:lnRef>
-          <a:fillRef idx="0">
-            <a:schemeClr val="accent1"/>
-          </a:fillRef>
-          <a:effectRef idx="0">
-            <a:schemeClr val="accent1"/>
-          </a:effectRef>
-          <a:fontRef idx="minor">
-            <a:schemeClr val="tx1"/>
-          </a:fontRef>
-        </p:style>
-      </p:cxnSp>
-      <p:cxnSp>
-        <p:nvCxnSpPr>
-          <p:cNvPr id="24" name="Straight Arrow Connector 23">
-            <a:extLst>
-              <a:ext uri="{FF2B5EF4-FFF2-40B4-BE49-F238E27FC236}">
-                <a16:creationId xmlns:a16="http://schemas.microsoft.com/office/drawing/2014/main" id="{9FBC0AA1-972E-5849-9EC0-816B59BC0805}"/>
-              </a:ext>
-            </a:extLst>
-          </p:cNvPr>
-          <p:cNvCxnSpPr>
-            <a:cxnSpLocks/>
-          </p:cNvCxnSpPr>
-          <p:nvPr/>
-        </p:nvCxnSpPr>
-        <p:spPr>
-          <a:xfrm flipH="1">
-            <a:off x="6566798" y="4712169"/>
-            <a:ext cx="1" cy="395481"/>
+          <a:xfrm>
+            <a:off x="7245887" y="4022098"/>
+            <a:ext cx="1263235" cy="986539"/>
           </a:xfrm>
           <a:prstGeom prst="straightConnector1">
             <a:avLst/>
@@ -3448,15 +3403,13 @@
           </p:cNvPr>
           <p:cNvCxnSpPr>
             <a:cxnSpLocks/>
-            <a:stCxn id="14" idx="3"/>
-            <a:endCxn id="20" idx="1"/>
           </p:cNvCxnSpPr>
           <p:nvPr/>
         </p:nvCxnSpPr>
         <p:spPr>
-          <a:xfrm>
-            <a:off x="5091114" y="4375158"/>
-            <a:ext cx="573329" cy="4745"/>
+          <a:xfrm flipV="1">
+            <a:off x="5415939" y="3823319"/>
+            <a:ext cx="581012" cy="7980"/>
           </a:xfrm>
           <a:prstGeom prst="straightConnector1">
             <a:avLst/>
@@ -3485,55 +3438,6 @@
           </a:fontRef>
         </p:style>
       </p:cxnSp>
-      <p:cxnSp>
-        <p:nvCxnSpPr>
-          <p:cNvPr id="90" name="Curved Connector 89">
-            <a:extLst>
-              <a:ext uri="{FF2B5EF4-FFF2-40B4-BE49-F238E27FC236}">
-                <a16:creationId xmlns:a16="http://schemas.microsoft.com/office/drawing/2014/main" id="{1745EB0B-5256-A846-8409-0935D2FF0BDD}"/>
-              </a:ext>
-            </a:extLst>
-          </p:cNvPr>
-          <p:cNvCxnSpPr>
-            <a:cxnSpLocks/>
-            <a:stCxn id="14" idx="2"/>
-            <a:endCxn id="20" idx="2"/>
-          </p:cNvCxnSpPr>
-          <p:nvPr/>
-        </p:nvCxnSpPr>
-        <p:spPr>
-          <a:xfrm rot="16200000" flipH="1">
-            <a:off x="5375406" y="3795358"/>
-            <a:ext cx="4745" cy="1822265"/>
-          </a:xfrm>
-          <a:prstGeom prst="curvedConnector3">
-            <a:avLst>
-              <a:gd name="adj1" fmla="val 4917703"/>
-            </a:avLst>
-          </a:prstGeom>
-          <a:ln>
-            <a:solidFill>
-              <a:schemeClr val="tx1"/>
-            </a:solidFill>
-            <a:headEnd type="none" w="med" len="med"/>
-            <a:tailEnd type="arrow" w="med" len="med"/>
-          </a:ln>
-        </p:spPr>
-        <p:style>
-          <a:lnRef idx="1">
-            <a:schemeClr val="accent1"/>
-          </a:lnRef>
-          <a:fillRef idx="0">
-            <a:schemeClr val="accent1"/>
-          </a:fillRef>
-          <a:effectRef idx="0">
-            <a:schemeClr val="accent1"/>
-          </a:effectRef>
-          <a:fontRef idx="minor">
-            <a:schemeClr val="tx1"/>
-          </a:fontRef>
-        </p:style>
-      </p:cxnSp>
       <p:sp>
         <p:nvSpPr>
           <p:cNvPr id="43" name="Rounded Rectangle 42">
@@ -3548,7 +3452,7 @@
         </p:nvSpPr>
         <p:spPr>
           <a:xfrm>
-            <a:off x="5541355" y="5107650"/>
+            <a:off x="7884654" y="5008637"/>
             <a:ext cx="1248936" cy="657922"/>
           </a:xfrm>
           <a:prstGeom prst="roundRect">
@@ -3612,7 +3516,7 @@
         </p:nvSpPr>
         <p:spPr>
           <a:xfrm>
-            <a:off x="8841688" y="4054247"/>
+            <a:off x="4166339" y="5008981"/>
             <a:ext cx="1248936" cy="657922"/>
           </a:xfrm>
           <a:prstGeom prst="roundRect">
@@ -3701,7 +3605,7 @@
         </p:nvSpPr>
         <p:spPr>
           <a:xfrm>
-            <a:off x="3842178" y="4046197"/>
+            <a:off x="4167003" y="3701117"/>
             <a:ext cx="1248936" cy="657922"/>
           </a:xfrm>
           <a:prstGeom prst="roundRect">
@@ -3760,7 +3664,7 @@
         </p:nvSpPr>
         <p:spPr>
           <a:xfrm>
-            <a:off x="5664443" y="4050942"/>
+            <a:off x="5996951" y="3693137"/>
             <a:ext cx="1248936" cy="657922"/>
           </a:xfrm>
           <a:prstGeom prst="roundRect">
@@ -3805,55 +3709,6 @@
           </a:p>
         </p:txBody>
       </p:sp>
-      <p:cxnSp>
-        <p:nvCxnSpPr>
-          <p:cNvPr id="125" name="Curved Connector 124">
-            <a:extLst>
-              <a:ext uri="{FF2B5EF4-FFF2-40B4-BE49-F238E27FC236}">
-                <a16:creationId xmlns:a16="http://schemas.microsoft.com/office/drawing/2014/main" id="{5AE6A4B3-CCF8-824C-81B2-0CFE66791CAA}"/>
-              </a:ext>
-            </a:extLst>
-          </p:cNvPr>
-          <p:cNvCxnSpPr>
-            <a:cxnSpLocks/>
-            <a:stCxn id="20" idx="0"/>
-          </p:cNvCxnSpPr>
-          <p:nvPr/>
-        </p:nvCxnSpPr>
-        <p:spPr>
-          <a:xfrm rot="16200000" flipH="1" flipV="1">
-            <a:off x="5891422" y="3818155"/>
-            <a:ext cx="164703" cy="630275"/>
-          </a:xfrm>
-          <a:prstGeom prst="curvedConnector4">
-            <a:avLst>
-              <a:gd name="adj1" fmla="val -238525"/>
-              <a:gd name="adj2" fmla="val 136270"/>
-            </a:avLst>
-          </a:prstGeom>
-          <a:ln>
-            <a:solidFill>
-              <a:schemeClr val="tx1"/>
-            </a:solidFill>
-            <a:headEnd type="none" w="med" len="med"/>
-            <a:tailEnd type="arrow" w="med" len="med"/>
-          </a:ln>
-        </p:spPr>
-        <p:style>
-          <a:lnRef idx="1">
-            <a:schemeClr val="accent1"/>
-          </a:lnRef>
-          <a:fillRef idx="0">
-            <a:schemeClr val="accent1"/>
-          </a:fillRef>
-          <a:effectRef idx="0">
-            <a:schemeClr val="accent1"/>
-          </a:effectRef>
-          <a:fontRef idx="minor">
-            <a:schemeClr val="tx1"/>
-          </a:fontRef>
-        </p:style>
-      </p:cxnSp>
       <p:sp>
         <p:nvSpPr>
           <p:cNvPr id="176" name="Rounded Rectangle 175">
@@ -3868,7 +3723,7 @@
         </p:nvSpPr>
         <p:spPr>
           <a:xfrm>
-            <a:off x="10889088" y="4058922"/>
+            <a:off x="9359852" y="4566290"/>
             <a:ext cx="1248936" cy="657922"/>
           </a:xfrm>
           <a:prstGeom prst="roundRect">
@@ -3924,15 +3779,15 @@
           </p:cNvPr>
           <p:cNvCxnSpPr>
             <a:cxnSpLocks/>
-            <a:stCxn id="38" idx="0"/>
-            <a:endCxn id="56" idx="2"/>
+            <a:stCxn id="127" idx="1"/>
+            <a:endCxn id="56" idx="3"/>
           </p:cNvCxnSpPr>
           <p:nvPr/>
         </p:nvCxnSpPr>
         <p:spPr>
-          <a:xfrm flipV="1">
-            <a:off x="9020019" y="4712169"/>
-            <a:ext cx="446137" cy="395481"/>
+          <a:xfrm flipH="1">
+            <a:off x="5415275" y="5337942"/>
+            <a:ext cx="585388" cy="0"/>
           </a:xfrm>
           <a:prstGeom prst="straightConnector1">
             <a:avLst/>
@@ -3974,7 +3829,7 @@
         </p:nvSpPr>
         <p:spPr>
           <a:xfrm>
-            <a:off x="10889088" y="5107650"/>
+            <a:off x="6897995" y="6158206"/>
             <a:ext cx="1248936" cy="657922"/>
           </a:xfrm>
           <a:prstGeom prst="roundRect">
@@ -4021,24 +3876,22 @@
       </p:sp>
       <p:cxnSp>
         <p:nvCxnSpPr>
-          <p:cNvPr id="187" name="Straight Arrow Connector 186">
-            <a:extLst>
-              <a:ext uri="{FF2B5EF4-FFF2-40B4-BE49-F238E27FC236}">
-                <a16:creationId xmlns:a16="http://schemas.microsoft.com/office/drawing/2014/main" id="{866DF522-99E0-B74E-BC74-ECD617C4C124}"/>
+          <p:cNvPr id="193" name="Straight Arrow Connector 192">
+            <a:extLst>
+              <a:ext uri="{FF2B5EF4-FFF2-40B4-BE49-F238E27FC236}">
+                <a16:creationId xmlns:a16="http://schemas.microsoft.com/office/drawing/2014/main" id="{43EC0CBA-80CC-1E42-91DC-5E646B8E728C}"/>
               </a:ext>
             </a:extLst>
           </p:cNvPr>
           <p:cNvCxnSpPr>
             <a:cxnSpLocks/>
-            <a:stCxn id="183" idx="0"/>
-            <a:endCxn id="176" idx="2"/>
           </p:cNvCxnSpPr>
           <p:nvPr/>
         </p:nvCxnSpPr>
         <p:spPr>
           <a:xfrm flipV="1">
-            <a:off x="11513556" y="4716844"/>
-            <a:ext cx="0" cy="390806"/>
+            <a:off x="2692886" y="3591965"/>
+            <a:ext cx="0" cy="423747"/>
           </a:xfrm>
           <a:prstGeom prst="straightConnector1">
             <a:avLst/>
@@ -4067,52 +3920,6 @@
           </a:fontRef>
         </p:style>
       </p:cxnSp>
-      <p:cxnSp>
-        <p:nvCxnSpPr>
-          <p:cNvPr id="193" name="Straight Arrow Connector 192">
-            <a:extLst>
-              <a:ext uri="{FF2B5EF4-FFF2-40B4-BE49-F238E27FC236}">
-                <a16:creationId xmlns:a16="http://schemas.microsoft.com/office/drawing/2014/main" id="{43EC0CBA-80CC-1E42-91DC-5E646B8E728C}"/>
-              </a:ext>
-            </a:extLst>
-          </p:cNvPr>
-          <p:cNvCxnSpPr>
-            <a:cxnSpLocks/>
-          </p:cNvCxnSpPr>
-          <p:nvPr/>
-        </p:nvCxnSpPr>
-        <p:spPr>
-          <a:xfrm flipV="1">
-            <a:off x="1351752" y="4873840"/>
-            <a:ext cx="0" cy="423747"/>
-          </a:xfrm>
-          <a:prstGeom prst="straightConnector1">
-            <a:avLst/>
-          </a:prstGeom>
-          <a:ln>
-            <a:solidFill>
-              <a:schemeClr val="tx1"/>
-            </a:solidFill>
-            <a:prstDash val="dash"/>
-            <a:headEnd type="none" w="med" len="med"/>
-            <a:tailEnd type="arrow" w="med" len="med"/>
-          </a:ln>
-        </p:spPr>
-        <p:style>
-          <a:lnRef idx="1">
-            <a:schemeClr val="accent1"/>
-          </a:lnRef>
-          <a:fillRef idx="0">
-            <a:schemeClr val="accent1"/>
-          </a:fillRef>
-          <a:effectRef idx="0">
-            <a:schemeClr val="accent1"/>
-          </a:effectRef>
-          <a:fontRef idx="minor">
-            <a:schemeClr val="tx1"/>
-          </a:fontRef>
-        </p:style>
-      </p:cxnSp>
       <p:sp>
         <p:nvSpPr>
           <p:cNvPr id="194" name="TextBox 193">
@@ -4127,7 +3934,7 @@
         </p:nvSpPr>
         <p:spPr>
           <a:xfrm>
-            <a:off x="1394035" y="4947213"/>
+            <a:off x="2735169" y="3665338"/>
             <a:ext cx="1145506" cy="276999"/>
           </a:xfrm>
           <a:prstGeom prst="rect">
@@ -4164,7 +3971,7 @@
         </p:nvSpPr>
         <p:spPr>
           <a:xfrm>
-            <a:off x="1301930" y="4023759"/>
+            <a:off x="2643064" y="2741884"/>
             <a:ext cx="1248936" cy="657922"/>
           </a:xfrm>
           <a:prstGeom prst="roundRect">
@@ -4225,7 +4032,7 @@
         </p:nvCxnSpPr>
         <p:spPr>
           <a:xfrm flipV="1">
-            <a:off x="2692455" y="4873839"/>
+            <a:off x="2669719" y="4185097"/>
             <a:ext cx="0" cy="423748"/>
           </a:xfrm>
           <a:prstGeom prst="straightConnector1">
@@ -4269,7 +4076,7 @@
         </p:nvSpPr>
         <p:spPr>
           <a:xfrm>
-            <a:off x="2728620" y="4947213"/>
+            <a:off x="2705884" y="4258471"/>
             <a:ext cx="727187" cy="276999"/>
           </a:xfrm>
           <a:prstGeom prst="rect">
@@ -4306,7 +4113,7 @@
         </p:nvSpPr>
         <p:spPr>
           <a:xfrm>
-            <a:off x="7244619" y="3247755"/>
+            <a:off x="6004634" y="2307468"/>
             <a:ext cx="1248936" cy="657922"/>
           </a:xfrm>
           <a:prstGeom prst="roundRect">
@@ -4362,15 +4169,15 @@
           </p:cNvPr>
           <p:cNvCxnSpPr>
             <a:cxnSpLocks/>
-            <a:stCxn id="20" idx="3"/>
+            <a:stCxn id="20" idx="0"/>
             <a:endCxn id="39" idx="2"/>
           </p:cNvCxnSpPr>
           <p:nvPr/>
         </p:nvCxnSpPr>
         <p:spPr>
           <a:xfrm flipV="1">
-            <a:off x="6913379" y="3905677"/>
-            <a:ext cx="955708" cy="474226"/>
+            <a:off x="6621419" y="2965390"/>
+            <a:ext cx="7683" cy="727747"/>
           </a:xfrm>
           <a:prstGeom prst="straightConnector1">
             <a:avLst/>
@@ -4401,10 +4208,215 @@
       </p:cxnSp>
       <p:sp>
         <p:nvSpPr>
-          <p:cNvPr id="38" name="Rounded Rectangle 37">
-            <a:extLst>
-              <a:ext uri="{FF2B5EF4-FFF2-40B4-BE49-F238E27FC236}">
-                <a16:creationId xmlns:a16="http://schemas.microsoft.com/office/drawing/2014/main" id="{CCC82891-D0BF-D146-AEBF-E5C054C9F416}"/>
+          <p:cNvPr id="48" name="TextBox 47">
+            <a:extLst>
+              <a:ext uri="{FF2B5EF4-FFF2-40B4-BE49-F238E27FC236}">
+                <a16:creationId xmlns:a16="http://schemas.microsoft.com/office/drawing/2014/main" id="{BB232CB9-2245-A443-8CFB-F5E91477C0A1}"/>
+              </a:ext>
+            </a:extLst>
+          </p:cNvPr>
+          <p:cNvSpPr txBox="1"/>
+          <p:nvPr/>
+        </p:nvSpPr>
+        <p:spPr>
+          <a:xfrm>
+            <a:off x="2597599" y="2311283"/>
+            <a:ext cx="1090683" cy="307777"/>
+          </a:xfrm>
+          <a:prstGeom prst="rect">
+            <a:avLst/>
+          </a:prstGeom>
+          <a:noFill/>
+        </p:spPr>
+        <p:txBody>
+          <a:bodyPr wrap="none" rtlCol="0">
+            <a:spAutoFit/>
+          </a:bodyPr>
+          <a:lstStyle/>
+          <a:p>
+            <a:r>
+              <a:rPr lang="en-US" sz="1400" u="sng"/>
+              <a:t>Element Key</a:t>
+            </a:r>
+          </a:p>
+        </p:txBody>
+      </p:sp>
+      <p:cxnSp>
+        <p:nvCxnSpPr>
+          <p:cNvPr id="42" name="Curved Connector 41">
+            <a:extLst>
+              <a:ext uri="{FF2B5EF4-FFF2-40B4-BE49-F238E27FC236}">
+                <a16:creationId xmlns:a16="http://schemas.microsoft.com/office/drawing/2014/main" id="{1E704936-F7D0-9B4F-90F5-D6EE720D285B}"/>
+              </a:ext>
+            </a:extLst>
+          </p:cNvPr>
+          <p:cNvCxnSpPr>
+            <a:cxnSpLocks/>
+            <a:stCxn id="20" idx="0"/>
+            <a:endCxn id="176" idx="0"/>
+          </p:cNvCxnSpPr>
+          <p:nvPr/>
+        </p:nvCxnSpPr>
+        <p:spPr>
+          <a:xfrm rot="16200000" flipH="1">
+            <a:off x="7866292" y="2448263"/>
+            <a:ext cx="873153" cy="3362901"/>
+          </a:xfrm>
+          <a:prstGeom prst="curvedConnector3">
+            <a:avLst>
+              <a:gd name="adj1" fmla="val -26181"/>
+            </a:avLst>
+          </a:prstGeom>
+          <a:ln>
+            <a:solidFill>
+              <a:schemeClr val="tx1"/>
+            </a:solidFill>
+            <a:prstDash val="dash"/>
+            <a:headEnd type="none" w="med" len="med"/>
+            <a:tailEnd type="arrow" w="med" len="med"/>
+          </a:ln>
+        </p:spPr>
+        <p:style>
+          <a:lnRef idx="1">
+            <a:schemeClr val="accent1"/>
+          </a:lnRef>
+          <a:fillRef idx="0">
+            <a:schemeClr val="accent1"/>
+          </a:fillRef>
+          <a:effectRef idx="0">
+            <a:schemeClr val="accent1"/>
+          </a:effectRef>
+          <a:fontRef idx="minor">
+            <a:schemeClr val="tx1"/>
+          </a:fontRef>
+        </p:style>
+      </p:cxnSp>
+      <p:sp>
+        <p:nvSpPr>
+          <p:cNvPr id="74" name="TextBox 73">
+            <a:extLst>
+              <a:ext uri="{FF2B5EF4-FFF2-40B4-BE49-F238E27FC236}">
+                <a16:creationId xmlns:a16="http://schemas.microsoft.com/office/drawing/2014/main" id="{5F03DACD-EB7C-234F-9780-5157D2EAEC99}"/>
+              </a:ext>
+            </a:extLst>
+          </p:cNvPr>
+          <p:cNvSpPr txBox="1"/>
+          <p:nvPr/>
+        </p:nvSpPr>
+        <p:spPr>
+          <a:xfrm>
+            <a:off x="7381126" y="4173136"/>
+            <a:ext cx="354264" cy="184666"/>
+          </a:xfrm>
+          <a:prstGeom prst="rect">
+            <a:avLst/>
+          </a:prstGeom>
+          <a:solidFill>
+            <a:schemeClr val="bg1"/>
+          </a:solidFill>
+        </p:spPr>
+        <p:txBody>
+          <a:bodyPr wrap="none" lIns="0" tIns="0" rIns="0" bIns="0" rtlCol="0">
+            <a:spAutoFit/>
+          </a:bodyPr>
+          <a:lstStyle/>
+          <a:p>
+            <a:r>
+              <a:rPr lang="en-US" sz="1200" dirty="0"/>
+              <a:t>token</a:t>
+            </a:r>
+          </a:p>
+        </p:txBody>
+      </p:sp>
+      <p:sp>
+        <p:nvSpPr>
+          <p:cNvPr id="19" name="TextBox 18">
+            <a:extLst>
+              <a:ext uri="{FF2B5EF4-FFF2-40B4-BE49-F238E27FC236}">
+                <a16:creationId xmlns:a16="http://schemas.microsoft.com/office/drawing/2014/main" id="{A3F35545-D886-F341-9736-B188651A95C8}"/>
+              </a:ext>
+            </a:extLst>
+          </p:cNvPr>
+          <p:cNvSpPr txBox="1"/>
+          <p:nvPr/>
+        </p:nvSpPr>
+        <p:spPr>
+          <a:xfrm rot="16200000">
+            <a:off x="5365537" y="5267965"/>
+            <a:ext cx="684865" cy="184666"/>
+          </a:xfrm>
+          <a:prstGeom prst="rect">
+            <a:avLst/>
+          </a:prstGeom>
+          <a:solidFill>
+            <a:schemeClr val="bg1"/>
+          </a:solidFill>
+        </p:spPr>
+        <p:txBody>
+          <a:bodyPr wrap="square" lIns="0" tIns="0" rIns="0" bIns="0" rtlCol="0">
+            <a:spAutoFit/>
+          </a:bodyPr>
+          <a:lstStyle/>
+          <a:p>
+            <a:r>
+              <a:rPr lang="en-US" sz="1200" dirty="0" err="1"/>
+              <a:t>dct:format</a:t>
+            </a:r>
+            <a:endParaRPr lang="en-US" sz="1200" dirty="0"/>
+          </a:p>
+        </p:txBody>
+      </p:sp>
+      <p:cxnSp>
+        <p:nvCxnSpPr>
+          <p:cNvPr id="45" name="Straight Arrow Connector 44">
+            <a:extLst>
+              <a:ext uri="{FF2B5EF4-FFF2-40B4-BE49-F238E27FC236}">
+                <a16:creationId xmlns:a16="http://schemas.microsoft.com/office/drawing/2014/main" id="{C9368358-587A-6240-A313-AF5896B91669}"/>
+              </a:ext>
+            </a:extLst>
+          </p:cNvPr>
+          <p:cNvCxnSpPr>
+            <a:cxnSpLocks/>
+          </p:cNvCxnSpPr>
+          <p:nvPr/>
+        </p:nvCxnSpPr>
+        <p:spPr>
+          <a:xfrm>
+            <a:off x="6897995" y="5666903"/>
+            <a:ext cx="281426" cy="491303"/>
+          </a:xfrm>
+          <a:prstGeom prst="straightConnector1">
+            <a:avLst/>
+          </a:prstGeom>
+          <a:ln>
+            <a:solidFill>
+              <a:schemeClr val="tx1"/>
+            </a:solidFill>
+            <a:headEnd type="none" w="med" len="med"/>
+            <a:tailEnd type="arrow" w="med" len="med"/>
+          </a:ln>
+        </p:spPr>
+        <p:style>
+          <a:lnRef idx="1">
+            <a:schemeClr val="accent1"/>
+          </a:lnRef>
+          <a:fillRef idx="0">
+            <a:schemeClr val="accent1"/>
+          </a:fillRef>
+          <a:effectRef idx="0">
+            <a:schemeClr val="accent1"/>
+          </a:effectRef>
+          <a:fontRef idx="minor">
+            <a:schemeClr val="tx1"/>
+          </a:fontRef>
+        </p:style>
+      </p:cxnSp>
+      <p:sp>
+        <p:nvSpPr>
+          <p:cNvPr id="47" name="Rounded Rectangle 182">
+            <a:extLst>
+              <a:ext uri="{FF2B5EF4-FFF2-40B4-BE49-F238E27FC236}">
+                <a16:creationId xmlns:a16="http://schemas.microsoft.com/office/drawing/2014/main" id="{EFB09EAB-C7F2-4B65-A45F-482A5685C8DF}"/>
               </a:ext>
             </a:extLst>
           </p:cNvPr>
@@ -4413,7 +4425,563 @@
         </p:nvSpPr>
         <p:spPr>
           <a:xfrm>
-            <a:off x="8395551" y="5107650"/>
+            <a:off x="5058429" y="6158206"/>
+            <a:ext cx="1248936" cy="657922"/>
+          </a:xfrm>
+          <a:prstGeom prst="roundRect">
+            <a:avLst/>
+          </a:prstGeom>
+          <a:noFill/>
+          <a:ln>
+            <a:solidFill>
+              <a:schemeClr val="tx1"/>
+            </a:solidFill>
+          </a:ln>
+        </p:spPr>
+        <p:style>
+          <a:lnRef idx="2">
+            <a:schemeClr val="accent1">
+              <a:shade val="50000"/>
+            </a:schemeClr>
+          </a:lnRef>
+          <a:fillRef idx="1">
+            <a:schemeClr val="accent1"/>
+          </a:fillRef>
+          <a:effectRef idx="0">
+            <a:schemeClr val="accent1"/>
+          </a:effectRef>
+          <a:fontRef idx="minor">
+            <a:schemeClr val="lt1"/>
+          </a:fontRef>
+        </p:style>
+        <p:txBody>
+          <a:bodyPr rtlCol="0" anchor="ctr"/>
+          <a:lstStyle/>
+          <a:p>
+            <a:pPr algn="ctr"/>
+            <a:r>
+              <a:rPr lang="en-US" sz="1200" dirty="0">
+                <a:solidFill>
+                  <a:schemeClr val="tx1"/>
+                </a:solidFill>
+              </a:rPr>
+              <a:t>Resource</a:t>
+            </a:r>
+          </a:p>
+        </p:txBody>
+      </p:sp>
+      <p:cxnSp>
+        <p:nvCxnSpPr>
+          <p:cNvPr id="49" name="Straight Arrow Connector 48">
+            <a:extLst>
+              <a:ext uri="{FF2B5EF4-FFF2-40B4-BE49-F238E27FC236}">
+                <a16:creationId xmlns:a16="http://schemas.microsoft.com/office/drawing/2014/main" id="{BF1CFF90-8E3D-45BD-80A5-7EEBDB26996C}"/>
+              </a:ext>
+            </a:extLst>
+          </p:cNvPr>
+          <p:cNvCxnSpPr>
+            <a:cxnSpLocks/>
+          </p:cNvCxnSpPr>
+          <p:nvPr/>
+        </p:nvCxnSpPr>
+        <p:spPr>
+          <a:xfrm flipH="1">
+            <a:off x="5941640" y="5674470"/>
+            <a:ext cx="365725" cy="491302"/>
+          </a:xfrm>
+          <a:prstGeom prst="straightConnector1">
+            <a:avLst/>
+          </a:prstGeom>
+          <a:ln>
+            <a:solidFill>
+              <a:schemeClr val="tx1"/>
+            </a:solidFill>
+            <a:headEnd type="none" w="med" len="med"/>
+            <a:tailEnd type="arrow" w="med" len="med"/>
+          </a:ln>
+        </p:spPr>
+        <p:style>
+          <a:lnRef idx="1">
+            <a:schemeClr val="accent1"/>
+          </a:lnRef>
+          <a:fillRef idx="0">
+            <a:schemeClr val="accent1"/>
+          </a:fillRef>
+          <a:effectRef idx="0">
+            <a:schemeClr val="accent1"/>
+          </a:effectRef>
+          <a:fontRef idx="minor">
+            <a:schemeClr val="tx1"/>
+          </a:fontRef>
+        </p:style>
+      </p:cxnSp>
+      <p:sp>
+        <p:nvSpPr>
+          <p:cNvPr id="50" name="TextBox 49">
+            <a:extLst>
+              <a:ext uri="{FF2B5EF4-FFF2-40B4-BE49-F238E27FC236}">
+                <a16:creationId xmlns:a16="http://schemas.microsoft.com/office/drawing/2014/main" id="{22FD51B1-AE57-434C-A625-7B81DF44ED7D}"/>
+              </a:ext>
+            </a:extLst>
+          </p:cNvPr>
+          <p:cNvSpPr txBox="1"/>
+          <p:nvPr/>
+        </p:nvSpPr>
+        <p:spPr>
+          <a:xfrm>
+            <a:off x="5918430" y="5764822"/>
+            <a:ext cx="447430" cy="184666"/>
+          </a:xfrm>
+          <a:prstGeom prst="rect">
+            <a:avLst/>
+          </a:prstGeom>
+          <a:solidFill>
+            <a:schemeClr val="bg1"/>
+          </a:solidFill>
+        </p:spPr>
+        <p:txBody>
+          <a:bodyPr wrap="none" lIns="0" tIns="0" rIns="0" bIns="0" rtlCol="0">
+            <a:spAutoFit/>
+          </a:bodyPr>
+          <a:lstStyle/>
+          <a:p>
+            <a:r>
+              <a:rPr lang="en-US" sz="1200" dirty="0"/>
+              <a:t>artifact</a:t>
+            </a:r>
+          </a:p>
+        </p:txBody>
+      </p:sp>
+      <p:cxnSp>
+        <p:nvCxnSpPr>
+          <p:cNvPr id="51" name="Straight Arrow Connector 50">
+            <a:extLst>
+              <a:ext uri="{FF2B5EF4-FFF2-40B4-BE49-F238E27FC236}">
+                <a16:creationId xmlns:a16="http://schemas.microsoft.com/office/drawing/2014/main" id="{3FE75ACA-CB50-49F4-81EE-8CC3773D5A6E}"/>
+              </a:ext>
+            </a:extLst>
+          </p:cNvPr>
+          <p:cNvCxnSpPr>
+            <a:cxnSpLocks/>
+          </p:cNvCxnSpPr>
+          <p:nvPr/>
+        </p:nvCxnSpPr>
+        <p:spPr>
+          <a:xfrm>
+            <a:off x="7098500" y="4351059"/>
+            <a:ext cx="3712" cy="657922"/>
+          </a:xfrm>
+          <a:prstGeom prst="straightConnector1">
+            <a:avLst/>
+          </a:prstGeom>
+          <a:ln>
+            <a:solidFill>
+              <a:schemeClr val="tx1"/>
+            </a:solidFill>
+            <a:headEnd type="none" w="med" len="med"/>
+            <a:tailEnd type="arrow" w="med" len="med"/>
+          </a:ln>
+        </p:spPr>
+        <p:style>
+          <a:lnRef idx="1">
+            <a:schemeClr val="accent1"/>
+          </a:lnRef>
+          <a:fillRef idx="0">
+            <a:schemeClr val="accent1"/>
+          </a:fillRef>
+          <a:effectRef idx="0">
+            <a:schemeClr val="accent1"/>
+          </a:effectRef>
+          <a:fontRef idx="minor">
+            <a:schemeClr val="tx1"/>
+          </a:fontRef>
+        </p:style>
+      </p:cxnSp>
+      <p:sp>
+        <p:nvSpPr>
+          <p:cNvPr id="36" name="TextBox 35">
+            <a:extLst>
+              <a:ext uri="{FF2B5EF4-FFF2-40B4-BE49-F238E27FC236}">
+                <a16:creationId xmlns:a16="http://schemas.microsoft.com/office/drawing/2014/main" id="{2439A7AD-5BC1-1140-9CFD-EB5B337D12EB}"/>
+              </a:ext>
+            </a:extLst>
+          </p:cNvPr>
+          <p:cNvSpPr txBox="1"/>
+          <p:nvPr/>
+        </p:nvSpPr>
+        <p:spPr>
+          <a:xfrm>
+            <a:off x="6859357" y="4549555"/>
+            <a:ext cx="543931" cy="184666"/>
+          </a:xfrm>
+          <a:prstGeom prst="rect">
+            <a:avLst/>
+          </a:prstGeom>
+          <a:solidFill>
+            <a:schemeClr val="bg1"/>
+          </a:solidFill>
+        </p:spPr>
+        <p:txBody>
+          <a:bodyPr wrap="none" lIns="0" tIns="0" rIns="0" bIns="0" rtlCol="0">
+            <a:spAutoFit/>
+          </a:bodyPr>
+          <a:lstStyle/>
+          <a:p>
+            <a:r>
+              <a:rPr lang="en-US" sz="1200" dirty="0"/>
+              <a:t>resource</a:t>
+            </a:r>
+          </a:p>
+        </p:txBody>
+      </p:sp>
+      <p:cxnSp>
+        <p:nvCxnSpPr>
+          <p:cNvPr id="52" name="Straight Arrow Connector 51">
+            <a:extLst>
+              <a:ext uri="{FF2B5EF4-FFF2-40B4-BE49-F238E27FC236}">
+                <a16:creationId xmlns:a16="http://schemas.microsoft.com/office/drawing/2014/main" id="{0E677052-7D57-4F0F-907C-A1B6ADAB18B3}"/>
+              </a:ext>
+            </a:extLst>
+          </p:cNvPr>
+          <p:cNvCxnSpPr>
+            <a:cxnSpLocks/>
+          </p:cNvCxnSpPr>
+          <p:nvPr/>
+        </p:nvCxnSpPr>
+        <p:spPr>
+          <a:xfrm flipH="1" flipV="1">
+            <a:off x="6160238" y="4351059"/>
+            <a:ext cx="3712" cy="657922"/>
+          </a:xfrm>
+          <a:prstGeom prst="straightConnector1">
+            <a:avLst/>
+          </a:prstGeom>
+          <a:ln>
+            <a:solidFill>
+              <a:schemeClr val="tx1"/>
+            </a:solidFill>
+            <a:headEnd type="none" w="med" len="med"/>
+            <a:tailEnd type="arrow" w="med" len="med"/>
+          </a:ln>
+        </p:spPr>
+        <p:style>
+          <a:lnRef idx="1">
+            <a:schemeClr val="accent1"/>
+          </a:lnRef>
+          <a:fillRef idx="0">
+            <a:schemeClr val="accent1"/>
+          </a:fillRef>
+          <a:effectRef idx="0">
+            <a:schemeClr val="accent1"/>
+          </a:effectRef>
+          <a:fontRef idx="minor">
+            <a:schemeClr val="tx1"/>
+          </a:fontRef>
+        </p:style>
+      </p:cxnSp>
+      <p:sp>
+        <p:nvSpPr>
+          <p:cNvPr id="46" name="TextBox 45">
+            <a:extLst>
+              <a:ext uri="{FF2B5EF4-FFF2-40B4-BE49-F238E27FC236}">
+                <a16:creationId xmlns:a16="http://schemas.microsoft.com/office/drawing/2014/main" id="{5FB455BE-701D-4332-AAA3-96ADC53BBE2F}"/>
+              </a:ext>
+            </a:extLst>
+          </p:cNvPr>
+          <p:cNvSpPr txBox="1"/>
+          <p:nvPr/>
+        </p:nvSpPr>
+        <p:spPr>
+          <a:xfrm>
+            <a:off x="5847280" y="4548788"/>
+            <a:ext cx="904735" cy="184666"/>
+          </a:xfrm>
+          <a:prstGeom prst="rect">
+            <a:avLst/>
+          </a:prstGeom>
+          <a:solidFill>
+            <a:schemeClr val="bg1"/>
+          </a:solidFill>
+        </p:spPr>
+        <p:txBody>
+          <a:bodyPr wrap="none" lIns="0" tIns="0" rIns="0" bIns="0" rtlCol="0">
+            <a:spAutoFit/>
+          </a:bodyPr>
+          <a:lstStyle/>
+          <a:p>
+            <a:r>
+              <a:rPr lang="en-US" sz="1200" dirty="0" err="1"/>
+              <a:t>inherited from</a:t>
+            </a:r>
+            <a:endParaRPr lang="en-US" sz="1200" dirty="0"/>
+          </a:p>
+        </p:txBody>
+      </p:sp>
+      <p:cxnSp>
+        <p:nvCxnSpPr>
+          <p:cNvPr id="96" name="Straight Arrow Connector 95">
+            <a:extLst>
+              <a:ext uri="{FF2B5EF4-FFF2-40B4-BE49-F238E27FC236}">
+                <a16:creationId xmlns:a16="http://schemas.microsoft.com/office/drawing/2014/main" id="{884A7436-AC80-45CB-A23D-83072CF12B50}"/>
+              </a:ext>
+            </a:extLst>
+          </p:cNvPr>
+          <p:cNvCxnSpPr>
+            <a:cxnSpLocks/>
+          </p:cNvCxnSpPr>
+          <p:nvPr/>
+        </p:nvCxnSpPr>
+        <p:spPr>
+          <a:xfrm flipV="1">
+            <a:off x="6176146" y="2965390"/>
+            <a:ext cx="7683" cy="727747"/>
+          </a:xfrm>
+          <a:prstGeom prst="straightConnector1">
+            <a:avLst/>
+          </a:prstGeom>
+          <a:ln>
+            <a:solidFill>
+              <a:schemeClr val="tx1"/>
+            </a:solidFill>
+            <a:headEnd type="none" w="med" len="med"/>
+            <a:tailEnd type="arrow" w="med" len="med"/>
+          </a:ln>
+        </p:spPr>
+        <p:style>
+          <a:lnRef idx="1">
+            <a:schemeClr val="accent1"/>
+          </a:lnRef>
+          <a:fillRef idx="0">
+            <a:schemeClr val="accent1"/>
+          </a:fillRef>
+          <a:effectRef idx="0">
+            <a:schemeClr val="accent1"/>
+          </a:effectRef>
+          <a:fontRef idx="minor">
+            <a:schemeClr val="tx1"/>
+          </a:fontRef>
+        </p:style>
+      </p:cxnSp>
+      <p:cxnSp>
+        <p:nvCxnSpPr>
+          <p:cNvPr id="100" name="Straight Arrow Connector 99">
+            <a:extLst>
+              <a:ext uri="{FF2B5EF4-FFF2-40B4-BE49-F238E27FC236}">
+                <a16:creationId xmlns:a16="http://schemas.microsoft.com/office/drawing/2014/main" id="{DA53F672-02CC-43B1-AE10-7380345FB5F7}"/>
+              </a:ext>
+            </a:extLst>
+          </p:cNvPr>
+          <p:cNvCxnSpPr>
+            <a:cxnSpLocks/>
+          </p:cNvCxnSpPr>
+          <p:nvPr/>
+        </p:nvCxnSpPr>
+        <p:spPr>
+          <a:xfrm>
+            <a:off x="7057012" y="2965390"/>
+            <a:ext cx="0" cy="731053"/>
+          </a:xfrm>
+          <a:prstGeom prst="straightConnector1">
+            <a:avLst/>
+          </a:prstGeom>
+          <a:ln>
+            <a:solidFill>
+              <a:schemeClr val="tx1"/>
+            </a:solidFill>
+            <a:headEnd type="none" w="med" len="med"/>
+            <a:tailEnd type="arrow" w="med" len="med"/>
+          </a:ln>
+        </p:spPr>
+        <p:style>
+          <a:lnRef idx="1">
+            <a:schemeClr val="accent1"/>
+          </a:lnRef>
+          <a:fillRef idx="0">
+            <a:schemeClr val="accent1"/>
+          </a:fillRef>
+          <a:effectRef idx="0">
+            <a:schemeClr val="accent1"/>
+          </a:effectRef>
+          <a:fontRef idx="minor">
+            <a:schemeClr val="tx1"/>
+          </a:fontRef>
+        </p:style>
+      </p:cxnSp>
+      <p:sp>
+        <p:nvSpPr>
+          <p:cNvPr id="130" name="TextBox 129">
+            <a:extLst>
+              <a:ext uri="{FF2B5EF4-FFF2-40B4-BE49-F238E27FC236}">
+                <a16:creationId xmlns:a16="http://schemas.microsoft.com/office/drawing/2014/main" id="{F6CD0418-5FC8-F748-BE9F-2CCB98F779D9}"/>
+              </a:ext>
+            </a:extLst>
+          </p:cNvPr>
+          <p:cNvSpPr txBox="1"/>
+          <p:nvPr/>
+        </p:nvSpPr>
+        <p:spPr>
+          <a:xfrm>
+            <a:off x="5887867" y="3206117"/>
+            <a:ext cx="700062" cy="184666"/>
+          </a:xfrm>
+          <a:prstGeom prst="rect">
+            <a:avLst/>
+          </a:prstGeom>
+          <a:solidFill>
+            <a:schemeClr val="bg1"/>
+          </a:solidFill>
+        </p:spPr>
+        <p:txBody>
+          <a:bodyPr wrap="square" lIns="0" tIns="0" rIns="0" bIns="0" rtlCol="0">
+            <a:spAutoFit/>
+          </a:bodyPr>
+          <a:lstStyle/>
+          <a:p>
+            <a:r>
+              <a:rPr lang="en-US" sz="1200" dirty="0"/>
+              <a:t>profile of</a:t>
+            </a:r>
+          </a:p>
+        </p:txBody>
+      </p:sp>
+      <p:sp>
+        <p:nvSpPr>
+          <p:cNvPr id="54" name="TextBox 53">
+            <a:extLst>
+              <a:ext uri="{FF2B5EF4-FFF2-40B4-BE49-F238E27FC236}">
+                <a16:creationId xmlns:a16="http://schemas.microsoft.com/office/drawing/2014/main" id="{198406C3-88D1-4B81-811B-62CE1882DC84}"/>
+              </a:ext>
+            </a:extLst>
+          </p:cNvPr>
+          <p:cNvSpPr txBox="1"/>
+          <p:nvPr/>
+        </p:nvSpPr>
+        <p:spPr>
+          <a:xfrm>
+            <a:off x="6822401" y="3194722"/>
+            <a:ext cx="700062" cy="184666"/>
+          </a:xfrm>
+          <a:prstGeom prst="rect">
+            <a:avLst/>
+          </a:prstGeom>
+          <a:solidFill>
+            <a:schemeClr val="bg1"/>
+          </a:solidFill>
+        </p:spPr>
+        <p:txBody>
+          <a:bodyPr wrap="square" lIns="0" tIns="0" rIns="0" bIns="0" rtlCol="0">
+            <a:spAutoFit/>
+          </a:bodyPr>
+          <a:lstStyle/>
+          <a:p>
+            <a:r>
+              <a:rPr lang="en-US" sz="1200" dirty="0"/>
+              <a:t>has profile</a:t>
+            </a:r>
+          </a:p>
+        </p:txBody>
+      </p:sp>
+      <p:cxnSp>
+        <p:nvCxnSpPr>
+          <p:cNvPr id="123" name="Straight Arrow Connector 122">
+            <a:extLst>
+              <a:ext uri="{FF2B5EF4-FFF2-40B4-BE49-F238E27FC236}">
+                <a16:creationId xmlns:a16="http://schemas.microsoft.com/office/drawing/2014/main" id="{DE579B37-86D6-4507-AFC3-16747271BEBE}"/>
+              </a:ext>
+            </a:extLst>
+          </p:cNvPr>
+          <p:cNvCxnSpPr>
+            <a:cxnSpLocks/>
+          </p:cNvCxnSpPr>
+          <p:nvPr/>
+        </p:nvCxnSpPr>
+        <p:spPr>
+          <a:xfrm flipV="1">
+            <a:off x="5415939" y="4173171"/>
+            <a:ext cx="581012" cy="7980"/>
+          </a:xfrm>
+          <a:prstGeom prst="straightConnector1">
+            <a:avLst/>
+          </a:prstGeom>
+          <a:ln>
+            <a:solidFill>
+              <a:schemeClr val="tx1"/>
+            </a:solidFill>
+            <a:headEnd type="none" w="med" len="med"/>
+            <a:tailEnd type="arrow" w="med" len="med"/>
+          </a:ln>
+        </p:spPr>
+        <p:style>
+          <a:lnRef idx="1">
+            <a:schemeClr val="accent1"/>
+          </a:lnRef>
+          <a:fillRef idx="0">
+            <a:schemeClr val="accent1"/>
+          </a:fillRef>
+          <a:effectRef idx="0">
+            <a:schemeClr val="accent1"/>
+          </a:effectRef>
+          <a:fontRef idx="minor">
+            <a:schemeClr val="tx1"/>
+          </a:fontRef>
+        </p:style>
+      </p:cxnSp>
+      <p:sp>
+        <p:nvSpPr>
+          <p:cNvPr id="37" name="TextBox 36">
+            <a:extLst>
+              <a:ext uri="{FF2B5EF4-FFF2-40B4-BE49-F238E27FC236}">
+                <a16:creationId xmlns:a16="http://schemas.microsoft.com/office/drawing/2014/main" id="{D112D62A-46A2-8F4F-98B1-7631B1975349}"/>
+              </a:ext>
+            </a:extLst>
+          </p:cNvPr>
+          <p:cNvSpPr txBox="1"/>
+          <p:nvPr/>
+        </p:nvSpPr>
+        <p:spPr>
+          <a:xfrm rot="5400000">
+            <a:off x="5312499" y="4214954"/>
+            <a:ext cx="776559" cy="184666"/>
+          </a:xfrm>
+          <a:prstGeom prst="rect">
+            <a:avLst/>
+          </a:prstGeom>
+          <a:solidFill>
+            <a:schemeClr val="bg1"/>
+          </a:solidFill>
+        </p:spPr>
+        <p:txBody>
+          <a:bodyPr wrap="none" lIns="0" tIns="0" rIns="0" bIns="0" rtlCol="0">
+            <a:spAutoFit/>
+          </a:bodyPr>
+          <a:lstStyle/>
+          <a:p>
+            <a:r>
+              <a:rPr lang="en-US" sz="1200" dirty="0" err="1"/>
+              <a:t>profile of</a:t>
+            </a:r>
+            <a:r>
+              <a:rPr lang="en-US" sz="1200" dirty="0"/>
+              <a:t> [0]</a:t>
+            </a:r>
+          </a:p>
+        </p:txBody>
+      </p:sp>
+      <p:sp>
+        <p:nvSpPr>
+          <p:cNvPr id="127" name="Rounded Rectangle 37">
+            <a:extLst>
+              <a:ext uri="{FF2B5EF4-FFF2-40B4-BE49-F238E27FC236}">
+                <a16:creationId xmlns:a16="http://schemas.microsoft.com/office/drawing/2014/main" id="{F90EB35C-B0B3-44BD-B112-A74244000305}"/>
+              </a:ext>
+            </a:extLst>
+          </p:cNvPr>
+          <p:cNvSpPr/>
+          <p:nvPr/>
+        </p:nvSpPr>
+        <p:spPr>
+          <a:xfrm>
+            <a:off x="6000663" y="5008981"/>
             <a:ext cx="1248936" cy="657922"/>
           </a:xfrm>
           <a:prstGeom prst="roundRect">
@@ -4460,10 +5028,10 @@
       </p:sp>
       <p:sp>
         <p:nvSpPr>
-          <p:cNvPr id="48" name="TextBox 47">
-            <a:extLst>
-              <a:ext uri="{FF2B5EF4-FFF2-40B4-BE49-F238E27FC236}">
-                <a16:creationId xmlns:a16="http://schemas.microsoft.com/office/drawing/2014/main" id="{BB232CB9-2245-A443-8CFB-F5E91477C0A1}"/>
+          <p:cNvPr id="140" name="TextBox 139">
+            <a:extLst>
+              <a:ext uri="{FF2B5EF4-FFF2-40B4-BE49-F238E27FC236}">
+                <a16:creationId xmlns:a16="http://schemas.microsoft.com/office/drawing/2014/main" id="{C8D1DF39-1926-4FAB-80B7-C884FF683904}"/>
               </a:ext>
             </a:extLst>
           </p:cNvPr>
@@ -4472,51 +5040,177 @@
         </p:nvSpPr>
         <p:spPr>
           <a:xfrm>
-            <a:off x="1256465" y="3593158"/>
-            <a:ext cx="1090683" cy="307777"/>
+            <a:off x="7948052" y="4541842"/>
+            <a:ext cx="105798" cy="184666"/>
           </a:xfrm>
           <a:prstGeom prst="rect">
             <a:avLst/>
           </a:prstGeom>
-          <a:noFill/>
-        </p:spPr>
-        <p:txBody>
-          <a:bodyPr wrap="none" rtlCol="0">
+          <a:solidFill>
+            <a:schemeClr val="bg1"/>
+          </a:solidFill>
+        </p:spPr>
+        <p:txBody>
+          <a:bodyPr wrap="none" lIns="0" tIns="0" rIns="0" bIns="0" rtlCol="0">
             <a:spAutoFit/>
           </a:bodyPr>
           <a:lstStyle/>
           <a:p>
             <a:r>
-              <a:rPr lang="en-US" sz="1400" u="sng"/>
-              <a:t>Element Key</a:t>
+              <a:rPr lang="en-US" sz="1200" dirty="0"/>
+              <a:t>   </a:t>
+            </a:r>
+          </a:p>
+        </p:txBody>
+      </p:sp>
+      <p:sp>
+        <p:nvSpPr>
+          <p:cNvPr id="141" name="TextBox 140">
+            <a:extLst>
+              <a:ext uri="{FF2B5EF4-FFF2-40B4-BE49-F238E27FC236}">
+                <a16:creationId xmlns:a16="http://schemas.microsoft.com/office/drawing/2014/main" id="{59723E48-E319-4C92-B62B-DC69090F96B1}"/>
+              </a:ext>
+            </a:extLst>
+          </p:cNvPr>
+          <p:cNvSpPr txBox="1"/>
+          <p:nvPr/>
+        </p:nvSpPr>
+        <p:spPr>
+          <a:xfrm>
+            <a:off x="7987782" y="3385228"/>
+            <a:ext cx="105798" cy="184666"/>
+          </a:xfrm>
+          <a:prstGeom prst="rect">
+            <a:avLst/>
+          </a:prstGeom>
+          <a:solidFill>
+            <a:schemeClr val="bg1"/>
+          </a:solidFill>
+        </p:spPr>
+        <p:txBody>
+          <a:bodyPr wrap="none" lIns="0" tIns="0" rIns="0" bIns="0" rtlCol="0">
+            <a:spAutoFit/>
+          </a:bodyPr>
+          <a:lstStyle/>
+          <a:p>
+            <a:r>
+              <a:rPr lang="en-US" sz="1200" dirty="0"/>
+              <a:t>   </a:t>
             </a:r>
           </a:p>
         </p:txBody>
       </p:sp>
       <p:cxnSp>
         <p:nvCxnSpPr>
-          <p:cNvPr id="42" name="Curved Connector 41">
-            <a:extLst>
-              <a:ext uri="{FF2B5EF4-FFF2-40B4-BE49-F238E27FC236}">
-                <a16:creationId xmlns:a16="http://schemas.microsoft.com/office/drawing/2014/main" id="{1E704936-F7D0-9B4F-90F5-D6EE720D285B}"/>
+          <p:cNvPr id="132" name="Curved Connector 41">
+            <a:extLst>
+              <a:ext uri="{FF2B5EF4-FFF2-40B4-BE49-F238E27FC236}">
+                <a16:creationId xmlns:a16="http://schemas.microsoft.com/office/drawing/2014/main" id="{A57AADFA-5F18-4079-A4C1-C35BD6CE98D5}"/>
               </a:ext>
             </a:extLst>
           </p:cNvPr>
           <p:cNvCxnSpPr>
             <a:cxnSpLocks/>
-            <a:endCxn id="176" idx="0"/>
+            <a:stCxn id="127" idx="3"/>
+            <a:endCxn id="39" idx="3"/>
           </p:cNvCxnSpPr>
           <p:nvPr/>
         </p:nvCxnSpPr>
         <p:spPr>
-          <a:xfrm rot="16200000" flipH="1">
-            <a:off x="9029131" y="1574498"/>
-            <a:ext cx="12728" cy="4956121"/>
+          <a:xfrm flipV="1">
+            <a:off x="7249599" y="2636429"/>
+            <a:ext cx="3971" cy="2701513"/>
           </a:xfrm>
           <a:prstGeom prst="curvedConnector3">
             <a:avLst>
-              <a:gd name="adj1" fmla="val -10102742"/>
+              <a:gd name="adj1" fmla="val 22075699"/>
             </a:avLst>
+          </a:prstGeom>
+          <a:ln>
+            <a:solidFill>
+              <a:schemeClr val="tx1"/>
+            </a:solidFill>
+            <a:prstDash val="solid"/>
+            <a:headEnd type="none" w="med" len="med"/>
+            <a:tailEnd type="arrow" w="med" len="med"/>
+          </a:ln>
+        </p:spPr>
+        <p:style>
+          <a:lnRef idx="1">
+            <a:schemeClr val="accent1"/>
+          </a:lnRef>
+          <a:fillRef idx="0">
+            <a:schemeClr val="accent1"/>
+          </a:fillRef>
+          <a:effectRef idx="0">
+            <a:schemeClr val="accent1"/>
+          </a:effectRef>
+          <a:fontRef idx="minor">
+            <a:schemeClr val="tx1"/>
+          </a:fontRef>
+        </p:style>
+      </p:cxnSp>
+      <p:sp>
+        <p:nvSpPr>
+          <p:cNvPr id="59" name="TextBox 58">
+            <a:extLst>
+              <a:ext uri="{FF2B5EF4-FFF2-40B4-BE49-F238E27FC236}">
+                <a16:creationId xmlns:a16="http://schemas.microsoft.com/office/drawing/2014/main" id="{74C07DF3-497E-4D4B-86D9-69DC39DA8D13}"/>
+              </a:ext>
+            </a:extLst>
+          </p:cNvPr>
+          <p:cNvSpPr txBox="1"/>
+          <p:nvPr/>
+        </p:nvSpPr>
+        <p:spPr>
+          <a:xfrm>
+            <a:off x="7698594" y="3795236"/>
+            <a:ext cx="970009" cy="184666"/>
+          </a:xfrm>
+          <a:prstGeom prst="rect">
+            <a:avLst/>
+          </a:prstGeom>
+          <a:solidFill>
+            <a:schemeClr val="bg1"/>
+          </a:solidFill>
+        </p:spPr>
+        <p:txBody>
+          <a:bodyPr wrap="none" lIns="0" tIns="0" rIns="0" bIns="0" rtlCol="0">
+            <a:spAutoFit/>
+          </a:bodyPr>
+          <a:lstStyle/>
+          <a:p>
+            <a:r>
+              <a:rPr lang="en-US" sz="1200" dirty="0" err="1"/>
+              <a:t>dct:conformsTo</a:t>
+            </a:r>
+            <a:endParaRPr lang="en-US" sz="1200" dirty="0"/>
+          </a:p>
+        </p:txBody>
+      </p:sp>
+      <p:cxnSp>
+        <p:nvCxnSpPr>
+          <p:cNvPr id="153" name="Curved Connector 41">
+            <a:extLst>
+              <a:ext uri="{FF2B5EF4-FFF2-40B4-BE49-F238E27FC236}">
+                <a16:creationId xmlns:a16="http://schemas.microsoft.com/office/drawing/2014/main" id="{B4B04BAE-E18C-4334-A9BF-0209B4991225}"/>
+              </a:ext>
+            </a:extLst>
+          </p:cNvPr>
+          <p:cNvCxnSpPr>
+            <a:cxnSpLocks/>
+            <a:stCxn id="183" idx="3"/>
+            <a:endCxn id="176" idx="2"/>
+          </p:cNvCxnSpPr>
+          <p:nvPr/>
+        </p:nvCxnSpPr>
+        <p:spPr>
+          <a:xfrm flipV="1">
+            <a:off x="8146931" y="5224212"/>
+            <a:ext cx="1837389" cy="1262955"/>
+          </a:xfrm>
+          <a:prstGeom prst="curvedConnector2">
+            <a:avLst/>
           </a:prstGeom>
           <a:ln>
             <a:solidFill>
@@ -4544,10 +5238,10 @@
       </p:cxnSp>
       <p:sp>
         <p:nvSpPr>
-          <p:cNvPr id="59" name="TextBox 58">
-            <a:extLst>
-              <a:ext uri="{FF2B5EF4-FFF2-40B4-BE49-F238E27FC236}">
-                <a16:creationId xmlns:a16="http://schemas.microsoft.com/office/drawing/2014/main" id="{74C07DF3-497E-4D4B-86D9-69DC39DA8D13}"/>
+          <p:cNvPr id="168" name="TextBox 167">
+            <a:extLst>
+              <a:ext uri="{FF2B5EF4-FFF2-40B4-BE49-F238E27FC236}">
+                <a16:creationId xmlns:a16="http://schemas.microsoft.com/office/drawing/2014/main" id="{25AEB04E-5F14-1F41-A811-15E49E60030E}"/>
               </a:ext>
             </a:extLst>
           </p:cNvPr>
@@ -4556,8 +5250,8 @@
         </p:nvSpPr>
         <p:spPr>
           <a:xfrm>
-            <a:off x="7698594" y="4153041"/>
-            <a:ext cx="970009" cy="184666"/>
+            <a:off x="6645232" y="5764822"/>
+            <a:ext cx="823559" cy="184666"/>
           </a:xfrm>
           <a:prstGeom prst="rect">
             <a:avLst/>
@@ -4574,564 +5268,7 @@
           <a:p>
             <a:r>
               <a:rPr lang="en-US" sz="1200" dirty="0" err="1"/>
-              <a:t>dct:conformsTo</a:t>
-            </a:r>
-            <a:endParaRPr lang="en-US" sz="1200" dirty="0"/>
-          </a:p>
-        </p:txBody>
-      </p:sp>
-      <p:sp>
-        <p:nvSpPr>
-          <p:cNvPr id="37" name="TextBox 36">
-            <a:extLst>
-              <a:ext uri="{FF2B5EF4-FFF2-40B4-BE49-F238E27FC236}">
-                <a16:creationId xmlns:a16="http://schemas.microsoft.com/office/drawing/2014/main" id="{D112D62A-46A2-8F4F-98B1-7631B1975349}"/>
-              </a:ext>
-            </a:extLst>
-          </p:cNvPr>
-          <p:cNvSpPr txBox="1"/>
-          <p:nvPr/>
-        </p:nvSpPr>
-        <p:spPr>
-          <a:xfrm>
-            <a:off x="4596969" y="4808724"/>
-            <a:ext cx="776559" cy="184666"/>
-          </a:xfrm>
-          <a:prstGeom prst="rect">
-            <a:avLst/>
-          </a:prstGeom>
-          <a:solidFill>
-            <a:schemeClr val="bg1"/>
-          </a:solidFill>
-        </p:spPr>
-        <p:txBody>
-          <a:bodyPr wrap="none" lIns="0" tIns="0" rIns="0" bIns="0" rtlCol="0">
-            <a:spAutoFit/>
-          </a:bodyPr>
-          <a:lstStyle/>
-          <a:p>
-            <a:r>
-              <a:rPr lang="en-US" sz="1200" dirty="0" err="1"/>
-              <a:t>profile of</a:t>
-            </a:r>
-            <a:r>
-              <a:rPr lang="en-US" sz="1200" dirty="0"/>
-              <a:t> [0]</a:t>
-            </a:r>
-          </a:p>
-        </p:txBody>
-      </p:sp>
-      <p:sp>
-        <p:nvSpPr>
-          <p:cNvPr id="74" name="TextBox 73">
-            <a:extLst>
-              <a:ext uri="{FF2B5EF4-FFF2-40B4-BE49-F238E27FC236}">
-                <a16:creationId xmlns:a16="http://schemas.microsoft.com/office/drawing/2014/main" id="{5F03DACD-EB7C-234F-9780-5157D2EAEC99}"/>
-              </a:ext>
-            </a:extLst>
-          </p:cNvPr>
-          <p:cNvSpPr txBox="1"/>
-          <p:nvPr/>
-        </p:nvSpPr>
-        <p:spPr>
-          <a:xfrm>
-            <a:off x="6418206" y="4808724"/>
-            <a:ext cx="354264" cy="184666"/>
-          </a:xfrm>
-          <a:prstGeom prst="rect">
-            <a:avLst/>
-          </a:prstGeom>
-          <a:solidFill>
-            <a:schemeClr val="bg1"/>
-          </a:solidFill>
-        </p:spPr>
-        <p:txBody>
-          <a:bodyPr wrap="none" lIns="0" tIns="0" rIns="0" bIns="0" rtlCol="0">
-            <a:spAutoFit/>
-          </a:bodyPr>
-          <a:lstStyle/>
-          <a:p>
-            <a:r>
-              <a:rPr lang="en-US" sz="1200" dirty="0"/>
-              <a:t>token</a:t>
-            </a:r>
-          </a:p>
-        </p:txBody>
-      </p:sp>
-      <p:sp>
-        <p:nvSpPr>
-          <p:cNvPr id="130" name="TextBox 129">
-            <a:extLst>
-              <a:ext uri="{FF2B5EF4-FFF2-40B4-BE49-F238E27FC236}">
-                <a16:creationId xmlns:a16="http://schemas.microsoft.com/office/drawing/2014/main" id="{F6CD0418-5FC8-F748-BE9F-2CCB98F779D9}"/>
-              </a:ext>
-            </a:extLst>
-          </p:cNvPr>
-          <p:cNvSpPr txBox="1"/>
-          <p:nvPr/>
-        </p:nvSpPr>
-        <p:spPr>
-          <a:xfrm>
-            <a:off x="4898113" y="3388275"/>
-            <a:ext cx="1539769" cy="184666"/>
-          </a:xfrm>
-          <a:prstGeom prst="rect">
-            <a:avLst/>
-          </a:prstGeom>
-          <a:solidFill>
-            <a:schemeClr val="bg1"/>
-          </a:solidFill>
-        </p:spPr>
-        <p:txBody>
-          <a:bodyPr wrap="square" lIns="0" tIns="0" rIns="0" bIns="0" rtlCol="0">
-            <a:spAutoFit/>
-          </a:bodyPr>
-          <a:lstStyle/>
-          <a:p>
-            <a:r>
-              <a:rPr lang="en-US" sz="1200" dirty="0" err="1"/>
-              <a:t>has profile</a:t>
-            </a:r>
-            <a:r>
-              <a:rPr lang="en-US" sz="1200" dirty="0"/>
-              <a:t> inv. p</a:t>
-            </a:r>
-            <a:r>
-              <a:rPr lang="en-US" sz="1200" dirty="0" err="1"/>
-              <a:t>rofile of</a:t>
-            </a:r>
-            <a:endParaRPr lang="en-US" sz="1200" dirty="0"/>
-          </a:p>
-        </p:txBody>
-      </p:sp>
-      <p:sp>
-        <p:nvSpPr>
-          <p:cNvPr id="168" name="TextBox 167">
-            <a:extLst>
-              <a:ext uri="{FF2B5EF4-FFF2-40B4-BE49-F238E27FC236}">
-                <a16:creationId xmlns:a16="http://schemas.microsoft.com/office/drawing/2014/main" id="{25AEB04E-5F14-1F41-A811-15E49E60030E}"/>
-              </a:ext>
-            </a:extLst>
-          </p:cNvPr>
-          <p:cNvSpPr txBox="1"/>
-          <p:nvPr/>
-        </p:nvSpPr>
-        <p:spPr>
-          <a:xfrm>
-            <a:off x="9862107" y="5216347"/>
-            <a:ext cx="823559" cy="184666"/>
-          </a:xfrm>
-          <a:prstGeom prst="rect">
-            <a:avLst/>
-          </a:prstGeom>
-          <a:solidFill>
-            <a:schemeClr val="bg1"/>
-          </a:solidFill>
-        </p:spPr>
-        <p:txBody>
-          <a:bodyPr wrap="none" lIns="0" tIns="0" rIns="0" bIns="0" rtlCol="0">
-            <a:spAutoFit/>
-          </a:bodyPr>
-          <a:lstStyle/>
-          <a:p>
-            <a:r>
-              <a:rPr lang="en-US" sz="1200" dirty="0" err="1"/>
               <a:t>resource role</a:t>
-            </a:r>
-            <a:endParaRPr lang="en-US" sz="1200" dirty="0"/>
-          </a:p>
-        </p:txBody>
-      </p:sp>
-      <p:sp>
-        <p:nvSpPr>
-          <p:cNvPr id="19" name="TextBox 18">
-            <a:extLst>
-              <a:ext uri="{FF2B5EF4-FFF2-40B4-BE49-F238E27FC236}">
-                <a16:creationId xmlns:a16="http://schemas.microsoft.com/office/drawing/2014/main" id="{A3F35545-D886-F341-9736-B188651A95C8}"/>
-              </a:ext>
-            </a:extLst>
-          </p:cNvPr>
-          <p:cNvSpPr txBox="1"/>
-          <p:nvPr/>
-        </p:nvSpPr>
-        <p:spPr>
-          <a:xfrm>
-            <a:off x="9068858" y="4833491"/>
-            <a:ext cx="684865" cy="184666"/>
-          </a:xfrm>
-          <a:prstGeom prst="rect">
-            <a:avLst/>
-          </a:prstGeom>
-          <a:solidFill>
-            <a:schemeClr val="bg1"/>
-          </a:solidFill>
-        </p:spPr>
-        <p:txBody>
-          <a:bodyPr wrap="square" lIns="0" tIns="0" rIns="0" bIns="0" rtlCol="0">
-            <a:spAutoFit/>
-          </a:bodyPr>
-          <a:lstStyle/>
-          <a:p>
-            <a:r>
-              <a:rPr lang="en-US" sz="1200" dirty="0" err="1"/>
-              <a:t>dct:format</a:t>
-            </a:r>
-            <a:endParaRPr lang="en-US" sz="1200" dirty="0"/>
-          </a:p>
-        </p:txBody>
-      </p:sp>
-      <p:cxnSp>
-        <p:nvCxnSpPr>
-          <p:cNvPr id="45" name="Straight Arrow Connector 44">
-            <a:extLst>
-              <a:ext uri="{FF2B5EF4-FFF2-40B4-BE49-F238E27FC236}">
-                <a16:creationId xmlns:a16="http://schemas.microsoft.com/office/drawing/2014/main" id="{C9368358-587A-6240-A313-AF5896B91669}"/>
-              </a:ext>
-            </a:extLst>
-          </p:cNvPr>
-          <p:cNvCxnSpPr>
-            <a:cxnSpLocks/>
-            <a:stCxn id="38" idx="3"/>
-            <a:endCxn id="183" idx="1"/>
-          </p:cNvCxnSpPr>
-          <p:nvPr/>
-        </p:nvCxnSpPr>
-        <p:spPr>
-          <a:xfrm>
-            <a:off x="9644487" y="5436611"/>
-            <a:ext cx="1244601" cy="0"/>
-          </a:xfrm>
-          <a:prstGeom prst="straightConnector1">
-            <a:avLst/>
-          </a:prstGeom>
-          <a:ln>
-            <a:solidFill>
-              <a:schemeClr val="tx1"/>
-            </a:solidFill>
-            <a:headEnd type="none" w="med" len="med"/>
-            <a:tailEnd type="arrow" w="med" len="med"/>
-          </a:ln>
-        </p:spPr>
-        <p:style>
-          <a:lnRef idx="1">
-            <a:schemeClr val="accent1"/>
-          </a:lnRef>
-          <a:fillRef idx="0">
-            <a:schemeClr val="accent1"/>
-          </a:fillRef>
-          <a:effectRef idx="0">
-            <a:schemeClr val="accent1"/>
-          </a:effectRef>
-          <a:fontRef idx="minor">
-            <a:schemeClr val="tx1"/>
-          </a:fontRef>
-        </p:style>
-      </p:cxnSp>
-      <p:sp>
-        <p:nvSpPr>
-          <p:cNvPr id="47" name="Rounded Rectangle 182">
-            <a:extLst>
-              <a:ext uri="{FF2B5EF4-FFF2-40B4-BE49-F238E27FC236}">
-                <a16:creationId xmlns:a16="http://schemas.microsoft.com/office/drawing/2014/main" id="{EFB09EAB-C7F2-4B65-A45F-482A5685C8DF}"/>
-              </a:ext>
-            </a:extLst>
-          </p:cNvPr>
-          <p:cNvSpPr/>
-          <p:nvPr/>
-        </p:nvSpPr>
-        <p:spPr>
-          <a:xfrm>
-            <a:off x="9753723" y="6145327"/>
-            <a:ext cx="1248936" cy="657922"/>
-          </a:xfrm>
-          <a:prstGeom prst="roundRect">
-            <a:avLst/>
-          </a:prstGeom>
-          <a:noFill/>
-          <a:ln>
-            <a:solidFill>
-              <a:schemeClr val="tx1"/>
-            </a:solidFill>
-          </a:ln>
-        </p:spPr>
-        <p:style>
-          <a:lnRef idx="2">
-            <a:schemeClr val="accent1">
-              <a:shade val="50000"/>
-            </a:schemeClr>
-          </a:lnRef>
-          <a:fillRef idx="1">
-            <a:schemeClr val="accent1"/>
-          </a:fillRef>
-          <a:effectRef idx="0">
-            <a:schemeClr val="accent1"/>
-          </a:effectRef>
-          <a:fontRef idx="minor">
-            <a:schemeClr val="lt1"/>
-          </a:fontRef>
-        </p:style>
-        <p:txBody>
-          <a:bodyPr rtlCol="0" anchor="ctr"/>
-          <a:lstStyle/>
-          <a:p>
-            <a:pPr algn="ctr"/>
-            <a:r>
-              <a:rPr lang="en-US" sz="1200" dirty="0">
-                <a:solidFill>
-                  <a:schemeClr val="tx1"/>
-                </a:solidFill>
-              </a:rPr>
-              <a:t>Resource</a:t>
-            </a:r>
-          </a:p>
-        </p:txBody>
-      </p:sp>
-      <p:cxnSp>
-        <p:nvCxnSpPr>
-          <p:cNvPr id="49" name="Straight Arrow Connector 48">
-            <a:extLst>
-              <a:ext uri="{FF2B5EF4-FFF2-40B4-BE49-F238E27FC236}">
-                <a16:creationId xmlns:a16="http://schemas.microsoft.com/office/drawing/2014/main" id="{BF1CFF90-8E3D-45BD-80A5-7EEBDB26996C}"/>
-              </a:ext>
-            </a:extLst>
-          </p:cNvPr>
-          <p:cNvCxnSpPr>
-            <a:cxnSpLocks/>
-            <a:stCxn id="38" idx="3"/>
-            <a:endCxn id="47" idx="0"/>
-          </p:cNvCxnSpPr>
-          <p:nvPr/>
-        </p:nvCxnSpPr>
-        <p:spPr>
-          <a:xfrm>
-            <a:off x="9644487" y="5436611"/>
-            <a:ext cx="733704" cy="708716"/>
-          </a:xfrm>
-          <a:prstGeom prst="straightConnector1">
-            <a:avLst/>
-          </a:prstGeom>
-          <a:ln>
-            <a:solidFill>
-              <a:schemeClr val="tx1"/>
-            </a:solidFill>
-            <a:headEnd type="none" w="med" len="med"/>
-            <a:tailEnd type="arrow" w="med" len="med"/>
-          </a:ln>
-        </p:spPr>
-        <p:style>
-          <a:lnRef idx="1">
-            <a:schemeClr val="accent1"/>
-          </a:lnRef>
-          <a:fillRef idx="0">
-            <a:schemeClr val="accent1"/>
-          </a:fillRef>
-          <a:effectRef idx="0">
-            <a:schemeClr val="accent1"/>
-          </a:effectRef>
-          <a:fontRef idx="minor">
-            <a:schemeClr val="tx1"/>
-          </a:fontRef>
-        </p:style>
-      </p:cxnSp>
-      <p:sp>
-        <p:nvSpPr>
-          <p:cNvPr id="50" name="TextBox 49">
-            <a:extLst>
-              <a:ext uri="{FF2B5EF4-FFF2-40B4-BE49-F238E27FC236}">
-                <a16:creationId xmlns:a16="http://schemas.microsoft.com/office/drawing/2014/main" id="{22FD51B1-AE57-434C-A625-7B81DF44ED7D}"/>
-              </a:ext>
-            </a:extLst>
-          </p:cNvPr>
-          <p:cNvSpPr txBox="1"/>
-          <p:nvPr/>
-        </p:nvSpPr>
-        <p:spPr>
-          <a:xfrm>
-            <a:off x="9738412" y="5650315"/>
-            <a:ext cx="486095" cy="184666"/>
-          </a:xfrm>
-          <a:prstGeom prst="rect">
-            <a:avLst/>
-          </a:prstGeom>
-          <a:solidFill>
-            <a:schemeClr val="bg1"/>
-          </a:solidFill>
-        </p:spPr>
-        <p:txBody>
-          <a:bodyPr wrap="none" lIns="0" tIns="0" rIns="0" bIns="0" rtlCol="0">
-            <a:spAutoFit/>
-          </a:bodyPr>
-          <a:lstStyle/>
-          <a:p>
-            <a:r>
-              <a:rPr lang="en-US" sz="1200" dirty="0"/>
-              <a:t>artefact</a:t>
-            </a:r>
-          </a:p>
-        </p:txBody>
-      </p:sp>
-      <p:cxnSp>
-        <p:nvCxnSpPr>
-          <p:cNvPr id="51" name="Straight Arrow Connector 50">
-            <a:extLst>
-              <a:ext uri="{FF2B5EF4-FFF2-40B4-BE49-F238E27FC236}">
-                <a16:creationId xmlns:a16="http://schemas.microsoft.com/office/drawing/2014/main" id="{3FE75ACA-CB50-49F4-81EE-8CC3773D5A6E}"/>
-              </a:ext>
-            </a:extLst>
-          </p:cNvPr>
-          <p:cNvCxnSpPr>
-            <a:cxnSpLocks/>
-            <a:stCxn id="20" idx="3"/>
-          </p:cNvCxnSpPr>
-          <p:nvPr/>
-        </p:nvCxnSpPr>
-        <p:spPr>
-          <a:xfrm>
-            <a:off x="6913379" y="4379903"/>
-            <a:ext cx="1495755" cy="769943"/>
-          </a:xfrm>
-          <a:prstGeom prst="straightConnector1">
-            <a:avLst/>
-          </a:prstGeom>
-          <a:ln>
-            <a:solidFill>
-              <a:schemeClr val="tx1"/>
-            </a:solidFill>
-            <a:headEnd type="none" w="med" len="med"/>
-            <a:tailEnd type="arrow" w="med" len="med"/>
-          </a:ln>
-        </p:spPr>
-        <p:style>
-          <a:lnRef idx="1">
-            <a:schemeClr val="accent1"/>
-          </a:lnRef>
-          <a:fillRef idx="0">
-            <a:schemeClr val="accent1"/>
-          </a:fillRef>
-          <a:effectRef idx="0">
-            <a:schemeClr val="accent1"/>
-          </a:effectRef>
-          <a:fontRef idx="minor">
-            <a:schemeClr val="tx1"/>
-          </a:fontRef>
-        </p:style>
-      </p:cxnSp>
-      <p:sp>
-        <p:nvSpPr>
-          <p:cNvPr id="36" name="TextBox 35">
-            <a:extLst>
-              <a:ext uri="{FF2B5EF4-FFF2-40B4-BE49-F238E27FC236}">
-                <a16:creationId xmlns:a16="http://schemas.microsoft.com/office/drawing/2014/main" id="{2439A7AD-5BC1-1140-9CFD-EB5B337D12EB}"/>
-              </a:ext>
-            </a:extLst>
-          </p:cNvPr>
-          <p:cNvSpPr txBox="1"/>
-          <p:nvPr/>
-        </p:nvSpPr>
-        <p:spPr>
-          <a:xfrm>
-            <a:off x="7425006" y="4683843"/>
-            <a:ext cx="543931" cy="184666"/>
-          </a:xfrm>
-          <a:prstGeom prst="rect">
-            <a:avLst/>
-          </a:prstGeom>
-          <a:solidFill>
-            <a:schemeClr val="bg1"/>
-          </a:solidFill>
-        </p:spPr>
-        <p:txBody>
-          <a:bodyPr wrap="none" lIns="0" tIns="0" rIns="0" bIns="0" rtlCol="0">
-            <a:spAutoFit/>
-          </a:bodyPr>
-          <a:lstStyle/>
-          <a:p>
-            <a:r>
-              <a:rPr lang="en-US" sz="1200" dirty="0"/>
-              <a:t>resource</a:t>
-            </a:r>
-          </a:p>
-        </p:txBody>
-      </p:sp>
-      <p:cxnSp>
-        <p:nvCxnSpPr>
-          <p:cNvPr id="52" name="Straight Arrow Connector 51">
-            <a:extLst>
-              <a:ext uri="{FF2B5EF4-FFF2-40B4-BE49-F238E27FC236}">
-                <a16:creationId xmlns:a16="http://schemas.microsoft.com/office/drawing/2014/main" id="{0E677052-7D57-4F0F-907C-A1B6ADAB18B3}"/>
-              </a:ext>
-            </a:extLst>
-          </p:cNvPr>
-          <p:cNvCxnSpPr>
-            <a:cxnSpLocks/>
-            <a:stCxn id="38" idx="1"/>
-          </p:cNvCxnSpPr>
-          <p:nvPr/>
-        </p:nvCxnSpPr>
-        <p:spPr>
-          <a:xfrm flipH="1" flipV="1">
-            <a:off x="6878670" y="4683843"/>
-            <a:ext cx="1516881" cy="752768"/>
-          </a:xfrm>
-          <a:prstGeom prst="straightConnector1">
-            <a:avLst/>
-          </a:prstGeom>
-          <a:ln>
-            <a:solidFill>
-              <a:schemeClr val="tx1"/>
-            </a:solidFill>
-            <a:headEnd type="none" w="med" len="med"/>
-            <a:tailEnd type="arrow" w="med" len="med"/>
-          </a:ln>
-        </p:spPr>
-        <p:style>
-          <a:lnRef idx="1">
-            <a:schemeClr val="accent1"/>
-          </a:lnRef>
-          <a:fillRef idx="0">
-            <a:schemeClr val="accent1"/>
-          </a:fillRef>
-          <a:effectRef idx="0">
-            <a:schemeClr val="accent1"/>
-          </a:effectRef>
-          <a:fontRef idx="minor">
-            <a:schemeClr val="tx1"/>
-          </a:fontRef>
-        </p:style>
-      </p:cxnSp>
-      <p:sp>
-        <p:nvSpPr>
-          <p:cNvPr id="46" name="TextBox 45">
-            <a:extLst>
-              <a:ext uri="{FF2B5EF4-FFF2-40B4-BE49-F238E27FC236}">
-                <a16:creationId xmlns:a16="http://schemas.microsoft.com/office/drawing/2014/main" id="{5FB455BE-701D-4332-AAA3-96ADC53BBE2F}"/>
-              </a:ext>
-            </a:extLst>
-          </p:cNvPr>
-          <p:cNvSpPr txBox="1"/>
-          <p:nvPr/>
-        </p:nvSpPr>
-        <p:spPr>
-          <a:xfrm>
-            <a:off x="7182232" y="5027508"/>
-            <a:ext cx="904735" cy="184666"/>
-          </a:xfrm>
-          <a:prstGeom prst="rect">
-            <a:avLst/>
-          </a:prstGeom>
-          <a:solidFill>
-            <a:schemeClr val="bg1"/>
-          </a:solidFill>
-        </p:spPr>
-        <p:txBody>
-          <a:bodyPr wrap="none" lIns="0" tIns="0" rIns="0" bIns="0" rtlCol="0">
-            <a:spAutoFit/>
-          </a:bodyPr>
-          <a:lstStyle/>
-          <a:p>
-            <a:r>
-              <a:rPr lang="en-US" sz="1200" dirty="0" err="1"/>
-              <a:t>inherited from</a:t>
             </a:r>
             <a:endParaRPr lang="en-US" sz="1200" dirty="0"/>
           </a:p>

--- a/profilesont/diagrams.pptx
+++ b/profilesont/diagrams.pptx
@@ -266,7 +266,7 @@
           <a:lstStyle/>
           <a:p>
             <a:fld id="{7E83BB5F-FC7B-E342-A7CB-8A5E9A913100}" type="datetimeFigureOut">
-              <a:t>10/31/2018</a:t>
+              <a:t>11/1/2018</a:t>
             </a:fld>
             <a:endParaRPr lang="en-US"/>
           </a:p>
@@ -462,7 +462,7 @@
           <a:lstStyle/>
           <a:p>
             <a:fld id="{7E83BB5F-FC7B-E342-A7CB-8A5E9A913100}" type="datetimeFigureOut">
-              <a:t>10/31/2018</a:t>
+              <a:t>11/1/2018</a:t>
             </a:fld>
             <a:endParaRPr lang="en-US"/>
           </a:p>
@@ -668,7 +668,7 @@
           <a:lstStyle/>
           <a:p>
             <a:fld id="{7E83BB5F-FC7B-E342-A7CB-8A5E9A913100}" type="datetimeFigureOut">
-              <a:t>10/31/2018</a:t>
+              <a:t>11/1/2018</a:t>
             </a:fld>
             <a:endParaRPr lang="en-US"/>
           </a:p>
@@ -864,7 +864,7 @@
           <a:lstStyle/>
           <a:p>
             <a:fld id="{7E83BB5F-FC7B-E342-A7CB-8A5E9A913100}" type="datetimeFigureOut">
-              <a:t>10/31/2018</a:t>
+              <a:t>11/1/2018</a:t>
             </a:fld>
             <a:endParaRPr lang="en-US"/>
           </a:p>
@@ -1137,7 +1137,7 @@
           <a:lstStyle/>
           <a:p>
             <a:fld id="{7E83BB5F-FC7B-E342-A7CB-8A5E9A913100}" type="datetimeFigureOut">
-              <a:t>10/31/2018</a:t>
+              <a:t>11/1/2018</a:t>
             </a:fld>
             <a:endParaRPr lang="en-US"/>
           </a:p>
@@ -1400,7 +1400,7 @@
           <a:lstStyle/>
           <a:p>
             <a:fld id="{7E83BB5F-FC7B-E342-A7CB-8A5E9A913100}" type="datetimeFigureOut">
-              <a:t>10/31/2018</a:t>
+              <a:t>11/1/2018</a:t>
             </a:fld>
             <a:endParaRPr lang="en-US"/>
           </a:p>
@@ -1810,7 +1810,7 @@
           <a:lstStyle/>
           <a:p>
             <a:fld id="{7E83BB5F-FC7B-E342-A7CB-8A5E9A913100}" type="datetimeFigureOut">
-              <a:t>10/31/2018</a:t>
+              <a:t>11/1/2018</a:t>
             </a:fld>
             <a:endParaRPr lang="en-US"/>
           </a:p>
@@ -1949,7 +1949,7 @@
           <a:lstStyle/>
           <a:p>
             <a:fld id="{7E83BB5F-FC7B-E342-A7CB-8A5E9A913100}" type="datetimeFigureOut">
-              <a:t>10/31/2018</a:t>
+              <a:t>11/1/2018</a:t>
             </a:fld>
             <a:endParaRPr lang="en-US"/>
           </a:p>
@@ -2060,7 +2060,7 @@
           <a:lstStyle/>
           <a:p>
             <a:fld id="{7E83BB5F-FC7B-E342-A7CB-8A5E9A913100}" type="datetimeFigureOut">
-              <a:t>10/31/2018</a:t>
+              <a:t>11/1/2018</a:t>
             </a:fld>
             <a:endParaRPr lang="en-US"/>
           </a:p>
@@ -2369,7 +2369,7 @@
           <a:lstStyle/>
           <a:p>
             <a:fld id="{7E83BB5F-FC7B-E342-A7CB-8A5E9A913100}" type="datetimeFigureOut">
-              <a:t>10/31/2018</a:t>
+              <a:t>11/1/2018</a:t>
             </a:fld>
             <a:endParaRPr lang="en-US"/>
           </a:p>
@@ -2655,7 +2655,7 @@
           <a:lstStyle/>
           <a:p>
             <a:fld id="{7E83BB5F-FC7B-E342-A7CB-8A5E9A913100}" type="datetimeFigureOut">
-              <a:t>10/31/2018</a:t>
+              <a:t>11/1/2018</a:t>
             </a:fld>
             <a:endParaRPr lang="en-US"/>
           </a:p>
@@ -2894,7 +2894,7 @@
           </a:lstStyle>
           <a:p>
             <a:fld id="{7E83BB5F-FC7B-E342-A7CB-8A5E9A913100}" type="datetimeFigureOut">
-              <a:t>10/31/2018</a:t>
+              <a:t>11/1/2018</a:t>
             </a:fld>
             <a:endParaRPr lang="en-US"/>
           </a:p>
@@ -12021,12 +12021,935 @@
           <a:chExt cx="0" cy="0"/>
         </a:xfrm>
       </p:grpSpPr>
-      <p:sp>
-        <p:nvSpPr>
-          <p:cNvPr id="2" name="TextBox 1">
-            <a:extLst>
-              <a:ext uri="{FF2B5EF4-FFF2-40B4-BE49-F238E27FC236}">
-                <a16:creationId xmlns:a16="http://schemas.microsoft.com/office/drawing/2014/main" id="{83BA414C-DCB0-3640-8724-6378CC0BA2FA}"/>
+      <p:cxnSp>
+        <p:nvCxnSpPr>
+          <p:cNvPr id="118" name="Straight Arrow Connector 117">
+            <a:extLst>
+              <a:ext uri="{FF2B5EF4-FFF2-40B4-BE49-F238E27FC236}">
+                <a16:creationId xmlns:a16="http://schemas.microsoft.com/office/drawing/2014/main" id="{A2D47B21-0342-4483-94FB-92F41F7FE603}"/>
+              </a:ext>
+            </a:extLst>
+          </p:cNvPr>
+          <p:cNvCxnSpPr>
+            <a:cxnSpLocks/>
+            <a:stCxn id="83" idx="3"/>
+            <a:endCxn id="51" idx="0"/>
+          </p:cNvCxnSpPr>
+          <p:nvPr/>
+        </p:nvCxnSpPr>
+        <p:spPr>
+          <a:xfrm>
+            <a:off x="4380329" y="3380413"/>
+            <a:ext cx="1392757" cy="709929"/>
+          </a:xfrm>
+          <a:prstGeom prst="straightConnector1">
+            <a:avLst/>
+          </a:prstGeom>
+          <a:ln>
+            <a:solidFill>
+              <a:schemeClr val="tx1"/>
+            </a:solidFill>
+            <a:headEnd type="none" w="med" len="med"/>
+            <a:tailEnd type="arrow" w="med" len="med"/>
+          </a:ln>
+        </p:spPr>
+        <p:style>
+          <a:lnRef idx="1">
+            <a:schemeClr val="accent1"/>
+          </a:lnRef>
+          <a:fillRef idx="0">
+            <a:schemeClr val="accent1"/>
+          </a:fillRef>
+          <a:effectRef idx="0">
+            <a:schemeClr val="accent1"/>
+          </a:effectRef>
+          <a:fontRef idx="minor">
+            <a:schemeClr val="tx1"/>
+          </a:fontRef>
+        </p:style>
+      </p:cxnSp>
+      <p:sp>
+        <p:nvSpPr>
+          <p:cNvPr id="308" name="Rectangle 307">
+            <a:extLst>
+              <a:ext uri="{FF2B5EF4-FFF2-40B4-BE49-F238E27FC236}">
+                <a16:creationId xmlns:a16="http://schemas.microsoft.com/office/drawing/2014/main" id="{849418F3-1DE1-4F00-806B-E7BF6622567C}"/>
+              </a:ext>
+            </a:extLst>
+          </p:cNvPr>
+          <p:cNvSpPr/>
+          <p:nvPr/>
+        </p:nvSpPr>
+        <p:spPr>
+          <a:xfrm>
+            <a:off x="4886832" y="3609663"/>
+            <a:ext cx="125672" cy="107389"/>
+          </a:xfrm>
+          <a:prstGeom prst="rect">
+            <a:avLst/>
+          </a:prstGeom>
+          <a:solidFill>
+            <a:schemeClr val="bg1"/>
+          </a:solidFill>
+          <a:ln>
+            <a:solidFill>
+              <a:schemeClr val="bg1"/>
+            </a:solidFill>
+          </a:ln>
+        </p:spPr>
+        <p:style>
+          <a:lnRef idx="2">
+            <a:schemeClr val="accent1">
+              <a:shade val="50000"/>
+            </a:schemeClr>
+          </a:lnRef>
+          <a:fillRef idx="1">
+            <a:schemeClr val="accent1"/>
+          </a:fillRef>
+          <a:effectRef idx="0">
+            <a:schemeClr val="accent1"/>
+          </a:effectRef>
+          <a:fontRef idx="minor">
+            <a:schemeClr val="lt1"/>
+          </a:fontRef>
+        </p:style>
+        <p:txBody>
+          <a:bodyPr rtlCol="0" anchor="ctr"/>
+          <a:lstStyle/>
+          <a:p>
+            <a:pPr algn="ctr"/>
+            <a:endParaRPr lang="en-AU"/>
+          </a:p>
+        </p:txBody>
+      </p:sp>
+      <p:cxnSp>
+        <p:nvCxnSpPr>
+          <p:cNvPr id="239" name="Elbow Connector 99">
+            <a:extLst>
+              <a:ext uri="{FF2B5EF4-FFF2-40B4-BE49-F238E27FC236}">
+                <a16:creationId xmlns:a16="http://schemas.microsoft.com/office/drawing/2014/main" id="{4B2C160C-C103-4974-81F9-3F2388432AD0}"/>
+              </a:ext>
+            </a:extLst>
+          </p:cNvPr>
+          <p:cNvCxnSpPr>
+            <a:cxnSpLocks/>
+            <a:stCxn id="27" idx="2"/>
+            <a:endCxn id="63" idx="2"/>
+          </p:cNvCxnSpPr>
+          <p:nvPr/>
+        </p:nvCxnSpPr>
+        <p:spPr>
+          <a:xfrm rot="5400000" flipH="1">
+            <a:off x="4244810" y="-1380650"/>
+            <a:ext cx="4050279" cy="8191250"/>
+          </a:xfrm>
+          <a:prstGeom prst="bentConnector3">
+            <a:avLst>
+              <a:gd name="adj1" fmla="val -5879"/>
+            </a:avLst>
+          </a:prstGeom>
+          <a:ln>
+            <a:solidFill>
+              <a:schemeClr val="tx1"/>
+            </a:solidFill>
+            <a:prstDash val="sysDot"/>
+            <a:tailEnd type="arrow"/>
+          </a:ln>
+        </p:spPr>
+        <p:style>
+          <a:lnRef idx="1">
+            <a:schemeClr val="accent1"/>
+          </a:lnRef>
+          <a:fillRef idx="0">
+            <a:schemeClr val="accent1"/>
+          </a:fillRef>
+          <a:effectRef idx="0">
+            <a:schemeClr val="accent1"/>
+          </a:effectRef>
+          <a:fontRef idx="minor">
+            <a:schemeClr val="tx1"/>
+          </a:fontRef>
+        </p:style>
+      </p:cxnSp>
+      <p:sp>
+        <p:nvSpPr>
+          <p:cNvPr id="293" name="Rectangle 292">
+            <a:extLst>
+              <a:ext uri="{FF2B5EF4-FFF2-40B4-BE49-F238E27FC236}">
+                <a16:creationId xmlns:a16="http://schemas.microsoft.com/office/drawing/2014/main" id="{CE394C07-E7FE-4A2A-8A64-2C7AC6121EC7}"/>
+              </a:ext>
+            </a:extLst>
+          </p:cNvPr>
+          <p:cNvSpPr/>
+          <p:nvPr/>
+        </p:nvSpPr>
+        <p:spPr>
+          <a:xfrm>
+            <a:off x="4886832" y="4933967"/>
+            <a:ext cx="125672" cy="107389"/>
+          </a:xfrm>
+          <a:prstGeom prst="rect">
+            <a:avLst/>
+          </a:prstGeom>
+          <a:solidFill>
+            <a:schemeClr val="bg1"/>
+          </a:solidFill>
+          <a:ln>
+            <a:solidFill>
+              <a:schemeClr val="bg1"/>
+            </a:solidFill>
+          </a:ln>
+        </p:spPr>
+        <p:style>
+          <a:lnRef idx="2">
+            <a:schemeClr val="accent1">
+              <a:shade val="50000"/>
+            </a:schemeClr>
+          </a:lnRef>
+          <a:fillRef idx="1">
+            <a:schemeClr val="accent1"/>
+          </a:fillRef>
+          <a:effectRef idx="0">
+            <a:schemeClr val="accent1"/>
+          </a:effectRef>
+          <a:fontRef idx="minor">
+            <a:schemeClr val="lt1"/>
+          </a:fontRef>
+        </p:style>
+        <p:txBody>
+          <a:bodyPr rtlCol="0" anchor="ctr"/>
+          <a:lstStyle/>
+          <a:p>
+            <a:pPr algn="ctr"/>
+            <a:endParaRPr lang="en-AU"/>
+          </a:p>
+        </p:txBody>
+      </p:sp>
+      <p:cxnSp>
+        <p:nvCxnSpPr>
+          <p:cNvPr id="210" name="Straight Arrow Connector 209">
+            <a:extLst>
+              <a:ext uri="{FF2B5EF4-FFF2-40B4-BE49-F238E27FC236}">
+                <a16:creationId xmlns:a16="http://schemas.microsoft.com/office/drawing/2014/main" id="{46E10BAA-9BA9-4893-A1F6-27781B7A11E6}"/>
+              </a:ext>
+            </a:extLst>
+          </p:cNvPr>
+          <p:cNvCxnSpPr>
+            <a:cxnSpLocks/>
+            <a:endCxn id="38" idx="2"/>
+          </p:cNvCxnSpPr>
+          <p:nvPr/>
+        </p:nvCxnSpPr>
+        <p:spPr>
+          <a:xfrm flipH="1" flipV="1">
+            <a:off x="3755861" y="680452"/>
+            <a:ext cx="6261815" cy="2377375"/>
+          </a:xfrm>
+          <a:prstGeom prst="straightConnector1">
+            <a:avLst/>
+          </a:prstGeom>
+          <a:ln>
+            <a:solidFill>
+              <a:schemeClr val="tx1"/>
+            </a:solidFill>
+            <a:headEnd type="none" w="med" len="med"/>
+            <a:tailEnd type="arrow" w="med" len="med"/>
+          </a:ln>
+        </p:spPr>
+        <p:style>
+          <a:lnRef idx="1">
+            <a:schemeClr val="accent1"/>
+          </a:lnRef>
+          <a:fillRef idx="0">
+            <a:schemeClr val="accent1"/>
+          </a:fillRef>
+          <a:effectRef idx="0">
+            <a:schemeClr val="accent1"/>
+          </a:effectRef>
+          <a:fontRef idx="minor">
+            <a:schemeClr val="tx1"/>
+          </a:fontRef>
+        </p:style>
+      </p:cxnSp>
+      <p:sp>
+        <p:nvSpPr>
+          <p:cNvPr id="284" name="Rectangle 283">
+            <a:extLst>
+              <a:ext uri="{FF2B5EF4-FFF2-40B4-BE49-F238E27FC236}">
+                <a16:creationId xmlns:a16="http://schemas.microsoft.com/office/drawing/2014/main" id="{B962377F-233F-4234-AEED-1F63E687E2EF}"/>
+              </a:ext>
+            </a:extLst>
+          </p:cNvPr>
+          <p:cNvSpPr/>
+          <p:nvPr/>
+        </p:nvSpPr>
+        <p:spPr>
+          <a:xfrm>
+            <a:off x="5387635" y="944874"/>
+            <a:ext cx="1404874" cy="853001"/>
+          </a:xfrm>
+          <a:prstGeom prst="rect">
+            <a:avLst/>
+          </a:prstGeom>
+          <a:solidFill>
+            <a:schemeClr val="bg1"/>
+          </a:solidFill>
+          <a:ln>
+            <a:solidFill>
+              <a:schemeClr val="bg1"/>
+            </a:solidFill>
+          </a:ln>
+        </p:spPr>
+        <p:style>
+          <a:lnRef idx="2">
+            <a:schemeClr val="accent1">
+              <a:shade val="50000"/>
+            </a:schemeClr>
+          </a:lnRef>
+          <a:fillRef idx="1">
+            <a:schemeClr val="accent1"/>
+          </a:fillRef>
+          <a:effectRef idx="0">
+            <a:schemeClr val="accent1"/>
+          </a:effectRef>
+          <a:fontRef idx="minor">
+            <a:schemeClr val="lt1"/>
+          </a:fontRef>
+        </p:style>
+        <p:txBody>
+          <a:bodyPr rtlCol="0" anchor="ctr"/>
+          <a:lstStyle/>
+          <a:p>
+            <a:pPr algn="ctr"/>
+            <a:endParaRPr lang="en-AU"/>
+          </a:p>
+        </p:txBody>
+      </p:sp>
+      <p:cxnSp>
+        <p:nvCxnSpPr>
+          <p:cNvPr id="207" name="Straight Arrow Connector 206">
+            <a:extLst>
+              <a:ext uri="{FF2B5EF4-FFF2-40B4-BE49-F238E27FC236}">
+                <a16:creationId xmlns:a16="http://schemas.microsoft.com/office/drawing/2014/main" id="{A94E66E9-77D8-403B-B119-5AC6FAED75B5}"/>
+              </a:ext>
+            </a:extLst>
+          </p:cNvPr>
+          <p:cNvCxnSpPr>
+            <a:cxnSpLocks/>
+            <a:endCxn id="38" idx="2"/>
+          </p:cNvCxnSpPr>
+          <p:nvPr/>
+        </p:nvCxnSpPr>
+        <p:spPr>
+          <a:xfrm flipH="1" flipV="1">
+            <a:off x="3755861" y="680452"/>
+            <a:ext cx="4061490" cy="2540745"/>
+          </a:xfrm>
+          <a:prstGeom prst="straightConnector1">
+            <a:avLst/>
+          </a:prstGeom>
+          <a:ln>
+            <a:solidFill>
+              <a:schemeClr val="tx1"/>
+            </a:solidFill>
+            <a:headEnd type="none" w="med" len="med"/>
+            <a:tailEnd type="arrow" w="med" len="med"/>
+          </a:ln>
+        </p:spPr>
+        <p:style>
+          <a:lnRef idx="1">
+            <a:schemeClr val="accent1"/>
+          </a:lnRef>
+          <a:fillRef idx="0">
+            <a:schemeClr val="accent1"/>
+          </a:fillRef>
+          <a:effectRef idx="0">
+            <a:schemeClr val="accent1"/>
+          </a:effectRef>
+          <a:fontRef idx="minor">
+            <a:schemeClr val="tx1"/>
+          </a:fontRef>
+        </p:style>
+      </p:cxnSp>
+      <p:sp>
+        <p:nvSpPr>
+          <p:cNvPr id="205" name="Rectangle 204">
+            <a:extLst>
+              <a:ext uri="{FF2B5EF4-FFF2-40B4-BE49-F238E27FC236}">
+                <a16:creationId xmlns:a16="http://schemas.microsoft.com/office/drawing/2014/main" id="{557CA9BD-C518-4A6D-89E9-AAA13A8E2282}"/>
+              </a:ext>
+            </a:extLst>
+          </p:cNvPr>
+          <p:cNvSpPr/>
+          <p:nvPr/>
+        </p:nvSpPr>
+        <p:spPr>
+          <a:xfrm>
+            <a:off x="5408093" y="1915236"/>
+            <a:ext cx="1404874" cy="834856"/>
+          </a:xfrm>
+          <a:prstGeom prst="rect">
+            <a:avLst/>
+          </a:prstGeom>
+          <a:solidFill>
+            <a:schemeClr val="bg1"/>
+          </a:solidFill>
+          <a:ln>
+            <a:solidFill>
+              <a:schemeClr val="bg1"/>
+            </a:solidFill>
+          </a:ln>
+        </p:spPr>
+        <p:style>
+          <a:lnRef idx="2">
+            <a:schemeClr val="accent1">
+              <a:shade val="50000"/>
+            </a:schemeClr>
+          </a:lnRef>
+          <a:fillRef idx="1">
+            <a:schemeClr val="accent1"/>
+          </a:fillRef>
+          <a:effectRef idx="0">
+            <a:schemeClr val="accent1"/>
+          </a:effectRef>
+          <a:fontRef idx="minor">
+            <a:schemeClr val="lt1"/>
+          </a:fontRef>
+        </p:style>
+        <p:txBody>
+          <a:bodyPr rtlCol="0" anchor="ctr"/>
+          <a:lstStyle/>
+          <a:p>
+            <a:pPr algn="ctr"/>
+            <a:endParaRPr lang="en-AU"/>
+          </a:p>
+        </p:txBody>
+      </p:sp>
+      <p:sp>
+        <p:nvSpPr>
+          <p:cNvPr id="17" name="Rounded Rectangle 16">
+            <a:extLst>
+              <a:ext uri="{FF2B5EF4-FFF2-40B4-BE49-F238E27FC236}">
+                <a16:creationId xmlns:a16="http://schemas.microsoft.com/office/drawing/2014/main" id="{0068370B-A152-9948-B10E-7F0AFB1022E5}"/>
+              </a:ext>
+            </a:extLst>
+          </p:cNvPr>
+          <p:cNvSpPr/>
+          <p:nvPr/>
+        </p:nvSpPr>
+        <p:spPr>
+          <a:xfrm>
+            <a:off x="5470927" y="1039235"/>
+            <a:ext cx="1248936" cy="657922"/>
+          </a:xfrm>
+          <a:prstGeom prst="roundRect">
+            <a:avLst/>
+          </a:prstGeom>
+          <a:pattFill prst="pct30">
+            <a:fgClr>
+              <a:schemeClr val="bg1">
+                <a:lumMod val="85000"/>
+              </a:schemeClr>
+            </a:fgClr>
+            <a:bgClr>
+              <a:schemeClr val="bg1"/>
+            </a:bgClr>
+          </a:pattFill>
+          <a:ln>
+            <a:solidFill>
+              <a:schemeClr val="tx1"/>
+            </a:solidFill>
+          </a:ln>
+        </p:spPr>
+        <p:style>
+          <a:lnRef idx="2">
+            <a:schemeClr val="accent1">
+              <a:shade val="50000"/>
+            </a:schemeClr>
+          </a:lnRef>
+          <a:fillRef idx="1">
+            <a:schemeClr val="accent1"/>
+          </a:fillRef>
+          <a:effectRef idx="0">
+            <a:schemeClr val="accent1"/>
+          </a:effectRef>
+          <a:fontRef idx="minor">
+            <a:schemeClr val="lt1"/>
+          </a:fontRef>
+        </p:style>
+        <p:txBody>
+          <a:bodyPr rtlCol="0" anchor="ctr"/>
+          <a:lstStyle/>
+          <a:p>
+            <a:pPr algn="ctr"/>
+            <a:r>
+              <a:rPr lang="en-US" sz="1400">
+                <a:solidFill>
+                  <a:schemeClr val="tx1"/>
+                </a:solidFill>
+              </a:rPr>
+              <a:t>DCAT</a:t>
+            </a:r>
+          </a:p>
+        </p:txBody>
+      </p:sp>
+      <p:sp>
+        <p:nvSpPr>
+          <p:cNvPr id="27" name="Rounded Rectangle 26">
+            <a:extLst>
+              <a:ext uri="{FF2B5EF4-FFF2-40B4-BE49-F238E27FC236}">
+                <a16:creationId xmlns:a16="http://schemas.microsoft.com/office/drawing/2014/main" id="{587251A7-7CA4-2744-82D1-2B67F7471570}"/>
+              </a:ext>
+            </a:extLst>
+          </p:cNvPr>
+          <p:cNvSpPr/>
+          <p:nvPr/>
+        </p:nvSpPr>
+        <p:spPr>
+          <a:xfrm>
+            <a:off x="9741107" y="4082192"/>
+            <a:ext cx="1248936" cy="657922"/>
+          </a:xfrm>
+          <a:prstGeom prst="roundRect">
+            <a:avLst/>
+          </a:prstGeom>
+          <a:pattFill prst="pct30">
+            <a:fgClr>
+              <a:schemeClr val="bg1">
+                <a:lumMod val="85000"/>
+              </a:schemeClr>
+            </a:fgClr>
+            <a:bgClr>
+              <a:schemeClr val="bg1"/>
+            </a:bgClr>
+          </a:pattFill>
+          <a:ln>
+            <a:solidFill>
+              <a:schemeClr val="tx1"/>
+            </a:solidFill>
+          </a:ln>
+        </p:spPr>
+        <p:style>
+          <a:lnRef idx="2">
+            <a:schemeClr val="accent1">
+              <a:shade val="50000"/>
+            </a:schemeClr>
+          </a:lnRef>
+          <a:fillRef idx="1">
+            <a:schemeClr val="accent1"/>
+          </a:fillRef>
+          <a:effectRef idx="0">
+            <a:schemeClr val="accent1"/>
+          </a:effectRef>
+          <a:fontRef idx="minor">
+            <a:schemeClr val="lt1"/>
+          </a:fontRef>
+        </p:style>
+        <p:txBody>
+          <a:bodyPr rtlCol="0" anchor="ctr"/>
+          <a:lstStyle/>
+          <a:p>
+            <a:pPr algn="ctr"/>
+            <a:r>
+              <a:rPr lang="en-US" sz="1200">
+                <a:solidFill>
+                  <a:schemeClr val="tx1"/>
+                </a:solidFill>
+              </a:rPr>
+              <a:t>Conformance Test Constraints</a:t>
+            </a:r>
+          </a:p>
+        </p:txBody>
+      </p:sp>
+      <p:sp>
+        <p:nvSpPr>
+          <p:cNvPr id="38" name="Rounded Rectangle 37">
+            <a:extLst>
+              <a:ext uri="{FF2B5EF4-FFF2-40B4-BE49-F238E27FC236}">
+                <a16:creationId xmlns:a16="http://schemas.microsoft.com/office/drawing/2014/main" id="{8810FB1D-3F81-B94C-8EE5-688796DDBB92}"/>
+              </a:ext>
+            </a:extLst>
+          </p:cNvPr>
+          <p:cNvSpPr/>
+          <p:nvPr/>
+        </p:nvSpPr>
+        <p:spPr>
+          <a:xfrm>
+            <a:off x="3131393" y="22530"/>
+            <a:ext cx="1248936" cy="657922"/>
+          </a:xfrm>
+          <a:prstGeom prst="roundRect">
+            <a:avLst/>
+          </a:prstGeom>
+          <a:noFill/>
+          <a:ln>
+            <a:solidFill>
+              <a:schemeClr val="tx1"/>
+            </a:solidFill>
+          </a:ln>
+        </p:spPr>
+        <p:style>
+          <a:lnRef idx="2">
+            <a:schemeClr val="accent1">
+              <a:shade val="50000"/>
+            </a:schemeClr>
+          </a:lnRef>
+          <a:fillRef idx="1">
+            <a:schemeClr val="accent1"/>
+          </a:fillRef>
+          <a:effectRef idx="0">
+            <a:schemeClr val="accent1"/>
+          </a:effectRef>
+          <a:fontRef idx="minor">
+            <a:schemeClr val="lt1"/>
+          </a:fontRef>
+        </p:style>
+        <p:txBody>
+          <a:bodyPr rtlCol="0" anchor="ctr"/>
+          <a:lstStyle/>
+          <a:p>
+            <a:pPr algn="ctr"/>
+            <a:r>
+              <a:rPr lang="en-US" sz="1400" dirty="0">
+                <a:solidFill>
+                  <a:schemeClr val="tx1"/>
+                </a:solidFill>
+              </a:rPr>
+              <a:t>Resource Descriptor</a:t>
+            </a:r>
+          </a:p>
+        </p:txBody>
+      </p:sp>
+      <p:sp>
+        <p:nvSpPr>
+          <p:cNvPr id="42" name="Rounded Rectangle 41">
+            <a:extLst>
+              <a:ext uri="{FF2B5EF4-FFF2-40B4-BE49-F238E27FC236}">
+                <a16:creationId xmlns:a16="http://schemas.microsoft.com/office/drawing/2014/main" id="{CA285027-48BC-664D-BC57-516A35809D36}"/>
+              </a:ext>
+            </a:extLst>
+          </p:cNvPr>
+          <p:cNvSpPr/>
+          <p:nvPr/>
+        </p:nvSpPr>
+        <p:spPr>
+          <a:xfrm>
+            <a:off x="7415516" y="31913"/>
+            <a:ext cx="1248936" cy="657922"/>
+          </a:xfrm>
+          <a:prstGeom prst="roundRect">
+            <a:avLst/>
+          </a:prstGeom>
+          <a:noFill/>
+          <a:ln>
+            <a:solidFill>
+              <a:schemeClr val="tx1"/>
+            </a:solidFill>
+          </a:ln>
+        </p:spPr>
+        <p:style>
+          <a:lnRef idx="2">
+            <a:schemeClr val="accent1">
+              <a:shade val="50000"/>
+            </a:schemeClr>
+          </a:lnRef>
+          <a:fillRef idx="1">
+            <a:schemeClr val="accent1"/>
+          </a:fillRef>
+          <a:effectRef idx="0">
+            <a:schemeClr val="accent1"/>
+          </a:effectRef>
+          <a:fontRef idx="minor">
+            <a:schemeClr val="lt1"/>
+          </a:fontRef>
+        </p:style>
+        <p:txBody>
+          <a:bodyPr rtlCol="0" anchor="ctr"/>
+          <a:lstStyle/>
+          <a:p>
+            <a:pPr algn="ctr"/>
+            <a:r>
+              <a:rPr lang="en-US" sz="1400">
+                <a:solidFill>
+                  <a:schemeClr val="tx1"/>
+                </a:solidFill>
+              </a:rPr>
+              <a:t>Profile</a:t>
+            </a:r>
+          </a:p>
+        </p:txBody>
+      </p:sp>
+      <p:sp>
+        <p:nvSpPr>
+          <p:cNvPr id="68" name="Rounded Rectangle 67">
+            <a:extLst>
+              <a:ext uri="{FF2B5EF4-FFF2-40B4-BE49-F238E27FC236}">
+                <a16:creationId xmlns:a16="http://schemas.microsoft.com/office/drawing/2014/main" id="{558A0ED2-4543-5240-BBD6-BE61501F5F0A}"/>
+              </a:ext>
+            </a:extLst>
+          </p:cNvPr>
+          <p:cNvSpPr/>
+          <p:nvPr/>
+        </p:nvSpPr>
+        <p:spPr>
+          <a:xfrm>
+            <a:off x="6297462" y="5999482"/>
+            <a:ext cx="1248936" cy="657922"/>
+          </a:xfrm>
+          <a:prstGeom prst="roundRect">
+            <a:avLst/>
+          </a:prstGeom>
+          <a:noFill/>
+          <a:ln>
+            <a:solidFill>
+              <a:schemeClr val="tx1"/>
+            </a:solidFill>
+          </a:ln>
+        </p:spPr>
+        <p:style>
+          <a:lnRef idx="2">
+            <a:schemeClr val="accent1">
+              <a:shade val="50000"/>
+            </a:schemeClr>
+          </a:lnRef>
+          <a:fillRef idx="1">
+            <a:schemeClr val="accent1"/>
+          </a:fillRef>
+          <a:effectRef idx="0">
+            <a:schemeClr val="accent1"/>
+          </a:effectRef>
+          <a:fontRef idx="minor">
+            <a:schemeClr val="lt1"/>
+          </a:fontRef>
+        </p:style>
+        <p:txBody>
+          <a:bodyPr rtlCol="0" anchor="ctr"/>
+          <a:lstStyle/>
+          <a:p>
+            <a:pPr algn="ctr"/>
+            <a:r>
+              <a:rPr lang="en-US" sz="1200">
+                <a:solidFill>
+                  <a:schemeClr val="tx1"/>
+                </a:solidFill>
+              </a:rPr>
+              <a:t>dct:</a:t>
+            </a:r>
+            <a:br>
+              <a:rPr lang="en-US" sz="1200">
+                <a:solidFill>
+                  <a:schemeClr val="tx1"/>
+                </a:solidFill>
+              </a:rPr>
+            </a:br>
+            <a:r>
+              <a:rPr lang="en-US" sz="1200">
+                <a:solidFill>
+                  <a:schemeClr val="tx1"/>
+                </a:solidFill>
+              </a:rPr>
+              <a:t>MediaType</a:t>
+            </a:r>
+            <a:br>
+              <a:rPr lang="en-US" sz="1200">
+                <a:solidFill>
+                  <a:schemeClr val="tx1"/>
+                </a:solidFill>
+              </a:rPr>
+            </a:br>
+            <a:r>
+              <a:rPr lang="en-US" sz="1200">
+                <a:solidFill>
+                  <a:schemeClr val="tx1"/>
+                </a:solidFill>
+              </a:rPr>
+              <a:t>OrExtent</a:t>
+            </a:r>
+          </a:p>
+        </p:txBody>
+      </p:sp>
+      <p:cxnSp>
+        <p:nvCxnSpPr>
+          <p:cNvPr id="69" name="Straight Arrow Connector 68">
+            <a:extLst>
+              <a:ext uri="{FF2B5EF4-FFF2-40B4-BE49-F238E27FC236}">
+                <a16:creationId xmlns:a16="http://schemas.microsoft.com/office/drawing/2014/main" id="{189A9B69-137B-B448-A2C7-772C0E480B1B}"/>
+              </a:ext>
+            </a:extLst>
+          </p:cNvPr>
+          <p:cNvCxnSpPr>
+            <a:cxnSpLocks/>
+            <a:endCxn id="68" idx="0"/>
+          </p:cNvCxnSpPr>
+          <p:nvPr/>
+        </p:nvCxnSpPr>
+        <p:spPr>
+          <a:xfrm flipH="1">
+            <a:off x="6921930" y="5744079"/>
+            <a:ext cx="3321334" cy="255403"/>
+          </a:xfrm>
+          <a:prstGeom prst="straightConnector1">
+            <a:avLst/>
+          </a:prstGeom>
+          <a:ln>
+            <a:solidFill>
+              <a:schemeClr val="tx1"/>
+            </a:solidFill>
+            <a:prstDash val="sysDot"/>
+            <a:headEnd type="none" w="med" len="med"/>
+            <a:tailEnd type="arrow" w="med" len="med"/>
+          </a:ln>
+        </p:spPr>
+        <p:style>
+          <a:lnRef idx="1">
+            <a:schemeClr val="accent1"/>
+          </a:lnRef>
+          <a:fillRef idx="0">
+            <a:schemeClr val="accent1"/>
+          </a:fillRef>
+          <a:effectRef idx="0">
+            <a:schemeClr val="accent1"/>
+          </a:effectRef>
+          <a:fontRef idx="minor">
+            <a:schemeClr val="tx1"/>
+          </a:fontRef>
+        </p:style>
+      </p:cxnSp>
+      <p:sp>
+        <p:nvSpPr>
+          <p:cNvPr id="73" name="Rounded Rectangle 72">
+            <a:extLst>
+              <a:ext uri="{FF2B5EF4-FFF2-40B4-BE49-F238E27FC236}">
+                <a16:creationId xmlns:a16="http://schemas.microsoft.com/office/drawing/2014/main" id="{8581DD28-7FB6-6748-8F81-E02AC2E2A43C}"/>
+              </a:ext>
+            </a:extLst>
+          </p:cNvPr>
+          <p:cNvSpPr/>
+          <p:nvPr/>
+        </p:nvSpPr>
+        <p:spPr>
+          <a:xfrm>
+            <a:off x="126892" y="1413239"/>
+            <a:ext cx="1248936" cy="657922"/>
+          </a:xfrm>
+          <a:prstGeom prst="roundRect">
+            <a:avLst/>
+          </a:prstGeom>
+          <a:pattFill prst="pct30">
+            <a:fgClr>
+              <a:schemeClr val="bg1">
+                <a:lumMod val="85000"/>
+              </a:schemeClr>
+            </a:fgClr>
+            <a:bgClr>
+              <a:schemeClr val="bg1"/>
+            </a:bgClr>
+          </a:pattFill>
+          <a:ln>
+            <a:solidFill>
+              <a:schemeClr val="tx1"/>
+            </a:solidFill>
+          </a:ln>
+        </p:spPr>
+        <p:style>
+          <a:lnRef idx="2">
+            <a:schemeClr val="accent1">
+              <a:shade val="50000"/>
+            </a:schemeClr>
+          </a:lnRef>
+          <a:fillRef idx="1">
+            <a:schemeClr val="accent1"/>
+          </a:fillRef>
+          <a:effectRef idx="0">
+            <a:schemeClr val="accent1"/>
+          </a:effectRef>
+          <a:fontRef idx="minor">
+            <a:schemeClr val="lt1"/>
+          </a:fontRef>
+        </p:style>
+        <p:txBody>
+          <a:bodyPr rtlCol="0" anchor="ctr"/>
+          <a:lstStyle/>
+          <a:p>
+            <a:pPr algn="ctr"/>
+            <a:r>
+              <a:rPr lang="en-US" sz="1400">
+                <a:solidFill>
+                  <a:schemeClr val="tx1"/>
+                </a:solidFill>
+              </a:rPr>
+              <a:t>owl:Named</a:t>
+            </a:r>
+            <a:br>
+              <a:rPr lang="en-US" sz="1400">
+                <a:solidFill>
+                  <a:schemeClr val="tx1"/>
+                </a:solidFill>
+              </a:rPr>
+            </a:br>
+            <a:r>
+              <a:rPr lang="en-US" sz="1400">
+                <a:solidFill>
+                  <a:schemeClr val="tx1"/>
+                </a:solidFill>
+              </a:rPr>
+              <a:t>Individual</a:t>
+            </a:r>
+          </a:p>
+        </p:txBody>
+      </p:sp>
+      <p:cxnSp>
+        <p:nvCxnSpPr>
+          <p:cNvPr id="74" name="Straight Arrow Connector 73">
+            <a:extLst>
+              <a:ext uri="{FF2B5EF4-FFF2-40B4-BE49-F238E27FC236}">
+                <a16:creationId xmlns:a16="http://schemas.microsoft.com/office/drawing/2014/main" id="{EB93542B-98C4-6341-B733-4BEF15D0F40B}"/>
+              </a:ext>
+            </a:extLst>
+          </p:cNvPr>
+          <p:cNvCxnSpPr>
+            <a:cxnSpLocks/>
+          </p:cNvCxnSpPr>
+          <p:nvPr/>
+        </p:nvCxnSpPr>
+        <p:spPr>
+          <a:xfrm flipV="1">
+            <a:off x="288101" y="2910826"/>
+            <a:ext cx="0" cy="423748"/>
+          </a:xfrm>
+          <a:prstGeom prst="straightConnector1">
+            <a:avLst/>
+          </a:prstGeom>
+          <a:ln>
+            <a:solidFill>
+              <a:schemeClr val="tx1"/>
+            </a:solidFill>
+            <a:prstDash val="sysDot"/>
+            <a:headEnd type="none" w="med" len="med"/>
+            <a:tailEnd type="arrow" w="med" len="med"/>
+          </a:ln>
+        </p:spPr>
+        <p:style>
+          <a:lnRef idx="1">
+            <a:schemeClr val="accent1"/>
+          </a:lnRef>
+          <a:fillRef idx="0">
+            <a:schemeClr val="accent1"/>
+          </a:fillRef>
+          <a:effectRef idx="0">
+            <a:schemeClr val="accent1"/>
+          </a:effectRef>
+          <a:fontRef idx="minor">
+            <a:schemeClr val="tx1"/>
+          </a:fontRef>
+        </p:style>
+      </p:cxnSp>
+      <p:sp>
+        <p:nvSpPr>
+          <p:cNvPr id="75" name="TextBox 74">
+            <a:extLst>
+              <a:ext uri="{FF2B5EF4-FFF2-40B4-BE49-F238E27FC236}">
+                <a16:creationId xmlns:a16="http://schemas.microsoft.com/office/drawing/2014/main" id="{CDEDE00B-2B5C-7A40-8C0F-60D6F142DE74}"/>
               </a:ext>
             </a:extLst>
           </p:cNvPr>
@@ -12035,8 +12958,8 @@
         </p:nvSpPr>
         <p:spPr>
           <a:xfrm>
-            <a:off x="200722" y="156117"/>
-            <a:ext cx="1917128" cy="369332"/>
+            <a:off x="324266" y="2984200"/>
+            <a:ext cx="681084" cy="276999"/>
           </a:xfrm>
           <a:prstGeom prst="rect">
             <a:avLst/>
@@ -12050,12 +12973,1890 @@
           <a:lstStyle/>
           <a:p>
             <a:r>
-              <a:rPr lang="en-US" u="sng"/>
-              <a:t>DCAT-AP examples</a:t>
-            </a:r>
-          </a:p>
-        </p:txBody>
-      </p:sp>
+              <a:rPr lang="en-US" sz="1200"/>
+              <a:t>rdf:type</a:t>
+            </a:r>
+          </a:p>
+        </p:txBody>
+      </p:sp>
+      <p:cxnSp>
+        <p:nvCxnSpPr>
+          <p:cNvPr id="76" name="Straight Arrow Connector 75">
+            <a:extLst>
+              <a:ext uri="{FF2B5EF4-FFF2-40B4-BE49-F238E27FC236}">
+                <a16:creationId xmlns:a16="http://schemas.microsoft.com/office/drawing/2014/main" id="{7E1F10E1-34E6-C547-A8A3-086489D672CE}"/>
+              </a:ext>
+            </a:extLst>
+          </p:cNvPr>
+          <p:cNvCxnSpPr>
+            <a:cxnSpLocks/>
+          </p:cNvCxnSpPr>
+          <p:nvPr/>
+        </p:nvCxnSpPr>
+        <p:spPr>
+          <a:xfrm flipV="1">
+            <a:off x="285611" y="3611480"/>
+            <a:ext cx="0" cy="423747"/>
+          </a:xfrm>
+          <a:prstGeom prst="straightConnector1">
+            <a:avLst/>
+          </a:prstGeom>
+          <a:ln>
+            <a:solidFill>
+              <a:schemeClr val="tx1"/>
+            </a:solidFill>
+            <a:prstDash val="dash"/>
+            <a:headEnd type="none" w="med" len="med"/>
+            <a:tailEnd type="arrow" w="med" len="med"/>
+          </a:ln>
+        </p:spPr>
+        <p:style>
+          <a:lnRef idx="1">
+            <a:schemeClr val="accent1"/>
+          </a:lnRef>
+          <a:fillRef idx="0">
+            <a:schemeClr val="accent1"/>
+          </a:fillRef>
+          <a:effectRef idx="0">
+            <a:schemeClr val="accent1"/>
+          </a:effectRef>
+          <a:fontRef idx="minor">
+            <a:schemeClr val="tx1"/>
+          </a:fontRef>
+        </p:style>
+      </p:cxnSp>
+      <p:sp>
+        <p:nvSpPr>
+          <p:cNvPr id="77" name="TextBox 76">
+            <a:extLst>
+              <a:ext uri="{FF2B5EF4-FFF2-40B4-BE49-F238E27FC236}">
+                <a16:creationId xmlns:a16="http://schemas.microsoft.com/office/drawing/2014/main" id="{F4413CBD-81A7-024C-8B94-82D81713CF86}"/>
+              </a:ext>
+            </a:extLst>
+          </p:cNvPr>
+          <p:cNvSpPr txBox="1"/>
+          <p:nvPr/>
+        </p:nvSpPr>
+        <p:spPr>
+          <a:xfrm>
+            <a:off x="327894" y="3684853"/>
+            <a:ext cx="1145506" cy="276999"/>
+          </a:xfrm>
+          <a:prstGeom prst="rect">
+            <a:avLst/>
+          </a:prstGeom>
+          <a:noFill/>
+        </p:spPr>
+        <p:txBody>
+          <a:bodyPr wrap="none" rtlCol="0">
+            <a:spAutoFit/>
+          </a:bodyPr>
+          <a:lstStyle/>
+          <a:p>
+            <a:r>
+              <a:rPr lang="en-US" sz="1200"/>
+              <a:t>rdfs:subClassOf</a:t>
+            </a:r>
+          </a:p>
+        </p:txBody>
+      </p:sp>
+      <p:sp>
+        <p:nvSpPr>
+          <p:cNvPr id="78" name="Rounded Rectangle 77">
+            <a:extLst>
+              <a:ext uri="{FF2B5EF4-FFF2-40B4-BE49-F238E27FC236}">
+                <a16:creationId xmlns:a16="http://schemas.microsoft.com/office/drawing/2014/main" id="{E07B7042-3B83-DA40-976B-CD640B3C88BC}"/>
+              </a:ext>
+            </a:extLst>
+          </p:cNvPr>
+          <p:cNvSpPr/>
+          <p:nvPr/>
+        </p:nvSpPr>
+        <p:spPr>
+          <a:xfrm>
+            <a:off x="126892" y="569516"/>
+            <a:ext cx="1248936" cy="657922"/>
+          </a:xfrm>
+          <a:prstGeom prst="roundRect">
+            <a:avLst/>
+          </a:prstGeom>
+          <a:noFill/>
+          <a:ln>
+            <a:solidFill>
+              <a:schemeClr val="tx1"/>
+            </a:solidFill>
+          </a:ln>
+        </p:spPr>
+        <p:style>
+          <a:lnRef idx="2">
+            <a:schemeClr val="accent1">
+              <a:shade val="50000"/>
+            </a:schemeClr>
+          </a:lnRef>
+          <a:fillRef idx="1">
+            <a:schemeClr val="accent1"/>
+          </a:fillRef>
+          <a:effectRef idx="0">
+            <a:schemeClr val="accent1"/>
+          </a:effectRef>
+          <a:fontRef idx="minor">
+            <a:schemeClr val="lt1"/>
+          </a:fontRef>
+        </p:style>
+        <p:txBody>
+          <a:bodyPr rtlCol="0" anchor="ctr"/>
+          <a:lstStyle/>
+          <a:p>
+            <a:pPr algn="ctr"/>
+            <a:r>
+              <a:rPr lang="en-US" sz="1400">
+                <a:solidFill>
+                  <a:schemeClr val="tx1"/>
+                </a:solidFill>
+              </a:rPr>
+              <a:t>owl:Class</a:t>
+            </a:r>
+          </a:p>
+        </p:txBody>
+      </p:sp>
+      <p:cxnSp>
+        <p:nvCxnSpPr>
+          <p:cNvPr id="79" name="Straight Arrow Connector 78">
+            <a:extLst>
+              <a:ext uri="{FF2B5EF4-FFF2-40B4-BE49-F238E27FC236}">
+                <a16:creationId xmlns:a16="http://schemas.microsoft.com/office/drawing/2014/main" id="{125C0AB3-6800-CB43-9EDA-E15BD7FFA437}"/>
+              </a:ext>
+            </a:extLst>
+          </p:cNvPr>
+          <p:cNvCxnSpPr>
+            <a:cxnSpLocks/>
+          </p:cNvCxnSpPr>
+          <p:nvPr/>
+        </p:nvCxnSpPr>
+        <p:spPr>
+          <a:xfrm flipV="1">
+            <a:off x="288101" y="2245003"/>
+            <a:ext cx="0" cy="423748"/>
+          </a:xfrm>
+          <a:prstGeom prst="straightConnector1">
+            <a:avLst/>
+          </a:prstGeom>
+          <a:ln>
+            <a:solidFill>
+              <a:schemeClr val="tx1"/>
+            </a:solidFill>
+            <a:prstDash val="solid"/>
+            <a:headEnd type="none" w="med" len="med"/>
+            <a:tailEnd type="arrow" w="med" len="med"/>
+          </a:ln>
+        </p:spPr>
+        <p:style>
+          <a:lnRef idx="1">
+            <a:schemeClr val="accent1"/>
+          </a:lnRef>
+          <a:fillRef idx="0">
+            <a:schemeClr val="accent1"/>
+          </a:fillRef>
+          <a:effectRef idx="0">
+            <a:schemeClr val="accent1"/>
+          </a:effectRef>
+          <a:fontRef idx="minor">
+            <a:schemeClr val="tx1"/>
+          </a:fontRef>
+        </p:style>
+      </p:cxnSp>
+      <p:sp>
+        <p:nvSpPr>
+          <p:cNvPr id="80" name="TextBox 79">
+            <a:extLst>
+              <a:ext uri="{FF2B5EF4-FFF2-40B4-BE49-F238E27FC236}">
+                <a16:creationId xmlns:a16="http://schemas.microsoft.com/office/drawing/2014/main" id="{BE14ECCD-03F5-AA49-AB95-1FDC544C4BBC}"/>
+              </a:ext>
+            </a:extLst>
+          </p:cNvPr>
+          <p:cNvSpPr txBox="1"/>
+          <p:nvPr/>
+        </p:nvSpPr>
+        <p:spPr>
+          <a:xfrm>
+            <a:off x="324266" y="2318377"/>
+            <a:ext cx="727187" cy="276999"/>
+          </a:xfrm>
+          <a:prstGeom prst="rect">
+            <a:avLst/>
+          </a:prstGeom>
+          <a:noFill/>
+        </p:spPr>
+        <p:txBody>
+          <a:bodyPr wrap="none" rtlCol="0">
+            <a:spAutoFit/>
+          </a:bodyPr>
+          <a:lstStyle/>
+          <a:p>
+            <a:r>
+              <a:rPr lang="en-US" sz="1200"/>
+              <a:t>property</a:t>
+            </a:r>
+          </a:p>
+        </p:txBody>
+      </p:sp>
+      <p:sp>
+        <p:nvSpPr>
+          <p:cNvPr id="106" name="Rounded Rectangle 105">
+            <a:extLst>
+              <a:ext uri="{FF2B5EF4-FFF2-40B4-BE49-F238E27FC236}">
+                <a16:creationId xmlns:a16="http://schemas.microsoft.com/office/drawing/2014/main" id="{6A6B1820-7280-F944-8C28-5756CCB25B25}"/>
+              </a:ext>
+            </a:extLst>
+          </p:cNvPr>
+          <p:cNvSpPr/>
+          <p:nvPr/>
+        </p:nvSpPr>
+        <p:spPr>
+          <a:xfrm>
+            <a:off x="5470925" y="39985"/>
+            <a:ext cx="1248936" cy="657922"/>
+          </a:xfrm>
+          <a:prstGeom prst="roundRect">
+            <a:avLst/>
+          </a:prstGeom>
+          <a:noFill/>
+          <a:ln>
+            <a:solidFill>
+              <a:schemeClr val="tx1"/>
+            </a:solidFill>
+          </a:ln>
+        </p:spPr>
+        <p:style>
+          <a:lnRef idx="2">
+            <a:schemeClr val="accent1">
+              <a:shade val="50000"/>
+            </a:schemeClr>
+          </a:lnRef>
+          <a:fillRef idx="1">
+            <a:schemeClr val="accent1"/>
+          </a:fillRef>
+          <a:effectRef idx="0">
+            <a:schemeClr val="accent1"/>
+          </a:effectRef>
+          <a:fontRef idx="minor">
+            <a:schemeClr val="lt1"/>
+          </a:fontRef>
+        </p:style>
+        <p:txBody>
+          <a:bodyPr rtlCol="0" anchor="ctr"/>
+          <a:lstStyle/>
+          <a:p>
+            <a:pPr algn="ctr"/>
+            <a:r>
+              <a:rPr lang="en-US" sz="1400" dirty="0">
+                <a:solidFill>
+                  <a:schemeClr val="tx1"/>
+                </a:solidFill>
+              </a:rPr>
+              <a:t>Base Specification</a:t>
+            </a:r>
+          </a:p>
+        </p:txBody>
+      </p:sp>
+      <p:cxnSp>
+        <p:nvCxnSpPr>
+          <p:cNvPr id="107" name="Straight Arrow Connector 106">
+            <a:extLst>
+              <a:ext uri="{FF2B5EF4-FFF2-40B4-BE49-F238E27FC236}">
+                <a16:creationId xmlns:a16="http://schemas.microsoft.com/office/drawing/2014/main" id="{FF9BFF9E-F476-7E46-945B-1AAFAE8BBAA2}"/>
+              </a:ext>
+            </a:extLst>
+          </p:cNvPr>
+          <p:cNvCxnSpPr>
+            <a:cxnSpLocks/>
+            <a:stCxn id="17" idx="0"/>
+            <a:endCxn id="106" idx="2"/>
+          </p:cNvCxnSpPr>
+          <p:nvPr/>
+        </p:nvCxnSpPr>
+        <p:spPr>
+          <a:xfrm flipH="1" flipV="1">
+            <a:off x="6095393" y="697907"/>
+            <a:ext cx="2" cy="341328"/>
+          </a:xfrm>
+          <a:prstGeom prst="straightConnector1">
+            <a:avLst/>
+          </a:prstGeom>
+          <a:ln>
+            <a:solidFill>
+              <a:schemeClr val="tx1"/>
+            </a:solidFill>
+            <a:prstDash val="sysDot"/>
+            <a:headEnd type="none" w="med" len="med"/>
+            <a:tailEnd type="arrow" w="med" len="med"/>
+          </a:ln>
+        </p:spPr>
+        <p:style>
+          <a:lnRef idx="1">
+            <a:schemeClr val="accent1"/>
+          </a:lnRef>
+          <a:fillRef idx="0">
+            <a:schemeClr val="accent1"/>
+          </a:fillRef>
+          <a:effectRef idx="0">
+            <a:schemeClr val="accent1"/>
+          </a:effectRef>
+          <a:fontRef idx="minor">
+            <a:schemeClr val="tx1"/>
+          </a:fontRef>
+        </p:style>
+      </p:cxnSp>
+      <p:sp>
+        <p:nvSpPr>
+          <p:cNvPr id="50" name="Rounded Rectangle 49">
+            <a:extLst>
+              <a:ext uri="{FF2B5EF4-FFF2-40B4-BE49-F238E27FC236}">
+                <a16:creationId xmlns:a16="http://schemas.microsoft.com/office/drawing/2014/main" id="{F58B78C7-16BE-7F49-8F7B-673F8BD03A93}"/>
+              </a:ext>
+            </a:extLst>
+          </p:cNvPr>
+          <p:cNvSpPr/>
+          <p:nvPr/>
+        </p:nvSpPr>
+        <p:spPr>
+          <a:xfrm>
+            <a:off x="5148618" y="3051100"/>
+            <a:ext cx="1248936" cy="657922"/>
+          </a:xfrm>
+          <a:prstGeom prst="roundRect">
+            <a:avLst/>
+          </a:prstGeom>
+          <a:pattFill prst="pct30">
+            <a:fgClr>
+              <a:schemeClr val="bg1">
+                <a:lumMod val="85000"/>
+              </a:schemeClr>
+            </a:fgClr>
+            <a:bgClr>
+              <a:schemeClr val="bg1"/>
+            </a:bgClr>
+          </a:pattFill>
+          <a:ln>
+            <a:solidFill>
+              <a:schemeClr val="tx1"/>
+            </a:solidFill>
+          </a:ln>
+        </p:spPr>
+        <p:style>
+          <a:lnRef idx="2">
+            <a:schemeClr val="accent1">
+              <a:shade val="50000"/>
+            </a:schemeClr>
+          </a:lnRef>
+          <a:fillRef idx="1">
+            <a:schemeClr val="accent1"/>
+          </a:fillRef>
+          <a:effectRef idx="0">
+            <a:schemeClr val="accent1"/>
+          </a:effectRef>
+          <a:fontRef idx="minor">
+            <a:schemeClr val="lt1"/>
+          </a:fontRef>
+        </p:style>
+        <p:txBody>
+          <a:bodyPr rtlCol="0" anchor="ctr"/>
+          <a:lstStyle/>
+          <a:p>
+            <a:pPr algn="ctr"/>
+            <a:r>
+              <a:rPr lang="en-AU" sz="1400" dirty="0">
+                <a:solidFill>
+                  <a:schemeClr val="tx1"/>
+                </a:solidFill>
+              </a:rPr>
+              <a:t>Document</a:t>
+            </a:r>
+          </a:p>
+        </p:txBody>
+      </p:sp>
+      <p:sp>
+        <p:nvSpPr>
+          <p:cNvPr id="51" name="Rounded Rectangle 50">
+            <a:extLst>
+              <a:ext uri="{FF2B5EF4-FFF2-40B4-BE49-F238E27FC236}">
+                <a16:creationId xmlns:a16="http://schemas.microsoft.com/office/drawing/2014/main" id="{61118395-830B-0041-A777-8497EA16ABFF}"/>
+              </a:ext>
+            </a:extLst>
+          </p:cNvPr>
+          <p:cNvSpPr/>
+          <p:nvPr/>
+        </p:nvSpPr>
+        <p:spPr>
+          <a:xfrm>
+            <a:off x="5148618" y="4090342"/>
+            <a:ext cx="1248936" cy="657922"/>
+          </a:xfrm>
+          <a:prstGeom prst="roundRect">
+            <a:avLst/>
+          </a:prstGeom>
+          <a:pattFill prst="pct30">
+            <a:fgClr>
+              <a:schemeClr val="bg1">
+                <a:lumMod val="85000"/>
+              </a:schemeClr>
+            </a:fgClr>
+            <a:bgClr>
+              <a:schemeClr val="bg1"/>
+            </a:bgClr>
+          </a:pattFill>
+          <a:ln>
+            <a:solidFill>
+              <a:schemeClr val="tx1"/>
+            </a:solidFill>
+          </a:ln>
+        </p:spPr>
+        <p:style>
+          <a:lnRef idx="2">
+            <a:schemeClr val="accent1">
+              <a:shade val="50000"/>
+            </a:schemeClr>
+          </a:lnRef>
+          <a:fillRef idx="1">
+            <a:schemeClr val="accent1"/>
+          </a:fillRef>
+          <a:effectRef idx="0">
+            <a:schemeClr val="accent1"/>
+          </a:effectRef>
+          <a:fontRef idx="minor">
+            <a:schemeClr val="lt1"/>
+          </a:fontRef>
+        </p:style>
+        <p:txBody>
+          <a:bodyPr rtlCol="0" anchor="ctr"/>
+          <a:lstStyle/>
+          <a:p>
+            <a:pPr algn="ctr"/>
+            <a:r>
+              <a:rPr lang="en-US" sz="1400">
+                <a:solidFill>
+                  <a:schemeClr val="tx1"/>
+                </a:solidFill>
+              </a:rPr>
+              <a:t>Guidance</a:t>
+            </a:r>
+          </a:p>
+        </p:txBody>
+      </p:sp>
+      <p:sp>
+        <p:nvSpPr>
+          <p:cNvPr id="57" name="Rounded Rectangle 56">
+            <a:extLst>
+              <a:ext uri="{FF2B5EF4-FFF2-40B4-BE49-F238E27FC236}">
+                <a16:creationId xmlns:a16="http://schemas.microsoft.com/office/drawing/2014/main" id="{D5A067E4-3D15-E549-A0B4-8A63A2C0655A}"/>
+              </a:ext>
+            </a:extLst>
+          </p:cNvPr>
+          <p:cNvSpPr/>
+          <p:nvPr/>
+        </p:nvSpPr>
+        <p:spPr>
+          <a:xfrm>
+            <a:off x="3131393" y="5094708"/>
+            <a:ext cx="1248936" cy="657922"/>
+          </a:xfrm>
+          <a:prstGeom prst="roundRect">
+            <a:avLst/>
+          </a:prstGeom>
+          <a:pattFill prst="pct30">
+            <a:fgClr>
+              <a:schemeClr val="bg1">
+                <a:lumMod val="85000"/>
+              </a:schemeClr>
+            </a:fgClr>
+            <a:bgClr>
+              <a:schemeClr val="bg1"/>
+            </a:bgClr>
+          </a:pattFill>
+          <a:ln>
+            <a:solidFill>
+              <a:schemeClr val="tx1"/>
+            </a:solidFill>
+          </a:ln>
+        </p:spPr>
+        <p:style>
+          <a:lnRef idx="2">
+            <a:schemeClr val="accent1">
+              <a:shade val="50000"/>
+            </a:schemeClr>
+          </a:lnRef>
+          <a:fillRef idx="1">
+            <a:schemeClr val="accent1"/>
+          </a:fillRef>
+          <a:effectRef idx="0">
+            <a:schemeClr val="accent1"/>
+          </a:effectRef>
+          <a:fontRef idx="minor">
+            <a:schemeClr val="lt1"/>
+          </a:fontRef>
+        </p:style>
+        <p:txBody>
+          <a:bodyPr rtlCol="0" anchor="ctr"/>
+          <a:lstStyle/>
+          <a:p>
+            <a:pPr algn="ctr"/>
+            <a:r>
+              <a:rPr lang="en-US" sz="1400">
+                <a:solidFill>
+                  <a:schemeClr val="tx1"/>
+                </a:solidFill>
+              </a:rPr>
+              <a:t>application/</a:t>
+            </a:r>
+            <a:br>
+              <a:rPr lang="en-US" sz="1400">
+                <a:solidFill>
+                  <a:schemeClr val="tx1"/>
+                </a:solidFill>
+              </a:rPr>
+            </a:br>
+            <a:r>
+              <a:rPr lang="en-US" sz="1400">
+                <a:solidFill>
+                  <a:schemeClr val="tx1"/>
+                </a:solidFill>
+              </a:rPr>
+              <a:t>pdf</a:t>
+            </a:r>
+          </a:p>
+        </p:txBody>
+      </p:sp>
+      <p:cxnSp>
+        <p:nvCxnSpPr>
+          <p:cNvPr id="62" name="Straight Arrow Connector 61">
+            <a:extLst>
+              <a:ext uri="{FF2B5EF4-FFF2-40B4-BE49-F238E27FC236}">
+                <a16:creationId xmlns:a16="http://schemas.microsoft.com/office/drawing/2014/main" id="{1C232651-4725-3F46-A431-4E2B5251A97E}"/>
+              </a:ext>
+            </a:extLst>
+          </p:cNvPr>
+          <p:cNvCxnSpPr>
+            <a:cxnSpLocks/>
+            <a:stCxn id="97" idx="0"/>
+            <a:endCxn id="137" idx="2"/>
+          </p:cNvCxnSpPr>
+          <p:nvPr/>
+        </p:nvCxnSpPr>
+        <p:spPr>
+          <a:xfrm flipH="1" flipV="1">
+            <a:off x="10364519" y="2130687"/>
+            <a:ext cx="1056" cy="920765"/>
+          </a:xfrm>
+          <a:prstGeom prst="straightConnector1">
+            <a:avLst/>
+          </a:prstGeom>
+          <a:ln>
+            <a:solidFill>
+              <a:schemeClr val="tx1"/>
+            </a:solidFill>
+            <a:headEnd type="none" w="med" len="med"/>
+            <a:tailEnd type="arrow" w="med" len="med"/>
+          </a:ln>
+        </p:spPr>
+        <p:style>
+          <a:lnRef idx="1">
+            <a:schemeClr val="accent1"/>
+          </a:lnRef>
+          <a:fillRef idx="0">
+            <a:schemeClr val="accent1"/>
+          </a:fillRef>
+          <a:effectRef idx="0">
+            <a:schemeClr val="accent1"/>
+          </a:effectRef>
+          <a:fontRef idx="minor">
+            <a:schemeClr val="tx1"/>
+          </a:fontRef>
+        </p:style>
+      </p:cxnSp>
+      <p:sp>
+        <p:nvSpPr>
+          <p:cNvPr id="63" name="Rounded Rectangle 62">
+            <a:extLst>
+              <a:ext uri="{FF2B5EF4-FFF2-40B4-BE49-F238E27FC236}">
+                <a16:creationId xmlns:a16="http://schemas.microsoft.com/office/drawing/2014/main" id="{1765E693-7B9C-CB4F-A9A1-F93D0DF82E0B}"/>
+              </a:ext>
+            </a:extLst>
+          </p:cNvPr>
+          <p:cNvSpPr/>
+          <p:nvPr/>
+        </p:nvSpPr>
+        <p:spPr>
+          <a:xfrm>
+            <a:off x="1549857" y="31913"/>
+            <a:ext cx="1248936" cy="657922"/>
+          </a:xfrm>
+          <a:prstGeom prst="roundRect">
+            <a:avLst/>
+          </a:prstGeom>
+          <a:noFill/>
+          <a:ln>
+            <a:solidFill>
+              <a:schemeClr val="tx1"/>
+            </a:solidFill>
+          </a:ln>
+        </p:spPr>
+        <p:style>
+          <a:lnRef idx="2">
+            <a:schemeClr val="accent1">
+              <a:shade val="50000"/>
+            </a:schemeClr>
+          </a:lnRef>
+          <a:fillRef idx="1">
+            <a:schemeClr val="accent1"/>
+          </a:fillRef>
+          <a:effectRef idx="0">
+            <a:schemeClr val="accent1"/>
+          </a:effectRef>
+          <a:fontRef idx="minor">
+            <a:schemeClr val="lt1"/>
+          </a:fontRef>
+        </p:style>
+        <p:txBody>
+          <a:bodyPr rtlCol="0" anchor="ctr"/>
+          <a:lstStyle/>
+          <a:p>
+            <a:pPr algn="ctr"/>
+            <a:r>
+              <a:rPr lang="en-US" sz="1400" dirty="0">
+                <a:solidFill>
+                  <a:schemeClr val="tx1"/>
+                </a:solidFill>
+              </a:rPr>
+              <a:t>Resource Role</a:t>
+            </a:r>
+          </a:p>
+        </p:txBody>
+      </p:sp>
+      <p:cxnSp>
+        <p:nvCxnSpPr>
+          <p:cNvPr id="71" name="Straight Arrow Connector 70">
+            <a:extLst>
+              <a:ext uri="{FF2B5EF4-FFF2-40B4-BE49-F238E27FC236}">
+                <a16:creationId xmlns:a16="http://schemas.microsoft.com/office/drawing/2014/main" id="{1AFD0953-9B5E-C941-AF25-78767324913B}"/>
+              </a:ext>
+            </a:extLst>
+          </p:cNvPr>
+          <p:cNvCxnSpPr>
+            <a:cxnSpLocks/>
+            <a:stCxn id="83" idx="0"/>
+            <a:endCxn id="38" idx="2"/>
+          </p:cNvCxnSpPr>
+          <p:nvPr/>
+        </p:nvCxnSpPr>
+        <p:spPr>
+          <a:xfrm flipV="1">
+            <a:off x="3755861" y="680452"/>
+            <a:ext cx="0" cy="2371000"/>
+          </a:xfrm>
+          <a:prstGeom prst="straightConnector1">
+            <a:avLst/>
+          </a:prstGeom>
+          <a:ln>
+            <a:solidFill>
+              <a:schemeClr val="tx1"/>
+            </a:solidFill>
+            <a:headEnd type="none" w="med" len="med"/>
+            <a:tailEnd type="arrow" w="med" len="med"/>
+          </a:ln>
+        </p:spPr>
+        <p:style>
+          <a:lnRef idx="1">
+            <a:schemeClr val="accent1"/>
+          </a:lnRef>
+          <a:fillRef idx="0">
+            <a:schemeClr val="accent1"/>
+          </a:fillRef>
+          <a:effectRef idx="0">
+            <a:schemeClr val="accent1"/>
+          </a:effectRef>
+          <a:fontRef idx="minor">
+            <a:schemeClr val="tx1"/>
+          </a:fontRef>
+        </p:style>
+      </p:cxnSp>
+      <p:sp>
+        <p:nvSpPr>
+          <p:cNvPr id="81" name="Rounded Rectangle 80">
+            <a:extLst>
+              <a:ext uri="{FF2B5EF4-FFF2-40B4-BE49-F238E27FC236}">
+                <a16:creationId xmlns:a16="http://schemas.microsoft.com/office/drawing/2014/main" id="{FEA2DD0B-1FF1-1641-85B5-1D9D19117494}"/>
+              </a:ext>
+            </a:extLst>
+          </p:cNvPr>
+          <p:cNvSpPr/>
+          <p:nvPr/>
+        </p:nvSpPr>
+        <p:spPr>
+          <a:xfrm>
+            <a:off x="5148618" y="5107510"/>
+            <a:ext cx="1248936" cy="657922"/>
+          </a:xfrm>
+          <a:prstGeom prst="roundRect">
+            <a:avLst/>
+          </a:prstGeom>
+          <a:pattFill prst="pct30">
+            <a:fgClr>
+              <a:schemeClr val="bg1">
+                <a:lumMod val="85000"/>
+              </a:schemeClr>
+            </a:fgClr>
+            <a:bgClr>
+              <a:schemeClr val="bg1"/>
+            </a:bgClr>
+          </a:pattFill>
+          <a:ln>
+            <a:solidFill>
+              <a:schemeClr val="tx1"/>
+            </a:solidFill>
+          </a:ln>
+        </p:spPr>
+        <p:style>
+          <a:lnRef idx="2">
+            <a:schemeClr val="accent1">
+              <a:shade val="50000"/>
+            </a:schemeClr>
+          </a:lnRef>
+          <a:fillRef idx="1">
+            <a:schemeClr val="accent1"/>
+          </a:fillRef>
+          <a:effectRef idx="0">
+            <a:schemeClr val="accent1"/>
+          </a:effectRef>
+          <a:fontRef idx="minor">
+            <a:schemeClr val="lt1"/>
+          </a:fontRef>
+        </p:style>
+        <p:txBody>
+          <a:bodyPr rtlCol="0" anchor="ctr"/>
+          <a:lstStyle/>
+          <a:p>
+            <a:pPr algn="ctr"/>
+            <a:r>
+              <a:rPr lang="en-AU" sz="1400">
+                <a:solidFill>
+                  <a:schemeClr val="tx1"/>
+                </a:solidFill>
+              </a:rPr>
+              <a:t>application/msword</a:t>
+            </a:r>
+            <a:endParaRPr lang="en-US" sz="1400">
+              <a:solidFill>
+                <a:schemeClr val="tx1"/>
+              </a:solidFill>
+            </a:endParaRPr>
+          </a:p>
+        </p:txBody>
+      </p:sp>
+      <p:sp>
+        <p:nvSpPr>
+          <p:cNvPr id="137" name="Rounded Rectangle 136">
+            <a:extLst>
+              <a:ext uri="{FF2B5EF4-FFF2-40B4-BE49-F238E27FC236}">
+                <a16:creationId xmlns:a16="http://schemas.microsoft.com/office/drawing/2014/main" id="{CEE212BA-1424-C64C-8BC1-4A23B9106EEA}"/>
+              </a:ext>
+            </a:extLst>
+          </p:cNvPr>
+          <p:cNvSpPr/>
+          <p:nvPr/>
+        </p:nvSpPr>
+        <p:spPr>
+          <a:xfrm>
+            <a:off x="9740051" y="1472765"/>
+            <a:ext cx="1248936" cy="657922"/>
+          </a:xfrm>
+          <a:prstGeom prst="roundRect">
+            <a:avLst/>
+          </a:prstGeom>
+          <a:pattFill prst="pct30">
+            <a:fgClr>
+              <a:schemeClr val="bg1">
+                <a:lumMod val="85000"/>
+              </a:schemeClr>
+            </a:fgClr>
+            <a:bgClr>
+              <a:schemeClr val="bg1"/>
+            </a:bgClr>
+          </a:pattFill>
+          <a:ln>
+            <a:solidFill>
+              <a:schemeClr val="tx1"/>
+            </a:solidFill>
+          </a:ln>
+        </p:spPr>
+        <p:style>
+          <a:lnRef idx="2">
+            <a:schemeClr val="accent1">
+              <a:shade val="50000"/>
+            </a:schemeClr>
+          </a:lnRef>
+          <a:fillRef idx="1">
+            <a:schemeClr val="accent1"/>
+          </a:fillRef>
+          <a:effectRef idx="0">
+            <a:schemeClr val="accent1"/>
+          </a:effectRef>
+          <a:fontRef idx="minor">
+            <a:schemeClr val="lt1"/>
+          </a:fontRef>
+        </p:style>
+        <p:txBody>
+          <a:bodyPr rtlCol="0" anchor="ctr"/>
+          <a:lstStyle/>
+          <a:p>
+            <a:pPr algn="ctr"/>
+            <a:r>
+              <a:rPr lang="en-US" sz="1400">
+                <a:solidFill>
+                  <a:schemeClr val="tx1"/>
+                </a:solidFill>
+              </a:rPr>
+              <a:t>SHACL</a:t>
+            </a:r>
+          </a:p>
+        </p:txBody>
+      </p:sp>
+      <p:cxnSp>
+        <p:nvCxnSpPr>
+          <p:cNvPr id="139" name="Straight Arrow Connector 138">
+            <a:extLst>
+              <a:ext uri="{FF2B5EF4-FFF2-40B4-BE49-F238E27FC236}">
+                <a16:creationId xmlns:a16="http://schemas.microsoft.com/office/drawing/2014/main" id="{3064D143-26F1-E34C-90F9-B57D33E9A5C8}"/>
+              </a:ext>
+            </a:extLst>
+          </p:cNvPr>
+          <p:cNvCxnSpPr>
+            <a:cxnSpLocks/>
+            <a:stCxn id="50" idx="2"/>
+            <a:endCxn id="51" idx="0"/>
+          </p:cNvCxnSpPr>
+          <p:nvPr/>
+        </p:nvCxnSpPr>
+        <p:spPr>
+          <a:xfrm>
+            <a:off x="5773086" y="3709022"/>
+            <a:ext cx="0" cy="381320"/>
+          </a:xfrm>
+          <a:prstGeom prst="straightConnector1">
+            <a:avLst/>
+          </a:prstGeom>
+          <a:ln>
+            <a:solidFill>
+              <a:schemeClr val="tx1"/>
+            </a:solidFill>
+            <a:headEnd type="none" w="med" len="med"/>
+            <a:tailEnd type="arrow" w="med" len="med"/>
+          </a:ln>
+        </p:spPr>
+        <p:style>
+          <a:lnRef idx="1">
+            <a:schemeClr val="accent1"/>
+          </a:lnRef>
+          <a:fillRef idx="0">
+            <a:schemeClr val="accent1"/>
+          </a:fillRef>
+          <a:effectRef idx="0">
+            <a:schemeClr val="accent1"/>
+          </a:effectRef>
+          <a:fontRef idx="minor">
+            <a:schemeClr val="tx1"/>
+          </a:fontRef>
+        </p:style>
+      </p:cxnSp>
+      <p:sp>
+        <p:nvSpPr>
+          <p:cNvPr id="143" name="TextBox 142">
+            <a:extLst>
+              <a:ext uri="{FF2B5EF4-FFF2-40B4-BE49-F238E27FC236}">
+                <a16:creationId xmlns:a16="http://schemas.microsoft.com/office/drawing/2014/main" id="{D0F429B1-D6FA-404E-947C-F41500F16EBC}"/>
+              </a:ext>
+            </a:extLst>
+          </p:cNvPr>
+          <p:cNvSpPr txBox="1"/>
+          <p:nvPr/>
+        </p:nvSpPr>
+        <p:spPr>
+          <a:xfrm>
+            <a:off x="206018" y="75938"/>
+            <a:ext cx="1090683" cy="307777"/>
+          </a:xfrm>
+          <a:prstGeom prst="rect">
+            <a:avLst/>
+          </a:prstGeom>
+          <a:noFill/>
+        </p:spPr>
+        <p:txBody>
+          <a:bodyPr wrap="none" rtlCol="0">
+            <a:spAutoFit/>
+          </a:bodyPr>
+          <a:lstStyle/>
+          <a:p>
+            <a:r>
+              <a:rPr lang="en-US" sz="1400" u="sng"/>
+              <a:t>Element Key</a:t>
+            </a:r>
+          </a:p>
+        </p:txBody>
+      </p:sp>
+      <p:cxnSp>
+        <p:nvCxnSpPr>
+          <p:cNvPr id="64" name="Straight Arrow Connector 63">
+            <a:extLst>
+              <a:ext uri="{FF2B5EF4-FFF2-40B4-BE49-F238E27FC236}">
+                <a16:creationId xmlns:a16="http://schemas.microsoft.com/office/drawing/2014/main" id="{E2F711E2-839C-4CF0-8A24-E2A8808B368E}"/>
+              </a:ext>
+            </a:extLst>
+          </p:cNvPr>
+          <p:cNvCxnSpPr>
+            <a:cxnSpLocks/>
+            <a:stCxn id="106" idx="3"/>
+            <a:endCxn id="42" idx="1"/>
+          </p:cNvCxnSpPr>
+          <p:nvPr/>
+        </p:nvCxnSpPr>
+        <p:spPr>
+          <a:xfrm flipV="1">
+            <a:off x="6719861" y="360874"/>
+            <a:ext cx="695655" cy="8072"/>
+          </a:xfrm>
+          <a:prstGeom prst="straightConnector1">
+            <a:avLst/>
+          </a:prstGeom>
+          <a:ln>
+            <a:solidFill>
+              <a:schemeClr val="tx1"/>
+            </a:solidFill>
+            <a:prstDash val="dash"/>
+            <a:headEnd type="none" w="med" len="med"/>
+            <a:tailEnd type="arrow" w="med" len="med"/>
+          </a:ln>
+        </p:spPr>
+        <p:style>
+          <a:lnRef idx="1">
+            <a:schemeClr val="accent1"/>
+          </a:lnRef>
+          <a:fillRef idx="0">
+            <a:schemeClr val="accent1"/>
+          </a:fillRef>
+          <a:effectRef idx="0">
+            <a:schemeClr val="accent1"/>
+          </a:effectRef>
+          <a:fontRef idx="minor">
+            <a:schemeClr val="tx1"/>
+          </a:fontRef>
+        </p:style>
+      </p:cxnSp>
+      <p:sp>
+        <p:nvSpPr>
+          <p:cNvPr id="67" name="Rounded Rectangle 41">
+            <a:extLst>
+              <a:ext uri="{FF2B5EF4-FFF2-40B4-BE49-F238E27FC236}">
+                <a16:creationId xmlns:a16="http://schemas.microsoft.com/office/drawing/2014/main" id="{FDA05551-8C5C-4A44-A388-6EC0BAC90A73}"/>
+              </a:ext>
+            </a:extLst>
+          </p:cNvPr>
+          <p:cNvSpPr/>
+          <p:nvPr/>
+        </p:nvSpPr>
+        <p:spPr>
+          <a:xfrm>
+            <a:off x="9741107" y="26393"/>
+            <a:ext cx="1248936" cy="657922"/>
+          </a:xfrm>
+          <a:prstGeom prst="roundRect">
+            <a:avLst/>
+          </a:prstGeom>
+          <a:noFill/>
+          <a:ln>
+            <a:solidFill>
+              <a:schemeClr val="tx1"/>
+            </a:solidFill>
+          </a:ln>
+        </p:spPr>
+        <p:style>
+          <a:lnRef idx="2">
+            <a:schemeClr val="accent1">
+              <a:shade val="50000"/>
+            </a:schemeClr>
+          </a:lnRef>
+          <a:fillRef idx="1">
+            <a:schemeClr val="accent1"/>
+          </a:fillRef>
+          <a:effectRef idx="0">
+            <a:schemeClr val="accent1"/>
+          </a:effectRef>
+          <a:fontRef idx="minor">
+            <a:schemeClr val="lt1"/>
+          </a:fontRef>
+        </p:style>
+        <p:txBody>
+          <a:bodyPr rtlCol="0" anchor="ctr"/>
+          <a:lstStyle/>
+          <a:p>
+            <a:pPr algn="ctr"/>
+            <a:r>
+              <a:rPr lang="en-US" sz="1400" dirty="0" err="1">
+                <a:solidFill>
+                  <a:schemeClr val="tx1"/>
+                </a:solidFill>
+              </a:rPr>
+              <a:t>dct:Standard</a:t>
+            </a:r>
+            <a:endParaRPr lang="en-US" sz="1400" dirty="0">
+              <a:solidFill>
+                <a:schemeClr val="tx1"/>
+              </a:solidFill>
+            </a:endParaRPr>
+          </a:p>
+        </p:txBody>
+      </p:sp>
+      <p:sp>
+        <p:nvSpPr>
+          <p:cNvPr id="83" name="Rounded Rectangle 49">
+            <a:extLst>
+              <a:ext uri="{FF2B5EF4-FFF2-40B4-BE49-F238E27FC236}">
+                <a16:creationId xmlns:a16="http://schemas.microsoft.com/office/drawing/2014/main" id="{224D2B2D-4BB2-4C29-A536-F665E5562E9E}"/>
+              </a:ext>
+            </a:extLst>
+          </p:cNvPr>
+          <p:cNvSpPr/>
+          <p:nvPr/>
+        </p:nvSpPr>
+        <p:spPr>
+          <a:xfrm>
+            <a:off x="3131393" y="3051452"/>
+            <a:ext cx="1248936" cy="657922"/>
+          </a:xfrm>
+          <a:prstGeom prst="roundRect">
+            <a:avLst/>
+          </a:prstGeom>
+          <a:pattFill prst="pct30">
+            <a:fgClr>
+              <a:schemeClr val="bg1">
+                <a:lumMod val="85000"/>
+              </a:schemeClr>
+            </a:fgClr>
+            <a:bgClr>
+              <a:schemeClr val="bg1"/>
+            </a:bgClr>
+          </a:pattFill>
+          <a:ln>
+            <a:solidFill>
+              <a:schemeClr val="tx1"/>
+            </a:solidFill>
+          </a:ln>
+        </p:spPr>
+        <p:style>
+          <a:lnRef idx="2">
+            <a:schemeClr val="accent1">
+              <a:shade val="50000"/>
+            </a:schemeClr>
+          </a:lnRef>
+          <a:fillRef idx="1">
+            <a:schemeClr val="accent1"/>
+          </a:fillRef>
+          <a:effectRef idx="0">
+            <a:schemeClr val="accent1"/>
+          </a:effectRef>
+          <a:fontRef idx="minor">
+            <a:schemeClr val="lt1"/>
+          </a:fontRef>
+        </p:style>
+        <p:txBody>
+          <a:bodyPr rtlCol="0" anchor="ctr"/>
+          <a:lstStyle/>
+          <a:p>
+            <a:pPr algn="ctr"/>
+            <a:r>
+              <a:rPr lang="en-AU" sz="1400" dirty="0">
+                <a:solidFill>
+                  <a:schemeClr val="tx1"/>
+                </a:solidFill>
+              </a:rPr>
+              <a:t>Document</a:t>
+            </a:r>
+          </a:p>
+        </p:txBody>
+      </p:sp>
+      <p:sp>
+        <p:nvSpPr>
+          <p:cNvPr id="84" name="Rounded Rectangle 49">
+            <a:extLst>
+              <a:ext uri="{FF2B5EF4-FFF2-40B4-BE49-F238E27FC236}">
+                <a16:creationId xmlns:a16="http://schemas.microsoft.com/office/drawing/2014/main" id="{8122C6FE-A11F-49FE-8E5D-AF463E990348}"/>
+              </a:ext>
+            </a:extLst>
+          </p:cNvPr>
+          <p:cNvSpPr/>
+          <p:nvPr/>
+        </p:nvSpPr>
+        <p:spPr>
+          <a:xfrm>
+            <a:off x="7520726" y="3057827"/>
+            <a:ext cx="1248936" cy="657922"/>
+          </a:xfrm>
+          <a:prstGeom prst="roundRect">
+            <a:avLst/>
+          </a:prstGeom>
+          <a:pattFill prst="pct30">
+            <a:fgClr>
+              <a:schemeClr val="bg1">
+                <a:lumMod val="85000"/>
+              </a:schemeClr>
+            </a:fgClr>
+            <a:bgClr>
+              <a:schemeClr val="bg1"/>
+            </a:bgClr>
+          </a:pattFill>
+          <a:ln>
+            <a:solidFill>
+              <a:schemeClr val="tx1"/>
+            </a:solidFill>
+          </a:ln>
+        </p:spPr>
+        <p:style>
+          <a:lnRef idx="2">
+            <a:schemeClr val="accent1">
+              <a:shade val="50000"/>
+            </a:schemeClr>
+          </a:lnRef>
+          <a:fillRef idx="1">
+            <a:schemeClr val="accent1"/>
+          </a:fillRef>
+          <a:effectRef idx="0">
+            <a:schemeClr val="accent1"/>
+          </a:effectRef>
+          <a:fontRef idx="minor">
+            <a:schemeClr val="lt1"/>
+          </a:fontRef>
+        </p:style>
+        <p:txBody>
+          <a:bodyPr rtlCol="0" anchor="ctr"/>
+          <a:lstStyle/>
+          <a:p>
+            <a:pPr algn="ctr"/>
+            <a:r>
+              <a:rPr lang="en-AU" sz="1400" dirty="0">
+                <a:solidFill>
+                  <a:schemeClr val="tx1"/>
+                </a:solidFill>
+              </a:rPr>
+              <a:t>Image</a:t>
+            </a:r>
+          </a:p>
+        </p:txBody>
+      </p:sp>
+      <p:sp>
+        <p:nvSpPr>
+          <p:cNvPr id="94" name="Rounded Rectangle 80">
+            <a:extLst>
+              <a:ext uri="{FF2B5EF4-FFF2-40B4-BE49-F238E27FC236}">
+                <a16:creationId xmlns:a16="http://schemas.microsoft.com/office/drawing/2014/main" id="{2D7CEA1E-A85A-4AD4-823D-99A87985EFDF}"/>
+              </a:ext>
+            </a:extLst>
+          </p:cNvPr>
+          <p:cNvSpPr/>
+          <p:nvPr/>
+        </p:nvSpPr>
+        <p:spPr>
+          <a:xfrm>
+            <a:off x="7520726" y="5105735"/>
+            <a:ext cx="1248936" cy="657922"/>
+          </a:xfrm>
+          <a:prstGeom prst="roundRect">
+            <a:avLst/>
+          </a:prstGeom>
+          <a:pattFill prst="pct30">
+            <a:fgClr>
+              <a:schemeClr val="bg1">
+                <a:lumMod val="85000"/>
+              </a:schemeClr>
+            </a:fgClr>
+            <a:bgClr>
+              <a:schemeClr val="bg1"/>
+            </a:bgClr>
+          </a:pattFill>
+          <a:ln>
+            <a:solidFill>
+              <a:schemeClr val="tx1"/>
+            </a:solidFill>
+          </a:ln>
+        </p:spPr>
+        <p:style>
+          <a:lnRef idx="2">
+            <a:schemeClr val="accent1">
+              <a:shade val="50000"/>
+            </a:schemeClr>
+          </a:lnRef>
+          <a:fillRef idx="1">
+            <a:schemeClr val="accent1"/>
+          </a:fillRef>
+          <a:effectRef idx="0">
+            <a:schemeClr val="accent1"/>
+          </a:effectRef>
+          <a:fontRef idx="minor">
+            <a:schemeClr val="lt1"/>
+          </a:fontRef>
+        </p:style>
+        <p:txBody>
+          <a:bodyPr rtlCol="0" anchor="ctr"/>
+          <a:lstStyle/>
+          <a:p>
+            <a:pPr algn="ctr"/>
+            <a:r>
+              <a:rPr lang="en-AU" sz="1400" dirty="0">
+                <a:solidFill>
+                  <a:schemeClr val="tx1"/>
+                </a:solidFill>
+              </a:rPr>
+              <a:t>image/</a:t>
+            </a:r>
+            <a:r>
+              <a:rPr lang="en-AU" sz="1400" dirty="0" err="1">
+                <a:solidFill>
+                  <a:schemeClr val="tx1"/>
+                </a:solidFill>
+              </a:rPr>
+              <a:t>png</a:t>
+            </a:r>
+            <a:endParaRPr lang="en-US" sz="1400" dirty="0">
+              <a:solidFill>
+                <a:schemeClr val="tx1"/>
+              </a:solidFill>
+            </a:endParaRPr>
+          </a:p>
+        </p:txBody>
+      </p:sp>
+      <p:sp>
+        <p:nvSpPr>
+          <p:cNvPr id="95" name="Rounded Rectangle 58">
+            <a:extLst>
+              <a:ext uri="{FF2B5EF4-FFF2-40B4-BE49-F238E27FC236}">
+                <a16:creationId xmlns:a16="http://schemas.microsoft.com/office/drawing/2014/main" id="{4035CD4E-5026-4C90-96D0-BF029A8451B5}"/>
+              </a:ext>
+            </a:extLst>
+          </p:cNvPr>
+          <p:cNvSpPr/>
+          <p:nvPr/>
+        </p:nvSpPr>
+        <p:spPr>
+          <a:xfrm>
+            <a:off x="9741107" y="5094708"/>
+            <a:ext cx="1248936" cy="657922"/>
+          </a:xfrm>
+          <a:prstGeom prst="roundRect">
+            <a:avLst/>
+          </a:prstGeom>
+          <a:pattFill prst="pct30">
+            <a:fgClr>
+              <a:schemeClr val="bg1">
+                <a:lumMod val="85000"/>
+              </a:schemeClr>
+            </a:fgClr>
+            <a:bgClr>
+              <a:schemeClr val="bg1"/>
+            </a:bgClr>
+          </a:pattFill>
+          <a:ln>
+            <a:solidFill>
+              <a:schemeClr val="tx1"/>
+            </a:solidFill>
+          </a:ln>
+        </p:spPr>
+        <p:style>
+          <a:lnRef idx="2">
+            <a:schemeClr val="accent1">
+              <a:shade val="50000"/>
+            </a:schemeClr>
+          </a:lnRef>
+          <a:fillRef idx="1">
+            <a:schemeClr val="accent1"/>
+          </a:fillRef>
+          <a:effectRef idx="0">
+            <a:schemeClr val="accent1"/>
+          </a:effectRef>
+          <a:fontRef idx="minor">
+            <a:schemeClr val="lt1"/>
+          </a:fontRef>
+        </p:style>
+        <p:txBody>
+          <a:bodyPr rtlCol="0" anchor="ctr"/>
+          <a:lstStyle/>
+          <a:p>
+            <a:pPr algn="ctr"/>
+            <a:r>
+              <a:rPr lang="en-US" sz="1400">
+                <a:solidFill>
+                  <a:schemeClr val="tx1"/>
+                </a:solidFill>
+              </a:rPr>
+              <a:t>text/turtle</a:t>
+            </a:r>
+          </a:p>
+        </p:txBody>
+      </p:sp>
+      <p:sp>
+        <p:nvSpPr>
+          <p:cNvPr id="97" name="Rounded Rectangle 13">
+            <a:extLst>
+              <a:ext uri="{FF2B5EF4-FFF2-40B4-BE49-F238E27FC236}">
+                <a16:creationId xmlns:a16="http://schemas.microsoft.com/office/drawing/2014/main" id="{84DFC923-D1E6-4F67-B7C0-0206CA75EC7E}"/>
+              </a:ext>
+            </a:extLst>
+          </p:cNvPr>
+          <p:cNvSpPr/>
+          <p:nvPr/>
+        </p:nvSpPr>
+        <p:spPr>
+          <a:xfrm>
+            <a:off x="9741107" y="3051452"/>
+            <a:ext cx="1248936" cy="657922"/>
+          </a:xfrm>
+          <a:prstGeom prst="roundRect">
+            <a:avLst/>
+          </a:prstGeom>
+          <a:pattFill prst="pct30">
+            <a:fgClr>
+              <a:schemeClr val="bg1">
+                <a:lumMod val="85000"/>
+              </a:schemeClr>
+            </a:fgClr>
+            <a:bgClr>
+              <a:schemeClr val="bg1"/>
+            </a:bgClr>
+          </a:pattFill>
+          <a:ln>
+            <a:solidFill>
+              <a:schemeClr val="tx1"/>
+            </a:solidFill>
+          </a:ln>
+        </p:spPr>
+        <p:style>
+          <a:lnRef idx="2">
+            <a:schemeClr val="accent1">
+              <a:shade val="50000"/>
+            </a:schemeClr>
+          </a:lnRef>
+          <a:fillRef idx="1">
+            <a:schemeClr val="accent1"/>
+          </a:fillRef>
+          <a:effectRef idx="0">
+            <a:schemeClr val="accent1"/>
+          </a:effectRef>
+          <a:fontRef idx="minor">
+            <a:schemeClr val="lt1"/>
+          </a:fontRef>
+        </p:style>
+        <p:txBody>
+          <a:bodyPr rtlCol="0" anchor="ctr"/>
+          <a:lstStyle/>
+          <a:p>
+            <a:pPr algn="ctr"/>
+            <a:r>
+              <a:rPr lang="en-AU" sz="1400" dirty="0">
+                <a:solidFill>
+                  <a:schemeClr val="tx1"/>
+                </a:solidFill>
+              </a:rPr>
+              <a:t>Constraints</a:t>
+            </a:r>
+          </a:p>
+        </p:txBody>
+      </p:sp>
+      <p:cxnSp>
+        <p:nvCxnSpPr>
+          <p:cNvPr id="121" name="Straight Arrow Connector 120">
+            <a:extLst>
+              <a:ext uri="{FF2B5EF4-FFF2-40B4-BE49-F238E27FC236}">
+                <a16:creationId xmlns:a16="http://schemas.microsoft.com/office/drawing/2014/main" id="{C49C8DB1-0FAE-46E5-80EA-07C1DCAD517F}"/>
+              </a:ext>
+            </a:extLst>
+          </p:cNvPr>
+          <p:cNvCxnSpPr>
+            <a:cxnSpLocks/>
+            <a:endCxn id="51" idx="0"/>
+          </p:cNvCxnSpPr>
+          <p:nvPr/>
+        </p:nvCxnSpPr>
+        <p:spPr>
+          <a:xfrm flipH="1">
+            <a:off x="5773086" y="3679886"/>
+            <a:ext cx="1773312" cy="410456"/>
+          </a:xfrm>
+          <a:prstGeom prst="straightConnector1">
+            <a:avLst/>
+          </a:prstGeom>
+          <a:ln>
+            <a:solidFill>
+              <a:schemeClr val="tx1"/>
+            </a:solidFill>
+            <a:headEnd type="none" w="med" len="med"/>
+            <a:tailEnd type="arrow" w="med" len="med"/>
+          </a:ln>
+        </p:spPr>
+        <p:style>
+          <a:lnRef idx="1">
+            <a:schemeClr val="accent1"/>
+          </a:lnRef>
+          <a:fillRef idx="0">
+            <a:schemeClr val="accent1"/>
+          </a:fillRef>
+          <a:effectRef idx="0">
+            <a:schemeClr val="accent1"/>
+          </a:effectRef>
+          <a:fontRef idx="minor">
+            <a:schemeClr val="tx1"/>
+          </a:fontRef>
+        </p:style>
+      </p:cxnSp>
+      <p:cxnSp>
+        <p:nvCxnSpPr>
+          <p:cNvPr id="126" name="Straight Arrow Connector 125">
+            <a:extLst>
+              <a:ext uri="{FF2B5EF4-FFF2-40B4-BE49-F238E27FC236}">
+                <a16:creationId xmlns:a16="http://schemas.microsoft.com/office/drawing/2014/main" id="{2B1BF1FB-583B-4EB1-8E22-AFCEF1645B7E}"/>
+              </a:ext>
+            </a:extLst>
+          </p:cNvPr>
+          <p:cNvCxnSpPr>
+            <a:cxnSpLocks/>
+            <a:stCxn id="97" idx="2"/>
+            <a:endCxn id="27" idx="0"/>
+          </p:cNvCxnSpPr>
+          <p:nvPr/>
+        </p:nvCxnSpPr>
+        <p:spPr>
+          <a:xfrm>
+            <a:off x="10365575" y="3709374"/>
+            <a:ext cx="0" cy="372818"/>
+          </a:xfrm>
+          <a:prstGeom prst="straightConnector1">
+            <a:avLst/>
+          </a:prstGeom>
+          <a:ln>
+            <a:solidFill>
+              <a:schemeClr val="tx1"/>
+            </a:solidFill>
+            <a:headEnd type="none" w="med" len="med"/>
+            <a:tailEnd type="arrow" w="med" len="med"/>
+          </a:ln>
+        </p:spPr>
+        <p:style>
+          <a:lnRef idx="1">
+            <a:schemeClr val="accent1"/>
+          </a:lnRef>
+          <a:fillRef idx="0">
+            <a:schemeClr val="accent1"/>
+          </a:fillRef>
+          <a:effectRef idx="0">
+            <a:schemeClr val="accent1"/>
+          </a:effectRef>
+          <a:fontRef idx="minor">
+            <a:schemeClr val="tx1"/>
+          </a:fontRef>
+        </p:style>
+      </p:cxnSp>
+      <p:sp>
+        <p:nvSpPr>
+          <p:cNvPr id="140" name="TextBox 139">
+            <a:extLst>
+              <a:ext uri="{FF2B5EF4-FFF2-40B4-BE49-F238E27FC236}">
+                <a16:creationId xmlns:a16="http://schemas.microsoft.com/office/drawing/2014/main" id="{6707BDE9-7BD2-45AB-A29D-3E817741394B}"/>
+              </a:ext>
+            </a:extLst>
+          </p:cNvPr>
+          <p:cNvSpPr txBox="1"/>
+          <p:nvPr/>
+        </p:nvSpPr>
+        <p:spPr>
+          <a:xfrm>
+            <a:off x="9958627" y="3787241"/>
+            <a:ext cx="818109" cy="184666"/>
+          </a:xfrm>
+          <a:prstGeom prst="rect">
+            <a:avLst/>
+          </a:prstGeom>
+          <a:solidFill>
+            <a:schemeClr val="bg1"/>
+          </a:solidFill>
+        </p:spPr>
+        <p:txBody>
+          <a:bodyPr wrap="none" lIns="0" tIns="0" rIns="0" bIns="0" rtlCol="0">
+            <a:spAutoFit/>
+          </a:bodyPr>
+          <a:lstStyle/>
+          <a:p>
+            <a:r>
+              <a:rPr lang="en-US" sz="1200" dirty="0" err="1"/>
+              <a:t>resourceRole</a:t>
+            </a:r>
+            <a:endParaRPr lang="en-US" sz="1200" dirty="0"/>
+          </a:p>
+        </p:txBody>
+      </p:sp>
+      <p:cxnSp>
+        <p:nvCxnSpPr>
+          <p:cNvPr id="142" name="Straight Arrow Connector 141">
+            <a:extLst>
+              <a:ext uri="{FF2B5EF4-FFF2-40B4-BE49-F238E27FC236}">
+                <a16:creationId xmlns:a16="http://schemas.microsoft.com/office/drawing/2014/main" id="{2F98DA37-FEDB-4CEE-A807-CEB3A78CD923}"/>
+              </a:ext>
+            </a:extLst>
+          </p:cNvPr>
+          <p:cNvCxnSpPr>
+            <a:cxnSpLocks/>
+            <a:stCxn id="137" idx="0"/>
+            <a:endCxn id="67" idx="2"/>
+          </p:cNvCxnSpPr>
+          <p:nvPr/>
+        </p:nvCxnSpPr>
+        <p:spPr>
+          <a:xfrm flipV="1">
+            <a:off x="10364519" y="684315"/>
+            <a:ext cx="1056" cy="788450"/>
+          </a:xfrm>
+          <a:prstGeom prst="straightConnector1">
+            <a:avLst/>
+          </a:prstGeom>
+          <a:ln>
+            <a:solidFill>
+              <a:schemeClr val="tx1"/>
+            </a:solidFill>
+            <a:prstDash val="sysDot"/>
+            <a:headEnd type="none" w="med" len="med"/>
+            <a:tailEnd type="arrow" w="med" len="med"/>
+          </a:ln>
+        </p:spPr>
+        <p:style>
+          <a:lnRef idx="1">
+            <a:schemeClr val="accent1"/>
+          </a:lnRef>
+          <a:fillRef idx="0">
+            <a:schemeClr val="accent1"/>
+          </a:fillRef>
+          <a:effectRef idx="0">
+            <a:schemeClr val="accent1"/>
+          </a:effectRef>
+          <a:fontRef idx="minor">
+            <a:schemeClr val="tx1"/>
+          </a:fontRef>
+        </p:style>
+      </p:cxnSp>
+      <p:cxnSp>
+        <p:nvCxnSpPr>
+          <p:cNvPr id="145" name="Straight Arrow Connector 144">
+            <a:extLst>
+              <a:ext uri="{FF2B5EF4-FFF2-40B4-BE49-F238E27FC236}">
+                <a16:creationId xmlns:a16="http://schemas.microsoft.com/office/drawing/2014/main" id="{2E18F165-D9C7-4A00-BC57-C30ACB0BEF1E}"/>
+              </a:ext>
+            </a:extLst>
+          </p:cNvPr>
+          <p:cNvCxnSpPr>
+            <a:cxnSpLocks/>
+            <a:stCxn id="42" idx="3"/>
+            <a:endCxn id="67" idx="1"/>
+          </p:cNvCxnSpPr>
+          <p:nvPr/>
+        </p:nvCxnSpPr>
+        <p:spPr>
+          <a:xfrm flipV="1">
+            <a:off x="8664452" y="355354"/>
+            <a:ext cx="1076655" cy="5520"/>
+          </a:xfrm>
+          <a:prstGeom prst="straightConnector1">
+            <a:avLst/>
+          </a:prstGeom>
+          <a:ln>
+            <a:solidFill>
+              <a:schemeClr val="tx1"/>
+            </a:solidFill>
+            <a:prstDash val="dash"/>
+            <a:headEnd type="none" w="med" len="med"/>
+            <a:tailEnd type="arrow" w="med" len="med"/>
+          </a:ln>
+        </p:spPr>
+        <p:style>
+          <a:lnRef idx="1">
+            <a:schemeClr val="accent1"/>
+          </a:lnRef>
+          <a:fillRef idx="0">
+            <a:schemeClr val="accent1"/>
+          </a:fillRef>
+          <a:effectRef idx="0">
+            <a:schemeClr val="accent1"/>
+          </a:effectRef>
+          <a:fontRef idx="minor">
+            <a:schemeClr val="tx1"/>
+          </a:fontRef>
+        </p:style>
+      </p:cxnSp>
+      <p:sp>
+        <p:nvSpPr>
+          <p:cNvPr id="157" name="Rectangle 156">
+            <a:extLst>
+              <a:ext uri="{FF2B5EF4-FFF2-40B4-BE49-F238E27FC236}">
+                <a16:creationId xmlns:a16="http://schemas.microsoft.com/office/drawing/2014/main" id="{4D508AB4-9A83-486F-ABAE-26222B463817}"/>
+              </a:ext>
+            </a:extLst>
+          </p:cNvPr>
+          <p:cNvSpPr/>
+          <p:nvPr/>
+        </p:nvSpPr>
+        <p:spPr>
+          <a:xfrm>
+            <a:off x="4481472" y="3692721"/>
+            <a:ext cx="125672" cy="107389"/>
+          </a:xfrm>
+          <a:prstGeom prst="rect">
+            <a:avLst/>
+          </a:prstGeom>
+          <a:solidFill>
+            <a:schemeClr val="bg1"/>
+          </a:solidFill>
+          <a:ln>
+            <a:solidFill>
+              <a:schemeClr val="bg1"/>
+            </a:solidFill>
+          </a:ln>
+        </p:spPr>
+        <p:style>
+          <a:lnRef idx="2">
+            <a:schemeClr val="accent1">
+              <a:shade val="50000"/>
+            </a:schemeClr>
+          </a:lnRef>
+          <a:fillRef idx="1">
+            <a:schemeClr val="accent1"/>
+          </a:fillRef>
+          <a:effectRef idx="0">
+            <a:schemeClr val="accent1"/>
+          </a:effectRef>
+          <a:fontRef idx="minor">
+            <a:schemeClr val="lt1"/>
+          </a:fontRef>
+        </p:style>
+        <p:txBody>
+          <a:bodyPr rtlCol="0" anchor="ctr"/>
+          <a:lstStyle/>
+          <a:p>
+            <a:pPr algn="ctr"/>
+            <a:endParaRPr lang="en-AU"/>
+          </a:p>
+        </p:txBody>
+      </p:sp>
+      <p:sp>
+        <p:nvSpPr>
+          <p:cNvPr id="53" name="TextBox 52">
+            <a:extLst>
+              <a:ext uri="{FF2B5EF4-FFF2-40B4-BE49-F238E27FC236}">
+                <a16:creationId xmlns:a16="http://schemas.microsoft.com/office/drawing/2014/main" id="{D6A0085B-F138-1143-90B9-F192D03EB0FA}"/>
+              </a:ext>
+            </a:extLst>
+          </p:cNvPr>
+          <p:cNvSpPr txBox="1"/>
+          <p:nvPr/>
+        </p:nvSpPr>
+        <p:spPr>
+          <a:xfrm>
+            <a:off x="5364091" y="3792358"/>
+            <a:ext cx="818109" cy="184666"/>
+          </a:xfrm>
+          <a:prstGeom prst="rect">
+            <a:avLst/>
+          </a:prstGeom>
+          <a:solidFill>
+            <a:schemeClr val="bg1"/>
+          </a:solidFill>
+        </p:spPr>
+        <p:txBody>
+          <a:bodyPr wrap="none" lIns="0" tIns="0" rIns="0" bIns="0" rtlCol="0">
+            <a:spAutoFit/>
+          </a:bodyPr>
+          <a:lstStyle/>
+          <a:p>
+            <a:r>
+              <a:rPr lang="en-US" sz="1200" dirty="0" err="1"/>
+              <a:t>resourceRole</a:t>
+            </a:r>
+            <a:endParaRPr lang="en-US" sz="1200" dirty="0"/>
+          </a:p>
+        </p:txBody>
+      </p:sp>
+      <p:cxnSp>
+        <p:nvCxnSpPr>
+          <p:cNvPr id="158" name="Elbow Connector 99">
+            <a:extLst>
+              <a:ext uri="{FF2B5EF4-FFF2-40B4-BE49-F238E27FC236}">
+                <a16:creationId xmlns:a16="http://schemas.microsoft.com/office/drawing/2014/main" id="{F9DE0E7C-9CFA-4DB4-B446-8CD363640888}"/>
+              </a:ext>
+            </a:extLst>
+          </p:cNvPr>
+          <p:cNvCxnSpPr>
+            <a:cxnSpLocks/>
+            <a:stCxn id="97" idx="3"/>
+            <a:endCxn id="95" idx="3"/>
+          </p:cNvCxnSpPr>
+          <p:nvPr/>
+        </p:nvCxnSpPr>
+        <p:spPr>
+          <a:xfrm>
+            <a:off x="10990043" y="3380413"/>
+            <a:ext cx="12700" cy="2043256"/>
+          </a:xfrm>
+          <a:prstGeom prst="bentConnector3">
+            <a:avLst>
+              <a:gd name="adj1" fmla="val 1800000"/>
+            </a:avLst>
+          </a:prstGeom>
+          <a:ln>
+            <a:solidFill>
+              <a:schemeClr val="tx1"/>
+            </a:solidFill>
+            <a:prstDash val="solid"/>
+            <a:tailEnd type="arrow"/>
+          </a:ln>
+        </p:spPr>
+        <p:style>
+          <a:lnRef idx="1">
+            <a:schemeClr val="accent1"/>
+          </a:lnRef>
+          <a:fillRef idx="0">
+            <a:schemeClr val="accent1"/>
+          </a:fillRef>
+          <a:effectRef idx="0">
+            <a:schemeClr val="accent1"/>
+          </a:effectRef>
+          <a:fontRef idx="minor">
+            <a:schemeClr val="tx1"/>
+          </a:fontRef>
+        </p:style>
+      </p:cxnSp>
+      <p:sp>
+        <p:nvSpPr>
+          <p:cNvPr id="162" name="TextBox 161">
+            <a:extLst>
+              <a:ext uri="{FF2B5EF4-FFF2-40B4-BE49-F238E27FC236}">
+                <a16:creationId xmlns:a16="http://schemas.microsoft.com/office/drawing/2014/main" id="{0202E5E2-FD23-4D4E-B7B2-563DE5AB4AB0}"/>
+              </a:ext>
+            </a:extLst>
+          </p:cNvPr>
+          <p:cNvSpPr txBox="1"/>
+          <p:nvPr/>
+        </p:nvSpPr>
+        <p:spPr>
+          <a:xfrm>
+            <a:off x="9893737" y="2545185"/>
+            <a:ext cx="970009" cy="184666"/>
+          </a:xfrm>
+          <a:prstGeom prst="rect">
+            <a:avLst/>
+          </a:prstGeom>
+          <a:solidFill>
+            <a:schemeClr val="bg1"/>
+          </a:solidFill>
+        </p:spPr>
+        <p:txBody>
+          <a:bodyPr wrap="none" lIns="0" tIns="0" rIns="0" bIns="0" rtlCol="0">
+            <a:spAutoFit/>
+          </a:bodyPr>
+          <a:lstStyle/>
+          <a:p>
+            <a:r>
+              <a:rPr lang="en-US" sz="1200" dirty="0" err="1"/>
+              <a:t>dct:conformsTo</a:t>
+            </a:r>
+            <a:endParaRPr lang="en-US" sz="1200" dirty="0"/>
+          </a:p>
+        </p:txBody>
+      </p:sp>
+      <p:sp>
+        <p:nvSpPr>
+          <p:cNvPr id="165" name="TextBox 164">
+            <a:extLst>
+              <a:ext uri="{FF2B5EF4-FFF2-40B4-BE49-F238E27FC236}">
+                <a16:creationId xmlns:a16="http://schemas.microsoft.com/office/drawing/2014/main" id="{0994CBDF-C21B-4C07-B1F0-B0DBFC906E33}"/>
+              </a:ext>
+            </a:extLst>
+          </p:cNvPr>
+          <p:cNvSpPr txBox="1"/>
+          <p:nvPr/>
+        </p:nvSpPr>
+        <p:spPr>
+          <a:xfrm>
+            <a:off x="10859223" y="4784294"/>
+            <a:ext cx="663836" cy="184666"/>
+          </a:xfrm>
+          <a:prstGeom prst="rect">
+            <a:avLst/>
+          </a:prstGeom>
+          <a:solidFill>
+            <a:schemeClr val="bg1"/>
+          </a:solidFill>
+        </p:spPr>
+        <p:txBody>
+          <a:bodyPr wrap="none" lIns="0" tIns="0" rIns="0" bIns="0" rtlCol="0">
+            <a:spAutoFit/>
+          </a:bodyPr>
+          <a:lstStyle/>
+          <a:p>
+            <a:r>
+              <a:rPr lang="en-US" sz="1200" dirty="0" err="1"/>
+              <a:t>dct:format</a:t>
+            </a:r>
+            <a:endParaRPr lang="en-US" sz="1200" dirty="0"/>
+          </a:p>
+        </p:txBody>
+      </p:sp>
+      <p:cxnSp>
+        <p:nvCxnSpPr>
+          <p:cNvPr id="216" name="Straight Arrow Connector 215">
+            <a:extLst>
+              <a:ext uri="{FF2B5EF4-FFF2-40B4-BE49-F238E27FC236}">
+                <a16:creationId xmlns:a16="http://schemas.microsoft.com/office/drawing/2014/main" id="{1098223A-A82A-41AF-85DF-7A6EB4E63027}"/>
+              </a:ext>
+            </a:extLst>
+          </p:cNvPr>
+          <p:cNvCxnSpPr>
+            <a:cxnSpLocks/>
+            <a:endCxn id="38" idx="2"/>
+          </p:cNvCxnSpPr>
+          <p:nvPr/>
+        </p:nvCxnSpPr>
+        <p:spPr>
+          <a:xfrm flipH="1" flipV="1">
+            <a:off x="3755861" y="680452"/>
+            <a:ext cx="1422964" cy="2393024"/>
+          </a:xfrm>
+          <a:prstGeom prst="straightConnector1">
+            <a:avLst/>
+          </a:prstGeom>
+          <a:ln>
+            <a:solidFill>
+              <a:schemeClr val="tx1"/>
+            </a:solidFill>
+            <a:headEnd type="none" w="med" len="med"/>
+            <a:tailEnd type="arrow" w="med" len="med"/>
+          </a:ln>
+        </p:spPr>
+        <p:style>
+          <a:lnRef idx="1">
+            <a:schemeClr val="accent1"/>
+          </a:lnRef>
+          <a:fillRef idx="0">
+            <a:schemeClr val="accent1"/>
+          </a:fillRef>
+          <a:effectRef idx="0">
+            <a:schemeClr val="accent1"/>
+          </a:effectRef>
+          <a:fontRef idx="minor">
+            <a:schemeClr val="tx1"/>
+          </a:fontRef>
+        </p:style>
+      </p:cxnSp>
       <p:sp>
         <p:nvSpPr>
           <p:cNvPr id="3" name="Rounded Rectangle 2">
@@ -12070,7 +14871,7 @@
         </p:nvSpPr>
         <p:spPr>
           <a:xfrm>
-            <a:off x="5318736" y="3559595"/>
+            <a:off x="5470929" y="2023775"/>
             <a:ext cx="1248936" cy="657922"/>
           </a:xfrm>
           <a:prstGeom prst="roundRect">
@@ -12114,7 +14915,7 @@
           <a:p>
             <a:pPr algn="ctr"/>
             <a:r>
-              <a:rPr lang="en-US" sz="1400">
+              <a:rPr lang="en-US" sz="1400" b="1" dirty="0">
                 <a:solidFill>
                   <a:schemeClr val="tx1"/>
                 </a:solidFill>
@@ -12126,6 +14927,100 @@
       </p:sp>
       <p:cxnSp>
         <p:nvCxnSpPr>
+          <p:cNvPr id="109" name="Straight Arrow Connector 108">
+            <a:extLst>
+              <a:ext uri="{FF2B5EF4-FFF2-40B4-BE49-F238E27FC236}">
+                <a16:creationId xmlns:a16="http://schemas.microsoft.com/office/drawing/2014/main" id="{6B9D1398-BA24-4ED7-B25A-D90AC12E5C87}"/>
+              </a:ext>
+            </a:extLst>
+          </p:cNvPr>
+          <p:cNvCxnSpPr>
+            <a:cxnSpLocks/>
+            <a:stCxn id="3" idx="2"/>
+            <a:endCxn id="84" idx="0"/>
+          </p:cNvCxnSpPr>
+          <p:nvPr/>
+        </p:nvCxnSpPr>
+        <p:spPr>
+          <a:xfrm>
+            <a:off x="6095397" y="2681697"/>
+            <a:ext cx="2049797" cy="376130"/>
+          </a:xfrm>
+          <a:prstGeom prst="straightConnector1">
+            <a:avLst/>
+          </a:prstGeom>
+          <a:ln>
+            <a:solidFill>
+              <a:schemeClr val="tx1"/>
+            </a:solidFill>
+            <a:headEnd type="none" w="med" len="med"/>
+            <a:tailEnd type="arrow" w="med" len="med"/>
+          </a:ln>
+        </p:spPr>
+        <p:style>
+          <a:lnRef idx="1">
+            <a:schemeClr val="accent1"/>
+          </a:lnRef>
+          <a:fillRef idx="0">
+            <a:schemeClr val="accent1"/>
+          </a:fillRef>
+          <a:effectRef idx="0">
+            <a:schemeClr val="accent1"/>
+          </a:effectRef>
+          <a:fontRef idx="minor">
+            <a:schemeClr val="tx1"/>
+          </a:fontRef>
+        </p:style>
+      </p:cxnSp>
+      <p:cxnSp>
+        <p:nvCxnSpPr>
+          <p:cNvPr id="105" name="Straight Arrow Connector 104">
+            <a:extLst>
+              <a:ext uri="{FF2B5EF4-FFF2-40B4-BE49-F238E27FC236}">
+                <a16:creationId xmlns:a16="http://schemas.microsoft.com/office/drawing/2014/main" id="{94588423-09AB-41E7-B318-38601CA2F3E1}"/>
+              </a:ext>
+            </a:extLst>
+          </p:cNvPr>
+          <p:cNvCxnSpPr>
+            <a:cxnSpLocks/>
+            <a:stCxn id="3" idx="2"/>
+            <a:endCxn id="50" idx="0"/>
+          </p:cNvCxnSpPr>
+          <p:nvPr/>
+        </p:nvCxnSpPr>
+        <p:spPr>
+          <a:xfrm flipH="1">
+            <a:off x="5773086" y="2681697"/>
+            <a:ext cx="322311" cy="369403"/>
+          </a:xfrm>
+          <a:prstGeom prst="straightConnector1">
+            <a:avLst/>
+          </a:prstGeom>
+          <a:ln>
+            <a:solidFill>
+              <a:schemeClr val="tx1"/>
+            </a:solidFill>
+            <a:headEnd type="none" w="med" len="med"/>
+            <a:tailEnd type="arrow" w="med" len="med"/>
+          </a:ln>
+        </p:spPr>
+        <p:style>
+          <a:lnRef idx="1">
+            <a:schemeClr val="accent1"/>
+          </a:lnRef>
+          <a:fillRef idx="0">
+            <a:schemeClr val="accent1"/>
+          </a:fillRef>
+          <a:effectRef idx="0">
+            <a:schemeClr val="accent1"/>
+          </a:effectRef>
+          <a:fontRef idx="minor">
+            <a:schemeClr val="tx1"/>
+          </a:fontRef>
+        </p:style>
+      </p:cxnSp>
+      <p:cxnSp>
+        <p:nvCxnSpPr>
           <p:cNvPr id="5" name="Straight Arrow Connector 4">
             <a:extLst>
               <a:ext uri="{FF2B5EF4-FFF2-40B4-BE49-F238E27FC236}">
@@ -12142,7 +15037,7 @@
         </p:nvCxnSpPr>
         <p:spPr>
           <a:xfrm flipH="1" flipV="1">
-            <a:off x="5943202" y="3232977"/>
+            <a:off x="6095395" y="1697157"/>
             <a:ext cx="2" cy="326618"/>
           </a:xfrm>
           <a:prstGeom prst="straightConnector1">
@@ -12171,12 +15066,347 @@
           </a:fontRef>
         </p:style>
       </p:cxnSp>
-      <p:sp>
-        <p:nvSpPr>
-          <p:cNvPr id="6" name="TextBox 5">
-            <a:extLst>
-              <a:ext uri="{FF2B5EF4-FFF2-40B4-BE49-F238E27FC236}">
-                <a16:creationId xmlns:a16="http://schemas.microsoft.com/office/drawing/2014/main" id="{BF47E62B-F721-104F-A4EF-FDAFEF951783}"/>
+      <p:cxnSp>
+        <p:nvCxnSpPr>
+          <p:cNvPr id="222" name="Straight Arrow Connector 221">
+            <a:extLst>
+              <a:ext uri="{FF2B5EF4-FFF2-40B4-BE49-F238E27FC236}">
+                <a16:creationId xmlns:a16="http://schemas.microsoft.com/office/drawing/2014/main" id="{5AAF0A48-0104-4B4F-B827-CAE4B2561B4D}"/>
+              </a:ext>
+            </a:extLst>
+          </p:cNvPr>
+          <p:cNvCxnSpPr>
+            <a:cxnSpLocks/>
+            <a:stCxn id="94" idx="2"/>
+            <a:endCxn id="68" idx="0"/>
+          </p:cNvCxnSpPr>
+          <p:nvPr/>
+        </p:nvCxnSpPr>
+        <p:spPr>
+          <a:xfrm flipH="1">
+            <a:off x="6921930" y="5763657"/>
+            <a:ext cx="1223264" cy="235825"/>
+          </a:xfrm>
+          <a:prstGeom prst="straightConnector1">
+            <a:avLst/>
+          </a:prstGeom>
+          <a:ln>
+            <a:solidFill>
+              <a:schemeClr val="tx1"/>
+            </a:solidFill>
+            <a:prstDash val="sysDot"/>
+            <a:headEnd type="none" w="med" len="med"/>
+            <a:tailEnd type="arrow" w="med" len="med"/>
+          </a:ln>
+        </p:spPr>
+        <p:style>
+          <a:lnRef idx="1">
+            <a:schemeClr val="accent1"/>
+          </a:lnRef>
+          <a:fillRef idx="0">
+            <a:schemeClr val="accent1"/>
+          </a:fillRef>
+          <a:effectRef idx="0">
+            <a:schemeClr val="accent1"/>
+          </a:effectRef>
+          <a:fontRef idx="minor">
+            <a:schemeClr val="tx1"/>
+          </a:fontRef>
+        </p:style>
+      </p:cxnSp>
+      <p:cxnSp>
+        <p:nvCxnSpPr>
+          <p:cNvPr id="225" name="Straight Arrow Connector 224">
+            <a:extLst>
+              <a:ext uri="{FF2B5EF4-FFF2-40B4-BE49-F238E27FC236}">
+                <a16:creationId xmlns:a16="http://schemas.microsoft.com/office/drawing/2014/main" id="{80FD4529-B6A1-4A0B-A19E-525A6F58ECFD}"/>
+              </a:ext>
+            </a:extLst>
+          </p:cNvPr>
+          <p:cNvCxnSpPr>
+            <a:cxnSpLocks/>
+            <a:stCxn id="81" idx="2"/>
+            <a:endCxn id="68" idx="0"/>
+          </p:cNvCxnSpPr>
+          <p:nvPr/>
+        </p:nvCxnSpPr>
+        <p:spPr>
+          <a:xfrm>
+            <a:off x="5773086" y="5765432"/>
+            <a:ext cx="1148844" cy="234050"/>
+          </a:xfrm>
+          <a:prstGeom prst="straightConnector1">
+            <a:avLst/>
+          </a:prstGeom>
+          <a:ln>
+            <a:solidFill>
+              <a:schemeClr val="tx1"/>
+            </a:solidFill>
+            <a:prstDash val="sysDot"/>
+            <a:headEnd type="none" w="med" len="med"/>
+            <a:tailEnd type="arrow" w="med" len="med"/>
+          </a:ln>
+        </p:spPr>
+        <p:style>
+          <a:lnRef idx="1">
+            <a:schemeClr val="accent1"/>
+          </a:lnRef>
+          <a:fillRef idx="0">
+            <a:schemeClr val="accent1"/>
+          </a:fillRef>
+          <a:effectRef idx="0">
+            <a:schemeClr val="accent1"/>
+          </a:effectRef>
+          <a:fontRef idx="minor">
+            <a:schemeClr val="tx1"/>
+          </a:fontRef>
+        </p:style>
+      </p:cxnSp>
+      <p:cxnSp>
+        <p:nvCxnSpPr>
+          <p:cNvPr id="228" name="Straight Arrow Connector 227">
+            <a:extLst>
+              <a:ext uri="{FF2B5EF4-FFF2-40B4-BE49-F238E27FC236}">
+                <a16:creationId xmlns:a16="http://schemas.microsoft.com/office/drawing/2014/main" id="{1C59889B-4C15-46DB-84A2-2F944CED39D8}"/>
+              </a:ext>
+            </a:extLst>
+          </p:cNvPr>
+          <p:cNvCxnSpPr>
+            <a:cxnSpLocks/>
+            <a:endCxn id="68" idx="0"/>
+          </p:cNvCxnSpPr>
+          <p:nvPr/>
+        </p:nvCxnSpPr>
+        <p:spPr>
+          <a:xfrm>
+            <a:off x="4354658" y="5737712"/>
+            <a:ext cx="2567272" cy="261770"/>
+          </a:xfrm>
+          <a:prstGeom prst="straightConnector1">
+            <a:avLst/>
+          </a:prstGeom>
+          <a:ln>
+            <a:solidFill>
+              <a:schemeClr val="tx1"/>
+            </a:solidFill>
+            <a:prstDash val="sysDot"/>
+            <a:headEnd type="none" w="med" len="med"/>
+            <a:tailEnd type="arrow" w="med" len="med"/>
+          </a:ln>
+        </p:spPr>
+        <p:style>
+          <a:lnRef idx="1">
+            <a:schemeClr val="accent1"/>
+          </a:lnRef>
+          <a:fillRef idx="0">
+            <a:schemeClr val="accent1"/>
+          </a:fillRef>
+          <a:effectRef idx="0">
+            <a:schemeClr val="accent1"/>
+          </a:effectRef>
+          <a:fontRef idx="minor">
+            <a:schemeClr val="tx1"/>
+          </a:fontRef>
+        </p:style>
+      </p:cxnSp>
+      <p:cxnSp>
+        <p:nvCxnSpPr>
+          <p:cNvPr id="245" name="Straight Connector 244">
+            <a:extLst>
+              <a:ext uri="{FF2B5EF4-FFF2-40B4-BE49-F238E27FC236}">
+                <a16:creationId xmlns:a16="http://schemas.microsoft.com/office/drawing/2014/main" id="{80539A28-8C41-4878-9489-B59FD1AA5437}"/>
+              </a:ext>
+            </a:extLst>
+          </p:cNvPr>
+          <p:cNvCxnSpPr>
+            <a:cxnSpLocks/>
+          </p:cNvCxnSpPr>
+          <p:nvPr/>
+        </p:nvCxnSpPr>
+        <p:spPr>
+          <a:xfrm>
+            <a:off x="5773086" y="4755608"/>
+            <a:ext cx="0" cy="213352"/>
+          </a:xfrm>
+          <a:prstGeom prst="line">
+            <a:avLst/>
+          </a:prstGeom>
+          <a:ln>
+            <a:solidFill>
+              <a:schemeClr val="tx1"/>
+            </a:solidFill>
+            <a:prstDash val="sysDot"/>
+          </a:ln>
+        </p:spPr>
+        <p:style>
+          <a:lnRef idx="1">
+            <a:schemeClr val="accent1"/>
+          </a:lnRef>
+          <a:fillRef idx="0">
+            <a:schemeClr val="accent1"/>
+          </a:fillRef>
+          <a:effectRef idx="0">
+            <a:schemeClr val="accent1"/>
+          </a:effectRef>
+          <a:fontRef idx="minor">
+            <a:schemeClr val="tx1"/>
+          </a:fontRef>
+        </p:style>
+      </p:cxnSp>
+      <p:sp>
+        <p:nvSpPr>
+          <p:cNvPr id="251" name="Rectangle 250">
+            <a:extLst>
+              <a:ext uri="{FF2B5EF4-FFF2-40B4-BE49-F238E27FC236}">
+                <a16:creationId xmlns:a16="http://schemas.microsoft.com/office/drawing/2014/main" id="{CB4E00C7-CDCE-4BFC-877A-7D4A2BC0BDC5}"/>
+              </a:ext>
+            </a:extLst>
+          </p:cNvPr>
+          <p:cNvSpPr/>
+          <p:nvPr/>
+        </p:nvSpPr>
+        <p:spPr>
+          <a:xfrm>
+            <a:off x="8082358" y="4805092"/>
+            <a:ext cx="125672" cy="107389"/>
+          </a:xfrm>
+          <a:prstGeom prst="rect">
+            <a:avLst/>
+          </a:prstGeom>
+          <a:solidFill>
+            <a:schemeClr val="bg1"/>
+          </a:solidFill>
+          <a:ln>
+            <a:solidFill>
+              <a:schemeClr val="bg1"/>
+            </a:solidFill>
+          </a:ln>
+        </p:spPr>
+        <p:style>
+          <a:lnRef idx="2">
+            <a:schemeClr val="accent1">
+              <a:shade val="50000"/>
+            </a:schemeClr>
+          </a:lnRef>
+          <a:fillRef idx="1">
+            <a:schemeClr val="accent1"/>
+          </a:fillRef>
+          <a:effectRef idx="0">
+            <a:schemeClr val="accent1"/>
+          </a:effectRef>
+          <a:fontRef idx="minor">
+            <a:schemeClr val="lt1"/>
+          </a:fontRef>
+        </p:style>
+        <p:txBody>
+          <a:bodyPr rtlCol="0" anchor="ctr"/>
+          <a:lstStyle/>
+          <a:p>
+            <a:pPr algn="ctr"/>
+            <a:endParaRPr lang="en-AU"/>
+          </a:p>
+        </p:txBody>
+      </p:sp>
+      <p:cxnSp>
+        <p:nvCxnSpPr>
+          <p:cNvPr id="111" name="Straight Arrow Connector 110">
+            <a:extLst>
+              <a:ext uri="{FF2B5EF4-FFF2-40B4-BE49-F238E27FC236}">
+                <a16:creationId xmlns:a16="http://schemas.microsoft.com/office/drawing/2014/main" id="{1BDD5216-478C-4450-9CF8-8FDB2FC35DC3}"/>
+              </a:ext>
+            </a:extLst>
+          </p:cNvPr>
+          <p:cNvCxnSpPr>
+            <a:cxnSpLocks/>
+            <a:stCxn id="3" idx="2"/>
+          </p:cNvCxnSpPr>
+          <p:nvPr/>
+        </p:nvCxnSpPr>
+        <p:spPr>
+          <a:xfrm>
+            <a:off x="6095397" y="2681697"/>
+            <a:ext cx="3645710" cy="432927"/>
+          </a:xfrm>
+          <a:prstGeom prst="straightConnector1">
+            <a:avLst/>
+          </a:prstGeom>
+          <a:ln>
+            <a:solidFill>
+              <a:schemeClr val="tx1"/>
+            </a:solidFill>
+            <a:headEnd type="none" w="med" len="med"/>
+            <a:tailEnd type="arrow" w="med" len="med"/>
+          </a:ln>
+        </p:spPr>
+        <p:style>
+          <a:lnRef idx="1">
+            <a:schemeClr val="accent1"/>
+          </a:lnRef>
+          <a:fillRef idx="0">
+            <a:schemeClr val="accent1"/>
+          </a:fillRef>
+          <a:effectRef idx="0">
+            <a:schemeClr val="accent1"/>
+          </a:effectRef>
+          <a:fontRef idx="minor">
+            <a:schemeClr val="tx1"/>
+          </a:fontRef>
+        </p:style>
+      </p:cxnSp>
+      <p:cxnSp>
+        <p:nvCxnSpPr>
+          <p:cNvPr id="252" name="Straight Arrow Connector 251">
+            <a:extLst>
+              <a:ext uri="{FF2B5EF4-FFF2-40B4-BE49-F238E27FC236}">
+                <a16:creationId xmlns:a16="http://schemas.microsoft.com/office/drawing/2014/main" id="{8BBD8421-33B2-467C-B8DC-6B085F87D177}"/>
+              </a:ext>
+            </a:extLst>
+          </p:cNvPr>
+          <p:cNvCxnSpPr>
+            <a:cxnSpLocks/>
+            <a:stCxn id="3" idx="3"/>
+            <a:endCxn id="42" idx="2"/>
+          </p:cNvCxnSpPr>
+          <p:nvPr/>
+        </p:nvCxnSpPr>
+        <p:spPr>
+          <a:xfrm flipV="1">
+            <a:off x="6719865" y="689835"/>
+            <a:ext cx="1320119" cy="1662901"/>
+          </a:xfrm>
+          <a:prstGeom prst="straightConnector1">
+            <a:avLst/>
+          </a:prstGeom>
+          <a:ln>
+            <a:solidFill>
+              <a:schemeClr val="tx1"/>
+            </a:solidFill>
+            <a:prstDash val="sysDot"/>
+            <a:headEnd type="none" w="med" len="med"/>
+            <a:tailEnd type="arrow" w="med" len="med"/>
+          </a:ln>
+        </p:spPr>
+        <p:style>
+          <a:lnRef idx="1">
+            <a:schemeClr val="accent1"/>
+          </a:lnRef>
+          <a:fillRef idx="0">
+            <a:schemeClr val="accent1"/>
+          </a:fillRef>
+          <a:effectRef idx="0">
+            <a:schemeClr val="accent1"/>
+          </a:effectRef>
+          <a:fontRef idx="minor">
+            <a:schemeClr val="tx1"/>
+          </a:fontRef>
+        </p:style>
+      </p:cxnSp>
+      <p:sp>
+        <p:nvSpPr>
+          <p:cNvPr id="285" name="TextBox 284">
+            <a:extLst>
+              <a:ext uri="{FF2B5EF4-FFF2-40B4-BE49-F238E27FC236}">
+                <a16:creationId xmlns:a16="http://schemas.microsoft.com/office/drawing/2014/main" id="{7AC77315-7E29-4A05-816F-56C464F4B0B0}"/>
               </a:ext>
             </a:extLst>
           </p:cNvPr>
@@ -12185,33 +15415,169 @@
         </p:nvSpPr>
         <p:spPr>
           <a:xfrm>
-            <a:off x="5943208" y="3242731"/>
-            <a:ext cx="740011" cy="276999"/>
+            <a:off x="5809994" y="1797875"/>
+            <a:ext cx="628048" cy="184666"/>
           </a:xfrm>
           <a:prstGeom prst="rect">
             <a:avLst/>
           </a:prstGeom>
-          <a:noFill/>
-        </p:spPr>
-        <p:txBody>
-          <a:bodyPr wrap="none" rtlCol="0">
+          <a:solidFill>
+            <a:schemeClr val="bg1"/>
+          </a:solidFill>
+          <a:ln>
+            <a:solidFill>
+              <a:schemeClr val="bg1"/>
+            </a:solidFill>
+          </a:ln>
+        </p:spPr>
+        <p:txBody>
+          <a:bodyPr wrap="none" lIns="36000" tIns="0" rIns="36000" bIns="0" rtlCol="0">
             <a:spAutoFit/>
           </a:bodyPr>
           <a:lstStyle/>
           <a:p>
             <a:r>
-              <a:rPr lang="en-US" sz="1200"/>
+              <a:rPr lang="en-US" sz="1200" dirty="0" err="1"/>
               <a:t>profileOf</a:t>
             </a:r>
-          </a:p>
-        </p:txBody>
-      </p:sp>
-      <p:sp>
-        <p:nvSpPr>
-          <p:cNvPr id="14" name="Rounded Rectangle 13">
-            <a:extLst>
-              <a:ext uri="{FF2B5EF4-FFF2-40B4-BE49-F238E27FC236}">
-                <a16:creationId xmlns:a16="http://schemas.microsoft.com/office/drawing/2014/main" id="{36A79965-6F63-894B-937A-E0FBA26C379D}"/>
+            <a:endParaRPr lang="en-US" sz="1200" dirty="0"/>
+          </a:p>
+        </p:txBody>
+      </p:sp>
+      <p:sp>
+        <p:nvSpPr>
+          <p:cNvPr id="286" name="TextBox 285">
+            <a:extLst>
+              <a:ext uri="{FF2B5EF4-FFF2-40B4-BE49-F238E27FC236}">
+                <a16:creationId xmlns:a16="http://schemas.microsoft.com/office/drawing/2014/main" id="{F18326F2-B270-4714-BF48-252F9F85DDA0}"/>
+              </a:ext>
+            </a:extLst>
+          </p:cNvPr>
+          <p:cNvSpPr txBox="1"/>
+          <p:nvPr/>
+        </p:nvSpPr>
+        <p:spPr>
+          <a:xfrm rot="5400000">
+            <a:off x="6401081" y="3000907"/>
+            <a:ext cx="861252" cy="221018"/>
+          </a:xfrm>
+          <a:prstGeom prst="rect">
+            <a:avLst/>
+          </a:prstGeom>
+          <a:solidFill>
+            <a:schemeClr val="bg1"/>
+          </a:solidFill>
+          <a:ln>
+            <a:solidFill>
+              <a:schemeClr val="bg1"/>
+            </a:solidFill>
+          </a:ln>
+        </p:spPr>
+        <p:txBody>
+          <a:bodyPr wrap="none" lIns="36000" tIns="0" rIns="36000" bIns="36000" rtlCol="0">
+            <a:spAutoFit/>
+          </a:bodyPr>
+          <a:lstStyle/>
+          <a:p>
+            <a:r>
+              <a:rPr lang="en-US" sz="1200" dirty="0" err="1"/>
+              <a:t>hasResource</a:t>
+            </a:r>
+            <a:endParaRPr lang="en-US" sz="1200" dirty="0"/>
+          </a:p>
+        </p:txBody>
+      </p:sp>
+      <p:cxnSp>
+        <p:nvCxnSpPr>
+          <p:cNvPr id="150" name="Straight Arrow Connector 149">
+            <a:extLst>
+              <a:ext uri="{FF2B5EF4-FFF2-40B4-BE49-F238E27FC236}">
+                <a16:creationId xmlns:a16="http://schemas.microsoft.com/office/drawing/2014/main" id="{B0293509-1695-47E3-A8B8-F25CADFE1063}"/>
+              </a:ext>
+            </a:extLst>
+          </p:cNvPr>
+          <p:cNvCxnSpPr>
+            <a:cxnSpLocks/>
+            <a:stCxn id="84" idx="2"/>
+            <a:endCxn id="94" idx="0"/>
+          </p:cNvCxnSpPr>
+          <p:nvPr/>
+        </p:nvCxnSpPr>
+        <p:spPr>
+          <a:xfrm>
+            <a:off x="8145194" y="3715749"/>
+            <a:ext cx="0" cy="1389986"/>
+          </a:xfrm>
+          <a:prstGeom prst="straightConnector1">
+            <a:avLst/>
+          </a:prstGeom>
+          <a:ln>
+            <a:solidFill>
+              <a:schemeClr val="tx1"/>
+            </a:solidFill>
+            <a:headEnd type="none" w="med" len="med"/>
+            <a:tailEnd type="arrow" w="med" len="med"/>
+          </a:ln>
+        </p:spPr>
+        <p:style>
+          <a:lnRef idx="1">
+            <a:schemeClr val="accent1"/>
+          </a:lnRef>
+          <a:fillRef idx="0">
+            <a:schemeClr val="accent1"/>
+          </a:fillRef>
+          <a:effectRef idx="0">
+            <a:schemeClr val="accent1"/>
+          </a:effectRef>
+          <a:fontRef idx="minor">
+            <a:schemeClr val="tx1"/>
+          </a:fontRef>
+        </p:style>
+      </p:cxnSp>
+      <p:sp>
+        <p:nvSpPr>
+          <p:cNvPr id="163" name="TextBox 162">
+            <a:extLst>
+              <a:ext uri="{FF2B5EF4-FFF2-40B4-BE49-F238E27FC236}">
+                <a16:creationId xmlns:a16="http://schemas.microsoft.com/office/drawing/2014/main" id="{68FB2D74-F91C-4AF3-830D-BFDAFA5DEC40}"/>
+              </a:ext>
+            </a:extLst>
+          </p:cNvPr>
+          <p:cNvSpPr txBox="1"/>
+          <p:nvPr/>
+        </p:nvSpPr>
+        <p:spPr>
+          <a:xfrm>
+            <a:off x="7812511" y="4667360"/>
+            <a:ext cx="663836" cy="184666"/>
+          </a:xfrm>
+          <a:prstGeom prst="rect">
+            <a:avLst/>
+          </a:prstGeom>
+          <a:solidFill>
+            <a:schemeClr val="bg1"/>
+          </a:solidFill>
+        </p:spPr>
+        <p:txBody>
+          <a:bodyPr wrap="none" lIns="0" tIns="0" rIns="0" bIns="0" rtlCol="0">
+            <a:spAutoFit/>
+          </a:bodyPr>
+          <a:lstStyle/>
+          <a:p>
+            <a:r>
+              <a:rPr lang="en-US" sz="1200" dirty="0" err="1"/>
+              <a:t>dct:format</a:t>
+            </a:r>
+            <a:endParaRPr lang="en-US" sz="1200" dirty="0"/>
+          </a:p>
+        </p:txBody>
+      </p:sp>
+      <p:sp>
+        <p:nvSpPr>
+          <p:cNvPr id="294" name="Rectangle 293">
+            <a:extLst>
+              <a:ext uri="{FF2B5EF4-FFF2-40B4-BE49-F238E27FC236}">
+                <a16:creationId xmlns:a16="http://schemas.microsoft.com/office/drawing/2014/main" id="{8409BCA9-FA61-4E52-BEEB-1395DE5C4884}"/>
               </a:ext>
             </a:extLst>
           </p:cNvPr>
@@ -12220,7 +15586,289 @@
         </p:nvSpPr>
         <p:spPr>
           <a:xfrm>
-            <a:off x="3442369" y="3559595"/>
+            <a:off x="3693025" y="4815231"/>
+            <a:ext cx="125672" cy="107389"/>
+          </a:xfrm>
+          <a:prstGeom prst="rect">
+            <a:avLst/>
+          </a:prstGeom>
+          <a:solidFill>
+            <a:schemeClr val="bg1"/>
+          </a:solidFill>
+          <a:ln>
+            <a:solidFill>
+              <a:schemeClr val="bg1"/>
+            </a:solidFill>
+          </a:ln>
+        </p:spPr>
+        <p:style>
+          <a:lnRef idx="2">
+            <a:schemeClr val="accent1">
+              <a:shade val="50000"/>
+            </a:schemeClr>
+          </a:lnRef>
+          <a:fillRef idx="1">
+            <a:schemeClr val="accent1"/>
+          </a:fillRef>
+          <a:effectRef idx="0">
+            <a:schemeClr val="accent1"/>
+          </a:effectRef>
+          <a:fontRef idx="minor">
+            <a:schemeClr val="lt1"/>
+          </a:fontRef>
+        </p:style>
+        <p:txBody>
+          <a:bodyPr rtlCol="0" anchor="ctr"/>
+          <a:lstStyle/>
+          <a:p>
+            <a:pPr algn="ctr"/>
+            <a:endParaRPr lang="en-AU"/>
+          </a:p>
+        </p:txBody>
+      </p:sp>
+      <p:cxnSp>
+        <p:nvCxnSpPr>
+          <p:cNvPr id="61" name="Straight Arrow Connector 60">
+            <a:extLst>
+              <a:ext uri="{FF2B5EF4-FFF2-40B4-BE49-F238E27FC236}">
+                <a16:creationId xmlns:a16="http://schemas.microsoft.com/office/drawing/2014/main" id="{57DFF0D6-9358-864D-B53E-F79449A5D797}"/>
+              </a:ext>
+            </a:extLst>
+          </p:cNvPr>
+          <p:cNvCxnSpPr>
+            <a:cxnSpLocks/>
+            <a:stCxn id="83" idx="2"/>
+            <a:endCxn id="57" idx="0"/>
+          </p:cNvCxnSpPr>
+          <p:nvPr/>
+        </p:nvCxnSpPr>
+        <p:spPr>
+          <a:xfrm>
+            <a:off x="3755861" y="3709374"/>
+            <a:ext cx="0" cy="1385334"/>
+          </a:xfrm>
+          <a:prstGeom prst="straightConnector1">
+            <a:avLst/>
+          </a:prstGeom>
+          <a:ln>
+            <a:solidFill>
+              <a:schemeClr val="tx1"/>
+            </a:solidFill>
+            <a:headEnd type="none" w="med" len="med"/>
+            <a:tailEnd type="arrow" w="med" len="med"/>
+          </a:ln>
+        </p:spPr>
+        <p:style>
+          <a:lnRef idx="1">
+            <a:schemeClr val="accent1"/>
+          </a:lnRef>
+          <a:fillRef idx="0">
+            <a:schemeClr val="accent1"/>
+          </a:fillRef>
+          <a:effectRef idx="0">
+            <a:schemeClr val="accent1"/>
+          </a:effectRef>
+          <a:fontRef idx="minor">
+            <a:schemeClr val="tx1"/>
+          </a:fontRef>
+        </p:style>
+      </p:cxnSp>
+      <p:sp>
+        <p:nvSpPr>
+          <p:cNvPr id="166" name="TextBox 165">
+            <a:extLst>
+              <a:ext uri="{FF2B5EF4-FFF2-40B4-BE49-F238E27FC236}">
+                <a16:creationId xmlns:a16="http://schemas.microsoft.com/office/drawing/2014/main" id="{E51A821F-EA13-49DE-82D3-78253F47BF65}"/>
+              </a:ext>
+            </a:extLst>
+          </p:cNvPr>
+          <p:cNvSpPr txBox="1"/>
+          <p:nvPr/>
+        </p:nvSpPr>
+        <p:spPr>
+          <a:xfrm>
+            <a:off x="3399698" y="4703738"/>
+            <a:ext cx="663836" cy="184666"/>
+          </a:xfrm>
+          <a:prstGeom prst="rect">
+            <a:avLst/>
+          </a:prstGeom>
+          <a:solidFill>
+            <a:schemeClr val="bg1"/>
+          </a:solidFill>
+        </p:spPr>
+        <p:txBody>
+          <a:bodyPr wrap="none" lIns="0" tIns="0" rIns="0" bIns="0" rtlCol="0">
+            <a:spAutoFit/>
+          </a:bodyPr>
+          <a:lstStyle/>
+          <a:p>
+            <a:r>
+              <a:rPr lang="en-US" sz="1200" dirty="0" err="1"/>
+              <a:t>dct:format</a:t>
+            </a:r>
+            <a:endParaRPr lang="en-US" sz="1200" dirty="0"/>
+          </a:p>
+        </p:txBody>
+      </p:sp>
+      <p:sp>
+        <p:nvSpPr>
+          <p:cNvPr id="295" name="Rectangle 294">
+            <a:extLst>
+              <a:ext uri="{FF2B5EF4-FFF2-40B4-BE49-F238E27FC236}">
+                <a16:creationId xmlns:a16="http://schemas.microsoft.com/office/drawing/2014/main" id="{F6F80815-6C4B-4757-82DF-3F9A3012DCE4}"/>
+              </a:ext>
+            </a:extLst>
+          </p:cNvPr>
+          <p:cNvSpPr/>
+          <p:nvPr/>
+        </p:nvSpPr>
+        <p:spPr>
+          <a:xfrm>
+            <a:off x="5015386" y="2869762"/>
+            <a:ext cx="125672" cy="107389"/>
+          </a:xfrm>
+          <a:prstGeom prst="rect">
+            <a:avLst/>
+          </a:prstGeom>
+          <a:solidFill>
+            <a:schemeClr val="bg1"/>
+          </a:solidFill>
+          <a:ln>
+            <a:solidFill>
+              <a:schemeClr val="bg1"/>
+            </a:solidFill>
+          </a:ln>
+        </p:spPr>
+        <p:style>
+          <a:lnRef idx="2">
+            <a:schemeClr val="accent1">
+              <a:shade val="50000"/>
+            </a:schemeClr>
+          </a:lnRef>
+          <a:fillRef idx="1">
+            <a:schemeClr val="accent1"/>
+          </a:fillRef>
+          <a:effectRef idx="0">
+            <a:schemeClr val="accent1"/>
+          </a:effectRef>
+          <a:fontRef idx="minor">
+            <a:schemeClr val="lt1"/>
+          </a:fontRef>
+        </p:style>
+        <p:txBody>
+          <a:bodyPr rtlCol="0" anchor="ctr"/>
+          <a:lstStyle/>
+          <a:p>
+            <a:pPr algn="ctr"/>
+            <a:endParaRPr lang="en-AU"/>
+          </a:p>
+        </p:txBody>
+      </p:sp>
+      <p:cxnSp>
+        <p:nvCxnSpPr>
+          <p:cNvPr id="54" name="Straight Arrow Connector 53">
+            <a:extLst>
+              <a:ext uri="{FF2B5EF4-FFF2-40B4-BE49-F238E27FC236}">
+                <a16:creationId xmlns:a16="http://schemas.microsoft.com/office/drawing/2014/main" id="{D28D12BE-2681-4649-A380-EB8C2C5E2801}"/>
+              </a:ext>
+            </a:extLst>
+          </p:cNvPr>
+          <p:cNvCxnSpPr>
+            <a:cxnSpLocks/>
+            <a:stCxn id="3" idx="2"/>
+          </p:cNvCxnSpPr>
+          <p:nvPr/>
+        </p:nvCxnSpPr>
+        <p:spPr>
+          <a:xfrm flipH="1">
+            <a:off x="4347388" y="2681697"/>
+            <a:ext cx="1748009" cy="413427"/>
+          </a:xfrm>
+          <a:prstGeom prst="straightConnector1">
+            <a:avLst/>
+          </a:prstGeom>
+          <a:ln>
+            <a:solidFill>
+              <a:schemeClr val="tx1"/>
+            </a:solidFill>
+            <a:headEnd type="none" w="med" len="med"/>
+            <a:tailEnd type="arrow" w="med" len="med"/>
+          </a:ln>
+        </p:spPr>
+        <p:style>
+          <a:lnRef idx="1">
+            <a:schemeClr val="accent1"/>
+          </a:lnRef>
+          <a:fillRef idx="0">
+            <a:schemeClr val="accent1"/>
+          </a:fillRef>
+          <a:effectRef idx="0">
+            <a:schemeClr val="accent1"/>
+          </a:effectRef>
+          <a:fontRef idx="minor">
+            <a:schemeClr val="tx1"/>
+          </a:fontRef>
+        </p:style>
+      </p:cxnSp>
+      <p:sp>
+        <p:nvSpPr>
+          <p:cNvPr id="72" name="TextBox 71">
+            <a:extLst>
+              <a:ext uri="{FF2B5EF4-FFF2-40B4-BE49-F238E27FC236}">
+                <a16:creationId xmlns:a16="http://schemas.microsoft.com/office/drawing/2014/main" id="{22B4BE3A-F89B-1249-ABF7-0D27DCA22288}"/>
+              </a:ext>
+            </a:extLst>
+          </p:cNvPr>
+          <p:cNvSpPr txBox="1"/>
+          <p:nvPr/>
+        </p:nvSpPr>
+        <p:spPr>
+          <a:xfrm>
+            <a:off x="5205238" y="2743499"/>
+            <a:ext cx="861252" cy="221018"/>
+          </a:xfrm>
+          <a:prstGeom prst="rect">
+            <a:avLst/>
+          </a:prstGeom>
+          <a:solidFill>
+            <a:schemeClr val="bg1"/>
+          </a:solidFill>
+          <a:ln>
+            <a:solidFill>
+              <a:schemeClr val="bg1"/>
+            </a:solidFill>
+          </a:ln>
+        </p:spPr>
+        <p:txBody>
+          <a:bodyPr wrap="none" lIns="36000" tIns="0" rIns="36000" bIns="36000" rtlCol="0">
+            <a:spAutoFit/>
+          </a:bodyPr>
+          <a:lstStyle/>
+          <a:p>
+            <a:r>
+              <a:rPr lang="en-US" sz="1200" dirty="0" err="1"/>
+              <a:t>hasResource</a:t>
+            </a:r>
+            <a:endParaRPr lang="en-US" sz="1200" dirty="0"/>
+          </a:p>
+        </p:txBody>
+      </p:sp>
+      <p:sp>
+        <p:nvSpPr>
+          <p:cNvPr id="259" name="Rounded Rectangle 50">
+            <a:extLst>
+              <a:ext uri="{FF2B5EF4-FFF2-40B4-BE49-F238E27FC236}">
+                <a16:creationId xmlns:a16="http://schemas.microsoft.com/office/drawing/2014/main" id="{1AB86588-4E56-459E-899D-BC37B5BDCE14}"/>
+              </a:ext>
+            </a:extLst>
+          </p:cNvPr>
+          <p:cNvSpPr/>
+          <p:nvPr/>
+        </p:nvSpPr>
+        <p:spPr>
+          <a:xfrm>
+            <a:off x="1794603" y="3924633"/>
             <a:ext cx="1248936" cy="657922"/>
           </a:xfrm>
           <a:prstGeom prst="roundRect">
@@ -12264,104 +15912,22 @@
           <a:p>
             <a:pPr algn="ctr"/>
             <a:r>
-              <a:rPr lang="en-US" sz="1400">
+              <a:rPr lang="en-US" sz="1100" dirty="0">
                 <a:solidFill>
                   <a:schemeClr val="tx1"/>
                 </a:solidFill>
               </a:rPr>
-              <a:t>Constraints</a:t>
-            </a:r>
-          </a:p>
-        </p:txBody>
-      </p:sp>
-      <p:sp>
-        <p:nvSpPr>
-          <p:cNvPr id="15" name="TextBox 14">
-            <a:extLst>
-              <a:ext uri="{FF2B5EF4-FFF2-40B4-BE49-F238E27FC236}">
-                <a16:creationId xmlns:a16="http://schemas.microsoft.com/office/drawing/2014/main" id="{B8CC69FE-9ABD-E847-B011-CD6668103D34}"/>
-              </a:ext>
-            </a:extLst>
-          </p:cNvPr>
-          <p:cNvSpPr txBox="1"/>
-          <p:nvPr/>
-        </p:nvSpPr>
-        <p:spPr>
-          <a:xfrm>
-            <a:off x="4629426" y="3568241"/>
-            <a:ext cx="728597" cy="276999"/>
-          </a:xfrm>
-          <a:prstGeom prst="rect">
-            <a:avLst/>
-          </a:prstGeom>
-          <a:noFill/>
-        </p:spPr>
-        <p:txBody>
-          <a:bodyPr wrap="none" rtlCol="0">
-            <a:spAutoFit/>
-          </a:bodyPr>
-          <a:lstStyle/>
-          <a:p>
-            <a:r>
-              <a:rPr lang="en-US" sz="1200"/>
-              <a:t>resource</a:t>
-            </a:r>
-          </a:p>
-        </p:txBody>
-      </p:sp>
-      <p:cxnSp>
-        <p:nvCxnSpPr>
-          <p:cNvPr id="16" name="Straight Arrow Connector 15">
-            <a:extLst>
-              <a:ext uri="{FF2B5EF4-FFF2-40B4-BE49-F238E27FC236}">
-                <a16:creationId xmlns:a16="http://schemas.microsoft.com/office/drawing/2014/main" id="{59A169CD-84F7-904A-8BA5-D6B2B30194EB}"/>
-              </a:ext>
-            </a:extLst>
-          </p:cNvPr>
-          <p:cNvCxnSpPr>
-            <a:cxnSpLocks/>
-            <a:stCxn id="3" idx="1"/>
-            <a:endCxn id="14" idx="3"/>
-          </p:cNvCxnSpPr>
-          <p:nvPr/>
-        </p:nvCxnSpPr>
-        <p:spPr>
-          <a:xfrm flipH="1">
-            <a:off x="4691305" y="3888556"/>
-            <a:ext cx="627431" cy="0"/>
-          </a:xfrm>
-          <a:prstGeom prst="straightConnector1">
-            <a:avLst/>
-          </a:prstGeom>
-          <a:ln>
-            <a:solidFill>
-              <a:schemeClr val="tx1"/>
-            </a:solidFill>
-            <a:headEnd type="none" w="med" len="med"/>
-            <a:tailEnd type="arrow" w="med" len="med"/>
-          </a:ln>
-        </p:spPr>
-        <p:style>
-          <a:lnRef idx="1">
-            <a:schemeClr val="accent1"/>
-          </a:lnRef>
-          <a:fillRef idx="0">
-            <a:schemeClr val="accent1"/>
-          </a:fillRef>
-          <a:effectRef idx="0">
-            <a:schemeClr val="accent1"/>
-          </a:effectRef>
-          <a:fontRef idx="minor">
-            <a:schemeClr val="tx1"/>
-          </a:fontRef>
-        </p:style>
-      </p:cxnSp>
-      <p:sp>
-        <p:nvSpPr>
-          <p:cNvPr id="17" name="Rounded Rectangle 16">
-            <a:extLst>
-              <a:ext uri="{FF2B5EF4-FFF2-40B4-BE49-F238E27FC236}">
-                <a16:creationId xmlns:a16="http://schemas.microsoft.com/office/drawing/2014/main" id="{0068370B-A152-9948-B10E-7F0AFB1022E5}"/>
+              <a:t>b6448aab73bd5</a:t>
+            </a:r>
+          </a:p>
+        </p:txBody>
+      </p:sp>
+      <p:sp>
+        <p:nvSpPr>
+          <p:cNvPr id="263" name="Rounded Rectangle 50">
+            <a:extLst>
+              <a:ext uri="{FF2B5EF4-FFF2-40B4-BE49-F238E27FC236}">
+                <a16:creationId xmlns:a16="http://schemas.microsoft.com/office/drawing/2014/main" id="{06173DCF-BA54-45C3-8C79-D47F4E8C4CB2}"/>
               </a:ext>
             </a:extLst>
           </p:cNvPr>
@@ -12370,7 +15936,7 @@
         </p:nvSpPr>
         <p:spPr>
           <a:xfrm>
-            <a:off x="5318734" y="2575055"/>
+            <a:off x="6647052" y="3920661"/>
             <a:ext cx="1248936" cy="657922"/>
           </a:xfrm>
           <a:prstGeom prst="roundRect">
@@ -12414,22 +15980,22 @@
           <a:p>
             <a:pPr algn="ctr"/>
             <a:r>
-              <a:rPr lang="en-US" sz="1400">
+              <a:rPr lang="en-US" sz="1100" dirty="0">
                 <a:solidFill>
                   <a:schemeClr val="tx1"/>
                 </a:solidFill>
               </a:rPr>
-              <a:t>DCAT</a:t>
-            </a:r>
-          </a:p>
-        </p:txBody>
-      </p:sp>
-      <p:sp>
-        <p:nvSpPr>
-          <p:cNvPr id="27" name="Rounded Rectangle 26">
-            <a:extLst>
-              <a:ext uri="{FF2B5EF4-FFF2-40B4-BE49-F238E27FC236}">
-                <a16:creationId xmlns:a16="http://schemas.microsoft.com/office/drawing/2014/main" id="{587251A7-7CA4-2744-82D1-2B67F7471570}"/>
+              <a:t>b6c47746cd422</a:t>
+            </a:r>
+          </a:p>
+        </p:txBody>
+      </p:sp>
+      <p:sp>
+        <p:nvSpPr>
+          <p:cNvPr id="264" name="Rounded Rectangle 50">
+            <a:extLst>
+              <a:ext uri="{FF2B5EF4-FFF2-40B4-BE49-F238E27FC236}">
+                <a16:creationId xmlns:a16="http://schemas.microsoft.com/office/drawing/2014/main" id="{00D91874-C7C3-471C-B5C2-7B093C6D7448}"/>
               </a:ext>
             </a:extLst>
           </p:cNvPr>
@@ -12438,7 +16004,7 @@
         </p:nvSpPr>
         <p:spPr>
           <a:xfrm>
-            <a:off x="3442369" y="4566526"/>
+            <a:off x="8406980" y="3926808"/>
             <a:ext cx="1248936" cy="657922"/>
           </a:xfrm>
           <a:prstGeom prst="roundRect">
@@ -12482,22 +16048,206 @@
           <a:p>
             <a:pPr algn="ctr"/>
             <a:r>
-              <a:rPr lang="en-US" sz="1200">
+              <a:rPr lang="en-US" sz="1100" dirty="0">
                 <a:solidFill>
                   <a:schemeClr val="tx1"/>
                 </a:solidFill>
               </a:rPr>
-              <a:t>Conformance Test Constraints</a:t>
-            </a:r>
-          </a:p>
-        </p:txBody>
-      </p:sp>
-      <p:sp>
-        <p:nvSpPr>
-          <p:cNvPr id="28" name="TextBox 27">
-            <a:extLst>
-              <a:ext uri="{FF2B5EF4-FFF2-40B4-BE49-F238E27FC236}">
-                <a16:creationId xmlns:a16="http://schemas.microsoft.com/office/drawing/2014/main" id="{A85CE0BC-E338-A641-8E12-710519FC758E}"/>
+              <a:t>b758e7401c096</a:t>
+            </a:r>
+          </a:p>
+        </p:txBody>
+      </p:sp>
+      <p:cxnSp>
+        <p:nvCxnSpPr>
+          <p:cNvPr id="297" name="Straight Arrow Connector 296">
+            <a:extLst>
+              <a:ext uri="{FF2B5EF4-FFF2-40B4-BE49-F238E27FC236}">
+                <a16:creationId xmlns:a16="http://schemas.microsoft.com/office/drawing/2014/main" id="{3D9C5DCD-A137-4B61-B9C8-AC1C2ADACB6A}"/>
+              </a:ext>
+            </a:extLst>
+          </p:cNvPr>
+          <p:cNvCxnSpPr>
+            <a:cxnSpLocks/>
+          </p:cNvCxnSpPr>
+          <p:nvPr/>
+        </p:nvCxnSpPr>
+        <p:spPr>
+          <a:xfrm flipH="1">
+            <a:off x="3020726" y="3677781"/>
+            <a:ext cx="142852" cy="263868"/>
+          </a:xfrm>
+          <a:prstGeom prst="straightConnector1">
+            <a:avLst/>
+          </a:prstGeom>
+          <a:ln>
+            <a:solidFill>
+              <a:schemeClr val="tx1"/>
+            </a:solidFill>
+            <a:headEnd type="none" w="med" len="med"/>
+            <a:tailEnd type="arrow" w="med" len="med"/>
+          </a:ln>
+        </p:spPr>
+        <p:style>
+          <a:lnRef idx="1">
+            <a:schemeClr val="accent1"/>
+          </a:lnRef>
+          <a:fillRef idx="0">
+            <a:schemeClr val="accent1"/>
+          </a:fillRef>
+          <a:effectRef idx="0">
+            <a:schemeClr val="accent1"/>
+          </a:effectRef>
+          <a:fontRef idx="minor">
+            <a:schemeClr val="tx1"/>
+          </a:fontRef>
+        </p:style>
+      </p:cxnSp>
+      <p:cxnSp>
+        <p:nvCxnSpPr>
+          <p:cNvPr id="302" name="Straight Arrow Connector 301">
+            <a:extLst>
+              <a:ext uri="{FF2B5EF4-FFF2-40B4-BE49-F238E27FC236}">
+                <a16:creationId xmlns:a16="http://schemas.microsoft.com/office/drawing/2014/main" id="{293DCD7B-7703-49C0-BC35-237014EF0B5D}"/>
+              </a:ext>
+            </a:extLst>
+          </p:cNvPr>
+          <p:cNvCxnSpPr>
+            <a:cxnSpLocks/>
+          </p:cNvCxnSpPr>
+          <p:nvPr/>
+        </p:nvCxnSpPr>
+        <p:spPr>
+          <a:xfrm flipH="1">
+            <a:off x="7870294" y="3706139"/>
+            <a:ext cx="142852" cy="263868"/>
+          </a:xfrm>
+          <a:prstGeom prst="straightConnector1">
+            <a:avLst/>
+          </a:prstGeom>
+          <a:ln>
+            <a:solidFill>
+              <a:schemeClr val="tx1"/>
+            </a:solidFill>
+            <a:headEnd type="none" w="med" len="med"/>
+            <a:tailEnd type="arrow" w="med" len="med"/>
+          </a:ln>
+        </p:spPr>
+        <p:style>
+          <a:lnRef idx="1">
+            <a:schemeClr val="accent1"/>
+          </a:lnRef>
+          <a:fillRef idx="0">
+            <a:schemeClr val="accent1"/>
+          </a:fillRef>
+          <a:effectRef idx="0">
+            <a:schemeClr val="accent1"/>
+          </a:effectRef>
+          <a:fontRef idx="minor">
+            <a:schemeClr val="tx1"/>
+          </a:fontRef>
+        </p:style>
+      </p:cxnSp>
+      <p:cxnSp>
+        <p:nvCxnSpPr>
+          <p:cNvPr id="303" name="Straight Arrow Connector 302">
+            <a:extLst>
+              <a:ext uri="{FF2B5EF4-FFF2-40B4-BE49-F238E27FC236}">
+                <a16:creationId xmlns:a16="http://schemas.microsoft.com/office/drawing/2014/main" id="{AC73B4A6-8FC8-459E-853B-123E148D0B84}"/>
+              </a:ext>
+            </a:extLst>
+          </p:cNvPr>
+          <p:cNvCxnSpPr>
+            <a:cxnSpLocks/>
+          </p:cNvCxnSpPr>
+          <p:nvPr/>
+        </p:nvCxnSpPr>
+        <p:spPr>
+          <a:xfrm flipH="1">
+            <a:off x="9630333" y="3684853"/>
+            <a:ext cx="142852" cy="263868"/>
+          </a:xfrm>
+          <a:prstGeom prst="straightConnector1">
+            <a:avLst/>
+          </a:prstGeom>
+          <a:ln>
+            <a:solidFill>
+              <a:schemeClr val="tx1"/>
+            </a:solidFill>
+            <a:headEnd type="none" w="med" len="med"/>
+            <a:tailEnd type="arrow" w="med" len="med"/>
+          </a:ln>
+        </p:spPr>
+        <p:style>
+          <a:lnRef idx="1">
+            <a:schemeClr val="accent1"/>
+          </a:lnRef>
+          <a:fillRef idx="0">
+            <a:schemeClr val="accent1"/>
+          </a:fillRef>
+          <a:effectRef idx="0">
+            <a:schemeClr val="accent1"/>
+          </a:effectRef>
+          <a:fontRef idx="minor">
+            <a:schemeClr val="tx1"/>
+          </a:fontRef>
+        </p:style>
+      </p:cxnSp>
+      <p:cxnSp>
+        <p:nvCxnSpPr>
+          <p:cNvPr id="100" name="Elbow Connector 99">
+            <a:extLst>
+              <a:ext uri="{FF2B5EF4-FFF2-40B4-BE49-F238E27FC236}">
+                <a16:creationId xmlns:a16="http://schemas.microsoft.com/office/drawing/2014/main" id="{526156E5-CC99-FD49-81B3-3ABAC51C9B0D}"/>
+              </a:ext>
+            </a:extLst>
+          </p:cNvPr>
+          <p:cNvCxnSpPr>
+            <a:cxnSpLocks/>
+            <a:stCxn id="50" idx="1"/>
+            <a:endCxn id="81" idx="1"/>
+          </p:cNvCxnSpPr>
+          <p:nvPr/>
+        </p:nvCxnSpPr>
+        <p:spPr>
+          <a:xfrm rot="10800000" flipV="1">
+            <a:off x="5148618" y="3380061"/>
+            <a:ext cx="12700" cy="2056410"/>
+          </a:xfrm>
+          <a:prstGeom prst="bentConnector3">
+            <a:avLst>
+              <a:gd name="adj1" fmla="val 1800000"/>
+            </a:avLst>
+          </a:prstGeom>
+          <a:ln>
+            <a:solidFill>
+              <a:schemeClr val="tx1"/>
+            </a:solidFill>
+            <a:prstDash val="solid"/>
+            <a:tailEnd type="arrow"/>
+          </a:ln>
+        </p:spPr>
+        <p:style>
+          <a:lnRef idx="1">
+            <a:schemeClr val="accent1"/>
+          </a:lnRef>
+          <a:fillRef idx="0">
+            <a:schemeClr val="accent1"/>
+          </a:fillRef>
+          <a:effectRef idx="0">
+            <a:schemeClr val="accent1"/>
+          </a:effectRef>
+          <a:fontRef idx="minor">
+            <a:schemeClr val="tx1"/>
+          </a:fontRef>
+        </p:style>
+      </p:cxnSp>
+      <p:sp>
+        <p:nvSpPr>
+          <p:cNvPr id="164" name="TextBox 163">
+            <a:extLst>
+              <a:ext uri="{FF2B5EF4-FFF2-40B4-BE49-F238E27FC236}">
+                <a16:creationId xmlns:a16="http://schemas.microsoft.com/office/drawing/2014/main" id="{6A1E2119-78C4-4DF8-9EDE-AB97483885E8}"/>
               </a:ext>
             </a:extLst>
           </p:cNvPr>
@@ -12506,80 +16256,36 @@
         </p:nvSpPr>
         <p:spPr>
           <a:xfrm>
-            <a:off x="4091964" y="4239494"/>
-            <a:ext cx="1002775" cy="276999"/>
+            <a:off x="4491136" y="4695873"/>
+            <a:ext cx="663836" cy="184666"/>
           </a:xfrm>
           <a:prstGeom prst="rect">
             <a:avLst/>
           </a:prstGeom>
-          <a:noFill/>
-        </p:spPr>
-        <p:txBody>
-          <a:bodyPr wrap="none" rtlCol="0">
+          <a:solidFill>
+            <a:schemeClr val="bg1"/>
+          </a:solidFill>
+        </p:spPr>
+        <p:txBody>
+          <a:bodyPr wrap="none" lIns="0" tIns="0" rIns="0" bIns="0" rtlCol="0">
             <a:spAutoFit/>
           </a:bodyPr>
           <a:lstStyle/>
           <a:p>
             <a:r>
-              <a:rPr lang="en-US" sz="1200"/>
-              <a:t>resourceRole</a:t>
-            </a:r>
-          </a:p>
-        </p:txBody>
-      </p:sp>
-      <p:cxnSp>
-        <p:nvCxnSpPr>
-          <p:cNvPr id="29" name="Straight Arrow Connector 28">
-            <a:extLst>
-              <a:ext uri="{FF2B5EF4-FFF2-40B4-BE49-F238E27FC236}">
-                <a16:creationId xmlns:a16="http://schemas.microsoft.com/office/drawing/2014/main" id="{01DBF2DC-41DD-2A44-B770-32E5FFF1B0D3}"/>
-              </a:ext>
-            </a:extLst>
-          </p:cNvPr>
-          <p:cNvCxnSpPr>
-            <a:cxnSpLocks/>
-            <a:stCxn id="14" idx="2"/>
-            <a:endCxn id="27" idx="0"/>
-          </p:cNvCxnSpPr>
-          <p:nvPr/>
-        </p:nvCxnSpPr>
-        <p:spPr>
-          <a:xfrm>
-            <a:off x="4066837" y="4217517"/>
-            <a:ext cx="0" cy="349009"/>
-          </a:xfrm>
-          <a:prstGeom prst="straightConnector1">
-            <a:avLst/>
-          </a:prstGeom>
-          <a:ln>
-            <a:solidFill>
-              <a:schemeClr val="tx1"/>
-            </a:solidFill>
-            <a:headEnd type="none" w="med" len="med"/>
-            <a:tailEnd type="arrow" w="med" len="med"/>
-          </a:ln>
-        </p:spPr>
-        <p:style>
-          <a:lnRef idx="1">
-            <a:schemeClr val="accent1"/>
-          </a:lnRef>
-          <a:fillRef idx="0">
-            <a:schemeClr val="accent1"/>
-          </a:fillRef>
-          <a:effectRef idx="0">
-            <a:schemeClr val="accent1"/>
-          </a:effectRef>
-          <a:fontRef idx="minor">
-            <a:schemeClr val="tx1"/>
-          </a:fontRef>
-        </p:style>
-      </p:cxnSp>
-      <p:sp>
-        <p:nvSpPr>
-          <p:cNvPr id="38" name="Rounded Rectangle 37">
-            <a:extLst>
-              <a:ext uri="{FF2B5EF4-FFF2-40B4-BE49-F238E27FC236}">
-                <a16:creationId xmlns:a16="http://schemas.microsoft.com/office/drawing/2014/main" id="{8810FB1D-3F81-B94C-8EE5-688796DDBB92}"/>
+              <a:rPr lang="en-US" sz="1200" dirty="0" err="1"/>
+              <a:t>dct:format</a:t>
+            </a:r>
+            <a:endParaRPr lang="en-US" sz="1200" dirty="0"/>
+          </a:p>
+        </p:txBody>
+      </p:sp>
+      <p:sp>
+        <p:nvSpPr>
+          <p:cNvPr id="296" name="Rectangle 295">
+            <a:extLst>
+              <a:ext uri="{FF2B5EF4-FFF2-40B4-BE49-F238E27FC236}">
+                <a16:creationId xmlns:a16="http://schemas.microsoft.com/office/drawing/2014/main" id="{9AE9A9B2-501B-46F7-B4D1-58AB9417FF33}"/>
               </a:ext>
             </a:extLst>
           </p:cNvPr>
@@ -12588,16 +16294,18 @@
         </p:nvSpPr>
         <p:spPr>
           <a:xfrm>
-            <a:off x="3442371" y="2568519"/>
-            <a:ext cx="1248936" cy="657922"/>
-          </a:xfrm>
-          <a:prstGeom prst="roundRect">
-            <a:avLst/>
-          </a:prstGeom>
-          <a:noFill/>
-          <a:ln>
-            <a:solidFill>
-              <a:schemeClr val="tx1"/>
+            <a:off x="4017647" y="3835094"/>
+            <a:ext cx="1128002" cy="785663"/>
+          </a:xfrm>
+          <a:prstGeom prst="rect">
+            <a:avLst/>
+          </a:prstGeom>
+          <a:solidFill>
+            <a:schemeClr val="bg1"/>
+          </a:solidFill>
+          <a:ln>
+            <a:solidFill>
+              <a:schemeClr val="bg1"/>
             </a:solidFill>
           </a:ln>
         </p:spPr>
@@ -12622,71 +16330,16 @@
           <a:lstStyle/>
           <a:p>
             <a:pPr algn="ctr"/>
-            <a:r>
-              <a:rPr lang="en-US" sz="1200">
-                <a:solidFill>
-                  <a:schemeClr val="tx1"/>
-                </a:solidFill>
-              </a:rPr>
-              <a:t>Implementation Resource Descriptor</a:t>
-            </a:r>
-          </a:p>
-        </p:txBody>
-      </p:sp>
-      <p:cxnSp>
-        <p:nvCxnSpPr>
-          <p:cNvPr id="39" name="Straight Arrow Connector 38">
-            <a:extLst>
-              <a:ext uri="{FF2B5EF4-FFF2-40B4-BE49-F238E27FC236}">
-                <a16:creationId xmlns:a16="http://schemas.microsoft.com/office/drawing/2014/main" id="{3F63DADC-7E8C-A842-A90E-E1757739D887}"/>
-              </a:ext>
-            </a:extLst>
-          </p:cNvPr>
-          <p:cNvCxnSpPr>
-            <a:cxnSpLocks/>
-            <a:stCxn id="14" idx="0"/>
-            <a:endCxn id="38" idx="2"/>
-          </p:cNvCxnSpPr>
-          <p:nvPr/>
-        </p:nvCxnSpPr>
-        <p:spPr>
-          <a:xfrm flipV="1">
-            <a:off x="4066837" y="3226441"/>
-            <a:ext cx="2" cy="333154"/>
-          </a:xfrm>
-          <a:prstGeom prst="straightConnector1">
-            <a:avLst/>
-          </a:prstGeom>
-          <a:ln>
-            <a:solidFill>
-              <a:schemeClr val="tx1"/>
-            </a:solidFill>
-            <a:prstDash val="sysDot"/>
-            <a:headEnd type="none" w="med" len="med"/>
-            <a:tailEnd type="arrow" w="med" len="med"/>
-          </a:ln>
-        </p:spPr>
-        <p:style>
-          <a:lnRef idx="1">
-            <a:schemeClr val="accent1"/>
-          </a:lnRef>
-          <a:fillRef idx="0">
-            <a:schemeClr val="accent1"/>
-          </a:fillRef>
-          <a:effectRef idx="0">
-            <a:schemeClr val="accent1"/>
-          </a:effectRef>
-          <a:fontRef idx="minor">
-            <a:schemeClr val="tx1"/>
-          </a:fontRef>
-        </p:style>
-      </p:cxnSp>
-      <p:sp>
-        <p:nvSpPr>
-          <p:cNvPr id="42" name="Rounded Rectangle 41">
-            <a:extLst>
-              <a:ext uri="{FF2B5EF4-FFF2-40B4-BE49-F238E27FC236}">
-                <a16:creationId xmlns:a16="http://schemas.microsoft.com/office/drawing/2014/main" id="{CA285027-48BC-664D-BC57-516A35809D36}"/>
+            <a:endParaRPr lang="en-AU"/>
+          </a:p>
+        </p:txBody>
+      </p:sp>
+      <p:sp>
+        <p:nvSpPr>
+          <p:cNvPr id="262" name="Rounded Rectangle 50">
+            <a:extLst>
+              <a:ext uri="{FF2B5EF4-FFF2-40B4-BE49-F238E27FC236}">
+                <a16:creationId xmlns:a16="http://schemas.microsoft.com/office/drawing/2014/main" id="{122CB7C8-348C-4F1C-8FCD-210BB24C7C26}"/>
               </a:ext>
             </a:extLst>
           </p:cNvPr>
@@ -12695,162 +16348,7 @@
         </p:nvSpPr>
         <p:spPr>
           <a:xfrm>
-            <a:off x="7367164" y="1581453"/>
-            <a:ext cx="1248936" cy="657922"/>
-          </a:xfrm>
-          <a:prstGeom prst="roundRect">
-            <a:avLst/>
-          </a:prstGeom>
-          <a:noFill/>
-          <a:ln>
-            <a:solidFill>
-              <a:schemeClr val="tx1"/>
-            </a:solidFill>
-          </a:ln>
-        </p:spPr>
-        <p:style>
-          <a:lnRef idx="2">
-            <a:schemeClr val="accent1">
-              <a:shade val="50000"/>
-            </a:schemeClr>
-          </a:lnRef>
-          <a:fillRef idx="1">
-            <a:schemeClr val="accent1"/>
-          </a:fillRef>
-          <a:effectRef idx="0">
-            <a:schemeClr val="accent1"/>
-          </a:effectRef>
-          <a:fontRef idx="minor">
-            <a:schemeClr val="lt1"/>
-          </a:fontRef>
-        </p:style>
-        <p:txBody>
-          <a:bodyPr rtlCol="0" anchor="ctr"/>
-          <a:lstStyle/>
-          <a:p>
-            <a:pPr algn="ctr"/>
-            <a:r>
-              <a:rPr lang="en-US" sz="1400">
-                <a:solidFill>
-                  <a:schemeClr val="tx1"/>
-                </a:solidFill>
-              </a:rPr>
-              <a:t>Profile</a:t>
-            </a:r>
-          </a:p>
-        </p:txBody>
-      </p:sp>
-      <p:cxnSp>
-        <p:nvCxnSpPr>
-          <p:cNvPr id="46" name="Straight Arrow Connector 45">
-            <a:extLst>
-              <a:ext uri="{FF2B5EF4-FFF2-40B4-BE49-F238E27FC236}">
-                <a16:creationId xmlns:a16="http://schemas.microsoft.com/office/drawing/2014/main" id="{5C6B8E0D-F109-F941-BB01-3AFCA8CE87FD}"/>
-              </a:ext>
-            </a:extLst>
-          </p:cNvPr>
-          <p:cNvCxnSpPr>
-            <a:cxnSpLocks/>
-            <a:stCxn id="17" idx="3"/>
-            <a:endCxn id="42" idx="1"/>
-          </p:cNvCxnSpPr>
-          <p:nvPr/>
-        </p:nvCxnSpPr>
-        <p:spPr>
-          <a:xfrm flipV="1">
-            <a:off x="6567670" y="1910414"/>
-            <a:ext cx="799494" cy="993602"/>
-          </a:xfrm>
-          <a:prstGeom prst="straightConnector1">
-            <a:avLst/>
-          </a:prstGeom>
-          <a:ln>
-            <a:solidFill>
-              <a:schemeClr val="tx1"/>
-            </a:solidFill>
-            <a:prstDash val="sysDot"/>
-            <a:headEnd type="none" w="med" len="med"/>
-            <a:tailEnd type="arrow" w="med" len="med"/>
-          </a:ln>
-        </p:spPr>
-        <p:style>
-          <a:lnRef idx="1">
-            <a:schemeClr val="accent1"/>
-          </a:lnRef>
-          <a:fillRef idx="0">
-            <a:schemeClr val="accent1"/>
-          </a:fillRef>
-          <a:effectRef idx="0">
-            <a:schemeClr val="accent1"/>
-          </a:effectRef>
-          <a:fontRef idx="minor">
-            <a:schemeClr val="tx1"/>
-          </a:fontRef>
-        </p:style>
-      </p:cxnSp>
-      <p:cxnSp>
-        <p:nvCxnSpPr>
-          <p:cNvPr id="49" name="Straight Arrow Connector 48">
-            <a:extLst>
-              <a:ext uri="{FF2B5EF4-FFF2-40B4-BE49-F238E27FC236}">
-                <a16:creationId xmlns:a16="http://schemas.microsoft.com/office/drawing/2014/main" id="{54FECB1F-9F7E-EF46-9D80-7F9E6F8B058D}"/>
-              </a:ext>
-            </a:extLst>
-          </p:cNvPr>
-          <p:cNvCxnSpPr>
-            <a:cxnSpLocks/>
-            <a:stCxn id="3" idx="3"/>
-            <a:endCxn id="42" idx="1"/>
-          </p:cNvCxnSpPr>
-          <p:nvPr/>
-        </p:nvCxnSpPr>
-        <p:spPr>
-          <a:xfrm flipV="1">
-            <a:off x="6567672" y="1910414"/>
-            <a:ext cx="799492" cy="1978142"/>
-          </a:xfrm>
-          <a:prstGeom prst="straightConnector1">
-            <a:avLst/>
-          </a:prstGeom>
-          <a:ln>
-            <a:solidFill>
-              <a:schemeClr val="tx1"/>
-            </a:solidFill>
-            <a:prstDash val="sysDot"/>
-            <a:headEnd type="none" w="med" len="med"/>
-            <a:tailEnd type="arrow" w="med" len="med"/>
-          </a:ln>
-        </p:spPr>
-        <p:style>
-          <a:lnRef idx="1">
-            <a:schemeClr val="accent1"/>
-          </a:lnRef>
-          <a:fillRef idx="0">
-            <a:schemeClr val="accent1"/>
-          </a:fillRef>
-          <a:effectRef idx="0">
-            <a:schemeClr val="accent1"/>
-          </a:effectRef>
-          <a:fontRef idx="minor">
-            <a:schemeClr val="tx1"/>
-          </a:fontRef>
-        </p:style>
-      </p:cxnSp>
-      <p:sp>
-        <p:nvSpPr>
-          <p:cNvPr id="59" name="Rounded Rectangle 58">
-            <a:extLst>
-              <a:ext uri="{FF2B5EF4-FFF2-40B4-BE49-F238E27FC236}">
-                <a16:creationId xmlns:a16="http://schemas.microsoft.com/office/drawing/2014/main" id="{8729507C-4BF5-564A-BA43-D2D915A89293}"/>
-              </a:ext>
-            </a:extLst>
-          </p:cNvPr>
-          <p:cNvSpPr/>
-          <p:nvPr/>
-        </p:nvSpPr>
-        <p:spPr>
-          <a:xfrm>
-            <a:off x="1515682" y="3559595"/>
+            <a:off x="3857004" y="3924633"/>
             <a:ext cx="1248936" cy="657922"/>
           </a:xfrm>
           <a:prstGeom prst="roundRect">
@@ -12894,170 +16392,42 @@
           <a:p>
             <a:pPr algn="ctr"/>
             <a:r>
-              <a:rPr lang="en-US" sz="1400">
+              <a:rPr lang="en-US" sz="1100" dirty="0">
                 <a:solidFill>
                   <a:schemeClr val="tx1"/>
                 </a:solidFill>
               </a:rPr>
-              <a:t>text/turtle</a:t>
-            </a:r>
-          </a:p>
-        </p:txBody>
-      </p:sp>
-      <p:sp>
-        <p:nvSpPr>
-          <p:cNvPr id="60" name="TextBox 59">
-            <a:extLst>
-              <a:ext uri="{FF2B5EF4-FFF2-40B4-BE49-F238E27FC236}">
-                <a16:creationId xmlns:a16="http://schemas.microsoft.com/office/drawing/2014/main" id="{1DC2AECD-C57A-6342-A7A8-3378E6E314CF}"/>
-              </a:ext>
-            </a:extLst>
-          </p:cNvPr>
-          <p:cNvSpPr txBox="1"/>
-          <p:nvPr/>
-        </p:nvSpPr>
-        <p:spPr>
-          <a:xfrm>
-            <a:off x="2797901" y="3593977"/>
-            <a:ext cx="609654" cy="276999"/>
+              <a:t>bb53cb4f017d4</a:t>
+            </a:r>
+          </a:p>
+        </p:txBody>
+      </p:sp>
+      <p:sp>
+        <p:nvSpPr>
+          <p:cNvPr id="307" name="Rectangle 306">
+            <a:extLst>
+              <a:ext uri="{FF2B5EF4-FFF2-40B4-BE49-F238E27FC236}">
+                <a16:creationId xmlns:a16="http://schemas.microsoft.com/office/drawing/2014/main" id="{8F09492E-51DC-4911-9C71-D1D75B4A3673}"/>
+              </a:ext>
+            </a:extLst>
+          </p:cNvPr>
+          <p:cNvSpPr/>
+          <p:nvPr/>
+        </p:nvSpPr>
+        <p:spPr>
+          <a:xfrm>
+            <a:off x="5097511" y="3705333"/>
+            <a:ext cx="125672" cy="107389"/>
           </a:xfrm>
           <a:prstGeom prst="rect">
             <a:avLst/>
           </a:prstGeom>
-          <a:noFill/>
-        </p:spPr>
-        <p:txBody>
-          <a:bodyPr wrap="none" rtlCol="0">
-            <a:spAutoFit/>
-          </a:bodyPr>
-          <a:lstStyle/>
-          <a:p>
-            <a:r>
-              <a:rPr lang="en-US" sz="1200"/>
-              <a:t>format</a:t>
-            </a:r>
-          </a:p>
-        </p:txBody>
-      </p:sp>
-      <p:cxnSp>
-        <p:nvCxnSpPr>
-          <p:cNvPr id="61" name="Straight Arrow Connector 60">
-            <a:extLst>
-              <a:ext uri="{FF2B5EF4-FFF2-40B4-BE49-F238E27FC236}">
-                <a16:creationId xmlns:a16="http://schemas.microsoft.com/office/drawing/2014/main" id="{57DFF0D6-9358-864D-B53E-F79449A5D797}"/>
-              </a:ext>
-            </a:extLst>
-          </p:cNvPr>
-          <p:cNvCxnSpPr>
-            <a:cxnSpLocks/>
-            <a:stCxn id="14" idx="1"/>
-            <a:endCxn id="59" idx="3"/>
-          </p:cNvCxnSpPr>
-          <p:nvPr/>
-        </p:nvCxnSpPr>
-        <p:spPr>
-          <a:xfrm flipH="1">
-            <a:off x="2764618" y="3888556"/>
-            <a:ext cx="677751" cy="0"/>
-          </a:xfrm>
-          <a:prstGeom prst="straightConnector1">
-            <a:avLst/>
-          </a:prstGeom>
-          <a:ln>
-            <a:solidFill>
-              <a:schemeClr val="tx1"/>
-            </a:solidFill>
-            <a:headEnd type="none" w="med" len="med"/>
-            <a:tailEnd type="arrow" w="med" len="med"/>
-          </a:ln>
-        </p:spPr>
-        <p:style>
-          <a:lnRef idx="1">
-            <a:schemeClr val="accent1"/>
-          </a:lnRef>
-          <a:fillRef idx="0">
-            <a:schemeClr val="accent1"/>
-          </a:fillRef>
-          <a:effectRef idx="0">
-            <a:schemeClr val="accent1"/>
-          </a:effectRef>
-          <a:fontRef idx="minor">
-            <a:schemeClr val="tx1"/>
-          </a:fontRef>
-        </p:style>
-      </p:cxnSp>
-      <p:cxnSp>
-        <p:nvCxnSpPr>
-          <p:cNvPr id="65" name="Straight Arrow Connector 64">
-            <a:extLst>
-              <a:ext uri="{FF2B5EF4-FFF2-40B4-BE49-F238E27FC236}">
-                <a16:creationId xmlns:a16="http://schemas.microsoft.com/office/drawing/2014/main" id="{8765C6B3-DAE2-3E45-960D-AD1152789881}"/>
-              </a:ext>
-            </a:extLst>
-          </p:cNvPr>
-          <p:cNvCxnSpPr>
-            <a:cxnSpLocks/>
-            <a:stCxn id="27" idx="3"/>
-            <a:endCxn id="63" idx="1"/>
-          </p:cNvCxnSpPr>
-          <p:nvPr/>
-        </p:nvCxnSpPr>
-        <p:spPr>
-          <a:xfrm flipV="1">
-            <a:off x="4691305" y="4891031"/>
-            <a:ext cx="662730" cy="4456"/>
-          </a:xfrm>
-          <a:prstGeom prst="straightConnector1">
-            <a:avLst/>
-          </a:prstGeom>
-          <a:ln>
-            <a:solidFill>
-              <a:schemeClr val="tx1"/>
-            </a:solidFill>
-            <a:prstDash val="sysDot"/>
-            <a:headEnd type="none" w="med" len="med"/>
-            <a:tailEnd type="arrow" w="med" len="med"/>
-          </a:ln>
-        </p:spPr>
-        <p:style>
-          <a:lnRef idx="1">
-            <a:schemeClr val="accent1"/>
-          </a:lnRef>
-          <a:fillRef idx="0">
-            <a:schemeClr val="accent1"/>
-          </a:fillRef>
-          <a:effectRef idx="0">
-            <a:schemeClr val="accent1"/>
-          </a:effectRef>
-          <a:fontRef idx="minor">
-            <a:schemeClr val="tx1"/>
-          </a:fontRef>
-        </p:style>
-      </p:cxnSp>
-      <p:sp>
-        <p:nvSpPr>
-          <p:cNvPr id="68" name="Rounded Rectangle 67">
-            <a:extLst>
-              <a:ext uri="{FF2B5EF4-FFF2-40B4-BE49-F238E27FC236}">
-                <a16:creationId xmlns:a16="http://schemas.microsoft.com/office/drawing/2014/main" id="{558A0ED2-4543-5240-BBD6-BE61501F5F0A}"/>
-              </a:ext>
-            </a:extLst>
-          </p:cNvPr>
-          <p:cNvSpPr/>
-          <p:nvPr/>
-        </p:nvSpPr>
-        <p:spPr>
-          <a:xfrm>
-            <a:off x="1515682" y="2572559"/>
-            <a:ext cx="1248936" cy="657922"/>
-          </a:xfrm>
-          <a:prstGeom prst="roundRect">
-            <a:avLst/>
-          </a:prstGeom>
-          <a:noFill/>
-          <a:ln>
-            <a:solidFill>
-              <a:schemeClr val="tx1"/>
+          <a:solidFill>
+            <a:schemeClr val="bg1"/>
+          </a:solidFill>
+          <a:ln>
+            <a:solidFill>
+              <a:schemeClr val="bg1"/>
             </a:solidFill>
           </a:ln>
         </p:spPr>
@@ -13082,184 +16452,16 @@
           <a:lstStyle/>
           <a:p>
             <a:pPr algn="ctr"/>
-            <a:r>
-              <a:rPr lang="en-US" sz="1200">
-                <a:solidFill>
-                  <a:schemeClr val="tx1"/>
-                </a:solidFill>
-              </a:rPr>
-              <a:t>dct:</a:t>
-            </a:r>
-            <a:br>
-              <a:rPr lang="en-US" sz="1200">
-                <a:solidFill>
-                  <a:schemeClr val="tx1"/>
-                </a:solidFill>
-              </a:rPr>
-            </a:br>
-            <a:r>
-              <a:rPr lang="en-US" sz="1200">
-                <a:solidFill>
-                  <a:schemeClr val="tx1"/>
-                </a:solidFill>
-              </a:rPr>
-              <a:t>MediaType</a:t>
-            </a:r>
-            <a:br>
-              <a:rPr lang="en-US" sz="1200">
-                <a:solidFill>
-                  <a:schemeClr val="tx1"/>
-                </a:solidFill>
-              </a:rPr>
-            </a:br>
-            <a:r>
-              <a:rPr lang="en-US" sz="1200">
-                <a:solidFill>
-                  <a:schemeClr val="tx1"/>
-                </a:solidFill>
-              </a:rPr>
-              <a:t>OrExtent</a:t>
-            </a:r>
+            <a:endParaRPr lang="en-AU"/>
           </a:p>
         </p:txBody>
       </p:sp>
       <p:cxnSp>
         <p:nvCxnSpPr>
-          <p:cNvPr id="69" name="Straight Arrow Connector 68">
-            <a:extLst>
-              <a:ext uri="{FF2B5EF4-FFF2-40B4-BE49-F238E27FC236}">
-                <a16:creationId xmlns:a16="http://schemas.microsoft.com/office/drawing/2014/main" id="{189A9B69-137B-B448-A2C7-772C0E480B1B}"/>
-              </a:ext>
-            </a:extLst>
-          </p:cNvPr>
-          <p:cNvCxnSpPr>
-            <a:cxnSpLocks/>
-            <a:stCxn id="59" idx="0"/>
-            <a:endCxn id="68" idx="2"/>
-          </p:cNvCxnSpPr>
-          <p:nvPr/>
-        </p:nvCxnSpPr>
-        <p:spPr>
-          <a:xfrm flipV="1">
-            <a:off x="2140150" y="3230481"/>
-            <a:ext cx="0" cy="329114"/>
-          </a:xfrm>
-          <a:prstGeom prst="straightConnector1">
-            <a:avLst/>
-          </a:prstGeom>
-          <a:ln>
-            <a:solidFill>
-              <a:schemeClr val="tx1"/>
-            </a:solidFill>
-            <a:prstDash val="sysDot"/>
-            <a:headEnd type="none" w="med" len="med"/>
-            <a:tailEnd type="arrow" w="med" len="med"/>
-          </a:ln>
-        </p:spPr>
-        <p:style>
-          <a:lnRef idx="1">
-            <a:schemeClr val="accent1"/>
-          </a:lnRef>
-          <a:fillRef idx="0">
-            <a:schemeClr val="accent1"/>
-          </a:fillRef>
-          <a:effectRef idx="0">
-            <a:schemeClr val="accent1"/>
-          </a:effectRef>
-          <a:fontRef idx="minor">
-            <a:schemeClr val="tx1"/>
-          </a:fontRef>
-        </p:style>
-      </p:cxnSp>
-      <p:sp>
-        <p:nvSpPr>
-          <p:cNvPr id="73" name="Rounded Rectangle 72">
-            <a:extLst>
-              <a:ext uri="{FF2B5EF4-FFF2-40B4-BE49-F238E27FC236}">
-                <a16:creationId xmlns:a16="http://schemas.microsoft.com/office/drawing/2014/main" id="{8581DD28-7FB6-6748-8F81-E02AC2E2A43C}"/>
-              </a:ext>
-            </a:extLst>
-          </p:cNvPr>
-          <p:cNvSpPr/>
-          <p:nvPr/>
-        </p:nvSpPr>
-        <p:spPr>
-          <a:xfrm>
-            <a:off x="126892" y="2069909"/>
-            <a:ext cx="1248936" cy="657922"/>
-          </a:xfrm>
-          <a:prstGeom prst="roundRect">
-            <a:avLst/>
-          </a:prstGeom>
-          <a:pattFill prst="pct30">
-            <a:fgClr>
-              <a:schemeClr val="bg1">
-                <a:lumMod val="85000"/>
-              </a:schemeClr>
-            </a:fgClr>
-            <a:bgClr>
-              <a:schemeClr val="bg1"/>
-            </a:bgClr>
-          </a:pattFill>
-          <a:ln>
-            <a:solidFill>
-              <a:schemeClr val="tx1"/>
-            </a:solidFill>
-          </a:ln>
-        </p:spPr>
-        <p:style>
-          <a:lnRef idx="2">
-            <a:schemeClr val="accent1">
-              <a:shade val="50000"/>
-            </a:schemeClr>
-          </a:lnRef>
-          <a:fillRef idx="1">
-            <a:schemeClr val="accent1"/>
-          </a:fillRef>
-          <a:effectRef idx="0">
-            <a:schemeClr val="accent1"/>
-          </a:effectRef>
-          <a:fontRef idx="minor">
-            <a:schemeClr val="lt1"/>
-          </a:fontRef>
-        </p:style>
-        <p:txBody>
-          <a:bodyPr rtlCol="0" anchor="ctr"/>
-          <a:lstStyle/>
-          <a:p>
-            <a:pPr algn="ctr"/>
-            <a:r>
-              <a:rPr lang="en-US" sz="1400">
-                <a:solidFill>
-                  <a:schemeClr val="tx1"/>
-                </a:solidFill>
-              </a:rPr>
-              <a:t>owl:Named</a:t>
-            </a:r>
-            <a:br>
-              <a:rPr lang="en-US" sz="1400">
-                <a:solidFill>
-                  <a:schemeClr val="tx1"/>
-                </a:solidFill>
-              </a:rPr>
-            </a:br>
-            <a:r>
-              <a:rPr lang="en-US" sz="1400">
-                <a:solidFill>
-                  <a:schemeClr val="tx1"/>
-                </a:solidFill>
-              </a:rPr>
-              <a:t>Individual</a:t>
-            </a:r>
-          </a:p>
-        </p:txBody>
-      </p:sp>
-      <p:cxnSp>
-        <p:nvCxnSpPr>
-          <p:cNvPr id="74" name="Straight Arrow Connector 73">
-            <a:extLst>
-              <a:ext uri="{FF2B5EF4-FFF2-40B4-BE49-F238E27FC236}">
-                <a16:creationId xmlns:a16="http://schemas.microsoft.com/office/drawing/2014/main" id="{EB93542B-98C4-6341-B733-4BEF15D0F40B}"/>
+          <p:cNvPr id="301" name="Straight Arrow Connector 300">
+            <a:extLst>
+              <a:ext uri="{FF2B5EF4-FFF2-40B4-BE49-F238E27FC236}">
+                <a16:creationId xmlns:a16="http://schemas.microsoft.com/office/drawing/2014/main" id="{148107F4-B78B-4A10-9551-87C285D0FE33}"/>
               </a:ext>
             </a:extLst>
           </p:cNvPr>
@@ -13269,9 +16471,9 @@
           <p:nvPr/>
         </p:nvCxnSpPr>
         <p:spPr>
-          <a:xfrm flipV="1">
-            <a:off x="288101" y="3567496"/>
-            <a:ext cx="0" cy="423748"/>
+          <a:xfrm flipH="1">
+            <a:off x="5060107" y="3677781"/>
+            <a:ext cx="142852" cy="263868"/>
           </a:xfrm>
           <a:prstGeom prst="straightConnector1">
             <a:avLst/>
@@ -13280,7 +16482,6 @@
             <a:solidFill>
               <a:schemeClr val="tx1"/>
             </a:solidFill>
-            <a:prstDash val="sysDot"/>
             <a:headEnd type="none" w="med" len="med"/>
             <a:tailEnd type="arrow" w="med" len="med"/>
           </a:ln>
@@ -13302,10 +16503,10 @@
       </p:cxnSp>
       <p:sp>
         <p:nvSpPr>
-          <p:cNvPr id="75" name="TextBox 74">
-            <a:extLst>
-              <a:ext uri="{FF2B5EF4-FFF2-40B4-BE49-F238E27FC236}">
-                <a16:creationId xmlns:a16="http://schemas.microsoft.com/office/drawing/2014/main" id="{CDEDE00B-2B5C-7A40-8C0F-60D6F142DE74}"/>
+          <p:cNvPr id="309" name="TextBox 308">
+            <a:extLst>
+              <a:ext uri="{FF2B5EF4-FFF2-40B4-BE49-F238E27FC236}">
+                <a16:creationId xmlns:a16="http://schemas.microsoft.com/office/drawing/2014/main" id="{2142174B-21C5-4261-B182-38D77FAE64C2}"/>
               </a:ext>
             </a:extLst>
           </p:cNvPr>
@@ -13314,79 +16515,36 @@
         </p:nvSpPr>
         <p:spPr>
           <a:xfrm>
-            <a:off x="324266" y="3640870"/>
-            <a:ext cx="681084" cy="276999"/>
+            <a:off x="2551557" y="3714994"/>
+            <a:ext cx="520133" cy="184666"/>
           </a:xfrm>
           <a:prstGeom prst="rect">
             <a:avLst/>
           </a:prstGeom>
           <a:noFill/>
-        </p:spPr>
-        <p:txBody>
-          <a:bodyPr wrap="none" rtlCol="0">
+          <a:ln>
+            <a:noFill/>
+          </a:ln>
+        </p:spPr>
+        <p:txBody>
+          <a:bodyPr wrap="none" lIns="36000" tIns="0" rIns="36000" bIns="0" rtlCol="0">
             <a:spAutoFit/>
           </a:bodyPr>
           <a:lstStyle/>
           <a:p>
             <a:r>
-              <a:rPr lang="en-US" sz="1200"/>
-              <a:t>rdf:type</a:t>
-            </a:r>
-          </a:p>
-        </p:txBody>
-      </p:sp>
-      <p:cxnSp>
-        <p:nvCxnSpPr>
-          <p:cNvPr id="76" name="Straight Arrow Connector 75">
-            <a:extLst>
-              <a:ext uri="{FF2B5EF4-FFF2-40B4-BE49-F238E27FC236}">
-                <a16:creationId xmlns:a16="http://schemas.microsoft.com/office/drawing/2014/main" id="{7E1F10E1-34E6-C547-A8A3-086489D672CE}"/>
-              </a:ext>
-            </a:extLst>
-          </p:cNvPr>
-          <p:cNvCxnSpPr>
-            <a:cxnSpLocks/>
-          </p:cNvCxnSpPr>
-          <p:nvPr/>
-        </p:nvCxnSpPr>
-        <p:spPr>
-          <a:xfrm flipV="1">
-            <a:off x="285611" y="4268150"/>
-            <a:ext cx="0" cy="423747"/>
-          </a:xfrm>
-          <a:prstGeom prst="straightConnector1">
-            <a:avLst/>
-          </a:prstGeom>
-          <a:ln>
-            <a:solidFill>
-              <a:schemeClr val="tx1"/>
-            </a:solidFill>
-            <a:prstDash val="dash"/>
-            <a:headEnd type="none" w="med" len="med"/>
-            <a:tailEnd type="arrow" w="med" len="med"/>
-          </a:ln>
-        </p:spPr>
-        <p:style>
-          <a:lnRef idx="1">
-            <a:schemeClr val="accent1"/>
-          </a:lnRef>
-          <a:fillRef idx="0">
-            <a:schemeClr val="accent1"/>
-          </a:fillRef>
-          <a:effectRef idx="0">
-            <a:schemeClr val="accent1"/>
-          </a:effectRef>
-          <a:fontRef idx="minor">
-            <a:schemeClr val="tx1"/>
-          </a:fontRef>
-        </p:style>
-      </p:cxnSp>
-      <p:sp>
-        <p:nvSpPr>
-          <p:cNvPr id="77" name="TextBox 76">
-            <a:extLst>
-              <a:ext uri="{FF2B5EF4-FFF2-40B4-BE49-F238E27FC236}">
-                <a16:creationId xmlns:a16="http://schemas.microsoft.com/office/drawing/2014/main" id="{F4413CBD-81A7-024C-8B94-82D81713CF86}"/>
+              <a:rPr lang="en-US" sz="1200" dirty="0"/>
+              <a:t>artifact</a:t>
+            </a:r>
+          </a:p>
+        </p:txBody>
+      </p:sp>
+      <p:sp>
+        <p:nvSpPr>
+          <p:cNvPr id="310" name="TextBox 309">
+            <a:extLst>
+              <a:ext uri="{FF2B5EF4-FFF2-40B4-BE49-F238E27FC236}">
+                <a16:creationId xmlns:a16="http://schemas.microsoft.com/office/drawing/2014/main" id="{36EB1D98-F48E-4DEA-B81C-6385BE839DBF}"/>
               </a:ext>
             </a:extLst>
           </p:cNvPr>
@@ -13395,1340 +16553,64 @@
         </p:nvSpPr>
         <p:spPr>
           <a:xfrm>
-            <a:off x="327894" y="4341523"/>
-            <a:ext cx="1145506" cy="276999"/>
+            <a:off x="7437481" y="3723236"/>
+            <a:ext cx="520133" cy="184666"/>
           </a:xfrm>
           <a:prstGeom prst="rect">
             <a:avLst/>
           </a:prstGeom>
           <a:noFill/>
-        </p:spPr>
-        <p:txBody>
-          <a:bodyPr wrap="none" rtlCol="0">
+          <a:ln>
+            <a:noFill/>
+          </a:ln>
+        </p:spPr>
+        <p:txBody>
+          <a:bodyPr wrap="none" lIns="36000" tIns="0" rIns="36000" bIns="0" rtlCol="0">
             <a:spAutoFit/>
           </a:bodyPr>
           <a:lstStyle/>
           <a:p>
             <a:r>
-              <a:rPr lang="en-US" sz="1200"/>
-              <a:t>rdfs:subClassOf</a:t>
-            </a:r>
-          </a:p>
-        </p:txBody>
-      </p:sp>
-      <p:sp>
-        <p:nvSpPr>
-          <p:cNvPr id="78" name="Rounded Rectangle 77">
-            <a:extLst>
-              <a:ext uri="{FF2B5EF4-FFF2-40B4-BE49-F238E27FC236}">
-                <a16:creationId xmlns:a16="http://schemas.microsoft.com/office/drawing/2014/main" id="{E07B7042-3B83-DA40-976B-CD640B3C88BC}"/>
-              </a:ext>
-            </a:extLst>
-          </p:cNvPr>
-          <p:cNvSpPr/>
-          <p:nvPr/>
-        </p:nvSpPr>
-        <p:spPr>
-          <a:xfrm>
-            <a:off x="126892" y="1226186"/>
-            <a:ext cx="1248936" cy="657922"/>
-          </a:xfrm>
-          <a:prstGeom prst="roundRect">
+              <a:rPr lang="en-US" sz="1200" dirty="0"/>
+              <a:t>artifact</a:t>
+            </a:r>
+          </a:p>
+        </p:txBody>
+      </p:sp>
+      <p:sp>
+        <p:nvSpPr>
+          <p:cNvPr id="311" name="TextBox 310">
+            <a:extLst>
+              <a:ext uri="{FF2B5EF4-FFF2-40B4-BE49-F238E27FC236}">
+                <a16:creationId xmlns:a16="http://schemas.microsoft.com/office/drawing/2014/main" id="{50F63625-DBAD-479C-9120-9C0939D2ACFD}"/>
+              </a:ext>
+            </a:extLst>
+          </p:cNvPr>
+          <p:cNvSpPr txBox="1"/>
+          <p:nvPr/>
+        </p:nvSpPr>
+        <p:spPr>
+          <a:xfrm>
+            <a:off x="9180648" y="3733993"/>
+            <a:ext cx="520133" cy="184666"/>
+          </a:xfrm>
+          <a:prstGeom prst="rect">
             <a:avLst/>
           </a:prstGeom>
           <a:noFill/>
           <a:ln>
-            <a:solidFill>
-              <a:schemeClr val="tx1"/>
-            </a:solidFill>
-          </a:ln>
-        </p:spPr>
-        <p:style>
-          <a:lnRef idx="2">
-            <a:schemeClr val="accent1">
-              <a:shade val="50000"/>
-            </a:schemeClr>
-          </a:lnRef>
-          <a:fillRef idx="1">
-            <a:schemeClr val="accent1"/>
-          </a:fillRef>
-          <a:effectRef idx="0">
-            <a:schemeClr val="accent1"/>
-          </a:effectRef>
-          <a:fontRef idx="minor">
-            <a:schemeClr val="lt1"/>
-          </a:fontRef>
-        </p:style>
-        <p:txBody>
-          <a:bodyPr rtlCol="0" anchor="ctr"/>
-          <a:lstStyle/>
-          <a:p>
-            <a:pPr algn="ctr"/>
-            <a:r>
-              <a:rPr lang="en-US" sz="1400">
-                <a:solidFill>
-                  <a:schemeClr val="tx1"/>
-                </a:solidFill>
-              </a:rPr>
-              <a:t>owl:Class</a:t>
-            </a:r>
-          </a:p>
-        </p:txBody>
-      </p:sp>
-      <p:cxnSp>
-        <p:nvCxnSpPr>
-          <p:cNvPr id="79" name="Straight Arrow Connector 78">
-            <a:extLst>
-              <a:ext uri="{FF2B5EF4-FFF2-40B4-BE49-F238E27FC236}">
-                <a16:creationId xmlns:a16="http://schemas.microsoft.com/office/drawing/2014/main" id="{125C0AB3-6800-CB43-9EDA-E15BD7FFA437}"/>
-              </a:ext>
-            </a:extLst>
-          </p:cNvPr>
-          <p:cNvCxnSpPr>
-            <a:cxnSpLocks/>
-          </p:cNvCxnSpPr>
-          <p:nvPr/>
-        </p:nvCxnSpPr>
-        <p:spPr>
-          <a:xfrm flipV="1">
-            <a:off x="288101" y="2901673"/>
-            <a:ext cx="0" cy="423748"/>
-          </a:xfrm>
-          <a:prstGeom prst="straightConnector1">
-            <a:avLst/>
-          </a:prstGeom>
-          <a:ln>
-            <a:solidFill>
-              <a:schemeClr val="tx1"/>
-            </a:solidFill>
-            <a:prstDash val="solid"/>
-            <a:headEnd type="none" w="med" len="med"/>
-            <a:tailEnd type="arrow" w="med" len="med"/>
-          </a:ln>
-        </p:spPr>
-        <p:style>
-          <a:lnRef idx="1">
-            <a:schemeClr val="accent1"/>
-          </a:lnRef>
-          <a:fillRef idx="0">
-            <a:schemeClr val="accent1"/>
-          </a:fillRef>
-          <a:effectRef idx="0">
-            <a:schemeClr val="accent1"/>
-          </a:effectRef>
-          <a:fontRef idx="minor">
-            <a:schemeClr val="tx1"/>
-          </a:fontRef>
-        </p:style>
-      </p:cxnSp>
-      <p:sp>
-        <p:nvSpPr>
-          <p:cNvPr id="80" name="TextBox 79">
-            <a:extLst>
-              <a:ext uri="{FF2B5EF4-FFF2-40B4-BE49-F238E27FC236}">
-                <a16:creationId xmlns:a16="http://schemas.microsoft.com/office/drawing/2014/main" id="{BE14ECCD-03F5-AA49-AB95-1FDC544C4BBC}"/>
-              </a:ext>
-            </a:extLst>
-          </p:cNvPr>
-          <p:cNvSpPr txBox="1"/>
-          <p:nvPr/>
-        </p:nvSpPr>
-        <p:spPr>
-          <a:xfrm>
-            <a:off x="324266" y="2975047"/>
-            <a:ext cx="727187" cy="276999"/>
-          </a:xfrm>
-          <a:prstGeom prst="rect">
-            <a:avLst/>
-          </a:prstGeom>
-          <a:noFill/>
-        </p:spPr>
-        <p:txBody>
-          <a:bodyPr wrap="none" rtlCol="0">
+            <a:noFill/>
+          </a:ln>
+        </p:spPr>
+        <p:txBody>
+          <a:bodyPr wrap="none" lIns="36000" tIns="0" rIns="36000" bIns="0" rtlCol="0">
             <a:spAutoFit/>
           </a:bodyPr>
           <a:lstStyle/>
           <a:p>
             <a:r>
-              <a:rPr lang="en-US" sz="1200"/>
-              <a:t>property</a:t>
-            </a:r>
-          </a:p>
-        </p:txBody>
-      </p:sp>
-      <p:sp>
-        <p:nvSpPr>
-          <p:cNvPr id="106" name="Rounded Rectangle 105">
-            <a:extLst>
-              <a:ext uri="{FF2B5EF4-FFF2-40B4-BE49-F238E27FC236}">
-                <a16:creationId xmlns:a16="http://schemas.microsoft.com/office/drawing/2014/main" id="{6A6B1820-7280-F944-8C28-5756CCB25B25}"/>
-              </a:ext>
-            </a:extLst>
-          </p:cNvPr>
-          <p:cNvSpPr/>
-          <p:nvPr/>
-        </p:nvSpPr>
-        <p:spPr>
-          <a:xfrm>
-            <a:off x="5318732" y="1575805"/>
-            <a:ext cx="1248936" cy="657922"/>
-          </a:xfrm>
-          <a:prstGeom prst="roundRect">
-            <a:avLst/>
-          </a:prstGeom>
-          <a:noFill/>
-          <a:ln>
-            <a:solidFill>
-              <a:schemeClr val="tx1"/>
-            </a:solidFill>
-          </a:ln>
-        </p:spPr>
-        <p:style>
-          <a:lnRef idx="2">
-            <a:schemeClr val="accent1">
-              <a:shade val="50000"/>
-            </a:schemeClr>
-          </a:lnRef>
-          <a:fillRef idx="1">
-            <a:schemeClr val="accent1"/>
-          </a:fillRef>
-          <a:effectRef idx="0">
-            <a:schemeClr val="accent1"/>
-          </a:effectRef>
-          <a:fontRef idx="minor">
-            <a:schemeClr val="lt1"/>
-          </a:fontRef>
-        </p:style>
-        <p:txBody>
-          <a:bodyPr rtlCol="0" anchor="ctr"/>
-          <a:lstStyle/>
-          <a:p>
-            <a:pPr algn="ctr"/>
-            <a:r>
-              <a:rPr lang="en-US" sz="1400">
-                <a:solidFill>
-                  <a:schemeClr val="tx1"/>
-                </a:solidFill>
-              </a:rPr>
-              <a:t>Base Specification</a:t>
-            </a:r>
-          </a:p>
-        </p:txBody>
-      </p:sp>
-      <p:cxnSp>
-        <p:nvCxnSpPr>
-          <p:cNvPr id="107" name="Straight Arrow Connector 106">
-            <a:extLst>
-              <a:ext uri="{FF2B5EF4-FFF2-40B4-BE49-F238E27FC236}">
-                <a16:creationId xmlns:a16="http://schemas.microsoft.com/office/drawing/2014/main" id="{FF9BFF9E-F476-7E46-945B-1AAFAE8BBAA2}"/>
-              </a:ext>
-            </a:extLst>
-          </p:cNvPr>
-          <p:cNvCxnSpPr>
-            <a:cxnSpLocks/>
-            <a:stCxn id="17" idx="0"/>
-            <a:endCxn id="106" idx="2"/>
-          </p:cNvCxnSpPr>
-          <p:nvPr/>
-        </p:nvCxnSpPr>
-        <p:spPr>
-          <a:xfrm flipH="1" flipV="1">
-            <a:off x="5943200" y="2233727"/>
-            <a:ext cx="2" cy="341328"/>
-          </a:xfrm>
-          <a:prstGeom prst="straightConnector1">
-            <a:avLst/>
-          </a:prstGeom>
-          <a:ln>
-            <a:solidFill>
-              <a:schemeClr val="tx1"/>
-            </a:solidFill>
-            <a:prstDash val="sysDot"/>
-            <a:headEnd type="none" w="med" len="med"/>
-            <a:tailEnd type="arrow" w="med" len="med"/>
-          </a:ln>
-        </p:spPr>
-        <p:style>
-          <a:lnRef idx="1">
-            <a:schemeClr val="accent1"/>
-          </a:lnRef>
-          <a:fillRef idx="0">
-            <a:schemeClr val="accent1"/>
-          </a:fillRef>
-          <a:effectRef idx="0">
-            <a:schemeClr val="accent1"/>
-          </a:effectRef>
-          <a:fontRef idx="minor">
-            <a:schemeClr val="tx1"/>
-          </a:fontRef>
-        </p:style>
-      </p:cxnSp>
-      <p:sp>
-        <p:nvSpPr>
-          <p:cNvPr id="50" name="Rounded Rectangle 49">
-            <a:extLst>
-              <a:ext uri="{FF2B5EF4-FFF2-40B4-BE49-F238E27FC236}">
-                <a16:creationId xmlns:a16="http://schemas.microsoft.com/office/drawing/2014/main" id="{F58B78C7-16BE-7F49-8F7B-673F8BD03A93}"/>
-              </a:ext>
-            </a:extLst>
-          </p:cNvPr>
-          <p:cNvSpPr/>
-          <p:nvPr/>
-        </p:nvSpPr>
-        <p:spPr>
-          <a:xfrm>
-            <a:off x="7367164" y="3559595"/>
-            <a:ext cx="1248936" cy="657922"/>
-          </a:xfrm>
-          <a:prstGeom prst="roundRect">
-            <a:avLst/>
-          </a:prstGeom>
-          <a:pattFill prst="pct30">
-            <a:fgClr>
-              <a:schemeClr val="bg1">
-                <a:lumMod val="85000"/>
-              </a:schemeClr>
-            </a:fgClr>
-            <a:bgClr>
-              <a:schemeClr val="bg1"/>
-            </a:bgClr>
-          </a:pattFill>
-          <a:ln>
-            <a:solidFill>
-              <a:schemeClr val="tx1"/>
-            </a:solidFill>
-          </a:ln>
-        </p:spPr>
-        <p:style>
-          <a:lnRef idx="2">
-            <a:schemeClr val="accent1">
-              <a:shade val="50000"/>
-            </a:schemeClr>
-          </a:lnRef>
-          <a:fillRef idx="1">
-            <a:schemeClr val="accent1"/>
-          </a:fillRef>
-          <a:effectRef idx="0">
-            <a:schemeClr val="accent1"/>
-          </a:effectRef>
-          <a:fontRef idx="minor">
-            <a:schemeClr val="lt1"/>
-          </a:fontRef>
-        </p:style>
-        <p:txBody>
-          <a:bodyPr rtlCol="0" anchor="ctr"/>
-          <a:lstStyle/>
-          <a:p>
-            <a:pPr algn="ctr"/>
-            <a:r>
-              <a:rPr lang="en-AU" sz="1400">
-                <a:solidFill>
-                  <a:schemeClr val="tx1"/>
-                </a:solidFill>
-              </a:rPr>
-              <a:t>Document</a:t>
-            </a:r>
-          </a:p>
-        </p:txBody>
-      </p:sp>
-      <p:sp>
-        <p:nvSpPr>
-          <p:cNvPr id="51" name="Rounded Rectangle 50">
-            <a:extLst>
-              <a:ext uri="{FF2B5EF4-FFF2-40B4-BE49-F238E27FC236}">
-                <a16:creationId xmlns:a16="http://schemas.microsoft.com/office/drawing/2014/main" id="{61118395-830B-0041-A777-8497EA16ABFF}"/>
-              </a:ext>
-            </a:extLst>
-          </p:cNvPr>
-          <p:cNvSpPr/>
-          <p:nvPr/>
-        </p:nvSpPr>
-        <p:spPr>
-          <a:xfrm>
-            <a:off x="7367164" y="4566526"/>
-            <a:ext cx="1248936" cy="657922"/>
-          </a:xfrm>
-          <a:prstGeom prst="roundRect">
-            <a:avLst/>
-          </a:prstGeom>
-          <a:pattFill prst="pct30">
-            <a:fgClr>
-              <a:schemeClr val="bg1">
-                <a:lumMod val="85000"/>
-              </a:schemeClr>
-            </a:fgClr>
-            <a:bgClr>
-              <a:schemeClr val="bg1"/>
-            </a:bgClr>
-          </a:pattFill>
-          <a:ln>
-            <a:solidFill>
-              <a:schemeClr val="tx1"/>
-            </a:solidFill>
-          </a:ln>
-        </p:spPr>
-        <p:style>
-          <a:lnRef idx="2">
-            <a:schemeClr val="accent1">
-              <a:shade val="50000"/>
-            </a:schemeClr>
-          </a:lnRef>
-          <a:fillRef idx="1">
-            <a:schemeClr val="accent1"/>
-          </a:fillRef>
-          <a:effectRef idx="0">
-            <a:schemeClr val="accent1"/>
-          </a:effectRef>
-          <a:fontRef idx="minor">
-            <a:schemeClr val="lt1"/>
-          </a:fontRef>
-        </p:style>
-        <p:txBody>
-          <a:bodyPr rtlCol="0" anchor="ctr"/>
-          <a:lstStyle/>
-          <a:p>
-            <a:pPr algn="ctr"/>
-            <a:r>
-              <a:rPr lang="en-US" sz="1400">
-                <a:solidFill>
-                  <a:schemeClr val="tx1"/>
-                </a:solidFill>
-              </a:rPr>
-              <a:t>Guidance</a:t>
-            </a:r>
-          </a:p>
-        </p:txBody>
-      </p:sp>
-      <p:sp>
-        <p:nvSpPr>
-          <p:cNvPr id="53" name="TextBox 52">
-            <a:extLst>
-              <a:ext uri="{FF2B5EF4-FFF2-40B4-BE49-F238E27FC236}">
-                <a16:creationId xmlns:a16="http://schemas.microsoft.com/office/drawing/2014/main" id="{D6A0085B-F138-1143-90B9-F192D03EB0FA}"/>
-              </a:ext>
-            </a:extLst>
-          </p:cNvPr>
-          <p:cNvSpPr txBox="1"/>
-          <p:nvPr/>
-        </p:nvSpPr>
-        <p:spPr>
-          <a:xfrm>
-            <a:off x="6988857" y="4253521"/>
-            <a:ext cx="1002775" cy="276999"/>
-          </a:xfrm>
-          <a:prstGeom prst="rect">
-            <a:avLst/>
-          </a:prstGeom>
-          <a:noFill/>
-        </p:spPr>
-        <p:txBody>
-          <a:bodyPr wrap="none" rtlCol="0">
-            <a:spAutoFit/>
-          </a:bodyPr>
-          <a:lstStyle/>
-          <a:p>
-            <a:r>
-              <a:rPr lang="en-US" sz="1200"/>
-              <a:t>resourceRole</a:t>
-            </a:r>
-          </a:p>
-        </p:txBody>
-      </p:sp>
-      <p:cxnSp>
-        <p:nvCxnSpPr>
-          <p:cNvPr id="54" name="Straight Arrow Connector 53">
-            <a:extLst>
-              <a:ext uri="{FF2B5EF4-FFF2-40B4-BE49-F238E27FC236}">
-                <a16:creationId xmlns:a16="http://schemas.microsoft.com/office/drawing/2014/main" id="{D28D12BE-2681-4649-A380-EB8C2C5E2801}"/>
-              </a:ext>
-            </a:extLst>
-          </p:cNvPr>
-          <p:cNvCxnSpPr>
-            <a:cxnSpLocks/>
-            <a:stCxn id="50" idx="2"/>
-            <a:endCxn id="51" idx="0"/>
-          </p:cNvCxnSpPr>
-          <p:nvPr/>
-        </p:nvCxnSpPr>
-        <p:spPr>
-          <a:xfrm>
-            <a:off x="7991632" y="4217517"/>
-            <a:ext cx="0" cy="349009"/>
-          </a:xfrm>
-          <a:prstGeom prst="straightConnector1">
-            <a:avLst/>
-          </a:prstGeom>
-          <a:ln>
-            <a:solidFill>
-              <a:schemeClr val="tx1"/>
-            </a:solidFill>
-            <a:headEnd type="none" w="med" len="med"/>
-            <a:tailEnd type="arrow" w="med" len="med"/>
-          </a:ln>
-        </p:spPr>
-        <p:style>
-          <a:lnRef idx="1">
-            <a:schemeClr val="accent1"/>
-          </a:lnRef>
-          <a:fillRef idx="0">
-            <a:schemeClr val="accent1"/>
-          </a:fillRef>
-          <a:effectRef idx="0">
-            <a:schemeClr val="accent1"/>
-          </a:effectRef>
-          <a:fontRef idx="minor">
-            <a:schemeClr val="tx1"/>
-          </a:fontRef>
-        </p:style>
-      </p:cxnSp>
-      <p:sp>
-        <p:nvSpPr>
-          <p:cNvPr id="57" name="Rounded Rectangle 56">
-            <a:extLst>
-              <a:ext uri="{FF2B5EF4-FFF2-40B4-BE49-F238E27FC236}">
-                <a16:creationId xmlns:a16="http://schemas.microsoft.com/office/drawing/2014/main" id="{D5A067E4-3D15-E549-A0B4-8A63A2C0655A}"/>
-              </a:ext>
-            </a:extLst>
-          </p:cNvPr>
-          <p:cNvSpPr/>
-          <p:nvPr/>
-        </p:nvSpPr>
-        <p:spPr>
-          <a:xfrm>
-            <a:off x="9065005" y="3151617"/>
-            <a:ext cx="1248936" cy="657922"/>
-          </a:xfrm>
-          <a:prstGeom prst="roundRect">
-            <a:avLst/>
-          </a:prstGeom>
-          <a:pattFill prst="pct30">
-            <a:fgClr>
-              <a:schemeClr val="bg1">
-                <a:lumMod val="85000"/>
-              </a:schemeClr>
-            </a:fgClr>
-            <a:bgClr>
-              <a:schemeClr val="bg1"/>
-            </a:bgClr>
-          </a:pattFill>
-          <a:ln>
-            <a:solidFill>
-              <a:schemeClr val="tx1"/>
-            </a:solidFill>
-          </a:ln>
-        </p:spPr>
-        <p:style>
-          <a:lnRef idx="2">
-            <a:schemeClr val="accent1">
-              <a:shade val="50000"/>
-            </a:schemeClr>
-          </a:lnRef>
-          <a:fillRef idx="1">
-            <a:schemeClr val="accent1"/>
-          </a:fillRef>
-          <a:effectRef idx="0">
-            <a:schemeClr val="accent1"/>
-          </a:effectRef>
-          <a:fontRef idx="minor">
-            <a:schemeClr val="lt1"/>
-          </a:fontRef>
-        </p:style>
-        <p:txBody>
-          <a:bodyPr rtlCol="0" anchor="ctr"/>
-          <a:lstStyle/>
-          <a:p>
-            <a:pPr algn="ctr"/>
-            <a:r>
-              <a:rPr lang="en-US" sz="1400">
-                <a:solidFill>
-                  <a:schemeClr val="tx1"/>
-                </a:solidFill>
-              </a:rPr>
-              <a:t>application/</a:t>
-            </a:r>
-            <a:br>
-              <a:rPr lang="en-US" sz="1400">
-                <a:solidFill>
-                  <a:schemeClr val="tx1"/>
-                </a:solidFill>
-              </a:rPr>
-            </a:br>
-            <a:r>
-              <a:rPr lang="en-US" sz="1400">
-                <a:solidFill>
-                  <a:schemeClr val="tx1"/>
-                </a:solidFill>
-              </a:rPr>
-              <a:t>pdf</a:t>
-            </a:r>
-          </a:p>
-        </p:txBody>
-      </p:sp>
-      <p:cxnSp>
-        <p:nvCxnSpPr>
-          <p:cNvPr id="62" name="Straight Arrow Connector 61">
-            <a:extLst>
-              <a:ext uri="{FF2B5EF4-FFF2-40B4-BE49-F238E27FC236}">
-                <a16:creationId xmlns:a16="http://schemas.microsoft.com/office/drawing/2014/main" id="{1C232651-4725-3F46-A431-4E2B5251A97E}"/>
-              </a:ext>
-            </a:extLst>
-          </p:cNvPr>
-          <p:cNvCxnSpPr>
-            <a:cxnSpLocks/>
-            <a:stCxn id="50" idx="3"/>
-            <a:endCxn id="57" idx="1"/>
-          </p:cNvCxnSpPr>
-          <p:nvPr/>
-        </p:nvCxnSpPr>
-        <p:spPr>
-          <a:xfrm flipV="1">
-            <a:off x="8616100" y="3480578"/>
-            <a:ext cx="448905" cy="407978"/>
-          </a:xfrm>
-          <a:prstGeom prst="straightConnector1">
-            <a:avLst/>
-          </a:prstGeom>
-          <a:ln>
-            <a:solidFill>
-              <a:schemeClr val="tx1"/>
-            </a:solidFill>
-            <a:headEnd type="none" w="med" len="med"/>
-            <a:tailEnd type="arrow" w="med" len="med"/>
-          </a:ln>
-        </p:spPr>
-        <p:style>
-          <a:lnRef idx="1">
-            <a:schemeClr val="accent1"/>
-          </a:lnRef>
-          <a:fillRef idx="0">
-            <a:schemeClr val="accent1"/>
-          </a:fillRef>
-          <a:effectRef idx="0">
-            <a:schemeClr val="accent1"/>
-          </a:effectRef>
-          <a:fontRef idx="minor">
-            <a:schemeClr val="tx1"/>
-          </a:fontRef>
-        </p:style>
-      </p:cxnSp>
-      <p:sp>
-        <p:nvSpPr>
-          <p:cNvPr id="63" name="Rounded Rectangle 62">
-            <a:extLst>
-              <a:ext uri="{FF2B5EF4-FFF2-40B4-BE49-F238E27FC236}">
-                <a16:creationId xmlns:a16="http://schemas.microsoft.com/office/drawing/2014/main" id="{1765E693-7B9C-CB4F-A9A1-F93D0DF82E0B}"/>
-              </a:ext>
-            </a:extLst>
-          </p:cNvPr>
-          <p:cNvSpPr/>
-          <p:nvPr/>
-        </p:nvSpPr>
-        <p:spPr>
-          <a:xfrm>
-            <a:off x="5354035" y="4562070"/>
-            <a:ext cx="1248936" cy="657922"/>
-          </a:xfrm>
-          <a:prstGeom prst="roundRect">
-            <a:avLst/>
-          </a:prstGeom>
-          <a:noFill/>
-          <a:ln>
-            <a:solidFill>
-              <a:schemeClr val="tx1"/>
-            </a:solidFill>
-          </a:ln>
-        </p:spPr>
-        <p:style>
-          <a:lnRef idx="2">
-            <a:schemeClr val="accent1">
-              <a:shade val="50000"/>
-            </a:schemeClr>
-          </a:lnRef>
-          <a:fillRef idx="1">
-            <a:schemeClr val="accent1"/>
-          </a:fillRef>
-          <a:effectRef idx="0">
-            <a:schemeClr val="accent1"/>
-          </a:effectRef>
-          <a:fontRef idx="minor">
-            <a:schemeClr val="lt1"/>
-          </a:fontRef>
-        </p:style>
-        <p:txBody>
-          <a:bodyPr rtlCol="0" anchor="ctr"/>
-          <a:lstStyle/>
-          <a:p>
-            <a:pPr algn="ctr"/>
-            <a:r>
-              <a:rPr lang="en-US" sz="1200">
-                <a:solidFill>
-                  <a:schemeClr val="tx1"/>
-                </a:solidFill>
-              </a:rPr>
-              <a:t>Implementation Resource Role</a:t>
-            </a:r>
-          </a:p>
-        </p:txBody>
-      </p:sp>
-      <p:cxnSp>
-        <p:nvCxnSpPr>
-          <p:cNvPr id="66" name="Straight Arrow Connector 65">
-            <a:extLst>
-              <a:ext uri="{FF2B5EF4-FFF2-40B4-BE49-F238E27FC236}">
-                <a16:creationId xmlns:a16="http://schemas.microsoft.com/office/drawing/2014/main" id="{25ABF46E-F5A8-DB40-A6C3-BB0AA2D61202}"/>
-              </a:ext>
-            </a:extLst>
-          </p:cNvPr>
-          <p:cNvCxnSpPr>
-            <a:cxnSpLocks/>
-            <a:stCxn id="51" idx="1"/>
-            <a:endCxn id="63" idx="3"/>
-          </p:cNvCxnSpPr>
-          <p:nvPr/>
-        </p:nvCxnSpPr>
-        <p:spPr>
-          <a:xfrm flipH="1" flipV="1">
-            <a:off x="6602971" y="4891031"/>
-            <a:ext cx="764193" cy="4456"/>
-          </a:xfrm>
-          <a:prstGeom prst="straightConnector1">
-            <a:avLst/>
-          </a:prstGeom>
-          <a:ln>
-            <a:solidFill>
-              <a:schemeClr val="tx1"/>
-            </a:solidFill>
-            <a:prstDash val="sysDot"/>
-            <a:headEnd type="none" w="med" len="med"/>
-            <a:tailEnd type="arrow" w="med" len="med"/>
-          </a:ln>
-        </p:spPr>
-        <p:style>
-          <a:lnRef idx="1">
-            <a:schemeClr val="accent1"/>
-          </a:lnRef>
-          <a:fillRef idx="0">
-            <a:schemeClr val="accent1"/>
-          </a:fillRef>
-          <a:effectRef idx="0">
-            <a:schemeClr val="accent1"/>
-          </a:effectRef>
-          <a:fontRef idx="minor">
-            <a:schemeClr val="tx1"/>
-          </a:fontRef>
-        </p:style>
-      </p:cxnSp>
-      <p:cxnSp>
-        <p:nvCxnSpPr>
-          <p:cNvPr id="71" name="Straight Arrow Connector 70">
-            <a:extLst>
-              <a:ext uri="{FF2B5EF4-FFF2-40B4-BE49-F238E27FC236}">
-                <a16:creationId xmlns:a16="http://schemas.microsoft.com/office/drawing/2014/main" id="{1AFD0953-9B5E-C941-AF25-78767324913B}"/>
-              </a:ext>
-            </a:extLst>
-          </p:cNvPr>
-          <p:cNvCxnSpPr>
-            <a:cxnSpLocks/>
-            <a:stCxn id="3" idx="3"/>
-            <a:endCxn id="50" idx="1"/>
-          </p:cNvCxnSpPr>
-          <p:nvPr/>
-        </p:nvCxnSpPr>
-        <p:spPr>
-          <a:xfrm>
-            <a:off x="6567672" y="3888556"/>
-            <a:ext cx="799492" cy="0"/>
-          </a:xfrm>
-          <a:prstGeom prst="straightConnector1">
-            <a:avLst/>
-          </a:prstGeom>
-          <a:ln>
-            <a:solidFill>
-              <a:schemeClr val="tx1"/>
-            </a:solidFill>
-            <a:headEnd type="none" w="med" len="med"/>
-            <a:tailEnd type="arrow" w="med" len="med"/>
-          </a:ln>
-        </p:spPr>
-        <p:style>
-          <a:lnRef idx="1">
-            <a:schemeClr val="accent1"/>
-          </a:lnRef>
-          <a:fillRef idx="0">
-            <a:schemeClr val="accent1"/>
-          </a:fillRef>
-          <a:effectRef idx="0">
-            <a:schemeClr val="accent1"/>
-          </a:effectRef>
-          <a:fontRef idx="minor">
-            <a:schemeClr val="tx1"/>
-          </a:fontRef>
-        </p:style>
-      </p:cxnSp>
-      <p:sp>
-        <p:nvSpPr>
-          <p:cNvPr id="72" name="TextBox 71">
-            <a:extLst>
-              <a:ext uri="{FF2B5EF4-FFF2-40B4-BE49-F238E27FC236}">
-                <a16:creationId xmlns:a16="http://schemas.microsoft.com/office/drawing/2014/main" id="{22B4BE3A-F89B-1249-ABF7-0D27DCA22288}"/>
-              </a:ext>
-            </a:extLst>
-          </p:cNvPr>
-          <p:cNvSpPr txBox="1"/>
-          <p:nvPr/>
-        </p:nvSpPr>
-        <p:spPr>
-          <a:xfrm>
-            <a:off x="6602971" y="3590338"/>
-            <a:ext cx="728597" cy="276999"/>
-          </a:xfrm>
-          <a:prstGeom prst="rect">
-            <a:avLst/>
-          </a:prstGeom>
-          <a:noFill/>
-        </p:spPr>
-        <p:txBody>
-          <a:bodyPr wrap="none" rtlCol="0">
-            <a:spAutoFit/>
-          </a:bodyPr>
-          <a:lstStyle/>
-          <a:p>
-            <a:r>
-              <a:rPr lang="en-US" sz="1200"/>
-              <a:t>resource</a:t>
-            </a:r>
-          </a:p>
-        </p:txBody>
-      </p:sp>
-      <p:sp>
-        <p:nvSpPr>
-          <p:cNvPr id="81" name="Rounded Rectangle 80">
-            <a:extLst>
-              <a:ext uri="{FF2B5EF4-FFF2-40B4-BE49-F238E27FC236}">
-                <a16:creationId xmlns:a16="http://schemas.microsoft.com/office/drawing/2014/main" id="{FEA2DD0B-1FF1-1641-85B5-1D9D19117494}"/>
-              </a:ext>
-            </a:extLst>
-          </p:cNvPr>
-          <p:cNvSpPr/>
-          <p:nvPr/>
-        </p:nvSpPr>
-        <p:spPr>
-          <a:xfrm>
-            <a:off x="9065003" y="3940517"/>
-            <a:ext cx="1248936" cy="657922"/>
-          </a:xfrm>
-          <a:prstGeom prst="roundRect">
-            <a:avLst/>
-          </a:prstGeom>
-          <a:pattFill prst="pct30">
-            <a:fgClr>
-              <a:schemeClr val="bg1">
-                <a:lumMod val="85000"/>
-              </a:schemeClr>
-            </a:fgClr>
-            <a:bgClr>
-              <a:schemeClr val="bg1"/>
-            </a:bgClr>
-          </a:pattFill>
-          <a:ln>
-            <a:solidFill>
-              <a:schemeClr val="tx1"/>
-            </a:solidFill>
-          </a:ln>
-        </p:spPr>
-        <p:style>
-          <a:lnRef idx="2">
-            <a:schemeClr val="accent1">
-              <a:shade val="50000"/>
-            </a:schemeClr>
-          </a:lnRef>
-          <a:fillRef idx="1">
-            <a:schemeClr val="accent1"/>
-          </a:fillRef>
-          <a:effectRef idx="0">
-            <a:schemeClr val="accent1"/>
-          </a:effectRef>
-          <a:fontRef idx="minor">
-            <a:schemeClr val="lt1"/>
-          </a:fontRef>
-        </p:style>
-        <p:txBody>
-          <a:bodyPr rtlCol="0" anchor="ctr"/>
-          <a:lstStyle/>
-          <a:p>
-            <a:pPr algn="ctr"/>
-            <a:r>
-              <a:rPr lang="en-AU" sz="1400">
-                <a:solidFill>
-                  <a:schemeClr val="tx1"/>
-                </a:solidFill>
-              </a:rPr>
-              <a:t>application/msword</a:t>
-            </a:r>
-            <a:endParaRPr lang="en-US" sz="1400">
-              <a:solidFill>
-                <a:schemeClr val="tx1"/>
-              </a:solidFill>
-            </a:endParaRPr>
-          </a:p>
-        </p:txBody>
-      </p:sp>
-      <p:cxnSp>
-        <p:nvCxnSpPr>
-          <p:cNvPr id="82" name="Straight Arrow Connector 81">
-            <a:extLst>
-              <a:ext uri="{FF2B5EF4-FFF2-40B4-BE49-F238E27FC236}">
-                <a16:creationId xmlns:a16="http://schemas.microsoft.com/office/drawing/2014/main" id="{88A3B52C-4AD3-4545-935A-B928D7458C85}"/>
-              </a:ext>
-            </a:extLst>
-          </p:cNvPr>
-          <p:cNvCxnSpPr>
-            <a:cxnSpLocks/>
-            <a:stCxn id="50" idx="3"/>
-            <a:endCxn id="81" idx="1"/>
-          </p:cNvCxnSpPr>
-          <p:nvPr/>
-        </p:nvCxnSpPr>
-        <p:spPr>
-          <a:xfrm>
-            <a:off x="8616100" y="3888556"/>
-            <a:ext cx="448903" cy="380922"/>
-          </a:xfrm>
-          <a:prstGeom prst="straightConnector1">
-            <a:avLst/>
-          </a:prstGeom>
-          <a:ln>
-            <a:solidFill>
-              <a:schemeClr val="tx1"/>
-            </a:solidFill>
-            <a:headEnd type="none" w="med" len="med"/>
-            <a:tailEnd type="arrow" w="med" len="med"/>
-          </a:ln>
-        </p:spPr>
-        <p:style>
-          <a:lnRef idx="1">
-            <a:schemeClr val="accent1"/>
-          </a:lnRef>
-          <a:fillRef idx="0">
-            <a:schemeClr val="accent1"/>
-          </a:fillRef>
-          <a:effectRef idx="0">
-            <a:schemeClr val="accent1"/>
-          </a:effectRef>
-          <a:fontRef idx="minor">
-            <a:schemeClr val="tx1"/>
-          </a:fontRef>
-        </p:style>
-      </p:cxnSp>
-      <p:sp>
-        <p:nvSpPr>
-          <p:cNvPr id="58" name="TextBox 57">
-            <a:extLst>
-              <a:ext uri="{FF2B5EF4-FFF2-40B4-BE49-F238E27FC236}">
-                <a16:creationId xmlns:a16="http://schemas.microsoft.com/office/drawing/2014/main" id="{F4D0E366-7522-F74E-A4A9-828D26949040}"/>
-              </a:ext>
-            </a:extLst>
-          </p:cNvPr>
-          <p:cNvSpPr txBox="1"/>
-          <p:nvPr/>
-        </p:nvSpPr>
-        <p:spPr>
-          <a:xfrm rot="5400000">
-            <a:off x="8535405" y="3744552"/>
-            <a:ext cx="609654" cy="276999"/>
-          </a:xfrm>
-          <a:prstGeom prst="rect">
-            <a:avLst/>
-          </a:prstGeom>
-          <a:solidFill>
-            <a:schemeClr val="bg1"/>
-          </a:solidFill>
-        </p:spPr>
-        <p:txBody>
-          <a:bodyPr wrap="none" rtlCol="0">
-            <a:spAutoFit/>
-          </a:bodyPr>
-          <a:lstStyle/>
-          <a:p>
-            <a:r>
-              <a:rPr lang="en-US" sz="1200"/>
-              <a:t>format</a:t>
-            </a:r>
-          </a:p>
-        </p:txBody>
-      </p:sp>
-      <p:cxnSp>
-        <p:nvCxnSpPr>
-          <p:cNvPr id="100" name="Elbow Connector 99">
-            <a:extLst>
-              <a:ext uri="{FF2B5EF4-FFF2-40B4-BE49-F238E27FC236}">
-                <a16:creationId xmlns:a16="http://schemas.microsoft.com/office/drawing/2014/main" id="{526156E5-CC99-FD49-81B3-3ABAC51C9B0D}"/>
-              </a:ext>
-            </a:extLst>
-          </p:cNvPr>
-          <p:cNvCxnSpPr>
-            <a:cxnSpLocks/>
-            <a:stCxn id="81" idx="3"/>
-            <a:endCxn id="68" idx="0"/>
-          </p:cNvCxnSpPr>
-          <p:nvPr/>
-        </p:nvCxnSpPr>
-        <p:spPr>
-          <a:xfrm flipH="1" flipV="1">
-            <a:off x="2140150" y="2572559"/>
-            <a:ext cx="8173789" cy="1696919"/>
-          </a:xfrm>
-          <a:prstGeom prst="bentConnector4">
-            <a:avLst>
-              <a:gd name="adj1" fmla="val -2797"/>
-              <a:gd name="adj2" fmla="val 177492"/>
-            </a:avLst>
-          </a:prstGeom>
-          <a:ln>
-            <a:solidFill>
-              <a:schemeClr val="tx1"/>
-            </a:solidFill>
-            <a:prstDash val="sysDot"/>
-            <a:tailEnd type="triangle"/>
-          </a:ln>
-        </p:spPr>
-        <p:style>
-          <a:lnRef idx="1">
-            <a:schemeClr val="accent1"/>
-          </a:lnRef>
-          <a:fillRef idx="0">
-            <a:schemeClr val="accent1"/>
-          </a:fillRef>
-          <a:effectRef idx="0">
-            <a:schemeClr val="accent1"/>
-          </a:effectRef>
-          <a:fontRef idx="minor">
-            <a:schemeClr val="tx1"/>
-          </a:fontRef>
-        </p:style>
-      </p:cxnSp>
-      <p:cxnSp>
-        <p:nvCxnSpPr>
-          <p:cNvPr id="108" name="Straight Arrow Connector 107">
-            <a:extLst>
-              <a:ext uri="{FF2B5EF4-FFF2-40B4-BE49-F238E27FC236}">
-                <a16:creationId xmlns:a16="http://schemas.microsoft.com/office/drawing/2014/main" id="{1F61C120-F6D8-2E4C-AB05-3CD81421CED8}"/>
-              </a:ext>
-            </a:extLst>
-          </p:cNvPr>
-          <p:cNvCxnSpPr>
-            <a:cxnSpLocks/>
-            <a:stCxn id="57" idx="3"/>
-          </p:cNvCxnSpPr>
-          <p:nvPr/>
-        </p:nvCxnSpPr>
-        <p:spPr>
-          <a:xfrm>
-            <a:off x="10313941" y="3480578"/>
-            <a:ext cx="229830" cy="0"/>
-          </a:xfrm>
-          <a:prstGeom prst="straightConnector1">
-            <a:avLst/>
-          </a:prstGeom>
-          <a:ln>
-            <a:solidFill>
-              <a:schemeClr val="tx1"/>
-            </a:solidFill>
-            <a:prstDash val="sysDot"/>
-            <a:headEnd type="none" w="med" len="med"/>
-            <a:tailEnd type="none" w="med" len="med"/>
-          </a:ln>
-        </p:spPr>
-        <p:style>
-          <a:lnRef idx="1">
-            <a:schemeClr val="accent1"/>
-          </a:lnRef>
-          <a:fillRef idx="0">
-            <a:schemeClr val="accent1"/>
-          </a:fillRef>
-          <a:effectRef idx="0">
-            <a:schemeClr val="accent1"/>
-          </a:effectRef>
-          <a:fontRef idx="minor">
-            <a:schemeClr val="tx1"/>
-          </a:fontRef>
-        </p:style>
-      </p:cxnSp>
-      <p:cxnSp>
-        <p:nvCxnSpPr>
-          <p:cNvPr id="112" name="Elbow Connector 111">
-            <a:extLst>
-              <a:ext uri="{FF2B5EF4-FFF2-40B4-BE49-F238E27FC236}">
-                <a16:creationId xmlns:a16="http://schemas.microsoft.com/office/drawing/2014/main" id="{BA287D44-EB52-1B4E-8E0D-42BE8562BD5D}"/>
-              </a:ext>
-            </a:extLst>
-          </p:cNvPr>
-          <p:cNvCxnSpPr>
-            <a:cxnSpLocks/>
-            <a:endCxn id="38" idx="1"/>
-          </p:cNvCxnSpPr>
-          <p:nvPr/>
-        </p:nvCxnSpPr>
-        <p:spPr>
-          <a:xfrm rot="10800000" flipV="1">
-            <a:off x="3442371" y="1436622"/>
-            <a:ext cx="5622632" cy="1460858"/>
-          </a:xfrm>
-          <a:prstGeom prst="bentConnector3">
-            <a:avLst>
-              <a:gd name="adj1" fmla="val 104066"/>
-            </a:avLst>
-          </a:prstGeom>
-          <a:ln>
-            <a:solidFill>
-              <a:schemeClr val="tx1"/>
-            </a:solidFill>
-            <a:prstDash val="sysDot"/>
-            <a:tailEnd type="triangle"/>
-          </a:ln>
-        </p:spPr>
-        <p:style>
-          <a:lnRef idx="1">
-            <a:schemeClr val="accent1"/>
-          </a:lnRef>
-          <a:fillRef idx="0">
-            <a:schemeClr val="accent1"/>
-          </a:fillRef>
-          <a:effectRef idx="0">
-            <a:schemeClr val="accent1"/>
-          </a:effectRef>
-          <a:fontRef idx="minor">
-            <a:schemeClr val="tx1"/>
-          </a:fontRef>
-        </p:style>
-      </p:cxnSp>
-      <p:cxnSp>
-        <p:nvCxnSpPr>
-          <p:cNvPr id="127" name="Elbow Connector 126">
-            <a:extLst>
-              <a:ext uri="{FF2B5EF4-FFF2-40B4-BE49-F238E27FC236}">
-                <a16:creationId xmlns:a16="http://schemas.microsoft.com/office/drawing/2014/main" id="{BFE8EB85-DFC0-4B45-9688-6A1F97F9E5D8}"/>
-              </a:ext>
-            </a:extLst>
-          </p:cNvPr>
-          <p:cNvCxnSpPr>
-            <a:cxnSpLocks/>
-            <a:stCxn id="50" idx="0"/>
-          </p:cNvCxnSpPr>
-          <p:nvPr/>
-        </p:nvCxnSpPr>
-        <p:spPr>
-          <a:xfrm rot="5400000" flipH="1" flipV="1">
-            <a:off x="7466830" y="1961423"/>
-            <a:ext cx="2122974" cy="1073371"/>
-          </a:xfrm>
-          <a:prstGeom prst="bentConnector3">
-            <a:avLst>
-              <a:gd name="adj1" fmla="val 50000"/>
-            </a:avLst>
-          </a:prstGeom>
-          <a:ln>
-            <a:solidFill>
-              <a:schemeClr val="tx1"/>
-            </a:solidFill>
-            <a:prstDash val="sysDot"/>
-            <a:tailEnd type="none"/>
-          </a:ln>
-        </p:spPr>
-        <p:style>
-          <a:lnRef idx="1">
-            <a:schemeClr val="accent1"/>
-          </a:lnRef>
-          <a:fillRef idx="0">
-            <a:schemeClr val="accent1"/>
-          </a:fillRef>
-          <a:effectRef idx="0">
-            <a:schemeClr val="accent1"/>
-          </a:effectRef>
-          <a:fontRef idx="minor">
-            <a:schemeClr val="tx1"/>
-          </a:fontRef>
-        </p:style>
-      </p:cxnSp>
-      <p:sp>
-        <p:nvSpPr>
-          <p:cNvPr id="137" name="Rounded Rectangle 136">
-            <a:extLst>
-              <a:ext uri="{FF2B5EF4-FFF2-40B4-BE49-F238E27FC236}">
-                <a16:creationId xmlns:a16="http://schemas.microsoft.com/office/drawing/2014/main" id="{CEE212BA-1424-C64C-8BC1-4A23B9106EEA}"/>
-              </a:ext>
-            </a:extLst>
-          </p:cNvPr>
-          <p:cNvSpPr/>
-          <p:nvPr/>
-        </p:nvSpPr>
-        <p:spPr>
-          <a:xfrm>
-            <a:off x="1520052" y="4566526"/>
-            <a:ext cx="1248936" cy="657922"/>
-          </a:xfrm>
-          <a:prstGeom prst="roundRect">
-            <a:avLst/>
-          </a:prstGeom>
-          <a:pattFill prst="pct30">
-            <a:fgClr>
-              <a:schemeClr val="bg1">
-                <a:lumMod val="85000"/>
-              </a:schemeClr>
-            </a:fgClr>
-            <a:bgClr>
-              <a:schemeClr val="bg1"/>
-            </a:bgClr>
-          </a:pattFill>
-          <a:ln>
-            <a:solidFill>
-              <a:schemeClr val="tx1"/>
-            </a:solidFill>
-          </a:ln>
-        </p:spPr>
-        <p:style>
-          <a:lnRef idx="2">
-            <a:schemeClr val="accent1">
-              <a:shade val="50000"/>
-            </a:schemeClr>
-          </a:lnRef>
-          <a:fillRef idx="1">
-            <a:schemeClr val="accent1"/>
-          </a:fillRef>
-          <a:effectRef idx="0">
-            <a:schemeClr val="accent1"/>
-          </a:effectRef>
-          <a:fontRef idx="minor">
-            <a:schemeClr val="lt1"/>
-          </a:fontRef>
-        </p:style>
-        <p:txBody>
-          <a:bodyPr rtlCol="0" anchor="ctr"/>
-          <a:lstStyle/>
-          <a:p>
-            <a:pPr algn="ctr"/>
-            <a:r>
-              <a:rPr lang="en-US" sz="1400">
-                <a:solidFill>
-                  <a:schemeClr val="tx1"/>
-                </a:solidFill>
-              </a:rPr>
-              <a:t>SHACL</a:t>
-            </a:r>
-          </a:p>
-        </p:txBody>
-      </p:sp>
-      <p:sp>
-        <p:nvSpPr>
-          <p:cNvPr id="138" name="TextBox 137">
-            <a:extLst>
-              <a:ext uri="{FF2B5EF4-FFF2-40B4-BE49-F238E27FC236}">
-                <a16:creationId xmlns:a16="http://schemas.microsoft.com/office/drawing/2014/main" id="{16BA4C72-9403-5D48-8512-2B9843EE0724}"/>
-              </a:ext>
-            </a:extLst>
-          </p:cNvPr>
-          <p:cNvSpPr txBox="1"/>
-          <p:nvPr/>
-        </p:nvSpPr>
-        <p:spPr>
-          <a:xfrm>
-            <a:off x="2011974" y="4246796"/>
-            <a:ext cx="915828" cy="276999"/>
-          </a:xfrm>
-          <a:prstGeom prst="rect">
-            <a:avLst/>
-          </a:prstGeom>
-          <a:noFill/>
-        </p:spPr>
-        <p:txBody>
-          <a:bodyPr wrap="none" rtlCol="0">
-            <a:spAutoFit/>
-          </a:bodyPr>
-          <a:lstStyle/>
-          <a:p>
-            <a:r>
-              <a:rPr lang="en-US" sz="1200"/>
-              <a:t>conformsTo</a:t>
-            </a:r>
-          </a:p>
-        </p:txBody>
-      </p:sp>
-      <p:cxnSp>
-        <p:nvCxnSpPr>
-          <p:cNvPr id="139" name="Straight Arrow Connector 138">
-            <a:extLst>
-              <a:ext uri="{FF2B5EF4-FFF2-40B4-BE49-F238E27FC236}">
-                <a16:creationId xmlns:a16="http://schemas.microsoft.com/office/drawing/2014/main" id="{3064D143-26F1-E34C-90F9-B57D33E9A5C8}"/>
-              </a:ext>
-            </a:extLst>
-          </p:cNvPr>
-          <p:cNvCxnSpPr>
-            <a:cxnSpLocks/>
-          </p:cNvCxnSpPr>
-          <p:nvPr/>
-        </p:nvCxnSpPr>
-        <p:spPr>
-          <a:xfrm flipH="1">
-            <a:off x="2726395" y="4165167"/>
-            <a:ext cx="757454" cy="456373"/>
-          </a:xfrm>
-          <a:prstGeom prst="straightConnector1">
-            <a:avLst/>
-          </a:prstGeom>
-          <a:ln>
-            <a:solidFill>
-              <a:schemeClr val="tx1"/>
-            </a:solidFill>
-            <a:headEnd type="none" w="med" len="med"/>
-            <a:tailEnd type="arrow" w="med" len="med"/>
-          </a:ln>
-        </p:spPr>
-        <p:style>
-          <a:lnRef idx="1">
-            <a:schemeClr val="accent1"/>
-          </a:lnRef>
-          <a:fillRef idx="0">
-            <a:schemeClr val="accent1"/>
-          </a:fillRef>
-          <a:effectRef idx="0">
-            <a:schemeClr val="accent1"/>
-          </a:effectRef>
-          <a:fontRef idx="minor">
-            <a:schemeClr val="tx1"/>
-          </a:fontRef>
-        </p:style>
-      </p:cxnSp>
-      <p:sp>
-        <p:nvSpPr>
-          <p:cNvPr id="143" name="TextBox 142">
-            <a:extLst>
-              <a:ext uri="{FF2B5EF4-FFF2-40B4-BE49-F238E27FC236}">
-                <a16:creationId xmlns:a16="http://schemas.microsoft.com/office/drawing/2014/main" id="{D0F429B1-D6FA-404E-947C-F41500F16EBC}"/>
-              </a:ext>
-            </a:extLst>
-          </p:cNvPr>
-          <p:cNvSpPr txBox="1"/>
-          <p:nvPr/>
-        </p:nvSpPr>
-        <p:spPr>
-          <a:xfrm>
-            <a:off x="206018" y="732608"/>
-            <a:ext cx="1090683" cy="307777"/>
-          </a:xfrm>
-          <a:prstGeom prst="rect">
-            <a:avLst/>
-          </a:prstGeom>
-          <a:noFill/>
-        </p:spPr>
-        <p:txBody>
-          <a:bodyPr wrap="none" rtlCol="0">
-            <a:spAutoFit/>
-          </a:bodyPr>
-          <a:lstStyle/>
-          <a:p>
-            <a:r>
-              <a:rPr lang="en-US" sz="1400" u="sng"/>
-              <a:t>Element Key</a:t>
+              <a:rPr lang="en-US" sz="1200" dirty="0"/>
+              <a:t>artifact</a:t>
             </a:r>
           </a:p>
         </p:txBody>
@@ -14765,45 +16647,10 @@
       </p:grpSpPr>
       <p:sp>
         <p:nvSpPr>
-          <p:cNvPr id="2" name="TextBox 1">
-            <a:extLst>
-              <a:ext uri="{FF2B5EF4-FFF2-40B4-BE49-F238E27FC236}">
-                <a16:creationId xmlns:a16="http://schemas.microsoft.com/office/drawing/2014/main" id="{83BA414C-DCB0-3640-8724-6378CC0BA2FA}"/>
-              </a:ext>
-            </a:extLst>
-          </p:cNvPr>
-          <p:cNvSpPr txBox="1"/>
-          <p:nvPr/>
-        </p:nvSpPr>
-        <p:spPr>
-          <a:xfrm>
-            <a:off x="200722" y="156117"/>
-            <a:ext cx="1917128" cy="369332"/>
-          </a:xfrm>
-          <a:prstGeom prst="rect">
-            <a:avLst/>
-          </a:prstGeom>
-          <a:noFill/>
-        </p:spPr>
-        <p:txBody>
-          <a:bodyPr wrap="none" rtlCol="0">
-            <a:spAutoFit/>
-          </a:bodyPr>
-          <a:lstStyle/>
-          <a:p>
-            <a:r>
-              <a:rPr lang="en-US" u="sng"/>
-              <a:t>DCAT-AP examples</a:t>
-            </a:r>
-          </a:p>
-        </p:txBody>
-      </p:sp>
-      <p:sp>
-        <p:nvSpPr>
-          <p:cNvPr id="3" name="Rounded Rectangle 2">
-            <a:extLst>
-              <a:ext uri="{FF2B5EF4-FFF2-40B4-BE49-F238E27FC236}">
-                <a16:creationId xmlns:a16="http://schemas.microsoft.com/office/drawing/2014/main" id="{36985D6F-F68F-4344-8D44-F1F7C3296165}"/>
+          <p:cNvPr id="73" name="Rounded Rectangle 72">
+            <a:extLst>
+              <a:ext uri="{FF2B5EF4-FFF2-40B4-BE49-F238E27FC236}">
+                <a16:creationId xmlns:a16="http://schemas.microsoft.com/office/drawing/2014/main" id="{8581DD28-7FB6-6748-8F81-E02AC2E2A43C}"/>
               </a:ext>
             </a:extLst>
           </p:cNvPr>
@@ -14812,7 +16659,7 @@
         </p:nvSpPr>
         <p:spPr>
           <a:xfrm>
-            <a:off x="3397176" y="2816565"/>
+            <a:off x="90727" y="1330712"/>
             <a:ext cx="1248936" cy="657922"/>
           </a:xfrm>
           <a:prstGeom prst="roundRect">
@@ -14828,7 +16675,7 @@
               <a:schemeClr val="bg1"/>
             </a:bgClr>
           </a:pattFill>
-          <a:ln w="28575">
+          <a:ln>
             <a:solidFill>
               <a:schemeClr val="tx1"/>
             </a:solidFill>
@@ -14861,31 +16708,44 @@
                   <a:schemeClr val="tx1"/>
                 </a:solidFill>
               </a:rPr>
-              <a:t>DCAT-AP</a:t>
+              <a:t>owl:Named</a:t>
+            </a:r>
+            <a:br>
+              <a:rPr lang="en-US" sz="1400">
+                <a:solidFill>
+                  <a:schemeClr val="tx1"/>
+                </a:solidFill>
+              </a:rPr>
+            </a:br>
+            <a:r>
+              <a:rPr lang="en-US" sz="1400">
+                <a:solidFill>
+                  <a:schemeClr val="tx1"/>
+                </a:solidFill>
+              </a:rPr>
+              <a:t>Individual</a:t>
             </a:r>
           </a:p>
         </p:txBody>
       </p:sp>
       <p:cxnSp>
         <p:nvCxnSpPr>
-          <p:cNvPr id="5" name="Straight Arrow Connector 4">
-            <a:extLst>
-              <a:ext uri="{FF2B5EF4-FFF2-40B4-BE49-F238E27FC236}">
-                <a16:creationId xmlns:a16="http://schemas.microsoft.com/office/drawing/2014/main" id="{6DFE8740-3E2F-9A49-B58F-7F85D1399E22}"/>
+          <p:cNvPr id="74" name="Straight Arrow Connector 73">
+            <a:extLst>
+              <a:ext uri="{FF2B5EF4-FFF2-40B4-BE49-F238E27FC236}">
+                <a16:creationId xmlns:a16="http://schemas.microsoft.com/office/drawing/2014/main" id="{EB93542B-98C4-6341-B733-4BEF15D0F40B}"/>
               </a:ext>
             </a:extLst>
           </p:cNvPr>
           <p:cNvCxnSpPr>
             <a:cxnSpLocks/>
-            <a:stCxn id="3" idx="0"/>
-            <a:endCxn id="64" idx="2"/>
           </p:cNvCxnSpPr>
           <p:nvPr/>
         </p:nvCxnSpPr>
         <p:spPr>
-          <a:xfrm flipH="1" flipV="1">
-            <a:off x="3247621" y="2514831"/>
-            <a:ext cx="774023" cy="301734"/>
+          <a:xfrm flipV="1">
+            <a:off x="251936" y="2828299"/>
+            <a:ext cx="0" cy="423748"/>
           </a:xfrm>
           <a:prstGeom prst="straightConnector1">
             <a:avLst/>
@@ -14894,6 +16754,7 @@
             <a:solidFill>
               <a:schemeClr val="tx1"/>
             </a:solidFill>
+            <a:prstDash val="sysDot"/>
             <a:headEnd type="none" w="med" len="med"/>
             <a:tailEnd type="arrow" w="med" len="med"/>
           </a:ln>
@@ -14915,10 +16776,45 @@
       </p:cxnSp>
       <p:sp>
         <p:nvSpPr>
-          <p:cNvPr id="9" name="Rounded Rectangle 8">
-            <a:extLst>
-              <a:ext uri="{FF2B5EF4-FFF2-40B4-BE49-F238E27FC236}">
-                <a16:creationId xmlns:a16="http://schemas.microsoft.com/office/drawing/2014/main" id="{AE8BEE7C-A2AE-CD4B-95AD-F8EA3306B540}"/>
+          <p:cNvPr id="75" name="TextBox 74">
+            <a:extLst>
+              <a:ext uri="{FF2B5EF4-FFF2-40B4-BE49-F238E27FC236}">
+                <a16:creationId xmlns:a16="http://schemas.microsoft.com/office/drawing/2014/main" id="{CDEDE00B-2B5C-7A40-8C0F-60D6F142DE74}"/>
+              </a:ext>
+            </a:extLst>
+          </p:cNvPr>
+          <p:cNvSpPr txBox="1"/>
+          <p:nvPr/>
+        </p:nvSpPr>
+        <p:spPr>
+          <a:xfrm>
+            <a:off x="288101" y="2901673"/>
+            <a:ext cx="681084" cy="276999"/>
+          </a:xfrm>
+          <a:prstGeom prst="rect">
+            <a:avLst/>
+          </a:prstGeom>
+          <a:noFill/>
+        </p:spPr>
+        <p:txBody>
+          <a:bodyPr wrap="none" rtlCol="0">
+            <a:spAutoFit/>
+          </a:bodyPr>
+          <a:lstStyle/>
+          <a:p>
+            <a:r>
+              <a:rPr lang="en-US" sz="1200"/>
+              <a:t>rdf:type</a:t>
+            </a:r>
+          </a:p>
+        </p:txBody>
+      </p:sp>
+      <p:sp>
+        <p:nvSpPr>
+          <p:cNvPr id="78" name="Rounded Rectangle 77">
+            <a:extLst>
+              <a:ext uri="{FF2B5EF4-FFF2-40B4-BE49-F238E27FC236}">
+                <a16:creationId xmlns:a16="http://schemas.microsoft.com/office/drawing/2014/main" id="{E07B7042-3B83-DA40-976B-CD640B3C88BC}"/>
               </a:ext>
             </a:extLst>
           </p:cNvPr>
@@ -14927,7 +16823,182 @@
         </p:nvSpPr>
         <p:spPr>
           <a:xfrm>
-            <a:off x="4315497" y="3776249"/>
+            <a:off x="90727" y="486989"/>
+            <a:ext cx="1248936" cy="657922"/>
+          </a:xfrm>
+          <a:prstGeom prst="roundRect">
+            <a:avLst/>
+          </a:prstGeom>
+          <a:noFill/>
+          <a:ln>
+            <a:solidFill>
+              <a:schemeClr val="tx1"/>
+            </a:solidFill>
+          </a:ln>
+        </p:spPr>
+        <p:style>
+          <a:lnRef idx="2">
+            <a:schemeClr val="accent1">
+              <a:shade val="50000"/>
+            </a:schemeClr>
+          </a:lnRef>
+          <a:fillRef idx="1">
+            <a:schemeClr val="accent1"/>
+          </a:fillRef>
+          <a:effectRef idx="0">
+            <a:schemeClr val="accent1"/>
+          </a:effectRef>
+          <a:fontRef idx="minor">
+            <a:schemeClr val="lt1"/>
+          </a:fontRef>
+        </p:style>
+        <p:txBody>
+          <a:bodyPr rtlCol="0" anchor="ctr"/>
+          <a:lstStyle/>
+          <a:p>
+            <a:pPr algn="ctr"/>
+            <a:r>
+              <a:rPr lang="en-US" sz="1400">
+                <a:solidFill>
+                  <a:schemeClr val="tx1"/>
+                </a:solidFill>
+              </a:rPr>
+              <a:t>owl:Class</a:t>
+            </a:r>
+          </a:p>
+        </p:txBody>
+      </p:sp>
+      <p:cxnSp>
+        <p:nvCxnSpPr>
+          <p:cNvPr id="79" name="Straight Arrow Connector 78">
+            <a:extLst>
+              <a:ext uri="{FF2B5EF4-FFF2-40B4-BE49-F238E27FC236}">
+                <a16:creationId xmlns:a16="http://schemas.microsoft.com/office/drawing/2014/main" id="{125C0AB3-6800-CB43-9EDA-E15BD7FFA437}"/>
+              </a:ext>
+            </a:extLst>
+          </p:cNvPr>
+          <p:cNvCxnSpPr>
+            <a:cxnSpLocks/>
+          </p:cNvCxnSpPr>
+          <p:nvPr/>
+        </p:nvCxnSpPr>
+        <p:spPr>
+          <a:xfrm flipV="1">
+            <a:off x="251936" y="2162476"/>
+            <a:ext cx="0" cy="423748"/>
+          </a:xfrm>
+          <a:prstGeom prst="straightConnector1">
+            <a:avLst/>
+          </a:prstGeom>
+          <a:ln>
+            <a:solidFill>
+              <a:schemeClr val="tx1"/>
+            </a:solidFill>
+            <a:prstDash val="solid"/>
+            <a:headEnd type="none" w="med" len="med"/>
+            <a:tailEnd type="arrow" w="med" len="med"/>
+          </a:ln>
+        </p:spPr>
+        <p:style>
+          <a:lnRef idx="1">
+            <a:schemeClr val="accent1"/>
+          </a:lnRef>
+          <a:fillRef idx="0">
+            <a:schemeClr val="accent1"/>
+          </a:fillRef>
+          <a:effectRef idx="0">
+            <a:schemeClr val="accent1"/>
+          </a:effectRef>
+          <a:fontRef idx="minor">
+            <a:schemeClr val="tx1"/>
+          </a:fontRef>
+        </p:style>
+      </p:cxnSp>
+      <p:sp>
+        <p:nvSpPr>
+          <p:cNvPr id="80" name="TextBox 79">
+            <a:extLst>
+              <a:ext uri="{FF2B5EF4-FFF2-40B4-BE49-F238E27FC236}">
+                <a16:creationId xmlns:a16="http://schemas.microsoft.com/office/drawing/2014/main" id="{BE14ECCD-03F5-AA49-AB95-1FDC544C4BBC}"/>
+              </a:ext>
+            </a:extLst>
+          </p:cNvPr>
+          <p:cNvSpPr txBox="1"/>
+          <p:nvPr/>
+        </p:nvSpPr>
+        <p:spPr>
+          <a:xfrm>
+            <a:off x="288101" y="2235850"/>
+            <a:ext cx="727187" cy="276999"/>
+          </a:xfrm>
+          <a:prstGeom prst="rect">
+            <a:avLst/>
+          </a:prstGeom>
+          <a:noFill/>
+        </p:spPr>
+        <p:txBody>
+          <a:bodyPr wrap="none" rtlCol="0">
+            <a:spAutoFit/>
+          </a:bodyPr>
+          <a:lstStyle/>
+          <a:p>
+            <a:r>
+              <a:rPr lang="en-US" sz="1200"/>
+              <a:t>property</a:t>
+            </a:r>
+          </a:p>
+        </p:txBody>
+      </p:sp>
+      <p:sp>
+        <p:nvSpPr>
+          <p:cNvPr id="143" name="TextBox 142">
+            <a:extLst>
+              <a:ext uri="{FF2B5EF4-FFF2-40B4-BE49-F238E27FC236}">
+                <a16:creationId xmlns:a16="http://schemas.microsoft.com/office/drawing/2014/main" id="{D0F429B1-D6FA-404E-947C-F41500F16EBC}"/>
+              </a:ext>
+            </a:extLst>
+          </p:cNvPr>
+          <p:cNvSpPr txBox="1"/>
+          <p:nvPr/>
+        </p:nvSpPr>
+        <p:spPr>
+          <a:xfrm>
+            <a:off x="169853" y="-6589"/>
+            <a:ext cx="1090683" cy="307777"/>
+          </a:xfrm>
+          <a:prstGeom prst="rect">
+            <a:avLst/>
+          </a:prstGeom>
+          <a:noFill/>
+        </p:spPr>
+        <p:txBody>
+          <a:bodyPr wrap="none" rtlCol="0">
+            <a:spAutoFit/>
+          </a:bodyPr>
+          <a:lstStyle/>
+          <a:p>
+            <a:r>
+              <a:rPr lang="en-US" sz="1400" u="sng"/>
+              <a:t>Element Key</a:t>
+            </a:r>
+          </a:p>
+        </p:txBody>
+      </p:sp>
+      <p:sp>
+        <p:nvSpPr>
+          <p:cNvPr id="43" name="Rounded Rectangle 63">
+            <a:extLst>
+              <a:ext uri="{FF2B5EF4-FFF2-40B4-BE49-F238E27FC236}">
+                <a16:creationId xmlns:a16="http://schemas.microsoft.com/office/drawing/2014/main" id="{7190EADF-74F3-41C0-8A6E-14325018477E}"/>
+              </a:ext>
+            </a:extLst>
+          </p:cNvPr>
+          <p:cNvSpPr/>
+          <p:nvPr/>
+        </p:nvSpPr>
+        <p:spPr>
+          <a:xfrm>
+            <a:off x="2619332" y="1016663"/>
             <a:ext cx="1248936" cy="657922"/>
           </a:xfrm>
           <a:prstGeom prst="roundRect">
@@ -14976,31 +17047,90 @@
                   <a:schemeClr val="tx1"/>
                 </a:solidFill>
               </a:rPr>
-              <a:t>DCAT-AP IT</a:t>
+              <a:t>DCAT</a:t>
+            </a:r>
+          </a:p>
+        </p:txBody>
+      </p:sp>
+      <p:sp>
+        <p:nvSpPr>
+          <p:cNvPr id="45" name="Rounded Rectangle 91">
+            <a:extLst>
+              <a:ext uri="{FF2B5EF4-FFF2-40B4-BE49-F238E27FC236}">
+                <a16:creationId xmlns:a16="http://schemas.microsoft.com/office/drawing/2014/main" id="{A781EBF3-1D4C-4BF2-8AF4-8D6E7BC6AEAC}"/>
+              </a:ext>
+            </a:extLst>
+          </p:cNvPr>
+          <p:cNvSpPr/>
+          <p:nvPr/>
+        </p:nvSpPr>
+        <p:spPr>
+          <a:xfrm>
+            <a:off x="2619332" y="56979"/>
+            <a:ext cx="1248936" cy="657922"/>
+          </a:xfrm>
+          <a:prstGeom prst="roundRect">
+            <a:avLst/>
+          </a:prstGeom>
+          <a:noFill/>
+          <a:ln>
+            <a:solidFill>
+              <a:schemeClr val="tx1"/>
+            </a:solidFill>
+          </a:ln>
+        </p:spPr>
+        <p:style>
+          <a:lnRef idx="2">
+            <a:schemeClr val="accent1">
+              <a:shade val="50000"/>
+            </a:schemeClr>
+          </a:lnRef>
+          <a:fillRef idx="1">
+            <a:schemeClr val="accent1"/>
+          </a:fillRef>
+          <a:effectRef idx="0">
+            <a:schemeClr val="accent1"/>
+          </a:effectRef>
+          <a:fontRef idx="minor">
+            <a:schemeClr val="lt1"/>
+          </a:fontRef>
+        </p:style>
+        <p:txBody>
+          <a:bodyPr rtlCol="0" anchor="ctr"/>
+          <a:lstStyle/>
+          <a:p>
+            <a:pPr algn="ctr"/>
+            <a:r>
+              <a:rPr lang="en-US" sz="1400">
+                <a:solidFill>
+                  <a:schemeClr val="tx1"/>
+                </a:solidFill>
+              </a:rPr>
+              <a:t>Base Specification</a:t>
             </a:r>
           </a:p>
         </p:txBody>
       </p:sp>
       <p:cxnSp>
         <p:nvCxnSpPr>
-          <p:cNvPr id="10" name="Straight Arrow Connector 9">
-            <a:extLst>
-              <a:ext uri="{FF2B5EF4-FFF2-40B4-BE49-F238E27FC236}">
-                <a16:creationId xmlns:a16="http://schemas.microsoft.com/office/drawing/2014/main" id="{9FA8862B-B992-144F-B955-49FCA7BBB44B}"/>
+          <p:cNvPr id="46" name="Straight Arrow Connector 45">
+            <a:extLst>
+              <a:ext uri="{FF2B5EF4-FFF2-40B4-BE49-F238E27FC236}">
+                <a16:creationId xmlns:a16="http://schemas.microsoft.com/office/drawing/2014/main" id="{0DE14B0A-F3EB-4CA3-A731-D336E96F01E4}"/>
               </a:ext>
             </a:extLst>
           </p:cNvPr>
           <p:cNvCxnSpPr>
             <a:cxnSpLocks/>
-            <a:stCxn id="9" idx="0"/>
-            <a:endCxn id="3" idx="2"/>
+            <a:stCxn id="43" idx="0"/>
+            <a:endCxn id="45" idx="2"/>
           </p:cNvCxnSpPr>
           <p:nvPr/>
         </p:nvCxnSpPr>
         <p:spPr>
-          <a:xfrm flipH="1" flipV="1">
-            <a:off x="4021644" y="3474487"/>
-            <a:ext cx="918321" cy="301762"/>
+          <a:xfrm flipV="1">
+            <a:off x="3243800" y="714901"/>
+            <a:ext cx="0" cy="301762"/>
           </a:xfrm>
           <a:prstGeom prst="straightConnector1">
             <a:avLst/>
@@ -15009,6 +17139,7 @@
             <a:solidFill>
               <a:schemeClr val="tx1"/>
             </a:solidFill>
+            <a:prstDash val="sysDot"/>
             <a:headEnd type="none" w="med" len="med"/>
             <a:tailEnd type="arrow" w="med" len="med"/>
           </a:ln>
@@ -15030,10 +17161,10 @@
       </p:cxnSp>
       <p:sp>
         <p:nvSpPr>
-          <p:cNvPr id="73" name="Rounded Rectangle 72">
-            <a:extLst>
-              <a:ext uri="{FF2B5EF4-FFF2-40B4-BE49-F238E27FC236}">
-                <a16:creationId xmlns:a16="http://schemas.microsoft.com/office/drawing/2014/main" id="{8581DD28-7FB6-6748-8F81-E02AC2E2A43C}"/>
+          <p:cNvPr id="48" name="Rounded Rectangle 69">
+            <a:extLst>
+              <a:ext uri="{FF2B5EF4-FFF2-40B4-BE49-F238E27FC236}">
+                <a16:creationId xmlns:a16="http://schemas.microsoft.com/office/drawing/2014/main" id="{92A12F25-5276-4B44-B2CE-94FCDB96A804}"/>
               </a:ext>
             </a:extLst>
           </p:cNvPr>
@@ -15042,7 +17173,7 @@
         </p:nvSpPr>
         <p:spPr>
           <a:xfrm>
-            <a:off x="126892" y="2069909"/>
+            <a:off x="2619332" y="1978919"/>
             <a:ext cx="1248936" cy="657922"/>
           </a:xfrm>
           <a:prstGeom prst="roundRect">
@@ -15086,199 +17217,22 @@
           <a:p>
             <a:pPr algn="ctr"/>
             <a:r>
-              <a:rPr lang="en-US" sz="1400">
+              <a:rPr lang="en-US" sz="1400" dirty="0">
                 <a:solidFill>
                   <a:schemeClr val="tx1"/>
                 </a:solidFill>
               </a:rPr>
-              <a:t>owl:Named</a:t>
-            </a:r>
-            <a:br>
-              <a:rPr lang="en-US" sz="1400">
-                <a:solidFill>
-                  <a:schemeClr val="tx1"/>
-                </a:solidFill>
-              </a:rPr>
-            </a:br>
-            <a:r>
-              <a:rPr lang="en-US" sz="1400">
-                <a:solidFill>
-                  <a:schemeClr val="tx1"/>
-                </a:solidFill>
-              </a:rPr>
-              <a:t>Individual</a:t>
-            </a:r>
-          </a:p>
-        </p:txBody>
-      </p:sp>
-      <p:cxnSp>
-        <p:nvCxnSpPr>
-          <p:cNvPr id="74" name="Straight Arrow Connector 73">
-            <a:extLst>
-              <a:ext uri="{FF2B5EF4-FFF2-40B4-BE49-F238E27FC236}">
-                <a16:creationId xmlns:a16="http://schemas.microsoft.com/office/drawing/2014/main" id="{EB93542B-98C4-6341-B733-4BEF15D0F40B}"/>
-              </a:ext>
-            </a:extLst>
-          </p:cNvPr>
-          <p:cNvCxnSpPr>
-            <a:cxnSpLocks/>
-          </p:cNvCxnSpPr>
-          <p:nvPr/>
-        </p:nvCxnSpPr>
-        <p:spPr>
-          <a:xfrm flipV="1">
-            <a:off x="288101" y="3567496"/>
-            <a:ext cx="0" cy="423748"/>
-          </a:xfrm>
-          <a:prstGeom prst="straightConnector1">
-            <a:avLst/>
-          </a:prstGeom>
-          <a:ln>
-            <a:solidFill>
-              <a:schemeClr val="tx1"/>
-            </a:solidFill>
-            <a:prstDash val="sysDot"/>
-            <a:headEnd type="none" w="med" len="med"/>
-            <a:tailEnd type="arrow" w="med" len="med"/>
-          </a:ln>
-        </p:spPr>
-        <p:style>
-          <a:lnRef idx="1">
-            <a:schemeClr val="accent1"/>
-          </a:lnRef>
-          <a:fillRef idx="0">
-            <a:schemeClr val="accent1"/>
-          </a:fillRef>
-          <a:effectRef idx="0">
-            <a:schemeClr val="accent1"/>
-          </a:effectRef>
-          <a:fontRef idx="minor">
-            <a:schemeClr val="tx1"/>
-          </a:fontRef>
-        </p:style>
-      </p:cxnSp>
-      <p:sp>
-        <p:nvSpPr>
-          <p:cNvPr id="75" name="TextBox 74">
-            <a:extLst>
-              <a:ext uri="{FF2B5EF4-FFF2-40B4-BE49-F238E27FC236}">
-                <a16:creationId xmlns:a16="http://schemas.microsoft.com/office/drawing/2014/main" id="{CDEDE00B-2B5C-7A40-8C0F-60D6F142DE74}"/>
-              </a:ext>
-            </a:extLst>
-          </p:cNvPr>
-          <p:cNvSpPr txBox="1"/>
-          <p:nvPr/>
-        </p:nvSpPr>
-        <p:spPr>
-          <a:xfrm>
-            <a:off x="324266" y="3640870"/>
-            <a:ext cx="681084" cy="276999"/>
-          </a:xfrm>
-          <a:prstGeom prst="rect">
-            <a:avLst/>
-          </a:prstGeom>
-          <a:noFill/>
-        </p:spPr>
-        <p:txBody>
-          <a:bodyPr wrap="none" rtlCol="0">
-            <a:spAutoFit/>
-          </a:bodyPr>
-          <a:lstStyle/>
-          <a:p>
-            <a:r>
-              <a:rPr lang="en-US" sz="1200"/>
-              <a:t>rdf:type</a:t>
-            </a:r>
-          </a:p>
-        </p:txBody>
-      </p:sp>
-      <p:cxnSp>
-        <p:nvCxnSpPr>
-          <p:cNvPr id="76" name="Straight Arrow Connector 75">
-            <a:extLst>
-              <a:ext uri="{FF2B5EF4-FFF2-40B4-BE49-F238E27FC236}">
-                <a16:creationId xmlns:a16="http://schemas.microsoft.com/office/drawing/2014/main" id="{7E1F10E1-34E6-C547-A8A3-086489D672CE}"/>
-              </a:ext>
-            </a:extLst>
-          </p:cNvPr>
-          <p:cNvCxnSpPr>
-            <a:cxnSpLocks/>
-          </p:cNvCxnSpPr>
-          <p:nvPr/>
-        </p:nvCxnSpPr>
-        <p:spPr>
-          <a:xfrm flipV="1">
-            <a:off x="285611" y="4268150"/>
-            <a:ext cx="0" cy="423747"/>
-          </a:xfrm>
-          <a:prstGeom prst="straightConnector1">
-            <a:avLst/>
-          </a:prstGeom>
-          <a:ln>
-            <a:solidFill>
-              <a:schemeClr val="tx1"/>
-            </a:solidFill>
-            <a:prstDash val="dash"/>
-            <a:headEnd type="none" w="med" len="med"/>
-            <a:tailEnd type="arrow" w="med" len="med"/>
-          </a:ln>
-        </p:spPr>
-        <p:style>
-          <a:lnRef idx="1">
-            <a:schemeClr val="accent1"/>
-          </a:lnRef>
-          <a:fillRef idx="0">
-            <a:schemeClr val="accent1"/>
-          </a:fillRef>
-          <a:effectRef idx="0">
-            <a:schemeClr val="accent1"/>
-          </a:effectRef>
-          <a:fontRef idx="minor">
-            <a:schemeClr val="tx1"/>
-          </a:fontRef>
-        </p:style>
-      </p:cxnSp>
-      <p:sp>
-        <p:nvSpPr>
-          <p:cNvPr id="77" name="TextBox 76">
-            <a:extLst>
-              <a:ext uri="{FF2B5EF4-FFF2-40B4-BE49-F238E27FC236}">
-                <a16:creationId xmlns:a16="http://schemas.microsoft.com/office/drawing/2014/main" id="{F4413CBD-81A7-024C-8B94-82D81713CF86}"/>
-              </a:ext>
-            </a:extLst>
-          </p:cNvPr>
-          <p:cNvSpPr txBox="1"/>
-          <p:nvPr/>
-        </p:nvSpPr>
-        <p:spPr>
-          <a:xfrm>
-            <a:off x="327894" y="4341523"/>
-            <a:ext cx="1145506" cy="276999"/>
-          </a:xfrm>
-          <a:prstGeom prst="rect">
-            <a:avLst/>
-          </a:prstGeom>
-          <a:noFill/>
-        </p:spPr>
-        <p:txBody>
-          <a:bodyPr wrap="none" rtlCol="0">
-            <a:spAutoFit/>
-          </a:bodyPr>
-          <a:lstStyle/>
-          <a:p>
-            <a:r>
-              <a:rPr lang="en-US" sz="1200"/>
-              <a:t>rdfs:subClassOf</a:t>
-            </a:r>
-          </a:p>
-        </p:txBody>
-      </p:sp>
-      <p:sp>
-        <p:nvSpPr>
-          <p:cNvPr id="78" name="Rounded Rectangle 77">
-            <a:extLst>
-              <a:ext uri="{FF2B5EF4-FFF2-40B4-BE49-F238E27FC236}">
-                <a16:creationId xmlns:a16="http://schemas.microsoft.com/office/drawing/2014/main" id="{E07B7042-3B83-DA40-976B-CD640B3C88BC}"/>
+              <a:t>DCAT-AP</a:t>
+            </a:r>
+          </a:p>
+        </p:txBody>
+      </p:sp>
+      <p:sp>
+        <p:nvSpPr>
+          <p:cNvPr id="54" name="Rounded Rectangle 66">
+            <a:extLst>
+              <a:ext uri="{FF2B5EF4-FFF2-40B4-BE49-F238E27FC236}">
+                <a16:creationId xmlns:a16="http://schemas.microsoft.com/office/drawing/2014/main" id="{E8BFA164-BE03-4D2D-B0C2-0506520B596A}"/>
               </a:ext>
             </a:extLst>
           </p:cNvPr>
@@ -15287,182 +17241,7 @@
         </p:nvSpPr>
         <p:spPr>
           <a:xfrm>
-            <a:off x="126892" y="1226186"/>
-            <a:ext cx="1248936" cy="657922"/>
-          </a:xfrm>
-          <a:prstGeom prst="roundRect">
-            <a:avLst/>
-          </a:prstGeom>
-          <a:noFill/>
-          <a:ln>
-            <a:solidFill>
-              <a:schemeClr val="tx1"/>
-            </a:solidFill>
-          </a:ln>
-        </p:spPr>
-        <p:style>
-          <a:lnRef idx="2">
-            <a:schemeClr val="accent1">
-              <a:shade val="50000"/>
-            </a:schemeClr>
-          </a:lnRef>
-          <a:fillRef idx="1">
-            <a:schemeClr val="accent1"/>
-          </a:fillRef>
-          <a:effectRef idx="0">
-            <a:schemeClr val="accent1"/>
-          </a:effectRef>
-          <a:fontRef idx="minor">
-            <a:schemeClr val="lt1"/>
-          </a:fontRef>
-        </p:style>
-        <p:txBody>
-          <a:bodyPr rtlCol="0" anchor="ctr"/>
-          <a:lstStyle/>
-          <a:p>
-            <a:pPr algn="ctr"/>
-            <a:r>
-              <a:rPr lang="en-US" sz="1400">
-                <a:solidFill>
-                  <a:schemeClr val="tx1"/>
-                </a:solidFill>
-              </a:rPr>
-              <a:t>owl:Class</a:t>
-            </a:r>
-          </a:p>
-        </p:txBody>
-      </p:sp>
-      <p:cxnSp>
-        <p:nvCxnSpPr>
-          <p:cNvPr id="79" name="Straight Arrow Connector 78">
-            <a:extLst>
-              <a:ext uri="{FF2B5EF4-FFF2-40B4-BE49-F238E27FC236}">
-                <a16:creationId xmlns:a16="http://schemas.microsoft.com/office/drawing/2014/main" id="{125C0AB3-6800-CB43-9EDA-E15BD7FFA437}"/>
-              </a:ext>
-            </a:extLst>
-          </p:cNvPr>
-          <p:cNvCxnSpPr>
-            <a:cxnSpLocks/>
-          </p:cNvCxnSpPr>
-          <p:nvPr/>
-        </p:nvCxnSpPr>
-        <p:spPr>
-          <a:xfrm flipV="1">
-            <a:off x="288101" y="2901673"/>
-            <a:ext cx="0" cy="423748"/>
-          </a:xfrm>
-          <a:prstGeom prst="straightConnector1">
-            <a:avLst/>
-          </a:prstGeom>
-          <a:ln>
-            <a:solidFill>
-              <a:schemeClr val="tx1"/>
-            </a:solidFill>
-            <a:prstDash val="solid"/>
-            <a:headEnd type="none" w="med" len="med"/>
-            <a:tailEnd type="arrow" w="med" len="med"/>
-          </a:ln>
-        </p:spPr>
-        <p:style>
-          <a:lnRef idx="1">
-            <a:schemeClr val="accent1"/>
-          </a:lnRef>
-          <a:fillRef idx="0">
-            <a:schemeClr val="accent1"/>
-          </a:fillRef>
-          <a:effectRef idx="0">
-            <a:schemeClr val="accent1"/>
-          </a:effectRef>
-          <a:fontRef idx="minor">
-            <a:schemeClr val="tx1"/>
-          </a:fontRef>
-        </p:style>
-      </p:cxnSp>
-      <p:sp>
-        <p:nvSpPr>
-          <p:cNvPr id="80" name="TextBox 79">
-            <a:extLst>
-              <a:ext uri="{FF2B5EF4-FFF2-40B4-BE49-F238E27FC236}">
-                <a16:creationId xmlns:a16="http://schemas.microsoft.com/office/drawing/2014/main" id="{BE14ECCD-03F5-AA49-AB95-1FDC544C4BBC}"/>
-              </a:ext>
-            </a:extLst>
-          </p:cNvPr>
-          <p:cNvSpPr txBox="1"/>
-          <p:nvPr/>
-        </p:nvSpPr>
-        <p:spPr>
-          <a:xfrm>
-            <a:off x="324266" y="2975047"/>
-            <a:ext cx="727187" cy="276999"/>
-          </a:xfrm>
-          <a:prstGeom prst="rect">
-            <a:avLst/>
-          </a:prstGeom>
-          <a:noFill/>
-        </p:spPr>
-        <p:txBody>
-          <a:bodyPr wrap="none" rtlCol="0">
-            <a:spAutoFit/>
-          </a:bodyPr>
-          <a:lstStyle/>
-          <a:p>
-            <a:r>
-              <a:rPr lang="en-US" sz="1200"/>
-              <a:t>property</a:t>
-            </a:r>
-          </a:p>
-        </p:txBody>
-      </p:sp>
-      <p:sp>
-        <p:nvSpPr>
-          <p:cNvPr id="143" name="TextBox 142">
-            <a:extLst>
-              <a:ext uri="{FF2B5EF4-FFF2-40B4-BE49-F238E27FC236}">
-                <a16:creationId xmlns:a16="http://schemas.microsoft.com/office/drawing/2014/main" id="{D0F429B1-D6FA-404E-947C-F41500F16EBC}"/>
-              </a:ext>
-            </a:extLst>
-          </p:cNvPr>
-          <p:cNvSpPr txBox="1"/>
-          <p:nvPr/>
-        </p:nvSpPr>
-        <p:spPr>
-          <a:xfrm>
-            <a:off x="206018" y="732608"/>
-            <a:ext cx="1090683" cy="307777"/>
-          </a:xfrm>
-          <a:prstGeom prst="rect">
-            <a:avLst/>
-          </a:prstGeom>
-          <a:noFill/>
-        </p:spPr>
-        <p:txBody>
-          <a:bodyPr wrap="none" rtlCol="0">
-            <a:spAutoFit/>
-          </a:bodyPr>
-          <a:lstStyle/>
-          <a:p>
-            <a:r>
-              <a:rPr lang="en-US" sz="1400" u="sng"/>
-              <a:t>Element Key</a:t>
-            </a:r>
-          </a:p>
-        </p:txBody>
-      </p:sp>
-      <p:sp>
-        <p:nvSpPr>
-          <p:cNvPr id="64" name="Rounded Rectangle 63">
-            <a:extLst>
-              <a:ext uri="{FF2B5EF4-FFF2-40B4-BE49-F238E27FC236}">
-                <a16:creationId xmlns:a16="http://schemas.microsoft.com/office/drawing/2014/main" id="{A3C7D500-90BD-0A46-9FA4-42282769366D}"/>
-              </a:ext>
-            </a:extLst>
-          </p:cNvPr>
-          <p:cNvSpPr/>
-          <p:nvPr/>
-        </p:nvSpPr>
-        <p:spPr>
-          <a:xfrm>
-            <a:off x="2623153" y="1856909"/>
+            <a:off x="1116853" y="2950890"/>
             <a:ext cx="1248936" cy="657922"/>
           </a:xfrm>
           <a:prstGeom prst="roundRect">
@@ -15511,17 +17290,158 @@
                   <a:schemeClr val="tx1"/>
                 </a:solidFill>
               </a:rPr>
-              <a:t>DCAT</a:t>
-            </a:r>
-          </a:p>
-        </p:txBody>
-      </p:sp>
-      <p:sp>
-        <p:nvSpPr>
-          <p:cNvPr id="67" name="Rounded Rectangle 66">
-            <a:extLst>
-              <a:ext uri="{FF2B5EF4-FFF2-40B4-BE49-F238E27FC236}">
-                <a16:creationId xmlns:a16="http://schemas.microsoft.com/office/drawing/2014/main" id="{C4B86F0B-5615-F24C-8630-EDFC0D498AC4}"/>
+              <a:t>GeoDCAT-AP</a:t>
+            </a:r>
+          </a:p>
+        </p:txBody>
+      </p:sp>
+      <p:cxnSp>
+        <p:nvCxnSpPr>
+          <p:cNvPr id="56" name="Straight Arrow Connector 55">
+            <a:extLst>
+              <a:ext uri="{FF2B5EF4-FFF2-40B4-BE49-F238E27FC236}">
+                <a16:creationId xmlns:a16="http://schemas.microsoft.com/office/drawing/2014/main" id="{6B88CCAB-803E-40FB-AD54-7B97B8C1AD50}"/>
+              </a:ext>
+            </a:extLst>
+          </p:cNvPr>
+          <p:cNvCxnSpPr>
+            <a:cxnSpLocks/>
+            <a:stCxn id="48" idx="0"/>
+            <a:endCxn id="43" idx="2"/>
+          </p:cNvCxnSpPr>
+          <p:nvPr/>
+        </p:nvCxnSpPr>
+        <p:spPr>
+          <a:xfrm flipV="1">
+            <a:off x="3243800" y="1674585"/>
+            <a:ext cx="0" cy="304334"/>
+          </a:xfrm>
+          <a:prstGeom prst="straightConnector1">
+            <a:avLst/>
+          </a:prstGeom>
+          <a:ln>
+            <a:solidFill>
+              <a:schemeClr val="tx1"/>
+            </a:solidFill>
+            <a:headEnd type="none" w="med" len="med"/>
+            <a:tailEnd type="arrow" w="med" len="med"/>
+          </a:ln>
+        </p:spPr>
+        <p:style>
+          <a:lnRef idx="1">
+            <a:schemeClr val="accent1"/>
+          </a:lnRef>
+          <a:fillRef idx="0">
+            <a:schemeClr val="accent1"/>
+          </a:fillRef>
+          <a:effectRef idx="0">
+            <a:schemeClr val="accent1"/>
+          </a:effectRef>
+          <a:fontRef idx="minor">
+            <a:schemeClr val="tx1"/>
+          </a:fontRef>
+        </p:style>
+      </p:cxnSp>
+      <p:cxnSp>
+        <p:nvCxnSpPr>
+          <p:cNvPr id="58" name="Straight Arrow Connector 57">
+            <a:extLst>
+              <a:ext uri="{FF2B5EF4-FFF2-40B4-BE49-F238E27FC236}">
+                <a16:creationId xmlns:a16="http://schemas.microsoft.com/office/drawing/2014/main" id="{BAD20C52-243B-4A77-94BE-E9162A4F5181}"/>
+              </a:ext>
+            </a:extLst>
+          </p:cNvPr>
+          <p:cNvCxnSpPr>
+            <a:cxnSpLocks/>
+            <a:stCxn id="82" idx="0"/>
+            <a:endCxn id="48" idx="2"/>
+          </p:cNvCxnSpPr>
+          <p:nvPr/>
+        </p:nvCxnSpPr>
+        <p:spPr>
+          <a:xfrm flipV="1">
+            <a:off x="3243800" y="2636841"/>
+            <a:ext cx="0" cy="1276305"/>
+          </a:xfrm>
+          <a:prstGeom prst="straightConnector1">
+            <a:avLst/>
+          </a:prstGeom>
+          <a:ln>
+            <a:solidFill>
+              <a:schemeClr val="tx1"/>
+            </a:solidFill>
+            <a:headEnd type="none" w="med" len="med"/>
+            <a:tailEnd type="arrow" w="med" len="med"/>
+          </a:ln>
+        </p:spPr>
+        <p:style>
+          <a:lnRef idx="1">
+            <a:schemeClr val="accent1"/>
+          </a:lnRef>
+          <a:fillRef idx="0">
+            <a:schemeClr val="accent1"/>
+          </a:fillRef>
+          <a:effectRef idx="0">
+            <a:schemeClr val="accent1"/>
+          </a:effectRef>
+          <a:fontRef idx="minor">
+            <a:schemeClr val="tx1"/>
+          </a:fontRef>
+        </p:style>
+      </p:cxnSp>
+      <p:cxnSp>
+        <p:nvCxnSpPr>
+          <p:cNvPr id="59" name="Straight Arrow Connector 58">
+            <a:extLst>
+              <a:ext uri="{FF2B5EF4-FFF2-40B4-BE49-F238E27FC236}">
+                <a16:creationId xmlns:a16="http://schemas.microsoft.com/office/drawing/2014/main" id="{7BF66C4B-C219-4E2E-BE1C-CF2776773FCE}"/>
+              </a:ext>
+            </a:extLst>
+          </p:cNvPr>
+          <p:cNvCxnSpPr>
+            <a:cxnSpLocks/>
+            <a:stCxn id="54" idx="0"/>
+            <a:endCxn id="48" idx="2"/>
+          </p:cNvCxnSpPr>
+          <p:nvPr/>
+        </p:nvCxnSpPr>
+        <p:spPr>
+          <a:xfrm flipV="1">
+            <a:off x="1741321" y="2636841"/>
+            <a:ext cx="1502479" cy="314049"/>
+          </a:xfrm>
+          <a:prstGeom prst="straightConnector1">
+            <a:avLst/>
+          </a:prstGeom>
+          <a:ln>
+            <a:solidFill>
+              <a:schemeClr val="tx1"/>
+            </a:solidFill>
+            <a:headEnd type="none" w="med" len="med"/>
+            <a:tailEnd type="arrow" w="med" len="med"/>
+          </a:ln>
+        </p:spPr>
+        <p:style>
+          <a:lnRef idx="1">
+            <a:schemeClr val="accent1"/>
+          </a:lnRef>
+          <a:fillRef idx="0">
+            <a:schemeClr val="accent1"/>
+          </a:fillRef>
+          <a:effectRef idx="0">
+            <a:schemeClr val="accent1"/>
+          </a:effectRef>
+          <a:fontRef idx="minor">
+            <a:schemeClr val="tx1"/>
+          </a:fontRef>
+        </p:style>
+      </p:cxnSp>
+      <p:sp>
+        <p:nvSpPr>
+          <p:cNvPr id="65" name="Rounded Rectangle 66">
+            <a:extLst>
+              <a:ext uri="{FF2B5EF4-FFF2-40B4-BE49-F238E27FC236}">
+                <a16:creationId xmlns:a16="http://schemas.microsoft.com/office/drawing/2014/main" id="{043CCEC7-20EB-4E86-AB63-0EBFD142B116}"/>
               </a:ext>
             </a:extLst>
           </p:cNvPr>
@@ -15530,7 +17450,7 @@
         </p:nvSpPr>
         <p:spPr>
           <a:xfrm>
-            <a:off x="2623153" y="3776249"/>
+            <a:off x="1116853" y="3913146"/>
             <a:ext cx="1248936" cy="657922"/>
           </a:xfrm>
           <a:prstGeom prst="roundRect">
@@ -15574,22 +17494,221 @@
           <a:p>
             <a:pPr algn="ctr"/>
             <a:r>
-              <a:rPr lang="en-US" sz="1400">
+              <a:rPr lang="en-US" sz="1400" dirty="0">
                 <a:solidFill>
                   <a:schemeClr val="tx1"/>
                 </a:solidFill>
               </a:rPr>
-              <a:t>GeoDCAT-AP</a:t>
-            </a:r>
-          </a:p>
-        </p:txBody>
-      </p:sp>
-      <p:sp>
-        <p:nvSpPr>
-          <p:cNvPr id="70" name="Rounded Rectangle 69">
-            <a:extLst>
-              <a:ext uri="{FF2B5EF4-FFF2-40B4-BE49-F238E27FC236}">
-                <a16:creationId xmlns:a16="http://schemas.microsoft.com/office/drawing/2014/main" id="{3752F305-FBBA-844E-980E-D3BAE0145F1D}"/>
+              <a:t>DCAT-AP-IT</a:t>
+            </a:r>
+          </a:p>
+        </p:txBody>
+      </p:sp>
+      <p:cxnSp>
+        <p:nvCxnSpPr>
+          <p:cNvPr id="66" name="Straight Arrow Connector 65">
+            <a:extLst>
+              <a:ext uri="{FF2B5EF4-FFF2-40B4-BE49-F238E27FC236}">
+                <a16:creationId xmlns:a16="http://schemas.microsoft.com/office/drawing/2014/main" id="{49C2BED4-4ED6-445A-A4C1-2CD4D22F76A0}"/>
+              </a:ext>
+            </a:extLst>
+          </p:cNvPr>
+          <p:cNvCxnSpPr>
+            <a:cxnSpLocks/>
+            <a:stCxn id="65" idx="0"/>
+            <a:endCxn id="54" idx="2"/>
+          </p:cNvCxnSpPr>
+          <p:nvPr/>
+        </p:nvCxnSpPr>
+        <p:spPr>
+          <a:xfrm flipV="1">
+            <a:off x="1741321" y="3608812"/>
+            <a:ext cx="0" cy="304334"/>
+          </a:xfrm>
+          <a:prstGeom prst="straightConnector1">
+            <a:avLst/>
+          </a:prstGeom>
+          <a:ln>
+            <a:solidFill>
+              <a:schemeClr val="tx1"/>
+            </a:solidFill>
+            <a:headEnd type="none" w="med" len="med"/>
+            <a:tailEnd type="arrow" w="med" len="med"/>
+          </a:ln>
+        </p:spPr>
+        <p:style>
+          <a:lnRef idx="1">
+            <a:schemeClr val="accent1"/>
+          </a:lnRef>
+          <a:fillRef idx="0">
+            <a:schemeClr val="accent1"/>
+          </a:fillRef>
+          <a:effectRef idx="0">
+            <a:schemeClr val="accent1"/>
+          </a:effectRef>
+          <a:fontRef idx="minor">
+            <a:schemeClr val="tx1"/>
+          </a:fontRef>
+        </p:style>
+      </p:cxnSp>
+      <p:sp>
+        <p:nvSpPr>
+          <p:cNvPr id="71" name="TextBox 70">
+            <a:extLst>
+              <a:ext uri="{FF2B5EF4-FFF2-40B4-BE49-F238E27FC236}">
+                <a16:creationId xmlns:a16="http://schemas.microsoft.com/office/drawing/2014/main" id="{C3460994-832B-492A-BF6C-3C201FEEFFE3}"/>
+              </a:ext>
+            </a:extLst>
+          </p:cNvPr>
+          <p:cNvSpPr txBox="1"/>
+          <p:nvPr/>
+        </p:nvSpPr>
+        <p:spPr>
+          <a:xfrm>
+            <a:off x="2966127" y="1784538"/>
+            <a:ext cx="555345" cy="184666"/>
+          </a:xfrm>
+          <a:prstGeom prst="rect">
+            <a:avLst/>
+          </a:prstGeom>
+          <a:solidFill>
+            <a:schemeClr val="bg1"/>
+          </a:solidFill>
+        </p:spPr>
+        <p:txBody>
+          <a:bodyPr wrap="none" lIns="0" tIns="0" rIns="0" bIns="0" rtlCol="0">
+            <a:spAutoFit/>
+          </a:bodyPr>
+          <a:lstStyle/>
+          <a:p>
+            <a:r>
+              <a:rPr lang="en-US" sz="1200" dirty="0" err="1"/>
+              <a:t>profileOf</a:t>
+            </a:r>
+            <a:endParaRPr lang="en-US" sz="1200" dirty="0"/>
+          </a:p>
+        </p:txBody>
+      </p:sp>
+      <p:sp>
+        <p:nvSpPr>
+          <p:cNvPr id="72" name="TextBox 71">
+            <a:extLst>
+              <a:ext uri="{FF2B5EF4-FFF2-40B4-BE49-F238E27FC236}">
+                <a16:creationId xmlns:a16="http://schemas.microsoft.com/office/drawing/2014/main" id="{EC754614-A24C-450D-94D2-D90813B9ABEE}"/>
+              </a:ext>
+            </a:extLst>
+          </p:cNvPr>
+          <p:cNvSpPr txBox="1"/>
+          <p:nvPr/>
+        </p:nvSpPr>
+        <p:spPr>
+          <a:xfrm>
+            <a:off x="2071706" y="2698187"/>
+            <a:ext cx="555345" cy="184666"/>
+          </a:xfrm>
+          <a:prstGeom prst="rect">
+            <a:avLst/>
+          </a:prstGeom>
+          <a:solidFill>
+            <a:schemeClr val="bg1"/>
+          </a:solidFill>
+        </p:spPr>
+        <p:txBody>
+          <a:bodyPr wrap="none" lIns="0" tIns="0" rIns="0" bIns="0" rtlCol="0">
+            <a:spAutoFit/>
+          </a:bodyPr>
+          <a:lstStyle/>
+          <a:p>
+            <a:r>
+              <a:rPr lang="en-US" sz="1200" dirty="0" err="1"/>
+              <a:t>profileOf</a:t>
+            </a:r>
+            <a:endParaRPr lang="en-US" sz="1200" dirty="0"/>
+          </a:p>
+        </p:txBody>
+      </p:sp>
+      <p:sp>
+        <p:nvSpPr>
+          <p:cNvPr id="87" name="TextBox 86">
+            <a:extLst>
+              <a:ext uri="{FF2B5EF4-FFF2-40B4-BE49-F238E27FC236}">
+                <a16:creationId xmlns:a16="http://schemas.microsoft.com/office/drawing/2014/main" id="{2893B644-4BEB-6748-87BE-3EEBCA89AA7C}"/>
+              </a:ext>
+            </a:extLst>
+          </p:cNvPr>
+          <p:cNvSpPr txBox="1"/>
+          <p:nvPr/>
+        </p:nvSpPr>
+        <p:spPr>
+          <a:xfrm>
+            <a:off x="2966127" y="3175994"/>
+            <a:ext cx="555345" cy="184666"/>
+          </a:xfrm>
+          <a:prstGeom prst="rect">
+            <a:avLst/>
+          </a:prstGeom>
+          <a:solidFill>
+            <a:schemeClr val="bg1"/>
+          </a:solidFill>
+        </p:spPr>
+        <p:txBody>
+          <a:bodyPr wrap="none" lIns="0" tIns="0" rIns="0" bIns="0" rtlCol="0">
+            <a:spAutoFit/>
+          </a:bodyPr>
+          <a:lstStyle/>
+          <a:p>
+            <a:r>
+              <a:rPr lang="en-US" sz="1200" dirty="0" err="1"/>
+              <a:t>profileOf</a:t>
+            </a:r>
+            <a:endParaRPr lang="en-US" sz="1200" dirty="0"/>
+          </a:p>
+        </p:txBody>
+      </p:sp>
+      <p:sp>
+        <p:nvSpPr>
+          <p:cNvPr id="69" name="TextBox 68">
+            <a:extLst>
+              <a:ext uri="{FF2B5EF4-FFF2-40B4-BE49-F238E27FC236}">
+                <a16:creationId xmlns:a16="http://schemas.microsoft.com/office/drawing/2014/main" id="{66C1AAF9-5E5E-49B4-9185-D8F01FB6E484}"/>
+              </a:ext>
+            </a:extLst>
+          </p:cNvPr>
+          <p:cNvSpPr txBox="1"/>
+          <p:nvPr/>
+        </p:nvSpPr>
+        <p:spPr>
+          <a:xfrm>
+            <a:off x="1473173" y="3704303"/>
+            <a:ext cx="555345" cy="184666"/>
+          </a:xfrm>
+          <a:prstGeom prst="rect">
+            <a:avLst/>
+          </a:prstGeom>
+          <a:solidFill>
+            <a:schemeClr val="bg1"/>
+          </a:solidFill>
+        </p:spPr>
+        <p:txBody>
+          <a:bodyPr wrap="none" lIns="0" tIns="0" rIns="0" bIns="0" rtlCol="0">
+            <a:spAutoFit/>
+          </a:bodyPr>
+          <a:lstStyle/>
+          <a:p>
+            <a:r>
+              <a:rPr lang="en-US" sz="1200" dirty="0" err="1"/>
+              <a:t>profileOf</a:t>
+            </a:r>
+            <a:endParaRPr lang="en-US" sz="1200" dirty="0"/>
+          </a:p>
+        </p:txBody>
+      </p:sp>
+      <p:sp>
+        <p:nvSpPr>
+          <p:cNvPr id="82" name="Rounded Rectangle 69">
+            <a:extLst>
+              <a:ext uri="{FF2B5EF4-FFF2-40B4-BE49-F238E27FC236}">
+                <a16:creationId xmlns:a16="http://schemas.microsoft.com/office/drawing/2014/main" id="{326BD565-855E-4688-9CFC-F8E1AD5F2EB3}"/>
               </a:ext>
             </a:extLst>
           </p:cNvPr>
@@ -15598,7 +17717,7 @@
         </p:nvSpPr>
         <p:spPr>
           <a:xfrm>
-            <a:off x="1854646" y="2816565"/>
+            <a:off x="2619332" y="3913146"/>
             <a:ext cx="1248936" cy="657922"/>
           </a:xfrm>
           <a:prstGeom prst="roundRect">
@@ -15642,163 +17761,22 @@
           <a:p>
             <a:pPr algn="ctr"/>
             <a:r>
-              <a:rPr lang="en-US" sz="1400">
+              <a:rPr lang="en-US" sz="1400" dirty="0">
                 <a:solidFill>
                   <a:schemeClr val="tx1"/>
                 </a:solidFill>
               </a:rPr>
-              <a:t>GeoDCAT</a:t>
-            </a:r>
-          </a:p>
-        </p:txBody>
-      </p:sp>
-      <p:cxnSp>
-        <p:nvCxnSpPr>
-          <p:cNvPr id="84" name="Straight Arrow Connector 83">
-            <a:extLst>
-              <a:ext uri="{FF2B5EF4-FFF2-40B4-BE49-F238E27FC236}">
-                <a16:creationId xmlns:a16="http://schemas.microsoft.com/office/drawing/2014/main" id="{398A85AB-6D00-0441-8879-BB927031DC60}"/>
-              </a:ext>
-            </a:extLst>
-          </p:cNvPr>
-          <p:cNvCxnSpPr>
-            <a:cxnSpLocks/>
-            <a:stCxn id="70" idx="0"/>
-            <a:endCxn id="64" idx="2"/>
-          </p:cNvCxnSpPr>
-          <p:nvPr/>
-        </p:nvCxnSpPr>
-        <p:spPr>
-          <a:xfrm flipV="1">
-            <a:off x="2479114" y="2514831"/>
-            <a:ext cx="768507" cy="301734"/>
-          </a:xfrm>
-          <a:prstGeom prst="straightConnector1">
-            <a:avLst/>
-          </a:prstGeom>
-          <a:ln>
-            <a:solidFill>
-              <a:schemeClr val="tx1"/>
-            </a:solidFill>
-            <a:headEnd type="none" w="med" len="med"/>
-            <a:tailEnd type="arrow" w="med" len="med"/>
-          </a:ln>
-        </p:spPr>
-        <p:style>
-          <a:lnRef idx="1">
-            <a:schemeClr val="accent1"/>
-          </a:lnRef>
-          <a:fillRef idx="0">
-            <a:schemeClr val="accent1"/>
-          </a:fillRef>
-          <a:effectRef idx="0">
-            <a:schemeClr val="accent1"/>
-          </a:effectRef>
-          <a:fontRef idx="minor">
-            <a:schemeClr val="tx1"/>
-          </a:fontRef>
-        </p:style>
-      </p:cxnSp>
-      <p:cxnSp>
-        <p:nvCxnSpPr>
-          <p:cNvPr id="85" name="Straight Arrow Connector 84">
-            <a:extLst>
-              <a:ext uri="{FF2B5EF4-FFF2-40B4-BE49-F238E27FC236}">
-                <a16:creationId xmlns:a16="http://schemas.microsoft.com/office/drawing/2014/main" id="{47240331-3A9F-484D-AAF2-4601EFE6E655}"/>
-              </a:ext>
-            </a:extLst>
-          </p:cNvPr>
-          <p:cNvCxnSpPr>
-            <a:cxnSpLocks/>
-            <a:stCxn id="67" idx="0"/>
-            <a:endCxn id="3" idx="2"/>
-          </p:cNvCxnSpPr>
-          <p:nvPr/>
-        </p:nvCxnSpPr>
-        <p:spPr>
-          <a:xfrm flipV="1">
-            <a:off x="3247621" y="3474487"/>
-            <a:ext cx="774023" cy="301762"/>
-          </a:xfrm>
-          <a:prstGeom prst="straightConnector1">
-            <a:avLst/>
-          </a:prstGeom>
-          <a:ln>
-            <a:solidFill>
-              <a:schemeClr val="tx1"/>
-            </a:solidFill>
-            <a:headEnd type="none" w="med" len="med"/>
-            <a:tailEnd type="arrow" w="med" len="med"/>
-          </a:ln>
-        </p:spPr>
-        <p:style>
-          <a:lnRef idx="1">
-            <a:schemeClr val="accent1"/>
-          </a:lnRef>
-          <a:fillRef idx="0">
-            <a:schemeClr val="accent1"/>
-          </a:fillRef>
-          <a:effectRef idx="0">
-            <a:schemeClr val="accent1"/>
-          </a:effectRef>
-          <a:fontRef idx="minor">
-            <a:schemeClr val="tx1"/>
-          </a:fontRef>
-        </p:style>
-      </p:cxnSp>
-      <p:cxnSp>
-        <p:nvCxnSpPr>
-          <p:cNvPr id="86" name="Straight Arrow Connector 85">
-            <a:extLst>
-              <a:ext uri="{FF2B5EF4-FFF2-40B4-BE49-F238E27FC236}">
-                <a16:creationId xmlns:a16="http://schemas.microsoft.com/office/drawing/2014/main" id="{79E8338D-A01F-F94A-BEA7-561DCB2AE3D5}"/>
-              </a:ext>
-            </a:extLst>
-          </p:cNvPr>
-          <p:cNvCxnSpPr>
-            <a:cxnSpLocks/>
-            <a:stCxn id="67" idx="0"/>
-            <a:endCxn id="70" idx="2"/>
-          </p:cNvCxnSpPr>
-          <p:nvPr/>
-        </p:nvCxnSpPr>
-        <p:spPr>
-          <a:xfrm flipH="1" flipV="1">
-            <a:off x="2479114" y="3474487"/>
-            <a:ext cx="768507" cy="301762"/>
-          </a:xfrm>
-          <a:prstGeom prst="straightConnector1">
-            <a:avLst/>
-          </a:prstGeom>
-          <a:ln>
-            <a:solidFill>
-              <a:schemeClr val="tx1"/>
-            </a:solidFill>
-            <a:headEnd type="none" w="med" len="med"/>
-            <a:tailEnd type="arrow" w="med" len="med"/>
-          </a:ln>
-        </p:spPr>
-        <p:style>
-          <a:lnRef idx="1">
-            <a:schemeClr val="accent1"/>
-          </a:lnRef>
-          <a:fillRef idx="0">
-            <a:schemeClr val="accent1"/>
-          </a:fillRef>
-          <a:effectRef idx="0">
-            <a:schemeClr val="accent1"/>
-          </a:effectRef>
-          <a:fontRef idx="minor">
-            <a:schemeClr val="tx1"/>
-          </a:fontRef>
-        </p:style>
-      </p:cxnSp>
-      <p:sp>
-        <p:nvSpPr>
-          <p:cNvPr id="90" name="Rounded Rectangle 89">
-            <a:extLst>
-              <a:ext uri="{FF2B5EF4-FFF2-40B4-BE49-F238E27FC236}">
-                <a16:creationId xmlns:a16="http://schemas.microsoft.com/office/drawing/2014/main" id="{3D8CB396-E932-EC43-8AAD-40A81FE7CFD0}"/>
+              <a:t>DCAT-BE</a:t>
+            </a:r>
+          </a:p>
+        </p:txBody>
+      </p:sp>
+      <p:sp>
+        <p:nvSpPr>
+          <p:cNvPr id="98" name="Rounded Rectangle 69">
+            <a:extLst>
+              <a:ext uri="{FF2B5EF4-FFF2-40B4-BE49-F238E27FC236}">
+                <a16:creationId xmlns:a16="http://schemas.microsoft.com/office/drawing/2014/main" id="{17AA8DF9-0F49-4E3D-8CFD-D934ED3001E1}"/>
               </a:ext>
             </a:extLst>
           </p:cNvPr>
@@ -15807,408 +17785,7 @@
         </p:nvSpPr>
         <p:spPr>
           <a:xfrm>
-            <a:off x="2615982" y="4735933"/>
-            <a:ext cx="1248936" cy="657922"/>
-          </a:xfrm>
-          <a:prstGeom prst="roundRect">
-            <a:avLst/>
-          </a:prstGeom>
-          <a:noFill/>
-          <a:ln>
-            <a:solidFill>
-              <a:schemeClr val="tx1"/>
-            </a:solidFill>
-          </a:ln>
-        </p:spPr>
-        <p:style>
-          <a:lnRef idx="2">
-            <a:schemeClr val="accent1">
-              <a:shade val="50000"/>
-            </a:schemeClr>
-          </a:lnRef>
-          <a:fillRef idx="1">
-            <a:schemeClr val="accent1"/>
-          </a:fillRef>
-          <a:effectRef idx="0">
-            <a:schemeClr val="accent1"/>
-          </a:effectRef>
-          <a:fontRef idx="minor">
-            <a:schemeClr val="lt1"/>
-          </a:fontRef>
-        </p:style>
-        <p:txBody>
-          <a:bodyPr rtlCol="0" anchor="ctr"/>
-          <a:lstStyle/>
-          <a:p>
-            <a:pPr algn="ctr"/>
-            <a:r>
-              <a:rPr lang="en-US" sz="1400">
-                <a:solidFill>
-                  <a:schemeClr val="tx1"/>
-                </a:solidFill>
-              </a:rPr>
-              <a:t>Profile</a:t>
-            </a:r>
-          </a:p>
-        </p:txBody>
-      </p:sp>
-      <p:cxnSp>
-        <p:nvCxnSpPr>
-          <p:cNvPr id="91" name="Straight Arrow Connector 90">
-            <a:extLst>
-              <a:ext uri="{FF2B5EF4-FFF2-40B4-BE49-F238E27FC236}">
-                <a16:creationId xmlns:a16="http://schemas.microsoft.com/office/drawing/2014/main" id="{4E3AB27D-B445-1841-8145-DBC3FBBE7839}"/>
-              </a:ext>
-            </a:extLst>
-          </p:cNvPr>
-          <p:cNvCxnSpPr>
-            <a:cxnSpLocks/>
-            <a:stCxn id="9" idx="2"/>
-            <a:endCxn id="90" idx="3"/>
-          </p:cNvCxnSpPr>
-          <p:nvPr/>
-        </p:nvCxnSpPr>
-        <p:spPr>
-          <a:xfrm flipH="1">
-            <a:off x="3864918" y="4434171"/>
-            <a:ext cx="1075047" cy="630723"/>
-          </a:xfrm>
-          <a:prstGeom prst="straightConnector1">
-            <a:avLst/>
-          </a:prstGeom>
-          <a:ln>
-            <a:solidFill>
-              <a:schemeClr val="tx1"/>
-            </a:solidFill>
-            <a:prstDash val="sysDot"/>
-            <a:headEnd type="none" w="med" len="med"/>
-            <a:tailEnd type="arrow" w="med" len="med"/>
-          </a:ln>
-        </p:spPr>
-        <p:style>
-          <a:lnRef idx="1">
-            <a:schemeClr val="accent1"/>
-          </a:lnRef>
-          <a:fillRef idx="0">
-            <a:schemeClr val="accent1"/>
-          </a:fillRef>
-          <a:effectRef idx="0">
-            <a:schemeClr val="accent1"/>
-          </a:effectRef>
-          <a:fontRef idx="minor">
-            <a:schemeClr val="tx1"/>
-          </a:fontRef>
-        </p:style>
-      </p:cxnSp>
-      <p:sp>
-        <p:nvSpPr>
-          <p:cNvPr id="92" name="Rounded Rectangle 91">
-            <a:extLst>
-              <a:ext uri="{FF2B5EF4-FFF2-40B4-BE49-F238E27FC236}">
-                <a16:creationId xmlns:a16="http://schemas.microsoft.com/office/drawing/2014/main" id="{E1A44592-83B8-6945-A515-A5831DFABA8C}"/>
-              </a:ext>
-            </a:extLst>
-          </p:cNvPr>
-          <p:cNvSpPr/>
-          <p:nvPr/>
-        </p:nvSpPr>
-        <p:spPr>
-          <a:xfrm>
-            <a:off x="2623153" y="897225"/>
-            <a:ext cx="1248936" cy="657922"/>
-          </a:xfrm>
-          <a:prstGeom prst="roundRect">
-            <a:avLst/>
-          </a:prstGeom>
-          <a:noFill/>
-          <a:ln>
-            <a:solidFill>
-              <a:schemeClr val="tx1"/>
-            </a:solidFill>
-          </a:ln>
-        </p:spPr>
-        <p:style>
-          <a:lnRef idx="2">
-            <a:schemeClr val="accent1">
-              <a:shade val="50000"/>
-            </a:schemeClr>
-          </a:lnRef>
-          <a:fillRef idx="1">
-            <a:schemeClr val="accent1"/>
-          </a:fillRef>
-          <a:effectRef idx="0">
-            <a:schemeClr val="accent1"/>
-          </a:effectRef>
-          <a:fontRef idx="minor">
-            <a:schemeClr val="lt1"/>
-          </a:fontRef>
-        </p:style>
-        <p:txBody>
-          <a:bodyPr rtlCol="0" anchor="ctr"/>
-          <a:lstStyle/>
-          <a:p>
-            <a:pPr algn="ctr"/>
-            <a:r>
-              <a:rPr lang="en-US" sz="1400">
-                <a:solidFill>
-                  <a:schemeClr val="tx1"/>
-                </a:solidFill>
-              </a:rPr>
-              <a:t>Base Specification</a:t>
-            </a:r>
-          </a:p>
-        </p:txBody>
-      </p:sp>
-      <p:cxnSp>
-        <p:nvCxnSpPr>
-          <p:cNvPr id="93" name="Straight Arrow Connector 92">
-            <a:extLst>
-              <a:ext uri="{FF2B5EF4-FFF2-40B4-BE49-F238E27FC236}">
-                <a16:creationId xmlns:a16="http://schemas.microsoft.com/office/drawing/2014/main" id="{2020781E-689E-6149-ACBC-59F866A53793}"/>
-              </a:ext>
-            </a:extLst>
-          </p:cNvPr>
-          <p:cNvCxnSpPr>
-            <a:cxnSpLocks/>
-            <a:stCxn id="64" idx="0"/>
-            <a:endCxn id="92" idx="2"/>
-          </p:cNvCxnSpPr>
-          <p:nvPr/>
-        </p:nvCxnSpPr>
-        <p:spPr>
-          <a:xfrm flipV="1">
-            <a:off x="3247621" y="1555147"/>
-            <a:ext cx="0" cy="301762"/>
-          </a:xfrm>
-          <a:prstGeom prst="straightConnector1">
-            <a:avLst/>
-          </a:prstGeom>
-          <a:ln>
-            <a:solidFill>
-              <a:schemeClr val="tx1"/>
-            </a:solidFill>
-            <a:prstDash val="sysDot"/>
-            <a:headEnd type="none" w="med" len="med"/>
-            <a:tailEnd type="arrow" w="med" len="med"/>
-          </a:ln>
-        </p:spPr>
-        <p:style>
-          <a:lnRef idx="1">
-            <a:schemeClr val="accent1"/>
-          </a:lnRef>
-          <a:fillRef idx="0">
-            <a:schemeClr val="accent1"/>
-          </a:fillRef>
-          <a:effectRef idx="0">
-            <a:schemeClr val="accent1"/>
-          </a:effectRef>
-          <a:fontRef idx="minor">
-            <a:schemeClr val="tx1"/>
-          </a:fontRef>
-        </p:style>
-      </p:cxnSp>
-      <p:cxnSp>
-        <p:nvCxnSpPr>
-          <p:cNvPr id="101" name="Straight Arrow Connector 100">
-            <a:extLst>
-              <a:ext uri="{FF2B5EF4-FFF2-40B4-BE49-F238E27FC236}">
-                <a16:creationId xmlns:a16="http://schemas.microsoft.com/office/drawing/2014/main" id="{BEA5020B-AE55-F94F-B43C-0E97DAF19FCB}"/>
-              </a:ext>
-            </a:extLst>
-          </p:cNvPr>
-          <p:cNvCxnSpPr>
-            <a:cxnSpLocks/>
-            <a:stCxn id="67" idx="2"/>
-            <a:endCxn id="90" idx="0"/>
-          </p:cNvCxnSpPr>
-          <p:nvPr/>
-        </p:nvCxnSpPr>
-        <p:spPr>
-          <a:xfrm flipH="1">
-            <a:off x="3240450" y="4434171"/>
-            <a:ext cx="7171" cy="301762"/>
-          </a:xfrm>
-          <a:prstGeom prst="straightConnector1">
-            <a:avLst/>
-          </a:prstGeom>
-          <a:ln>
-            <a:solidFill>
-              <a:schemeClr val="tx1"/>
-            </a:solidFill>
-            <a:prstDash val="sysDot"/>
-            <a:headEnd type="none" w="med" len="med"/>
-            <a:tailEnd type="arrow" w="med" len="med"/>
-          </a:ln>
-        </p:spPr>
-        <p:style>
-          <a:lnRef idx="1">
-            <a:schemeClr val="accent1"/>
-          </a:lnRef>
-          <a:fillRef idx="0">
-            <a:schemeClr val="accent1"/>
-          </a:fillRef>
-          <a:effectRef idx="0">
-            <a:schemeClr val="accent1"/>
-          </a:effectRef>
-          <a:fontRef idx="minor">
-            <a:schemeClr val="tx1"/>
-          </a:fontRef>
-        </p:style>
-      </p:cxnSp>
-      <p:cxnSp>
-        <p:nvCxnSpPr>
-          <p:cNvPr id="104" name="Straight Arrow Connector 103">
-            <a:extLst>
-              <a:ext uri="{FF2B5EF4-FFF2-40B4-BE49-F238E27FC236}">
-                <a16:creationId xmlns:a16="http://schemas.microsoft.com/office/drawing/2014/main" id="{808C6D35-AAC4-7F42-84D6-D2F95CCFA61C}"/>
-              </a:ext>
-            </a:extLst>
-          </p:cNvPr>
-          <p:cNvCxnSpPr>
-            <a:cxnSpLocks/>
-          </p:cNvCxnSpPr>
-          <p:nvPr/>
-        </p:nvCxnSpPr>
-        <p:spPr>
-          <a:xfrm flipH="1">
-            <a:off x="3823242" y="3483368"/>
-            <a:ext cx="426066" cy="1266164"/>
-          </a:xfrm>
-          <a:prstGeom prst="straightConnector1">
-            <a:avLst/>
-          </a:prstGeom>
-          <a:ln>
-            <a:solidFill>
-              <a:schemeClr val="tx1"/>
-            </a:solidFill>
-            <a:prstDash val="sysDot"/>
-            <a:headEnd type="none" w="med" len="med"/>
-            <a:tailEnd type="arrow" w="med" len="med"/>
-          </a:ln>
-        </p:spPr>
-        <p:style>
-          <a:lnRef idx="1">
-            <a:schemeClr val="accent1"/>
-          </a:lnRef>
-          <a:fillRef idx="0">
-            <a:schemeClr val="accent1"/>
-          </a:fillRef>
-          <a:effectRef idx="0">
-            <a:schemeClr val="accent1"/>
-          </a:effectRef>
-          <a:fontRef idx="minor">
-            <a:schemeClr val="tx1"/>
-          </a:fontRef>
-        </p:style>
-      </p:cxnSp>
-      <p:cxnSp>
-        <p:nvCxnSpPr>
-          <p:cNvPr id="109" name="Straight Arrow Connector 108">
-            <a:extLst>
-              <a:ext uri="{FF2B5EF4-FFF2-40B4-BE49-F238E27FC236}">
-                <a16:creationId xmlns:a16="http://schemas.microsoft.com/office/drawing/2014/main" id="{3084F572-B565-384A-8667-088EB875AE3D}"/>
-              </a:ext>
-            </a:extLst>
-          </p:cNvPr>
-          <p:cNvCxnSpPr>
-            <a:cxnSpLocks/>
-          </p:cNvCxnSpPr>
-          <p:nvPr/>
-        </p:nvCxnSpPr>
-        <p:spPr>
-          <a:xfrm>
-            <a:off x="2094193" y="3483368"/>
-            <a:ext cx="543289" cy="1266164"/>
-          </a:xfrm>
-          <a:prstGeom prst="straightConnector1">
-            <a:avLst/>
-          </a:prstGeom>
-          <a:ln>
-            <a:solidFill>
-              <a:schemeClr val="tx1"/>
-            </a:solidFill>
-            <a:prstDash val="sysDot"/>
-            <a:headEnd type="none" w="med" len="med"/>
-            <a:tailEnd type="arrow" w="med" len="med"/>
-          </a:ln>
-        </p:spPr>
-        <p:style>
-          <a:lnRef idx="1">
-            <a:schemeClr val="accent1"/>
-          </a:lnRef>
-          <a:fillRef idx="0">
-            <a:schemeClr val="accent1"/>
-          </a:fillRef>
-          <a:effectRef idx="0">
-            <a:schemeClr val="accent1"/>
-          </a:effectRef>
-          <a:fontRef idx="minor">
-            <a:schemeClr val="tx1"/>
-          </a:fontRef>
-        </p:style>
-      </p:cxnSp>
-      <p:cxnSp>
-        <p:nvCxnSpPr>
-          <p:cNvPr id="33" name="Curved Connector 31">
-            <a:extLst>
-              <a:ext uri="{FF2B5EF4-FFF2-40B4-BE49-F238E27FC236}">
-                <a16:creationId xmlns:a16="http://schemas.microsoft.com/office/drawing/2014/main" id="{0001B7BC-A7A0-4FA0-94DC-F59E48C17445}"/>
-              </a:ext>
-            </a:extLst>
-          </p:cNvPr>
-          <p:cNvCxnSpPr>
-            <a:cxnSpLocks/>
-            <a:stCxn id="42" idx="0"/>
-            <a:endCxn id="64" idx="3"/>
-          </p:cNvCxnSpPr>
-          <p:nvPr/>
-        </p:nvCxnSpPr>
-        <p:spPr>
-          <a:xfrm rot="16200000" flipV="1">
-            <a:off x="4472763" y="1585197"/>
-            <a:ext cx="1590379" cy="2791725"/>
-          </a:xfrm>
-          <a:prstGeom prst="curvedConnector2">
-            <a:avLst/>
-          </a:prstGeom>
-          <a:ln>
-            <a:solidFill>
-              <a:schemeClr val="tx1"/>
-            </a:solidFill>
-            <a:headEnd type="none" w="med" len="med"/>
-            <a:tailEnd type="arrow" w="med" len="med"/>
-          </a:ln>
-        </p:spPr>
-        <p:style>
-          <a:lnRef idx="1">
-            <a:schemeClr val="accent1"/>
-          </a:lnRef>
-          <a:fillRef idx="0">
-            <a:schemeClr val="accent1"/>
-          </a:fillRef>
-          <a:effectRef idx="0">
-            <a:schemeClr val="accent1"/>
-          </a:effectRef>
-          <a:fontRef idx="minor">
-            <a:schemeClr val="tx1"/>
-          </a:fontRef>
-        </p:style>
-      </p:cxnSp>
-      <p:sp>
-        <p:nvSpPr>
-          <p:cNvPr id="42" name="Rounded Rectangle 8">
-            <a:extLst>
-              <a:ext uri="{FF2B5EF4-FFF2-40B4-BE49-F238E27FC236}">
-                <a16:creationId xmlns:a16="http://schemas.microsoft.com/office/drawing/2014/main" id="{13480AA4-D975-4CE8-8AEA-7E0575E7F5E3}"/>
-              </a:ext>
-            </a:extLst>
-          </p:cNvPr>
-          <p:cNvSpPr/>
-          <p:nvPr/>
-        </p:nvSpPr>
-        <p:spPr>
-          <a:xfrm>
-            <a:off x="6039346" y="3776249"/>
+            <a:off x="4121811" y="2950890"/>
             <a:ext cx="1248936" cy="657922"/>
           </a:xfrm>
           <a:prstGeom prst="roundRect">
@@ -16252,65 +17829,198 @@
           <a:p>
             <a:pPr algn="ctr"/>
             <a:r>
+              <a:rPr lang="en-US" sz="1400" dirty="0" err="1">
+                <a:solidFill>
+                  <a:schemeClr val="tx1"/>
+                </a:solidFill>
+              </a:rPr>
+              <a:t>StatDCAT</a:t>
+            </a:r>
+            <a:r>
               <a:rPr lang="en-US" sz="1400" dirty="0">
                 <a:solidFill>
                   <a:schemeClr val="tx1"/>
                 </a:solidFill>
               </a:rPr>
-              <a:t>DCAT-AP IT </a:t>
-            </a:r>
-            <a:r>
-              <a:rPr lang="en-US" sz="1400" dirty="0" err="1">
-                <a:solidFill>
-                  <a:schemeClr val="tx1"/>
-                </a:solidFill>
-              </a:rPr>
-              <a:t>Impl</a:t>
-            </a:r>
+              <a:t>-AP</a:t>
+            </a:r>
+          </a:p>
+        </p:txBody>
+      </p:sp>
+      <p:cxnSp>
+        <p:nvCxnSpPr>
+          <p:cNvPr id="99" name="Straight Arrow Connector 98">
+            <a:extLst>
+              <a:ext uri="{FF2B5EF4-FFF2-40B4-BE49-F238E27FC236}">
+                <a16:creationId xmlns:a16="http://schemas.microsoft.com/office/drawing/2014/main" id="{FC5C65A7-626F-4AC4-A052-23CD65146866}"/>
+              </a:ext>
+            </a:extLst>
+          </p:cNvPr>
+          <p:cNvCxnSpPr>
+            <a:cxnSpLocks/>
+            <a:stCxn id="98" idx="0"/>
+            <a:endCxn id="48" idx="2"/>
+          </p:cNvCxnSpPr>
+          <p:nvPr/>
+        </p:nvCxnSpPr>
+        <p:spPr>
+          <a:xfrm flipH="1" flipV="1">
+            <a:off x="3243800" y="2636841"/>
+            <a:ext cx="1502479" cy="314049"/>
+          </a:xfrm>
+          <a:prstGeom prst="straightConnector1">
+            <a:avLst/>
+          </a:prstGeom>
+          <a:ln>
+            <a:solidFill>
+              <a:schemeClr val="tx1"/>
+            </a:solidFill>
+            <a:headEnd type="none" w="med" len="med"/>
+            <a:tailEnd type="arrow" w="med" len="med"/>
+          </a:ln>
+        </p:spPr>
+        <p:style>
+          <a:lnRef idx="1">
+            <a:schemeClr val="accent1"/>
+          </a:lnRef>
+          <a:fillRef idx="0">
+            <a:schemeClr val="accent1"/>
+          </a:fillRef>
+          <a:effectRef idx="0">
+            <a:schemeClr val="accent1"/>
+          </a:effectRef>
+          <a:fontRef idx="minor">
+            <a:schemeClr val="tx1"/>
+          </a:fontRef>
+        </p:style>
+      </p:cxnSp>
+      <p:sp>
+        <p:nvSpPr>
+          <p:cNvPr id="105" name="TextBox 104">
+            <a:extLst>
+              <a:ext uri="{FF2B5EF4-FFF2-40B4-BE49-F238E27FC236}">
+                <a16:creationId xmlns:a16="http://schemas.microsoft.com/office/drawing/2014/main" id="{AABDECCA-2FC0-48A1-83F6-1001D40B3E78}"/>
+              </a:ext>
+            </a:extLst>
+          </p:cNvPr>
+          <p:cNvSpPr txBox="1"/>
+          <p:nvPr/>
+        </p:nvSpPr>
+        <p:spPr>
+          <a:xfrm>
+            <a:off x="3836945" y="2698187"/>
+            <a:ext cx="555345" cy="184666"/>
+          </a:xfrm>
+          <a:prstGeom prst="rect">
+            <a:avLst/>
+          </a:prstGeom>
+          <a:solidFill>
+            <a:schemeClr val="bg1"/>
+          </a:solidFill>
+        </p:spPr>
+        <p:txBody>
+          <a:bodyPr wrap="none" lIns="0" tIns="0" rIns="0" bIns="0" rtlCol="0">
+            <a:spAutoFit/>
+          </a:bodyPr>
+          <a:lstStyle/>
+          <a:p>
+            <a:r>
+              <a:rPr lang="en-US" sz="1200" dirty="0" err="1"/>
+              <a:t>profileOf</a:t>
+            </a:r>
+            <a:endParaRPr lang="en-US" sz="1200" dirty="0"/>
+          </a:p>
+        </p:txBody>
+      </p:sp>
+      <p:sp>
+        <p:nvSpPr>
+          <p:cNvPr id="106" name="Rounded Rectangle 69">
+            <a:extLst>
+              <a:ext uri="{FF2B5EF4-FFF2-40B4-BE49-F238E27FC236}">
+                <a16:creationId xmlns:a16="http://schemas.microsoft.com/office/drawing/2014/main" id="{E80CDBCE-6D7D-4264-BC14-4357A866FEBD}"/>
+              </a:ext>
+            </a:extLst>
+          </p:cNvPr>
+          <p:cNvSpPr/>
+          <p:nvPr/>
+        </p:nvSpPr>
+        <p:spPr>
+          <a:xfrm>
+            <a:off x="4392290" y="4103415"/>
+            <a:ext cx="1248936" cy="657922"/>
+          </a:xfrm>
+          <a:prstGeom prst="roundRect">
+            <a:avLst/>
+          </a:prstGeom>
+          <a:pattFill prst="pct30">
+            <a:fgClr>
+              <a:schemeClr val="bg1">
+                <a:lumMod val="85000"/>
+              </a:schemeClr>
+            </a:fgClr>
+            <a:bgClr>
+              <a:schemeClr val="bg1"/>
+            </a:bgClr>
+          </a:pattFill>
+          <a:ln>
+            <a:solidFill>
+              <a:schemeClr val="tx1"/>
+            </a:solidFill>
+            <a:prstDash val="dash"/>
+          </a:ln>
+        </p:spPr>
+        <p:style>
+          <a:lnRef idx="2">
+            <a:schemeClr val="accent1">
+              <a:shade val="50000"/>
+            </a:schemeClr>
+          </a:lnRef>
+          <a:fillRef idx="1">
+            <a:schemeClr val="accent1"/>
+          </a:fillRef>
+          <a:effectRef idx="0">
+            <a:schemeClr val="accent1"/>
+          </a:effectRef>
+          <a:fontRef idx="minor">
+            <a:schemeClr val="lt1"/>
+          </a:fontRef>
+        </p:style>
+        <p:txBody>
+          <a:bodyPr rtlCol="0" anchor="ctr"/>
+          <a:lstStyle/>
+          <a:p>
+            <a:pPr algn="ctr"/>
             <a:r>
               <a:rPr lang="en-US" sz="1400" dirty="0">
                 <a:solidFill>
                   <a:schemeClr val="tx1"/>
                 </a:solidFill>
               </a:rPr>
-              <a:t> Res </a:t>
-            </a:r>
-            <a:r>
-              <a:rPr lang="en-US" sz="1400" dirty="0" err="1">
-                <a:solidFill>
-                  <a:schemeClr val="tx1"/>
-                </a:solidFill>
-              </a:rPr>
-              <a:t>Desc</a:t>
-            </a:r>
-            <a:endParaRPr lang="en-US" sz="1400" dirty="0">
-              <a:solidFill>
-                <a:schemeClr val="tx1"/>
-              </a:solidFill>
-            </a:endParaRPr>
+              <a:t>?</a:t>
+            </a:r>
           </a:p>
         </p:txBody>
       </p:sp>
       <p:cxnSp>
         <p:nvCxnSpPr>
-          <p:cNvPr id="44" name="Straight Arrow Connector 43">
-            <a:extLst>
-              <a:ext uri="{FF2B5EF4-FFF2-40B4-BE49-F238E27FC236}">
-                <a16:creationId xmlns:a16="http://schemas.microsoft.com/office/drawing/2014/main" id="{302B1615-E0EC-4802-9B98-7C3DCAF333C4}"/>
+          <p:cNvPr id="107" name="Straight Arrow Connector 106">
+            <a:extLst>
+              <a:ext uri="{FF2B5EF4-FFF2-40B4-BE49-F238E27FC236}">
+                <a16:creationId xmlns:a16="http://schemas.microsoft.com/office/drawing/2014/main" id="{E9B46DCD-9E72-4315-9D13-7E2619FB73F6}"/>
               </a:ext>
             </a:extLst>
           </p:cNvPr>
           <p:cNvCxnSpPr>
             <a:cxnSpLocks/>
-            <a:stCxn id="42" idx="1"/>
-            <a:endCxn id="9" idx="3"/>
+            <a:stCxn id="106" idx="0"/>
+            <a:endCxn id="98" idx="2"/>
           </p:cNvCxnSpPr>
           <p:nvPr/>
         </p:nvCxnSpPr>
         <p:spPr>
-          <a:xfrm flipH="1">
-            <a:off x="5564433" y="4105210"/>
-            <a:ext cx="474913" cy="0"/>
+          <a:xfrm flipH="1" flipV="1">
+            <a:off x="4746279" y="3608812"/>
+            <a:ext cx="270479" cy="494603"/>
           </a:xfrm>
           <a:prstGeom prst="straightConnector1">
             <a:avLst/>
@@ -16338,12 +18048,59 @@
           </a:fontRef>
         </p:style>
       </p:cxnSp>
-      <p:sp>
-        <p:nvSpPr>
-          <p:cNvPr id="11" name="TextBox 10">
-            <a:extLst>
-              <a:ext uri="{FF2B5EF4-FFF2-40B4-BE49-F238E27FC236}">
-                <a16:creationId xmlns:a16="http://schemas.microsoft.com/office/drawing/2014/main" id="{DE50B389-6492-8C4A-9A80-3F885CC92EB1}"/>
+      <p:cxnSp>
+        <p:nvCxnSpPr>
+          <p:cNvPr id="110" name="Straight Arrow Connector 109">
+            <a:extLst>
+              <a:ext uri="{FF2B5EF4-FFF2-40B4-BE49-F238E27FC236}">
+                <a16:creationId xmlns:a16="http://schemas.microsoft.com/office/drawing/2014/main" id="{0F3809C0-A8D8-45DD-A4BE-7A290BAFE218}"/>
+              </a:ext>
+            </a:extLst>
+          </p:cNvPr>
+          <p:cNvCxnSpPr>
+            <a:cxnSpLocks/>
+            <a:stCxn id="106" idx="1"/>
+            <a:endCxn id="82" idx="3"/>
+          </p:cNvCxnSpPr>
+          <p:nvPr/>
+        </p:nvCxnSpPr>
+        <p:spPr>
+          <a:xfrm flipH="1" flipV="1">
+            <a:off x="3868268" y="4242107"/>
+            <a:ext cx="524022" cy="190269"/>
+          </a:xfrm>
+          <a:prstGeom prst="straightConnector1">
+            <a:avLst/>
+          </a:prstGeom>
+          <a:ln>
+            <a:solidFill>
+              <a:schemeClr val="tx1"/>
+            </a:solidFill>
+            <a:headEnd type="none" w="med" len="med"/>
+            <a:tailEnd type="arrow" w="med" len="med"/>
+          </a:ln>
+        </p:spPr>
+        <p:style>
+          <a:lnRef idx="1">
+            <a:schemeClr val="accent1"/>
+          </a:lnRef>
+          <a:fillRef idx="0">
+            <a:schemeClr val="accent1"/>
+          </a:fillRef>
+          <a:effectRef idx="0">
+            <a:schemeClr val="accent1"/>
+          </a:effectRef>
+          <a:fontRef idx="minor">
+            <a:schemeClr val="tx1"/>
+          </a:fontRef>
+        </p:style>
+      </p:cxnSp>
+      <p:sp>
+        <p:nvSpPr>
+          <p:cNvPr id="113" name="TextBox 112">
+            <a:extLst>
+              <a:ext uri="{FF2B5EF4-FFF2-40B4-BE49-F238E27FC236}">
+                <a16:creationId xmlns:a16="http://schemas.microsoft.com/office/drawing/2014/main" id="{7C302105-562B-4943-9578-83CFBCFEAC53}"/>
               </a:ext>
             </a:extLst>
           </p:cNvPr>
@@ -16352,7 +18109,7 @@
         </p:nvSpPr>
         <p:spPr>
           <a:xfrm>
-            <a:off x="2637482" y="3529480"/>
+            <a:off x="4616730" y="3765148"/>
             <a:ext cx="555345" cy="184666"/>
           </a:xfrm>
           <a:prstGeom prst="rect">
@@ -16378,10 +18135,10 @@
       </p:sp>
       <p:sp>
         <p:nvSpPr>
-          <p:cNvPr id="87" name="TextBox 86">
-            <a:extLst>
-              <a:ext uri="{FF2B5EF4-FFF2-40B4-BE49-F238E27FC236}">
-                <a16:creationId xmlns:a16="http://schemas.microsoft.com/office/drawing/2014/main" id="{2893B644-4BEB-6748-87BE-3EEBCA89AA7C}"/>
+          <p:cNvPr id="114" name="TextBox 113">
+            <a:extLst>
+              <a:ext uri="{FF2B5EF4-FFF2-40B4-BE49-F238E27FC236}">
+                <a16:creationId xmlns:a16="http://schemas.microsoft.com/office/drawing/2014/main" id="{155E538E-6917-4E4A-8C77-FA9705247E97}"/>
               </a:ext>
             </a:extLst>
           </p:cNvPr>
@@ -16389,8 +18146,8 @@
           <p:nvPr/>
         </p:nvSpPr>
         <p:spPr>
-          <a:xfrm>
-            <a:off x="3391660" y="2567518"/>
+          <a:xfrm rot="16200000">
+            <a:off x="3872494" y="4279991"/>
             <a:ext cx="555345" cy="184666"/>
           </a:xfrm>
           <a:prstGeom prst="rect">
@@ -16409,349 +18166,6 @@
             <a:r>
               <a:rPr lang="en-US" sz="1200" dirty="0" err="1"/>
               <a:t>profileOf</a:t>
-            </a:r>
-            <a:endParaRPr lang="en-US" sz="1200" dirty="0"/>
-          </a:p>
-        </p:txBody>
-      </p:sp>
-      <p:sp>
-        <p:nvSpPr>
-          <p:cNvPr id="88" name="TextBox 87">
-            <a:extLst>
-              <a:ext uri="{FF2B5EF4-FFF2-40B4-BE49-F238E27FC236}">
-                <a16:creationId xmlns:a16="http://schemas.microsoft.com/office/drawing/2014/main" id="{909D0740-6F1E-934E-849E-77D38957E769}"/>
-              </a:ext>
-            </a:extLst>
-          </p:cNvPr>
-          <p:cNvSpPr txBox="1"/>
-          <p:nvPr/>
-        </p:nvSpPr>
-        <p:spPr>
-          <a:xfrm>
-            <a:off x="2539128" y="2580178"/>
-            <a:ext cx="555345" cy="184666"/>
-          </a:xfrm>
-          <a:prstGeom prst="rect">
-            <a:avLst/>
-          </a:prstGeom>
-          <a:solidFill>
-            <a:schemeClr val="bg1"/>
-          </a:solidFill>
-        </p:spPr>
-        <p:txBody>
-          <a:bodyPr wrap="none" lIns="0" tIns="0" rIns="0" bIns="0" rtlCol="0">
-            <a:spAutoFit/>
-          </a:bodyPr>
-          <a:lstStyle/>
-          <a:p>
-            <a:r>
-              <a:rPr lang="en-US" sz="1200" dirty="0" err="1"/>
-              <a:t>profileOf</a:t>
-            </a:r>
-            <a:endParaRPr lang="en-US" sz="1200" dirty="0"/>
-          </a:p>
-        </p:txBody>
-      </p:sp>
-      <p:sp>
-        <p:nvSpPr>
-          <p:cNvPr id="89" name="TextBox 88">
-            <a:extLst>
-              <a:ext uri="{FF2B5EF4-FFF2-40B4-BE49-F238E27FC236}">
-                <a16:creationId xmlns:a16="http://schemas.microsoft.com/office/drawing/2014/main" id="{4953E172-31D2-F248-B6AD-BBBD8B60DDD8}"/>
-              </a:ext>
-            </a:extLst>
-          </p:cNvPr>
-          <p:cNvSpPr txBox="1"/>
-          <p:nvPr/>
-        </p:nvSpPr>
-        <p:spPr>
-          <a:xfrm>
-            <a:off x="4371714" y="3519436"/>
-            <a:ext cx="555345" cy="184666"/>
-          </a:xfrm>
-          <a:prstGeom prst="rect">
-            <a:avLst/>
-          </a:prstGeom>
-          <a:solidFill>
-            <a:schemeClr val="bg1"/>
-          </a:solidFill>
-        </p:spPr>
-        <p:txBody>
-          <a:bodyPr wrap="none" lIns="0" tIns="0" rIns="0" bIns="0" rtlCol="0">
-            <a:spAutoFit/>
-          </a:bodyPr>
-          <a:lstStyle/>
-          <a:p>
-            <a:r>
-              <a:rPr lang="en-US" sz="1200" dirty="0" err="1"/>
-              <a:t>profileOf</a:t>
-            </a:r>
-            <a:endParaRPr lang="en-US" sz="1200" dirty="0"/>
-          </a:p>
-        </p:txBody>
-      </p:sp>
-      <p:sp>
-        <p:nvSpPr>
-          <p:cNvPr id="49" name="TextBox 48">
-            <a:extLst>
-              <a:ext uri="{FF2B5EF4-FFF2-40B4-BE49-F238E27FC236}">
-                <a16:creationId xmlns:a16="http://schemas.microsoft.com/office/drawing/2014/main" id="{69CD6B30-6470-4F02-A173-825F913EC16C}"/>
-              </a:ext>
-            </a:extLst>
-          </p:cNvPr>
-          <p:cNvSpPr txBox="1"/>
-          <p:nvPr/>
-        </p:nvSpPr>
-        <p:spPr>
-          <a:xfrm rot="16200000">
-            <a:off x="5538117" y="3984402"/>
-            <a:ext cx="543931" cy="184666"/>
-          </a:xfrm>
-          <a:prstGeom prst="rect">
-            <a:avLst/>
-          </a:prstGeom>
-          <a:solidFill>
-            <a:schemeClr val="bg1"/>
-          </a:solidFill>
-        </p:spPr>
-        <p:txBody>
-          <a:bodyPr wrap="none" lIns="0" tIns="0" rIns="0" bIns="0" rtlCol="0">
-            <a:spAutoFit/>
-          </a:bodyPr>
-          <a:lstStyle/>
-          <a:p>
-            <a:r>
-              <a:rPr lang="en-US" sz="1200" dirty="0"/>
-              <a:t>resource</a:t>
-            </a:r>
-          </a:p>
-        </p:txBody>
-      </p:sp>
-      <p:sp>
-        <p:nvSpPr>
-          <p:cNvPr id="50" name="TextBox 49">
-            <a:extLst>
-              <a:ext uri="{FF2B5EF4-FFF2-40B4-BE49-F238E27FC236}">
-                <a16:creationId xmlns:a16="http://schemas.microsoft.com/office/drawing/2014/main" id="{51EF07BD-5028-4F00-BB7C-76B8B0B1A300}"/>
-              </a:ext>
-            </a:extLst>
-          </p:cNvPr>
-          <p:cNvSpPr txBox="1"/>
-          <p:nvPr/>
-        </p:nvSpPr>
-        <p:spPr>
-          <a:xfrm>
-            <a:off x="3370027" y="3533035"/>
-            <a:ext cx="555345" cy="184666"/>
-          </a:xfrm>
-          <a:prstGeom prst="rect">
-            <a:avLst/>
-          </a:prstGeom>
-          <a:solidFill>
-            <a:schemeClr val="bg1"/>
-          </a:solidFill>
-        </p:spPr>
-        <p:txBody>
-          <a:bodyPr wrap="none" lIns="0" tIns="0" rIns="0" bIns="0" rtlCol="0">
-            <a:spAutoFit/>
-          </a:bodyPr>
-          <a:lstStyle/>
-          <a:p>
-            <a:r>
-              <a:rPr lang="en-US" sz="1200" dirty="0" err="1"/>
-              <a:t>profileOf</a:t>
-            </a:r>
-            <a:endParaRPr lang="en-US" sz="1200" dirty="0"/>
-          </a:p>
-        </p:txBody>
-      </p:sp>
-      <p:sp>
-        <p:nvSpPr>
-          <p:cNvPr id="51" name="Rounded Rectangle 89">
-            <a:extLst>
-              <a:ext uri="{FF2B5EF4-FFF2-40B4-BE49-F238E27FC236}">
-                <a16:creationId xmlns:a16="http://schemas.microsoft.com/office/drawing/2014/main" id="{A115FE57-CF5E-42DC-A006-1092034F33A7}"/>
-              </a:ext>
-            </a:extLst>
-          </p:cNvPr>
-          <p:cNvSpPr/>
-          <p:nvPr/>
-        </p:nvSpPr>
-        <p:spPr>
-          <a:xfrm>
-            <a:off x="6039346" y="4735933"/>
-            <a:ext cx="1248936" cy="657922"/>
-          </a:xfrm>
-          <a:prstGeom prst="roundRect">
-            <a:avLst/>
-          </a:prstGeom>
-          <a:noFill/>
-          <a:ln>
-            <a:solidFill>
-              <a:schemeClr val="tx1"/>
-            </a:solidFill>
-          </a:ln>
-        </p:spPr>
-        <p:style>
-          <a:lnRef idx="2">
-            <a:schemeClr val="accent1">
-              <a:shade val="50000"/>
-            </a:schemeClr>
-          </a:lnRef>
-          <a:fillRef idx="1">
-            <a:schemeClr val="accent1"/>
-          </a:fillRef>
-          <a:effectRef idx="0">
-            <a:schemeClr val="accent1"/>
-          </a:effectRef>
-          <a:fontRef idx="minor">
-            <a:schemeClr val="lt1"/>
-          </a:fontRef>
-        </p:style>
-        <p:txBody>
-          <a:bodyPr rtlCol="0" anchor="ctr"/>
-          <a:lstStyle/>
-          <a:p>
-            <a:pPr algn="ctr"/>
-            <a:r>
-              <a:rPr lang="en-US" sz="1200" dirty="0">
-                <a:solidFill>
-                  <a:schemeClr val="tx1"/>
-                </a:solidFill>
-              </a:rPr>
-              <a:t>Implementation Resource Descriptor</a:t>
-            </a:r>
-          </a:p>
-        </p:txBody>
-      </p:sp>
-      <p:cxnSp>
-        <p:nvCxnSpPr>
-          <p:cNvPr id="52" name="Straight Arrow Connector 51">
-            <a:extLst>
-              <a:ext uri="{FF2B5EF4-FFF2-40B4-BE49-F238E27FC236}">
-                <a16:creationId xmlns:a16="http://schemas.microsoft.com/office/drawing/2014/main" id="{80F106EB-D38C-4C59-A134-FF53885939B5}"/>
-              </a:ext>
-            </a:extLst>
-          </p:cNvPr>
-          <p:cNvCxnSpPr>
-            <a:cxnSpLocks/>
-            <a:stCxn id="42" idx="2"/>
-            <a:endCxn id="51" idx="0"/>
-          </p:cNvCxnSpPr>
-          <p:nvPr/>
-        </p:nvCxnSpPr>
-        <p:spPr>
-          <a:xfrm>
-            <a:off x="6663814" y="4434171"/>
-            <a:ext cx="0" cy="301762"/>
-          </a:xfrm>
-          <a:prstGeom prst="straightConnector1">
-            <a:avLst/>
-          </a:prstGeom>
-          <a:ln>
-            <a:solidFill>
-              <a:schemeClr val="tx1"/>
-            </a:solidFill>
-            <a:prstDash val="sysDot"/>
-            <a:headEnd type="none" w="med" len="med"/>
-            <a:tailEnd type="arrow" w="med" len="med"/>
-          </a:ln>
-        </p:spPr>
-        <p:style>
-          <a:lnRef idx="1">
-            <a:schemeClr val="accent1"/>
-          </a:lnRef>
-          <a:fillRef idx="0">
-            <a:schemeClr val="accent1"/>
-          </a:fillRef>
-          <a:effectRef idx="0">
-            <a:schemeClr val="accent1"/>
-          </a:effectRef>
-          <a:fontRef idx="minor">
-            <a:schemeClr val="tx1"/>
-          </a:fontRef>
-        </p:style>
-      </p:cxnSp>
-      <p:cxnSp>
-        <p:nvCxnSpPr>
-          <p:cNvPr id="41" name="Curved Connector 31">
-            <a:extLst>
-              <a:ext uri="{FF2B5EF4-FFF2-40B4-BE49-F238E27FC236}">
-                <a16:creationId xmlns:a16="http://schemas.microsoft.com/office/drawing/2014/main" id="{5E9201F4-93CF-4F13-AC97-2F9700CB39CA}"/>
-              </a:ext>
-            </a:extLst>
-          </p:cNvPr>
-          <p:cNvCxnSpPr>
-            <a:cxnSpLocks/>
-            <a:stCxn id="42" idx="0"/>
-            <a:endCxn id="3" idx="3"/>
-          </p:cNvCxnSpPr>
-          <p:nvPr/>
-        </p:nvCxnSpPr>
-        <p:spPr>
-          <a:xfrm rot="16200000" flipV="1">
-            <a:off x="5339602" y="2452037"/>
-            <a:ext cx="630723" cy="2017702"/>
-          </a:xfrm>
-          <a:prstGeom prst="curvedConnector2">
-            <a:avLst/>
-          </a:prstGeom>
-          <a:ln>
-            <a:solidFill>
-              <a:schemeClr val="tx1"/>
-            </a:solidFill>
-            <a:headEnd type="none" w="med" len="med"/>
-            <a:tailEnd type="arrow" w="med" len="med"/>
-          </a:ln>
-        </p:spPr>
-        <p:style>
-          <a:lnRef idx="1">
-            <a:schemeClr val="accent1"/>
-          </a:lnRef>
-          <a:fillRef idx="0">
-            <a:schemeClr val="accent1"/>
-          </a:fillRef>
-          <a:effectRef idx="0">
-            <a:schemeClr val="accent1"/>
-          </a:effectRef>
-          <a:fontRef idx="minor">
-            <a:schemeClr val="tx1"/>
-          </a:fontRef>
-        </p:style>
-      </p:cxnSp>
-      <p:sp>
-        <p:nvSpPr>
-          <p:cNvPr id="34" name="TextBox 33">
-            <a:extLst>
-              <a:ext uri="{FF2B5EF4-FFF2-40B4-BE49-F238E27FC236}">
-                <a16:creationId xmlns:a16="http://schemas.microsoft.com/office/drawing/2014/main" id="{55C1BE8E-09F2-4661-938F-AF9FE833F8E3}"/>
-              </a:ext>
-            </a:extLst>
-          </p:cNvPr>
-          <p:cNvSpPr txBox="1"/>
-          <p:nvPr/>
-        </p:nvSpPr>
-        <p:spPr>
-          <a:xfrm>
-            <a:off x="5909040" y="3262622"/>
-            <a:ext cx="893514" cy="184666"/>
-          </a:xfrm>
-          <a:prstGeom prst="rect">
-            <a:avLst/>
-          </a:prstGeom>
-          <a:solidFill>
-            <a:schemeClr val="bg1"/>
-          </a:solidFill>
-        </p:spPr>
-        <p:txBody>
-          <a:bodyPr wrap="none" lIns="0" tIns="0" rIns="0" bIns="0" rtlCol="0">
-            <a:spAutoFit/>
-          </a:bodyPr>
-          <a:lstStyle/>
-          <a:p>
-            <a:r>
-              <a:rPr lang="en-US" sz="1200" dirty="0" err="1"/>
-              <a:t>inheritedFrom</a:t>
             </a:r>
             <a:endParaRPr lang="en-US" sz="1200" dirty="0"/>
           </a:p>

--- a/profilesont/diagrams.pptx
+++ b/profilesont/diagrams.pptx
@@ -266,7 +266,7 @@
           <a:lstStyle/>
           <a:p>
             <a:fld id="{7E83BB5F-FC7B-E342-A7CB-8A5E9A913100}" type="datetimeFigureOut">
-              <a:t>11/1/2018</a:t>
+              <a:t>11/5/2018</a:t>
             </a:fld>
             <a:endParaRPr lang="en-US"/>
           </a:p>
@@ -462,7 +462,7 @@
           <a:lstStyle/>
           <a:p>
             <a:fld id="{7E83BB5F-FC7B-E342-A7CB-8A5E9A913100}" type="datetimeFigureOut">
-              <a:t>11/1/2018</a:t>
+              <a:t>11/5/2018</a:t>
             </a:fld>
             <a:endParaRPr lang="en-US"/>
           </a:p>
@@ -668,7 +668,7 @@
           <a:lstStyle/>
           <a:p>
             <a:fld id="{7E83BB5F-FC7B-E342-A7CB-8A5E9A913100}" type="datetimeFigureOut">
-              <a:t>11/1/2018</a:t>
+              <a:t>11/5/2018</a:t>
             </a:fld>
             <a:endParaRPr lang="en-US"/>
           </a:p>
@@ -864,7 +864,7 @@
           <a:lstStyle/>
           <a:p>
             <a:fld id="{7E83BB5F-FC7B-E342-A7CB-8A5E9A913100}" type="datetimeFigureOut">
-              <a:t>11/1/2018</a:t>
+              <a:t>11/5/2018</a:t>
             </a:fld>
             <a:endParaRPr lang="en-US"/>
           </a:p>
@@ -1137,7 +1137,7 @@
           <a:lstStyle/>
           <a:p>
             <a:fld id="{7E83BB5F-FC7B-E342-A7CB-8A5E9A913100}" type="datetimeFigureOut">
-              <a:t>11/1/2018</a:t>
+              <a:t>11/5/2018</a:t>
             </a:fld>
             <a:endParaRPr lang="en-US"/>
           </a:p>
@@ -1400,7 +1400,7 @@
           <a:lstStyle/>
           <a:p>
             <a:fld id="{7E83BB5F-FC7B-E342-A7CB-8A5E9A913100}" type="datetimeFigureOut">
-              <a:t>11/1/2018</a:t>
+              <a:t>11/5/2018</a:t>
             </a:fld>
             <a:endParaRPr lang="en-US"/>
           </a:p>
@@ -1810,7 +1810,7 @@
           <a:lstStyle/>
           <a:p>
             <a:fld id="{7E83BB5F-FC7B-E342-A7CB-8A5E9A913100}" type="datetimeFigureOut">
-              <a:t>11/1/2018</a:t>
+              <a:t>11/5/2018</a:t>
             </a:fld>
             <a:endParaRPr lang="en-US"/>
           </a:p>
@@ -1949,7 +1949,7 @@
           <a:lstStyle/>
           <a:p>
             <a:fld id="{7E83BB5F-FC7B-E342-A7CB-8A5E9A913100}" type="datetimeFigureOut">
-              <a:t>11/1/2018</a:t>
+              <a:t>11/5/2018</a:t>
             </a:fld>
             <a:endParaRPr lang="en-US"/>
           </a:p>
@@ -2060,7 +2060,7 @@
           <a:lstStyle/>
           <a:p>
             <a:fld id="{7E83BB5F-FC7B-E342-A7CB-8A5E9A913100}" type="datetimeFigureOut">
-              <a:t>11/1/2018</a:t>
+              <a:t>11/5/2018</a:t>
             </a:fld>
             <a:endParaRPr lang="en-US"/>
           </a:p>
@@ -2369,7 +2369,7 @@
           <a:lstStyle/>
           <a:p>
             <a:fld id="{7E83BB5F-FC7B-E342-A7CB-8A5E9A913100}" type="datetimeFigureOut">
-              <a:t>11/1/2018</a:t>
+              <a:t>11/5/2018</a:t>
             </a:fld>
             <a:endParaRPr lang="en-US"/>
           </a:p>
@@ -2655,7 +2655,7 @@
           <a:lstStyle/>
           <a:p>
             <a:fld id="{7E83BB5F-FC7B-E342-A7CB-8A5E9A913100}" type="datetimeFigureOut">
-              <a:t>11/1/2018</a:t>
+              <a:t>11/5/2018</a:t>
             </a:fld>
             <a:endParaRPr lang="en-US"/>
           </a:p>
@@ -2894,7 +2894,7 @@
           </a:lstStyle>
           <a:p>
             <a:fld id="{7E83BB5F-FC7B-E342-A7CB-8A5E9A913100}" type="datetimeFigureOut">
-              <a:t>11/1/2018</a:t>
+              <a:t>11/5/2018</a:t>
             </a:fld>
             <a:endParaRPr lang="en-US"/>
           </a:p>
@@ -4306,7 +4306,7 @@
         <p:spPr>
           <a:xfrm>
             <a:off x="7381126" y="4173136"/>
-            <a:ext cx="354264" cy="184666"/>
+            <a:ext cx="604333" cy="184666"/>
           </a:xfrm>
           <a:prstGeom prst="rect">
             <a:avLst/>
@@ -4323,7 +4323,7 @@
           <a:p>
             <a:r>
               <a:rPr lang="en-US" sz="1200" dirty="0"/>
-              <a:t>token</a:t>
+              <a:t>has token</a:t>
             </a:r>
           </a:p>
         </p:txBody>
@@ -4529,8 +4529,8 @@
         </p:nvSpPr>
         <p:spPr>
           <a:xfrm>
-            <a:off x="5918430" y="5764822"/>
-            <a:ext cx="447430" cy="184666"/>
+            <a:off x="5733697" y="5829244"/>
+            <a:ext cx="697499" cy="184666"/>
           </a:xfrm>
           <a:prstGeom prst="rect">
             <a:avLst/>
@@ -4547,7 +4547,7 @@
           <a:p>
             <a:r>
               <a:rPr lang="en-US" sz="1200" dirty="0"/>
-              <a:t>artifact</a:t>
+              <a:t>has artifact</a:t>
             </a:r>
           </a:p>
         </p:txBody>
@@ -4611,8 +4611,8 @@
         </p:nvSpPr>
         <p:spPr>
           <a:xfrm>
-            <a:off x="6859357" y="4549555"/>
-            <a:ext cx="543931" cy="184666"/>
+            <a:off x="6806811" y="4643561"/>
+            <a:ext cx="794000" cy="184666"/>
           </a:xfrm>
           <a:prstGeom prst="rect">
             <a:avLst/>
@@ -4629,7 +4629,7 @@
           <a:p>
             <a:r>
               <a:rPr lang="en-US" sz="1200" dirty="0"/>
-              <a:t>resource</a:t>
+              <a:t>has resource</a:t>
             </a:r>
           </a:p>
         </p:txBody>
@@ -4693,8 +4693,8 @@
         </p:nvSpPr>
         <p:spPr>
           <a:xfrm>
-            <a:off x="5847280" y="4548788"/>
-            <a:ext cx="904735" cy="184666"/>
+            <a:off x="5658055" y="4638782"/>
+            <a:ext cx="1036181" cy="184666"/>
           </a:xfrm>
           <a:prstGeom prst="rect">
             <a:avLst/>
@@ -4710,10 +4710,9 @@
           <a:lstStyle/>
           <a:p>
             <a:r>
-              <a:rPr lang="en-US" sz="1200" dirty="0" err="1"/>
-              <a:t>inherited from</a:t>
-            </a:r>
-            <a:endParaRPr lang="en-US" sz="1200" dirty="0"/>
+              <a:rPr lang="en-US" sz="1200" dirty="0"/>
+              <a:t>is inherited from</a:t>
+            </a:r>
           </a:p>
         </p:txBody>
       </p:sp>
@@ -4821,7 +4820,7 @@
         </p:nvSpPr>
         <p:spPr>
           <a:xfrm>
-            <a:off x="5887867" y="3206117"/>
+            <a:off x="5820780" y="3198800"/>
             <a:ext cx="700062" cy="184666"/>
           </a:xfrm>
           <a:prstGeom prst="rect">
@@ -4839,7 +4838,7 @@
           <a:p>
             <a:r>
               <a:rPr lang="en-US" sz="1200" dirty="0"/>
-              <a:t>profile of</a:t>
+              <a:t>is profile of</a:t>
             </a:r>
           </a:p>
         </p:txBody>
@@ -4940,8 +4939,8 @@
         </p:nvSpPr>
         <p:spPr>
           <a:xfrm rot="5400000">
-            <a:off x="5312499" y="4214954"/>
-            <a:ext cx="776559" cy="184666"/>
+            <a:off x="5246776" y="3953038"/>
+            <a:ext cx="908005" cy="184666"/>
           </a:xfrm>
           <a:prstGeom prst="rect">
             <a:avLst/>
@@ -4957,12 +4956,8 @@
           <a:lstStyle/>
           <a:p>
             <a:r>
-              <a:rPr lang="en-US" sz="1200" dirty="0" err="1"/>
-              <a:t>profile of</a:t>
-            </a:r>
-            <a:r>
               <a:rPr lang="en-US" sz="1200" dirty="0"/>
-              <a:t> [0]</a:t>
+              <a:t>is profile of [0]</a:t>
             </a:r>
           </a:p>
         </p:txBody>
@@ -5250,8 +5245,8 @@
         </p:nvSpPr>
         <p:spPr>
           <a:xfrm>
-            <a:off x="6645232" y="5764822"/>
-            <a:ext cx="823559" cy="184666"/>
+            <a:off x="6645232" y="5831179"/>
+            <a:ext cx="1073627" cy="184666"/>
           </a:xfrm>
           <a:prstGeom prst="rect">
             <a:avLst/>
@@ -5267,10 +5262,9 @@
           <a:lstStyle/>
           <a:p>
             <a:r>
-              <a:rPr lang="en-US" sz="1200" dirty="0" err="1"/>
-              <a:t>resource role</a:t>
-            </a:r>
-            <a:endParaRPr lang="en-US" sz="1200" dirty="0"/>
+              <a:rPr lang="en-US" sz="1200" dirty="0"/>
+              <a:t>has resource role</a:t>
+            </a:r>
           </a:p>
         </p:txBody>
       </p:sp>
@@ -5388,12 +5382,12 @@
           <a:p>
             <a:pPr algn="ctr"/>
             <a:r>
-              <a:rPr lang="en-US" sz="1200">
+              <a:rPr lang="en-US" sz="1200" dirty="0">
                 <a:solidFill>
                   <a:schemeClr val="tx1"/>
                 </a:solidFill>
               </a:rPr>
-              <a:t>Implementation Resource Role</a:t>
+              <a:t>Resource Role</a:t>
             </a:r>
           </a:p>
         </p:txBody>
@@ -5589,12 +5583,12 @@
           <a:p>
             <a:pPr algn="ctr"/>
             <a:r>
-              <a:rPr lang="en-US" sz="1200">
+              <a:rPr lang="en-US" sz="1200" dirty="0">
                 <a:solidFill>
                   <a:schemeClr val="tx1"/>
                 </a:solidFill>
               </a:rPr>
-              <a:t>Constraints specifying a conformance Test</a:t>
+              <a:t>Guidance notes of profile</a:t>
             </a:r>
           </a:p>
         </p:txBody>
@@ -5725,12 +5719,12 @@
           <a:p>
             <a:pPr algn="ctr"/>
             <a:r>
-              <a:rPr lang="en-US" sz="1200">
+              <a:rPr lang="en-US" sz="1200" dirty="0">
                 <a:solidFill>
                   <a:schemeClr val="tx1"/>
                 </a:solidFill>
               </a:rPr>
-              <a:t>Guidance notes of profile</a:t>
+              <a:t>Constraints specifying a conformance Test</a:t>
             </a:r>
           </a:p>
         </p:txBody>
@@ -5919,12 +5913,562 @@
           </a:fontRef>
         </p:style>
       </p:cxnSp>
-      <p:sp>
-        <p:nvSpPr>
-          <p:cNvPr id="73" name="Rounded Rectangle 72">
-            <a:extLst>
-              <a:ext uri="{FF2B5EF4-FFF2-40B4-BE49-F238E27FC236}">
-                <a16:creationId xmlns:a16="http://schemas.microsoft.com/office/drawing/2014/main" id="{B0DF134A-A90D-1143-BFBC-C7817D42E670}"/>
+      <p:cxnSp>
+        <p:nvCxnSpPr>
+          <p:cNvPr id="77" name="Straight Arrow Connector 76">
+            <a:extLst>
+              <a:ext uri="{FF2B5EF4-FFF2-40B4-BE49-F238E27FC236}">
+                <a16:creationId xmlns:a16="http://schemas.microsoft.com/office/drawing/2014/main" id="{F06EB8D3-58FB-F743-B044-646E9F3518EF}"/>
+              </a:ext>
+            </a:extLst>
+          </p:cNvPr>
+          <p:cNvCxnSpPr>
+            <a:cxnSpLocks/>
+            <a:stCxn id="44" idx="0"/>
+            <a:endCxn id="85" idx="2"/>
+          </p:cNvCxnSpPr>
+          <p:nvPr/>
+        </p:nvCxnSpPr>
+        <p:spPr>
+          <a:xfrm flipV="1">
+            <a:off x="6501774" y="3418320"/>
+            <a:ext cx="2195323" cy="354036"/>
+          </a:xfrm>
+          <a:prstGeom prst="straightConnector1">
+            <a:avLst/>
+          </a:prstGeom>
+          <a:ln>
+            <a:solidFill>
+              <a:schemeClr val="tx1"/>
+            </a:solidFill>
+            <a:prstDash val="solid"/>
+            <a:headEnd type="none" w="med" len="med"/>
+            <a:tailEnd type="triangle" w="med" len="med"/>
+          </a:ln>
+        </p:spPr>
+        <p:style>
+          <a:lnRef idx="1">
+            <a:schemeClr val="accent1"/>
+          </a:lnRef>
+          <a:fillRef idx="0">
+            <a:schemeClr val="accent1"/>
+          </a:fillRef>
+          <a:effectRef idx="0">
+            <a:schemeClr val="accent1"/>
+          </a:effectRef>
+          <a:fontRef idx="minor">
+            <a:schemeClr val="tx1"/>
+          </a:fontRef>
+        </p:style>
+      </p:cxnSp>
+      <p:cxnSp>
+        <p:nvCxnSpPr>
+          <p:cNvPr id="88" name="Straight Arrow Connector 87">
+            <a:extLst>
+              <a:ext uri="{FF2B5EF4-FFF2-40B4-BE49-F238E27FC236}">
+                <a16:creationId xmlns:a16="http://schemas.microsoft.com/office/drawing/2014/main" id="{DB059429-0B53-724B-8E69-C6376CA2A1F2}"/>
+              </a:ext>
+            </a:extLst>
+          </p:cNvPr>
+          <p:cNvCxnSpPr>
+            <a:cxnSpLocks/>
+            <a:stCxn id="46" idx="0"/>
+            <a:endCxn id="85" idx="2"/>
+          </p:cNvCxnSpPr>
+          <p:nvPr/>
+        </p:nvCxnSpPr>
+        <p:spPr>
+          <a:xfrm flipV="1">
+            <a:off x="7934574" y="3418320"/>
+            <a:ext cx="762523" cy="354036"/>
+          </a:xfrm>
+          <a:prstGeom prst="straightConnector1">
+            <a:avLst/>
+          </a:prstGeom>
+          <a:ln>
+            <a:solidFill>
+              <a:schemeClr val="tx1"/>
+            </a:solidFill>
+            <a:prstDash val="solid"/>
+            <a:headEnd type="none" w="med" len="med"/>
+            <a:tailEnd type="triangle" w="med" len="med"/>
+          </a:ln>
+        </p:spPr>
+        <p:style>
+          <a:lnRef idx="1">
+            <a:schemeClr val="accent1"/>
+          </a:lnRef>
+          <a:fillRef idx="0">
+            <a:schemeClr val="accent1"/>
+          </a:fillRef>
+          <a:effectRef idx="0">
+            <a:schemeClr val="accent1"/>
+          </a:effectRef>
+          <a:fontRef idx="minor">
+            <a:schemeClr val="tx1"/>
+          </a:fontRef>
+        </p:style>
+      </p:cxnSp>
+      <p:cxnSp>
+        <p:nvCxnSpPr>
+          <p:cNvPr id="91" name="Straight Arrow Connector 90">
+            <a:extLst>
+              <a:ext uri="{FF2B5EF4-FFF2-40B4-BE49-F238E27FC236}">
+                <a16:creationId xmlns:a16="http://schemas.microsoft.com/office/drawing/2014/main" id="{900D4D81-8E4B-DF46-A522-3518D8494415}"/>
+              </a:ext>
+            </a:extLst>
+          </p:cNvPr>
+          <p:cNvCxnSpPr>
+            <a:cxnSpLocks/>
+            <a:stCxn id="47" idx="0"/>
+            <a:endCxn id="85" idx="2"/>
+          </p:cNvCxnSpPr>
+          <p:nvPr/>
+        </p:nvCxnSpPr>
+        <p:spPr>
+          <a:xfrm flipH="1" flipV="1">
+            <a:off x="8697097" y="3418320"/>
+            <a:ext cx="670277" cy="358697"/>
+          </a:xfrm>
+          <a:prstGeom prst="straightConnector1">
+            <a:avLst/>
+          </a:prstGeom>
+          <a:ln>
+            <a:solidFill>
+              <a:schemeClr val="tx1"/>
+            </a:solidFill>
+            <a:prstDash val="solid"/>
+            <a:headEnd type="none" w="med" len="med"/>
+            <a:tailEnd type="triangle" w="med" len="med"/>
+          </a:ln>
+        </p:spPr>
+        <p:style>
+          <a:lnRef idx="1">
+            <a:schemeClr val="accent1"/>
+          </a:lnRef>
+          <a:fillRef idx="0">
+            <a:schemeClr val="accent1"/>
+          </a:fillRef>
+          <a:effectRef idx="0">
+            <a:schemeClr val="accent1"/>
+          </a:effectRef>
+          <a:fontRef idx="minor">
+            <a:schemeClr val="tx1"/>
+          </a:fontRef>
+        </p:style>
+      </p:cxnSp>
+      <p:cxnSp>
+        <p:nvCxnSpPr>
+          <p:cNvPr id="95" name="Straight Arrow Connector 94">
+            <a:extLst>
+              <a:ext uri="{FF2B5EF4-FFF2-40B4-BE49-F238E27FC236}">
+                <a16:creationId xmlns:a16="http://schemas.microsoft.com/office/drawing/2014/main" id="{66F666EF-8DB6-DD43-99DF-A4480801DDBB}"/>
+              </a:ext>
+            </a:extLst>
+          </p:cNvPr>
+          <p:cNvCxnSpPr>
+            <a:cxnSpLocks/>
+            <a:stCxn id="48" idx="0"/>
+            <a:endCxn id="85" idx="2"/>
+          </p:cNvCxnSpPr>
+          <p:nvPr/>
+        </p:nvCxnSpPr>
+        <p:spPr>
+          <a:xfrm flipH="1" flipV="1">
+            <a:off x="8697097" y="3418320"/>
+            <a:ext cx="2103077" cy="354036"/>
+          </a:xfrm>
+          <a:prstGeom prst="straightConnector1">
+            <a:avLst/>
+          </a:prstGeom>
+          <a:ln>
+            <a:solidFill>
+              <a:schemeClr val="tx1"/>
+            </a:solidFill>
+            <a:prstDash val="solid"/>
+            <a:headEnd type="none" w="med" len="med"/>
+            <a:tailEnd type="triangle" w="med" len="med"/>
+          </a:ln>
+        </p:spPr>
+        <p:style>
+          <a:lnRef idx="1">
+            <a:schemeClr val="accent1"/>
+          </a:lnRef>
+          <a:fillRef idx="0">
+            <a:schemeClr val="accent1"/>
+          </a:fillRef>
+          <a:effectRef idx="0">
+            <a:schemeClr val="accent1"/>
+          </a:effectRef>
+          <a:fontRef idx="minor">
+            <a:schemeClr val="tx1"/>
+          </a:fontRef>
+        </p:style>
+      </p:cxnSp>
+      <p:cxnSp>
+        <p:nvCxnSpPr>
+          <p:cNvPr id="97" name="Straight Arrow Connector 96">
+            <a:extLst>
+              <a:ext uri="{FF2B5EF4-FFF2-40B4-BE49-F238E27FC236}">
+                <a16:creationId xmlns:a16="http://schemas.microsoft.com/office/drawing/2014/main" id="{E41B87AF-B81C-7C4A-9B82-2C1E875BF5BA}"/>
+              </a:ext>
+            </a:extLst>
+          </p:cNvPr>
+          <p:cNvCxnSpPr>
+            <a:cxnSpLocks/>
+            <a:stCxn id="49" idx="2"/>
+            <a:endCxn id="107" idx="0"/>
+          </p:cNvCxnSpPr>
+          <p:nvPr/>
+        </p:nvCxnSpPr>
+        <p:spPr>
+          <a:xfrm>
+            <a:off x="8697097" y="5526118"/>
+            <a:ext cx="0" cy="393859"/>
+          </a:xfrm>
+          <a:prstGeom prst="straightConnector1">
+            <a:avLst/>
+          </a:prstGeom>
+          <a:ln>
+            <a:solidFill>
+              <a:schemeClr val="tx1"/>
+            </a:solidFill>
+            <a:prstDash val="solid"/>
+            <a:headEnd type="none" w="med" len="med"/>
+            <a:tailEnd type="triangle" w="med" len="med"/>
+          </a:ln>
+        </p:spPr>
+        <p:style>
+          <a:lnRef idx="1">
+            <a:schemeClr val="accent1"/>
+          </a:lnRef>
+          <a:fillRef idx="0">
+            <a:schemeClr val="accent1"/>
+          </a:fillRef>
+          <a:effectRef idx="0">
+            <a:schemeClr val="accent1"/>
+          </a:effectRef>
+          <a:fontRef idx="minor">
+            <a:schemeClr val="tx1"/>
+          </a:fontRef>
+        </p:style>
+      </p:cxnSp>
+      <p:cxnSp>
+        <p:nvCxnSpPr>
+          <p:cNvPr id="101" name="Straight Arrow Connector 100">
+            <a:extLst>
+              <a:ext uri="{FF2B5EF4-FFF2-40B4-BE49-F238E27FC236}">
+                <a16:creationId xmlns:a16="http://schemas.microsoft.com/office/drawing/2014/main" id="{E2C328B5-3E99-9342-857A-F644F1AC7246}"/>
+              </a:ext>
+            </a:extLst>
+          </p:cNvPr>
+          <p:cNvCxnSpPr>
+            <a:cxnSpLocks/>
+            <a:stCxn id="49" idx="3"/>
+            <a:endCxn id="34" idx="2"/>
+          </p:cNvCxnSpPr>
+          <p:nvPr/>
+        </p:nvCxnSpPr>
+        <p:spPr>
+          <a:xfrm>
+            <a:off x="9321565" y="5197157"/>
+            <a:ext cx="762523" cy="143057"/>
+          </a:xfrm>
+          <a:prstGeom prst="straightConnector1">
+            <a:avLst/>
+          </a:prstGeom>
+          <a:ln>
+            <a:solidFill>
+              <a:schemeClr val="tx1"/>
+            </a:solidFill>
+            <a:headEnd type="none" w="med" len="med"/>
+            <a:tailEnd type="arrow" w="med" len="med"/>
+          </a:ln>
+        </p:spPr>
+        <p:style>
+          <a:lnRef idx="1">
+            <a:schemeClr val="accent1"/>
+          </a:lnRef>
+          <a:fillRef idx="0">
+            <a:schemeClr val="accent1"/>
+          </a:fillRef>
+          <a:effectRef idx="0">
+            <a:schemeClr val="accent1"/>
+          </a:effectRef>
+          <a:fontRef idx="minor">
+            <a:schemeClr val="tx1"/>
+          </a:fontRef>
+        </p:style>
+      </p:cxnSp>
+      <p:sp>
+        <p:nvSpPr>
+          <p:cNvPr id="64" name="TextBox 63">
+            <a:extLst>
+              <a:ext uri="{FF2B5EF4-FFF2-40B4-BE49-F238E27FC236}">
+                <a16:creationId xmlns:a16="http://schemas.microsoft.com/office/drawing/2014/main" id="{D8199262-1DFC-3641-8DEE-2826ACDE9B4A}"/>
+              </a:ext>
+            </a:extLst>
+          </p:cNvPr>
+          <p:cNvSpPr txBox="1"/>
+          <p:nvPr/>
+        </p:nvSpPr>
+        <p:spPr>
+          <a:xfrm rot="5400000">
+            <a:off x="9174565" y="5186896"/>
+            <a:ext cx="1062663" cy="276999"/>
+          </a:xfrm>
+          <a:prstGeom prst="rect">
+            <a:avLst/>
+          </a:prstGeom>
+          <a:solidFill>
+            <a:schemeClr val="bg1"/>
+          </a:solidFill>
+        </p:spPr>
+        <p:txBody>
+          <a:bodyPr wrap="none" rtlCol="0">
+            <a:spAutoFit/>
+          </a:bodyPr>
+          <a:lstStyle/>
+          <a:p>
+            <a:r>
+              <a:rPr lang="en-US" sz="1200"/>
+              <a:t>rdfs:comment</a:t>
+            </a:r>
+          </a:p>
+        </p:txBody>
+      </p:sp>
+      <p:cxnSp>
+        <p:nvCxnSpPr>
+          <p:cNvPr id="155" name="Straight Arrow Connector 154">
+            <a:extLst>
+              <a:ext uri="{FF2B5EF4-FFF2-40B4-BE49-F238E27FC236}">
+                <a16:creationId xmlns:a16="http://schemas.microsoft.com/office/drawing/2014/main" id="{BC5D2783-5BA6-344E-925D-13D9DE943E9A}"/>
+              </a:ext>
+            </a:extLst>
+          </p:cNvPr>
+          <p:cNvCxnSpPr>
+            <a:cxnSpLocks/>
+            <a:stCxn id="47" idx="2"/>
+            <a:endCxn id="49" idx="0"/>
+          </p:cNvCxnSpPr>
+          <p:nvPr/>
+        </p:nvCxnSpPr>
+        <p:spPr>
+          <a:xfrm flipH="1">
+            <a:off x="8697097" y="4434939"/>
+            <a:ext cx="670277" cy="433257"/>
+          </a:xfrm>
+          <a:prstGeom prst="straightConnector1">
+            <a:avLst/>
+          </a:prstGeom>
+          <a:ln>
+            <a:solidFill>
+              <a:schemeClr val="tx1"/>
+            </a:solidFill>
+            <a:headEnd type="none" w="med" len="med"/>
+            <a:tailEnd type="arrow" w="med" len="med"/>
+          </a:ln>
+        </p:spPr>
+        <p:style>
+          <a:lnRef idx="1">
+            <a:schemeClr val="accent1"/>
+          </a:lnRef>
+          <a:fillRef idx="0">
+            <a:schemeClr val="accent1"/>
+          </a:fillRef>
+          <a:effectRef idx="0">
+            <a:schemeClr val="accent1"/>
+          </a:effectRef>
+          <a:fontRef idx="minor">
+            <a:schemeClr val="tx1"/>
+          </a:fontRef>
+        </p:style>
+      </p:cxnSp>
+      <p:cxnSp>
+        <p:nvCxnSpPr>
+          <p:cNvPr id="158" name="Straight Arrow Connector 157">
+            <a:extLst>
+              <a:ext uri="{FF2B5EF4-FFF2-40B4-BE49-F238E27FC236}">
+                <a16:creationId xmlns:a16="http://schemas.microsoft.com/office/drawing/2014/main" id="{F4090B6A-3293-F848-ABEE-C171C7C66EB0}"/>
+              </a:ext>
+            </a:extLst>
+          </p:cNvPr>
+          <p:cNvCxnSpPr>
+            <a:cxnSpLocks/>
+            <a:stCxn id="48" idx="2"/>
+            <a:endCxn id="49" idx="0"/>
+          </p:cNvCxnSpPr>
+          <p:nvPr/>
+        </p:nvCxnSpPr>
+        <p:spPr>
+          <a:xfrm flipH="1">
+            <a:off x="8697097" y="4430278"/>
+            <a:ext cx="2103077" cy="437918"/>
+          </a:xfrm>
+          <a:prstGeom prst="straightConnector1">
+            <a:avLst/>
+          </a:prstGeom>
+          <a:ln>
+            <a:solidFill>
+              <a:schemeClr val="tx1"/>
+            </a:solidFill>
+            <a:headEnd type="none" w="med" len="med"/>
+            <a:tailEnd type="arrow" w="med" len="med"/>
+          </a:ln>
+        </p:spPr>
+        <p:style>
+          <a:lnRef idx="1">
+            <a:schemeClr val="accent1"/>
+          </a:lnRef>
+          <a:fillRef idx="0">
+            <a:schemeClr val="accent1"/>
+          </a:fillRef>
+          <a:effectRef idx="0">
+            <a:schemeClr val="accent1"/>
+          </a:effectRef>
+          <a:fontRef idx="minor">
+            <a:schemeClr val="tx1"/>
+          </a:fontRef>
+        </p:style>
+      </p:cxnSp>
+      <p:cxnSp>
+        <p:nvCxnSpPr>
+          <p:cNvPr id="161" name="Straight Arrow Connector 160">
+            <a:extLst>
+              <a:ext uri="{FF2B5EF4-FFF2-40B4-BE49-F238E27FC236}">
+                <a16:creationId xmlns:a16="http://schemas.microsoft.com/office/drawing/2014/main" id="{ECD7D1C6-6F6F-A740-87EB-46A64A4A6E33}"/>
+              </a:ext>
+            </a:extLst>
+          </p:cNvPr>
+          <p:cNvCxnSpPr>
+            <a:cxnSpLocks/>
+            <a:stCxn id="46" idx="2"/>
+            <a:endCxn id="49" idx="0"/>
+          </p:cNvCxnSpPr>
+          <p:nvPr/>
+        </p:nvCxnSpPr>
+        <p:spPr>
+          <a:xfrm>
+            <a:off x="7934574" y="4430278"/>
+            <a:ext cx="762523" cy="437918"/>
+          </a:xfrm>
+          <a:prstGeom prst="straightConnector1">
+            <a:avLst/>
+          </a:prstGeom>
+          <a:ln>
+            <a:solidFill>
+              <a:schemeClr val="tx1"/>
+            </a:solidFill>
+            <a:headEnd type="none" w="med" len="med"/>
+            <a:tailEnd type="arrow" w="med" len="med"/>
+          </a:ln>
+        </p:spPr>
+        <p:style>
+          <a:lnRef idx="1">
+            <a:schemeClr val="accent1"/>
+          </a:lnRef>
+          <a:fillRef idx="0">
+            <a:schemeClr val="accent1"/>
+          </a:fillRef>
+          <a:effectRef idx="0">
+            <a:schemeClr val="accent1"/>
+          </a:effectRef>
+          <a:fontRef idx="minor">
+            <a:schemeClr val="tx1"/>
+          </a:fontRef>
+        </p:style>
+      </p:cxnSp>
+      <p:cxnSp>
+        <p:nvCxnSpPr>
+          <p:cNvPr id="164" name="Straight Arrow Connector 163">
+            <a:extLst>
+              <a:ext uri="{FF2B5EF4-FFF2-40B4-BE49-F238E27FC236}">
+                <a16:creationId xmlns:a16="http://schemas.microsoft.com/office/drawing/2014/main" id="{0A8A3C99-6273-FA4E-B176-0BFDB79ECF80}"/>
+              </a:ext>
+            </a:extLst>
+          </p:cNvPr>
+          <p:cNvCxnSpPr>
+            <a:cxnSpLocks/>
+            <a:stCxn id="44" idx="2"/>
+            <a:endCxn id="49" idx="0"/>
+          </p:cNvCxnSpPr>
+          <p:nvPr/>
+        </p:nvCxnSpPr>
+        <p:spPr>
+          <a:xfrm>
+            <a:off x="6501774" y="4430278"/>
+            <a:ext cx="2195323" cy="437918"/>
+          </a:xfrm>
+          <a:prstGeom prst="straightConnector1">
+            <a:avLst/>
+          </a:prstGeom>
+          <a:ln>
+            <a:solidFill>
+              <a:schemeClr val="tx1"/>
+            </a:solidFill>
+            <a:headEnd type="none" w="med" len="med"/>
+            <a:tailEnd type="arrow" w="med" len="med"/>
+          </a:ln>
+        </p:spPr>
+        <p:style>
+          <a:lnRef idx="1">
+            <a:schemeClr val="accent1"/>
+          </a:lnRef>
+          <a:fillRef idx="0">
+            <a:schemeClr val="accent1"/>
+          </a:fillRef>
+          <a:effectRef idx="0">
+            <a:schemeClr val="accent1"/>
+          </a:effectRef>
+          <a:fontRef idx="minor">
+            <a:schemeClr val="tx1"/>
+          </a:fontRef>
+        </p:style>
+      </p:cxnSp>
+      <p:sp>
+        <p:nvSpPr>
+          <p:cNvPr id="167" name="TextBox 166">
+            <a:extLst>
+              <a:ext uri="{FF2B5EF4-FFF2-40B4-BE49-F238E27FC236}">
+                <a16:creationId xmlns:a16="http://schemas.microsoft.com/office/drawing/2014/main" id="{5DC3F3BF-FBA9-0544-AEAB-E9563127954C}"/>
+              </a:ext>
+            </a:extLst>
+          </p:cNvPr>
+          <p:cNvSpPr txBox="1"/>
+          <p:nvPr/>
+        </p:nvSpPr>
+        <p:spPr>
+          <a:xfrm>
+            <a:off x="7326852" y="4526843"/>
+            <a:ext cx="2664990" cy="184666"/>
+          </a:xfrm>
+          <a:prstGeom prst="rect">
+            <a:avLst/>
+          </a:prstGeom>
+          <a:solidFill>
+            <a:schemeClr val="bg1"/>
+          </a:solidFill>
+        </p:spPr>
+        <p:txBody>
+          <a:bodyPr wrap="square" tIns="0" bIns="0" rtlCol="0">
+            <a:spAutoFit/>
+          </a:bodyPr>
+          <a:lstStyle/>
+          <a:p>
+            <a:pPr algn="ctr"/>
+            <a:r>
+              <a:rPr lang="en-US" sz="1200"/>
+              <a:t>skos:topConceptOf</a:t>
+            </a:r>
+          </a:p>
+        </p:txBody>
+      </p:sp>
+      <p:sp>
+        <p:nvSpPr>
+          <p:cNvPr id="34" name="Oval 33">
+            <a:extLst>
+              <a:ext uri="{FF2B5EF4-FFF2-40B4-BE49-F238E27FC236}">
+                <a16:creationId xmlns:a16="http://schemas.microsoft.com/office/drawing/2014/main" id="{4FAE4D4D-B968-DE40-AF71-C5BB07C97512}"/>
               </a:ext>
             </a:extLst>
           </p:cNvPr>
@@ -5933,7 +6477,67 @@
         </p:nvSpPr>
         <p:spPr>
           <a:xfrm>
-            <a:off x="4352152" y="6044370"/>
+            <a:off x="10084088" y="4868196"/>
+            <a:ext cx="2042756" cy="944035"/>
+          </a:xfrm>
+          <a:prstGeom prst="ellipse">
+            <a:avLst/>
+          </a:prstGeom>
+          <a:noFill/>
+          <a:ln>
+            <a:solidFill>
+              <a:schemeClr val="tx1"/>
+            </a:solidFill>
+            <a:prstDash val="sysDot"/>
+          </a:ln>
+        </p:spPr>
+        <p:style>
+          <a:lnRef idx="2">
+            <a:schemeClr val="accent1">
+              <a:shade val="50000"/>
+            </a:schemeClr>
+          </a:lnRef>
+          <a:fillRef idx="1">
+            <a:schemeClr val="accent1"/>
+          </a:fillRef>
+          <a:effectRef idx="0">
+            <a:schemeClr val="accent1"/>
+          </a:effectRef>
+          <a:fontRef idx="minor">
+            <a:schemeClr val="lt1"/>
+          </a:fontRef>
+        </p:style>
+        <p:txBody>
+          <a:bodyPr lIns="0" tIns="0" rIns="0" bIns="0" rtlCol="0" anchor="ctr"/>
+          <a:lstStyle/>
+          <a:p>
+            <a:pPr algn="ctr"/>
+            <a:r>
+              <a:rPr lang="en-US" sz="1000">
+                <a:solidFill>
+                  <a:schemeClr val="tx1"/>
+                </a:solidFill>
+              </a:rPr>
+              <a:t>Suggested subset of possible roles a resource may play with regard to a profile</a:t>
+            </a:r>
+          </a:p>
+        </p:txBody>
+      </p:sp>
+      <p:sp>
+        <p:nvSpPr>
+          <p:cNvPr id="35" name="Rounded Rectangle 72">
+            <a:extLst>
+              <a:ext uri="{FF2B5EF4-FFF2-40B4-BE49-F238E27FC236}">
+                <a16:creationId xmlns:a16="http://schemas.microsoft.com/office/drawing/2014/main" id="{3F59CCE7-DC42-4BF8-9623-4D1DAFA9369E}"/>
+              </a:ext>
+            </a:extLst>
+          </p:cNvPr>
+          <p:cNvSpPr/>
+          <p:nvPr/>
+        </p:nvSpPr>
+        <p:spPr>
+          <a:xfrm>
+            <a:off x="4262774" y="2983294"/>
             <a:ext cx="1248936" cy="657922"/>
           </a:xfrm>
           <a:prstGeom prst="roundRect">
@@ -5977,7 +6581,7 @@
           <a:p>
             <a:pPr algn="ctr"/>
             <a:r>
-              <a:rPr lang="en-US" sz="1200">
+              <a:rPr lang="en-US" sz="1400">
                 <a:solidFill>
                   <a:schemeClr val="tx1"/>
                 </a:solidFill>
@@ -5985,14 +6589,14 @@
               <a:t>owl:Named</a:t>
             </a:r>
             <a:br>
-              <a:rPr lang="en-US" sz="1200">
+              <a:rPr lang="en-US" sz="1400">
                 <a:solidFill>
                   <a:schemeClr val="tx1"/>
                 </a:solidFill>
               </a:rPr>
             </a:br>
             <a:r>
-              <a:rPr lang="en-US" sz="1200">
+              <a:rPr lang="en-US" sz="1400">
                 <a:solidFill>
                   <a:schemeClr val="tx1"/>
                 </a:solidFill>
@@ -6004,297 +6608,10 @@
       </p:sp>
       <p:cxnSp>
         <p:nvCxnSpPr>
-          <p:cNvPr id="77" name="Straight Arrow Connector 76">
-            <a:extLst>
-              <a:ext uri="{FF2B5EF4-FFF2-40B4-BE49-F238E27FC236}">
-                <a16:creationId xmlns:a16="http://schemas.microsoft.com/office/drawing/2014/main" id="{F06EB8D3-58FB-F743-B044-646E9F3518EF}"/>
-              </a:ext>
-            </a:extLst>
-          </p:cNvPr>
-          <p:cNvCxnSpPr>
-            <a:cxnSpLocks/>
-            <a:stCxn id="44" idx="0"/>
-            <a:endCxn id="85" idx="2"/>
-          </p:cNvCxnSpPr>
-          <p:nvPr/>
-        </p:nvCxnSpPr>
-        <p:spPr>
-          <a:xfrm flipV="1">
-            <a:off x="6501774" y="3418320"/>
-            <a:ext cx="2195323" cy="354036"/>
-          </a:xfrm>
-          <a:prstGeom prst="straightConnector1">
-            <a:avLst/>
-          </a:prstGeom>
-          <a:ln>
-            <a:solidFill>
-              <a:schemeClr val="tx1"/>
-            </a:solidFill>
-            <a:prstDash val="solid"/>
-            <a:headEnd type="none" w="med" len="med"/>
-            <a:tailEnd type="triangle" w="med" len="med"/>
-          </a:ln>
-        </p:spPr>
-        <p:style>
-          <a:lnRef idx="1">
-            <a:schemeClr val="accent1"/>
-          </a:lnRef>
-          <a:fillRef idx="0">
-            <a:schemeClr val="accent1"/>
-          </a:fillRef>
-          <a:effectRef idx="0">
-            <a:schemeClr val="accent1"/>
-          </a:effectRef>
-          <a:fontRef idx="minor">
-            <a:schemeClr val="tx1"/>
-          </a:fontRef>
-        </p:style>
-      </p:cxnSp>
-      <p:cxnSp>
-        <p:nvCxnSpPr>
-          <p:cNvPr id="88" name="Straight Arrow Connector 87">
-            <a:extLst>
-              <a:ext uri="{FF2B5EF4-FFF2-40B4-BE49-F238E27FC236}">
-                <a16:creationId xmlns:a16="http://schemas.microsoft.com/office/drawing/2014/main" id="{DB059429-0B53-724B-8E69-C6376CA2A1F2}"/>
-              </a:ext>
-            </a:extLst>
-          </p:cNvPr>
-          <p:cNvCxnSpPr>
-            <a:cxnSpLocks/>
-            <a:stCxn id="46" idx="0"/>
-            <a:endCxn id="85" idx="2"/>
-          </p:cNvCxnSpPr>
-          <p:nvPr/>
-        </p:nvCxnSpPr>
-        <p:spPr>
-          <a:xfrm flipV="1">
-            <a:off x="7934574" y="3418320"/>
-            <a:ext cx="762523" cy="354036"/>
-          </a:xfrm>
-          <a:prstGeom prst="straightConnector1">
-            <a:avLst/>
-          </a:prstGeom>
-          <a:ln>
-            <a:solidFill>
-              <a:schemeClr val="tx1"/>
-            </a:solidFill>
-            <a:prstDash val="solid"/>
-            <a:headEnd type="none" w="med" len="med"/>
-            <a:tailEnd type="triangle" w="med" len="med"/>
-          </a:ln>
-        </p:spPr>
-        <p:style>
-          <a:lnRef idx="1">
-            <a:schemeClr val="accent1"/>
-          </a:lnRef>
-          <a:fillRef idx="0">
-            <a:schemeClr val="accent1"/>
-          </a:fillRef>
-          <a:effectRef idx="0">
-            <a:schemeClr val="accent1"/>
-          </a:effectRef>
-          <a:fontRef idx="minor">
-            <a:schemeClr val="tx1"/>
-          </a:fontRef>
-        </p:style>
-      </p:cxnSp>
-      <p:cxnSp>
-        <p:nvCxnSpPr>
-          <p:cNvPr id="91" name="Straight Arrow Connector 90">
-            <a:extLst>
-              <a:ext uri="{FF2B5EF4-FFF2-40B4-BE49-F238E27FC236}">
-                <a16:creationId xmlns:a16="http://schemas.microsoft.com/office/drawing/2014/main" id="{900D4D81-8E4B-DF46-A522-3518D8494415}"/>
-              </a:ext>
-            </a:extLst>
-          </p:cNvPr>
-          <p:cNvCxnSpPr>
-            <a:cxnSpLocks/>
-            <a:stCxn id="47" idx="0"/>
-            <a:endCxn id="85" idx="2"/>
-          </p:cNvCxnSpPr>
-          <p:nvPr/>
-        </p:nvCxnSpPr>
-        <p:spPr>
-          <a:xfrm flipH="1" flipV="1">
-            <a:off x="8697097" y="3418320"/>
-            <a:ext cx="670277" cy="358697"/>
-          </a:xfrm>
-          <a:prstGeom prst="straightConnector1">
-            <a:avLst/>
-          </a:prstGeom>
-          <a:ln>
-            <a:solidFill>
-              <a:schemeClr val="tx1"/>
-            </a:solidFill>
-            <a:prstDash val="solid"/>
-            <a:headEnd type="none" w="med" len="med"/>
-            <a:tailEnd type="triangle" w="med" len="med"/>
-          </a:ln>
-        </p:spPr>
-        <p:style>
-          <a:lnRef idx="1">
-            <a:schemeClr val="accent1"/>
-          </a:lnRef>
-          <a:fillRef idx="0">
-            <a:schemeClr val="accent1"/>
-          </a:fillRef>
-          <a:effectRef idx="0">
-            <a:schemeClr val="accent1"/>
-          </a:effectRef>
-          <a:fontRef idx="minor">
-            <a:schemeClr val="tx1"/>
-          </a:fontRef>
-        </p:style>
-      </p:cxnSp>
-      <p:cxnSp>
-        <p:nvCxnSpPr>
-          <p:cNvPr id="95" name="Straight Arrow Connector 94">
-            <a:extLst>
-              <a:ext uri="{FF2B5EF4-FFF2-40B4-BE49-F238E27FC236}">
-                <a16:creationId xmlns:a16="http://schemas.microsoft.com/office/drawing/2014/main" id="{66F666EF-8DB6-DD43-99DF-A4480801DDBB}"/>
-              </a:ext>
-            </a:extLst>
-          </p:cNvPr>
-          <p:cNvCxnSpPr>
-            <a:cxnSpLocks/>
-            <a:stCxn id="48" idx="0"/>
-            <a:endCxn id="85" idx="2"/>
-          </p:cNvCxnSpPr>
-          <p:nvPr/>
-        </p:nvCxnSpPr>
-        <p:spPr>
-          <a:xfrm flipH="1" flipV="1">
-            <a:off x="8697097" y="3418320"/>
-            <a:ext cx="2103077" cy="354036"/>
-          </a:xfrm>
-          <a:prstGeom prst="straightConnector1">
-            <a:avLst/>
-          </a:prstGeom>
-          <a:ln>
-            <a:solidFill>
-              <a:schemeClr val="tx1"/>
-            </a:solidFill>
-            <a:prstDash val="solid"/>
-            <a:headEnd type="none" w="med" len="med"/>
-            <a:tailEnd type="triangle" w="med" len="med"/>
-          </a:ln>
-        </p:spPr>
-        <p:style>
-          <a:lnRef idx="1">
-            <a:schemeClr val="accent1"/>
-          </a:lnRef>
-          <a:fillRef idx="0">
-            <a:schemeClr val="accent1"/>
-          </a:fillRef>
-          <a:effectRef idx="0">
-            <a:schemeClr val="accent1"/>
-          </a:effectRef>
-          <a:fontRef idx="minor">
-            <a:schemeClr val="tx1"/>
-          </a:fontRef>
-        </p:style>
-      </p:cxnSp>
-      <p:cxnSp>
-        <p:nvCxnSpPr>
-          <p:cNvPr id="97" name="Straight Arrow Connector 96">
-            <a:extLst>
-              <a:ext uri="{FF2B5EF4-FFF2-40B4-BE49-F238E27FC236}">
-                <a16:creationId xmlns:a16="http://schemas.microsoft.com/office/drawing/2014/main" id="{E41B87AF-B81C-7C4A-9B82-2C1E875BF5BA}"/>
-              </a:ext>
-            </a:extLst>
-          </p:cNvPr>
-          <p:cNvCxnSpPr>
-            <a:cxnSpLocks/>
-            <a:stCxn id="49" idx="2"/>
-            <a:endCxn id="107" idx="0"/>
-          </p:cNvCxnSpPr>
-          <p:nvPr/>
-        </p:nvCxnSpPr>
-        <p:spPr>
-          <a:xfrm>
-            <a:off x="8697097" y="5526118"/>
-            <a:ext cx="0" cy="393859"/>
-          </a:xfrm>
-          <a:prstGeom prst="straightConnector1">
-            <a:avLst/>
-          </a:prstGeom>
-          <a:ln>
-            <a:solidFill>
-              <a:schemeClr val="tx1"/>
-            </a:solidFill>
-            <a:prstDash val="solid"/>
-            <a:headEnd type="none" w="med" len="med"/>
-            <a:tailEnd type="triangle" w="med" len="med"/>
-          </a:ln>
-        </p:spPr>
-        <p:style>
-          <a:lnRef idx="1">
-            <a:schemeClr val="accent1"/>
-          </a:lnRef>
-          <a:fillRef idx="0">
-            <a:schemeClr val="accent1"/>
-          </a:fillRef>
-          <a:effectRef idx="0">
-            <a:schemeClr val="accent1"/>
-          </a:effectRef>
-          <a:fontRef idx="minor">
-            <a:schemeClr val="tx1"/>
-          </a:fontRef>
-        </p:style>
-      </p:cxnSp>
-      <p:cxnSp>
-        <p:nvCxnSpPr>
-          <p:cNvPr id="101" name="Straight Arrow Connector 100">
-            <a:extLst>
-              <a:ext uri="{FF2B5EF4-FFF2-40B4-BE49-F238E27FC236}">
-                <a16:creationId xmlns:a16="http://schemas.microsoft.com/office/drawing/2014/main" id="{E2C328B5-3E99-9342-857A-F644F1AC7246}"/>
-              </a:ext>
-            </a:extLst>
-          </p:cNvPr>
-          <p:cNvCxnSpPr>
-            <a:cxnSpLocks/>
-            <a:stCxn id="49" idx="3"/>
-            <a:endCxn id="34" idx="2"/>
-          </p:cNvCxnSpPr>
-          <p:nvPr/>
-        </p:nvCxnSpPr>
-        <p:spPr>
-          <a:xfrm>
-            <a:off x="9321565" y="5197157"/>
-            <a:ext cx="762523" cy="143057"/>
-          </a:xfrm>
-          <a:prstGeom prst="straightConnector1">
-            <a:avLst/>
-          </a:prstGeom>
-          <a:ln>
-            <a:solidFill>
-              <a:schemeClr val="tx1"/>
-            </a:solidFill>
-            <a:headEnd type="none" w="med" len="med"/>
-            <a:tailEnd type="arrow" w="med" len="med"/>
-          </a:ln>
-        </p:spPr>
-        <p:style>
-          <a:lnRef idx="1">
-            <a:schemeClr val="accent1"/>
-          </a:lnRef>
-          <a:fillRef idx="0">
-            <a:schemeClr val="accent1"/>
-          </a:fillRef>
-          <a:effectRef idx="0">
-            <a:schemeClr val="accent1"/>
-          </a:effectRef>
-          <a:fontRef idx="minor">
-            <a:schemeClr val="tx1"/>
-          </a:fontRef>
-        </p:style>
-      </p:cxnSp>
-      <p:cxnSp>
-        <p:nvCxnSpPr>
-          <p:cNvPr id="105" name="Straight Arrow Connector 104">
-            <a:extLst>
-              <a:ext uri="{FF2B5EF4-FFF2-40B4-BE49-F238E27FC236}">
-                <a16:creationId xmlns:a16="http://schemas.microsoft.com/office/drawing/2014/main" id="{31550200-A0AE-8F4F-AFE6-0D6902C14D0F}"/>
+          <p:cNvPr id="37" name="Straight Arrow Connector 36">
+            <a:extLst>
+              <a:ext uri="{FF2B5EF4-FFF2-40B4-BE49-F238E27FC236}">
+                <a16:creationId xmlns:a16="http://schemas.microsoft.com/office/drawing/2014/main" id="{7EC16D26-7451-462C-BE32-B3798B5ECF1F}"/>
               </a:ext>
             </a:extLst>
           </p:cNvPr>
@@ -6305,7 +6622,7 @@
         </p:nvCxnSpPr>
         <p:spPr>
           <a:xfrm flipV="1">
-            <a:off x="5835023" y="5354581"/>
+            <a:off x="4423983" y="4480881"/>
             <a:ext cx="0" cy="423748"/>
           </a:xfrm>
           <a:prstGeom prst="straightConnector1">
@@ -6315,9 +6632,9 @@
             <a:solidFill>
               <a:schemeClr val="tx1"/>
             </a:solidFill>
-            <a:prstDash val="solid"/>
+            <a:prstDash val="sysDot"/>
             <a:headEnd type="none" w="med" len="med"/>
-            <a:tailEnd type="triangle" w="med" len="med"/>
+            <a:tailEnd type="arrow" w="med" len="med"/>
           </a:ln>
         </p:spPr>
         <p:style>
@@ -6337,10 +6654,10 @@
       </p:cxnSp>
       <p:sp>
         <p:nvSpPr>
-          <p:cNvPr id="112" name="TextBox 111">
-            <a:extLst>
-              <a:ext uri="{FF2B5EF4-FFF2-40B4-BE49-F238E27FC236}">
-                <a16:creationId xmlns:a16="http://schemas.microsoft.com/office/drawing/2014/main" id="{8BBF5037-F5F7-8548-A9CC-9DA3BBA3C942}"/>
+          <p:cNvPr id="38" name="TextBox 37">
+            <a:extLst>
+              <a:ext uri="{FF2B5EF4-FFF2-40B4-BE49-F238E27FC236}">
+                <a16:creationId xmlns:a16="http://schemas.microsoft.com/office/drawing/2014/main" id="{B3EB44DA-F468-43D6-907F-3EB907557F4A}"/>
               </a:ext>
             </a:extLst>
           </p:cNvPr>
@@ -6349,7 +6666,7 @@
         </p:nvSpPr>
         <p:spPr>
           <a:xfrm>
-            <a:off x="5871188" y="5427955"/>
+            <a:off x="4460148" y="4554255"/>
             <a:ext cx="681084" cy="276999"/>
           </a:xfrm>
           <a:prstGeom prst="rect">
@@ -6372,10 +6689,10 @@
       </p:sp>
       <p:cxnSp>
         <p:nvCxnSpPr>
-          <p:cNvPr id="113" name="Straight Arrow Connector 112">
-            <a:extLst>
-              <a:ext uri="{FF2B5EF4-FFF2-40B4-BE49-F238E27FC236}">
-                <a16:creationId xmlns:a16="http://schemas.microsoft.com/office/drawing/2014/main" id="{6CC692EB-D3FD-484D-A0EE-564F0B1A894E}"/>
+          <p:cNvPr id="39" name="Straight Arrow Connector 38">
+            <a:extLst>
+              <a:ext uri="{FF2B5EF4-FFF2-40B4-BE49-F238E27FC236}">
+                <a16:creationId xmlns:a16="http://schemas.microsoft.com/office/drawing/2014/main" id="{0CE1ED71-E041-40DB-A567-24B678E3BFE1}"/>
               </a:ext>
             </a:extLst>
           </p:cNvPr>
@@ -6386,7 +6703,7 @@
         </p:nvCxnSpPr>
         <p:spPr>
           <a:xfrm flipV="1">
-            <a:off x="6697414" y="5354582"/>
+            <a:off x="4421493" y="5181535"/>
             <a:ext cx="0" cy="423747"/>
           </a:xfrm>
           <a:prstGeom prst="straightConnector1">
@@ -6418,10 +6735,10 @@
       </p:cxnSp>
       <p:sp>
         <p:nvSpPr>
-          <p:cNvPr id="116" name="TextBox 115">
-            <a:extLst>
-              <a:ext uri="{FF2B5EF4-FFF2-40B4-BE49-F238E27FC236}">
-                <a16:creationId xmlns:a16="http://schemas.microsoft.com/office/drawing/2014/main" id="{E136A5EF-96F9-2A43-AA04-4DAD6BAD0563}"/>
+          <p:cNvPr id="40" name="TextBox 39">
+            <a:extLst>
+              <a:ext uri="{FF2B5EF4-FFF2-40B4-BE49-F238E27FC236}">
+                <a16:creationId xmlns:a16="http://schemas.microsoft.com/office/drawing/2014/main" id="{EA64070F-344F-4FCD-A248-28745D066FE6}"/>
               </a:ext>
             </a:extLst>
           </p:cNvPr>
@@ -6430,7 +6747,7 @@
         </p:nvSpPr>
         <p:spPr>
           <a:xfrm>
-            <a:off x="6739697" y="5427955"/>
+            <a:off x="4463776" y="5254908"/>
             <a:ext cx="1145506" cy="276999"/>
           </a:xfrm>
           <a:prstGeom prst="rect">
@@ -6453,10 +6770,10 @@
       </p:sp>
       <p:sp>
         <p:nvSpPr>
-          <p:cNvPr id="117" name="Rounded Rectangle 116">
-            <a:extLst>
-              <a:ext uri="{FF2B5EF4-FFF2-40B4-BE49-F238E27FC236}">
-                <a16:creationId xmlns:a16="http://schemas.microsoft.com/office/drawing/2014/main" id="{0CF97090-E44E-1F4B-AB90-8BAE6E29282C}"/>
+          <p:cNvPr id="41" name="Rounded Rectangle 77">
+            <a:extLst>
+              <a:ext uri="{FF2B5EF4-FFF2-40B4-BE49-F238E27FC236}">
+                <a16:creationId xmlns:a16="http://schemas.microsoft.com/office/drawing/2014/main" id="{94AEF41D-5276-4AA3-9A8C-120139DAEDD1}"/>
               </a:ext>
             </a:extLst>
           </p:cNvPr>
@@ -6465,7 +6782,7 @@
         </p:nvSpPr>
         <p:spPr>
           <a:xfrm>
-            <a:off x="4356872" y="5262055"/>
+            <a:off x="4262774" y="2139571"/>
             <a:ext cx="1248936" cy="657922"/>
           </a:xfrm>
           <a:prstGeom prst="roundRect">
@@ -6500,7 +6817,7 @@
           <a:p>
             <a:pPr algn="ctr"/>
             <a:r>
-              <a:rPr lang="en-US" sz="1200">
+              <a:rPr lang="en-US" sz="1400">
                 <a:solidFill>
                   <a:schemeClr val="tx1"/>
                 </a:solidFill>
@@ -6510,12 +6827,58 @@
           </a:p>
         </p:txBody>
       </p:sp>
-      <p:sp>
-        <p:nvSpPr>
-          <p:cNvPr id="64" name="TextBox 63">
-            <a:extLst>
-              <a:ext uri="{FF2B5EF4-FFF2-40B4-BE49-F238E27FC236}">
-                <a16:creationId xmlns:a16="http://schemas.microsoft.com/office/drawing/2014/main" id="{D8199262-1DFC-3641-8DEE-2826ACDE9B4A}"/>
+      <p:cxnSp>
+        <p:nvCxnSpPr>
+          <p:cNvPr id="42" name="Straight Arrow Connector 41">
+            <a:extLst>
+              <a:ext uri="{FF2B5EF4-FFF2-40B4-BE49-F238E27FC236}">
+                <a16:creationId xmlns:a16="http://schemas.microsoft.com/office/drawing/2014/main" id="{C03D029E-9EB2-4802-92B2-18880D17171B}"/>
+              </a:ext>
+            </a:extLst>
+          </p:cNvPr>
+          <p:cNvCxnSpPr>
+            <a:cxnSpLocks/>
+          </p:cNvCxnSpPr>
+          <p:nvPr/>
+        </p:nvCxnSpPr>
+        <p:spPr>
+          <a:xfrm flipV="1">
+            <a:off x="4423983" y="3815058"/>
+            <a:ext cx="0" cy="423748"/>
+          </a:xfrm>
+          <a:prstGeom prst="straightConnector1">
+            <a:avLst/>
+          </a:prstGeom>
+          <a:ln>
+            <a:solidFill>
+              <a:schemeClr val="tx1"/>
+            </a:solidFill>
+            <a:prstDash val="solid"/>
+            <a:headEnd type="none" w="med" len="med"/>
+            <a:tailEnd type="arrow" w="med" len="med"/>
+          </a:ln>
+        </p:spPr>
+        <p:style>
+          <a:lnRef idx="1">
+            <a:schemeClr val="accent1"/>
+          </a:lnRef>
+          <a:fillRef idx="0">
+            <a:schemeClr val="accent1"/>
+          </a:fillRef>
+          <a:effectRef idx="0">
+            <a:schemeClr val="accent1"/>
+          </a:effectRef>
+          <a:fontRef idx="minor">
+            <a:schemeClr val="tx1"/>
+          </a:fontRef>
+        </p:style>
+      </p:cxnSp>
+      <p:sp>
+        <p:nvSpPr>
+          <p:cNvPr id="43" name="TextBox 42">
+            <a:extLst>
+              <a:ext uri="{FF2B5EF4-FFF2-40B4-BE49-F238E27FC236}">
+                <a16:creationId xmlns:a16="http://schemas.microsoft.com/office/drawing/2014/main" id="{CD56DABA-CDC2-483A-8F54-3536ED837BAA}"/>
               </a:ext>
             </a:extLst>
           </p:cNvPr>
@@ -6523,16 +6886,14 @@
           <p:nvPr/>
         </p:nvSpPr>
         <p:spPr>
-          <a:xfrm rot="5400000">
-            <a:off x="9174565" y="5186896"/>
-            <a:ext cx="1062663" cy="276999"/>
+          <a:xfrm>
+            <a:off x="4460148" y="3888432"/>
+            <a:ext cx="727187" cy="276999"/>
           </a:xfrm>
           <a:prstGeom prst="rect">
             <a:avLst/>
           </a:prstGeom>
-          <a:solidFill>
-            <a:schemeClr val="bg1"/>
-          </a:solidFill>
+          <a:noFill/>
         </p:spPr>
         <p:txBody>
           <a:bodyPr wrap="none" rtlCol="0">
@@ -6542,205 +6903,17 @@
           <a:p>
             <a:r>
               <a:rPr lang="en-US" sz="1200"/>
-              <a:t>rdfs:comment</a:t>
-            </a:r>
-          </a:p>
-        </p:txBody>
-      </p:sp>
-      <p:cxnSp>
-        <p:nvCxnSpPr>
-          <p:cNvPr id="155" name="Straight Arrow Connector 154">
-            <a:extLst>
-              <a:ext uri="{FF2B5EF4-FFF2-40B4-BE49-F238E27FC236}">
-                <a16:creationId xmlns:a16="http://schemas.microsoft.com/office/drawing/2014/main" id="{BC5D2783-5BA6-344E-925D-13D9DE943E9A}"/>
-              </a:ext>
-            </a:extLst>
-          </p:cNvPr>
-          <p:cNvCxnSpPr>
-            <a:cxnSpLocks/>
-            <a:stCxn id="47" idx="2"/>
-            <a:endCxn id="49" idx="0"/>
-          </p:cNvCxnSpPr>
-          <p:nvPr/>
-        </p:nvCxnSpPr>
-        <p:spPr>
-          <a:xfrm flipH="1">
-            <a:off x="8697097" y="4434939"/>
-            <a:ext cx="670277" cy="433257"/>
-          </a:xfrm>
-          <a:prstGeom prst="straightConnector1">
-            <a:avLst/>
-          </a:prstGeom>
-          <a:ln>
-            <a:solidFill>
-              <a:schemeClr val="tx1"/>
-            </a:solidFill>
-            <a:headEnd type="none" w="med" len="med"/>
-            <a:tailEnd type="arrow" w="med" len="med"/>
-          </a:ln>
-        </p:spPr>
-        <p:style>
-          <a:lnRef idx="1">
-            <a:schemeClr val="accent1"/>
-          </a:lnRef>
-          <a:fillRef idx="0">
-            <a:schemeClr val="accent1"/>
-          </a:fillRef>
-          <a:effectRef idx="0">
-            <a:schemeClr val="accent1"/>
-          </a:effectRef>
-          <a:fontRef idx="minor">
-            <a:schemeClr val="tx1"/>
-          </a:fontRef>
-        </p:style>
-      </p:cxnSp>
-      <p:cxnSp>
-        <p:nvCxnSpPr>
-          <p:cNvPr id="158" name="Straight Arrow Connector 157">
-            <a:extLst>
-              <a:ext uri="{FF2B5EF4-FFF2-40B4-BE49-F238E27FC236}">
-                <a16:creationId xmlns:a16="http://schemas.microsoft.com/office/drawing/2014/main" id="{F4090B6A-3293-F848-ABEE-C171C7C66EB0}"/>
-              </a:ext>
-            </a:extLst>
-          </p:cNvPr>
-          <p:cNvCxnSpPr>
-            <a:cxnSpLocks/>
-            <a:stCxn id="48" idx="2"/>
-            <a:endCxn id="49" idx="0"/>
-          </p:cNvCxnSpPr>
-          <p:nvPr/>
-        </p:nvCxnSpPr>
-        <p:spPr>
-          <a:xfrm flipH="1">
-            <a:off x="8697097" y="4430278"/>
-            <a:ext cx="2103077" cy="437918"/>
-          </a:xfrm>
-          <a:prstGeom prst="straightConnector1">
-            <a:avLst/>
-          </a:prstGeom>
-          <a:ln>
-            <a:solidFill>
-              <a:schemeClr val="tx1"/>
-            </a:solidFill>
-            <a:headEnd type="none" w="med" len="med"/>
-            <a:tailEnd type="arrow" w="med" len="med"/>
-          </a:ln>
-        </p:spPr>
-        <p:style>
-          <a:lnRef idx="1">
-            <a:schemeClr val="accent1"/>
-          </a:lnRef>
-          <a:fillRef idx="0">
-            <a:schemeClr val="accent1"/>
-          </a:fillRef>
-          <a:effectRef idx="0">
-            <a:schemeClr val="accent1"/>
-          </a:effectRef>
-          <a:fontRef idx="minor">
-            <a:schemeClr val="tx1"/>
-          </a:fontRef>
-        </p:style>
-      </p:cxnSp>
-      <p:cxnSp>
-        <p:nvCxnSpPr>
-          <p:cNvPr id="161" name="Straight Arrow Connector 160">
-            <a:extLst>
-              <a:ext uri="{FF2B5EF4-FFF2-40B4-BE49-F238E27FC236}">
-                <a16:creationId xmlns:a16="http://schemas.microsoft.com/office/drawing/2014/main" id="{ECD7D1C6-6F6F-A740-87EB-46A64A4A6E33}"/>
-              </a:ext>
-            </a:extLst>
-          </p:cNvPr>
-          <p:cNvCxnSpPr>
-            <a:cxnSpLocks/>
-            <a:stCxn id="46" idx="2"/>
-            <a:endCxn id="49" idx="0"/>
-          </p:cNvCxnSpPr>
-          <p:nvPr/>
-        </p:nvCxnSpPr>
-        <p:spPr>
-          <a:xfrm>
-            <a:off x="7934574" y="4430278"/>
-            <a:ext cx="762523" cy="437918"/>
-          </a:xfrm>
-          <a:prstGeom prst="straightConnector1">
-            <a:avLst/>
-          </a:prstGeom>
-          <a:ln>
-            <a:solidFill>
-              <a:schemeClr val="tx1"/>
-            </a:solidFill>
-            <a:headEnd type="none" w="med" len="med"/>
-            <a:tailEnd type="arrow" w="med" len="med"/>
-          </a:ln>
-        </p:spPr>
-        <p:style>
-          <a:lnRef idx="1">
-            <a:schemeClr val="accent1"/>
-          </a:lnRef>
-          <a:fillRef idx="0">
-            <a:schemeClr val="accent1"/>
-          </a:fillRef>
-          <a:effectRef idx="0">
-            <a:schemeClr val="accent1"/>
-          </a:effectRef>
-          <a:fontRef idx="minor">
-            <a:schemeClr val="tx1"/>
-          </a:fontRef>
-        </p:style>
-      </p:cxnSp>
-      <p:cxnSp>
-        <p:nvCxnSpPr>
-          <p:cNvPr id="164" name="Straight Arrow Connector 163">
-            <a:extLst>
-              <a:ext uri="{FF2B5EF4-FFF2-40B4-BE49-F238E27FC236}">
-                <a16:creationId xmlns:a16="http://schemas.microsoft.com/office/drawing/2014/main" id="{0A8A3C99-6273-FA4E-B176-0BFDB79ECF80}"/>
-              </a:ext>
-            </a:extLst>
-          </p:cNvPr>
-          <p:cNvCxnSpPr>
-            <a:cxnSpLocks/>
-            <a:stCxn id="44" idx="2"/>
-            <a:endCxn id="49" idx="0"/>
-          </p:cNvCxnSpPr>
-          <p:nvPr/>
-        </p:nvCxnSpPr>
-        <p:spPr>
-          <a:xfrm>
-            <a:off x="6501774" y="4430278"/>
-            <a:ext cx="2195323" cy="437918"/>
-          </a:xfrm>
-          <a:prstGeom prst="straightConnector1">
-            <a:avLst/>
-          </a:prstGeom>
-          <a:ln>
-            <a:solidFill>
-              <a:schemeClr val="tx1"/>
-            </a:solidFill>
-            <a:headEnd type="none" w="med" len="med"/>
-            <a:tailEnd type="arrow" w="med" len="med"/>
-          </a:ln>
-        </p:spPr>
-        <p:style>
-          <a:lnRef idx="1">
-            <a:schemeClr val="accent1"/>
-          </a:lnRef>
-          <a:fillRef idx="0">
-            <a:schemeClr val="accent1"/>
-          </a:fillRef>
-          <a:effectRef idx="0">
-            <a:schemeClr val="accent1"/>
-          </a:effectRef>
-          <a:fontRef idx="minor">
-            <a:schemeClr val="tx1"/>
-          </a:fontRef>
-        </p:style>
-      </p:cxnSp>
-      <p:sp>
-        <p:nvSpPr>
-          <p:cNvPr id="167" name="TextBox 166">
-            <a:extLst>
-              <a:ext uri="{FF2B5EF4-FFF2-40B4-BE49-F238E27FC236}">
-                <a16:creationId xmlns:a16="http://schemas.microsoft.com/office/drawing/2014/main" id="{5DC3F3BF-FBA9-0544-AEAB-E9563127954C}"/>
+              <a:t>property</a:t>
+            </a:r>
+          </a:p>
+        </p:txBody>
+      </p:sp>
+      <p:sp>
+        <p:nvSpPr>
+          <p:cNvPr id="45" name="TextBox 44">
+            <a:extLst>
+              <a:ext uri="{FF2B5EF4-FFF2-40B4-BE49-F238E27FC236}">
+                <a16:creationId xmlns:a16="http://schemas.microsoft.com/office/drawing/2014/main" id="{9BF95928-430F-4EA0-B509-92F3DB5BC13B}"/>
               </a:ext>
             </a:extLst>
           </p:cNvPr>
@@ -6749,186 +6922,7 @@
         </p:nvSpPr>
         <p:spPr>
           <a:xfrm>
-            <a:off x="7326852" y="4526843"/>
-            <a:ext cx="2664990" cy="184666"/>
-          </a:xfrm>
-          <a:prstGeom prst="rect">
-            <a:avLst/>
-          </a:prstGeom>
-          <a:solidFill>
-            <a:schemeClr val="bg1"/>
-          </a:solidFill>
-        </p:spPr>
-        <p:txBody>
-          <a:bodyPr wrap="square" tIns="0" bIns="0" rtlCol="0">
-            <a:spAutoFit/>
-          </a:bodyPr>
-          <a:lstStyle/>
-          <a:p>
-            <a:pPr algn="ctr"/>
-            <a:r>
-              <a:rPr lang="en-US" sz="1200"/>
-              <a:t>skos:topConceptOf</a:t>
-            </a:r>
-          </a:p>
-        </p:txBody>
-      </p:sp>
-      <p:cxnSp>
-        <p:nvCxnSpPr>
-          <p:cNvPr id="50" name="Straight Arrow Connector 49">
-            <a:extLst>
-              <a:ext uri="{FF2B5EF4-FFF2-40B4-BE49-F238E27FC236}">
-                <a16:creationId xmlns:a16="http://schemas.microsoft.com/office/drawing/2014/main" id="{0CFD761C-6B32-8B45-98E0-94010B8B11A4}"/>
-              </a:ext>
-            </a:extLst>
-          </p:cNvPr>
-          <p:cNvCxnSpPr>
-            <a:cxnSpLocks/>
-          </p:cNvCxnSpPr>
-          <p:nvPr/>
-        </p:nvCxnSpPr>
-        <p:spPr>
-          <a:xfrm flipV="1">
-            <a:off x="5835023" y="6154763"/>
-            <a:ext cx="0" cy="423748"/>
-          </a:xfrm>
-          <a:prstGeom prst="straightConnector1">
-            <a:avLst/>
-          </a:prstGeom>
-          <a:ln>
-            <a:solidFill>
-              <a:schemeClr val="tx1"/>
-            </a:solidFill>
-            <a:prstDash val="solid"/>
-            <a:headEnd type="none" w="med" len="med"/>
-            <a:tailEnd type="arrow" w="med" len="med"/>
-          </a:ln>
-        </p:spPr>
-        <p:style>
-          <a:lnRef idx="1">
-            <a:schemeClr val="accent1"/>
-          </a:lnRef>
-          <a:fillRef idx="0">
-            <a:schemeClr val="accent1"/>
-          </a:fillRef>
-          <a:effectRef idx="0">
-            <a:schemeClr val="accent1"/>
-          </a:effectRef>
-          <a:fontRef idx="minor">
-            <a:schemeClr val="tx1"/>
-          </a:fontRef>
-        </p:style>
-      </p:cxnSp>
-      <p:sp>
-        <p:nvSpPr>
-          <p:cNvPr id="51" name="TextBox 50">
-            <a:extLst>
-              <a:ext uri="{FF2B5EF4-FFF2-40B4-BE49-F238E27FC236}">
-                <a16:creationId xmlns:a16="http://schemas.microsoft.com/office/drawing/2014/main" id="{FDDEB15D-3D78-E64D-8CB9-A45DED06F021}"/>
-              </a:ext>
-            </a:extLst>
-          </p:cNvPr>
-          <p:cNvSpPr txBox="1"/>
-          <p:nvPr/>
-        </p:nvSpPr>
-        <p:spPr>
-          <a:xfrm>
-            <a:off x="5871188" y="6228137"/>
-            <a:ext cx="727187" cy="276999"/>
-          </a:xfrm>
-          <a:prstGeom prst="rect">
-            <a:avLst/>
-          </a:prstGeom>
-          <a:noFill/>
-        </p:spPr>
-        <p:txBody>
-          <a:bodyPr wrap="none" rtlCol="0">
-            <a:spAutoFit/>
-          </a:bodyPr>
-          <a:lstStyle/>
-          <a:p>
-            <a:r>
-              <a:rPr lang="en-US" sz="1200"/>
-              <a:t>property</a:t>
-            </a:r>
-          </a:p>
-        </p:txBody>
-      </p:sp>
-      <p:sp>
-        <p:nvSpPr>
-          <p:cNvPr id="34" name="Oval 33">
-            <a:extLst>
-              <a:ext uri="{FF2B5EF4-FFF2-40B4-BE49-F238E27FC236}">
-                <a16:creationId xmlns:a16="http://schemas.microsoft.com/office/drawing/2014/main" id="{4FAE4D4D-B968-DE40-AF71-C5BB07C97512}"/>
-              </a:ext>
-            </a:extLst>
-          </p:cNvPr>
-          <p:cNvSpPr/>
-          <p:nvPr/>
-        </p:nvSpPr>
-        <p:spPr>
-          <a:xfrm>
-            <a:off x="10084088" y="4868196"/>
-            <a:ext cx="2042756" cy="944035"/>
-          </a:xfrm>
-          <a:prstGeom prst="ellipse">
-            <a:avLst/>
-          </a:prstGeom>
-          <a:noFill/>
-          <a:ln>
-            <a:solidFill>
-              <a:schemeClr val="tx1"/>
-            </a:solidFill>
-            <a:prstDash val="sysDot"/>
-          </a:ln>
-        </p:spPr>
-        <p:style>
-          <a:lnRef idx="2">
-            <a:schemeClr val="accent1">
-              <a:shade val="50000"/>
-            </a:schemeClr>
-          </a:lnRef>
-          <a:fillRef idx="1">
-            <a:schemeClr val="accent1"/>
-          </a:fillRef>
-          <a:effectRef idx="0">
-            <a:schemeClr val="accent1"/>
-          </a:effectRef>
-          <a:fontRef idx="minor">
-            <a:schemeClr val="lt1"/>
-          </a:fontRef>
-        </p:style>
-        <p:txBody>
-          <a:bodyPr lIns="0" tIns="0" rIns="0" bIns="0" rtlCol="0" anchor="ctr"/>
-          <a:lstStyle/>
-          <a:p>
-            <a:pPr algn="ctr"/>
-            <a:r>
-              <a:rPr lang="en-US" sz="1000">
-                <a:solidFill>
-                  <a:schemeClr val="tx1"/>
-                </a:solidFill>
-              </a:rPr>
-              <a:t>Suggested subset of possible roles a resource may play with regard to a profile</a:t>
-            </a:r>
-          </a:p>
-        </p:txBody>
-      </p:sp>
-      <p:sp>
-        <p:nvSpPr>
-          <p:cNvPr id="36" name="TextBox 35">
-            <a:extLst>
-              <a:ext uri="{FF2B5EF4-FFF2-40B4-BE49-F238E27FC236}">
-                <a16:creationId xmlns:a16="http://schemas.microsoft.com/office/drawing/2014/main" id="{DF1E2F26-8033-F24F-A4B6-9BF38B7FE4FA}"/>
-              </a:ext>
-            </a:extLst>
-          </p:cNvPr>
-          <p:cNvSpPr txBox="1"/>
-          <p:nvPr/>
-        </p:nvSpPr>
-        <p:spPr>
-          <a:xfrm>
-            <a:off x="5311079" y="4868196"/>
+            <a:off x="4341900" y="1645993"/>
             <a:ext cx="1090683" cy="307777"/>
           </a:xfrm>
           <a:prstGeom prst="rect">
@@ -7028,7 +7022,7 @@
         </p:nvSpPr>
         <p:spPr>
           <a:xfrm>
-            <a:off x="5714550" y="4057542"/>
+            <a:off x="5897425" y="4057542"/>
             <a:ext cx="1248936" cy="657922"/>
           </a:xfrm>
           <a:prstGeom prst="roundRect">
@@ -7096,7 +7090,7 @@
         </p:nvSpPr>
         <p:spPr>
           <a:xfrm>
-            <a:off x="5714550" y="5075507"/>
+            <a:off x="5897425" y="5075507"/>
             <a:ext cx="1248936" cy="657922"/>
           </a:xfrm>
           <a:prstGeom prst="roundRect">
@@ -7168,7 +7162,7 @@
         </p:nvCxnSpPr>
         <p:spPr>
           <a:xfrm flipV="1">
-            <a:off x="6339018" y="4715464"/>
+            <a:off x="6521893" y="4715464"/>
             <a:ext cx="0" cy="360043"/>
           </a:xfrm>
           <a:prstGeom prst="straightConnector1">
@@ -7211,8 +7205,8 @@
         </p:nvSpPr>
         <p:spPr>
           <a:xfrm>
-            <a:off x="6353766" y="4742075"/>
-            <a:ext cx="740011" cy="276999"/>
+            <a:off x="6536641" y="4742075"/>
+            <a:ext cx="885884" cy="276999"/>
           </a:xfrm>
           <a:prstGeom prst="rect">
             <a:avLst/>
@@ -7226,8 +7220,8 @@
           <a:lstStyle/>
           <a:p>
             <a:r>
-              <a:rPr lang="en-US" sz="1200"/>
-              <a:t>profileOf</a:t>
+              <a:rPr lang="en-US" sz="1200" dirty="0"/>
+              <a:t>is profile of</a:t>
             </a:r>
           </a:p>
         </p:txBody>
@@ -7315,7 +7309,7 @@
         <p:spPr>
           <a:xfrm>
             <a:off x="4971776" y="4062305"/>
-            <a:ext cx="728597" cy="276999"/>
+            <a:ext cx="978666" cy="276999"/>
           </a:xfrm>
           <a:prstGeom prst="rect">
             <a:avLst/>
@@ -7329,8 +7323,8 @@
           <a:lstStyle/>
           <a:p>
             <a:r>
-              <a:rPr lang="en-US" sz="1200"/>
-              <a:t>resource</a:t>
+              <a:rPr lang="en-US" sz="1200" dirty="0"/>
+              <a:t>has resource</a:t>
             </a:r>
           </a:p>
         </p:txBody>
@@ -7354,7 +7348,7 @@
         <p:spPr>
           <a:xfrm flipH="1" flipV="1">
             <a:off x="5003390" y="4384322"/>
-            <a:ext cx="711160" cy="2181"/>
+            <a:ext cx="894035" cy="2181"/>
           </a:xfrm>
           <a:prstGeom prst="straightConnector1">
             <a:avLst/>
@@ -7431,12 +7425,12 @@
           <a:p>
             <a:pPr algn="ctr"/>
             <a:r>
-              <a:rPr lang="en-US" sz="1200">
+              <a:rPr lang="en-US" sz="1400" dirty="0">
                 <a:solidFill>
                   <a:schemeClr val="tx1"/>
                 </a:solidFill>
               </a:rPr>
-              <a:t>Implementation Resource Descriptor</a:t>
+              <a:t>Resource Descriptor</a:t>
             </a:r>
           </a:p>
         </p:txBody>
@@ -7503,7 +7497,7 @@
         </p:nvSpPr>
         <p:spPr>
           <a:xfrm>
-            <a:off x="7868485" y="5075507"/>
+            <a:off x="8051360" y="5075507"/>
             <a:ext cx="1248936" cy="657922"/>
           </a:xfrm>
           <a:prstGeom prst="roundRect">
@@ -7566,7 +7560,7 @@
         </p:nvCxnSpPr>
         <p:spPr>
           <a:xfrm>
-            <a:off x="6963486" y="5404468"/>
+            <a:off x="7146361" y="5404468"/>
             <a:ext cx="904999" cy="0"/>
           </a:xfrm>
           <a:prstGeom prst="straightConnector1">
@@ -7751,7 +7745,7 @@
         </p:nvCxnSpPr>
         <p:spPr>
           <a:xfrm>
-            <a:off x="6963486" y="4386503"/>
+            <a:off x="7146361" y="4386503"/>
             <a:ext cx="904999" cy="1017965"/>
           </a:xfrm>
           <a:prstGeom prst="straightConnector1">
@@ -7795,7 +7789,7 @@
         </p:nvSpPr>
         <p:spPr>
           <a:xfrm>
-            <a:off x="7868485" y="4055326"/>
+            <a:off x="8051360" y="4055326"/>
             <a:ext cx="1248936" cy="657922"/>
           </a:xfrm>
           <a:prstGeom prst="roundRect">
@@ -7858,7 +7852,7 @@
         </p:nvCxnSpPr>
         <p:spPr>
           <a:xfrm flipV="1">
-            <a:off x="6963486" y="4384287"/>
+            <a:off x="7146361" y="4384287"/>
             <a:ext cx="904999" cy="2216"/>
           </a:xfrm>
           <a:prstGeom prst="straightConnector1">
@@ -8694,12 +8688,94 @@
           </a:p>
         </p:txBody>
       </p:sp>
-      <p:sp>
-        <p:nvSpPr>
-          <p:cNvPr id="4" name="Rounded Rectangle 3">
-            <a:extLst>
-              <a:ext uri="{FF2B5EF4-FFF2-40B4-BE49-F238E27FC236}">
-                <a16:creationId xmlns:a16="http://schemas.microsoft.com/office/drawing/2014/main" id="{2241BF72-9682-B541-B66F-E14377A78CE7}"/>
+      <p:cxnSp>
+        <p:nvCxnSpPr>
+          <p:cNvPr id="5" name="Straight Arrow Connector 4">
+            <a:extLst>
+              <a:ext uri="{FF2B5EF4-FFF2-40B4-BE49-F238E27FC236}">
+                <a16:creationId xmlns:a16="http://schemas.microsoft.com/office/drawing/2014/main" id="{6DFE8740-3E2F-9A49-B58F-7F85D1399E22}"/>
+              </a:ext>
+            </a:extLst>
+          </p:cNvPr>
+          <p:cNvCxnSpPr>
+            <a:cxnSpLocks/>
+            <a:stCxn id="3" idx="1"/>
+            <a:endCxn id="4" idx="3"/>
+          </p:cNvCxnSpPr>
+          <p:nvPr/>
+        </p:nvCxnSpPr>
+        <p:spPr>
+          <a:xfrm flipH="1">
+            <a:off x="6085365" y="777928"/>
+            <a:ext cx="805011" cy="8605"/>
+          </a:xfrm>
+          <a:prstGeom prst="straightConnector1">
+            <a:avLst/>
+          </a:prstGeom>
+          <a:ln>
+            <a:solidFill>
+              <a:schemeClr val="tx1"/>
+            </a:solidFill>
+            <a:headEnd type="none" w="med" len="med"/>
+            <a:tailEnd type="arrow" w="med" len="med"/>
+          </a:ln>
+        </p:spPr>
+        <p:style>
+          <a:lnRef idx="1">
+            <a:schemeClr val="accent1"/>
+          </a:lnRef>
+          <a:fillRef idx="0">
+            <a:schemeClr val="accent1"/>
+          </a:fillRef>
+          <a:effectRef idx="0">
+            <a:schemeClr val="accent1"/>
+          </a:effectRef>
+          <a:fontRef idx="minor">
+            <a:schemeClr val="tx1"/>
+          </a:fontRef>
+        </p:style>
+      </p:cxnSp>
+      <p:sp>
+        <p:nvSpPr>
+          <p:cNvPr id="6" name="TextBox 5">
+            <a:extLst>
+              <a:ext uri="{FF2B5EF4-FFF2-40B4-BE49-F238E27FC236}">
+                <a16:creationId xmlns:a16="http://schemas.microsoft.com/office/drawing/2014/main" id="{BF47E62B-F721-104F-A4EF-FDAFEF951783}"/>
+              </a:ext>
+            </a:extLst>
+          </p:cNvPr>
+          <p:cNvSpPr txBox="1"/>
+          <p:nvPr/>
+        </p:nvSpPr>
+        <p:spPr>
+          <a:xfrm>
+            <a:off x="6037462" y="462949"/>
+            <a:ext cx="906723" cy="276999"/>
+          </a:xfrm>
+          <a:prstGeom prst="rect">
+            <a:avLst/>
+          </a:prstGeom>
+          <a:noFill/>
+        </p:spPr>
+        <p:txBody>
+          <a:bodyPr wrap="none" rtlCol="0">
+            <a:spAutoFit/>
+          </a:bodyPr>
+          <a:lstStyle/>
+          <a:p>
+            <a:r>
+              <a:rPr lang="en-US" sz="1200" dirty="0"/>
+              <a:t>is profile Of</a:t>
+            </a:r>
+          </a:p>
+        </p:txBody>
+      </p:sp>
+      <p:sp>
+        <p:nvSpPr>
+          <p:cNvPr id="14" name="Rounded Rectangle 13">
+            <a:extLst>
+              <a:ext uri="{FF2B5EF4-FFF2-40B4-BE49-F238E27FC236}">
+                <a16:creationId xmlns:a16="http://schemas.microsoft.com/office/drawing/2014/main" id="{36A79965-6F63-894B-937A-E0FBA26C379D}"/>
               </a:ext>
             </a:extLst>
           </p:cNvPr>
@@ -8708,7 +8784,7 @@
         </p:nvSpPr>
         <p:spPr>
           <a:xfrm>
-            <a:off x="5048568" y="457572"/>
+            <a:off x="4831490" y="3332654"/>
             <a:ext cx="1248936" cy="657922"/>
           </a:xfrm>
           <a:prstGeom prst="roundRect">
@@ -8757,31 +8833,149 @@
                   <a:schemeClr val="tx1"/>
                 </a:solidFill>
               </a:rPr>
-              <a:t>ISO 19115-1:2014</a:t>
+              <a:t>Constraints</a:t>
+            </a:r>
+          </a:p>
+        </p:txBody>
+      </p:sp>
+      <p:sp>
+        <p:nvSpPr>
+          <p:cNvPr id="27" name="Rounded Rectangle 26">
+            <a:extLst>
+              <a:ext uri="{FF2B5EF4-FFF2-40B4-BE49-F238E27FC236}">
+                <a16:creationId xmlns:a16="http://schemas.microsoft.com/office/drawing/2014/main" id="{A243367D-4246-D34A-9575-3A0DE0F81FC1}"/>
+              </a:ext>
+            </a:extLst>
+          </p:cNvPr>
+          <p:cNvSpPr/>
+          <p:nvPr/>
+        </p:nvSpPr>
+        <p:spPr>
+          <a:xfrm>
+            <a:off x="6890376" y="5463792"/>
+            <a:ext cx="1248936" cy="657922"/>
+          </a:xfrm>
+          <a:prstGeom prst="roundRect">
+            <a:avLst/>
+          </a:prstGeom>
+          <a:noFill/>
+          <a:ln>
+            <a:solidFill>
+              <a:schemeClr val="tx1"/>
+            </a:solidFill>
+          </a:ln>
+        </p:spPr>
+        <p:style>
+          <a:lnRef idx="2">
+            <a:schemeClr val="accent1">
+              <a:shade val="50000"/>
+            </a:schemeClr>
+          </a:lnRef>
+          <a:fillRef idx="1">
+            <a:schemeClr val="accent1"/>
+          </a:fillRef>
+          <a:effectRef idx="0">
+            <a:schemeClr val="accent1"/>
+          </a:effectRef>
+          <a:fontRef idx="minor">
+            <a:schemeClr val="lt1"/>
+          </a:fontRef>
+        </p:style>
+        <p:txBody>
+          <a:bodyPr rtlCol="0" anchor="ctr"/>
+          <a:lstStyle/>
+          <a:p>
+            <a:pPr algn="ctr"/>
+            <a:r>
+              <a:rPr lang="en-US" sz="1400" dirty="0">
+                <a:solidFill>
+                  <a:schemeClr val="tx1"/>
+                </a:solidFill>
+              </a:rPr>
+              <a:t>Resource Descriptor</a:t>
+            </a:r>
+          </a:p>
+        </p:txBody>
+      </p:sp>
+      <p:sp>
+        <p:nvSpPr>
+          <p:cNvPr id="29" name="Rounded Rectangle 28">
+            <a:extLst>
+              <a:ext uri="{FF2B5EF4-FFF2-40B4-BE49-F238E27FC236}">
+                <a16:creationId xmlns:a16="http://schemas.microsoft.com/office/drawing/2014/main" id="{425C5C8D-4389-6645-A0C3-798E67FD943A}"/>
+              </a:ext>
+            </a:extLst>
+          </p:cNvPr>
+          <p:cNvSpPr/>
+          <p:nvPr/>
+        </p:nvSpPr>
+        <p:spPr>
+          <a:xfrm>
+            <a:off x="8750308" y="443302"/>
+            <a:ext cx="1248936" cy="657922"/>
+          </a:xfrm>
+          <a:prstGeom prst="roundRect">
+            <a:avLst/>
+          </a:prstGeom>
+          <a:noFill/>
+          <a:ln>
+            <a:solidFill>
+              <a:schemeClr val="tx1"/>
+            </a:solidFill>
+          </a:ln>
+        </p:spPr>
+        <p:style>
+          <a:lnRef idx="2">
+            <a:schemeClr val="accent1">
+              <a:shade val="50000"/>
+            </a:schemeClr>
+          </a:lnRef>
+          <a:fillRef idx="1">
+            <a:schemeClr val="accent1"/>
+          </a:fillRef>
+          <a:effectRef idx="0">
+            <a:schemeClr val="accent1"/>
+          </a:effectRef>
+          <a:fontRef idx="minor">
+            <a:schemeClr val="lt1"/>
+          </a:fontRef>
+        </p:style>
+        <p:txBody>
+          <a:bodyPr rtlCol="0" anchor="ctr"/>
+          <a:lstStyle/>
+          <a:p>
+            <a:pPr algn="ctr"/>
+            <a:r>
+              <a:rPr lang="en-US" sz="1400">
+                <a:solidFill>
+                  <a:schemeClr val="tx1"/>
+                </a:solidFill>
+              </a:rPr>
+              <a:t>Profile</a:t>
             </a:r>
           </a:p>
         </p:txBody>
       </p:sp>
       <p:cxnSp>
         <p:nvCxnSpPr>
-          <p:cNvPr id="5" name="Straight Arrow Connector 4">
-            <a:extLst>
-              <a:ext uri="{FF2B5EF4-FFF2-40B4-BE49-F238E27FC236}">
-                <a16:creationId xmlns:a16="http://schemas.microsoft.com/office/drawing/2014/main" id="{6DFE8740-3E2F-9A49-B58F-7F85D1399E22}"/>
+          <p:cNvPr id="32" name="Straight Arrow Connector 31">
+            <a:extLst>
+              <a:ext uri="{FF2B5EF4-FFF2-40B4-BE49-F238E27FC236}">
+                <a16:creationId xmlns:a16="http://schemas.microsoft.com/office/drawing/2014/main" id="{3D4E2C85-939F-C24B-B9E9-580CCCD98C70}"/>
               </a:ext>
             </a:extLst>
           </p:cNvPr>
           <p:cNvCxnSpPr>
             <a:cxnSpLocks/>
-            <a:stCxn id="3" idx="1"/>
-            <a:endCxn id="4" idx="3"/>
+            <a:stCxn id="51" idx="0"/>
+            <a:endCxn id="33" idx="3"/>
           </p:cNvCxnSpPr>
           <p:nvPr/>
         </p:nvCxnSpPr>
         <p:spPr>
-          <a:xfrm flipH="1">
-            <a:off x="6297504" y="777928"/>
-            <a:ext cx="592872" cy="8605"/>
+          <a:xfrm flipH="1" flipV="1">
+            <a:off x="8144250" y="1697213"/>
+            <a:ext cx="1227216" cy="652250"/>
           </a:xfrm>
           <a:prstGeom prst="straightConnector1">
             <a:avLst/>
@@ -8790,6 +8984,7 @@
             <a:solidFill>
               <a:schemeClr val="tx1"/>
             </a:solidFill>
+            <a:prstDash val="sysDot"/>
             <a:headEnd type="none" w="med" len="med"/>
             <a:tailEnd type="arrow" w="med" len="med"/>
           </a:ln>
@@ -8809,47 +9004,156 @@
           </a:fontRef>
         </p:style>
       </p:cxnSp>
-      <p:sp>
-        <p:nvSpPr>
-          <p:cNvPr id="6" name="TextBox 5">
-            <a:extLst>
-              <a:ext uri="{FF2B5EF4-FFF2-40B4-BE49-F238E27FC236}">
-                <a16:creationId xmlns:a16="http://schemas.microsoft.com/office/drawing/2014/main" id="{BF47E62B-F721-104F-A4EF-FDAFEF951783}"/>
-              </a:ext>
-            </a:extLst>
-          </p:cNvPr>
-          <p:cNvSpPr txBox="1"/>
-          <p:nvPr/>
-        </p:nvSpPr>
-        <p:spPr>
-          <a:xfrm>
-            <a:off x="6228873" y="441361"/>
-            <a:ext cx="740011" cy="276999"/>
-          </a:xfrm>
-          <a:prstGeom prst="rect">
-            <a:avLst/>
-          </a:prstGeom>
-          <a:noFill/>
-        </p:spPr>
-        <p:txBody>
-          <a:bodyPr wrap="none" rtlCol="0">
-            <a:spAutoFit/>
-          </a:bodyPr>
-          <a:lstStyle/>
-          <a:p>
-            <a:r>
-              <a:rPr lang="en-US" sz="1200"/>
-              <a:t>profileOf</a:t>
-            </a:r>
-          </a:p>
-        </p:txBody>
-      </p:sp>
-      <p:sp>
-        <p:nvSpPr>
-          <p:cNvPr id="14" name="Rounded Rectangle 13">
-            <a:extLst>
-              <a:ext uri="{FF2B5EF4-FFF2-40B4-BE49-F238E27FC236}">
-                <a16:creationId xmlns:a16="http://schemas.microsoft.com/office/drawing/2014/main" id="{36A79965-6F63-894B-937A-E0FBA26C379D}"/>
+      <p:cxnSp>
+        <p:nvCxnSpPr>
+          <p:cNvPr id="34" name="Straight Arrow Connector 33">
+            <a:extLst>
+              <a:ext uri="{FF2B5EF4-FFF2-40B4-BE49-F238E27FC236}">
+                <a16:creationId xmlns:a16="http://schemas.microsoft.com/office/drawing/2014/main" id="{E3C59595-DCD8-9746-9EC8-7249FE883BAA}"/>
+              </a:ext>
+            </a:extLst>
+          </p:cNvPr>
+          <p:cNvCxnSpPr>
+            <a:cxnSpLocks/>
+            <a:stCxn id="54" idx="0"/>
+            <a:endCxn id="33" idx="1"/>
+          </p:cNvCxnSpPr>
+          <p:nvPr/>
+        </p:nvCxnSpPr>
+        <p:spPr>
+          <a:xfrm flipV="1">
+            <a:off x="5455958" y="1697213"/>
+            <a:ext cx="1439356" cy="656588"/>
+          </a:xfrm>
+          <a:prstGeom prst="straightConnector1">
+            <a:avLst/>
+          </a:prstGeom>
+          <a:ln>
+            <a:solidFill>
+              <a:schemeClr val="tx1"/>
+            </a:solidFill>
+            <a:prstDash val="sysDot"/>
+            <a:headEnd type="none" w="med" len="med"/>
+            <a:tailEnd type="arrow" w="med" len="med"/>
+          </a:ln>
+        </p:spPr>
+        <p:style>
+          <a:lnRef idx="1">
+            <a:schemeClr val="accent1"/>
+          </a:lnRef>
+          <a:fillRef idx="0">
+            <a:schemeClr val="accent1"/>
+          </a:fillRef>
+          <a:effectRef idx="0">
+            <a:schemeClr val="accent1"/>
+          </a:effectRef>
+          <a:fontRef idx="minor">
+            <a:schemeClr val="tx1"/>
+          </a:fontRef>
+        </p:style>
+      </p:cxnSp>
+      <p:cxnSp>
+        <p:nvCxnSpPr>
+          <p:cNvPr id="36" name="Straight Arrow Connector 35">
+            <a:extLst>
+              <a:ext uri="{FF2B5EF4-FFF2-40B4-BE49-F238E27FC236}">
+                <a16:creationId xmlns:a16="http://schemas.microsoft.com/office/drawing/2014/main" id="{0D8723CE-7CB9-844E-8C94-3295BD70E5A9}"/>
+              </a:ext>
+            </a:extLst>
+          </p:cNvPr>
+          <p:cNvCxnSpPr>
+            <a:cxnSpLocks/>
+            <a:stCxn id="3" idx="3"/>
+            <a:endCxn id="29" idx="1"/>
+          </p:cNvCxnSpPr>
+          <p:nvPr/>
+        </p:nvCxnSpPr>
+        <p:spPr>
+          <a:xfrm flipV="1">
+            <a:off x="8139312" y="772263"/>
+            <a:ext cx="610996" cy="5665"/>
+          </a:xfrm>
+          <a:prstGeom prst="straightConnector1">
+            <a:avLst/>
+          </a:prstGeom>
+          <a:ln>
+            <a:solidFill>
+              <a:schemeClr val="tx1"/>
+            </a:solidFill>
+            <a:prstDash val="sysDot"/>
+            <a:headEnd type="none" w="med" len="med"/>
+            <a:tailEnd type="arrow" w="med" len="med"/>
+          </a:ln>
+        </p:spPr>
+        <p:style>
+          <a:lnRef idx="1">
+            <a:schemeClr val="accent1"/>
+          </a:lnRef>
+          <a:fillRef idx="0">
+            <a:schemeClr val="accent1"/>
+          </a:fillRef>
+          <a:effectRef idx="0">
+            <a:schemeClr val="accent1"/>
+          </a:effectRef>
+          <a:fontRef idx="minor">
+            <a:schemeClr val="tx1"/>
+          </a:fontRef>
+        </p:style>
+      </p:cxnSp>
+      <p:cxnSp>
+        <p:nvCxnSpPr>
+          <p:cNvPr id="46" name="Straight Arrow Connector 45">
+            <a:extLst>
+              <a:ext uri="{FF2B5EF4-FFF2-40B4-BE49-F238E27FC236}">
+                <a16:creationId xmlns:a16="http://schemas.microsoft.com/office/drawing/2014/main" id="{731D0C71-47BB-274F-ADAE-49054CA1F09E}"/>
+              </a:ext>
+            </a:extLst>
+          </p:cNvPr>
+          <p:cNvCxnSpPr>
+            <a:cxnSpLocks/>
+            <a:stCxn id="4" idx="2"/>
+            <a:endCxn id="45" idx="0"/>
+          </p:cNvCxnSpPr>
+          <p:nvPr/>
+        </p:nvCxnSpPr>
+        <p:spPr>
+          <a:xfrm>
+            <a:off x="5460897" y="1115494"/>
+            <a:ext cx="0" cy="252758"/>
+          </a:xfrm>
+          <a:prstGeom prst="straightConnector1">
+            <a:avLst/>
+          </a:prstGeom>
+          <a:ln>
+            <a:solidFill>
+              <a:schemeClr val="tx1"/>
+            </a:solidFill>
+            <a:prstDash val="sysDot"/>
+            <a:headEnd type="none" w="med" len="med"/>
+            <a:tailEnd type="arrow" w="med" len="med"/>
+          </a:ln>
+        </p:spPr>
+        <p:style>
+          <a:lnRef idx="1">
+            <a:schemeClr val="accent1"/>
+          </a:lnRef>
+          <a:fillRef idx="0">
+            <a:schemeClr val="accent1"/>
+          </a:fillRef>
+          <a:effectRef idx="0">
+            <a:schemeClr val="accent1"/>
+          </a:effectRef>
+          <a:fontRef idx="minor">
+            <a:schemeClr val="tx1"/>
+          </a:fontRef>
+        </p:style>
+      </p:cxnSp>
+      <p:sp>
+        <p:nvSpPr>
+          <p:cNvPr id="54" name="Rounded Rectangle 53">
+            <a:extLst>
+              <a:ext uri="{FF2B5EF4-FFF2-40B4-BE49-F238E27FC236}">
+                <a16:creationId xmlns:a16="http://schemas.microsoft.com/office/drawing/2014/main" id="{CEE9A0C5-AA11-0543-BDDE-50AB4475D797}"/>
               </a:ext>
             </a:extLst>
           </p:cNvPr>
@@ -8858,7 +9162,7 @@
         </p:nvSpPr>
         <p:spPr>
           <a:xfrm>
-            <a:off x="5043629" y="3332654"/>
+            <a:off x="4831490" y="2353801"/>
             <a:ext cx="1248936" cy="657922"/>
           </a:xfrm>
           <a:prstGeom prst="roundRect">
@@ -8907,149 +9211,66 @@
                   <a:schemeClr val="tx1"/>
                 </a:solidFill>
               </a:rPr>
-              <a:t>Constraints</a:t>
-            </a:r>
-          </a:p>
-        </p:txBody>
-      </p:sp>
-      <p:sp>
-        <p:nvSpPr>
-          <p:cNvPr id="27" name="Rounded Rectangle 26">
-            <a:extLst>
-              <a:ext uri="{FF2B5EF4-FFF2-40B4-BE49-F238E27FC236}">
-                <a16:creationId xmlns:a16="http://schemas.microsoft.com/office/drawing/2014/main" id="{A243367D-4246-D34A-9575-3A0DE0F81FC1}"/>
-              </a:ext>
-            </a:extLst>
-          </p:cNvPr>
-          <p:cNvSpPr/>
-          <p:nvPr/>
-        </p:nvSpPr>
-        <p:spPr>
-          <a:xfrm>
-            <a:off x="6890376" y="5463792"/>
-            <a:ext cx="1248936" cy="657922"/>
-          </a:xfrm>
-          <a:prstGeom prst="roundRect">
+              <a:t>XML</a:t>
+            </a:r>
+          </a:p>
+        </p:txBody>
+      </p:sp>
+      <p:sp>
+        <p:nvSpPr>
+          <p:cNvPr id="55" name="TextBox 54">
+            <a:extLst>
+              <a:ext uri="{FF2B5EF4-FFF2-40B4-BE49-F238E27FC236}">
+                <a16:creationId xmlns:a16="http://schemas.microsoft.com/office/drawing/2014/main" id="{286F04A6-A053-6641-B4E7-E5E8F4CB8792}"/>
+              </a:ext>
+            </a:extLst>
+          </p:cNvPr>
+          <p:cNvSpPr txBox="1"/>
+          <p:nvPr/>
+        </p:nvSpPr>
+        <p:spPr>
+          <a:xfrm>
+            <a:off x="8715621" y="3031907"/>
+            <a:ext cx="609654" cy="276999"/>
+          </a:xfrm>
+          <a:prstGeom prst="rect">
             <a:avLst/>
           </a:prstGeom>
           <a:noFill/>
-          <a:ln>
-            <a:solidFill>
-              <a:schemeClr val="tx1"/>
-            </a:solidFill>
-          </a:ln>
-        </p:spPr>
-        <p:style>
-          <a:lnRef idx="2">
-            <a:schemeClr val="accent1">
-              <a:shade val="50000"/>
-            </a:schemeClr>
-          </a:lnRef>
-          <a:fillRef idx="1">
-            <a:schemeClr val="accent1"/>
-          </a:fillRef>
-          <a:effectRef idx="0">
-            <a:schemeClr val="accent1"/>
-          </a:effectRef>
-          <a:fontRef idx="minor">
-            <a:schemeClr val="lt1"/>
-          </a:fontRef>
-        </p:style>
-        <p:txBody>
-          <a:bodyPr rtlCol="0" anchor="ctr"/>
-          <a:lstStyle/>
-          <a:p>
-            <a:pPr algn="ctr"/>
-            <a:r>
-              <a:rPr lang="en-US" sz="1200">
-                <a:solidFill>
-                  <a:schemeClr val="tx1"/>
-                </a:solidFill>
-              </a:rPr>
-              <a:t>Implementation Resource Descriptor</a:t>
-            </a:r>
-          </a:p>
-        </p:txBody>
-      </p:sp>
-      <p:sp>
-        <p:nvSpPr>
-          <p:cNvPr id="29" name="Rounded Rectangle 28">
-            <a:extLst>
-              <a:ext uri="{FF2B5EF4-FFF2-40B4-BE49-F238E27FC236}">
-                <a16:creationId xmlns:a16="http://schemas.microsoft.com/office/drawing/2014/main" id="{425C5C8D-4389-6645-A0C3-798E67FD943A}"/>
-              </a:ext>
-            </a:extLst>
-          </p:cNvPr>
-          <p:cNvSpPr/>
-          <p:nvPr/>
-        </p:nvSpPr>
-        <p:spPr>
-          <a:xfrm>
-            <a:off x="8750308" y="443302"/>
-            <a:ext cx="1248936" cy="657922"/>
-          </a:xfrm>
-          <a:prstGeom prst="roundRect">
-            <a:avLst/>
-          </a:prstGeom>
-          <a:noFill/>
-          <a:ln>
-            <a:solidFill>
-              <a:schemeClr val="tx1"/>
-            </a:solidFill>
-          </a:ln>
-        </p:spPr>
-        <p:style>
-          <a:lnRef idx="2">
-            <a:schemeClr val="accent1">
-              <a:shade val="50000"/>
-            </a:schemeClr>
-          </a:lnRef>
-          <a:fillRef idx="1">
-            <a:schemeClr val="accent1"/>
-          </a:fillRef>
-          <a:effectRef idx="0">
-            <a:schemeClr val="accent1"/>
-          </a:effectRef>
-          <a:fontRef idx="minor">
-            <a:schemeClr val="lt1"/>
-          </a:fontRef>
-        </p:style>
-        <p:txBody>
-          <a:bodyPr rtlCol="0" anchor="ctr"/>
-          <a:lstStyle/>
-          <a:p>
-            <a:pPr algn="ctr"/>
-            <a:r>
-              <a:rPr lang="en-US" sz="1400">
-                <a:solidFill>
-                  <a:schemeClr val="tx1"/>
-                </a:solidFill>
-              </a:rPr>
-              <a:t>Profile</a:t>
+        </p:spPr>
+        <p:txBody>
+          <a:bodyPr wrap="none" rtlCol="0">
+            <a:spAutoFit/>
+          </a:bodyPr>
+          <a:lstStyle/>
+          <a:p>
+            <a:r>
+              <a:rPr lang="en-US" sz="1200"/>
+              <a:t>format</a:t>
             </a:r>
           </a:p>
         </p:txBody>
       </p:sp>
       <p:cxnSp>
         <p:nvCxnSpPr>
-          <p:cNvPr id="32" name="Straight Arrow Connector 31">
-            <a:extLst>
-              <a:ext uri="{FF2B5EF4-FFF2-40B4-BE49-F238E27FC236}">
-                <a16:creationId xmlns:a16="http://schemas.microsoft.com/office/drawing/2014/main" id="{3D4E2C85-939F-C24B-B9E9-580CCCD98C70}"/>
+          <p:cNvPr id="56" name="Straight Arrow Connector 55">
+            <a:extLst>
+              <a:ext uri="{FF2B5EF4-FFF2-40B4-BE49-F238E27FC236}">
+                <a16:creationId xmlns:a16="http://schemas.microsoft.com/office/drawing/2014/main" id="{F174A50B-9DCB-8B46-A893-6B9CA50DC1D0}"/>
               </a:ext>
             </a:extLst>
           </p:cNvPr>
           <p:cNvCxnSpPr>
             <a:cxnSpLocks/>
-            <a:stCxn id="51" idx="0"/>
-            <a:endCxn id="33" idx="3"/>
+            <a:stCxn id="14" idx="0"/>
+            <a:endCxn id="54" idx="2"/>
           </p:cNvCxnSpPr>
           <p:nvPr/>
         </p:nvCxnSpPr>
         <p:spPr>
-          <a:xfrm flipH="1" flipV="1">
-            <a:off x="8144250" y="1697213"/>
-            <a:ext cx="1227216" cy="652250"/>
+          <a:xfrm flipV="1">
+            <a:off x="5455958" y="3011723"/>
+            <a:ext cx="0" cy="320931"/>
           </a:xfrm>
           <a:prstGeom prst="straightConnector1">
             <a:avLst/>
@@ -9058,7 +9279,6 @@
             <a:solidFill>
               <a:schemeClr val="tx1"/>
             </a:solidFill>
-            <a:prstDash val="sysDot"/>
             <a:headEnd type="none" w="med" len="med"/>
             <a:tailEnd type="arrow" w="med" len="med"/>
           </a:ln>
@@ -9080,10 +9300,10 @@
       </p:cxnSp>
       <p:sp>
         <p:nvSpPr>
-          <p:cNvPr id="33" name="Rounded Rectangle 32">
-            <a:extLst>
-              <a:ext uri="{FF2B5EF4-FFF2-40B4-BE49-F238E27FC236}">
-                <a16:creationId xmlns:a16="http://schemas.microsoft.com/office/drawing/2014/main" id="{1333CC4E-E62A-D14C-A9E7-3F0D35029DB8}"/>
+          <p:cNvPr id="62" name="Rounded Rectangle 61">
+            <a:extLst>
+              <a:ext uri="{FF2B5EF4-FFF2-40B4-BE49-F238E27FC236}">
+                <a16:creationId xmlns:a16="http://schemas.microsoft.com/office/drawing/2014/main" id="{874B556A-DBC2-334C-BD10-1E36B2B758EF}"/>
               </a:ext>
             </a:extLst>
           </p:cNvPr>
@@ -9092,299 +9312,7 @@
         </p:nvSpPr>
         <p:spPr>
           <a:xfrm>
-            <a:off x="6895314" y="1368252"/>
-            <a:ext cx="1248936" cy="657922"/>
-          </a:xfrm>
-          <a:prstGeom prst="roundRect">
-            <a:avLst/>
-          </a:prstGeom>
-          <a:noFill/>
-          <a:ln>
-            <a:solidFill>
-              <a:schemeClr val="tx1"/>
-            </a:solidFill>
-          </a:ln>
-        </p:spPr>
-        <p:style>
-          <a:lnRef idx="2">
-            <a:schemeClr val="accent1">
-              <a:shade val="50000"/>
-            </a:schemeClr>
-          </a:lnRef>
-          <a:fillRef idx="1">
-            <a:schemeClr val="accent1"/>
-          </a:fillRef>
-          <a:effectRef idx="0">
-            <a:schemeClr val="accent1"/>
-          </a:effectRef>
-          <a:fontRef idx="minor">
-            <a:schemeClr val="lt1"/>
-          </a:fontRef>
-        </p:style>
-        <p:txBody>
-          <a:bodyPr rtlCol="0" anchor="ctr"/>
-          <a:lstStyle/>
-          <a:p>
-            <a:pPr algn="ctr"/>
-            <a:r>
-              <a:rPr lang="en-US" sz="1200">
-                <a:solidFill>
-                  <a:schemeClr val="tx1"/>
-                </a:solidFill>
-              </a:rPr>
-              <a:t>dct:</a:t>
-            </a:r>
-            <a:br>
-              <a:rPr lang="en-US" sz="1200">
-                <a:solidFill>
-                  <a:schemeClr val="tx1"/>
-                </a:solidFill>
-              </a:rPr>
-            </a:br>
-            <a:r>
-              <a:rPr lang="en-US" sz="1200">
-                <a:solidFill>
-                  <a:schemeClr val="tx1"/>
-                </a:solidFill>
-              </a:rPr>
-              <a:t>MediaType</a:t>
-            </a:r>
-            <a:br>
-              <a:rPr lang="en-US" sz="1200">
-                <a:solidFill>
-                  <a:schemeClr val="tx1"/>
-                </a:solidFill>
-              </a:rPr>
-            </a:br>
-            <a:r>
-              <a:rPr lang="en-US" sz="1200">
-                <a:solidFill>
-                  <a:schemeClr val="tx1"/>
-                </a:solidFill>
-              </a:rPr>
-              <a:t>OrExtent</a:t>
-            </a:r>
-          </a:p>
-        </p:txBody>
-      </p:sp>
-      <p:cxnSp>
-        <p:nvCxnSpPr>
-          <p:cNvPr id="34" name="Straight Arrow Connector 33">
-            <a:extLst>
-              <a:ext uri="{FF2B5EF4-FFF2-40B4-BE49-F238E27FC236}">
-                <a16:creationId xmlns:a16="http://schemas.microsoft.com/office/drawing/2014/main" id="{E3C59595-DCD8-9746-9EC8-7249FE883BAA}"/>
-              </a:ext>
-            </a:extLst>
-          </p:cNvPr>
-          <p:cNvCxnSpPr>
-            <a:cxnSpLocks/>
-            <a:stCxn id="54" idx="0"/>
-            <a:endCxn id="33" idx="1"/>
-          </p:cNvCxnSpPr>
-          <p:nvPr/>
-        </p:nvCxnSpPr>
-        <p:spPr>
-          <a:xfrm flipV="1">
-            <a:off x="5668097" y="1697213"/>
-            <a:ext cx="1227217" cy="656588"/>
-          </a:xfrm>
-          <a:prstGeom prst="straightConnector1">
-            <a:avLst/>
-          </a:prstGeom>
-          <a:ln>
-            <a:solidFill>
-              <a:schemeClr val="tx1"/>
-            </a:solidFill>
-            <a:prstDash val="sysDot"/>
-            <a:headEnd type="none" w="med" len="med"/>
-            <a:tailEnd type="arrow" w="med" len="med"/>
-          </a:ln>
-        </p:spPr>
-        <p:style>
-          <a:lnRef idx="1">
-            <a:schemeClr val="accent1"/>
-          </a:lnRef>
-          <a:fillRef idx="0">
-            <a:schemeClr val="accent1"/>
-          </a:fillRef>
-          <a:effectRef idx="0">
-            <a:schemeClr val="accent1"/>
-          </a:effectRef>
-          <a:fontRef idx="minor">
-            <a:schemeClr val="tx1"/>
-          </a:fontRef>
-        </p:style>
-      </p:cxnSp>
-      <p:cxnSp>
-        <p:nvCxnSpPr>
-          <p:cNvPr id="36" name="Straight Arrow Connector 35">
-            <a:extLst>
-              <a:ext uri="{FF2B5EF4-FFF2-40B4-BE49-F238E27FC236}">
-                <a16:creationId xmlns:a16="http://schemas.microsoft.com/office/drawing/2014/main" id="{0D8723CE-7CB9-844E-8C94-3295BD70E5A9}"/>
-              </a:ext>
-            </a:extLst>
-          </p:cNvPr>
-          <p:cNvCxnSpPr>
-            <a:cxnSpLocks/>
-            <a:stCxn id="3" idx="3"/>
-            <a:endCxn id="29" idx="1"/>
-          </p:cNvCxnSpPr>
-          <p:nvPr/>
-        </p:nvCxnSpPr>
-        <p:spPr>
-          <a:xfrm flipV="1">
-            <a:off x="8139312" y="772263"/>
-            <a:ext cx="610996" cy="5665"/>
-          </a:xfrm>
-          <a:prstGeom prst="straightConnector1">
-            <a:avLst/>
-          </a:prstGeom>
-          <a:ln>
-            <a:solidFill>
-              <a:schemeClr val="tx1"/>
-            </a:solidFill>
-            <a:prstDash val="sysDot"/>
-            <a:headEnd type="none" w="med" len="med"/>
-            <a:tailEnd type="arrow" w="med" len="med"/>
-          </a:ln>
-        </p:spPr>
-        <p:style>
-          <a:lnRef idx="1">
-            <a:schemeClr val="accent1"/>
-          </a:lnRef>
-          <a:fillRef idx="0">
-            <a:schemeClr val="accent1"/>
-          </a:fillRef>
-          <a:effectRef idx="0">
-            <a:schemeClr val="accent1"/>
-          </a:effectRef>
-          <a:fontRef idx="minor">
-            <a:schemeClr val="tx1"/>
-          </a:fontRef>
-        </p:style>
-      </p:cxnSp>
-      <p:sp>
-        <p:nvSpPr>
-          <p:cNvPr id="45" name="Rounded Rectangle 44">
-            <a:extLst>
-              <a:ext uri="{FF2B5EF4-FFF2-40B4-BE49-F238E27FC236}">
-                <a16:creationId xmlns:a16="http://schemas.microsoft.com/office/drawing/2014/main" id="{C0315A97-6ADC-BA45-A88C-386B8EDC3112}"/>
-              </a:ext>
-            </a:extLst>
-          </p:cNvPr>
-          <p:cNvSpPr/>
-          <p:nvPr/>
-        </p:nvSpPr>
-        <p:spPr>
-          <a:xfrm>
-            <a:off x="5048568" y="1368252"/>
-            <a:ext cx="1248936" cy="657922"/>
-          </a:xfrm>
-          <a:prstGeom prst="roundRect">
-            <a:avLst/>
-          </a:prstGeom>
-          <a:noFill/>
-          <a:ln>
-            <a:solidFill>
-              <a:schemeClr val="tx1"/>
-            </a:solidFill>
-          </a:ln>
-        </p:spPr>
-        <p:style>
-          <a:lnRef idx="2">
-            <a:schemeClr val="accent1">
-              <a:shade val="50000"/>
-            </a:schemeClr>
-          </a:lnRef>
-          <a:fillRef idx="1">
-            <a:schemeClr val="accent1"/>
-          </a:fillRef>
-          <a:effectRef idx="0">
-            <a:schemeClr val="accent1"/>
-          </a:effectRef>
-          <a:fontRef idx="minor">
-            <a:schemeClr val="lt1"/>
-          </a:fontRef>
-        </p:style>
-        <p:txBody>
-          <a:bodyPr rtlCol="0" anchor="ctr"/>
-          <a:lstStyle/>
-          <a:p>
-            <a:pPr algn="ctr"/>
-            <a:r>
-              <a:rPr lang="en-US" sz="1400">
-                <a:solidFill>
-                  <a:schemeClr val="tx1"/>
-                </a:solidFill>
-              </a:rPr>
-              <a:t>Base Specification</a:t>
-            </a:r>
-          </a:p>
-        </p:txBody>
-      </p:sp>
-      <p:cxnSp>
-        <p:nvCxnSpPr>
-          <p:cNvPr id="46" name="Straight Arrow Connector 45">
-            <a:extLst>
-              <a:ext uri="{FF2B5EF4-FFF2-40B4-BE49-F238E27FC236}">
-                <a16:creationId xmlns:a16="http://schemas.microsoft.com/office/drawing/2014/main" id="{731D0C71-47BB-274F-ADAE-49054CA1F09E}"/>
-              </a:ext>
-            </a:extLst>
-          </p:cNvPr>
-          <p:cNvCxnSpPr>
-            <a:cxnSpLocks/>
-            <a:stCxn id="4" idx="2"/>
-            <a:endCxn id="45" idx="0"/>
-          </p:cNvCxnSpPr>
-          <p:nvPr/>
-        </p:nvCxnSpPr>
-        <p:spPr>
-          <a:xfrm>
-            <a:off x="5673036" y="1115494"/>
-            <a:ext cx="0" cy="252758"/>
-          </a:xfrm>
-          <a:prstGeom prst="straightConnector1">
-            <a:avLst/>
-          </a:prstGeom>
-          <a:ln>
-            <a:solidFill>
-              <a:schemeClr val="tx1"/>
-            </a:solidFill>
-            <a:prstDash val="sysDot"/>
-            <a:headEnd type="none" w="med" len="med"/>
-            <a:tailEnd type="arrow" w="med" len="med"/>
-          </a:ln>
-        </p:spPr>
-        <p:style>
-          <a:lnRef idx="1">
-            <a:schemeClr val="accent1"/>
-          </a:lnRef>
-          <a:fillRef idx="0">
-            <a:schemeClr val="accent1"/>
-          </a:fillRef>
-          <a:effectRef idx="0">
-            <a:schemeClr val="accent1"/>
-          </a:effectRef>
-          <a:fontRef idx="minor">
-            <a:schemeClr val="tx1"/>
-          </a:fontRef>
-        </p:style>
-      </p:cxnSp>
-      <p:sp>
-        <p:nvSpPr>
-          <p:cNvPr id="54" name="Rounded Rectangle 53">
-            <a:extLst>
-              <a:ext uri="{FF2B5EF4-FFF2-40B4-BE49-F238E27FC236}">
-                <a16:creationId xmlns:a16="http://schemas.microsoft.com/office/drawing/2014/main" id="{CEE9A0C5-AA11-0543-BDDE-50AB4475D797}"/>
-              </a:ext>
-            </a:extLst>
-          </p:cNvPr>
-          <p:cNvSpPr/>
-          <p:nvPr/>
-        </p:nvSpPr>
-        <p:spPr>
-          <a:xfrm>
-            <a:off x="5043629" y="2353801"/>
+            <a:off x="4831490" y="4417348"/>
             <a:ext cx="1248936" cy="657922"/>
           </a:xfrm>
           <a:prstGeom prst="roundRect">
@@ -9433,66 +9361,31 @@
                   <a:schemeClr val="tx1"/>
                 </a:solidFill>
               </a:rPr>
-              <a:t>XML</a:t>
-            </a:r>
-          </a:p>
-        </p:txBody>
-      </p:sp>
-      <p:sp>
-        <p:nvSpPr>
-          <p:cNvPr id="55" name="TextBox 54">
-            <a:extLst>
-              <a:ext uri="{FF2B5EF4-FFF2-40B4-BE49-F238E27FC236}">
-                <a16:creationId xmlns:a16="http://schemas.microsoft.com/office/drawing/2014/main" id="{286F04A6-A053-6641-B4E7-E5E8F4CB8792}"/>
-              </a:ext>
-            </a:extLst>
-          </p:cNvPr>
-          <p:cNvSpPr txBox="1"/>
-          <p:nvPr/>
-        </p:nvSpPr>
-        <p:spPr>
-          <a:xfrm>
-            <a:off x="8715621" y="3031907"/>
-            <a:ext cx="609654" cy="276999"/>
-          </a:xfrm>
-          <a:prstGeom prst="rect">
-            <a:avLst/>
-          </a:prstGeom>
-          <a:noFill/>
-        </p:spPr>
-        <p:txBody>
-          <a:bodyPr wrap="none" rtlCol="0">
-            <a:spAutoFit/>
-          </a:bodyPr>
-          <a:lstStyle/>
-          <a:p>
-            <a:r>
-              <a:rPr lang="en-US" sz="1200"/>
-              <a:t>format</a:t>
+              <a:t>Schematron</a:t>
             </a:r>
           </a:p>
         </p:txBody>
       </p:sp>
       <p:cxnSp>
         <p:nvCxnSpPr>
-          <p:cNvPr id="56" name="Straight Arrow Connector 55">
-            <a:extLst>
-              <a:ext uri="{FF2B5EF4-FFF2-40B4-BE49-F238E27FC236}">
-                <a16:creationId xmlns:a16="http://schemas.microsoft.com/office/drawing/2014/main" id="{F174A50B-9DCB-8B46-A893-6B9CA50DC1D0}"/>
+          <p:cNvPr id="64" name="Straight Arrow Connector 63">
+            <a:extLst>
+              <a:ext uri="{FF2B5EF4-FFF2-40B4-BE49-F238E27FC236}">
+                <a16:creationId xmlns:a16="http://schemas.microsoft.com/office/drawing/2014/main" id="{EDDD38FF-E8E2-8C40-9A6A-2B4002475477}"/>
               </a:ext>
             </a:extLst>
           </p:cNvPr>
           <p:cNvCxnSpPr>
             <a:cxnSpLocks/>
-            <a:stCxn id="14" idx="0"/>
-            <a:endCxn id="54" idx="2"/>
+            <a:stCxn id="14" idx="2"/>
+            <a:endCxn id="62" idx="0"/>
           </p:cNvCxnSpPr>
           <p:nvPr/>
         </p:nvCxnSpPr>
         <p:spPr>
-          <a:xfrm flipV="1">
-            <a:off x="5668097" y="3011723"/>
-            <a:ext cx="0" cy="320931"/>
+          <a:xfrm>
+            <a:off x="5455958" y="3990576"/>
+            <a:ext cx="0" cy="426772"/>
           </a:xfrm>
           <a:prstGeom prst="straightConnector1">
             <a:avLst/>
@@ -9522,10 +9415,10 @@
       </p:cxnSp>
       <p:sp>
         <p:nvSpPr>
-          <p:cNvPr id="62" name="Rounded Rectangle 61">
-            <a:extLst>
-              <a:ext uri="{FF2B5EF4-FFF2-40B4-BE49-F238E27FC236}">
-                <a16:creationId xmlns:a16="http://schemas.microsoft.com/office/drawing/2014/main" id="{874B556A-DBC2-334C-BD10-1E36B2B758EF}"/>
+          <p:cNvPr id="39" name="Rounded Rectangle 38">
+            <a:extLst>
+              <a:ext uri="{FF2B5EF4-FFF2-40B4-BE49-F238E27FC236}">
+                <a16:creationId xmlns:a16="http://schemas.microsoft.com/office/drawing/2014/main" id="{0E7EEAAC-5D88-F949-9026-FEBF46E47122}"/>
               </a:ext>
             </a:extLst>
           </p:cNvPr>
@@ -9534,7 +9427,7 @@
         </p:nvSpPr>
         <p:spPr>
           <a:xfrm>
-            <a:off x="5043629" y="4417348"/>
+            <a:off x="6895314" y="3330806"/>
             <a:ext cx="1248936" cy="657922"/>
           </a:xfrm>
           <a:prstGeom prst="roundRect">
@@ -9583,64 +9476,17 @@
                   <a:schemeClr val="tx1"/>
                 </a:solidFill>
               </a:rPr>
-              <a:t>Schematron</a:t>
-            </a:r>
-          </a:p>
-        </p:txBody>
-      </p:sp>
-      <p:cxnSp>
-        <p:nvCxnSpPr>
-          <p:cNvPr id="64" name="Straight Arrow Connector 63">
-            <a:extLst>
-              <a:ext uri="{FF2B5EF4-FFF2-40B4-BE49-F238E27FC236}">
-                <a16:creationId xmlns:a16="http://schemas.microsoft.com/office/drawing/2014/main" id="{EDDD38FF-E8E2-8C40-9A6A-2B4002475477}"/>
-              </a:ext>
-            </a:extLst>
-          </p:cNvPr>
-          <p:cNvCxnSpPr>
-            <a:cxnSpLocks/>
-            <a:stCxn id="14" idx="2"/>
-            <a:endCxn id="62" idx="0"/>
-          </p:cNvCxnSpPr>
-          <p:nvPr/>
-        </p:nvCxnSpPr>
-        <p:spPr>
-          <a:xfrm>
-            <a:off x="5668097" y="3990576"/>
-            <a:ext cx="0" cy="426772"/>
-          </a:xfrm>
-          <a:prstGeom prst="straightConnector1">
-            <a:avLst/>
-          </a:prstGeom>
-          <a:ln>
-            <a:solidFill>
-              <a:schemeClr val="tx1"/>
-            </a:solidFill>
-            <a:headEnd type="none" w="med" len="med"/>
-            <a:tailEnd type="arrow" w="med" len="med"/>
-          </a:ln>
-        </p:spPr>
-        <p:style>
-          <a:lnRef idx="1">
-            <a:schemeClr val="accent1"/>
-          </a:lnRef>
-          <a:fillRef idx="0">
-            <a:schemeClr val="accent1"/>
-          </a:fillRef>
-          <a:effectRef idx="0">
-            <a:schemeClr val="accent1"/>
-          </a:effectRef>
-          <a:fontRef idx="minor">
-            <a:schemeClr val="tx1"/>
-          </a:fontRef>
-        </p:style>
-      </p:cxnSp>
-      <p:sp>
-        <p:nvSpPr>
-          <p:cNvPr id="39" name="Rounded Rectangle 38">
-            <a:extLst>
-              <a:ext uri="{FF2B5EF4-FFF2-40B4-BE49-F238E27FC236}">
-                <a16:creationId xmlns:a16="http://schemas.microsoft.com/office/drawing/2014/main" id="{0E7EEAAC-5D88-F949-9026-FEBF46E47122}"/>
+              <a:t>Schema</a:t>
+            </a:r>
+          </a:p>
+        </p:txBody>
+      </p:sp>
+      <p:sp>
+        <p:nvSpPr>
+          <p:cNvPr id="42" name="Rounded Rectangle 41">
+            <a:extLst>
+              <a:ext uri="{FF2B5EF4-FFF2-40B4-BE49-F238E27FC236}">
+                <a16:creationId xmlns:a16="http://schemas.microsoft.com/office/drawing/2014/main" id="{37C4916A-A5FC-1848-933C-0AFB80F259FC}"/>
               </a:ext>
             </a:extLst>
           </p:cNvPr>
@@ -9649,7 +9495,7 @@
         </p:nvSpPr>
         <p:spPr>
           <a:xfrm>
-            <a:off x="6895314" y="3330806"/>
+            <a:off x="6895314" y="4397299"/>
             <a:ext cx="1248936" cy="657922"/>
           </a:xfrm>
           <a:prstGeom prst="roundRect">
@@ -9698,17 +9544,17 @@
                   <a:schemeClr val="tx1"/>
                 </a:solidFill>
               </a:rPr>
-              <a:t>Schema</a:t>
-            </a:r>
-          </a:p>
-        </p:txBody>
-      </p:sp>
-      <p:sp>
-        <p:nvSpPr>
-          <p:cNvPr id="42" name="Rounded Rectangle 41">
-            <a:extLst>
-              <a:ext uri="{FF2B5EF4-FFF2-40B4-BE49-F238E27FC236}">
-                <a16:creationId xmlns:a16="http://schemas.microsoft.com/office/drawing/2014/main" id="{37C4916A-A5FC-1848-933C-0AFB80F259FC}"/>
+              <a:t>XML Schema Definition</a:t>
+            </a:r>
+          </a:p>
+        </p:txBody>
+      </p:sp>
+      <p:sp>
+        <p:nvSpPr>
+          <p:cNvPr id="57" name="Rounded Rectangle 56">
+            <a:extLst>
+              <a:ext uri="{FF2B5EF4-FFF2-40B4-BE49-F238E27FC236}">
+                <a16:creationId xmlns:a16="http://schemas.microsoft.com/office/drawing/2014/main" id="{66B49358-78D1-614C-9A2C-DB1D39C284FE}"/>
               </a:ext>
             </a:extLst>
           </p:cNvPr>
@@ -9717,7 +9563,7 @@
         </p:nvSpPr>
         <p:spPr>
           <a:xfrm>
-            <a:off x="6895314" y="4397299"/>
+            <a:off x="6895314" y="2352085"/>
             <a:ext cx="1248936" cy="657922"/>
           </a:xfrm>
           <a:prstGeom prst="roundRect">
@@ -9766,17 +9612,292 @@
                   <a:schemeClr val="tx1"/>
                 </a:solidFill>
               </a:rPr>
-              <a:t>XML Schema Definition</a:t>
-            </a:r>
-          </a:p>
-        </p:txBody>
-      </p:sp>
-      <p:sp>
-        <p:nvSpPr>
-          <p:cNvPr id="57" name="Rounded Rectangle 56">
-            <a:extLst>
-              <a:ext uri="{FF2B5EF4-FFF2-40B4-BE49-F238E27FC236}">
-                <a16:creationId xmlns:a16="http://schemas.microsoft.com/office/drawing/2014/main" id="{66B49358-78D1-614C-9A2C-DB1D39C284FE}"/>
+              <a:t>XML</a:t>
+            </a:r>
+          </a:p>
+        </p:txBody>
+      </p:sp>
+      <p:cxnSp>
+        <p:nvCxnSpPr>
+          <p:cNvPr id="58" name="Straight Arrow Connector 57">
+            <a:extLst>
+              <a:ext uri="{FF2B5EF4-FFF2-40B4-BE49-F238E27FC236}">
+                <a16:creationId xmlns:a16="http://schemas.microsoft.com/office/drawing/2014/main" id="{922D3BE8-5A40-C54F-97AE-F7C0FFF8F2D1}"/>
+              </a:ext>
+            </a:extLst>
+          </p:cNvPr>
+          <p:cNvCxnSpPr>
+            <a:cxnSpLocks/>
+            <a:stCxn id="39" idx="0"/>
+            <a:endCxn id="57" idx="2"/>
+          </p:cNvCxnSpPr>
+          <p:nvPr/>
+        </p:nvCxnSpPr>
+        <p:spPr>
+          <a:xfrm flipV="1">
+            <a:off x="7519782" y="3010007"/>
+            <a:ext cx="0" cy="320799"/>
+          </a:xfrm>
+          <a:prstGeom prst="straightConnector1">
+            <a:avLst/>
+          </a:prstGeom>
+          <a:ln>
+            <a:solidFill>
+              <a:schemeClr val="tx1"/>
+            </a:solidFill>
+            <a:headEnd type="none" w="med" len="med"/>
+            <a:tailEnd type="arrow" w="med" len="med"/>
+          </a:ln>
+        </p:spPr>
+        <p:style>
+          <a:lnRef idx="1">
+            <a:schemeClr val="accent1"/>
+          </a:lnRef>
+          <a:fillRef idx="0">
+            <a:schemeClr val="accent1"/>
+          </a:fillRef>
+          <a:effectRef idx="0">
+            <a:schemeClr val="accent1"/>
+          </a:effectRef>
+          <a:fontRef idx="minor">
+            <a:schemeClr val="tx1"/>
+          </a:fontRef>
+        </p:style>
+      </p:cxnSp>
+      <p:sp>
+        <p:nvSpPr>
+          <p:cNvPr id="60" name="TextBox 59">
+            <a:extLst>
+              <a:ext uri="{FF2B5EF4-FFF2-40B4-BE49-F238E27FC236}">
+                <a16:creationId xmlns:a16="http://schemas.microsoft.com/office/drawing/2014/main" id="{D8F84038-AD14-8142-8B7A-BD140C4A584C}"/>
+              </a:ext>
+            </a:extLst>
+          </p:cNvPr>
+          <p:cNvSpPr txBox="1"/>
+          <p:nvPr/>
+        </p:nvSpPr>
+        <p:spPr>
+          <a:xfrm>
+            <a:off x="5416918" y="3051179"/>
+            <a:ext cx="609654" cy="276999"/>
+          </a:xfrm>
+          <a:prstGeom prst="rect">
+            <a:avLst/>
+          </a:prstGeom>
+          <a:noFill/>
+        </p:spPr>
+        <p:txBody>
+          <a:bodyPr wrap="none" rtlCol="0">
+            <a:spAutoFit/>
+          </a:bodyPr>
+          <a:lstStyle/>
+          <a:p>
+            <a:r>
+              <a:rPr lang="en-US" sz="1200"/>
+              <a:t>format</a:t>
+            </a:r>
+          </a:p>
+        </p:txBody>
+      </p:sp>
+      <p:cxnSp>
+        <p:nvCxnSpPr>
+          <p:cNvPr id="65" name="Straight Arrow Connector 64">
+            <a:extLst>
+              <a:ext uri="{FF2B5EF4-FFF2-40B4-BE49-F238E27FC236}">
+                <a16:creationId xmlns:a16="http://schemas.microsoft.com/office/drawing/2014/main" id="{0175D5D7-9203-6244-8D5C-2C0EB83BE2E8}"/>
+              </a:ext>
+            </a:extLst>
+          </p:cNvPr>
+          <p:cNvCxnSpPr>
+            <a:cxnSpLocks/>
+            <a:stCxn id="57" idx="0"/>
+            <a:endCxn id="33" idx="2"/>
+          </p:cNvCxnSpPr>
+          <p:nvPr/>
+        </p:nvCxnSpPr>
+        <p:spPr>
+          <a:xfrm flipV="1">
+            <a:off x="7519782" y="2026174"/>
+            <a:ext cx="0" cy="325911"/>
+          </a:xfrm>
+          <a:prstGeom prst="straightConnector1">
+            <a:avLst/>
+          </a:prstGeom>
+          <a:ln>
+            <a:solidFill>
+              <a:schemeClr val="tx1"/>
+            </a:solidFill>
+            <a:prstDash val="sysDot"/>
+            <a:headEnd type="none" w="med" len="med"/>
+            <a:tailEnd type="arrow" w="med" len="med"/>
+          </a:ln>
+        </p:spPr>
+        <p:style>
+          <a:lnRef idx="1">
+            <a:schemeClr val="accent1"/>
+          </a:lnRef>
+          <a:fillRef idx="0">
+            <a:schemeClr val="accent1"/>
+          </a:fillRef>
+          <a:effectRef idx="0">
+            <a:schemeClr val="accent1"/>
+          </a:effectRef>
+          <a:fontRef idx="minor">
+            <a:schemeClr val="tx1"/>
+          </a:fontRef>
+        </p:style>
+      </p:cxnSp>
+      <p:cxnSp>
+        <p:nvCxnSpPr>
+          <p:cNvPr id="66" name="Straight Arrow Connector 65">
+            <a:extLst>
+              <a:ext uri="{FF2B5EF4-FFF2-40B4-BE49-F238E27FC236}">
+                <a16:creationId xmlns:a16="http://schemas.microsoft.com/office/drawing/2014/main" id="{65909EBF-A6AB-DF44-870F-0033AB7FD6EC}"/>
+              </a:ext>
+            </a:extLst>
+          </p:cNvPr>
+          <p:cNvCxnSpPr>
+            <a:cxnSpLocks/>
+            <a:stCxn id="39" idx="2"/>
+            <a:endCxn id="42" idx="0"/>
+          </p:cNvCxnSpPr>
+          <p:nvPr/>
+        </p:nvCxnSpPr>
+        <p:spPr>
+          <a:xfrm>
+            <a:off x="7519782" y="3988728"/>
+            <a:ext cx="0" cy="408571"/>
+          </a:xfrm>
+          <a:prstGeom prst="straightConnector1">
+            <a:avLst/>
+          </a:prstGeom>
+          <a:ln>
+            <a:solidFill>
+              <a:schemeClr val="tx1"/>
+            </a:solidFill>
+            <a:headEnd type="none" w="med" len="med"/>
+            <a:tailEnd type="arrow" w="med" len="med"/>
+          </a:ln>
+        </p:spPr>
+        <p:style>
+          <a:lnRef idx="1">
+            <a:schemeClr val="accent1"/>
+          </a:lnRef>
+          <a:fillRef idx="0">
+            <a:schemeClr val="accent1"/>
+          </a:fillRef>
+          <a:effectRef idx="0">
+            <a:schemeClr val="accent1"/>
+          </a:effectRef>
+          <a:fontRef idx="minor">
+            <a:schemeClr val="tx1"/>
+          </a:fontRef>
+        </p:style>
+      </p:cxnSp>
+      <p:cxnSp>
+        <p:nvCxnSpPr>
+          <p:cNvPr id="72" name="Curved Connector 71">
+            <a:extLst>
+              <a:ext uri="{FF2B5EF4-FFF2-40B4-BE49-F238E27FC236}">
+                <a16:creationId xmlns:a16="http://schemas.microsoft.com/office/drawing/2014/main" id="{987BF8B6-FCAC-4E4B-9A26-19D8FA697B85}"/>
+              </a:ext>
+            </a:extLst>
+          </p:cNvPr>
+          <p:cNvCxnSpPr>
+            <a:cxnSpLocks/>
+            <a:stCxn id="3" idx="1"/>
+          </p:cNvCxnSpPr>
+          <p:nvPr/>
+        </p:nvCxnSpPr>
+        <p:spPr>
+          <a:xfrm rot="10800000" flipH="1" flipV="1">
+            <a:off x="6890375" y="777927"/>
+            <a:ext cx="21793" cy="2767941"/>
+          </a:xfrm>
+          <a:prstGeom prst="curvedConnector3">
+            <a:avLst>
+              <a:gd name="adj1" fmla="val -981288"/>
+            </a:avLst>
+          </a:prstGeom>
+          <a:ln>
+            <a:solidFill>
+              <a:schemeClr val="tx1"/>
+            </a:solidFill>
+            <a:headEnd type="none" w="med" len="med"/>
+            <a:tailEnd type="arrow" w="med" len="med"/>
+          </a:ln>
+        </p:spPr>
+        <p:style>
+          <a:lnRef idx="1">
+            <a:schemeClr val="accent1"/>
+          </a:lnRef>
+          <a:fillRef idx="0">
+            <a:schemeClr val="accent1"/>
+          </a:fillRef>
+          <a:effectRef idx="0">
+            <a:schemeClr val="accent1"/>
+          </a:effectRef>
+          <a:fontRef idx="minor">
+            <a:schemeClr val="tx1"/>
+          </a:fontRef>
+        </p:style>
+      </p:cxnSp>
+      <p:cxnSp>
+        <p:nvCxnSpPr>
+          <p:cNvPr id="75" name="Curved Connector 74">
+            <a:extLst>
+              <a:ext uri="{FF2B5EF4-FFF2-40B4-BE49-F238E27FC236}">
+                <a16:creationId xmlns:a16="http://schemas.microsoft.com/office/drawing/2014/main" id="{AE4D90F0-667F-104D-905C-1D15F671833A}"/>
+              </a:ext>
+            </a:extLst>
+          </p:cNvPr>
+          <p:cNvCxnSpPr>
+            <a:cxnSpLocks/>
+            <a:stCxn id="48" idx="3"/>
+            <a:endCxn id="27" idx="3"/>
+          </p:cNvCxnSpPr>
+          <p:nvPr/>
+        </p:nvCxnSpPr>
+        <p:spPr>
+          <a:xfrm flipH="1">
+            <a:off x="8139312" y="3667928"/>
+            <a:ext cx="1856623" cy="2124825"/>
+          </a:xfrm>
+          <a:prstGeom prst="curvedConnector3">
+            <a:avLst>
+              <a:gd name="adj1" fmla="val -12313"/>
+            </a:avLst>
+          </a:prstGeom>
+          <a:ln>
+            <a:solidFill>
+              <a:schemeClr val="tx1"/>
+            </a:solidFill>
+            <a:prstDash val="sysDot"/>
+            <a:headEnd type="none" w="med" len="med"/>
+            <a:tailEnd type="arrow" w="med" len="med"/>
+          </a:ln>
+        </p:spPr>
+        <p:style>
+          <a:lnRef idx="1">
+            <a:schemeClr val="accent1"/>
+          </a:lnRef>
+          <a:fillRef idx="0">
+            <a:schemeClr val="accent1"/>
+          </a:fillRef>
+          <a:effectRef idx="0">
+            <a:schemeClr val="accent1"/>
+          </a:effectRef>
+          <a:fontRef idx="minor">
+            <a:schemeClr val="tx1"/>
+          </a:fontRef>
+        </p:style>
+      </p:cxnSp>
+      <p:sp>
+        <p:nvSpPr>
+          <p:cNvPr id="48" name="Rounded Rectangle 47">
+            <a:extLst>
+              <a:ext uri="{FF2B5EF4-FFF2-40B4-BE49-F238E27FC236}">
+                <a16:creationId xmlns:a16="http://schemas.microsoft.com/office/drawing/2014/main" id="{BF0E65E1-132E-7D46-BF9A-95F2C77147F8}"/>
               </a:ext>
             </a:extLst>
           </p:cNvPr>
@@ -9785,7 +9906,7 @@
         </p:nvSpPr>
         <p:spPr>
           <a:xfrm>
-            <a:off x="6895314" y="2352085"/>
+            <a:off x="8746999" y="3338967"/>
             <a:ext cx="1248936" cy="657922"/>
           </a:xfrm>
           <a:prstGeom prst="roundRect">
@@ -9834,292 +9955,17 @@
                   <a:schemeClr val="tx1"/>
                 </a:solidFill>
               </a:rPr>
-              <a:t>XML</a:t>
-            </a:r>
-          </a:p>
-        </p:txBody>
-      </p:sp>
-      <p:cxnSp>
-        <p:nvCxnSpPr>
-          <p:cNvPr id="58" name="Straight Arrow Connector 57">
-            <a:extLst>
-              <a:ext uri="{FF2B5EF4-FFF2-40B4-BE49-F238E27FC236}">
-                <a16:creationId xmlns:a16="http://schemas.microsoft.com/office/drawing/2014/main" id="{922D3BE8-5A40-C54F-97AE-F7C0FFF8F2D1}"/>
-              </a:ext>
-            </a:extLst>
-          </p:cNvPr>
-          <p:cNvCxnSpPr>
-            <a:cxnSpLocks/>
-            <a:stCxn id="39" idx="0"/>
-            <a:endCxn id="57" idx="2"/>
-          </p:cNvCxnSpPr>
-          <p:nvPr/>
-        </p:nvCxnSpPr>
-        <p:spPr>
-          <a:xfrm flipV="1">
-            <a:off x="7519782" y="3010007"/>
-            <a:ext cx="0" cy="320799"/>
-          </a:xfrm>
-          <a:prstGeom prst="straightConnector1">
-            <a:avLst/>
-          </a:prstGeom>
-          <a:ln>
-            <a:solidFill>
-              <a:schemeClr val="tx1"/>
-            </a:solidFill>
-            <a:headEnd type="none" w="med" len="med"/>
-            <a:tailEnd type="arrow" w="med" len="med"/>
-          </a:ln>
-        </p:spPr>
-        <p:style>
-          <a:lnRef idx="1">
-            <a:schemeClr val="accent1"/>
-          </a:lnRef>
-          <a:fillRef idx="0">
-            <a:schemeClr val="accent1"/>
-          </a:fillRef>
-          <a:effectRef idx="0">
-            <a:schemeClr val="accent1"/>
-          </a:effectRef>
-          <a:fontRef idx="minor">
-            <a:schemeClr val="tx1"/>
-          </a:fontRef>
-        </p:style>
-      </p:cxnSp>
-      <p:sp>
-        <p:nvSpPr>
-          <p:cNvPr id="60" name="TextBox 59">
-            <a:extLst>
-              <a:ext uri="{FF2B5EF4-FFF2-40B4-BE49-F238E27FC236}">
-                <a16:creationId xmlns:a16="http://schemas.microsoft.com/office/drawing/2014/main" id="{D8F84038-AD14-8142-8B7A-BD140C4A584C}"/>
-              </a:ext>
-            </a:extLst>
-          </p:cNvPr>
-          <p:cNvSpPr txBox="1"/>
-          <p:nvPr/>
-        </p:nvSpPr>
-        <p:spPr>
-          <a:xfrm>
-            <a:off x="5629057" y="3051179"/>
-            <a:ext cx="609654" cy="276999"/>
-          </a:xfrm>
-          <a:prstGeom prst="rect">
-            <a:avLst/>
-          </a:prstGeom>
-          <a:noFill/>
-        </p:spPr>
-        <p:txBody>
-          <a:bodyPr wrap="none" rtlCol="0">
-            <a:spAutoFit/>
-          </a:bodyPr>
-          <a:lstStyle/>
-          <a:p>
-            <a:r>
-              <a:rPr lang="en-US" sz="1200"/>
-              <a:t>format</a:t>
-            </a:r>
-          </a:p>
-        </p:txBody>
-      </p:sp>
-      <p:cxnSp>
-        <p:nvCxnSpPr>
-          <p:cNvPr id="65" name="Straight Arrow Connector 64">
-            <a:extLst>
-              <a:ext uri="{FF2B5EF4-FFF2-40B4-BE49-F238E27FC236}">
-                <a16:creationId xmlns:a16="http://schemas.microsoft.com/office/drawing/2014/main" id="{0175D5D7-9203-6244-8D5C-2C0EB83BE2E8}"/>
-              </a:ext>
-            </a:extLst>
-          </p:cNvPr>
-          <p:cNvCxnSpPr>
-            <a:cxnSpLocks/>
-            <a:stCxn id="57" idx="0"/>
-            <a:endCxn id="33" idx="2"/>
-          </p:cNvCxnSpPr>
-          <p:nvPr/>
-        </p:nvCxnSpPr>
-        <p:spPr>
-          <a:xfrm flipV="1">
-            <a:off x="7519782" y="2026174"/>
-            <a:ext cx="0" cy="325911"/>
-          </a:xfrm>
-          <a:prstGeom prst="straightConnector1">
-            <a:avLst/>
-          </a:prstGeom>
-          <a:ln>
-            <a:solidFill>
-              <a:schemeClr val="tx1"/>
-            </a:solidFill>
-            <a:prstDash val="sysDot"/>
-            <a:headEnd type="none" w="med" len="med"/>
-            <a:tailEnd type="arrow" w="med" len="med"/>
-          </a:ln>
-        </p:spPr>
-        <p:style>
-          <a:lnRef idx="1">
-            <a:schemeClr val="accent1"/>
-          </a:lnRef>
-          <a:fillRef idx="0">
-            <a:schemeClr val="accent1"/>
-          </a:fillRef>
-          <a:effectRef idx="0">
-            <a:schemeClr val="accent1"/>
-          </a:effectRef>
-          <a:fontRef idx="minor">
-            <a:schemeClr val="tx1"/>
-          </a:fontRef>
-        </p:style>
-      </p:cxnSp>
-      <p:cxnSp>
-        <p:nvCxnSpPr>
-          <p:cNvPr id="66" name="Straight Arrow Connector 65">
-            <a:extLst>
-              <a:ext uri="{FF2B5EF4-FFF2-40B4-BE49-F238E27FC236}">
-                <a16:creationId xmlns:a16="http://schemas.microsoft.com/office/drawing/2014/main" id="{65909EBF-A6AB-DF44-870F-0033AB7FD6EC}"/>
-              </a:ext>
-            </a:extLst>
-          </p:cNvPr>
-          <p:cNvCxnSpPr>
-            <a:cxnSpLocks/>
-            <a:stCxn id="39" idx="2"/>
-            <a:endCxn id="42" idx="0"/>
-          </p:cNvCxnSpPr>
-          <p:nvPr/>
-        </p:nvCxnSpPr>
-        <p:spPr>
-          <a:xfrm>
-            <a:off x="7519782" y="3988728"/>
-            <a:ext cx="0" cy="408571"/>
-          </a:xfrm>
-          <a:prstGeom prst="straightConnector1">
-            <a:avLst/>
-          </a:prstGeom>
-          <a:ln>
-            <a:solidFill>
-              <a:schemeClr val="tx1"/>
-            </a:solidFill>
-            <a:headEnd type="none" w="med" len="med"/>
-            <a:tailEnd type="arrow" w="med" len="med"/>
-          </a:ln>
-        </p:spPr>
-        <p:style>
-          <a:lnRef idx="1">
-            <a:schemeClr val="accent1"/>
-          </a:lnRef>
-          <a:fillRef idx="0">
-            <a:schemeClr val="accent1"/>
-          </a:fillRef>
-          <a:effectRef idx="0">
-            <a:schemeClr val="accent1"/>
-          </a:effectRef>
-          <a:fontRef idx="minor">
-            <a:schemeClr val="tx1"/>
-          </a:fontRef>
-        </p:style>
-      </p:cxnSp>
-      <p:cxnSp>
-        <p:nvCxnSpPr>
-          <p:cNvPr id="72" name="Curved Connector 71">
-            <a:extLst>
-              <a:ext uri="{FF2B5EF4-FFF2-40B4-BE49-F238E27FC236}">
-                <a16:creationId xmlns:a16="http://schemas.microsoft.com/office/drawing/2014/main" id="{987BF8B6-FCAC-4E4B-9A26-19D8FA697B85}"/>
-              </a:ext>
-            </a:extLst>
-          </p:cNvPr>
-          <p:cNvCxnSpPr>
-            <a:cxnSpLocks/>
-            <a:stCxn id="3" idx="1"/>
-          </p:cNvCxnSpPr>
-          <p:nvPr/>
-        </p:nvCxnSpPr>
-        <p:spPr>
-          <a:xfrm rot="10800000" flipH="1" flipV="1">
-            <a:off x="6890375" y="777927"/>
-            <a:ext cx="21793" cy="2767941"/>
-          </a:xfrm>
-          <a:prstGeom prst="curvedConnector3">
-            <a:avLst>
-              <a:gd name="adj1" fmla="val -981288"/>
-            </a:avLst>
-          </a:prstGeom>
-          <a:ln>
-            <a:solidFill>
-              <a:schemeClr val="tx1"/>
-            </a:solidFill>
-            <a:headEnd type="none" w="med" len="med"/>
-            <a:tailEnd type="arrow" w="med" len="med"/>
-          </a:ln>
-        </p:spPr>
-        <p:style>
-          <a:lnRef idx="1">
-            <a:schemeClr val="accent1"/>
-          </a:lnRef>
-          <a:fillRef idx="0">
-            <a:schemeClr val="accent1"/>
-          </a:fillRef>
-          <a:effectRef idx="0">
-            <a:schemeClr val="accent1"/>
-          </a:effectRef>
-          <a:fontRef idx="minor">
-            <a:schemeClr val="tx1"/>
-          </a:fontRef>
-        </p:style>
-      </p:cxnSp>
-      <p:cxnSp>
-        <p:nvCxnSpPr>
-          <p:cNvPr id="75" name="Curved Connector 74">
-            <a:extLst>
-              <a:ext uri="{FF2B5EF4-FFF2-40B4-BE49-F238E27FC236}">
-                <a16:creationId xmlns:a16="http://schemas.microsoft.com/office/drawing/2014/main" id="{AE4D90F0-667F-104D-905C-1D15F671833A}"/>
-              </a:ext>
-            </a:extLst>
-          </p:cNvPr>
-          <p:cNvCxnSpPr>
-            <a:cxnSpLocks/>
-            <a:stCxn id="48" idx="3"/>
-            <a:endCxn id="27" idx="3"/>
-          </p:cNvCxnSpPr>
-          <p:nvPr/>
-        </p:nvCxnSpPr>
-        <p:spPr>
-          <a:xfrm flipH="1">
-            <a:off x="8139312" y="3667928"/>
-            <a:ext cx="1856623" cy="2124825"/>
-          </a:xfrm>
-          <a:prstGeom prst="curvedConnector3">
-            <a:avLst>
-              <a:gd name="adj1" fmla="val -12313"/>
-            </a:avLst>
-          </a:prstGeom>
-          <a:ln>
-            <a:solidFill>
-              <a:schemeClr val="tx1"/>
-            </a:solidFill>
-            <a:prstDash val="sysDot"/>
-            <a:headEnd type="none" w="med" len="med"/>
-            <a:tailEnd type="arrow" w="med" len="med"/>
-          </a:ln>
-        </p:spPr>
-        <p:style>
-          <a:lnRef idx="1">
-            <a:schemeClr val="accent1"/>
-          </a:lnRef>
-          <a:fillRef idx="0">
-            <a:schemeClr val="accent1"/>
-          </a:fillRef>
-          <a:effectRef idx="0">
-            <a:schemeClr val="accent1"/>
-          </a:effectRef>
-          <a:fontRef idx="minor">
-            <a:schemeClr val="tx1"/>
-          </a:fontRef>
-        </p:style>
-      </p:cxnSp>
-      <p:sp>
-        <p:nvSpPr>
-          <p:cNvPr id="48" name="Rounded Rectangle 47">
-            <a:extLst>
-              <a:ext uri="{FF2B5EF4-FFF2-40B4-BE49-F238E27FC236}">
-                <a16:creationId xmlns:a16="http://schemas.microsoft.com/office/drawing/2014/main" id="{BF0E65E1-132E-7D46-BF9A-95F2C77147F8}"/>
+              <a:t>Specification Document</a:t>
+            </a:r>
+          </a:p>
+        </p:txBody>
+      </p:sp>
+      <p:sp>
+        <p:nvSpPr>
+          <p:cNvPr id="49" name="Rounded Rectangle 48">
+            <a:extLst>
+              <a:ext uri="{FF2B5EF4-FFF2-40B4-BE49-F238E27FC236}">
+                <a16:creationId xmlns:a16="http://schemas.microsoft.com/office/drawing/2014/main" id="{F3942113-30D8-3649-BF57-15F8163C4C21}"/>
               </a:ext>
             </a:extLst>
           </p:cNvPr>
@@ -10128,7 +9974,7 @@
         </p:nvSpPr>
         <p:spPr>
           <a:xfrm>
-            <a:off x="8746999" y="3338967"/>
+            <a:off x="8746999" y="4397299"/>
             <a:ext cx="1248936" cy="657922"/>
           </a:xfrm>
           <a:prstGeom prst="roundRect">
@@ -10177,17 +10023,32 @@
                   <a:schemeClr val="tx1"/>
                 </a:solidFill>
               </a:rPr>
-              <a:t>Specification Document</a:t>
-            </a:r>
-          </a:p>
-        </p:txBody>
-      </p:sp>
-      <p:sp>
-        <p:nvSpPr>
-          <p:cNvPr id="49" name="Rounded Rectangle 48">
-            <a:extLst>
-              <a:ext uri="{FF2B5EF4-FFF2-40B4-BE49-F238E27FC236}">
-                <a16:creationId xmlns:a16="http://schemas.microsoft.com/office/drawing/2014/main" id="{F3942113-30D8-3649-BF57-15F8163C4C21}"/>
+              <a:t>HTML 5 </a:t>
+            </a:r>
+            <a:br>
+              <a:rPr lang="en-US" sz="1400">
+                <a:solidFill>
+                  <a:schemeClr val="tx1"/>
+                </a:solidFill>
+              </a:rPr>
+            </a:br>
+            <a:r>
+              <a:rPr lang="en-US" sz="1400">
+                <a:solidFill>
+                  <a:schemeClr val="tx1"/>
+                </a:solidFill>
+              </a:rPr>
+              <a:t>(Web Page)</a:t>
+            </a:r>
+          </a:p>
+        </p:txBody>
+      </p:sp>
+      <p:sp>
+        <p:nvSpPr>
+          <p:cNvPr id="51" name="Rounded Rectangle 50">
+            <a:extLst>
+              <a:ext uri="{FF2B5EF4-FFF2-40B4-BE49-F238E27FC236}">
+                <a16:creationId xmlns:a16="http://schemas.microsoft.com/office/drawing/2014/main" id="{10504500-0897-C74D-9153-539FB6B65AC8}"/>
               </a:ext>
             </a:extLst>
           </p:cNvPr>
@@ -10196,7 +10057,7 @@
         </p:nvSpPr>
         <p:spPr>
           <a:xfrm>
-            <a:off x="8746999" y="4397299"/>
+            <a:off x="8746998" y="2349463"/>
             <a:ext cx="1248936" cy="657922"/>
           </a:xfrm>
           <a:prstGeom prst="roundRect">
@@ -10245,32 +10106,492 @@
                   <a:schemeClr val="tx1"/>
                 </a:solidFill>
               </a:rPr>
-              <a:t>HTML 5 </a:t>
-            </a:r>
-            <a:br>
-              <a:rPr lang="en-US" sz="1400">
-                <a:solidFill>
-                  <a:schemeClr val="tx1"/>
-                </a:solidFill>
-              </a:rPr>
-            </a:br>
-            <a:r>
-              <a:rPr lang="en-US" sz="1400">
-                <a:solidFill>
-                  <a:schemeClr val="tx1"/>
-                </a:solidFill>
-              </a:rPr>
-              <a:t>(Web Page)</a:t>
-            </a:r>
-          </a:p>
-        </p:txBody>
-      </p:sp>
-      <p:sp>
-        <p:nvSpPr>
-          <p:cNvPr id="51" name="Rounded Rectangle 50">
-            <a:extLst>
-              <a:ext uri="{FF2B5EF4-FFF2-40B4-BE49-F238E27FC236}">
-                <a16:creationId xmlns:a16="http://schemas.microsoft.com/office/drawing/2014/main" id="{10504500-0897-C74D-9153-539FB6B65AC8}"/>
+              <a:t>HTML</a:t>
+            </a:r>
+          </a:p>
+        </p:txBody>
+      </p:sp>
+      <p:cxnSp>
+        <p:nvCxnSpPr>
+          <p:cNvPr id="52" name="Straight Arrow Connector 51">
+            <a:extLst>
+              <a:ext uri="{FF2B5EF4-FFF2-40B4-BE49-F238E27FC236}">
+                <a16:creationId xmlns:a16="http://schemas.microsoft.com/office/drawing/2014/main" id="{FF7E0FE0-61F2-1D41-92F8-02B5D3365B21}"/>
+              </a:ext>
+            </a:extLst>
+          </p:cNvPr>
+          <p:cNvCxnSpPr>
+            <a:cxnSpLocks/>
+            <a:stCxn id="48" idx="0"/>
+            <a:endCxn id="51" idx="2"/>
+          </p:cNvCxnSpPr>
+          <p:nvPr/>
+        </p:nvCxnSpPr>
+        <p:spPr>
+          <a:xfrm flipH="1" flipV="1">
+            <a:off x="9371466" y="3007385"/>
+            <a:ext cx="1" cy="331582"/>
+          </a:xfrm>
+          <a:prstGeom prst="straightConnector1">
+            <a:avLst/>
+          </a:prstGeom>
+          <a:ln>
+            <a:solidFill>
+              <a:schemeClr val="tx1"/>
+            </a:solidFill>
+            <a:headEnd type="none" w="med" len="med"/>
+            <a:tailEnd type="arrow" w="med" len="med"/>
+          </a:ln>
+        </p:spPr>
+        <p:style>
+          <a:lnRef idx="1">
+            <a:schemeClr val="accent1"/>
+          </a:lnRef>
+          <a:fillRef idx="0">
+            <a:schemeClr val="accent1"/>
+          </a:fillRef>
+          <a:effectRef idx="0">
+            <a:schemeClr val="accent1"/>
+          </a:effectRef>
+          <a:fontRef idx="minor">
+            <a:schemeClr val="tx1"/>
+          </a:fontRef>
+        </p:style>
+      </p:cxnSp>
+      <p:sp>
+        <p:nvSpPr>
+          <p:cNvPr id="53" name="TextBox 52">
+            <a:extLst>
+              <a:ext uri="{FF2B5EF4-FFF2-40B4-BE49-F238E27FC236}">
+                <a16:creationId xmlns:a16="http://schemas.microsoft.com/office/drawing/2014/main" id="{BB04A72A-3290-9242-BC57-B5B415567109}"/>
+              </a:ext>
+            </a:extLst>
+          </p:cNvPr>
+          <p:cNvSpPr txBox="1"/>
+          <p:nvPr/>
+        </p:nvSpPr>
+        <p:spPr>
+          <a:xfrm>
+            <a:off x="7498202" y="3043171"/>
+            <a:ext cx="609654" cy="276999"/>
+          </a:xfrm>
+          <a:prstGeom prst="rect">
+            <a:avLst/>
+          </a:prstGeom>
+          <a:noFill/>
+        </p:spPr>
+        <p:txBody>
+          <a:bodyPr wrap="none" rtlCol="0">
+            <a:spAutoFit/>
+          </a:bodyPr>
+          <a:lstStyle/>
+          <a:p>
+            <a:r>
+              <a:rPr lang="en-US" sz="1200"/>
+              <a:t>format</a:t>
+            </a:r>
+          </a:p>
+        </p:txBody>
+      </p:sp>
+      <p:cxnSp>
+        <p:nvCxnSpPr>
+          <p:cNvPr id="61" name="Straight Arrow Connector 60">
+            <a:extLst>
+              <a:ext uri="{FF2B5EF4-FFF2-40B4-BE49-F238E27FC236}">
+                <a16:creationId xmlns:a16="http://schemas.microsoft.com/office/drawing/2014/main" id="{C9AA568A-9D7A-BD4C-A828-648982FD501E}"/>
+              </a:ext>
+            </a:extLst>
+          </p:cNvPr>
+          <p:cNvCxnSpPr>
+            <a:cxnSpLocks/>
+            <a:stCxn id="48" idx="2"/>
+            <a:endCxn id="49" idx="0"/>
+          </p:cNvCxnSpPr>
+          <p:nvPr/>
+        </p:nvCxnSpPr>
+        <p:spPr>
+          <a:xfrm>
+            <a:off x="9371467" y="3996889"/>
+            <a:ext cx="0" cy="400410"/>
+          </a:xfrm>
+          <a:prstGeom prst="straightConnector1">
+            <a:avLst/>
+          </a:prstGeom>
+          <a:ln>
+            <a:solidFill>
+              <a:schemeClr val="tx1"/>
+            </a:solidFill>
+            <a:headEnd type="none" w="med" len="med"/>
+            <a:tailEnd type="arrow" w="med" len="med"/>
+          </a:ln>
+        </p:spPr>
+        <p:style>
+          <a:lnRef idx="1">
+            <a:schemeClr val="accent1"/>
+          </a:lnRef>
+          <a:fillRef idx="0">
+            <a:schemeClr val="accent1"/>
+          </a:fillRef>
+          <a:effectRef idx="0">
+            <a:schemeClr val="accent1"/>
+          </a:effectRef>
+          <a:fontRef idx="minor">
+            <a:schemeClr val="tx1"/>
+          </a:fontRef>
+        </p:style>
+      </p:cxnSp>
+      <p:cxnSp>
+        <p:nvCxnSpPr>
+          <p:cNvPr id="68" name="Curved Connector 67">
+            <a:extLst>
+              <a:ext uri="{FF2B5EF4-FFF2-40B4-BE49-F238E27FC236}">
+                <a16:creationId xmlns:a16="http://schemas.microsoft.com/office/drawing/2014/main" id="{3B61E6C8-DE22-F84D-A323-74CF2E8E4DF1}"/>
+              </a:ext>
+            </a:extLst>
+          </p:cNvPr>
+          <p:cNvCxnSpPr>
+            <a:cxnSpLocks/>
+            <a:stCxn id="3" idx="3"/>
+            <a:endCxn id="48" idx="1"/>
+          </p:cNvCxnSpPr>
+          <p:nvPr/>
+        </p:nvCxnSpPr>
+        <p:spPr>
+          <a:xfrm>
+            <a:off x="8139312" y="777928"/>
+            <a:ext cx="607687" cy="2890000"/>
+          </a:xfrm>
+          <a:prstGeom prst="curvedConnector3">
+            <a:avLst>
+              <a:gd name="adj1" fmla="val 50000"/>
+            </a:avLst>
+          </a:prstGeom>
+          <a:ln>
+            <a:solidFill>
+              <a:schemeClr val="tx1"/>
+            </a:solidFill>
+            <a:headEnd type="none" w="med" len="med"/>
+            <a:tailEnd type="arrow" w="med" len="med"/>
+          </a:ln>
+        </p:spPr>
+        <p:style>
+          <a:lnRef idx="1">
+            <a:schemeClr val="accent1"/>
+          </a:lnRef>
+          <a:fillRef idx="0">
+            <a:schemeClr val="accent1"/>
+          </a:fillRef>
+          <a:effectRef idx="0">
+            <a:schemeClr val="accent1"/>
+          </a:effectRef>
+          <a:fontRef idx="minor">
+            <a:schemeClr val="tx1"/>
+          </a:fontRef>
+        </p:style>
+      </p:cxnSp>
+      <p:cxnSp>
+        <p:nvCxnSpPr>
+          <p:cNvPr id="130" name="Curved Connector 129">
+            <a:extLst>
+              <a:ext uri="{FF2B5EF4-FFF2-40B4-BE49-F238E27FC236}">
+                <a16:creationId xmlns:a16="http://schemas.microsoft.com/office/drawing/2014/main" id="{3A7A66B0-CDBB-A942-9C78-CF172B348E3D}"/>
+              </a:ext>
+            </a:extLst>
+          </p:cNvPr>
+          <p:cNvCxnSpPr>
+            <a:cxnSpLocks/>
+            <a:stCxn id="14" idx="1"/>
+            <a:endCxn id="27" idx="1"/>
+          </p:cNvCxnSpPr>
+          <p:nvPr/>
+        </p:nvCxnSpPr>
+        <p:spPr>
+          <a:xfrm rot="10800000" flipH="1" flipV="1">
+            <a:off x="4831490" y="3661615"/>
+            <a:ext cx="2058886" cy="2131138"/>
+          </a:xfrm>
+          <a:prstGeom prst="curvedConnector3">
+            <a:avLst>
+              <a:gd name="adj1" fmla="val -11103"/>
+            </a:avLst>
+          </a:prstGeom>
+          <a:ln>
+            <a:solidFill>
+              <a:schemeClr val="tx1"/>
+            </a:solidFill>
+            <a:prstDash val="sysDot"/>
+            <a:headEnd type="none" w="med" len="med"/>
+            <a:tailEnd type="arrow" w="med" len="med"/>
+          </a:ln>
+        </p:spPr>
+        <p:style>
+          <a:lnRef idx="1">
+            <a:schemeClr val="accent1"/>
+          </a:lnRef>
+          <a:fillRef idx="0">
+            <a:schemeClr val="accent1"/>
+          </a:fillRef>
+          <a:effectRef idx="0">
+            <a:schemeClr val="accent1"/>
+          </a:effectRef>
+          <a:fontRef idx="minor">
+            <a:schemeClr val="tx1"/>
+          </a:fontRef>
+        </p:style>
+      </p:cxnSp>
+      <p:cxnSp>
+        <p:nvCxnSpPr>
+          <p:cNvPr id="133" name="Curved Connector 132">
+            <a:extLst>
+              <a:ext uri="{FF2B5EF4-FFF2-40B4-BE49-F238E27FC236}">
+                <a16:creationId xmlns:a16="http://schemas.microsoft.com/office/drawing/2014/main" id="{D47EC085-E124-AD46-A428-423E795AB8FF}"/>
+              </a:ext>
+            </a:extLst>
+          </p:cNvPr>
+          <p:cNvCxnSpPr>
+            <a:cxnSpLocks/>
+            <a:stCxn id="39" idx="3"/>
+            <a:endCxn id="27" idx="3"/>
+          </p:cNvCxnSpPr>
+          <p:nvPr/>
+        </p:nvCxnSpPr>
+        <p:spPr>
+          <a:xfrm flipH="1">
+            <a:off x="8139312" y="3659767"/>
+            <a:ext cx="4938" cy="2132986"/>
+          </a:xfrm>
+          <a:prstGeom prst="curvedConnector3">
+            <a:avLst>
+              <a:gd name="adj1" fmla="val -4629405"/>
+            </a:avLst>
+          </a:prstGeom>
+          <a:ln>
+            <a:solidFill>
+              <a:schemeClr val="tx1"/>
+            </a:solidFill>
+            <a:prstDash val="sysDot"/>
+            <a:headEnd type="none" w="med" len="med"/>
+            <a:tailEnd type="arrow" w="med" len="med"/>
+          </a:ln>
+        </p:spPr>
+        <p:style>
+          <a:lnRef idx="1">
+            <a:schemeClr val="accent1"/>
+          </a:lnRef>
+          <a:fillRef idx="0">
+            <a:schemeClr val="accent1"/>
+          </a:fillRef>
+          <a:effectRef idx="0">
+            <a:schemeClr val="accent1"/>
+          </a:effectRef>
+          <a:fontRef idx="minor">
+            <a:schemeClr val="tx1"/>
+          </a:fontRef>
+        </p:style>
+      </p:cxnSp>
+      <p:sp>
+        <p:nvSpPr>
+          <p:cNvPr id="63" name="TextBox 62">
+            <a:extLst>
+              <a:ext uri="{FF2B5EF4-FFF2-40B4-BE49-F238E27FC236}">
+                <a16:creationId xmlns:a16="http://schemas.microsoft.com/office/drawing/2014/main" id="{B6061BE5-5290-A741-8926-D37C4BF55231}"/>
+              </a:ext>
+            </a:extLst>
+          </p:cNvPr>
+          <p:cNvSpPr txBox="1"/>
+          <p:nvPr/>
+        </p:nvSpPr>
+        <p:spPr>
+          <a:xfrm>
+            <a:off x="7004601" y="4035536"/>
+            <a:ext cx="915828" cy="276999"/>
+          </a:xfrm>
+          <a:prstGeom prst="rect">
+            <a:avLst/>
+          </a:prstGeom>
+          <a:solidFill>
+            <a:schemeClr val="bg1"/>
+          </a:solidFill>
+        </p:spPr>
+        <p:txBody>
+          <a:bodyPr wrap="none" rtlCol="0">
+            <a:spAutoFit/>
+          </a:bodyPr>
+          <a:lstStyle/>
+          <a:p>
+            <a:r>
+              <a:rPr lang="en-US" sz="1200"/>
+              <a:t>conformsTo</a:t>
+            </a:r>
+          </a:p>
+        </p:txBody>
+      </p:sp>
+      <p:sp>
+        <p:nvSpPr>
+          <p:cNvPr id="69" name="TextBox 68">
+            <a:extLst>
+              <a:ext uri="{FF2B5EF4-FFF2-40B4-BE49-F238E27FC236}">
+                <a16:creationId xmlns:a16="http://schemas.microsoft.com/office/drawing/2014/main" id="{45D51877-FABB-AE49-9A9F-15368115ECD8}"/>
+              </a:ext>
+            </a:extLst>
+          </p:cNvPr>
+          <p:cNvSpPr txBox="1"/>
+          <p:nvPr/>
+        </p:nvSpPr>
+        <p:spPr>
+          <a:xfrm>
+            <a:off x="4944472" y="4042899"/>
+            <a:ext cx="915828" cy="276999"/>
+          </a:xfrm>
+          <a:prstGeom prst="rect">
+            <a:avLst/>
+          </a:prstGeom>
+          <a:solidFill>
+            <a:schemeClr val="bg1"/>
+          </a:solidFill>
+        </p:spPr>
+        <p:txBody>
+          <a:bodyPr wrap="none" rtlCol="0">
+            <a:spAutoFit/>
+          </a:bodyPr>
+          <a:lstStyle/>
+          <a:p>
+            <a:r>
+              <a:rPr lang="en-US" sz="1200"/>
+              <a:t>conformsTo</a:t>
+            </a:r>
+          </a:p>
+        </p:txBody>
+      </p:sp>
+      <p:sp>
+        <p:nvSpPr>
+          <p:cNvPr id="67" name="TextBox 66">
+            <a:extLst>
+              <a:ext uri="{FF2B5EF4-FFF2-40B4-BE49-F238E27FC236}">
+                <a16:creationId xmlns:a16="http://schemas.microsoft.com/office/drawing/2014/main" id="{841909B9-34DD-E344-BFB8-345914D265D6}"/>
+              </a:ext>
+            </a:extLst>
+          </p:cNvPr>
+          <p:cNvSpPr txBox="1"/>
+          <p:nvPr/>
+        </p:nvSpPr>
+        <p:spPr>
+          <a:xfrm>
+            <a:off x="8859980" y="4032141"/>
+            <a:ext cx="915828" cy="276999"/>
+          </a:xfrm>
+          <a:prstGeom prst="rect">
+            <a:avLst/>
+          </a:prstGeom>
+          <a:solidFill>
+            <a:schemeClr val="bg1"/>
+          </a:solidFill>
+        </p:spPr>
+        <p:txBody>
+          <a:bodyPr wrap="none" rtlCol="0">
+            <a:spAutoFit/>
+          </a:bodyPr>
+          <a:lstStyle/>
+          <a:p>
+            <a:r>
+              <a:rPr lang="en-US" sz="1200"/>
+              <a:t>conformsTo</a:t>
+            </a:r>
+          </a:p>
+        </p:txBody>
+      </p:sp>
+      <p:cxnSp>
+        <p:nvCxnSpPr>
+          <p:cNvPr id="147" name="Curved Connector 146">
+            <a:extLst>
+              <a:ext uri="{FF2B5EF4-FFF2-40B4-BE49-F238E27FC236}">
+                <a16:creationId xmlns:a16="http://schemas.microsoft.com/office/drawing/2014/main" id="{DBB28A78-59E5-8A4D-B7B2-692A97992E7E}"/>
+              </a:ext>
+            </a:extLst>
+          </p:cNvPr>
+          <p:cNvCxnSpPr>
+            <a:cxnSpLocks/>
+            <a:stCxn id="3" idx="1"/>
+            <a:endCxn id="14" idx="3"/>
+          </p:cNvCxnSpPr>
+          <p:nvPr/>
+        </p:nvCxnSpPr>
+        <p:spPr>
+          <a:xfrm rot="10800000" flipV="1">
+            <a:off x="6080426" y="777927"/>
+            <a:ext cx="809950" cy="2883687"/>
+          </a:xfrm>
+          <a:prstGeom prst="curvedConnector3">
+            <a:avLst>
+              <a:gd name="adj1" fmla="val 50000"/>
+            </a:avLst>
+          </a:prstGeom>
+          <a:ln>
+            <a:solidFill>
+              <a:schemeClr val="tx1"/>
+            </a:solidFill>
+            <a:headEnd type="none" w="med" len="med"/>
+            <a:tailEnd type="arrow" w="med" len="med"/>
+          </a:ln>
+        </p:spPr>
+        <p:style>
+          <a:lnRef idx="1">
+            <a:schemeClr val="accent1"/>
+          </a:lnRef>
+          <a:fillRef idx="0">
+            <a:schemeClr val="accent1"/>
+          </a:fillRef>
+          <a:effectRef idx="0">
+            <a:schemeClr val="accent1"/>
+          </a:effectRef>
+          <a:fontRef idx="minor">
+            <a:schemeClr val="tx1"/>
+          </a:fontRef>
+        </p:style>
+      </p:cxnSp>
+      <p:sp>
+        <p:nvSpPr>
+          <p:cNvPr id="73" name="TextBox 72">
+            <a:extLst>
+              <a:ext uri="{FF2B5EF4-FFF2-40B4-BE49-F238E27FC236}">
+                <a16:creationId xmlns:a16="http://schemas.microsoft.com/office/drawing/2014/main" id="{35242E26-5E8A-AF48-9165-2B0498D760D7}"/>
+              </a:ext>
+            </a:extLst>
+          </p:cNvPr>
+          <p:cNvSpPr txBox="1"/>
+          <p:nvPr/>
+        </p:nvSpPr>
+        <p:spPr>
+          <a:xfrm>
+            <a:off x="7956292" y="1115924"/>
+            <a:ext cx="978666" cy="276999"/>
+          </a:xfrm>
+          <a:prstGeom prst="rect">
+            <a:avLst/>
+          </a:prstGeom>
+          <a:solidFill>
+            <a:schemeClr val="bg1"/>
+          </a:solidFill>
+        </p:spPr>
+        <p:txBody>
+          <a:bodyPr wrap="none" rtlCol="0">
+            <a:spAutoFit/>
+          </a:bodyPr>
+          <a:lstStyle/>
+          <a:p>
+            <a:r>
+              <a:rPr lang="en-US" sz="1200" dirty="0"/>
+              <a:t>has resource</a:t>
+            </a:r>
+          </a:p>
+        </p:txBody>
+      </p:sp>
+      <p:sp>
+        <p:nvSpPr>
+          <p:cNvPr id="3" name="Rounded Rectangle 2">
+            <a:extLst>
+              <a:ext uri="{FF2B5EF4-FFF2-40B4-BE49-F238E27FC236}">
+                <a16:creationId xmlns:a16="http://schemas.microsoft.com/office/drawing/2014/main" id="{36985D6F-F68F-4344-8D44-F1F7C3296165}"/>
               </a:ext>
             </a:extLst>
           </p:cNvPr>
@@ -10279,7 +10600,7 @@
         </p:nvSpPr>
         <p:spPr>
           <a:xfrm>
-            <a:off x="8746998" y="2349463"/>
+            <a:off x="6890376" y="448967"/>
             <a:ext cx="1248936" cy="657922"/>
           </a:xfrm>
           <a:prstGeom prst="roundRect">
@@ -10295,7 +10616,7 @@
               <a:schemeClr val="bg1"/>
             </a:bgClr>
           </a:pattFill>
-          <a:ln>
+          <a:ln w="28575">
             <a:solidFill>
               <a:schemeClr val="tx1"/>
             </a:solidFill>
@@ -10328,529 +10649,17 @@
                   <a:schemeClr val="tx1"/>
                 </a:solidFill>
               </a:rPr>
-              <a:t>HTML</a:t>
-            </a:r>
-          </a:p>
-        </p:txBody>
-      </p:sp>
-      <p:cxnSp>
-        <p:nvCxnSpPr>
-          <p:cNvPr id="52" name="Straight Arrow Connector 51">
-            <a:extLst>
-              <a:ext uri="{FF2B5EF4-FFF2-40B4-BE49-F238E27FC236}">
-                <a16:creationId xmlns:a16="http://schemas.microsoft.com/office/drawing/2014/main" id="{FF7E0FE0-61F2-1D41-92F8-02B5D3365B21}"/>
-              </a:ext>
-            </a:extLst>
-          </p:cNvPr>
-          <p:cNvCxnSpPr>
-            <a:cxnSpLocks/>
-            <a:stCxn id="48" idx="0"/>
-            <a:endCxn id="51" idx="2"/>
-          </p:cNvCxnSpPr>
-          <p:nvPr/>
-        </p:nvCxnSpPr>
-        <p:spPr>
-          <a:xfrm flipH="1" flipV="1">
-            <a:off x="9371466" y="3007385"/>
-            <a:ext cx="1" cy="331582"/>
-          </a:xfrm>
-          <a:prstGeom prst="straightConnector1">
-            <a:avLst/>
-          </a:prstGeom>
-          <a:ln>
-            <a:solidFill>
-              <a:schemeClr val="tx1"/>
-            </a:solidFill>
-            <a:headEnd type="none" w="med" len="med"/>
-            <a:tailEnd type="arrow" w="med" len="med"/>
-          </a:ln>
-        </p:spPr>
-        <p:style>
-          <a:lnRef idx="1">
-            <a:schemeClr val="accent1"/>
-          </a:lnRef>
-          <a:fillRef idx="0">
-            <a:schemeClr val="accent1"/>
-          </a:fillRef>
-          <a:effectRef idx="0">
-            <a:schemeClr val="accent1"/>
-          </a:effectRef>
-          <a:fontRef idx="minor">
-            <a:schemeClr val="tx1"/>
-          </a:fontRef>
-        </p:style>
-      </p:cxnSp>
-      <p:sp>
-        <p:nvSpPr>
-          <p:cNvPr id="53" name="TextBox 52">
-            <a:extLst>
-              <a:ext uri="{FF2B5EF4-FFF2-40B4-BE49-F238E27FC236}">
-                <a16:creationId xmlns:a16="http://schemas.microsoft.com/office/drawing/2014/main" id="{BB04A72A-3290-9242-BC57-B5B415567109}"/>
-              </a:ext>
-            </a:extLst>
-          </p:cNvPr>
-          <p:cNvSpPr txBox="1"/>
-          <p:nvPr/>
-        </p:nvSpPr>
-        <p:spPr>
-          <a:xfrm>
-            <a:off x="7498202" y="3043171"/>
-            <a:ext cx="609654" cy="276999"/>
-          </a:xfrm>
-          <a:prstGeom prst="rect">
-            <a:avLst/>
-          </a:prstGeom>
-          <a:noFill/>
-        </p:spPr>
-        <p:txBody>
-          <a:bodyPr wrap="none" rtlCol="0">
-            <a:spAutoFit/>
-          </a:bodyPr>
-          <a:lstStyle/>
-          <a:p>
-            <a:r>
-              <a:rPr lang="en-US" sz="1200"/>
-              <a:t>format</a:t>
-            </a:r>
-          </a:p>
-        </p:txBody>
-      </p:sp>
-      <p:cxnSp>
-        <p:nvCxnSpPr>
-          <p:cNvPr id="61" name="Straight Arrow Connector 60">
-            <a:extLst>
-              <a:ext uri="{FF2B5EF4-FFF2-40B4-BE49-F238E27FC236}">
-                <a16:creationId xmlns:a16="http://schemas.microsoft.com/office/drawing/2014/main" id="{C9AA568A-9D7A-BD4C-A828-648982FD501E}"/>
-              </a:ext>
-            </a:extLst>
-          </p:cNvPr>
-          <p:cNvCxnSpPr>
-            <a:cxnSpLocks/>
-            <a:stCxn id="48" idx="2"/>
-            <a:endCxn id="49" idx="0"/>
-          </p:cNvCxnSpPr>
-          <p:nvPr/>
-        </p:nvCxnSpPr>
-        <p:spPr>
-          <a:xfrm>
-            <a:off x="9371467" y="3996889"/>
-            <a:ext cx="0" cy="400410"/>
-          </a:xfrm>
-          <a:prstGeom prst="straightConnector1">
-            <a:avLst/>
-          </a:prstGeom>
-          <a:ln>
-            <a:solidFill>
-              <a:schemeClr val="tx1"/>
-            </a:solidFill>
-            <a:headEnd type="none" w="med" len="med"/>
-            <a:tailEnd type="arrow" w="med" len="med"/>
-          </a:ln>
-        </p:spPr>
-        <p:style>
-          <a:lnRef idx="1">
-            <a:schemeClr val="accent1"/>
-          </a:lnRef>
-          <a:fillRef idx="0">
-            <a:schemeClr val="accent1"/>
-          </a:fillRef>
-          <a:effectRef idx="0">
-            <a:schemeClr val="accent1"/>
-          </a:effectRef>
-          <a:fontRef idx="minor">
-            <a:schemeClr val="tx1"/>
-          </a:fontRef>
-        </p:style>
-      </p:cxnSp>
-      <p:cxnSp>
-        <p:nvCxnSpPr>
-          <p:cNvPr id="68" name="Curved Connector 67">
-            <a:extLst>
-              <a:ext uri="{FF2B5EF4-FFF2-40B4-BE49-F238E27FC236}">
-                <a16:creationId xmlns:a16="http://schemas.microsoft.com/office/drawing/2014/main" id="{3B61E6C8-DE22-F84D-A323-74CF2E8E4DF1}"/>
-              </a:ext>
-            </a:extLst>
-          </p:cNvPr>
-          <p:cNvCxnSpPr>
-            <a:cxnSpLocks/>
-            <a:stCxn id="3" idx="3"/>
-            <a:endCxn id="48" idx="1"/>
-          </p:cNvCxnSpPr>
-          <p:nvPr/>
-        </p:nvCxnSpPr>
-        <p:spPr>
-          <a:xfrm>
-            <a:off x="8139312" y="777928"/>
-            <a:ext cx="607687" cy="2890000"/>
-          </a:xfrm>
-          <a:prstGeom prst="curvedConnector3">
-            <a:avLst>
-              <a:gd name="adj1" fmla="val 50000"/>
-            </a:avLst>
-          </a:prstGeom>
-          <a:ln>
-            <a:solidFill>
-              <a:schemeClr val="tx1"/>
-            </a:solidFill>
-            <a:headEnd type="none" w="med" len="med"/>
-            <a:tailEnd type="arrow" w="med" len="med"/>
-          </a:ln>
-        </p:spPr>
-        <p:style>
-          <a:lnRef idx="1">
-            <a:schemeClr val="accent1"/>
-          </a:lnRef>
-          <a:fillRef idx="0">
-            <a:schemeClr val="accent1"/>
-          </a:fillRef>
-          <a:effectRef idx="0">
-            <a:schemeClr val="accent1"/>
-          </a:effectRef>
-          <a:fontRef idx="minor">
-            <a:schemeClr val="tx1"/>
-          </a:fontRef>
-        </p:style>
-      </p:cxnSp>
-      <p:cxnSp>
-        <p:nvCxnSpPr>
-          <p:cNvPr id="130" name="Curved Connector 129">
-            <a:extLst>
-              <a:ext uri="{FF2B5EF4-FFF2-40B4-BE49-F238E27FC236}">
-                <a16:creationId xmlns:a16="http://schemas.microsoft.com/office/drawing/2014/main" id="{3A7A66B0-CDBB-A942-9C78-CF172B348E3D}"/>
-              </a:ext>
-            </a:extLst>
-          </p:cNvPr>
-          <p:cNvCxnSpPr>
-            <a:cxnSpLocks/>
-            <a:stCxn id="14" idx="1"/>
-            <a:endCxn id="27" idx="1"/>
-          </p:cNvCxnSpPr>
-          <p:nvPr/>
-        </p:nvCxnSpPr>
-        <p:spPr>
-          <a:xfrm rot="10800000" flipH="1" flipV="1">
-            <a:off x="5043628" y="3661615"/>
-            <a:ext cx="1846747" cy="2131138"/>
-          </a:xfrm>
-          <a:prstGeom prst="curvedConnector3">
-            <a:avLst>
-              <a:gd name="adj1" fmla="val -12379"/>
-            </a:avLst>
-          </a:prstGeom>
-          <a:ln>
-            <a:solidFill>
-              <a:schemeClr val="tx1"/>
-            </a:solidFill>
-            <a:prstDash val="sysDot"/>
-            <a:headEnd type="none" w="med" len="med"/>
-            <a:tailEnd type="arrow" w="med" len="med"/>
-          </a:ln>
-        </p:spPr>
-        <p:style>
-          <a:lnRef idx="1">
-            <a:schemeClr val="accent1"/>
-          </a:lnRef>
-          <a:fillRef idx="0">
-            <a:schemeClr val="accent1"/>
-          </a:fillRef>
-          <a:effectRef idx="0">
-            <a:schemeClr val="accent1"/>
-          </a:effectRef>
-          <a:fontRef idx="minor">
-            <a:schemeClr val="tx1"/>
-          </a:fontRef>
-        </p:style>
-      </p:cxnSp>
-      <p:cxnSp>
-        <p:nvCxnSpPr>
-          <p:cNvPr id="133" name="Curved Connector 132">
-            <a:extLst>
-              <a:ext uri="{FF2B5EF4-FFF2-40B4-BE49-F238E27FC236}">
-                <a16:creationId xmlns:a16="http://schemas.microsoft.com/office/drawing/2014/main" id="{D47EC085-E124-AD46-A428-423E795AB8FF}"/>
-              </a:ext>
-            </a:extLst>
-          </p:cNvPr>
-          <p:cNvCxnSpPr>
-            <a:cxnSpLocks/>
-            <a:stCxn id="39" idx="3"/>
-            <a:endCxn id="27" idx="3"/>
-          </p:cNvCxnSpPr>
-          <p:nvPr/>
-        </p:nvCxnSpPr>
-        <p:spPr>
-          <a:xfrm flipH="1">
-            <a:off x="8139312" y="3659767"/>
-            <a:ext cx="4938" cy="2132986"/>
-          </a:xfrm>
-          <a:prstGeom prst="curvedConnector3">
-            <a:avLst>
-              <a:gd name="adj1" fmla="val -4629405"/>
-            </a:avLst>
-          </a:prstGeom>
-          <a:ln>
-            <a:solidFill>
-              <a:schemeClr val="tx1"/>
-            </a:solidFill>
-            <a:prstDash val="sysDot"/>
-            <a:headEnd type="none" w="med" len="med"/>
-            <a:tailEnd type="arrow" w="med" len="med"/>
-          </a:ln>
-        </p:spPr>
-        <p:style>
-          <a:lnRef idx="1">
-            <a:schemeClr val="accent1"/>
-          </a:lnRef>
-          <a:fillRef idx="0">
-            <a:schemeClr val="accent1"/>
-          </a:fillRef>
-          <a:effectRef idx="0">
-            <a:schemeClr val="accent1"/>
-          </a:effectRef>
-          <a:fontRef idx="minor">
-            <a:schemeClr val="tx1"/>
-          </a:fontRef>
-        </p:style>
-      </p:cxnSp>
-      <p:sp>
-        <p:nvSpPr>
-          <p:cNvPr id="63" name="TextBox 62">
-            <a:extLst>
-              <a:ext uri="{FF2B5EF4-FFF2-40B4-BE49-F238E27FC236}">
-                <a16:creationId xmlns:a16="http://schemas.microsoft.com/office/drawing/2014/main" id="{B6061BE5-5290-A741-8926-D37C4BF55231}"/>
-              </a:ext>
-            </a:extLst>
-          </p:cNvPr>
-          <p:cNvSpPr txBox="1"/>
-          <p:nvPr/>
-        </p:nvSpPr>
-        <p:spPr>
-          <a:xfrm>
-            <a:off x="7004601" y="4035536"/>
-            <a:ext cx="915828" cy="276999"/>
-          </a:xfrm>
-          <a:prstGeom prst="rect">
-            <a:avLst/>
-          </a:prstGeom>
-          <a:solidFill>
-            <a:schemeClr val="bg1"/>
-          </a:solidFill>
-        </p:spPr>
-        <p:txBody>
-          <a:bodyPr wrap="none" rtlCol="0">
-            <a:spAutoFit/>
-          </a:bodyPr>
-          <a:lstStyle/>
-          <a:p>
-            <a:r>
-              <a:rPr lang="en-US" sz="1200"/>
-              <a:t>conformsTo</a:t>
-            </a:r>
-          </a:p>
-        </p:txBody>
-      </p:sp>
-      <p:sp>
-        <p:nvSpPr>
-          <p:cNvPr id="69" name="TextBox 68">
-            <a:extLst>
-              <a:ext uri="{FF2B5EF4-FFF2-40B4-BE49-F238E27FC236}">
-                <a16:creationId xmlns:a16="http://schemas.microsoft.com/office/drawing/2014/main" id="{45D51877-FABB-AE49-9A9F-15368115ECD8}"/>
-              </a:ext>
-            </a:extLst>
-          </p:cNvPr>
-          <p:cNvSpPr txBox="1"/>
-          <p:nvPr/>
-        </p:nvSpPr>
-        <p:spPr>
-          <a:xfrm>
-            <a:off x="5156611" y="4042899"/>
-            <a:ext cx="915828" cy="276999"/>
-          </a:xfrm>
-          <a:prstGeom prst="rect">
-            <a:avLst/>
-          </a:prstGeom>
-          <a:solidFill>
-            <a:schemeClr val="bg1"/>
-          </a:solidFill>
-        </p:spPr>
-        <p:txBody>
-          <a:bodyPr wrap="none" rtlCol="0">
-            <a:spAutoFit/>
-          </a:bodyPr>
-          <a:lstStyle/>
-          <a:p>
-            <a:r>
-              <a:rPr lang="en-US" sz="1200"/>
-              <a:t>conformsTo</a:t>
-            </a:r>
-          </a:p>
-        </p:txBody>
-      </p:sp>
-      <p:sp>
-        <p:nvSpPr>
-          <p:cNvPr id="67" name="TextBox 66">
-            <a:extLst>
-              <a:ext uri="{FF2B5EF4-FFF2-40B4-BE49-F238E27FC236}">
-                <a16:creationId xmlns:a16="http://schemas.microsoft.com/office/drawing/2014/main" id="{841909B9-34DD-E344-BFB8-345914D265D6}"/>
-              </a:ext>
-            </a:extLst>
-          </p:cNvPr>
-          <p:cNvSpPr txBox="1"/>
-          <p:nvPr/>
-        </p:nvSpPr>
-        <p:spPr>
-          <a:xfrm>
-            <a:off x="8859980" y="4032141"/>
-            <a:ext cx="915828" cy="276999"/>
-          </a:xfrm>
-          <a:prstGeom prst="rect">
-            <a:avLst/>
-          </a:prstGeom>
-          <a:solidFill>
-            <a:schemeClr val="bg1"/>
-          </a:solidFill>
-        </p:spPr>
-        <p:txBody>
-          <a:bodyPr wrap="none" rtlCol="0">
-            <a:spAutoFit/>
-          </a:bodyPr>
-          <a:lstStyle/>
-          <a:p>
-            <a:r>
-              <a:rPr lang="en-US" sz="1200"/>
-              <a:t>conformsTo</a:t>
-            </a:r>
-          </a:p>
-        </p:txBody>
-      </p:sp>
-      <p:cxnSp>
-        <p:nvCxnSpPr>
-          <p:cNvPr id="147" name="Curved Connector 146">
-            <a:extLst>
-              <a:ext uri="{FF2B5EF4-FFF2-40B4-BE49-F238E27FC236}">
-                <a16:creationId xmlns:a16="http://schemas.microsoft.com/office/drawing/2014/main" id="{DBB28A78-59E5-8A4D-B7B2-692A97992E7E}"/>
-              </a:ext>
-            </a:extLst>
-          </p:cNvPr>
-          <p:cNvCxnSpPr>
-            <a:cxnSpLocks/>
-            <a:stCxn id="3" idx="1"/>
-            <a:endCxn id="14" idx="3"/>
-          </p:cNvCxnSpPr>
-          <p:nvPr/>
-        </p:nvCxnSpPr>
-        <p:spPr>
-          <a:xfrm rot="10800000" flipV="1">
-            <a:off x="6292566" y="777927"/>
-            <a:ext cx="597811" cy="2883687"/>
-          </a:xfrm>
-          <a:prstGeom prst="curvedConnector3">
-            <a:avLst>
-              <a:gd name="adj1" fmla="val 37404"/>
-            </a:avLst>
-          </a:prstGeom>
-          <a:ln>
-            <a:solidFill>
-              <a:schemeClr val="tx1"/>
-            </a:solidFill>
-            <a:headEnd type="none" w="med" len="med"/>
-            <a:tailEnd type="arrow" w="med" len="med"/>
-          </a:ln>
-        </p:spPr>
-        <p:style>
-          <a:lnRef idx="1">
-            <a:schemeClr val="accent1"/>
-          </a:lnRef>
-          <a:fillRef idx="0">
-            <a:schemeClr val="accent1"/>
-          </a:fillRef>
-          <a:effectRef idx="0">
-            <a:schemeClr val="accent1"/>
-          </a:effectRef>
-          <a:fontRef idx="minor">
-            <a:schemeClr val="tx1"/>
-          </a:fontRef>
-        </p:style>
-      </p:cxnSp>
-      <p:sp>
-        <p:nvSpPr>
-          <p:cNvPr id="15" name="TextBox 14">
-            <a:extLst>
-              <a:ext uri="{FF2B5EF4-FFF2-40B4-BE49-F238E27FC236}">
-                <a16:creationId xmlns:a16="http://schemas.microsoft.com/office/drawing/2014/main" id="{B8CC69FE-9ABD-E847-B011-CD6668103D34}"/>
-              </a:ext>
-            </a:extLst>
-          </p:cNvPr>
-          <p:cNvSpPr txBox="1"/>
-          <p:nvPr/>
-        </p:nvSpPr>
-        <p:spPr>
-          <a:xfrm>
-            <a:off x="6368773" y="1071204"/>
-            <a:ext cx="728597" cy="276999"/>
-          </a:xfrm>
-          <a:prstGeom prst="rect">
-            <a:avLst/>
-          </a:prstGeom>
-          <a:solidFill>
-            <a:schemeClr val="bg1"/>
-          </a:solidFill>
-        </p:spPr>
-        <p:txBody>
-          <a:bodyPr wrap="none" rtlCol="0">
-            <a:spAutoFit/>
-          </a:bodyPr>
-          <a:lstStyle/>
-          <a:p>
-            <a:r>
-              <a:rPr lang="en-US" sz="1200"/>
-              <a:t>resource</a:t>
-            </a:r>
-          </a:p>
-        </p:txBody>
-      </p:sp>
-      <p:sp>
-        <p:nvSpPr>
-          <p:cNvPr id="73" name="TextBox 72">
-            <a:extLst>
-              <a:ext uri="{FF2B5EF4-FFF2-40B4-BE49-F238E27FC236}">
-                <a16:creationId xmlns:a16="http://schemas.microsoft.com/office/drawing/2014/main" id="{35242E26-5E8A-AF48-9165-2B0498D760D7}"/>
-              </a:ext>
-            </a:extLst>
-          </p:cNvPr>
-          <p:cNvSpPr txBox="1"/>
-          <p:nvPr/>
-        </p:nvSpPr>
-        <p:spPr>
-          <a:xfrm>
-            <a:off x="8035906" y="1101620"/>
-            <a:ext cx="728597" cy="276999"/>
-          </a:xfrm>
-          <a:prstGeom prst="rect">
-            <a:avLst/>
-          </a:prstGeom>
-          <a:solidFill>
-            <a:schemeClr val="bg1"/>
-          </a:solidFill>
-        </p:spPr>
-        <p:txBody>
-          <a:bodyPr wrap="none" rtlCol="0">
-            <a:spAutoFit/>
-          </a:bodyPr>
-          <a:lstStyle/>
-          <a:p>
-            <a:r>
-              <a:rPr lang="en-US" sz="1200"/>
-              <a:t>resource</a:t>
-            </a:r>
-          </a:p>
-        </p:txBody>
-      </p:sp>
-      <p:sp>
-        <p:nvSpPr>
-          <p:cNvPr id="3" name="Rounded Rectangle 2">
-            <a:extLst>
-              <a:ext uri="{FF2B5EF4-FFF2-40B4-BE49-F238E27FC236}">
-                <a16:creationId xmlns:a16="http://schemas.microsoft.com/office/drawing/2014/main" id="{36985D6F-F68F-4344-8D44-F1F7C3296165}"/>
+              <a:t>GA Profile</a:t>
+            </a:r>
+          </a:p>
+        </p:txBody>
+      </p:sp>
+      <p:sp>
+        <p:nvSpPr>
+          <p:cNvPr id="59" name="Rounded Rectangle 58">
+            <a:extLst>
+              <a:ext uri="{FF2B5EF4-FFF2-40B4-BE49-F238E27FC236}">
+                <a16:creationId xmlns:a16="http://schemas.microsoft.com/office/drawing/2014/main" id="{2C944736-3294-B64E-9CEB-C659F87BB8FF}"/>
               </a:ext>
             </a:extLst>
           </p:cNvPr>
@@ -10859,7 +10668,7 @@
         </p:nvSpPr>
         <p:spPr>
           <a:xfrm>
-            <a:off x="6890376" y="448967"/>
+            <a:off x="2979803" y="3338967"/>
             <a:ext cx="1248936" cy="657922"/>
           </a:xfrm>
           <a:prstGeom prst="roundRect">
@@ -10903,22 +10712,22 @@
           <a:p>
             <a:pPr algn="ctr"/>
             <a:r>
-              <a:rPr lang="en-US" sz="1400">
+              <a:rPr lang="en-US" sz="1200">
                 <a:solidFill>
                   <a:schemeClr val="tx1"/>
                 </a:solidFill>
               </a:rPr>
-              <a:t>GA Profile</a:t>
-            </a:r>
-          </a:p>
-        </p:txBody>
-      </p:sp>
-      <p:sp>
-        <p:nvSpPr>
-          <p:cNvPr id="59" name="Rounded Rectangle 58">
-            <a:extLst>
-              <a:ext uri="{FF2B5EF4-FFF2-40B4-BE49-F238E27FC236}">
-                <a16:creationId xmlns:a16="http://schemas.microsoft.com/office/drawing/2014/main" id="{2C944736-3294-B64E-9CEB-C659F87BB8FF}"/>
+              <a:t>Conformance Test Constraints</a:t>
+            </a:r>
+          </a:p>
+        </p:txBody>
+      </p:sp>
+      <p:sp>
+        <p:nvSpPr>
+          <p:cNvPr id="70" name="Rounded Rectangle 69">
+            <a:extLst>
+              <a:ext uri="{FF2B5EF4-FFF2-40B4-BE49-F238E27FC236}">
+                <a16:creationId xmlns:a16="http://schemas.microsoft.com/office/drawing/2014/main" id="{CA88C76F-242A-2A48-9084-33266EFB62A3}"/>
               </a:ext>
             </a:extLst>
           </p:cNvPr>
@@ -10927,7 +10736,196 @@
         </p:nvSpPr>
         <p:spPr>
           <a:xfrm>
-            <a:off x="3191942" y="3338967"/>
+            <a:off x="2979803" y="2349463"/>
+            <a:ext cx="1248936" cy="657922"/>
+          </a:xfrm>
+          <a:prstGeom prst="roundRect">
+            <a:avLst/>
+          </a:prstGeom>
+          <a:noFill/>
+          <a:ln>
+            <a:solidFill>
+              <a:schemeClr val="tx1"/>
+            </a:solidFill>
+          </a:ln>
+        </p:spPr>
+        <p:style>
+          <a:lnRef idx="2">
+            <a:schemeClr val="accent1">
+              <a:shade val="50000"/>
+            </a:schemeClr>
+          </a:lnRef>
+          <a:fillRef idx="1">
+            <a:schemeClr val="accent1"/>
+          </a:fillRef>
+          <a:effectRef idx="0">
+            <a:schemeClr val="accent1"/>
+          </a:effectRef>
+          <a:fontRef idx="minor">
+            <a:schemeClr val="lt1"/>
+          </a:fontRef>
+        </p:style>
+        <p:txBody>
+          <a:bodyPr rtlCol="0" anchor="ctr"/>
+          <a:lstStyle/>
+          <a:p>
+            <a:pPr algn="ctr"/>
+            <a:r>
+              <a:rPr lang="en-US" sz="1400" dirty="0">
+                <a:solidFill>
+                  <a:schemeClr val="tx1"/>
+                </a:solidFill>
+              </a:rPr>
+              <a:t>Resource Role</a:t>
+            </a:r>
+          </a:p>
+        </p:txBody>
+      </p:sp>
+      <p:cxnSp>
+        <p:nvCxnSpPr>
+          <p:cNvPr id="71" name="Straight Arrow Connector 70">
+            <a:extLst>
+              <a:ext uri="{FF2B5EF4-FFF2-40B4-BE49-F238E27FC236}">
+                <a16:creationId xmlns:a16="http://schemas.microsoft.com/office/drawing/2014/main" id="{071EBC96-47DA-3244-8549-9D133FC82FA1}"/>
+              </a:ext>
+            </a:extLst>
+          </p:cNvPr>
+          <p:cNvCxnSpPr>
+            <a:cxnSpLocks/>
+            <a:stCxn id="59" idx="0"/>
+            <a:endCxn id="70" idx="2"/>
+          </p:cNvCxnSpPr>
+          <p:nvPr/>
+        </p:nvCxnSpPr>
+        <p:spPr>
+          <a:xfrm flipV="1">
+            <a:off x="3604271" y="3007385"/>
+            <a:ext cx="0" cy="331582"/>
+          </a:xfrm>
+          <a:prstGeom prst="straightConnector1">
+            <a:avLst/>
+          </a:prstGeom>
+          <a:ln>
+            <a:solidFill>
+              <a:schemeClr val="tx1"/>
+            </a:solidFill>
+            <a:prstDash val="sysDot"/>
+            <a:headEnd type="none" w="med" len="med"/>
+            <a:tailEnd type="arrow" w="med" len="med"/>
+          </a:ln>
+        </p:spPr>
+        <p:style>
+          <a:lnRef idx="1">
+            <a:schemeClr val="accent1"/>
+          </a:lnRef>
+          <a:fillRef idx="0">
+            <a:schemeClr val="accent1"/>
+          </a:fillRef>
+          <a:effectRef idx="0">
+            <a:schemeClr val="accent1"/>
+          </a:effectRef>
+          <a:fontRef idx="minor">
+            <a:schemeClr val="tx1"/>
+          </a:fontRef>
+        </p:style>
+      </p:cxnSp>
+      <p:cxnSp>
+        <p:nvCxnSpPr>
+          <p:cNvPr id="74" name="Straight Arrow Connector 73">
+            <a:extLst>
+              <a:ext uri="{FF2B5EF4-FFF2-40B4-BE49-F238E27FC236}">
+                <a16:creationId xmlns:a16="http://schemas.microsoft.com/office/drawing/2014/main" id="{DFA73561-32DB-C249-B918-36FE9C719450}"/>
+              </a:ext>
+            </a:extLst>
+          </p:cNvPr>
+          <p:cNvCxnSpPr>
+            <a:cxnSpLocks/>
+            <a:stCxn id="14" idx="1"/>
+            <a:endCxn id="59" idx="3"/>
+          </p:cNvCxnSpPr>
+          <p:nvPr/>
+        </p:nvCxnSpPr>
+        <p:spPr>
+          <a:xfrm flipH="1">
+            <a:off x="4228739" y="3661615"/>
+            <a:ext cx="602751" cy="6313"/>
+          </a:xfrm>
+          <a:prstGeom prst="straightConnector1">
+            <a:avLst/>
+          </a:prstGeom>
+          <a:ln>
+            <a:solidFill>
+              <a:schemeClr val="tx1"/>
+            </a:solidFill>
+            <a:headEnd type="none" w="med" len="med"/>
+            <a:tailEnd type="arrow" w="med" len="med"/>
+          </a:ln>
+        </p:spPr>
+        <p:style>
+          <a:lnRef idx="1">
+            <a:schemeClr val="accent1"/>
+          </a:lnRef>
+          <a:fillRef idx="0">
+            <a:schemeClr val="accent1"/>
+          </a:fillRef>
+          <a:effectRef idx="0">
+            <a:schemeClr val="accent1"/>
+          </a:effectRef>
+          <a:fontRef idx="minor">
+            <a:schemeClr val="tx1"/>
+          </a:fontRef>
+        </p:style>
+      </p:cxnSp>
+      <p:sp>
+        <p:nvSpPr>
+          <p:cNvPr id="76" name="TextBox 75">
+            <a:extLst>
+              <a:ext uri="{FF2B5EF4-FFF2-40B4-BE49-F238E27FC236}">
+                <a16:creationId xmlns:a16="http://schemas.microsoft.com/office/drawing/2014/main" id="{88A3D2C9-0129-C846-A5C3-37103F0D2E96}"/>
+              </a:ext>
+            </a:extLst>
+          </p:cNvPr>
+          <p:cNvSpPr txBox="1"/>
+          <p:nvPr/>
+        </p:nvSpPr>
+        <p:spPr>
+          <a:xfrm>
+            <a:off x="3888731" y="3071086"/>
+            <a:ext cx="1258293" cy="276999"/>
+          </a:xfrm>
+          <a:prstGeom prst="rect">
+            <a:avLst/>
+          </a:prstGeom>
+          <a:noFill/>
+        </p:spPr>
+        <p:txBody>
+          <a:bodyPr wrap="none" rtlCol="0">
+            <a:spAutoFit/>
+          </a:bodyPr>
+          <a:lstStyle/>
+          <a:p>
+            <a:r>
+              <a:rPr lang="en-US" sz="1200" dirty="0"/>
+              <a:t>has resource role</a:t>
+            </a:r>
+          </a:p>
+        </p:txBody>
+      </p:sp>
+      <p:sp>
+        <p:nvSpPr>
+          <p:cNvPr id="77" name="Rounded Rectangle 76">
+            <a:extLst>
+              <a:ext uri="{FF2B5EF4-FFF2-40B4-BE49-F238E27FC236}">
+                <a16:creationId xmlns:a16="http://schemas.microsoft.com/office/drawing/2014/main" id="{E0F3CCE9-2F10-7046-BE8A-EFB57891B1D5}"/>
+              </a:ext>
+            </a:extLst>
+          </p:cNvPr>
+          <p:cNvSpPr/>
+          <p:nvPr/>
+        </p:nvSpPr>
+        <p:spPr>
+          <a:xfrm>
+            <a:off x="10357282" y="3341582"/>
             <a:ext cx="1248936" cy="657922"/>
           </a:xfrm>
           <a:prstGeom prst="roundRect">
@@ -10971,98 +10969,88 @@
           <a:p>
             <a:pPr algn="ctr"/>
             <a:r>
-              <a:rPr lang="en-US" sz="1200">
+              <a:rPr lang="en-US" sz="1400">
                 <a:solidFill>
                   <a:schemeClr val="tx1"/>
                 </a:solidFill>
               </a:rPr>
-              <a:t>Conformance Test Constraints</a:t>
-            </a:r>
-          </a:p>
-        </p:txBody>
-      </p:sp>
-      <p:sp>
-        <p:nvSpPr>
-          <p:cNvPr id="70" name="Rounded Rectangle 69">
-            <a:extLst>
-              <a:ext uri="{FF2B5EF4-FFF2-40B4-BE49-F238E27FC236}">
-                <a16:creationId xmlns:a16="http://schemas.microsoft.com/office/drawing/2014/main" id="{CA88C76F-242A-2A48-9084-33266EFB62A3}"/>
-              </a:ext>
-            </a:extLst>
-          </p:cNvPr>
-          <p:cNvSpPr/>
-          <p:nvPr/>
-        </p:nvSpPr>
-        <p:spPr>
-          <a:xfrm>
-            <a:off x="3191942" y="2349463"/>
-            <a:ext cx="1248936" cy="657922"/>
-          </a:xfrm>
-          <a:prstGeom prst="roundRect">
-            <a:avLst/>
-          </a:prstGeom>
-          <a:noFill/>
-          <a:ln>
-            <a:solidFill>
-              <a:schemeClr val="tx1"/>
-            </a:solidFill>
-          </a:ln>
-        </p:spPr>
-        <p:style>
-          <a:lnRef idx="2">
-            <a:schemeClr val="accent1">
-              <a:shade val="50000"/>
-            </a:schemeClr>
-          </a:lnRef>
-          <a:fillRef idx="1">
-            <a:schemeClr val="accent1"/>
-          </a:fillRef>
-          <a:effectRef idx="0">
-            <a:schemeClr val="accent1"/>
-          </a:effectRef>
-          <a:fontRef idx="minor">
-            <a:schemeClr val="lt1"/>
-          </a:fontRef>
-        </p:style>
-        <p:txBody>
-          <a:bodyPr rtlCol="0" anchor="ctr"/>
-          <a:lstStyle/>
-          <a:p>
-            <a:pPr algn="ctr"/>
-            <a:r>
-              <a:rPr lang="en-US" sz="1200">
-                <a:solidFill>
-                  <a:schemeClr val="tx1"/>
-                </a:solidFill>
-              </a:rPr>
-              <a:t>Implementation Resource Role</a:t>
+              <a:t>Guidance</a:t>
             </a:r>
           </a:p>
         </p:txBody>
       </p:sp>
       <p:cxnSp>
         <p:nvCxnSpPr>
-          <p:cNvPr id="71" name="Straight Arrow Connector 70">
-            <a:extLst>
-              <a:ext uri="{FF2B5EF4-FFF2-40B4-BE49-F238E27FC236}">
-                <a16:creationId xmlns:a16="http://schemas.microsoft.com/office/drawing/2014/main" id="{071EBC96-47DA-3244-8549-9D133FC82FA1}"/>
+          <p:cNvPr id="78" name="Straight Arrow Connector 77">
+            <a:extLst>
+              <a:ext uri="{FF2B5EF4-FFF2-40B4-BE49-F238E27FC236}">
+                <a16:creationId xmlns:a16="http://schemas.microsoft.com/office/drawing/2014/main" id="{0D072B2C-3044-6C40-B582-436CAA1D162E}"/>
               </a:ext>
             </a:extLst>
           </p:cNvPr>
           <p:cNvCxnSpPr>
             <a:cxnSpLocks/>
-            <a:stCxn id="59" idx="0"/>
-            <a:endCxn id="70" idx="2"/>
+            <a:stCxn id="48" idx="3"/>
+            <a:endCxn id="77" idx="1"/>
           </p:cNvCxnSpPr>
           <p:nvPr/>
         </p:nvCxnSpPr>
         <p:spPr>
-          <a:xfrm flipV="1">
-            <a:off x="3816410" y="3007385"/>
-            <a:ext cx="0" cy="331582"/>
+          <a:xfrm>
+            <a:off x="9995935" y="3667928"/>
+            <a:ext cx="361347" cy="2615"/>
           </a:xfrm>
           <a:prstGeom prst="straightConnector1">
             <a:avLst/>
+          </a:prstGeom>
+          <a:ln>
+            <a:solidFill>
+              <a:schemeClr val="tx1"/>
+            </a:solidFill>
+            <a:headEnd type="none" w="med" len="med"/>
+            <a:tailEnd type="arrow" w="med" len="med"/>
+          </a:ln>
+        </p:spPr>
+        <p:style>
+          <a:lnRef idx="1">
+            <a:schemeClr val="accent1"/>
+          </a:lnRef>
+          <a:fillRef idx="0">
+            <a:schemeClr val="accent1"/>
+          </a:fillRef>
+          <a:effectRef idx="0">
+            <a:schemeClr val="accent1"/>
+          </a:effectRef>
+          <a:fontRef idx="minor">
+            <a:schemeClr val="tx1"/>
+          </a:fontRef>
+        </p:style>
+      </p:cxnSp>
+      <p:cxnSp>
+        <p:nvCxnSpPr>
+          <p:cNvPr id="80" name="Elbow Connector 79">
+            <a:extLst>
+              <a:ext uri="{FF2B5EF4-FFF2-40B4-BE49-F238E27FC236}">
+                <a16:creationId xmlns:a16="http://schemas.microsoft.com/office/drawing/2014/main" id="{910FDCA2-3B24-4E43-899C-70019AD08AEE}"/>
+              </a:ext>
+            </a:extLst>
+          </p:cNvPr>
+          <p:cNvCxnSpPr>
+            <a:cxnSpLocks/>
+            <a:stCxn id="77" idx="0"/>
+            <a:endCxn id="70" idx="0"/>
+          </p:cNvCxnSpPr>
+          <p:nvPr/>
+        </p:nvCxnSpPr>
+        <p:spPr>
+          <a:xfrm rot="16200000" flipV="1">
+            <a:off x="6796952" y="-843217"/>
+            <a:ext cx="992119" cy="7377479"/>
+          </a:xfrm>
+          <a:prstGeom prst="bentConnector3">
+            <a:avLst>
+              <a:gd name="adj1" fmla="val 308112"/>
+            </a:avLst>
           </a:prstGeom>
           <a:ln>
             <a:solidFill>
@@ -11088,94 +11076,12 @@
           </a:fontRef>
         </p:style>
       </p:cxnSp>
-      <p:cxnSp>
-        <p:nvCxnSpPr>
-          <p:cNvPr id="74" name="Straight Arrow Connector 73">
-            <a:extLst>
-              <a:ext uri="{FF2B5EF4-FFF2-40B4-BE49-F238E27FC236}">
-                <a16:creationId xmlns:a16="http://schemas.microsoft.com/office/drawing/2014/main" id="{DFA73561-32DB-C249-B918-36FE9C719450}"/>
-              </a:ext>
-            </a:extLst>
-          </p:cNvPr>
-          <p:cNvCxnSpPr>
-            <a:cxnSpLocks/>
-            <a:stCxn id="14" idx="1"/>
-            <a:endCxn id="59" idx="3"/>
-          </p:cNvCxnSpPr>
-          <p:nvPr/>
-        </p:nvCxnSpPr>
-        <p:spPr>
-          <a:xfrm flipH="1">
-            <a:off x="4440878" y="3661615"/>
-            <a:ext cx="602751" cy="6313"/>
-          </a:xfrm>
-          <a:prstGeom prst="straightConnector1">
-            <a:avLst/>
-          </a:prstGeom>
-          <a:ln>
-            <a:solidFill>
-              <a:schemeClr val="tx1"/>
-            </a:solidFill>
-            <a:headEnd type="none" w="med" len="med"/>
-            <a:tailEnd type="arrow" w="med" len="med"/>
-          </a:ln>
-        </p:spPr>
-        <p:style>
-          <a:lnRef idx="1">
-            <a:schemeClr val="accent1"/>
-          </a:lnRef>
-          <a:fillRef idx="0">
-            <a:schemeClr val="accent1"/>
-          </a:fillRef>
-          <a:effectRef idx="0">
-            <a:schemeClr val="accent1"/>
-          </a:effectRef>
-          <a:fontRef idx="minor">
-            <a:schemeClr val="tx1"/>
-          </a:fontRef>
-        </p:style>
-      </p:cxnSp>
-      <p:sp>
-        <p:nvSpPr>
-          <p:cNvPr id="76" name="TextBox 75">
-            <a:extLst>
-              <a:ext uri="{FF2B5EF4-FFF2-40B4-BE49-F238E27FC236}">
-                <a16:creationId xmlns:a16="http://schemas.microsoft.com/office/drawing/2014/main" id="{88A3D2C9-0129-C846-A5C3-37103F0D2E96}"/>
-              </a:ext>
-            </a:extLst>
-          </p:cNvPr>
-          <p:cNvSpPr txBox="1"/>
-          <p:nvPr/>
-        </p:nvSpPr>
-        <p:spPr>
-          <a:xfrm>
-            <a:off x="4217024" y="3085323"/>
-            <a:ext cx="1002775" cy="276999"/>
-          </a:xfrm>
-          <a:prstGeom prst="rect">
-            <a:avLst/>
-          </a:prstGeom>
-          <a:noFill/>
-        </p:spPr>
-        <p:txBody>
-          <a:bodyPr wrap="none" rtlCol="0">
-            <a:spAutoFit/>
-          </a:bodyPr>
-          <a:lstStyle/>
-          <a:p>
-            <a:r>
-              <a:rPr lang="en-US" sz="1200"/>
-              <a:t>resourceRole</a:t>
-            </a:r>
-          </a:p>
-        </p:txBody>
-      </p:sp>
-      <p:sp>
-        <p:nvSpPr>
-          <p:cNvPr id="77" name="Rounded Rectangle 76">
-            <a:extLst>
-              <a:ext uri="{FF2B5EF4-FFF2-40B4-BE49-F238E27FC236}">
-                <a16:creationId xmlns:a16="http://schemas.microsoft.com/office/drawing/2014/main" id="{E0F3CCE9-2F10-7046-BE8A-EFB57891B1D5}"/>
+      <p:sp>
+        <p:nvSpPr>
+          <p:cNvPr id="81" name="Rounded Rectangle 80">
+            <a:extLst>
+              <a:ext uri="{FF2B5EF4-FFF2-40B4-BE49-F238E27FC236}">
+                <a16:creationId xmlns:a16="http://schemas.microsoft.com/office/drawing/2014/main" id="{7994BDC2-EC3B-7049-9A51-332A9A25CC24}"/>
               </a:ext>
             </a:extLst>
           </p:cNvPr>
@@ -11184,7 +11090,7 @@
         </p:nvSpPr>
         <p:spPr>
           <a:xfrm>
-            <a:off x="10598684" y="3341582"/>
+            <a:off x="2979803" y="5463792"/>
             <a:ext cx="1248936" cy="657922"/>
           </a:xfrm>
           <a:prstGeom prst="roundRect">
@@ -11233,39 +11139,43 @@
                   <a:schemeClr val="tx1"/>
                 </a:solidFill>
               </a:rPr>
-              <a:t>Guidance</a:t>
+              <a:t>Full Constraints</a:t>
             </a:r>
           </a:p>
         </p:txBody>
       </p:sp>
       <p:cxnSp>
         <p:nvCxnSpPr>
-          <p:cNvPr id="78" name="Straight Arrow Connector 77">
-            <a:extLst>
-              <a:ext uri="{FF2B5EF4-FFF2-40B4-BE49-F238E27FC236}">
-                <a16:creationId xmlns:a16="http://schemas.microsoft.com/office/drawing/2014/main" id="{0D072B2C-3044-6C40-B582-436CAA1D162E}"/>
+          <p:cNvPr id="82" name="Elbow Connector 81">
+            <a:extLst>
+              <a:ext uri="{FF2B5EF4-FFF2-40B4-BE49-F238E27FC236}">
+                <a16:creationId xmlns:a16="http://schemas.microsoft.com/office/drawing/2014/main" id="{4ED81171-8A03-7848-8D55-B5F4768B2AA7}"/>
               </a:ext>
             </a:extLst>
           </p:cNvPr>
           <p:cNvCxnSpPr>
             <a:cxnSpLocks/>
-            <a:stCxn id="48" idx="3"/>
-            <a:endCxn id="77" idx="1"/>
+            <a:stCxn id="81" idx="0"/>
+            <a:endCxn id="70" idx="1"/>
           </p:cNvCxnSpPr>
           <p:nvPr/>
         </p:nvCxnSpPr>
         <p:spPr>
-          <a:xfrm>
-            <a:off x="9995935" y="3667928"/>
-            <a:ext cx="602749" cy="2615"/>
-          </a:xfrm>
-          <a:prstGeom prst="straightConnector1">
-            <a:avLst/>
-          </a:prstGeom>
-          <a:ln>
-            <a:solidFill>
-              <a:schemeClr val="tx1"/>
-            </a:solidFill>
+          <a:xfrm rot="16200000" flipV="1">
+            <a:off x="1899353" y="3758874"/>
+            <a:ext cx="2785368" cy="624468"/>
+          </a:xfrm>
+          <a:prstGeom prst="bentConnector4">
+            <a:avLst>
+              <a:gd name="adj1" fmla="val 44095"/>
+              <a:gd name="adj2" fmla="val 136607"/>
+            </a:avLst>
+          </a:prstGeom>
+          <a:ln>
+            <a:solidFill>
+              <a:schemeClr val="tx1"/>
+            </a:solidFill>
+            <a:prstDash val="sysDot"/>
             <a:headEnd type="none" w="med" len="med"/>
             <a:tailEnd type="arrow" w="med" len="med"/>
           </a:ln>
@@ -11285,73 +11195,39 @@
           </a:fontRef>
         </p:style>
       </p:cxnSp>
-      <p:sp>
-        <p:nvSpPr>
-          <p:cNvPr id="79" name="TextBox 78">
-            <a:extLst>
-              <a:ext uri="{FF2B5EF4-FFF2-40B4-BE49-F238E27FC236}">
-                <a16:creationId xmlns:a16="http://schemas.microsoft.com/office/drawing/2014/main" id="{399007B3-717F-864A-9ED7-64EE6A99198D}"/>
-              </a:ext>
-            </a:extLst>
-          </p:cNvPr>
-          <p:cNvSpPr txBox="1"/>
-          <p:nvPr/>
-        </p:nvSpPr>
-        <p:spPr>
-          <a:xfrm>
-            <a:off x="9795921" y="3102619"/>
-            <a:ext cx="1002775" cy="276999"/>
-          </a:xfrm>
-          <a:prstGeom prst="rect">
-            <a:avLst/>
-          </a:prstGeom>
-          <a:noFill/>
-        </p:spPr>
-        <p:txBody>
-          <a:bodyPr wrap="none" rtlCol="0">
-            <a:spAutoFit/>
-          </a:bodyPr>
-          <a:lstStyle/>
-          <a:p>
-            <a:r>
-              <a:rPr lang="en-US" sz="1200"/>
-              <a:t>resourceRole</a:t>
-            </a:r>
-          </a:p>
-        </p:txBody>
-      </p:sp>
       <p:cxnSp>
         <p:nvCxnSpPr>
-          <p:cNvPr id="80" name="Elbow Connector 79">
-            <a:extLst>
-              <a:ext uri="{FF2B5EF4-FFF2-40B4-BE49-F238E27FC236}">
-                <a16:creationId xmlns:a16="http://schemas.microsoft.com/office/drawing/2014/main" id="{910FDCA2-3B24-4E43-899C-70019AD08AEE}"/>
+          <p:cNvPr id="83" name="Elbow Connector 82">
+            <a:extLst>
+              <a:ext uri="{FF2B5EF4-FFF2-40B4-BE49-F238E27FC236}">
+                <a16:creationId xmlns:a16="http://schemas.microsoft.com/office/drawing/2014/main" id="{CC3E4CDB-1611-CF43-B640-F0C7D265286D}"/>
               </a:ext>
             </a:extLst>
           </p:cNvPr>
           <p:cNvCxnSpPr>
             <a:cxnSpLocks/>
-            <a:stCxn id="77" idx="0"/>
-            <a:endCxn id="70" idx="0"/>
+            <a:stCxn id="39" idx="1"/>
+            <a:endCxn id="81" idx="3"/>
           </p:cNvCxnSpPr>
           <p:nvPr/>
         </p:nvCxnSpPr>
         <p:spPr>
-          <a:xfrm rot="16200000" flipV="1">
-            <a:off x="7023722" y="-857848"/>
-            <a:ext cx="992119" cy="7406742"/>
+          <a:xfrm rot="10800000" flipV="1">
+            <a:off x="4228740" y="3659767"/>
+            <a:ext cx="2666575" cy="2132986"/>
           </a:xfrm>
           <a:prstGeom prst="bentConnector3">
             <a:avLst>
-              <a:gd name="adj1" fmla="val 307375"/>
+              <a:gd name="adj1" fmla="val 18178"/>
             </a:avLst>
           </a:prstGeom>
           <a:ln>
             <a:solidFill>
               <a:schemeClr val="tx1"/>
             </a:solidFill>
-            <a:prstDash val="sysDot"/>
-            <a:tailEnd type="triangle"/>
+            <a:prstDash val="solid"/>
+            <a:headEnd type="none" w="med" len="med"/>
+            <a:tailEnd type="arrow" w="med" len="med"/>
           </a:ln>
         </p:spPr>
         <p:style>
@@ -11371,10 +11247,10 @@
       </p:cxnSp>
       <p:sp>
         <p:nvSpPr>
-          <p:cNvPr id="81" name="Rounded Rectangle 80">
-            <a:extLst>
-              <a:ext uri="{FF2B5EF4-FFF2-40B4-BE49-F238E27FC236}">
-                <a16:creationId xmlns:a16="http://schemas.microsoft.com/office/drawing/2014/main" id="{7994BDC2-EC3B-7049-9A51-332A9A25CC24}"/>
+          <p:cNvPr id="95" name="Rounded Rectangle 94">
+            <a:extLst>
+              <a:ext uri="{FF2B5EF4-FFF2-40B4-BE49-F238E27FC236}">
+                <a16:creationId xmlns:a16="http://schemas.microsoft.com/office/drawing/2014/main" id="{8795ECBE-7245-1246-8EA5-745F9DCA708B}"/>
               </a:ext>
             </a:extLst>
           </p:cNvPr>
@@ -11383,7 +11259,7 @@
         </p:nvSpPr>
         <p:spPr>
           <a:xfrm>
-            <a:off x="3191942" y="5463792"/>
+            <a:off x="1227506" y="1521281"/>
             <a:ext cx="1248936" cy="657922"/>
           </a:xfrm>
           <a:prstGeom prst="roundRect">
@@ -11432,44 +11308,55 @@
                   <a:schemeClr val="tx1"/>
                 </a:solidFill>
               </a:rPr>
-              <a:t>Full Constraints</a:t>
+              <a:t>owl:Named</a:t>
+            </a:r>
+            <a:br>
+              <a:rPr lang="en-US" sz="1400">
+                <a:solidFill>
+                  <a:schemeClr val="tx1"/>
+                </a:solidFill>
+              </a:rPr>
+            </a:br>
+            <a:r>
+              <a:rPr lang="en-US" sz="1400">
+                <a:solidFill>
+                  <a:schemeClr val="tx1"/>
+                </a:solidFill>
+              </a:rPr>
+              <a:t>Individual</a:t>
             </a:r>
           </a:p>
         </p:txBody>
       </p:sp>
       <p:cxnSp>
         <p:nvCxnSpPr>
-          <p:cNvPr id="82" name="Elbow Connector 81">
-            <a:extLst>
-              <a:ext uri="{FF2B5EF4-FFF2-40B4-BE49-F238E27FC236}">
-                <a16:creationId xmlns:a16="http://schemas.microsoft.com/office/drawing/2014/main" id="{4ED81171-8A03-7848-8D55-B5F4768B2AA7}"/>
+          <p:cNvPr id="96" name="Straight Arrow Connector 95">
+            <a:extLst>
+              <a:ext uri="{FF2B5EF4-FFF2-40B4-BE49-F238E27FC236}">
+                <a16:creationId xmlns:a16="http://schemas.microsoft.com/office/drawing/2014/main" id="{7BB4B151-6998-8A41-8A46-005A369C98DA}"/>
               </a:ext>
             </a:extLst>
           </p:cNvPr>
           <p:cNvCxnSpPr>
             <a:cxnSpLocks/>
-            <a:stCxn id="81" idx="0"/>
-            <a:endCxn id="70" idx="1"/>
           </p:cNvCxnSpPr>
           <p:nvPr/>
         </p:nvCxnSpPr>
         <p:spPr>
-          <a:xfrm rot="16200000" flipV="1">
-            <a:off x="2111492" y="3758874"/>
-            <a:ext cx="2785368" cy="624468"/>
-          </a:xfrm>
-          <a:prstGeom prst="bentConnector4">
-            <a:avLst>
-              <a:gd name="adj1" fmla="val 44095"/>
-              <a:gd name="adj2" fmla="val 136607"/>
-            </a:avLst>
+          <a:xfrm flipV="1">
+            <a:off x="1388715" y="3018868"/>
+            <a:ext cx="0" cy="423748"/>
+          </a:xfrm>
+          <a:prstGeom prst="straightConnector1">
+            <a:avLst/>
           </a:prstGeom>
           <a:ln>
             <a:solidFill>
               <a:schemeClr val="tx1"/>
             </a:solidFill>
             <a:prstDash val="sysDot"/>
-            <a:tailEnd type="triangle"/>
+            <a:headEnd type="none" w="med" len="med"/>
+            <a:tailEnd type="arrow" w="med" len="med"/>
           </a:ln>
         </p:spPr>
         <p:style>
@@ -11487,61 +11374,12 @@
           </a:fontRef>
         </p:style>
       </p:cxnSp>
-      <p:cxnSp>
-        <p:nvCxnSpPr>
-          <p:cNvPr id="83" name="Elbow Connector 82">
-            <a:extLst>
-              <a:ext uri="{FF2B5EF4-FFF2-40B4-BE49-F238E27FC236}">
-                <a16:creationId xmlns:a16="http://schemas.microsoft.com/office/drawing/2014/main" id="{CC3E4CDB-1611-CF43-B640-F0C7D265286D}"/>
-              </a:ext>
-            </a:extLst>
-          </p:cNvPr>
-          <p:cNvCxnSpPr>
-            <a:cxnSpLocks/>
-            <a:stCxn id="39" idx="1"/>
-            <a:endCxn id="81" idx="3"/>
-          </p:cNvCxnSpPr>
-          <p:nvPr/>
-        </p:nvCxnSpPr>
-        <p:spPr>
-          <a:xfrm rot="10800000" flipV="1">
-            <a:off x="4440878" y="3659767"/>
-            <a:ext cx="2454436" cy="2132986"/>
-          </a:xfrm>
-          <a:prstGeom prst="bentConnector3">
-            <a:avLst>
-              <a:gd name="adj1" fmla="val 13622"/>
-            </a:avLst>
-          </a:prstGeom>
-          <a:ln>
-            <a:solidFill>
-              <a:schemeClr val="tx1"/>
-            </a:solidFill>
-            <a:prstDash val="solid"/>
-            <a:tailEnd type="triangle"/>
-          </a:ln>
-        </p:spPr>
-        <p:style>
-          <a:lnRef idx="1">
-            <a:schemeClr val="accent1"/>
-          </a:lnRef>
-          <a:fillRef idx="0">
-            <a:schemeClr val="accent1"/>
-          </a:fillRef>
-          <a:effectRef idx="0">
-            <a:schemeClr val="accent1"/>
-          </a:effectRef>
-          <a:fontRef idx="minor">
-            <a:schemeClr val="tx1"/>
-          </a:fontRef>
-        </p:style>
-      </p:cxnSp>
-      <p:sp>
-        <p:nvSpPr>
-          <p:cNvPr id="87" name="TextBox 86">
-            <a:extLst>
-              <a:ext uri="{FF2B5EF4-FFF2-40B4-BE49-F238E27FC236}">
-                <a16:creationId xmlns:a16="http://schemas.microsoft.com/office/drawing/2014/main" id="{ACF00B58-5718-124F-9C7B-DE6A0B9EA4FF}"/>
+      <p:sp>
+        <p:nvSpPr>
+          <p:cNvPr id="97" name="TextBox 96">
+            <a:extLst>
+              <a:ext uri="{FF2B5EF4-FFF2-40B4-BE49-F238E27FC236}">
+                <a16:creationId xmlns:a16="http://schemas.microsoft.com/office/drawing/2014/main" id="{E3D74A90-365B-334B-88A9-51860C07DEA7}"/>
               </a:ext>
             </a:extLst>
           </p:cNvPr>
@@ -11550,8 +11388,8 @@
         </p:nvSpPr>
         <p:spPr>
           <a:xfrm>
-            <a:off x="4553099" y="5463792"/>
-            <a:ext cx="1002775" cy="276999"/>
+            <a:off x="1424880" y="3092242"/>
+            <a:ext cx="681084" cy="276999"/>
           </a:xfrm>
           <a:prstGeom prst="rect">
             <a:avLst/>
@@ -11566,17 +11404,98 @@
           <a:p>
             <a:r>
               <a:rPr lang="en-US" sz="1200"/>
-              <a:t>resourceRole</a:t>
-            </a:r>
-          </a:p>
-        </p:txBody>
-      </p:sp>
-      <p:sp>
-        <p:nvSpPr>
-          <p:cNvPr id="95" name="Rounded Rectangle 94">
-            <a:extLst>
-              <a:ext uri="{FF2B5EF4-FFF2-40B4-BE49-F238E27FC236}">
-                <a16:creationId xmlns:a16="http://schemas.microsoft.com/office/drawing/2014/main" id="{8795ECBE-7245-1246-8EA5-745F9DCA708B}"/>
+              <a:t>rdf:type</a:t>
+            </a:r>
+          </a:p>
+        </p:txBody>
+      </p:sp>
+      <p:cxnSp>
+        <p:nvCxnSpPr>
+          <p:cNvPr id="98" name="Straight Arrow Connector 97">
+            <a:extLst>
+              <a:ext uri="{FF2B5EF4-FFF2-40B4-BE49-F238E27FC236}">
+                <a16:creationId xmlns:a16="http://schemas.microsoft.com/office/drawing/2014/main" id="{23535425-7477-B84D-BBA0-F80A29F391B9}"/>
+              </a:ext>
+            </a:extLst>
+          </p:cNvPr>
+          <p:cNvCxnSpPr>
+            <a:cxnSpLocks/>
+          </p:cNvCxnSpPr>
+          <p:nvPr/>
+        </p:nvCxnSpPr>
+        <p:spPr>
+          <a:xfrm flipV="1">
+            <a:off x="1386225" y="3719522"/>
+            <a:ext cx="0" cy="423747"/>
+          </a:xfrm>
+          <a:prstGeom prst="straightConnector1">
+            <a:avLst/>
+          </a:prstGeom>
+          <a:ln>
+            <a:solidFill>
+              <a:schemeClr val="tx1"/>
+            </a:solidFill>
+            <a:prstDash val="dash"/>
+            <a:headEnd type="none" w="med" len="med"/>
+            <a:tailEnd type="arrow" w="med" len="med"/>
+          </a:ln>
+        </p:spPr>
+        <p:style>
+          <a:lnRef idx="1">
+            <a:schemeClr val="accent1"/>
+          </a:lnRef>
+          <a:fillRef idx="0">
+            <a:schemeClr val="accent1"/>
+          </a:fillRef>
+          <a:effectRef idx="0">
+            <a:schemeClr val="accent1"/>
+          </a:effectRef>
+          <a:fontRef idx="minor">
+            <a:schemeClr val="tx1"/>
+          </a:fontRef>
+        </p:style>
+      </p:cxnSp>
+      <p:sp>
+        <p:nvSpPr>
+          <p:cNvPr id="99" name="TextBox 98">
+            <a:extLst>
+              <a:ext uri="{FF2B5EF4-FFF2-40B4-BE49-F238E27FC236}">
+                <a16:creationId xmlns:a16="http://schemas.microsoft.com/office/drawing/2014/main" id="{A61EF570-22F6-7B42-9D4F-30B958692EF3}"/>
+              </a:ext>
+            </a:extLst>
+          </p:cNvPr>
+          <p:cNvSpPr txBox="1"/>
+          <p:nvPr/>
+        </p:nvSpPr>
+        <p:spPr>
+          <a:xfrm>
+            <a:off x="1428508" y="3792895"/>
+            <a:ext cx="1145506" cy="276999"/>
+          </a:xfrm>
+          <a:prstGeom prst="rect">
+            <a:avLst/>
+          </a:prstGeom>
+          <a:noFill/>
+        </p:spPr>
+        <p:txBody>
+          <a:bodyPr wrap="none" rtlCol="0">
+            <a:spAutoFit/>
+          </a:bodyPr>
+          <a:lstStyle/>
+          <a:p>
+            <a:r>
+              <a:rPr lang="en-US" sz="1200"/>
+              <a:t>rdfs:subClassOf</a:t>
+            </a:r>
+          </a:p>
+        </p:txBody>
+      </p:sp>
+      <p:sp>
+        <p:nvSpPr>
+          <p:cNvPr id="100" name="Rounded Rectangle 99">
+            <a:extLst>
+              <a:ext uri="{FF2B5EF4-FFF2-40B4-BE49-F238E27FC236}">
+                <a16:creationId xmlns:a16="http://schemas.microsoft.com/office/drawing/2014/main" id="{7BB769A5-2F5C-584B-A70F-AEE75840887A}"/>
               </a:ext>
             </a:extLst>
           </p:cNvPr>
@@ -11585,7 +11504,289 @@
         </p:nvSpPr>
         <p:spPr>
           <a:xfrm>
-            <a:off x="1220966" y="2880625"/>
+            <a:off x="1227506" y="677558"/>
+            <a:ext cx="1248936" cy="657922"/>
+          </a:xfrm>
+          <a:prstGeom prst="roundRect">
+            <a:avLst/>
+          </a:prstGeom>
+          <a:noFill/>
+          <a:ln>
+            <a:solidFill>
+              <a:schemeClr val="tx1"/>
+            </a:solidFill>
+          </a:ln>
+        </p:spPr>
+        <p:style>
+          <a:lnRef idx="2">
+            <a:schemeClr val="accent1">
+              <a:shade val="50000"/>
+            </a:schemeClr>
+          </a:lnRef>
+          <a:fillRef idx="1">
+            <a:schemeClr val="accent1"/>
+          </a:fillRef>
+          <a:effectRef idx="0">
+            <a:schemeClr val="accent1"/>
+          </a:effectRef>
+          <a:fontRef idx="minor">
+            <a:schemeClr val="lt1"/>
+          </a:fontRef>
+        </p:style>
+        <p:txBody>
+          <a:bodyPr rtlCol="0" anchor="ctr"/>
+          <a:lstStyle/>
+          <a:p>
+            <a:pPr algn="ctr"/>
+            <a:r>
+              <a:rPr lang="en-US" sz="1400">
+                <a:solidFill>
+                  <a:schemeClr val="tx1"/>
+                </a:solidFill>
+              </a:rPr>
+              <a:t>owl:Class</a:t>
+            </a:r>
+          </a:p>
+        </p:txBody>
+      </p:sp>
+      <p:cxnSp>
+        <p:nvCxnSpPr>
+          <p:cNvPr id="101" name="Straight Arrow Connector 100">
+            <a:extLst>
+              <a:ext uri="{FF2B5EF4-FFF2-40B4-BE49-F238E27FC236}">
+                <a16:creationId xmlns:a16="http://schemas.microsoft.com/office/drawing/2014/main" id="{2AFEDF8E-7F0D-4C44-921F-49E1B51F2464}"/>
+              </a:ext>
+            </a:extLst>
+          </p:cNvPr>
+          <p:cNvCxnSpPr>
+            <a:cxnSpLocks/>
+          </p:cNvCxnSpPr>
+          <p:nvPr/>
+        </p:nvCxnSpPr>
+        <p:spPr>
+          <a:xfrm flipV="1">
+            <a:off x="1388715" y="2353045"/>
+            <a:ext cx="0" cy="423748"/>
+          </a:xfrm>
+          <a:prstGeom prst="straightConnector1">
+            <a:avLst/>
+          </a:prstGeom>
+          <a:ln>
+            <a:solidFill>
+              <a:schemeClr val="tx1"/>
+            </a:solidFill>
+            <a:prstDash val="solid"/>
+            <a:headEnd type="none" w="med" len="med"/>
+            <a:tailEnd type="arrow" w="med" len="med"/>
+          </a:ln>
+        </p:spPr>
+        <p:style>
+          <a:lnRef idx="1">
+            <a:schemeClr val="accent1"/>
+          </a:lnRef>
+          <a:fillRef idx="0">
+            <a:schemeClr val="accent1"/>
+          </a:fillRef>
+          <a:effectRef idx="0">
+            <a:schemeClr val="accent1"/>
+          </a:effectRef>
+          <a:fontRef idx="minor">
+            <a:schemeClr val="tx1"/>
+          </a:fontRef>
+        </p:style>
+      </p:cxnSp>
+      <p:sp>
+        <p:nvSpPr>
+          <p:cNvPr id="102" name="TextBox 101">
+            <a:extLst>
+              <a:ext uri="{FF2B5EF4-FFF2-40B4-BE49-F238E27FC236}">
+                <a16:creationId xmlns:a16="http://schemas.microsoft.com/office/drawing/2014/main" id="{9220A2BF-C9DF-0A4D-B264-222F1D5EB90F}"/>
+              </a:ext>
+            </a:extLst>
+          </p:cNvPr>
+          <p:cNvSpPr txBox="1"/>
+          <p:nvPr/>
+        </p:nvSpPr>
+        <p:spPr>
+          <a:xfrm>
+            <a:off x="1424880" y="2426419"/>
+            <a:ext cx="727187" cy="276999"/>
+          </a:xfrm>
+          <a:prstGeom prst="rect">
+            <a:avLst/>
+          </a:prstGeom>
+          <a:noFill/>
+        </p:spPr>
+        <p:txBody>
+          <a:bodyPr wrap="none" rtlCol="0">
+            <a:spAutoFit/>
+          </a:bodyPr>
+          <a:lstStyle/>
+          <a:p>
+            <a:r>
+              <a:rPr lang="en-US" sz="1200"/>
+              <a:t>property</a:t>
+            </a:r>
+          </a:p>
+        </p:txBody>
+      </p:sp>
+      <p:sp>
+        <p:nvSpPr>
+          <p:cNvPr id="103" name="TextBox 102">
+            <a:extLst>
+              <a:ext uri="{FF2B5EF4-FFF2-40B4-BE49-F238E27FC236}">
+                <a16:creationId xmlns:a16="http://schemas.microsoft.com/office/drawing/2014/main" id="{3A07314B-084F-464E-B8CD-1558F83259C8}"/>
+              </a:ext>
+            </a:extLst>
+          </p:cNvPr>
+          <p:cNvSpPr txBox="1"/>
+          <p:nvPr/>
+        </p:nvSpPr>
+        <p:spPr>
+          <a:xfrm>
+            <a:off x="1306632" y="183980"/>
+            <a:ext cx="1090683" cy="307777"/>
+          </a:xfrm>
+          <a:prstGeom prst="rect">
+            <a:avLst/>
+          </a:prstGeom>
+          <a:noFill/>
+        </p:spPr>
+        <p:txBody>
+          <a:bodyPr wrap="none" rtlCol="0">
+            <a:spAutoFit/>
+          </a:bodyPr>
+          <a:lstStyle/>
+          <a:p>
+            <a:r>
+              <a:rPr lang="en-US" sz="1400" u="sng"/>
+              <a:t>Element Key</a:t>
+            </a:r>
+          </a:p>
+        </p:txBody>
+      </p:sp>
+      <p:sp>
+        <p:nvSpPr>
+          <p:cNvPr id="84" name="TextBox 83">
+            <a:extLst>
+              <a:ext uri="{FF2B5EF4-FFF2-40B4-BE49-F238E27FC236}">
+                <a16:creationId xmlns:a16="http://schemas.microsoft.com/office/drawing/2014/main" id="{59FE6A1B-68CF-4DF9-84AE-825923472533}"/>
+              </a:ext>
+            </a:extLst>
+          </p:cNvPr>
+          <p:cNvSpPr txBox="1"/>
+          <p:nvPr/>
+        </p:nvSpPr>
+        <p:spPr>
+          <a:xfrm>
+            <a:off x="4228969" y="5489748"/>
+            <a:ext cx="1258293" cy="276999"/>
+          </a:xfrm>
+          <a:prstGeom prst="rect">
+            <a:avLst/>
+          </a:prstGeom>
+          <a:noFill/>
+        </p:spPr>
+        <p:txBody>
+          <a:bodyPr wrap="none" rtlCol="0">
+            <a:spAutoFit/>
+          </a:bodyPr>
+          <a:lstStyle/>
+          <a:p>
+            <a:r>
+              <a:rPr lang="en-US" sz="1200" dirty="0"/>
+              <a:t>has resource role</a:t>
+            </a:r>
+          </a:p>
+        </p:txBody>
+      </p:sp>
+      <p:sp>
+        <p:nvSpPr>
+          <p:cNvPr id="85" name="TextBox 84">
+            <a:extLst>
+              <a:ext uri="{FF2B5EF4-FFF2-40B4-BE49-F238E27FC236}">
+                <a16:creationId xmlns:a16="http://schemas.microsoft.com/office/drawing/2014/main" id="{0C56E559-A3D1-4D94-A0D3-A571F940A4F8}"/>
+              </a:ext>
+            </a:extLst>
+          </p:cNvPr>
+          <p:cNvSpPr txBox="1"/>
+          <p:nvPr/>
+        </p:nvSpPr>
+        <p:spPr>
+          <a:xfrm>
+            <a:off x="9679252" y="3055655"/>
+            <a:ext cx="1258293" cy="276999"/>
+          </a:xfrm>
+          <a:prstGeom prst="rect">
+            <a:avLst/>
+          </a:prstGeom>
+          <a:noFill/>
+        </p:spPr>
+        <p:txBody>
+          <a:bodyPr wrap="none" rtlCol="0">
+            <a:spAutoFit/>
+          </a:bodyPr>
+          <a:lstStyle/>
+          <a:p>
+            <a:r>
+              <a:rPr lang="en-US" sz="1200" dirty="0"/>
+              <a:t>has resource role</a:t>
+            </a:r>
+          </a:p>
+        </p:txBody>
+      </p:sp>
+      <p:sp>
+        <p:nvSpPr>
+          <p:cNvPr id="86" name="TextBox 85">
+            <a:extLst>
+              <a:ext uri="{FF2B5EF4-FFF2-40B4-BE49-F238E27FC236}">
+                <a16:creationId xmlns:a16="http://schemas.microsoft.com/office/drawing/2014/main" id="{BFD00744-26C4-454F-A897-71679019467F}"/>
+              </a:ext>
+            </a:extLst>
+          </p:cNvPr>
+          <p:cNvSpPr txBox="1"/>
+          <p:nvPr/>
+        </p:nvSpPr>
+        <p:spPr>
+          <a:xfrm>
+            <a:off x="6144475" y="1115494"/>
+            <a:ext cx="978666" cy="276999"/>
+          </a:xfrm>
+          <a:prstGeom prst="rect">
+            <a:avLst/>
+          </a:prstGeom>
+          <a:solidFill>
+            <a:schemeClr val="bg1"/>
+          </a:solidFill>
+        </p:spPr>
+        <p:txBody>
+          <a:bodyPr wrap="none" rtlCol="0">
+            <a:spAutoFit/>
+          </a:bodyPr>
+          <a:lstStyle/>
+          <a:p>
+            <a:r>
+              <a:rPr lang="en-US" sz="1200" dirty="0"/>
+              <a:t>has resource</a:t>
+            </a:r>
+          </a:p>
+        </p:txBody>
+      </p:sp>
+      <p:sp>
+        <p:nvSpPr>
+          <p:cNvPr id="4" name="Rounded Rectangle 3">
+            <a:extLst>
+              <a:ext uri="{FF2B5EF4-FFF2-40B4-BE49-F238E27FC236}">
+                <a16:creationId xmlns:a16="http://schemas.microsoft.com/office/drawing/2014/main" id="{2241BF72-9682-B541-B66F-E14377A78CE7}"/>
+              </a:ext>
+            </a:extLst>
+          </p:cNvPr>
+          <p:cNvSpPr/>
+          <p:nvPr/>
+        </p:nvSpPr>
+        <p:spPr>
+          <a:xfrm>
+            <a:off x="4836429" y="457572"/>
             <a:ext cx="1248936" cy="657922"/>
           </a:xfrm>
           <a:prstGeom prst="roundRect">
@@ -11634,359 +11835,155 @@
                   <a:schemeClr val="tx1"/>
                 </a:solidFill>
               </a:rPr>
-              <a:t>owl:Named</a:t>
-            </a:r>
-            <a:br>
+              <a:t>ISO 19115-1:2014</a:t>
+            </a:r>
+          </a:p>
+        </p:txBody>
+      </p:sp>
+      <p:sp>
+        <p:nvSpPr>
+          <p:cNvPr id="45" name="Rounded Rectangle 44">
+            <a:extLst>
+              <a:ext uri="{FF2B5EF4-FFF2-40B4-BE49-F238E27FC236}">
+                <a16:creationId xmlns:a16="http://schemas.microsoft.com/office/drawing/2014/main" id="{C0315A97-6ADC-BA45-A88C-386B8EDC3112}"/>
+              </a:ext>
+            </a:extLst>
+          </p:cNvPr>
+          <p:cNvSpPr/>
+          <p:nvPr/>
+        </p:nvSpPr>
+        <p:spPr>
+          <a:xfrm>
+            <a:off x="4836429" y="1368252"/>
+            <a:ext cx="1248936" cy="657922"/>
+          </a:xfrm>
+          <a:prstGeom prst="roundRect">
+            <a:avLst/>
+          </a:prstGeom>
+          <a:noFill/>
+          <a:ln>
+            <a:solidFill>
+              <a:schemeClr val="tx1"/>
+            </a:solidFill>
+          </a:ln>
+        </p:spPr>
+        <p:style>
+          <a:lnRef idx="2">
+            <a:schemeClr val="accent1">
+              <a:shade val="50000"/>
+            </a:schemeClr>
+          </a:lnRef>
+          <a:fillRef idx="1">
+            <a:schemeClr val="accent1"/>
+          </a:fillRef>
+          <a:effectRef idx="0">
+            <a:schemeClr val="accent1"/>
+          </a:effectRef>
+          <a:fontRef idx="minor">
+            <a:schemeClr val="lt1"/>
+          </a:fontRef>
+        </p:style>
+        <p:txBody>
+          <a:bodyPr rtlCol="0" anchor="ctr"/>
+          <a:lstStyle/>
+          <a:p>
+            <a:pPr algn="ctr"/>
+            <a:r>
               <a:rPr lang="en-US" sz="1400">
                 <a:solidFill>
                   <a:schemeClr val="tx1"/>
                 </a:solidFill>
               </a:rPr>
-            </a:br>
-            <a:r>
-              <a:rPr lang="en-US" sz="1400">
+              <a:t>Base Specification</a:t>
+            </a:r>
+          </a:p>
+        </p:txBody>
+      </p:sp>
+      <p:sp>
+        <p:nvSpPr>
+          <p:cNvPr id="33" name="Rounded Rectangle 32">
+            <a:extLst>
+              <a:ext uri="{FF2B5EF4-FFF2-40B4-BE49-F238E27FC236}">
+                <a16:creationId xmlns:a16="http://schemas.microsoft.com/office/drawing/2014/main" id="{1333CC4E-E62A-D14C-A9E7-3F0D35029DB8}"/>
+              </a:ext>
+            </a:extLst>
+          </p:cNvPr>
+          <p:cNvSpPr/>
+          <p:nvPr/>
+        </p:nvSpPr>
+        <p:spPr>
+          <a:xfrm>
+            <a:off x="6895314" y="1368252"/>
+            <a:ext cx="1248936" cy="657922"/>
+          </a:xfrm>
+          <a:prstGeom prst="roundRect">
+            <a:avLst/>
+          </a:prstGeom>
+          <a:noFill/>
+          <a:ln>
+            <a:solidFill>
+              <a:schemeClr val="tx1"/>
+            </a:solidFill>
+          </a:ln>
+        </p:spPr>
+        <p:style>
+          <a:lnRef idx="2">
+            <a:schemeClr val="accent1">
+              <a:shade val="50000"/>
+            </a:schemeClr>
+          </a:lnRef>
+          <a:fillRef idx="1">
+            <a:schemeClr val="accent1"/>
+          </a:fillRef>
+          <a:effectRef idx="0">
+            <a:schemeClr val="accent1"/>
+          </a:effectRef>
+          <a:fontRef idx="minor">
+            <a:schemeClr val="lt1"/>
+          </a:fontRef>
+        </p:style>
+        <p:txBody>
+          <a:bodyPr rtlCol="0" anchor="ctr"/>
+          <a:lstStyle/>
+          <a:p>
+            <a:pPr algn="ctr"/>
+            <a:r>
+              <a:rPr lang="en-US" sz="1200">
                 <a:solidFill>
                   <a:schemeClr val="tx1"/>
                 </a:solidFill>
               </a:rPr>
-              <a:t>Individual</a:t>
-            </a:r>
-          </a:p>
-        </p:txBody>
-      </p:sp>
-      <p:cxnSp>
-        <p:nvCxnSpPr>
-          <p:cNvPr id="96" name="Straight Arrow Connector 95">
-            <a:extLst>
-              <a:ext uri="{FF2B5EF4-FFF2-40B4-BE49-F238E27FC236}">
-                <a16:creationId xmlns:a16="http://schemas.microsoft.com/office/drawing/2014/main" id="{7BB4B151-6998-8A41-8A46-005A369C98DA}"/>
-              </a:ext>
-            </a:extLst>
-          </p:cNvPr>
-          <p:cNvCxnSpPr>
-            <a:cxnSpLocks/>
-          </p:cNvCxnSpPr>
-          <p:nvPr/>
-        </p:nvCxnSpPr>
-        <p:spPr>
-          <a:xfrm flipV="1">
-            <a:off x="1382175" y="4378212"/>
-            <a:ext cx="0" cy="423748"/>
-          </a:xfrm>
-          <a:prstGeom prst="straightConnector1">
-            <a:avLst/>
-          </a:prstGeom>
-          <a:ln>
-            <a:solidFill>
-              <a:schemeClr val="tx1"/>
-            </a:solidFill>
-            <a:prstDash val="sysDot"/>
-            <a:headEnd type="none" w="med" len="med"/>
-            <a:tailEnd type="arrow" w="med" len="med"/>
-          </a:ln>
-        </p:spPr>
-        <p:style>
-          <a:lnRef idx="1">
-            <a:schemeClr val="accent1"/>
-          </a:lnRef>
-          <a:fillRef idx="0">
-            <a:schemeClr val="accent1"/>
-          </a:fillRef>
-          <a:effectRef idx="0">
-            <a:schemeClr val="accent1"/>
-          </a:effectRef>
-          <a:fontRef idx="minor">
-            <a:schemeClr val="tx1"/>
-          </a:fontRef>
-        </p:style>
-      </p:cxnSp>
-      <p:sp>
-        <p:nvSpPr>
-          <p:cNvPr id="97" name="TextBox 96">
-            <a:extLst>
-              <a:ext uri="{FF2B5EF4-FFF2-40B4-BE49-F238E27FC236}">
-                <a16:creationId xmlns:a16="http://schemas.microsoft.com/office/drawing/2014/main" id="{E3D74A90-365B-334B-88A9-51860C07DEA7}"/>
-              </a:ext>
-            </a:extLst>
-          </p:cNvPr>
-          <p:cNvSpPr txBox="1"/>
-          <p:nvPr/>
-        </p:nvSpPr>
-        <p:spPr>
-          <a:xfrm>
-            <a:off x="1418340" y="4451586"/>
-            <a:ext cx="681084" cy="276999"/>
-          </a:xfrm>
-          <a:prstGeom prst="rect">
-            <a:avLst/>
-          </a:prstGeom>
-          <a:noFill/>
-        </p:spPr>
-        <p:txBody>
-          <a:bodyPr wrap="none" rtlCol="0">
-            <a:spAutoFit/>
-          </a:bodyPr>
-          <a:lstStyle/>
-          <a:p>
-            <a:r>
-              <a:rPr lang="en-US" sz="1200"/>
-              <a:t>rdf:type</a:t>
-            </a:r>
-          </a:p>
-        </p:txBody>
-      </p:sp>
-      <p:cxnSp>
-        <p:nvCxnSpPr>
-          <p:cNvPr id="98" name="Straight Arrow Connector 97">
-            <a:extLst>
-              <a:ext uri="{FF2B5EF4-FFF2-40B4-BE49-F238E27FC236}">
-                <a16:creationId xmlns:a16="http://schemas.microsoft.com/office/drawing/2014/main" id="{23535425-7477-B84D-BBA0-F80A29F391B9}"/>
-              </a:ext>
-            </a:extLst>
-          </p:cNvPr>
-          <p:cNvCxnSpPr>
-            <a:cxnSpLocks/>
-          </p:cNvCxnSpPr>
-          <p:nvPr/>
-        </p:nvCxnSpPr>
-        <p:spPr>
-          <a:xfrm flipV="1">
-            <a:off x="1379685" y="5078866"/>
-            <a:ext cx="0" cy="423747"/>
-          </a:xfrm>
-          <a:prstGeom prst="straightConnector1">
-            <a:avLst/>
-          </a:prstGeom>
-          <a:ln>
-            <a:solidFill>
-              <a:schemeClr val="tx1"/>
-            </a:solidFill>
-            <a:prstDash val="dash"/>
-            <a:headEnd type="none" w="med" len="med"/>
-            <a:tailEnd type="arrow" w="med" len="med"/>
-          </a:ln>
-        </p:spPr>
-        <p:style>
-          <a:lnRef idx="1">
-            <a:schemeClr val="accent1"/>
-          </a:lnRef>
-          <a:fillRef idx="0">
-            <a:schemeClr val="accent1"/>
-          </a:fillRef>
-          <a:effectRef idx="0">
-            <a:schemeClr val="accent1"/>
-          </a:effectRef>
-          <a:fontRef idx="minor">
-            <a:schemeClr val="tx1"/>
-          </a:fontRef>
-        </p:style>
-      </p:cxnSp>
-      <p:sp>
-        <p:nvSpPr>
-          <p:cNvPr id="99" name="TextBox 98">
-            <a:extLst>
-              <a:ext uri="{FF2B5EF4-FFF2-40B4-BE49-F238E27FC236}">
-                <a16:creationId xmlns:a16="http://schemas.microsoft.com/office/drawing/2014/main" id="{A61EF570-22F6-7B42-9D4F-30B958692EF3}"/>
-              </a:ext>
-            </a:extLst>
-          </p:cNvPr>
-          <p:cNvSpPr txBox="1"/>
-          <p:nvPr/>
-        </p:nvSpPr>
-        <p:spPr>
-          <a:xfrm>
-            <a:off x="1421968" y="5152239"/>
-            <a:ext cx="1145506" cy="276999"/>
-          </a:xfrm>
-          <a:prstGeom prst="rect">
-            <a:avLst/>
-          </a:prstGeom>
-          <a:noFill/>
-        </p:spPr>
-        <p:txBody>
-          <a:bodyPr wrap="none" rtlCol="0">
-            <a:spAutoFit/>
-          </a:bodyPr>
-          <a:lstStyle/>
-          <a:p>
-            <a:r>
-              <a:rPr lang="en-US" sz="1200"/>
-              <a:t>rdfs:subClassOf</a:t>
-            </a:r>
-          </a:p>
-        </p:txBody>
-      </p:sp>
-      <p:sp>
-        <p:nvSpPr>
-          <p:cNvPr id="100" name="Rounded Rectangle 99">
-            <a:extLst>
-              <a:ext uri="{FF2B5EF4-FFF2-40B4-BE49-F238E27FC236}">
-                <a16:creationId xmlns:a16="http://schemas.microsoft.com/office/drawing/2014/main" id="{7BB769A5-2F5C-584B-A70F-AEE75840887A}"/>
-              </a:ext>
-            </a:extLst>
-          </p:cNvPr>
-          <p:cNvSpPr/>
-          <p:nvPr/>
-        </p:nvSpPr>
-        <p:spPr>
-          <a:xfrm>
-            <a:off x="1220966" y="2036902"/>
-            <a:ext cx="1248936" cy="657922"/>
-          </a:xfrm>
-          <a:prstGeom prst="roundRect">
-            <a:avLst/>
-          </a:prstGeom>
-          <a:noFill/>
-          <a:ln>
-            <a:solidFill>
-              <a:schemeClr val="tx1"/>
-            </a:solidFill>
-          </a:ln>
-        </p:spPr>
-        <p:style>
-          <a:lnRef idx="2">
-            <a:schemeClr val="accent1">
-              <a:shade val="50000"/>
-            </a:schemeClr>
-          </a:lnRef>
-          <a:fillRef idx="1">
-            <a:schemeClr val="accent1"/>
-          </a:fillRef>
-          <a:effectRef idx="0">
-            <a:schemeClr val="accent1"/>
-          </a:effectRef>
-          <a:fontRef idx="minor">
-            <a:schemeClr val="lt1"/>
-          </a:fontRef>
-        </p:style>
-        <p:txBody>
-          <a:bodyPr rtlCol="0" anchor="ctr"/>
-          <a:lstStyle/>
-          <a:p>
-            <a:pPr algn="ctr"/>
-            <a:r>
-              <a:rPr lang="en-US" sz="1400">
+              <a:t>dct:</a:t>
+            </a:r>
+            <a:br>
+              <a:rPr lang="en-US" sz="1200">
                 <a:solidFill>
                   <a:schemeClr val="tx1"/>
                 </a:solidFill>
               </a:rPr>
-              <a:t>owl:Class</a:t>
-            </a:r>
-          </a:p>
-        </p:txBody>
-      </p:sp>
-      <p:cxnSp>
-        <p:nvCxnSpPr>
-          <p:cNvPr id="101" name="Straight Arrow Connector 100">
-            <a:extLst>
-              <a:ext uri="{FF2B5EF4-FFF2-40B4-BE49-F238E27FC236}">
-                <a16:creationId xmlns:a16="http://schemas.microsoft.com/office/drawing/2014/main" id="{2AFEDF8E-7F0D-4C44-921F-49E1B51F2464}"/>
-              </a:ext>
-            </a:extLst>
-          </p:cNvPr>
-          <p:cNvCxnSpPr>
-            <a:cxnSpLocks/>
-          </p:cNvCxnSpPr>
-          <p:nvPr/>
-        </p:nvCxnSpPr>
-        <p:spPr>
-          <a:xfrm flipV="1">
-            <a:off x="1382175" y="3712389"/>
-            <a:ext cx="0" cy="423748"/>
-          </a:xfrm>
-          <a:prstGeom prst="straightConnector1">
-            <a:avLst/>
-          </a:prstGeom>
-          <a:ln>
-            <a:solidFill>
-              <a:schemeClr val="tx1"/>
-            </a:solidFill>
-            <a:prstDash val="solid"/>
-            <a:headEnd type="none" w="med" len="med"/>
-            <a:tailEnd type="arrow" w="med" len="med"/>
-          </a:ln>
-        </p:spPr>
-        <p:style>
-          <a:lnRef idx="1">
-            <a:schemeClr val="accent1"/>
-          </a:lnRef>
-          <a:fillRef idx="0">
-            <a:schemeClr val="accent1"/>
-          </a:fillRef>
-          <a:effectRef idx="0">
-            <a:schemeClr val="accent1"/>
-          </a:effectRef>
-          <a:fontRef idx="minor">
-            <a:schemeClr val="tx1"/>
-          </a:fontRef>
-        </p:style>
-      </p:cxnSp>
-      <p:sp>
-        <p:nvSpPr>
-          <p:cNvPr id="102" name="TextBox 101">
-            <a:extLst>
-              <a:ext uri="{FF2B5EF4-FFF2-40B4-BE49-F238E27FC236}">
-                <a16:creationId xmlns:a16="http://schemas.microsoft.com/office/drawing/2014/main" id="{9220A2BF-C9DF-0A4D-B264-222F1D5EB90F}"/>
-              </a:ext>
-            </a:extLst>
-          </p:cNvPr>
-          <p:cNvSpPr txBox="1"/>
-          <p:nvPr/>
-        </p:nvSpPr>
-        <p:spPr>
-          <a:xfrm>
-            <a:off x="1418340" y="3785763"/>
-            <a:ext cx="727187" cy="276999"/>
-          </a:xfrm>
-          <a:prstGeom prst="rect">
-            <a:avLst/>
-          </a:prstGeom>
-          <a:noFill/>
-        </p:spPr>
-        <p:txBody>
-          <a:bodyPr wrap="none" rtlCol="0">
-            <a:spAutoFit/>
-          </a:bodyPr>
-          <a:lstStyle/>
-          <a:p>
-            <a:r>
-              <a:rPr lang="en-US" sz="1200"/>
-              <a:t>property</a:t>
-            </a:r>
-          </a:p>
-        </p:txBody>
-      </p:sp>
-      <p:sp>
-        <p:nvSpPr>
-          <p:cNvPr id="103" name="TextBox 102">
-            <a:extLst>
-              <a:ext uri="{FF2B5EF4-FFF2-40B4-BE49-F238E27FC236}">
-                <a16:creationId xmlns:a16="http://schemas.microsoft.com/office/drawing/2014/main" id="{3A07314B-084F-464E-B8CD-1558F83259C8}"/>
-              </a:ext>
-            </a:extLst>
-          </p:cNvPr>
-          <p:cNvSpPr txBox="1"/>
-          <p:nvPr/>
-        </p:nvSpPr>
-        <p:spPr>
-          <a:xfrm>
-            <a:off x="1300092" y="1543324"/>
-            <a:ext cx="1090683" cy="307777"/>
-          </a:xfrm>
-          <a:prstGeom prst="rect">
-            <a:avLst/>
-          </a:prstGeom>
-          <a:noFill/>
-        </p:spPr>
-        <p:txBody>
-          <a:bodyPr wrap="none" rtlCol="0">
-            <a:spAutoFit/>
-          </a:bodyPr>
-          <a:lstStyle/>
-          <a:p>
-            <a:r>
-              <a:rPr lang="en-US" sz="1400" u="sng"/>
-              <a:t>Element Key</a:t>
+            </a:br>
+            <a:r>
+              <a:rPr lang="en-US" sz="1200">
+                <a:solidFill>
+                  <a:schemeClr val="tx1"/>
+                </a:solidFill>
+              </a:rPr>
+              <a:t>MediaType</a:t>
+            </a:r>
+            <a:br>
+              <a:rPr lang="en-US" sz="1200">
+                <a:solidFill>
+                  <a:schemeClr val="tx1"/>
+                </a:solidFill>
+              </a:rPr>
+            </a:br>
+            <a:r>
+              <a:rPr lang="en-US" sz="1200">
+                <a:solidFill>
+                  <a:schemeClr val="tx1"/>
+                </a:solidFill>
+              </a:rPr>
+              <a:t>OrExtent</a:t>
             </a:r>
           </a:p>
         </p:txBody>
@@ -14460,44 +14457,6 @@
           </a:fontRef>
         </p:style>
       </p:cxnSp>
-      <p:sp>
-        <p:nvSpPr>
-          <p:cNvPr id="140" name="TextBox 139">
-            <a:extLst>
-              <a:ext uri="{FF2B5EF4-FFF2-40B4-BE49-F238E27FC236}">
-                <a16:creationId xmlns:a16="http://schemas.microsoft.com/office/drawing/2014/main" id="{6707BDE9-7BD2-45AB-A29D-3E817741394B}"/>
-              </a:ext>
-            </a:extLst>
-          </p:cNvPr>
-          <p:cNvSpPr txBox="1"/>
-          <p:nvPr/>
-        </p:nvSpPr>
-        <p:spPr>
-          <a:xfrm>
-            <a:off x="9958627" y="3787241"/>
-            <a:ext cx="818109" cy="184666"/>
-          </a:xfrm>
-          <a:prstGeom prst="rect">
-            <a:avLst/>
-          </a:prstGeom>
-          <a:solidFill>
-            <a:schemeClr val="bg1"/>
-          </a:solidFill>
-        </p:spPr>
-        <p:txBody>
-          <a:bodyPr wrap="none" lIns="0" tIns="0" rIns="0" bIns="0" rtlCol="0">
-            <a:spAutoFit/>
-          </a:bodyPr>
-          <a:lstStyle/>
-          <a:p>
-            <a:r>
-              <a:rPr lang="en-US" sz="1200" dirty="0" err="1"/>
-              <a:t>resourceRole</a:t>
-            </a:r>
-            <a:endParaRPr lang="en-US" sz="1200" dirty="0"/>
-          </a:p>
-        </p:txBody>
-      </p:sp>
       <p:cxnSp>
         <p:nvCxnSpPr>
           <p:cNvPr id="142" name="Straight Arrow Connector 141">
@@ -14663,7 +14622,7 @@
         <p:spPr>
           <a:xfrm>
             <a:off x="5364091" y="3792358"/>
-            <a:ext cx="818109" cy="184666"/>
+            <a:ext cx="1073627" cy="184666"/>
           </a:xfrm>
           <a:prstGeom prst="rect">
             <a:avLst/>
@@ -14679,10 +14638,9 @@
           <a:lstStyle/>
           <a:p>
             <a:r>
-              <a:rPr lang="en-US" sz="1200" dirty="0" err="1"/>
-              <a:t>resourceRole</a:t>
-            </a:r>
-            <a:endParaRPr lang="en-US" sz="1200" dirty="0"/>
+              <a:rPr lang="en-US" sz="1200" dirty="0"/>
+              <a:t>has resource role</a:t>
+            </a:r>
           </a:p>
         </p:txBody>
       </p:sp>
@@ -15415,8 +15373,8 @@
         </p:nvSpPr>
         <p:spPr>
           <a:xfrm>
-            <a:off x="5809994" y="1797875"/>
-            <a:ext cx="628048" cy="184666"/>
+            <a:off x="5674561" y="1797875"/>
+            <a:ext cx="794760" cy="184666"/>
           </a:xfrm>
           <a:prstGeom prst="rect">
             <a:avLst/>
@@ -15437,10 +15395,9 @@
           <a:lstStyle/>
           <a:p>
             <a:r>
-              <a:rPr lang="en-US" sz="1200" dirty="0" err="1"/>
-              <a:t>profileOf</a:t>
-            </a:r>
-            <a:endParaRPr lang="en-US" sz="1200" dirty="0"/>
+              <a:rPr lang="en-US" sz="1200" dirty="0"/>
+              <a:t>is profile Of</a:t>
+            </a:r>
           </a:p>
         </p:txBody>
       </p:sp>
@@ -15458,8 +15415,8 @@
         </p:nvSpPr>
         <p:spPr>
           <a:xfrm rot="5400000">
-            <a:off x="6401081" y="3000907"/>
-            <a:ext cx="861252" cy="221018"/>
+            <a:off x="6398355" y="3000907"/>
+            <a:ext cx="866703" cy="221018"/>
           </a:xfrm>
           <a:prstGeom prst="rect">
             <a:avLst/>
@@ -15480,10 +15437,9 @@
           <a:lstStyle/>
           <a:p>
             <a:r>
-              <a:rPr lang="en-US" sz="1200" dirty="0" err="1"/>
-              <a:t>hasResource</a:t>
-            </a:r>
-            <a:endParaRPr lang="en-US" sz="1200" dirty="0"/>
+              <a:rPr lang="en-US" sz="1200" dirty="0"/>
+              <a:t>has resource</a:t>
+            </a:r>
           </a:p>
         </p:txBody>
       </p:sp>
@@ -15826,7 +15782,7 @@
         <p:spPr>
           <a:xfrm>
             <a:off x="5205238" y="2743499"/>
-            <a:ext cx="861252" cy="221018"/>
+            <a:ext cx="866703" cy="221018"/>
           </a:xfrm>
           <a:prstGeom prst="rect">
             <a:avLst/>
@@ -15847,10 +15803,9 @@
           <a:lstStyle/>
           <a:p>
             <a:r>
-              <a:rPr lang="en-US" sz="1200" dirty="0" err="1"/>
-              <a:t>hasResource</a:t>
-            </a:r>
-            <a:endParaRPr lang="en-US" sz="1200" dirty="0"/>
+              <a:rPr lang="en-US" sz="1200" dirty="0"/>
+              <a:t>has resource</a:t>
+            </a:r>
           </a:p>
         </p:txBody>
       </p:sp>
@@ -16541,10 +16496,10 @@
       </p:sp>
       <p:sp>
         <p:nvSpPr>
-          <p:cNvPr id="310" name="TextBox 309">
-            <a:extLst>
-              <a:ext uri="{FF2B5EF4-FFF2-40B4-BE49-F238E27FC236}">
-                <a16:creationId xmlns:a16="http://schemas.microsoft.com/office/drawing/2014/main" id="{36EB1D98-F48E-4DEA-B81C-6385BE839DBF}"/>
+          <p:cNvPr id="311" name="TextBox 310">
+            <a:extLst>
+              <a:ext uri="{FF2B5EF4-FFF2-40B4-BE49-F238E27FC236}">
+                <a16:creationId xmlns:a16="http://schemas.microsoft.com/office/drawing/2014/main" id="{50F63625-DBAD-479C-9120-9C0939D2ACFD}"/>
               </a:ext>
             </a:extLst>
           </p:cNvPr>
@@ -16553,8 +16508,8 @@
         </p:nvSpPr>
         <p:spPr>
           <a:xfrm>
-            <a:off x="7437481" y="3723236"/>
-            <a:ext cx="520133" cy="184666"/>
+            <a:off x="8885714" y="3718990"/>
+            <a:ext cx="770202" cy="184666"/>
           </a:xfrm>
           <a:prstGeom prst="rect">
             <a:avLst/>
@@ -16572,17 +16527,17 @@
           <a:p>
             <a:r>
               <a:rPr lang="en-US" sz="1200" dirty="0"/>
-              <a:t>artifact</a:t>
-            </a:r>
-          </a:p>
-        </p:txBody>
-      </p:sp>
-      <p:sp>
-        <p:nvSpPr>
-          <p:cNvPr id="311" name="TextBox 310">
-            <a:extLst>
-              <a:ext uri="{FF2B5EF4-FFF2-40B4-BE49-F238E27FC236}">
-                <a16:creationId xmlns:a16="http://schemas.microsoft.com/office/drawing/2014/main" id="{50F63625-DBAD-479C-9120-9C0939D2ACFD}"/>
+              <a:t>has artifact</a:t>
+            </a:r>
+          </a:p>
+        </p:txBody>
+      </p:sp>
+      <p:sp>
+        <p:nvSpPr>
+          <p:cNvPr id="90" name="TextBox 89">
+            <a:extLst>
+              <a:ext uri="{FF2B5EF4-FFF2-40B4-BE49-F238E27FC236}">
+                <a16:creationId xmlns:a16="http://schemas.microsoft.com/office/drawing/2014/main" id="{E8C78767-414C-41E4-B40B-99C4B22F6528}"/>
               </a:ext>
             </a:extLst>
           </p:cNvPr>
@@ -16591,8 +16546,8 @@
         </p:nvSpPr>
         <p:spPr>
           <a:xfrm>
-            <a:off x="9180648" y="3733993"/>
-            <a:ext cx="520133" cy="184666"/>
+            <a:off x="7188998" y="3725497"/>
+            <a:ext cx="770202" cy="184666"/>
           </a:xfrm>
           <a:prstGeom prst="rect">
             <a:avLst/>
@@ -16610,7 +16565,44 @@
           <a:p>
             <a:r>
               <a:rPr lang="en-US" sz="1200" dirty="0"/>
-              <a:t>artifact</a:t>
+              <a:t>has artifact</a:t>
+            </a:r>
+          </a:p>
+        </p:txBody>
+      </p:sp>
+      <p:sp>
+        <p:nvSpPr>
+          <p:cNvPr id="91" name="TextBox 90">
+            <a:extLst>
+              <a:ext uri="{FF2B5EF4-FFF2-40B4-BE49-F238E27FC236}">
+                <a16:creationId xmlns:a16="http://schemas.microsoft.com/office/drawing/2014/main" id="{74EF175E-B7EE-417F-A26E-42BA3049677B}"/>
+              </a:ext>
+            </a:extLst>
+          </p:cNvPr>
+          <p:cNvSpPr txBox="1"/>
+          <p:nvPr/>
+        </p:nvSpPr>
+        <p:spPr>
+          <a:xfrm>
+            <a:off x="9879333" y="3760337"/>
+            <a:ext cx="1073627" cy="184666"/>
+          </a:xfrm>
+          <a:prstGeom prst="rect">
+            <a:avLst/>
+          </a:prstGeom>
+          <a:solidFill>
+            <a:schemeClr val="bg1"/>
+          </a:solidFill>
+        </p:spPr>
+        <p:txBody>
+          <a:bodyPr wrap="none" lIns="0" tIns="0" rIns="0" bIns="0" rtlCol="0">
+            <a:spAutoFit/>
+          </a:bodyPr>
+          <a:lstStyle/>
+          <a:p>
+            <a:r>
+              <a:rPr lang="en-US" sz="1200" dirty="0"/>
+              <a:t>has resource role</a:t>
             </a:r>
           </a:p>
         </p:txBody>
@@ -17553,158 +17545,6 @@
       </p:cxnSp>
       <p:sp>
         <p:nvSpPr>
-          <p:cNvPr id="71" name="TextBox 70">
-            <a:extLst>
-              <a:ext uri="{FF2B5EF4-FFF2-40B4-BE49-F238E27FC236}">
-                <a16:creationId xmlns:a16="http://schemas.microsoft.com/office/drawing/2014/main" id="{C3460994-832B-492A-BF6C-3C201FEEFFE3}"/>
-              </a:ext>
-            </a:extLst>
-          </p:cNvPr>
-          <p:cNvSpPr txBox="1"/>
-          <p:nvPr/>
-        </p:nvSpPr>
-        <p:spPr>
-          <a:xfrm>
-            <a:off x="2966127" y="1784538"/>
-            <a:ext cx="555345" cy="184666"/>
-          </a:xfrm>
-          <a:prstGeom prst="rect">
-            <a:avLst/>
-          </a:prstGeom>
-          <a:solidFill>
-            <a:schemeClr val="bg1"/>
-          </a:solidFill>
-        </p:spPr>
-        <p:txBody>
-          <a:bodyPr wrap="none" lIns="0" tIns="0" rIns="0" bIns="0" rtlCol="0">
-            <a:spAutoFit/>
-          </a:bodyPr>
-          <a:lstStyle/>
-          <a:p>
-            <a:r>
-              <a:rPr lang="en-US" sz="1200" dirty="0" err="1"/>
-              <a:t>profileOf</a:t>
-            </a:r>
-            <a:endParaRPr lang="en-US" sz="1200" dirty="0"/>
-          </a:p>
-        </p:txBody>
-      </p:sp>
-      <p:sp>
-        <p:nvSpPr>
-          <p:cNvPr id="72" name="TextBox 71">
-            <a:extLst>
-              <a:ext uri="{FF2B5EF4-FFF2-40B4-BE49-F238E27FC236}">
-                <a16:creationId xmlns:a16="http://schemas.microsoft.com/office/drawing/2014/main" id="{EC754614-A24C-450D-94D2-D90813B9ABEE}"/>
-              </a:ext>
-            </a:extLst>
-          </p:cNvPr>
-          <p:cNvSpPr txBox="1"/>
-          <p:nvPr/>
-        </p:nvSpPr>
-        <p:spPr>
-          <a:xfrm>
-            <a:off x="2071706" y="2698187"/>
-            <a:ext cx="555345" cy="184666"/>
-          </a:xfrm>
-          <a:prstGeom prst="rect">
-            <a:avLst/>
-          </a:prstGeom>
-          <a:solidFill>
-            <a:schemeClr val="bg1"/>
-          </a:solidFill>
-        </p:spPr>
-        <p:txBody>
-          <a:bodyPr wrap="none" lIns="0" tIns="0" rIns="0" bIns="0" rtlCol="0">
-            <a:spAutoFit/>
-          </a:bodyPr>
-          <a:lstStyle/>
-          <a:p>
-            <a:r>
-              <a:rPr lang="en-US" sz="1200" dirty="0" err="1"/>
-              <a:t>profileOf</a:t>
-            </a:r>
-            <a:endParaRPr lang="en-US" sz="1200" dirty="0"/>
-          </a:p>
-        </p:txBody>
-      </p:sp>
-      <p:sp>
-        <p:nvSpPr>
-          <p:cNvPr id="87" name="TextBox 86">
-            <a:extLst>
-              <a:ext uri="{FF2B5EF4-FFF2-40B4-BE49-F238E27FC236}">
-                <a16:creationId xmlns:a16="http://schemas.microsoft.com/office/drawing/2014/main" id="{2893B644-4BEB-6748-87BE-3EEBCA89AA7C}"/>
-              </a:ext>
-            </a:extLst>
-          </p:cNvPr>
-          <p:cNvSpPr txBox="1"/>
-          <p:nvPr/>
-        </p:nvSpPr>
-        <p:spPr>
-          <a:xfrm>
-            <a:off x="2966127" y="3175994"/>
-            <a:ext cx="555345" cy="184666"/>
-          </a:xfrm>
-          <a:prstGeom prst="rect">
-            <a:avLst/>
-          </a:prstGeom>
-          <a:solidFill>
-            <a:schemeClr val="bg1"/>
-          </a:solidFill>
-        </p:spPr>
-        <p:txBody>
-          <a:bodyPr wrap="none" lIns="0" tIns="0" rIns="0" bIns="0" rtlCol="0">
-            <a:spAutoFit/>
-          </a:bodyPr>
-          <a:lstStyle/>
-          <a:p>
-            <a:r>
-              <a:rPr lang="en-US" sz="1200" dirty="0" err="1"/>
-              <a:t>profileOf</a:t>
-            </a:r>
-            <a:endParaRPr lang="en-US" sz="1200" dirty="0"/>
-          </a:p>
-        </p:txBody>
-      </p:sp>
-      <p:sp>
-        <p:nvSpPr>
-          <p:cNvPr id="69" name="TextBox 68">
-            <a:extLst>
-              <a:ext uri="{FF2B5EF4-FFF2-40B4-BE49-F238E27FC236}">
-                <a16:creationId xmlns:a16="http://schemas.microsoft.com/office/drawing/2014/main" id="{66C1AAF9-5E5E-49B4-9185-D8F01FB6E484}"/>
-              </a:ext>
-            </a:extLst>
-          </p:cNvPr>
-          <p:cNvSpPr txBox="1"/>
-          <p:nvPr/>
-        </p:nvSpPr>
-        <p:spPr>
-          <a:xfrm>
-            <a:off x="1473173" y="3704303"/>
-            <a:ext cx="555345" cy="184666"/>
-          </a:xfrm>
-          <a:prstGeom prst="rect">
-            <a:avLst/>
-          </a:prstGeom>
-          <a:solidFill>
-            <a:schemeClr val="bg1"/>
-          </a:solidFill>
-        </p:spPr>
-        <p:txBody>
-          <a:bodyPr wrap="none" lIns="0" tIns="0" rIns="0" bIns="0" rtlCol="0">
-            <a:spAutoFit/>
-          </a:bodyPr>
-          <a:lstStyle/>
-          <a:p>
-            <a:r>
-              <a:rPr lang="en-US" sz="1200" dirty="0" err="1"/>
-              <a:t>profileOf</a:t>
-            </a:r>
-            <a:endParaRPr lang="en-US" sz="1200" dirty="0"/>
-          </a:p>
-        </p:txBody>
-      </p:sp>
-      <p:sp>
-        <p:nvSpPr>
           <p:cNvPr id="82" name="Rounded Rectangle 69">
             <a:extLst>
               <a:ext uri="{FF2B5EF4-FFF2-40B4-BE49-F238E27FC236}">
@@ -17896,44 +17736,6 @@
       </p:cxnSp>
       <p:sp>
         <p:nvSpPr>
-          <p:cNvPr id="105" name="TextBox 104">
-            <a:extLst>
-              <a:ext uri="{FF2B5EF4-FFF2-40B4-BE49-F238E27FC236}">
-                <a16:creationId xmlns:a16="http://schemas.microsoft.com/office/drawing/2014/main" id="{AABDECCA-2FC0-48A1-83F6-1001D40B3E78}"/>
-              </a:ext>
-            </a:extLst>
-          </p:cNvPr>
-          <p:cNvSpPr txBox="1"/>
-          <p:nvPr/>
-        </p:nvSpPr>
-        <p:spPr>
-          <a:xfrm>
-            <a:off x="3836945" y="2698187"/>
-            <a:ext cx="555345" cy="184666"/>
-          </a:xfrm>
-          <a:prstGeom prst="rect">
-            <a:avLst/>
-          </a:prstGeom>
-          <a:solidFill>
-            <a:schemeClr val="bg1"/>
-          </a:solidFill>
-        </p:spPr>
-        <p:txBody>
-          <a:bodyPr wrap="none" lIns="0" tIns="0" rIns="0" bIns="0" rtlCol="0">
-            <a:spAutoFit/>
-          </a:bodyPr>
-          <a:lstStyle/>
-          <a:p>
-            <a:r>
-              <a:rPr lang="en-US" sz="1200" dirty="0" err="1"/>
-              <a:t>profileOf</a:t>
-            </a:r>
-            <a:endParaRPr lang="en-US" sz="1200" dirty="0"/>
-          </a:p>
-        </p:txBody>
-      </p:sp>
-      <p:sp>
-        <p:nvSpPr>
           <p:cNvPr id="106" name="Rounded Rectangle 69">
             <a:extLst>
               <a:ext uri="{FF2B5EF4-FFF2-40B4-BE49-F238E27FC236}">
@@ -18109,8 +17911,8 @@
         </p:nvSpPr>
         <p:spPr>
           <a:xfrm>
-            <a:off x="4616730" y="3765148"/>
-            <a:ext cx="555345" cy="184666"/>
+            <a:off x="4530909" y="3765148"/>
+            <a:ext cx="701218" cy="184666"/>
           </a:xfrm>
           <a:prstGeom prst="rect">
             <a:avLst/>
@@ -18126,19 +17928,18 @@
           <a:lstStyle/>
           <a:p>
             <a:r>
-              <a:rPr lang="en-US" sz="1200" dirty="0" err="1"/>
-              <a:t>profileOf</a:t>
-            </a:r>
-            <a:endParaRPr lang="en-US" sz="1200" dirty="0"/>
-          </a:p>
-        </p:txBody>
-      </p:sp>
-      <p:sp>
-        <p:nvSpPr>
-          <p:cNvPr id="114" name="TextBox 113">
-            <a:extLst>
-              <a:ext uri="{FF2B5EF4-FFF2-40B4-BE49-F238E27FC236}">
-                <a16:creationId xmlns:a16="http://schemas.microsoft.com/office/drawing/2014/main" id="{155E538E-6917-4E4A-8C77-FA9705247E97}"/>
+              <a:rPr lang="en-US" sz="1200" dirty="0"/>
+              <a:t>is profile of</a:t>
+            </a:r>
+          </a:p>
+        </p:txBody>
+      </p:sp>
+      <p:sp>
+        <p:nvSpPr>
+          <p:cNvPr id="33" name="TextBox 32">
+            <a:extLst>
+              <a:ext uri="{FF2B5EF4-FFF2-40B4-BE49-F238E27FC236}">
+                <a16:creationId xmlns:a16="http://schemas.microsoft.com/office/drawing/2014/main" id="{B3BE20A9-7529-4D7B-810B-F9010A6F5AAE}"/>
               </a:ext>
             </a:extLst>
           </p:cNvPr>
@@ -18146,9 +17947,9 @@
           <p:nvPr/>
         </p:nvSpPr>
         <p:spPr>
-          <a:xfrm rot="16200000">
-            <a:off x="3872494" y="4279991"/>
-            <a:ext cx="555345" cy="184666"/>
+          <a:xfrm>
+            <a:off x="1388558" y="3723079"/>
+            <a:ext cx="701218" cy="184666"/>
           </a:xfrm>
           <a:prstGeom prst="rect">
             <a:avLst/>
@@ -18164,10 +17965,194 @@
           <a:lstStyle/>
           <a:p>
             <a:r>
-              <a:rPr lang="en-US" sz="1200" dirty="0" err="1"/>
-              <a:t>profileOf</a:t>
-            </a:r>
-            <a:endParaRPr lang="en-US" sz="1200" dirty="0"/>
+              <a:rPr lang="en-US" sz="1200" dirty="0"/>
+              <a:t>is profile of</a:t>
+            </a:r>
+          </a:p>
+        </p:txBody>
+      </p:sp>
+      <p:sp>
+        <p:nvSpPr>
+          <p:cNvPr id="34" name="TextBox 33">
+            <a:extLst>
+              <a:ext uri="{FF2B5EF4-FFF2-40B4-BE49-F238E27FC236}">
+                <a16:creationId xmlns:a16="http://schemas.microsoft.com/office/drawing/2014/main" id="{AEBA7EDF-AECB-491F-82F4-14B0CE0A2399}"/>
+              </a:ext>
+            </a:extLst>
+          </p:cNvPr>
+          <p:cNvSpPr txBox="1"/>
+          <p:nvPr/>
+        </p:nvSpPr>
+        <p:spPr>
+          <a:xfrm>
+            <a:off x="2053137" y="2688803"/>
+            <a:ext cx="701218" cy="184666"/>
+          </a:xfrm>
+          <a:prstGeom prst="rect">
+            <a:avLst/>
+          </a:prstGeom>
+          <a:solidFill>
+            <a:schemeClr val="bg1"/>
+          </a:solidFill>
+        </p:spPr>
+        <p:txBody>
+          <a:bodyPr wrap="none" lIns="0" tIns="0" rIns="0" bIns="0" rtlCol="0">
+            <a:spAutoFit/>
+          </a:bodyPr>
+          <a:lstStyle/>
+          <a:p>
+            <a:r>
+              <a:rPr lang="en-US" sz="1200" dirty="0"/>
+              <a:t>is profile of</a:t>
+            </a:r>
+          </a:p>
+        </p:txBody>
+      </p:sp>
+      <p:sp>
+        <p:nvSpPr>
+          <p:cNvPr id="35" name="TextBox 34">
+            <a:extLst>
+              <a:ext uri="{FF2B5EF4-FFF2-40B4-BE49-F238E27FC236}">
+                <a16:creationId xmlns:a16="http://schemas.microsoft.com/office/drawing/2014/main" id="{254F1BE1-A955-4ED4-8D89-CD43BD246A63}"/>
+              </a:ext>
+            </a:extLst>
+          </p:cNvPr>
+          <p:cNvSpPr txBox="1"/>
+          <p:nvPr/>
+        </p:nvSpPr>
+        <p:spPr>
+          <a:xfrm>
+            <a:off x="3771202" y="2688803"/>
+            <a:ext cx="701218" cy="184666"/>
+          </a:xfrm>
+          <a:prstGeom prst="rect">
+            <a:avLst/>
+          </a:prstGeom>
+          <a:solidFill>
+            <a:schemeClr val="bg1"/>
+          </a:solidFill>
+        </p:spPr>
+        <p:txBody>
+          <a:bodyPr wrap="none" lIns="0" tIns="0" rIns="0" bIns="0" rtlCol="0">
+            <a:spAutoFit/>
+          </a:bodyPr>
+          <a:lstStyle/>
+          <a:p>
+            <a:r>
+              <a:rPr lang="en-US" sz="1200" dirty="0"/>
+              <a:t>is profile of</a:t>
+            </a:r>
+          </a:p>
+        </p:txBody>
+      </p:sp>
+      <p:sp>
+        <p:nvSpPr>
+          <p:cNvPr id="36" name="TextBox 35">
+            <a:extLst>
+              <a:ext uri="{FF2B5EF4-FFF2-40B4-BE49-F238E27FC236}">
+                <a16:creationId xmlns:a16="http://schemas.microsoft.com/office/drawing/2014/main" id="{0A5A9034-DA2F-42E9-96D1-FAF43AE82EE2}"/>
+              </a:ext>
+            </a:extLst>
+          </p:cNvPr>
+          <p:cNvSpPr txBox="1"/>
+          <p:nvPr/>
+        </p:nvSpPr>
+        <p:spPr>
+          <a:xfrm>
+            <a:off x="2880096" y="3196261"/>
+            <a:ext cx="701218" cy="184666"/>
+          </a:xfrm>
+          <a:prstGeom prst="rect">
+            <a:avLst/>
+          </a:prstGeom>
+          <a:solidFill>
+            <a:schemeClr val="bg1"/>
+          </a:solidFill>
+        </p:spPr>
+        <p:txBody>
+          <a:bodyPr wrap="none" lIns="0" tIns="0" rIns="0" bIns="0" rtlCol="0">
+            <a:spAutoFit/>
+          </a:bodyPr>
+          <a:lstStyle/>
+          <a:p>
+            <a:r>
+              <a:rPr lang="en-US" sz="1200" dirty="0"/>
+              <a:t>is profile of</a:t>
+            </a:r>
+          </a:p>
+        </p:txBody>
+      </p:sp>
+      <p:sp>
+        <p:nvSpPr>
+          <p:cNvPr id="37" name="TextBox 36">
+            <a:extLst>
+              <a:ext uri="{FF2B5EF4-FFF2-40B4-BE49-F238E27FC236}">
+                <a16:creationId xmlns:a16="http://schemas.microsoft.com/office/drawing/2014/main" id="{7F13B2C0-8A6B-4EF5-9488-B86559647DEB}"/>
+              </a:ext>
+            </a:extLst>
+          </p:cNvPr>
+          <p:cNvSpPr txBox="1"/>
+          <p:nvPr/>
+        </p:nvSpPr>
+        <p:spPr>
+          <a:xfrm>
+            <a:off x="2893191" y="1791195"/>
+            <a:ext cx="701218" cy="184666"/>
+          </a:xfrm>
+          <a:prstGeom prst="rect">
+            <a:avLst/>
+          </a:prstGeom>
+          <a:solidFill>
+            <a:schemeClr val="bg1"/>
+          </a:solidFill>
+        </p:spPr>
+        <p:txBody>
+          <a:bodyPr wrap="none" lIns="0" tIns="0" rIns="0" bIns="0" rtlCol="0">
+            <a:spAutoFit/>
+          </a:bodyPr>
+          <a:lstStyle/>
+          <a:p>
+            <a:r>
+              <a:rPr lang="en-US" sz="1200" dirty="0"/>
+              <a:t>is profile of</a:t>
+            </a:r>
+          </a:p>
+        </p:txBody>
+      </p:sp>
+      <p:sp>
+        <p:nvSpPr>
+          <p:cNvPr id="38" name="TextBox 37">
+            <a:extLst>
+              <a:ext uri="{FF2B5EF4-FFF2-40B4-BE49-F238E27FC236}">
+                <a16:creationId xmlns:a16="http://schemas.microsoft.com/office/drawing/2014/main" id="{CC7C41D0-72DF-4AB6-8E0F-B389361A0112}"/>
+              </a:ext>
+            </a:extLst>
+          </p:cNvPr>
+          <p:cNvSpPr txBox="1"/>
+          <p:nvPr/>
+        </p:nvSpPr>
+        <p:spPr>
+          <a:xfrm rot="16200000">
+            <a:off x="3779315" y="4244908"/>
+            <a:ext cx="701218" cy="184666"/>
+          </a:xfrm>
+          <a:prstGeom prst="rect">
+            <a:avLst/>
+          </a:prstGeom>
+          <a:solidFill>
+            <a:schemeClr val="bg1"/>
+          </a:solidFill>
+        </p:spPr>
+        <p:txBody>
+          <a:bodyPr wrap="none" lIns="0" tIns="0" rIns="0" bIns="0" rtlCol="0">
+            <a:spAutoFit/>
+          </a:bodyPr>
+          <a:lstStyle/>
+          <a:p>
+            <a:r>
+              <a:rPr lang="en-US" sz="1200" dirty="0"/>
+              <a:t>is profile of</a:t>
+            </a:r>
           </a:p>
         </p:txBody>
       </p:sp>
@@ -18238,53 +18223,6 @@
       </p:sp>
       <p:cxnSp>
         <p:nvCxnSpPr>
-          <p:cNvPr id="5" name="Straight Arrow Connector 4">
-            <a:extLst>
-              <a:ext uri="{FF2B5EF4-FFF2-40B4-BE49-F238E27FC236}">
-                <a16:creationId xmlns:a16="http://schemas.microsoft.com/office/drawing/2014/main" id="{6DFE8740-3E2F-9A49-B58F-7F85D1399E22}"/>
-              </a:ext>
-            </a:extLst>
-          </p:cNvPr>
-          <p:cNvCxnSpPr>
-            <a:cxnSpLocks/>
-            <a:stCxn id="63" idx="2"/>
-            <a:endCxn id="82" idx="0"/>
-          </p:cNvCxnSpPr>
-          <p:nvPr/>
-        </p:nvCxnSpPr>
-        <p:spPr>
-          <a:xfrm>
-            <a:off x="4312410" y="4300785"/>
-            <a:ext cx="0" cy="386991"/>
-          </a:xfrm>
-          <a:prstGeom prst="straightConnector1">
-            <a:avLst/>
-          </a:prstGeom>
-          <a:ln>
-            <a:solidFill>
-              <a:schemeClr val="tx1"/>
-            </a:solidFill>
-            <a:headEnd type="none" w="med" len="med"/>
-            <a:tailEnd type="arrow" w="med" len="med"/>
-          </a:ln>
-        </p:spPr>
-        <p:style>
-          <a:lnRef idx="1">
-            <a:schemeClr val="accent1"/>
-          </a:lnRef>
-          <a:fillRef idx="0">
-            <a:schemeClr val="accent1"/>
-          </a:fillRef>
-          <a:effectRef idx="0">
-            <a:schemeClr val="accent1"/>
-          </a:effectRef>
-          <a:fontRef idx="minor">
-            <a:schemeClr val="tx1"/>
-          </a:fontRef>
-        </p:style>
-      </p:cxnSp>
-      <p:cxnSp>
-        <p:nvCxnSpPr>
           <p:cNvPr id="10" name="Straight Arrow Connector 9">
             <a:extLst>
               <a:ext uri="{FF2B5EF4-FFF2-40B4-BE49-F238E27FC236}">
@@ -19116,8 +19054,8 @@
         </p:nvSpPr>
         <p:spPr>
           <a:xfrm rot="5400000">
-            <a:off x="3135172" y="3879491"/>
-            <a:ext cx="543931" cy="184666"/>
+            <a:off x="3010138" y="3879491"/>
+            <a:ext cx="794000" cy="184666"/>
           </a:xfrm>
           <a:prstGeom prst="rect">
             <a:avLst/>
@@ -19134,7 +19072,7 @@
           <a:p>
             <a:r>
               <a:rPr lang="en-US" sz="1200" dirty="0"/>
-              <a:t>resource</a:t>
+              <a:t>has resource</a:t>
             </a:r>
           </a:p>
         </p:txBody>
@@ -19529,23 +19467,7 @@
                   <a:schemeClr val="tx1"/>
                 </a:solidFill>
               </a:rPr>
-              <a:t>DGIWG </a:t>
-            </a:r>
-            <a:r>
-              <a:rPr lang="en-US" sz="1400" dirty="0" err="1">
-                <a:solidFill>
-                  <a:schemeClr val="tx1"/>
-                </a:solidFill>
-              </a:rPr>
-              <a:t>Impl</a:t>
-            </a:r>
-            <a:r>
-              <a:rPr lang="en-US" sz="1400" dirty="0">
-                <a:solidFill>
-                  <a:schemeClr val="tx1"/>
-                </a:solidFill>
-              </a:rPr>
-              <a:t> Res Descriptor</a:t>
+              <a:t>DGIWG Resource Descriptor</a:t>
             </a:r>
           </a:p>
         </p:txBody>
@@ -19564,8 +19486,8 @@
         </p:nvSpPr>
         <p:spPr>
           <a:xfrm>
-            <a:off x="1860681" y="3307320"/>
-            <a:ext cx="621067" cy="184666"/>
+            <a:off x="1851943" y="3329657"/>
+            <a:ext cx="656334" cy="184666"/>
           </a:xfrm>
           <a:prstGeom prst="rect">
             <a:avLst/>
@@ -19581,48 +19503,9 @@
           <a:lstStyle/>
           <a:p>
             <a:r>
-              <a:rPr lang="en-US" sz="1200" dirty="0" err="1"/>
-              <a:t>hasProfile</a:t>
-            </a:r>
-            <a:endParaRPr lang="en-US" sz="1200" dirty="0"/>
-          </a:p>
-        </p:txBody>
-      </p:sp>
-      <p:sp>
-        <p:nvSpPr>
-          <p:cNvPr id="88" name="TextBox 87">
-            <a:extLst>
-              <a:ext uri="{FF2B5EF4-FFF2-40B4-BE49-F238E27FC236}">
-                <a16:creationId xmlns:a16="http://schemas.microsoft.com/office/drawing/2014/main" id="{909D0740-6F1E-934E-849E-77D38957E769}"/>
-              </a:ext>
-            </a:extLst>
-          </p:cNvPr>
-          <p:cNvSpPr txBox="1"/>
-          <p:nvPr/>
-        </p:nvSpPr>
-        <p:spPr>
-          <a:xfrm>
-            <a:off x="2689348" y="3305554"/>
-            <a:ext cx="555345" cy="184666"/>
-          </a:xfrm>
-          <a:prstGeom prst="rect">
-            <a:avLst/>
-          </a:prstGeom>
-          <a:solidFill>
-            <a:schemeClr val="bg1"/>
-          </a:solidFill>
-        </p:spPr>
-        <p:txBody>
-          <a:bodyPr wrap="none" lIns="0" tIns="0" rIns="0" bIns="0" rtlCol="0">
-            <a:spAutoFit/>
-          </a:bodyPr>
-          <a:lstStyle/>
-          <a:p>
-            <a:r>
-              <a:rPr lang="en-US" sz="1200" dirty="0" err="1"/>
-              <a:t>profileOf</a:t>
-            </a:r>
-            <a:endParaRPr lang="en-US" sz="1200" dirty="0"/>
+              <a:rPr lang="en-US" sz="1200" dirty="0"/>
+              <a:t>has profile</a:t>
+            </a:r>
           </a:p>
         </p:txBody>
       </p:sp>
@@ -19763,44 +19646,6 @@
       </p:cxnSp>
       <p:sp>
         <p:nvSpPr>
-          <p:cNvPr id="72" name="TextBox 71">
-            <a:extLst>
-              <a:ext uri="{FF2B5EF4-FFF2-40B4-BE49-F238E27FC236}">
-                <a16:creationId xmlns:a16="http://schemas.microsoft.com/office/drawing/2014/main" id="{9C8479FC-F592-4D6F-93A2-635E330E89CA}"/>
-              </a:ext>
-            </a:extLst>
-          </p:cNvPr>
-          <p:cNvSpPr txBox="1"/>
-          <p:nvPr/>
-        </p:nvSpPr>
-        <p:spPr>
-          <a:xfrm rot="5400000">
-            <a:off x="4769711" y="3901555"/>
-            <a:ext cx="818109" cy="184666"/>
-          </a:xfrm>
-          <a:prstGeom prst="rect">
-            <a:avLst/>
-          </a:prstGeom>
-          <a:solidFill>
-            <a:schemeClr val="bg1"/>
-          </a:solidFill>
-        </p:spPr>
-        <p:txBody>
-          <a:bodyPr wrap="none" lIns="0" tIns="0" rIns="0" bIns="0" rtlCol="0">
-            <a:spAutoFit/>
-          </a:bodyPr>
-          <a:lstStyle/>
-          <a:p>
-            <a:r>
-              <a:rPr lang="en-US" sz="1200" dirty="0" err="1"/>
-              <a:t>resourceRole</a:t>
-            </a:r>
-            <a:endParaRPr lang="en-US" sz="1200" dirty="0"/>
-          </a:p>
-        </p:txBody>
-      </p:sp>
-      <p:sp>
-        <p:nvSpPr>
           <p:cNvPr id="82" name="Rounded Rectangle 8">
             <a:extLst>
               <a:ext uri="{FF2B5EF4-FFF2-40B4-BE49-F238E27FC236}">
@@ -19813,7 +19658,7 @@
         </p:nvSpPr>
         <p:spPr>
           <a:xfrm>
-            <a:off x="3687942" y="4687776"/>
+            <a:off x="5984931" y="5016737"/>
             <a:ext cx="1248936" cy="657922"/>
           </a:xfrm>
           <a:prstGeom prst="roundRect">
@@ -19869,44 +19714,6 @@
       </p:sp>
       <p:sp>
         <p:nvSpPr>
-          <p:cNvPr id="83" name="TextBox 82">
-            <a:extLst>
-              <a:ext uri="{FF2B5EF4-FFF2-40B4-BE49-F238E27FC236}">
-                <a16:creationId xmlns:a16="http://schemas.microsoft.com/office/drawing/2014/main" id="{0D715EDC-920C-4B26-966F-B9119FAE4AFB}"/>
-              </a:ext>
-            </a:extLst>
-          </p:cNvPr>
-          <p:cNvSpPr txBox="1"/>
-          <p:nvPr/>
-        </p:nvSpPr>
-        <p:spPr>
-          <a:xfrm>
-            <a:off x="4017153" y="4367831"/>
-            <a:ext cx="663836" cy="184666"/>
-          </a:xfrm>
-          <a:prstGeom prst="rect">
-            <a:avLst/>
-          </a:prstGeom>
-          <a:solidFill>
-            <a:schemeClr val="bg1"/>
-          </a:solidFill>
-        </p:spPr>
-        <p:txBody>
-          <a:bodyPr wrap="none" lIns="0" tIns="0" rIns="0" bIns="0" rtlCol="0">
-            <a:spAutoFit/>
-          </a:bodyPr>
-          <a:lstStyle/>
-          <a:p>
-            <a:r>
-              <a:rPr lang="en-US" sz="1200" dirty="0" err="1"/>
-              <a:t>dct:format</a:t>
-            </a:r>
-            <a:endParaRPr lang="en-US" sz="1200" dirty="0"/>
-          </a:p>
-        </p:txBody>
-      </p:sp>
-      <p:sp>
-        <p:nvSpPr>
           <p:cNvPr id="94" name="Rounded Rectangle 69">
             <a:extLst>
               <a:ext uri="{FF2B5EF4-FFF2-40B4-BE49-F238E27FC236}">
@@ -20196,13 +20003,13 @@
           </p:cNvPr>
           <p:cNvCxnSpPr>
             <a:cxnSpLocks/>
-            <a:stCxn id="94" idx="2"/>
-            <a:endCxn id="98" idx="0"/>
+            <a:stCxn id="98" idx="0"/>
+            <a:endCxn id="94" idx="2"/>
           </p:cNvCxnSpPr>
           <p:nvPr/>
         </p:nvCxnSpPr>
         <p:spPr>
-          <a:xfrm>
+          <a:xfrm flipV="1">
             <a:off x="7578043" y="3187208"/>
             <a:ext cx="0" cy="454180"/>
           </a:xfrm>
@@ -20246,8 +20053,8 @@
         </p:nvSpPr>
         <p:spPr>
           <a:xfrm rot="5400000">
-            <a:off x="8115465" y="2765914"/>
-            <a:ext cx="543931" cy="184666"/>
+            <a:off x="7990431" y="2765914"/>
+            <a:ext cx="794000" cy="184666"/>
           </a:xfrm>
           <a:prstGeom prst="rect">
             <a:avLst/>
@@ -20264,46 +20071,8 @@
           <a:p>
             <a:r>
               <a:rPr lang="en-US" sz="1200" dirty="0"/>
-              <a:t>resource</a:t>
-            </a:r>
-          </a:p>
-        </p:txBody>
-      </p:sp>
-      <p:sp>
-        <p:nvSpPr>
-          <p:cNvPr id="110" name="TextBox 109">
-            <a:extLst>
-              <a:ext uri="{FF2B5EF4-FFF2-40B4-BE49-F238E27FC236}">
-                <a16:creationId xmlns:a16="http://schemas.microsoft.com/office/drawing/2014/main" id="{D9903697-A10E-4823-8073-F602F19693FB}"/>
-              </a:ext>
-            </a:extLst>
-          </p:cNvPr>
-          <p:cNvSpPr txBox="1"/>
-          <p:nvPr/>
-        </p:nvSpPr>
-        <p:spPr>
-          <a:xfrm>
-            <a:off x="7267510" y="3279714"/>
-            <a:ext cx="621067" cy="184666"/>
-          </a:xfrm>
-          <a:prstGeom prst="rect">
-            <a:avLst/>
-          </a:prstGeom>
-          <a:solidFill>
-            <a:schemeClr val="bg1"/>
-          </a:solidFill>
-        </p:spPr>
-        <p:txBody>
-          <a:bodyPr wrap="none" lIns="0" tIns="0" rIns="0" bIns="0" rtlCol="0">
-            <a:spAutoFit/>
-          </a:bodyPr>
-          <a:lstStyle/>
-          <a:p>
-            <a:r>
-              <a:rPr lang="en-US" sz="1200" dirty="0" err="1"/>
-              <a:t>hasProfile</a:t>
-            </a:r>
-            <a:endParaRPr lang="en-US" sz="1200" dirty="0"/>
+              <a:t>has resource</a:t>
+            </a:r>
           </a:p>
         </p:txBody>
       </p:sp>
@@ -20436,8 +20205,8 @@
         </p:nvSpPr>
         <p:spPr>
           <a:xfrm rot="5400000">
-            <a:off x="8115465" y="3878016"/>
-            <a:ext cx="543931" cy="184666"/>
+            <a:off x="7990431" y="3878016"/>
+            <a:ext cx="794000" cy="184666"/>
           </a:xfrm>
           <a:prstGeom prst="rect">
             <a:avLst/>
@@ -20454,64 +20223,17 @@
           <a:p>
             <a:r>
               <a:rPr lang="en-US" sz="1200" dirty="0"/>
-              <a:t>resource</a:t>
-            </a:r>
-          </a:p>
-        </p:txBody>
-      </p:sp>
-      <p:cxnSp>
-        <p:nvCxnSpPr>
-          <p:cNvPr id="132" name="Straight Arrow Connector 131">
-            <a:extLst>
-              <a:ext uri="{FF2B5EF4-FFF2-40B4-BE49-F238E27FC236}">
-                <a16:creationId xmlns:a16="http://schemas.microsoft.com/office/drawing/2014/main" id="{EBC069DF-87D3-49DB-9FE9-477AF79B184B}"/>
-              </a:ext>
-            </a:extLst>
-          </p:cNvPr>
-          <p:cNvCxnSpPr>
-            <a:cxnSpLocks/>
-            <a:stCxn id="124" idx="2"/>
-            <a:endCxn id="133" idx="0"/>
-          </p:cNvCxnSpPr>
-          <p:nvPr/>
-        </p:nvCxnSpPr>
-        <p:spPr>
-          <a:xfrm>
-            <a:off x="9337336" y="4300786"/>
-            <a:ext cx="0" cy="386990"/>
-          </a:xfrm>
-          <a:prstGeom prst="straightConnector1">
-            <a:avLst/>
-          </a:prstGeom>
-          <a:ln>
-            <a:solidFill>
-              <a:schemeClr val="tx1"/>
-            </a:solidFill>
-            <a:headEnd type="none" w="med" len="med"/>
-            <a:tailEnd type="arrow" w="med" len="med"/>
-          </a:ln>
-        </p:spPr>
-        <p:style>
-          <a:lnRef idx="1">
-            <a:schemeClr val="accent1"/>
-          </a:lnRef>
-          <a:fillRef idx="0">
-            <a:schemeClr val="accent1"/>
-          </a:fillRef>
-          <a:effectRef idx="0">
-            <a:schemeClr val="accent1"/>
-          </a:effectRef>
-          <a:fontRef idx="minor">
-            <a:schemeClr val="tx1"/>
-          </a:fontRef>
-        </p:style>
-      </p:cxnSp>
-      <p:sp>
-        <p:nvSpPr>
-          <p:cNvPr id="133" name="Rounded Rectangle 8">
-            <a:extLst>
-              <a:ext uri="{FF2B5EF4-FFF2-40B4-BE49-F238E27FC236}">
-                <a16:creationId xmlns:a16="http://schemas.microsoft.com/office/drawing/2014/main" id="{0710C59D-2DEB-4F24-9B84-AD7FE3D90359}"/>
+              <a:t>has resource</a:t>
+            </a:r>
+          </a:p>
+        </p:txBody>
+      </p:sp>
+      <p:sp>
+        <p:nvSpPr>
+          <p:cNvPr id="136" name="Rounded Rectangle 8">
+            <a:extLst>
+              <a:ext uri="{FF2B5EF4-FFF2-40B4-BE49-F238E27FC236}">
+                <a16:creationId xmlns:a16="http://schemas.microsoft.com/office/drawing/2014/main" id="{79876432-8CBB-423A-ADF7-F6C3047E022E}"/>
               </a:ext>
             </a:extLst>
           </p:cNvPr>
@@ -20520,7 +20242,7 @@
         </p:nvSpPr>
         <p:spPr>
           <a:xfrm>
-            <a:off x="8712868" y="4687776"/>
+            <a:off x="8712868" y="1079723"/>
             <a:ext cx="1248936" cy="657922"/>
           </a:xfrm>
           <a:prstGeom prst="roundRect">
@@ -20569,17 +20291,17 @@
                   <a:schemeClr val="tx1"/>
                 </a:solidFill>
               </a:rPr>
-              <a:t>PDF</a:t>
-            </a:r>
-          </a:p>
-        </p:txBody>
-      </p:sp>
-      <p:sp>
-        <p:nvSpPr>
-          <p:cNvPr id="134" name="TextBox 133">
-            <a:extLst>
-              <a:ext uri="{FF2B5EF4-FFF2-40B4-BE49-F238E27FC236}">
-                <a16:creationId xmlns:a16="http://schemas.microsoft.com/office/drawing/2014/main" id="{AAF78D9F-8299-4931-9123-711C655D6C16}"/>
+              <a:t>XML</a:t>
+            </a:r>
+          </a:p>
+        </p:txBody>
+      </p:sp>
+      <p:sp>
+        <p:nvSpPr>
+          <p:cNvPr id="137" name="TextBox 136">
+            <a:extLst>
+              <a:ext uri="{FF2B5EF4-FFF2-40B4-BE49-F238E27FC236}">
+                <a16:creationId xmlns:a16="http://schemas.microsoft.com/office/drawing/2014/main" id="{65E2E8A2-32F7-4728-95D8-698E64CD6716}"/>
               </a:ext>
             </a:extLst>
           </p:cNvPr>
@@ -20588,7 +20310,7 @@
         </p:nvSpPr>
         <p:spPr>
           <a:xfrm>
-            <a:off x="9005418" y="4359256"/>
+            <a:off x="8987039" y="1847641"/>
             <a:ext cx="663836" cy="184666"/>
           </a:xfrm>
           <a:prstGeom prst="rect">
@@ -20614,10 +20336,10 @@
       </p:sp>
       <p:sp>
         <p:nvSpPr>
-          <p:cNvPr id="136" name="Rounded Rectangle 8">
-            <a:extLst>
-              <a:ext uri="{FF2B5EF4-FFF2-40B4-BE49-F238E27FC236}">
-                <a16:creationId xmlns:a16="http://schemas.microsoft.com/office/drawing/2014/main" id="{79876432-8CBB-423A-ADF7-F6C3047E022E}"/>
+          <p:cNvPr id="141" name="Rounded Rectangle 8">
+            <a:extLst>
+              <a:ext uri="{FF2B5EF4-FFF2-40B4-BE49-F238E27FC236}">
+                <a16:creationId xmlns:a16="http://schemas.microsoft.com/office/drawing/2014/main" id="{D133D5AB-D4F9-4CEC-9625-54CAEE7A4839}"/>
               </a:ext>
             </a:extLst>
           </p:cNvPr>
@@ -20626,7 +20348,7 @@
         </p:nvSpPr>
         <p:spPr>
           <a:xfrm>
-            <a:off x="8712868" y="1079723"/>
+            <a:off x="10472161" y="2124635"/>
             <a:ext cx="1248936" cy="657922"/>
           </a:xfrm>
           <a:prstGeom prst="roundRect">
@@ -20670,60 +20392,84 @@
           <a:p>
             <a:pPr algn="ctr"/>
             <a:r>
-              <a:rPr lang="en-US" sz="1400" dirty="0">
+              <a:rPr lang="en-US" sz="1200" dirty="0">
                 <a:solidFill>
                   <a:schemeClr val="tx1"/>
                 </a:solidFill>
               </a:rPr>
-              <a:t>XML</a:t>
-            </a:r>
-          </a:p>
-        </p:txBody>
-      </p:sp>
-      <p:sp>
-        <p:nvSpPr>
-          <p:cNvPr id="137" name="TextBox 136">
-            <a:extLst>
-              <a:ext uri="{FF2B5EF4-FFF2-40B4-BE49-F238E27FC236}">
-                <a16:creationId xmlns:a16="http://schemas.microsoft.com/office/drawing/2014/main" id="{65E2E8A2-32F7-4728-95D8-698E64CD6716}"/>
-              </a:ext>
-            </a:extLst>
-          </p:cNvPr>
-          <p:cNvSpPr txBox="1"/>
-          <p:nvPr/>
-        </p:nvSpPr>
-        <p:spPr>
-          <a:xfrm>
-            <a:off x="8987039" y="1847641"/>
-            <a:ext cx="663836" cy="184666"/>
-          </a:xfrm>
-          <a:prstGeom prst="rect">
-            <a:avLst/>
-          </a:prstGeom>
-          <a:solidFill>
-            <a:schemeClr val="bg1"/>
-          </a:solidFill>
-        </p:spPr>
-        <p:txBody>
-          <a:bodyPr wrap="none" lIns="0" tIns="0" rIns="0" bIns="0" rtlCol="0">
-            <a:spAutoFit/>
-          </a:bodyPr>
-          <a:lstStyle/>
-          <a:p>
-            <a:r>
-              <a:rPr lang="en-US" sz="1200" dirty="0" err="1"/>
-              <a:t>dct:format</a:t>
-            </a:r>
-            <a:endParaRPr lang="en-US" sz="1200" dirty="0"/>
-          </a:p>
-        </p:txBody>
-      </p:sp>
-      <p:sp>
-        <p:nvSpPr>
-          <p:cNvPr id="141" name="Rounded Rectangle 8">
-            <a:extLst>
-              <a:ext uri="{FF2B5EF4-FFF2-40B4-BE49-F238E27FC236}">
-                <a16:creationId xmlns:a16="http://schemas.microsoft.com/office/drawing/2014/main" id="{D133D5AB-D4F9-4CEC-9625-54CAEE7A4839}"/>
+              <a:t>role:</a:t>
+            </a:r>
+            <a:br>
+              <a:rPr lang="en-US" sz="1200" dirty="0">
+                <a:solidFill>
+                  <a:schemeClr val="tx1"/>
+                </a:solidFill>
+              </a:rPr>
+            </a:br>
+            <a:r>
+              <a:rPr lang="en-US" sz="1200" dirty="0">
+                <a:solidFill>
+                  <a:schemeClr val="tx1"/>
+                </a:solidFill>
+              </a:rPr>
+              <a:t>Conformance Test</a:t>
+            </a:r>
+          </a:p>
+        </p:txBody>
+      </p:sp>
+      <p:cxnSp>
+        <p:nvCxnSpPr>
+          <p:cNvPr id="144" name="Straight Arrow Connector 143">
+            <a:extLst>
+              <a:ext uri="{FF2B5EF4-FFF2-40B4-BE49-F238E27FC236}">
+                <a16:creationId xmlns:a16="http://schemas.microsoft.com/office/drawing/2014/main" id="{72D9F6E2-E479-46C8-954C-622013DAC854}"/>
+              </a:ext>
+            </a:extLst>
+          </p:cNvPr>
+          <p:cNvCxnSpPr>
+            <a:cxnSpLocks/>
+            <a:stCxn id="95" idx="3"/>
+            <a:endCxn id="141" idx="1"/>
+          </p:cNvCxnSpPr>
+          <p:nvPr/>
+        </p:nvCxnSpPr>
+        <p:spPr>
+          <a:xfrm>
+            <a:off x="9961804" y="2453596"/>
+            <a:ext cx="510357" cy="0"/>
+          </a:xfrm>
+          <a:prstGeom prst="straightConnector1">
+            <a:avLst/>
+          </a:prstGeom>
+          <a:ln>
+            <a:solidFill>
+              <a:schemeClr val="tx1"/>
+            </a:solidFill>
+            <a:headEnd type="none" w="med" len="med"/>
+            <a:tailEnd type="arrow" w="med" len="med"/>
+          </a:ln>
+        </p:spPr>
+        <p:style>
+          <a:lnRef idx="1">
+            <a:schemeClr val="accent1"/>
+          </a:lnRef>
+          <a:fillRef idx="0">
+            <a:schemeClr val="accent1"/>
+          </a:fillRef>
+          <a:effectRef idx="0">
+            <a:schemeClr val="accent1"/>
+          </a:effectRef>
+          <a:fontRef idx="minor">
+            <a:schemeClr val="tx1"/>
+          </a:fontRef>
+        </p:style>
+      </p:cxnSp>
+      <p:sp>
+        <p:nvSpPr>
+          <p:cNvPr id="147" name="Rounded Rectangle 8">
+            <a:extLst>
+              <a:ext uri="{FF2B5EF4-FFF2-40B4-BE49-F238E27FC236}">
+                <a16:creationId xmlns:a16="http://schemas.microsoft.com/office/drawing/2014/main" id="{635D7B28-68F1-4414-BCA3-08D819F9CFF0}"/>
               </a:ext>
             </a:extLst>
           </p:cNvPr>
@@ -20732,7 +20478,7 @@
         </p:nvSpPr>
         <p:spPr>
           <a:xfrm>
-            <a:off x="10472161" y="2124635"/>
+            <a:off x="10472161" y="2892953"/>
             <a:ext cx="1248936" cy="657922"/>
           </a:xfrm>
           <a:prstGeom prst="roundRect">
@@ -20796,102 +20542,17 @@
                   <a:schemeClr val="tx1"/>
                 </a:solidFill>
               </a:rPr>
-              <a:t>Conformance Test</a:t>
-            </a:r>
-          </a:p>
-        </p:txBody>
-      </p:sp>
-      <p:cxnSp>
-        <p:nvCxnSpPr>
-          <p:cNvPr id="144" name="Straight Arrow Connector 143">
-            <a:extLst>
-              <a:ext uri="{FF2B5EF4-FFF2-40B4-BE49-F238E27FC236}">
-                <a16:creationId xmlns:a16="http://schemas.microsoft.com/office/drawing/2014/main" id="{72D9F6E2-E479-46C8-954C-622013DAC854}"/>
-              </a:ext>
-            </a:extLst>
-          </p:cNvPr>
-          <p:cNvCxnSpPr>
-            <a:cxnSpLocks/>
-            <a:stCxn id="95" idx="3"/>
-            <a:endCxn id="141" idx="1"/>
-          </p:cNvCxnSpPr>
-          <p:nvPr/>
-        </p:nvCxnSpPr>
-        <p:spPr>
-          <a:xfrm>
-            <a:off x="9961804" y="2453596"/>
-            <a:ext cx="510357" cy="0"/>
-          </a:xfrm>
-          <a:prstGeom prst="straightConnector1">
-            <a:avLst/>
-          </a:prstGeom>
-          <a:ln>
-            <a:solidFill>
-              <a:schemeClr val="tx1"/>
-            </a:solidFill>
-            <a:headEnd type="none" w="med" len="med"/>
-            <a:tailEnd type="arrow" w="med" len="med"/>
-          </a:ln>
-        </p:spPr>
-        <p:style>
-          <a:lnRef idx="1">
-            <a:schemeClr val="accent1"/>
-          </a:lnRef>
-          <a:fillRef idx="0">
-            <a:schemeClr val="accent1"/>
-          </a:fillRef>
-          <a:effectRef idx="0">
-            <a:schemeClr val="accent1"/>
-          </a:effectRef>
-          <a:fontRef idx="minor">
-            <a:schemeClr val="tx1"/>
-          </a:fontRef>
-        </p:style>
-      </p:cxnSp>
-      <p:sp>
-        <p:nvSpPr>
-          <p:cNvPr id="142" name="TextBox 141">
-            <a:extLst>
-              <a:ext uri="{FF2B5EF4-FFF2-40B4-BE49-F238E27FC236}">
-                <a16:creationId xmlns:a16="http://schemas.microsoft.com/office/drawing/2014/main" id="{CF252B94-0092-4096-B062-3AE79F88D423}"/>
-              </a:ext>
-            </a:extLst>
-          </p:cNvPr>
-          <p:cNvSpPr txBox="1"/>
-          <p:nvPr/>
-        </p:nvSpPr>
-        <p:spPr>
-          <a:xfrm rot="5400000">
-            <a:off x="9810714" y="2391226"/>
-            <a:ext cx="818109" cy="184666"/>
-          </a:xfrm>
-          <a:prstGeom prst="rect">
-            <a:avLst/>
-          </a:prstGeom>
-          <a:solidFill>
-            <a:schemeClr val="bg1"/>
-          </a:solidFill>
-        </p:spPr>
-        <p:txBody>
-          <a:bodyPr wrap="none" lIns="0" tIns="0" rIns="0" bIns="0" rtlCol="0">
-            <a:spAutoFit/>
-          </a:bodyPr>
-          <a:lstStyle/>
-          <a:p>
-            <a:r>
-              <a:rPr lang="en-US" sz="1200" dirty="0" err="1"/>
-              <a:t>resourceRole</a:t>
-            </a:r>
-            <a:endParaRPr lang="en-US" sz="1200" dirty="0"/>
-          </a:p>
-        </p:txBody>
-      </p:sp>
-      <p:sp>
-        <p:nvSpPr>
-          <p:cNvPr id="147" name="Rounded Rectangle 8">
-            <a:extLst>
-              <a:ext uri="{FF2B5EF4-FFF2-40B4-BE49-F238E27FC236}">
-                <a16:creationId xmlns:a16="http://schemas.microsoft.com/office/drawing/2014/main" id="{635D7B28-68F1-4414-BCA3-08D819F9CFF0}"/>
+              <a:t>Partial Constraints</a:t>
+            </a:r>
+          </a:p>
+        </p:txBody>
+      </p:sp>
+      <p:sp>
+        <p:nvSpPr>
+          <p:cNvPr id="148" name="Rounded Rectangle 8">
+            <a:extLst>
+              <a:ext uri="{FF2B5EF4-FFF2-40B4-BE49-F238E27FC236}">
+                <a16:creationId xmlns:a16="http://schemas.microsoft.com/office/drawing/2014/main" id="{2703BCC9-4933-46C4-8BF2-43AB3EACB1CB}"/>
               </a:ext>
             </a:extLst>
           </p:cNvPr>
@@ -20900,7 +20561,7 @@
         </p:nvSpPr>
         <p:spPr>
           <a:xfrm>
-            <a:off x="10472161" y="2892953"/>
+            <a:off x="10472161" y="3642864"/>
             <a:ext cx="1248936" cy="657922"/>
           </a:xfrm>
           <a:prstGeom prst="roundRect">
@@ -20944,89 +20605,6 @@
           <a:p>
             <a:pPr algn="ctr"/>
             <a:r>
-              <a:rPr lang="en-US" sz="1200" dirty="0">
-                <a:solidFill>
-                  <a:schemeClr val="tx1"/>
-                </a:solidFill>
-              </a:rPr>
-              <a:t>role:</a:t>
-            </a:r>
-            <a:br>
-              <a:rPr lang="en-US" sz="1200" dirty="0">
-                <a:solidFill>
-                  <a:schemeClr val="tx1"/>
-                </a:solidFill>
-              </a:rPr>
-            </a:br>
-            <a:r>
-              <a:rPr lang="en-US" sz="1200" dirty="0">
-                <a:solidFill>
-                  <a:schemeClr val="tx1"/>
-                </a:solidFill>
-              </a:rPr>
-              <a:t>Partial Constraints</a:t>
-            </a:r>
-          </a:p>
-        </p:txBody>
-      </p:sp>
-      <p:sp>
-        <p:nvSpPr>
-          <p:cNvPr id="148" name="Rounded Rectangle 8">
-            <a:extLst>
-              <a:ext uri="{FF2B5EF4-FFF2-40B4-BE49-F238E27FC236}">
-                <a16:creationId xmlns:a16="http://schemas.microsoft.com/office/drawing/2014/main" id="{2703BCC9-4933-46C4-8BF2-43AB3EACB1CB}"/>
-              </a:ext>
-            </a:extLst>
-          </p:cNvPr>
-          <p:cNvSpPr/>
-          <p:nvPr/>
-        </p:nvSpPr>
-        <p:spPr>
-          <a:xfrm>
-            <a:off x="10472161" y="3642864"/>
-            <a:ext cx="1248936" cy="657922"/>
-          </a:xfrm>
-          <a:prstGeom prst="roundRect">
-            <a:avLst/>
-          </a:prstGeom>
-          <a:pattFill prst="pct30">
-            <a:fgClr>
-              <a:schemeClr val="bg1">
-                <a:lumMod val="85000"/>
-              </a:schemeClr>
-            </a:fgClr>
-            <a:bgClr>
-              <a:schemeClr val="bg1"/>
-            </a:bgClr>
-          </a:pattFill>
-          <a:ln>
-            <a:solidFill>
-              <a:schemeClr val="tx1"/>
-            </a:solidFill>
-          </a:ln>
-        </p:spPr>
-        <p:style>
-          <a:lnRef idx="2">
-            <a:schemeClr val="accent1">
-              <a:shade val="50000"/>
-            </a:schemeClr>
-          </a:lnRef>
-          <a:fillRef idx="1">
-            <a:schemeClr val="accent1"/>
-          </a:fillRef>
-          <a:effectRef idx="0">
-            <a:schemeClr val="accent1"/>
-          </a:effectRef>
-          <a:fontRef idx="minor">
-            <a:schemeClr val="lt1"/>
-          </a:fontRef>
-        </p:style>
-        <p:txBody>
-          <a:bodyPr rtlCol="0" anchor="ctr"/>
-          <a:lstStyle/>
-          <a:p>
-            <a:pPr algn="ctr"/>
-            <a:r>
               <a:rPr lang="en-US" sz="1400" dirty="0">
                 <a:solidFill>
                   <a:schemeClr val="tx1"/>
@@ -21148,6 +20726,371 @@
       </p:cxnSp>
       <p:cxnSp>
         <p:nvCxnSpPr>
+          <p:cNvPr id="165" name="Straight Arrow Connector 164">
+            <a:extLst>
+              <a:ext uri="{FF2B5EF4-FFF2-40B4-BE49-F238E27FC236}">
+                <a16:creationId xmlns:a16="http://schemas.microsoft.com/office/drawing/2014/main" id="{37D22E75-5406-4673-9D16-3C1AE0C54444}"/>
+              </a:ext>
+            </a:extLst>
+          </p:cNvPr>
+          <p:cNvCxnSpPr>
+            <a:cxnSpLocks/>
+            <a:endCxn id="46" idx="3"/>
+          </p:cNvCxnSpPr>
+          <p:nvPr/>
+        </p:nvCxnSpPr>
+        <p:spPr>
+          <a:xfrm flipH="1" flipV="1">
+            <a:off x="3177585" y="2004919"/>
+            <a:ext cx="3775990" cy="1670916"/>
+          </a:xfrm>
+          <a:prstGeom prst="straightConnector1">
+            <a:avLst/>
+          </a:prstGeom>
+          <a:ln>
+            <a:solidFill>
+              <a:schemeClr val="tx1"/>
+            </a:solidFill>
+            <a:prstDash val="sysDot"/>
+            <a:headEnd type="none" w="med" len="med"/>
+            <a:tailEnd type="arrow" w="med" len="med"/>
+          </a:ln>
+        </p:spPr>
+        <p:style>
+          <a:lnRef idx="1">
+            <a:schemeClr val="accent1"/>
+          </a:lnRef>
+          <a:fillRef idx="0">
+            <a:schemeClr val="accent1"/>
+          </a:fillRef>
+          <a:effectRef idx="0">
+            <a:schemeClr val="accent1"/>
+          </a:effectRef>
+          <a:fontRef idx="minor">
+            <a:schemeClr val="tx1"/>
+          </a:fontRef>
+        </p:style>
+      </p:cxnSp>
+      <p:sp>
+        <p:nvSpPr>
+          <p:cNvPr id="65" name="TextBox 64">
+            <a:extLst>
+              <a:ext uri="{FF2B5EF4-FFF2-40B4-BE49-F238E27FC236}">
+                <a16:creationId xmlns:a16="http://schemas.microsoft.com/office/drawing/2014/main" id="{714347D6-BEC6-4137-9632-EAEDC803DC6F}"/>
+              </a:ext>
+            </a:extLst>
+          </p:cNvPr>
+          <p:cNvSpPr txBox="1"/>
+          <p:nvPr/>
+        </p:nvSpPr>
+        <p:spPr>
+          <a:xfrm>
+            <a:off x="2619406" y="3329657"/>
+            <a:ext cx="701218" cy="184666"/>
+          </a:xfrm>
+          <a:prstGeom prst="rect">
+            <a:avLst/>
+          </a:prstGeom>
+          <a:solidFill>
+            <a:schemeClr val="bg1"/>
+          </a:solidFill>
+        </p:spPr>
+        <p:txBody>
+          <a:bodyPr wrap="none" lIns="0" tIns="0" rIns="0" bIns="0" rtlCol="0">
+            <a:spAutoFit/>
+          </a:bodyPr>
+          <a:lstStyle/>
+          <a:p>
+            <a:r>
+              <a:rPr lang="en-US" sz="1200" dirty="0"/>
+              <a:t>is profile of</a:t>
+            </a:r>
+          </a:p>
+        </p:txBody>
+      </p:sp>
+      <p:sp>
+        <p:nvSpPr>
+          <p:cNvPr id="66" name="TextBox 65">
+            <a:extLst>
+              <a:ext uri="{FF2B5EF4-FFF2-40B4-BE49-F238E27FC236}">
+                <a16:creationId xmlns:a16="http://schemas.microsoft.com/office/drawing/2014/main" id="{66DE7ED7-81B9-49C5-8BA0-28CF24CC821D}"/>
+              </a:ext>
+            </a:extLst>
+          </p:cNvPr>
+          <p:cNvSpPr txBox="1"/>
+          <p:nvPr/>
+        </p:nvSpPr>
+        <p:spPr>
+          <a:xfrm>
+            <a:off x="7227434" y="3334760"/>
+            <a:ext cx="701218" cy="184666"/>
+          </a:xfrm>
+          <a:prstGeom prst="rect">
+            <a:avLst/>
+          </a:prstGeom>
+          <a:solidFill>
+            <a:schemeClr val="bg1"/>
+          </a:solidFill>
+        </p:spPr>
+        <p:txBody>
+          <a:bodyPr wrap="none" lIns="0" tIns="0" rIns="0" bIns="0" rtlCol="0">
+            <a:spAutoFit/>
+          </a:bodyPr>
+          <a:lstStyle/>
+          <a:p>
+            <a:r>
+              <a:rPr lang="en-US" sz="1200" dirty="0"/>
+              <a:t>is profile of</a:t>
+            </a:r>
+          </a:p>
+        </p:txBody>
+      </p:sp>
+      <p:sp>
+        <p:nvSpPr>
+          <p:cNvPr id="67" name="TextBox 66">
+            <a:extLst>
+              <a:ext uri="{FF2B5EF4-FFF2-40B4-BE49-F238E27FC236}">
+                <a16:creationId xmlns:a16="http://schemas.microsoft.com/office/drawing/2014/main" id="{C21EF499-64EF-46C0-82BB-1A2D14DC310F}"/>
+              </a:ext>
+            </a:extLst>
+          </p:cNvPr>
+          <p:cNvSpPr txBox="1"/>
+          <p:nvPr/>
+        </p:nvSpPr>
+        <p:spPr>
+          <a:xfrm rot="5400000">
+            <a:off x="4647089" y="3850876"/>
+            <a:ext cx="1073627" cy="184666"/>
+          </a:xfrm>
+          <a:prstGeom prst="rect">
+            <a:avLst/>
+          </a:prstGeom>
+          <a:solidFill>
+            <a:schemeClr val="bg1"/>
+          </a:solidFill>
+        </p:spPr>
+        <p:txBody>
+          <a:bodyPr wrap="none" lIns="0" tIns="0" rIns="0" bIns="0" rtlCol="0">
+            <a:spAutoFit/>
+          </a:bodyPr>
+          <a:lstStyle/>
+          <a:p>
+            <a:r>
+              <a:rPr lang="en-US" sz="1200" dirty="0"/>
+              <a:t>has resource role</a:t>
+            </a:r>
+          </a:p>
+        </p:txBody>
+      </p:sp>
+      <p:sp>
+        <p:nvSpPr>
+          <p:cNvPr id="68" name="TextBox 67">
+            <a:extLst>
+              <a:ext uri="{FF2B5EF4-FFF2-40B4-BE49-F238E27FC236}">
+                <a16:creationId xmlns:a16="http://schemas.microsoft.com/office/drawing/2014/main" id="{8AAB570E-1E35-476D-9602-2FE7008A3674}"/>
+              </a:ext>
+            </a:extLst>
+          </p:cNvPr>
+          <p:cNvSpPr txBox="1"/>
+          <p:nvPr/>
+        </p:nvSpPr>
+        <p:spPr>
+          <a:xfrm rot="5400000">
+            <a:off x="9658094" y="2856491"/>
+            <a:ext cx="1073627" cy="184666"/>
+          </a:xfrm>
+          <a:prstGeom prst="rect">
+            <a:avLst/>
+          </a:prstGeom>
+          <a:solidFill>
+            <a:schemeClr val="bg1"/>
+          </a:solidFill>
+        </p:spPr>
+        <p:txBody>
+          <a:bodyPr wrap="none" lIns="0" tIns="0" rIns="0" bIns="0" rtlCol="0">
+            <a:spAutoFit/>
+          </a:bodyPr>
+          <a:lstStyle/>
+          <a:p>
+            <a:r>
+              <a:rPr lang="en-US" sz="1200" dirty="0"/>
+              <a:t>has resource role</a:t>
+            </a:r>
+          </a:p>
+        </p:txBody>
+      </p:sp>
+      <p:cxnSp>
+        <p:nvCxnSpPr>
+          <p:cNvPr id="70" name="Elbow Connector 99">
+            <a:extLst>
+              <a:ext uri="{FF2B5EF4-FFF2-40B4-BE49-F238E27FC236}">
+                <a16:creationId xmlns:a16="http://schemas.microsoft.com/office/drawing/2014/main" id="{7C5B8193-C0CE-4557-87CC-C75861753D41}"/>
+              </a:ext>
+            </a:extLst>
+          </p:cNvPr>
+          <p:cNvCxnSpPr>
+            <a:cxnSpLocks/>
+            <a:stCxn id="63" idx="2"/>
+            <a:endCxn id="82" idx="1"/>
+          </p:cNvCxnSpPr>
+          <p:nvPr/>
+        </p:nvCxnSpPr>
+        <p:spPr>
+          <a:xfrm rot="16200000" flipH="1">
+            <a:off x="4626214" y="3986980"/>
+            <a:ext cx="1044913" cy="1672521"/>
+          </a:xfrm>
+          <a:prstGeom prst="bentConnector2">
+            <a:avLst/>
+          </a:prstGeom>
+          <a:ln>
+            <a:solidFill>
+              <a:schemeClr val="tx1"/>
+            </a:solidFill>
+            <a:prstDash val="solid"/>
+            <a:tailEnd type="arrow"/>
+          </a:ln>
+        </p:spPr>
+        <p:style>
+          <a:lnRef idx="1">
+            <a:schemeClr val="accent1"/>
+          </a:lnRef>
+          <a:fillRef idx="0">
+            <a:schemeClr val="accent1"/>
+          </a:fillRef>
+          <a:effectRef idx="0">
+            <a:schemeClr val="accent1"/>
+          </a:effectRef>
+          <a:fontRef idx="minor">
+            <a:schemeClr val="tx1"/>
+          </a:fontRef>
+        </p:style>
+      </p:cxnSp>
+      <p:cxnSp>
+        <p:nvCxnSpPr>
+          <p:cNvPr id="89" name="Elbow Connector 99">
+            <a:extLst>
+              <a:ext uri="{FF2B5EF4-FFF2-40B4-BE49-F238E27FC236}">
+                <a16:creationId xmlns:a16="http://schemas.microsoft.com/office/drawing/2014/main" id="{8F58EEF5-8FD8-4763-B20E-44F240BD48EE}"/>
+              </a:ext>
+            </a:extLst>
+          </p:cNvPr>
+          <p:cNvCxnSpPr>
+            <a:cxnSpLocks/>
+            <a:stCxn id="124" idx="2"/>
+            <a:endCxn id="82" idx="3"/>
+          </p:cNvCxnSpPr>
+          <p:nvPr/>
+        </p:nvCxnSpPr>
+        <p:spPr>
+          <a:xfrm rot="5400000">
+            <a:off x="7763146" y="3771508"/>
+            <a:ext cx="1044912" cy="2103469"/>
+          </a:xfrm>
+          <a:prstGeom prst="bentConnector2">
+            <a:avLst/>
+          </a:prstGeom>
+          <a:ln>
+            <a:solidFill>
+              <a:schemeClr val="tx1"/>
+            </a:solidFill>
+            <a:prstDash val="solid"/>
+            <a:tailEnd type="arrow"/>
+          </a:ln>
+        </p:spPr>
+        <p:style>
+          <a:lnRef idx="1">
+            <a:schemeClr val="accent1"/>
+          </a:lnRef>
+          <a:fillRef idx="0">
+            <a:schemeClr val="accent1"/>
+          </a:fillRef>
+          <a:effectRef idx="0">
+            <a:schemeClr val="accent1"/>
+          </a:effectRef>
+          <a:fontRef idx="minor">
+            <a:schemeClr val="tx1"/>
+          </a:fontRef>
+        </p:style>
+      </p:cxnSp>
+      <p:sp>
+        <p:nvSpPr>
+          <p:cNvPr id="134" name="TextBox 133">
+            <a:extLst>
+              <a:ext uri="{FF2B5EF4-FFF2-40B4-BE49-F238E27FC236}">
+                <a16:creationId xmlns:a16="http://schemas.microsoft.com/office/drawing/2014/main" id="{AAF78D9F-8299-4931-9123-711C655D6C16}"/>
+              </a:ext>
+            </a:extLst>
+          </p:cNvPr>
+          <p:cNvSpPr txBox="1"/>
+          <p:nvPr/>
+        </p:nvSpPr>
+        <p:spPr>
+          <a:xfrm>
+            <a:off x="9005418" y="4359256"/>
+            <a:ext cx="663836" cy="184666"/>
+          </a:xfrm>
+          <a:prstGeom prst="rect">
+            <a:avLst/>
+          </a:prstGeom>
+          <a:solidFill>
+            <a:schemeClr val="bg1"/>
+          </a:solidFill>
+        </p:spPr>
+        <p:txBody>
+          <a:bodyPr wrap="none" lIns="0" tIns="0" rIns="0" bIns="0" rtlCol="0">
+            <a:spAutoFit/>
+          </a:bodyPr>
+          <a:lstStyle/>
+          <a:p>
+            <a:r>
+              <a:rPr lang="en-US" sz="1200" dirty="0" err="1"/>
+              <a:t>dct:format</a:t>
+            </a:r>
+            <a:endParaRPr lang="en-US" sz="1200" dirty="0"/>
+          </a:p>
+        </p:txBody>
+      </p:sp>
+      <p:sp>
+        <p:nvSpPr>
+          <p:cNvPr id="83" name="TextBox 82">
+            <a:extLst>
+              <a:ext uri="{FF2B5EF4-FFF2-40B4-BE49-F238E27FC236}">
+                <a16:creationId xmlns:a16="http://schemas.microsoft.com/office/drawing/2014/main" id="{0D715EDC-920C-4B26-966F-B9119FAE4AFB}"/>
+              </a:ext>
+            </a:extLst>
+          </p:cNvPr>
+          <p:cNvSpPr txBox="1"/>
+          <p:nvPr/>
+        </p:nvSpPr>
+        <p:spPr>
+          <a:xfrm>
+            <a:off x="4017153" y="4367831"/>
+            <a:ext cx="663836" cy="184666"/>
+          </a:xfrm>
+          <a:prstGeom prst="rect">
+            <a:avLst/>
+          </a:prstGeom>
+          <a:solidFill>
+            <a:schemeClr val="bg1"/>
+          </a:solidFill>
+        </p:spPr>
+        <p:txBody>
+          <a:bodyPr wrap="none" lIns="0" tIns="0" rIns="0" bIns="0" rtlCol="0">
+            <a:spAutoFit/>
+          </a:bodyPr>
+          <a:lstStyle/>
+          <a:p>
+            <a:r>
+              <a:rPr lang="en-US" sz="1200" dirty="0" err="1"/>
+              <a:t>dct:format</a:t>
+            </a:r>
+            <a:endParaRPr lang="en-US" sz="1200" dirty="0"/>
+          </a:p>
+        </p:txBody>
+      </p:sp>
+      <p:cxnSp>
+        <p:nvCxnSpPr>
           <p:cNvPr id="155" name="Curved Connector 31">
             <a:extLst>
               <a:ext uri="{FF2B5EF4-FFF2-40B4-BE49-F238E27FC236}">
@@ -21210,7 +21153,7 @@
         <p:spPr>
           <a:xfrm>
             <a:off x="7224742" y="4433856"/>
-            <a:ext cx="818109" cy="184666"/>
+            <a:ext cx="1073627" cy="184666"/>
           </a:xfrm>
           <a:prstGeom prst="rect">
             <a:avLst/>
@@ -21226,98 +21169,12 @@
           <a:lstStyle/>
           <a:p>
             <a:r>
-              <a:rPr lang="en-US" sz="1200" dirty="0" err="1"/>
-              <a:t>resourceRole</a:t>
-            </a:r>
-            <a:endParaRPr lang="en-US" sz="1200" dirty="0"/>
-          </a:p>
-        </p:txBody>
-      </p:sp>
-      <p:sp>
-        <p:nvSpPr>
-          <p:cNvPr id="164" name="TextBox 163">
-            <a:extLst>
-              <a:ext uri="{FF2B5EF4-FFF2-40B4-BE49-F238E27FC236}">
-                <a16:creationId xmlns:a16="http://schemas.microsoft.com/office/drawing/2014/main" id="{7090CDD9-37BF-4FC5-BC2F-A6B1DCB45AB9}"/>
-              </a:ext>
-            </a:extLst>
-          </p:cNvPr>
-          <p:cNvSpPr txBox="1"/>
-          <p:nvPr/>
-        </p:nvSpPr>
-        <p:spPr>
-          <a:xfrm rot="5400000">
-            <a:off x="9805141" y="3356633"/>
-            <a:ext cx="818109" cy="184666"/>
-          </a:xfrm>
-          <a:prstGeom prst="rect">
-            <a:avLst/>
-          </a:prstGeom>
-          <a:solidFill>
-            <a:schemeClr val="bg1"/>
-          </a:solidFill>
-        </p:spPr>
-        <p:txBody>
-          <a:bodyPr wrap="none" lIns="0" tIns="0" rIns="0" bIns="0" rtlCol="0">
-            <a:spAutoFit/>
-          </a:bodyPr>
-          <a:lstStyle/>
-          <a:p>
-            <a:r>
-              <a:rPr lang="en-US" sz="1200" dirty="0" err="1"/>
-              <a:t>resourceRole</a:t>
-            </a:r>
-            <a:endParaRPr lang="en-US" sz="1200" dirty="0"/>
-          </a:p>
-        </p:txBody>
-      </p:sp>
-      <p:cxnSp>
-        <p:nvCxnSpPr>
-          <p:cNvPr id="165" name="Straight Arrow Connector 164">
-            <a:extLst>
-              <a:ext uri="{FF2B5EF4-FFF2-40B4-BE49-F238E27FC236}">
-                <a16:creationId xmlns:a16="http://schemas.microsoft.com/office/drawing/2014/main" id="{37D22E75-5406-4673-9D16-3C1AE0C54444}"/>
-              </a:ext>
-            </a:extLst>
-          </p:cNvPr>
-          <p:cNvCxnSpPr>
-            <a:cxnSpLocks/>
-            <a:endCxn id="46" idx="3"/>
-          </p:cNvCxnSpPr>
-          <p:nvPr/>
-        </p:nvCxnSpPr>
-        <p:spPr>
-          <a:xfrm flipH="1" flipV="1">
-            <a:off x="3177585" y="2004919"/>
-            <a:ext cx="3775990" cy="1670916"/>
-          </a:xfrm>
-          <a:prstGeom prst="straightConnector1">
-            <a:avLst/>
-          </a:prstGeom>
-          <a:ln>
-            <a:solidFill>
-              <a:schemeClr val="tx1"/>
-            </a:solidFill>
-            <a:prstDash val="sysDot"/>
-            <a:headEnd type="none" w="med" len="med"/>
-            <a:tailEnd type="arrow" w="med" len="med"/>
-          </a:ln>
-        </p:spPr>
-        <p:style>
-          <a:lnRef idx="1">
-            <a:schemeClr val="accent1"/>
-          </a:lnRef>
-          <a:fillRef idx="0">
-            <a:schemeClr val="accent1"/>
-          </a:fillRef>
-          <a:effectRef idx="0">
-            <a:schemeClr val="accent1"/>
-          </a:effectRef>
-          <a:fontRef idx="minor">
-            <a:schemeClr val="tx1"/>
-          </a:fontRef>
-        </p:style>
-      </p:cxnSp>
+              <a:rPr lang="en-US" sz="1200" dirty="0"/>
+              <a:t>has resource role</a:t>
+            </a:r>
+          </a:p>
+        </p:txBody>
+      </p:sp>
     </p:spTree>
     <p:extLst>
       <p:ext uri="{BB962C8B-B14F-4D97-AF65-F5344CB8AC3E}">
@@ -21473,8 +21330,8 @@
         </p:nvSpPr>
         <p:spPr>
           <a:xfrm>
-            <a:off x="5170697" y="5407860"/>
-            <a:ext cx="823559" cy="184666"/>
+            <a:off x="5031707" y="5407860"/>
+            <a:ext cx="1073627" cy="184666"/>
           </a:xfrm>
           <a:prstGeom prst="rect">
             <a:avLst/>
@@ -21490,10 +21347,9 @@
           <a:lstStyle/>
           <a:p>
             <a:r>
-              <a:rPr lang="en-US" sz="1200" dirty="0" err="1"/>
-              <a:t>resource role</a:t>
-            </a:r>
-            <a:endParaRPr lang="en-US" sz="1200" dirty="0"/>
+              <a:rPr lang="en-US" sz="1200" dirty="0"/>
+              <a:t>has resource role</a:t>
+            </a:r>
           </a:p>
         </p:txBody>
       </p:sp>
@@ -21511,8 +21367,8 @@
         </p:nvSpPr>
         <p:spPr>
           <a:xfrm>
-            <a:off x="9924173" y="3917864"/>
-            <a:ext cx="543931" cy="184666"/>
+            <a:off x="9843708" y="3917864"/>
+            <a:ext cx="794000" cy="184666"/>
           </a:xfrm>
           <a:prstGeom prst="rect">
             <a:avLst/>
@@ -21529,7 +21385,7 @@
           <a:p>
             <a:r>
               <a:rPr lang="en-US" sz="1200" dirty="0"/>
-              <a:t>resource</a:t>
+              <a:t>has resource</a:t>
             </a:r>
           </a:p>
         </p:txBody>
@@ -21621,8 +21477,8 @@
         </p:nvSpPr>
         <p:spPr>
           <a:xfrm>
-            <a:off x="7553434" y="3914437"/>
-            <a:ext cx="653723" cy="184666"/>
+            <a:off x="7482495" y="3914437"/>
+            <a:ext cx="761238" cy="184666"/>
           </a:xfrm>
           <a:prstGeom prst="rect">
             <a:avLst/>
@@ -21639,13 +21495,8 @@
           <a:p>
             <a:r>
               <a:rPr lang="en-US" sz="1200" dirty="0"/>
-              <a:t>p</a:t>
-            </a:r>
-            <a:r>
-              <a:rPr lang="en-US" sz="1200" dirty="0" err="1"/>
-              <a:t>rofile of</a:t>
-            </a:r>
-            <a:endParaRPr lang="en-US" sz="1200" dirty="0"/>
+              <a:t>is profile of</a:t>
+            </a:r>
           </a:p>
         </p:txBody>
       </p:sp>
@@ -21667,8 +21518,8 @@
         </p:nvCxnSpPr>
         <p:spPr>
           <a:xfrm>
-            <a:off x="5582477" y="5592526"/>
-            <a:ext cx="119841" cy="381277"/>
+            <a:off x="5568521" y="5592526"/>
+            <a:ext cx="133797" cy="381277"/>
           </a:xfrm>
           <a:prstGeom prst="line">
             <a:avLst/>
@@ -21713,8 +21564,8 @@
         </p:nvCxnSpPr>
         <p:spPr>
           <a:xfrm>
-            <a:off x="10196139" y="4102530"/>
-            <a:ext cx="180342" cy="385455"/>
+            <a:off x="10240708" y="4102530"/>
+            <a:ext cx="135773" cy="385455"/>
           </a:xfrm>
           <a:prstGeom prst="line">
             <a:avLst/>
@@ -21759,8 +21610,8 @@
         </p:nvCxnSpPr>
         <p:spPr>
           <a:xfrm>
-            <a:off x="7880296" y="4099103"/>
-            <a:ext cx="159330" cy="401029"/>
+            <a:off x="7863114" y="4099103"/>
+            <a:ext cx="176512" cy="401029"/>
           </a:xfrm>
           <a:prstGeom prst="line">
             <a:avLst/>
@@ -22209,7 +22060,7 @@
         <p:spPr>
           <a:xfrm flipH="1" flipV="1">
             <a:off x="10196138" y="3481412"/>
-            <a:ext cx="1" cy="436452"/>
+            <a:ext cx="44570" cy="436452"/>
           </a:xfrm>
           <a:prstGeom prst="straightConnector1">
             <a:avLst/>
@@ -22998,14 +22849,14 @@
           <a:p>
             <a:pPr algn="ctr"/>
             <a:r>
-              <a:rPr lang="en-AU" sz="1000">
+              <a:rPr lang="en-AU" sz="1000" dirty="0">
                 <a:solidFill>
                   <a:schemeClr val="tx1"/>
                 </a:solidFill>
               </a:rPr>
-              <a:t>This is a generic association.</a:t>
-            </a:r>
-            <a:endParaRPr lang="en-US" sz="1000">
+              <a:t>This is a generic association</a:t>
+            </a:r>
+            <a:endParaRPr lang="en-US" sz="1000" dirty="0">
               <a:solidFill>
                 <a:schemeClr val="tx1"/>
               </a:solidFill>
@@ -23063,14 +22914,54 @@
           <a:p>
             <a:pPr algn="ctr"/>
             <a:r>
-              <a:rPr lang="en-AU" sz="1000">
+              <a:rPr lang="en-AU" sz="1000" dirty="0">
                 <a:solidFill>
                   <a:schemeClr val="tx1"/>
                 </a:solidFill>
               </a:rPr>
-              <a:t>Or a superclass of dcat:Distribution if dcat:Distribution domain remains dcat:Dataset.</a:t>
-            </a:r>
-            <a:endParaRPr lang="en-US" sz="1000">
+              <a:t>Or a superclass of </a:t>
+            </a:r>
+            <a:r>
+              <a:rPr lang="en-AU" sz="1000" dirty="0" err="1">
+                <a:solidFill>
+                  <a:schemeClr val="tx1"/>
+                </a:solidFill>
+              </a:rPr>
+              <a:t>dcat:Distribution</a:t>
+            </a:r>
+            <a:r>
+              <a:rPr lang="en-AU" sz="1000" dirty="0">
+                <a:solidFill>
+                  <a:schemeClr val="tx1"/>
+                </a:solidFill>
+              </a:rPr>
+              <a:t> if </a:t>
+            </a:r>
+            <a:r>
+              <a:rPr lang="en-AU" sz="1000" dirty="0" err="1">
+                <a:solidFill>
+                  <a:schemeClr val="tx1"/>
+                </a:solidFill>
+              </a:rPr>
+              <a:t>dcat:Distribution</a:t>
+            </a:r>
+            <a:r>
+              <a:rPr lang="en-AU" sz="1000" dirty="0">
+                <a:solidFill>
+                  <a:schemeClr val="tx1"/>
+                </a:solidFill>
+              </a:rPr>
+              <a:t> domain remains </a:t>
+            </a:r>
+            <a:r>
+              <a:rPr lang="en-AU" sz="1000" dirty="0" err="1">
+                <a:solidFill>
+                  <a:schemeClr val="tx1"/>
+                </a:solidFill>
+              </a:rPr>
+              <a:t>dcat:Dataset</a:t>
+            </a:r>
+            <a:endParaRPr lang="en-US" sz="1000" dirty="0">
               <a:solidFill>
                 <a:schemeClr val="tx1"/>
               </a:solidFill>
@@ -23347,12 +23238,12 @@
           <a:p>
             <a:pPr algn="ctr"/>
             <a:r>
-              <a:rPr lang="en-US" sz="1200">
+              <a:rPr lang="en-US" sz="1200" dirty="0">
                 <a:solidFill>
                   <a:schemeClr val="tx1"/>
                 </a:solidFill>
               </a:rPr>
-              <a:t>Implementation Profile</a:t>
+              <a:t>Profile</a:t>
             </a:r>
           </a:p>
         </p:txBody>
@@ -23415,7 +23306,7 @@
           <a:p>
             <a:pPr algn="ctr"/>
             <a:r>
-              <a:rPr lang="en-US" sz="1200">
+              <a:rPr lang="en-US" sz="1200" dirty="0">
                 <a:solidFill>
                   <a:schemeClr val="tx1"/>
                 </a:solidFill>
@@ -23478,12 +23369,12 @@
           <a:p>
             <a:pPr algn="ctr"/>
             <a:r>
-              <a:rPr lang="en-US" sz="1200">
+              <a:rPr lang="en-US" sz="1200" dirty="0">
                 <a:solidFill>
                   <a:schemeClr val="tx1"/>
                 </a:solidFill>
               </a:rPr>
-              <a:t>Implementation Resource Role</a:t>
+              <a:t>Resource Descriptor</a:t>
             </a:r>
           </a:p>
         </p:txBody>
@@ -23657,12 +23548,12 @@
           <a:p>
             <a:pPr algn="ctr"/>
             <a:r>
-              <a:rPr lang="en-US" sz="1200">
+              <a:rPr lang="en-US" sz="1200" dirty="0">
                 <a:solidFill>
                   <a:schemeClr val="tx1"/>
                 </a:solidFill>
               </a:rPr>
-              <a:t>Profile Descriptions Ontology Class</a:t>
+              <a:t>Profiles Ontology Class</a:t>
             </a:r>
           </a:p>
         </p:txBody>

--- a/profilesont/diagrams.pptx
+++ b/profilesont/diagrams.pptx
@@ -5347,7 +5347,7 @@
         </p:nvSpPr>
         <p:spPr>
           <a:xfrm>
-            <a:off x="8072629" y="2760398"/>
+            <a:off x="6380803" y="1571364"/>
             <a:ext cx="1248936" cy="657922"/>
           </a:xfrm>
           <a:prstGeom prst="roundRect">
@@ -5406,7 +5406,7 @@
         </p:nvSpPr>
         <p:spPr>
           <a:xfrm>
-            <a:off x="8076683" y="1754122"/>
+            <a:off x="6384857" y="717494"/>
             <a:ext cx="1248936" cy="657922"/>
           </a:xfrm>
           <a:prstGeom prst="roundRect">
@@ -5465,7 +5465,7 @@
         </p:nvSpPr>
         <p:spPr>
           <a:xfrm>
-            <a:off x="8072629" y="5919977"/>
+            <a:off x="2007599" y="717494"/>
             <a:ext cx="1248936" cy="657922"/>
           </a:xfrm>
           <a:prstGeom prst="roundRect">
@@ -5539,7 +5539,7 @@
         </p:nvSpPr>
         <p:spPr>
           <a:xfrm>
-            <a:off x="5877306" y="3772356"/>
+            <a:off x="4191866" y="1814383"/>
             <a:ext cx="1248936" cy="657922"/>
           </a:xfrm>
           <a:prstGeom prst="roundRect">
@@ -5588,7 +5588,7 @@
                   <a:schemeClr val="tx1"/>
                 </a:solidFill>
               </a:rPr>
-              <a:t>Guidance notes of profile</a:t>
+              <a:t>Conformance Test</a:t>
             </a:r>
           </a:p>
         </p:txBody>
@@ -5607,7 +5607,7 @@
         </p:nvSpPr>
         <p:spPr>
           <a:xfrm>
-            <a:off x="7310106" y="3772356"/>
+            <a:off x="4191866" y="2530341"/>
             <a:ext cx="1248936" cy="657922"/>
           </a:xfrm>
           <a:prstGeom prst="roundRect">
@@ -5651,13 +5651,18 @@
           <a:p>
             <a:pPr algn="ctr"/>
             <a:r>
-              <a:rPr lang="en-US" sz="1200">
+              <a:rPr lang="en-AU" sz="1200" dirty="0">
                 <a:solidFill>
                   <a:schemeClr val="tx1"/>
                 </a:solidFill>
               </a:rPr>
-              <a:t>Complete set of constraints for a profile</a:t>
-            </a:r>
+              <a:t>Full Constraints</a:t>
+            </a:r>
+            <a:endParaRPr lang="en-US" sz="1200" dirty="0">
+              <a:solidFill>
+                <a:schemeClr val="tx1"/>
+              </a:solidFill>
+            </a:endParaRPr>
           </a:p>
         </p:txBody>
       </p:sp>
@@ -5675,7 +5680,7 @@
         </p:nvSpPr>
         <p:spPr>
           <a:xfrm>
-            <a:off x="8742906" y="3777017"/>
+            <a:off x="4191866" y="3246299"/>
             <a:ext cx="1248936" cy="657922"/>
           </a:xfrm>
           <a:prstGeom prst="roundRect">
@@ -5724,7 +5729,7 @@
                   <a:schemeClr val="tx1"/>
                 </a:solidFill>
               </a:rPr>
-              <a:t>Constraints specifying a conformance Test</a:t>
+              <a:t>Guidance</a:t>
             </a:r>
           </a:p>
         </p:txBody>
@@ -5743,7 +5748,7 @@
         </p:nvSpPr>
         <p:spPr>
           <a:xfrm>
-            <a:off x="10175706" y="3772356"/>
+            <a:off x="4191866" y="3962257"/>
             <a:ext cx="1248936" cy="657922"/>
           </a:xfrm>
           <a:prstGeom prst="roundRect">
@@ -5787,12 +5792,12 @@
           <a:p>
             <a:pPr algn="ctr"/>
             <a:r>
-              <a:rPr lang="en-US" sz="1200">
+              <a:rPr lang="en-US" sz="1200" dirty="0">
                 <a:solidFill>
                   <a:schemeClr val="tx1"/>
                 </a:solidFill>
               </a:rPr>
-              <a:t>Partial set of constraints for a profile</a:t>
+              <a:t>Part Constraints</a:t>
             </a:r>
           </a:p>
         </p:txBody>
@@ -5811,7 +5816,7 @@
         </p:nvSpPr>
         <p:spPr>
           <a:xfrm>
-            <a:off x="8072629" y="4868196"/>
+            <a:off x="2007599" y="1571364"/>
             <a:ext cx="1248936" cy="657922"/>
           </a:xfrm>
           <a:prstGeom prst="roundRect">
@@ -5883,8 +5888,8 @@
         </p:nvCxnSpPr>
         <p:spPr>
           <a:xfrm flipV="1">
-            <a:off x="8697097" y="2412044"/>
-            <a:ext cx="4054" cy="348354"/>
+            <a:off x="7005271" y="1375416"/>
+            <a:ext cx="4054" cy="195948"/>
           </a:xfrm>
           <a:prstGeom prst="straightConnector1">
             <a:avLst/>
@@ -5896,246 +5901,6 @@
             <a:prstDash val="dash"/>
             <a:headEnd type="none" w="med" len="med"/>
             <a:tailEnd type="arrow" w="med" len="med"/>
-          </a:ln>
-        </p:spPr>
-        <p:style>
-          <a:lnRef idx="1">
-            <a:schemeClr val="accent1"/>
-          </a:lnRef>
-          <a:fillRef idx="0">
-            <a:schemeClr val="accent1"/>
-          </a:fillRef>
-          <a:effectRef idx="0">
-            <a:schemeClr val="accent1"/>
-          </a:effectRef>
-          <a:fontRef idx="minor">
-            <a:schemeClr val="tx1"/>
-          </a:fontRef>
-        </p:style>
-      </p:cxnSp>
-      <p:cxnSp>
-        <p:nvCxnSpPr>
-          <p:cNvPr id="77" name="Straight Arrow Connector 76">
-            <a:extLst>
-              <a:ext uri="{FF2B5EF4-FFF2-40B4-BE49-F238E27FC236}">
-                <a16:creationId xmlns:a16="http://schemas.microsoft.com/office/drawing/2014/main" id="{F06EB8D3-58FB-F743-B044-646E9F3518EF}"/>
-              </a:ext>
-            </a:extLst>
-          </p:cNvPr>
-          <p:cNvCxnSpPr>
-            <a:cxnSpLocks/>
-            <a:stCxn id="44" idx="0"/>
-            <a:endCxn id="85" idx="2"/>
-          </p:cNvCxnSpPr>
-          <p:nvPr/>
-        </p:nvCxnSpPr>
-        <p:spPr>
-          <a:xfrm flipV="1">
-            <a:off x="6501774" y="3418320"/>
-            <a:ext cx="2195323" cy="354036"/>
-          </a:xfrm>
-          <a:prstGeom prst="straightConnector1">
-            <a:avLst/>
-          </a:prstGeom>
-          <a:ln>
-            <a:solidFill>
-              <a:schemeClr val="tx1"/>
-            </a:solidFill>
-            <a:prstDash val="solid"/>
-            <a:headEnd type="none" w="med" len="med"/>
-            <a:tailEnd type="triangle" w="med" len="med"/>
-          </a:ln>
-        </p:spPr>
-        <p:style>
-          <a:lnRef idx="1">
-            <a:schemeClr val="accent1"/>
-          </a:lnRef>
-          <a:fillRef idx="0">
-            <a:schemeClr val="accent1"/>
-          </a:fillRef>
-          <a:effectRef idx="0">
-            <a:schemeClr val="accent1"/>
-          </a:effectRef>
-          <a:fontRef idx="minor">
-            <a:schemeClr val="tx1"/>
-          </a:fontRef>
-        </p:style>
-      </p:cxnSp>
-      <p:cxnSp>
-        <p:nvCxnSpPr>
-          <p:cNvPr id="88" name="Straight Arrow Connector 87">
-            <a:extLst>
-              <a:ext uri="{FF2B5EF4-FFF2-40B4-BE49-F238E27FC236}">
-                <a16:creationId xmlns:a16="http://schemas.microsoft.com/office/drawing/2014/main" id="{DB059429-0B53-724B-8E69-C6376CA2A1F2}"/>
-              </a:ext>
-            </a:extLst>
-          </p:cNvPr>
-          <p:cNvCxnSpPr>
-            <a:cxnSpLocks/>
-            <a:stCxn id="46" idx="0"/>
-            <a:endCxn id="85" idx="2"/>
-          </p:cNvCxnSpPr>
-          <p:nvPr/>
-        </p:nvCxnSpPr>
-        <p:spPr>
-          <a:xfrm flipV="1">
-            <a:off x="7934574" y="3418320"/>
-            <a:ext cx="762523" cy="354036"/>
-          </a:xfrm>
-          <a:prstGeom prst="straightConnector1">
-            <a:avLst/>
-          </a:prstGeom>
-          <a:ln>
-            <a:solidFill>
-              <a:schemeClr val="tx1"/>
-            </a:solidFill>
-            <a:prstDash val="solid"/>
-            <a:headEnd type="none" w="med" len="med"/>
-            <a:tailEnd type="triangle" w="med" len="med"/>
-          </a:ln>
-        </p:spPr>
-        <p:style>
-          <a:lnRef idx="1">
-            <a:schemeClr val="accent1"/>
-          </a:lnRef>
-          <a:fillRef idx="0">
-            <a:schemeClr val="accent1"/>
-          </a:fillRef>
-          <a:effectRef idx="0">
-            <a:schemeClr val="accent1"/>
-          </a:effectRef>
-          <a:fontRef idx="minor">
-            <a:schemeClr val="tx1"/>
-          </a:fontRef>
-        </p:style>
-      </p:cxnSp>
-      <p:cxnSp>
-        <p:nvCxnSpPr>
-          <p:cNvPr id="91" name="Straight Arrow Connector 90">
-            <a:extLst>
-              <a:ext uri="{FF2B5EF4-FFF2-40B4-BE49-F238E27FC236}">
-                <a16:creationId xmlns:a16="http://schemas.microsoft.com/office/drawing/2014/main" id="{900D4D81-8E4B-DF46-A522-3518D8494415}"/>
-              </a:ext>
-            </a:extLst>
-          </p:cNvPr>
-          <p:cNvCxnSpPr>
-            <a:cxnSpLocks/>
-            <a:stCxn id="47" idx="0"/>
-            <a:endCxn id="85" idx="2"/>
-          </p:cNvCxnSpPr>
-          <p:nvPr/>
-        </p:nvCxnSpPr>
-        <p:spPr>
-          <a:xfrm flipH="1" flipV="1">
-            <a:off x="8697097" y="3418320"/>
-            <a:ext cx="670277" cy="358697"/>
-          </a:xfrm>
-          <a:prstGeom prst="straightConnector1">
-            <a:avLst/>
-          </a:prstGeom>
-          <a:ln>
-            <a:solidFill>
-              <a:schemeClr val="tx1"/>
-            </a:solidFill>
-            <a:prstDash val="solid"/>
-            <a:headEnd type="none" w="med" len="med"/>
-            <a:tailEnd type="triangle" w="med" len="med"/>
-          </a:ln>
-        </p:spPr>
-        <p:style>
-          <a:lnRef idx="1">
-            <a:schemeClr val="accent1"/>
-          </a:lnRef>
-          <a:fillRef idx="0">
-            <a:schemeClr val="accent1"/>
-          </a:fillRef>
-          <a:effectRef idx="0">
-            <a:schemeClr val="accent1"/>
-          </a:effectRef>
-          <a:fontRef idx="minor">
-            <a:schemeClr val="tx1"/>
-          </a:fontRef>
-        </p:style>
-      </p:cxnSp>
-      <p:cxnSp>
-        <p:nvCxnSpPr>
-          <p:cNvPr id="95" name="Straight Arrow Connector 94">
-            <a:extLst>
-              <a:ext uri="{FF2B5EF4-FFF2-40B4-BE49-F238E27FC236}">
-                <a16:creationId xmlns:a16="http://schemas.microsoft.com/office/drawing/2014/main" id="{66F666EF-8DB6-DD43-99DF-A4480801DDBB}"/>
-              </a:ext>
-            </a:extLst>
-          </p:cNvPr>
-          <p:cNvCxnSpPr>
-            <a:cxnSpLocks/>
-            <a:stCxn id="48" idx="0"/>
-            <a:endCxn id="85" idx="2"/>
-          </p:cNvCxnSpPr>
-          <p:nvPr/>
-        </p:nvCxnSpPr>
-        <p:spPr>
-          <a:xfrm flipH="1" flipV="1">
-            <a:off x="8697097" y="3418320"/>
-            <a:ext cx="2103077" cy="354036"/>
-          </a:xfrm>
-          <a:prstGeom prst="straightConnector1">
-            <a:avLst/>
-          </a:prstGeom>
-          <a:ln>
-            <a:solidFill>
-              <a:schemeClr val="tx1"/>
-            </a:solidFill>
-            <a:prstDash val="solid"/>
-            <a:headEnd type="none" w="med" len="med"/>
-            <a:tailEnd type="triangle" w="med" len="med"/>
-          </a:ln>
-        </p:spPr>
-        <p:style>
-          <a:lnRef idx="1">
-            <a:schemeClr val="accent1"/>
-          </a:lnRef>
-          <a:fillRef idx="0">
-            <a:schemeClr val="accent1"/>
-          </a:fillRef>
-          <a:effectRef idx="0">
-            <a:schemeClr val="accent1"/>
-          </a:effectRef>
-          <a:fontRef idx="minor">
-            <a:schemeClr val="tx1"/>
-          </a:fontRef>
-        </p:style>
-      </p:cxnSp>
-      <p:cxnSp>
-        <p:nvCxnSpPr>
-          <p:cNvPr id="97" name="Straight Arrow Connector 96">
-            <a:extLst>
-              <a:ext uri="{FF2B5EF4-FFF2-40B4-BE49-F238E27FC236}">
-                <a16:creationId xmlns:a16="http://schemas.microsoft.com/office/drawing/2014/main" id="{E41B87AF-B81C-7C4A-9B82-2C1E875BF5BA}"/>
-              </a:ext>
-            </a:extLst>
-          </p:cNvPr>
-          <p:cNvCxnSpPr>
-            <a:cxnSpLocks/>
-            <a:stCxn id="49" idx="2"/>
-            <a:endCxn id="107" idx="0"/>
-          </p:cNvCxnSpPr>
-          <p:nvPr/>
-        </p:nvCxnSpPr>
-        <p:spPr>
-          <a:xfrm>
-            <a:off x="8697097" y="5526118"/>
-            <a:ext cx="0" cy="393859"/>
-          </a:xfrm>
-          <a:prstGeom prst="straightConnector1">
-            <a:avLst/>
-          </a:prstGeom>
-          <a:ln>
-            <a:solidFill>
-              <a:schemeClr val="tx1"/>
-            </a:solidFill>
-            <a:prstDash val="solid"/>
-            <a:headEnd type="none" w="med" len="med"/>
-            <a:tailEnd type="triangle" w="med" len="med"/>
           </a:ln>
         </p:spPr>
         <p:style>
@@ -6164,15 +5929,15 @@
           </p:cNvPr>
           <p:cNvCxnSpPr>
             <a:cxnSpLocks/>
-            <a:stCxn id="49" idx="3"/>
-            <a:endCxn id="34" idx="2"/>
+            <a:stCxn id="49" idx="2"/>
+            <a:endCxn id="34" idx="0"/>
           </p:cNvCxnSpPr>
           <p:nvPr/>
         </p:nvCxnSpPr>
         <p:spPr>
           <a:xfrm>
-            <a:off x="9321565" y="5197157"/>
-            <a:ext cx="762523" cy="143057"/>
+            <a:off x="2632067" y="2229286"/>
+            <a:ext cx="0" cy="350522"/>
           </a:xfrm>
           <a:prstGeom prst="straightConnector1">
             <a:avLst/>
@@ -6213,9 +5978,9 @@
           <p:nvPr/>
         </p:nvSpPr>
         <p:spPr>
-          <a:xfrm rot="5400000">
-            <a:off x="9174565" y="5186896"/>
-            <a:ext cx="1062663" cy="276999"/>
+          <a:xfrm>
+            <a:off x="2193068" y="2261943"/>
+            <a:ext cx="877997" cy="184666"/>
           </a:xfrm>
           <a:prstGeom prst="rect">
             <a:avLst/>
@@ -6225,241 +5990,16 @@
           </a:solidFill>
         </p:spPr>
         <p:txBody>
-          <a:bodyPr wrap="none" rtlCol="0">
+          <a:bodyPr wrap="none" lIns="0" tIns="0" rIns="0" bIns="0" rtlCol="0">
             <a:spAutoFit/>
           </a:bodyPr>
           <a:lstStyle/>
           <a:p>
             <a:r>
-              <a:rPr lang="en-US" sz="1200"/>
+              <a:rPr lang="en-US" sz="1200" dirty="0" err="1"/>
               <a:t>rdfs:comment</a:t>
             </a:r>
-          </a:p>
-        </p:txBody>
-      </p:sp>
-      <p:cxnSp>
-        <p:nvCxnSpPr>
-          <p:cNvPr id="155" name="Straight Arrow Connector 154">
-            <a:extLst>
-              <a:ext uri="{FF2B5EF4-FFF2-40B4-BE49-F238E27FC236}">
-                <a16:creationId xmlns:a16="http://schemas.microsoft.com/office/drawing/2014/main" id="{BC5D2783-5BA6-344E-925D-13D9DE943E9A}"/>
-              </a:ext>
-            </a:extLst>
-          </p:cNvPr>
-          <p:cNvCxnSpPr>
-            <a:cxnSpLocks/>
-            <a:stCxn id="47" idx="2"/>
-            <a:endCxn id="49" idx="0"/>
-          </p:cNvCxnSpPr>
-          <p:nvPr/>
-        </p:nvCxnSpPr>
-        <p:spPr>
-          <a:xfrm flipH="1">
-            <a:off x="8697097" y="4434939"/>
-            <a:ext cx="670277" cy="433257"/>
-          </a:xfrm>
-          <a:prstGeom prst="straightConnector1">
-            <a:avLst/>
-          </a:prstGeom>
-          <a:ln>
-            <a:solidFill>
-              <a:schemeClr val="tx1"/>
-            </a:solidFill>
-            <a:headEnd type="none" w="med" len="med"/>
-            <a:tailEnd type="arrow" w="med" len="med"/>
-          </a:ln>
-        </p:spPr>
-        <p:style>
-          <a:lnRef idx="1">
-            <a:schemeClr val="accent1"/>
-          </a:lnRef>
-          <a:fillRef idx="0">
-            <a:schemeClr val="accent1"/>
-          </a:fillRef>
-          <a:effectRef idx="0">
-            <a:schemeClr val="accent1"/>
-          </a:effectRef>
-          <a:fontRef idx="minor">
-            <a:schemeClr val="tx1"/>
-          </a:fontRef>
-        </p:style>
-      </p:cxnSp>
-      <p:cxnSp>
-        <p:nvCxnSpPr>
-          <p:cNvPr id="158" name="Straight Arrow Connector 157">
-            <a:extLst>
-              <a:ext uri="{FF2B5EF4-FFF2-40B4-BE49-F238E27FC236}">
-                <a16:creationId xmlns:a16="http://schemas.microsoft.com/office/drawing/2014/main" id="{F4090B6A-3293-F848-ABEE-C171C7C66EB0}"/>
-              </a:ext>
-            </a:extLst>
-          </p:cNvPr>
-          <p:cNvCxnSpPr>
-            <a:cxnSpLocks/>
-            <a:stCxn id="48" idx="2"/>
-            <a:endCxn id="49" idx="0"/>
-          </p:cNvCxnSpPr>
-          <p:nvPr/>
-        </p:nvCxnSpPr>
-        <p:spPr>
-          <a:xfrm flipH="1">
-            <a:off x="8697097" y="4430278"/>
-            <a:ext cx="2103077" cy="437918"/>
-          </a:xfrm>
-          <a:prstGeom prst="straightConnector1">
-            <a:avLst/>
-          </a:prstGeom>
-          <a:ln>
-            <a:solidFill>
-              <a:schemeClr val="tx1"/>
-            </a:solidFill>
-            <a:headEnd type="none" w="med" len="med"/>
-            <a:tailEnd type="arrow" w="med" len="med"/>
-          </a:ln>
-        </p:spPr>
-        <p:style>
-          <a:lnRef idx="1">
-            <a:schemeClr val="accent1"/>
-          </a:lnRef>
-          <a:fillRef idx="0">
-            <a:schemeClr val="accent1"/>
-          </a:fillRef>
-          <a:effectRef idx="0">
-            <a:schemeClr val="accent1"/>
-          </a:effectRef>
-          <a:fontRef idx="minor">
-            <a:schemeClr val="tx1"/>
-          </a:fontRef>
-        </p:style>
-      </p:cxnSp>
-      <p:cxnSp>
-        <p:nvCxnSpPr>
-          <p:cNvPr id="161" name="Straight Arrow Connector 160">
-            <a:extLst>
-              <a:ext uri="{FF2B5EF4-FFF2-40B4-BE49-F238E27FC236}">
-                <a16:creationId xmlns:a16="http://schemas.microsoft.com/office/drawing/2014/main" id="{ECD7D1C6-6F6F-A740-87EB-46A64A4A6E33}"/>
-              </a:ext>
-            </a:extLst>
-          </p:cNvPr>
-          <p:cNvCxnSpPr>
-            <a:cxnSpLocks/>
-            <a:stCxn id="46" idx="2"/>
-            <a:endCxn id="49" idx="0"/>
-          </p:cNvCxnSpPr>
-          <p:nvPr/>
-        </p:nvCxnSpPr>
-        <p:spPr>
-          <a:xfrm>
-            <a:off x="7934574" y="4430278"/>
-            <a:ext cx="762523" cy="437918"/>
-          </a:xfrm>
-          <a:prstGeom prst="straightConnector1">
-            <a:avLst/>
-          </a:prstGeom>
-          <a:ln>
-            <a:solidFill>
-              <a:schemeClr val="tx1"/>
-            </a:solidFill>
-            <a:headEnd type="none" w="med" len="med"/>
-            <a:tailEnd type="arrow" w="med" len="med"/>
-          </a:ln>
-        </p:spPr>
-        <p:style>
-          <a:lnRef idx="1">
-            <a:schemeClr val="accent1"/>
-          </a:lnRef>
-          <a:fillRef idx="0">
-            <a:schemeClr val="accent1"/>
-          </a:fillRef>
-          <a:effectRef idx="0">
-            <a:schemeClr val="accent1"/>
-          </a:effectRef>
-          <a:fontRef idx="minor">
-            <a:schemeClr val="tx1"/>
-          </a:fontRef>
-        </p:style>
-      </p:cxnSp>
-      <p:cxnSp>
-        <p:nvCxnSpPr>
-          <p:cNvPr id="164" name="Straight Arrow Connector 163">
-            <a:extLst>
-              <a:ext uri="{FF2B5EF4-FFF2-40B4-BE49-F238E27FC236}">
-                <a16:creationId xmlns:a16="http://schemas.microsoft.com/office/drawing/2014/main" id="{0A8A3C99-6273-FA4E-B176-0BFDB79ECF80}"/>
-              </a:ext>
-            </a:extLst>
-          </p:cNvPr>
-          <p:cNvCxnSpPr>
-            <a:cxnSpLocks/>
-            <a:stCxn id="44" idx="2"/>
-            <a:endCxn id="49" idx="0"/>
-          </p:cNvCxnSpPr>
-          <p:nvPr/>
-        </p:nvCxnSpPr>
-        <p:spPr>
-          <a:xfrm>
-            <a:off x="6501774" y="4430278"/>
-            <a:ext cx="2195323" cy="437918"/>
-          </a:xfrm>
-          <a:prstGeom prst="straightConnector1">
-            <a:avLst/>
-          </a:prstGeom>
-          <a:ln>
-            <a:solidFill>
-              <a:schemeClr val="tx1"/>
-            </a:solidFill>
-            <a:headEnd type="none" w="med" len="med"/>
-            <a:tailEnd type="arrow" w="med" len="med"/>
-          </a:ln>
-        </p:spPr>
-        <p:style>
-          <a:lnRef idx="1">
-            <a:schemeClr val="accent1"/>
-          </a:lnRef>
-          <a:fillRef idx="0">
-            <a:schemeClr val="accent1"/>
-          </a:fillRef>
-          <a:effectRef idx="0">
-            <a:schemeClr val="accent1"/>
-          </a:effectRef>
-          <a:fontRef idx="minor">
-            <a:schemeClr val="tx1"/>
-          </a:fontRef>
-        </p:style>
-      </p:cxnSp>
-      <p:sp>
-        <p:nvSpPr>
-          <p:cNvPr id="167" name="TextBox 166">
-            <a:extLst>
-              <a:ext uri="{FF2B5EF4-FFF2-40B4-BE49-F238E27FC236}">
-                <a16:creationId xmlns:a16="http://schemas.microsoft.com/office/drawing/2014/main" id="{5DC3F3BF-FBA9-0544-AEAB-E9563127954C}"/>
-              </a:ext>
-            </a:extLst>
-          </p:cNvPr>
-          <p:cNvSpPr txBox="1"/>
-          <p:nvPr/>
-        </p:nvSpPr>
-        <p:spPr>
-          <a:xfrm>
-            <a:off x="7326852" y="4526843"/>
-            <a:ext cx="2664990" cy="184666"/>
-          </a:xfrm>
-          <a:prstGeom prst="rect">
-            <a:avLst/>
-          </a:prstGeom>
-          <a:solidFill>
-            <a:schemeClr val="bg1"/>
-          </a:solidFill>
-        </p:spPr>
-        <p:txBody>
-          <a:bodyPr wrap="square" tIns="0" bIns="0" rtlCol="0">
-            <a:spAutoFit/>
-          </a:bodyPr>
-          <a:lstStyle/>
-          <a:p>
-            <a:pPr algn="ctr"/>
-            <a:r>
-              <a:rPr lang="en-US" sz="1200"/>
-              <a:t>skos:topConceptOf</a:t>
-            </a:r>
+            <a:endParaRPr lang="en-US" sz="1200" dirty="0"/>
           </a:p>
         </p:txBody>
       </p:sp>
@@ -6477,7 +6017,7 @@
         </p:nvSpPr>
         <p:spPr>
           <a:xfrm>
-            <a:off x="10084088" y="4868196"/>
+            <a:off x="1610689" y="2579808"/>
             <a:ext cx="2042756" cy="944035"/>
           </a:xfrm>
           <a:prstGeom prst="ellipse">
@@ -6537,7 +6077,7 @@
         </p:nvSpPr>
         <p:spPr>
           <a:xfrm>
-            <a:off x="4262774" y="2983294"/>
+            <a:off x="325589" y="2024825"/>
             <a:ext cx="1248936" cy="657922"/>
           </a:xfrm>
           <a:prstGeom prst="roundRect">
@@ -6622,7 +6162,7 @@
         </p:nvCxnSpPr>
         <p:spPr>
           <a:xfrm flipV="1">
-            <a:off x="4423983" y="4480881"/>
+            <a:off x="486798" y="3522412"/>
             <a:ext cx="0" cy="423748"/>
           </a:xfrm>
           <a:prstGeom prst="straightConnector1">
@@ -6666,7 +6206,7 @@
         </p:nvSpPr>
         <p:spPr>
           <a:xfrm>
-            <a:off x="4460148" y="4554255"/>
+            <a:off x="522963" y="3595786"/>
             <a:ext cx="681084" cy="276999"/>
           </a:xfrm>
           <a:prstGeom prst="rect">
@@ -6703,7 +6243,7 @@
         </p:nvCxnSpPr>
         <p:spPr>
           <a:xfrm flipV="1">
-            <a:off x="4421493" y="5181535"/>
+            <a:off x="484308" y="4223066"/>
             <a:ext cx="0" cy="423747"/>
           </a:xfrm>
           <a:prstGeom prst="straightConnector1">
@@ -6747,7 +6287,7 @@
         </p:nvSpPr>
         <p:spPr>
           <a:xfrm>
-            <a:off x="4463776" y="5254908"/>
+            <a:off x="526591" y="4296439"/>
             <a:ext cx="1145506" cy="276999"/>
           </a:xfrm>
           <a:prstGeom prst="rect">
@@ -6782,7 +6322,7 @@
         </p:nvSpPr>
         <p:spPr>
           <a:xfrm>
-            <a:off x="4262774" y="2139571"/>
+            <a:off x="325589" y="1181102"/>
             <a:ext cx="1248936" cy="657922"/>
           </a:xfrm>
           <a:prstGeom prst="roundRect">
@@ -6843,7 +6383,7 @@
         </p:nvCxnSpPr>
         <p:spPr>
           <a:xfrm flipV="1">
-            <a:off x="4423983" y="3815058"/>
+            <a:off x="486798" y="2856589"/>
             <a:ext cx="0" cy="423748"/>
           </a:xfrm>
           <a:prstGeom prst="straightConnector1">
@@ -6887,7 +6427,7 @@
         </p:nvSpPr>
         <p:spPr>
           <a:xfrm>
-            <a:off x="4460148" y="3888432"/>
+            <a:off x="522963" y="2929963"/>
             <a:ext cx="727187" cy="276999"/>
           </a:xfrm>
           <a:prstGeom prst="rect">
@@ -6922,7 +6462,7 @@
         </p:nvSpPr>
         <p:spPr>
           <a:xfrm>
-            <a:off x="4341900" y="1645993"/>
+            <a:off x="404715" y="687524"/>
             <a:ext cx="1090683" cy="307777"/>
           </a:xfrm>
           <a:prstGeom prst="rect">
@@ -6943,6 +6483,956 @@
           </a:p>
         </p:txBody>
       </p:sp>
+      <p:sp>
+        <p:nvSpPr>
+          <p:cNvPr id="53" name="Rounded Rectangle 47">
+            <a:extLst>
+              <a:ext uri="{FF2B5EF4-FFF2-40B4-BE49-F238E27FC236}">
+                <a16:creationId xmlns:a16="http://schemas.microsoft.com/office/drawing/2014/main" id="{A367AAD6-9941-4A88-92FB-2F35855CB8BE}"/>
+              </a:ext>
+            </a:extLst>
+          </p:cNvPr>
+          <p:cNvSpPr/>
+          <p:nvPr/>
+        </p:nvSpPr>
+        <p:spPr>
+          <a:xfrm>
+            <a:off x="4191866" y="4678215"/>
+            <a:ext cx="1248936" cy="657922"/>
+          </a:xfrm>
+          <a:prstGeom prst="roundRect">
+            <a:avLst/>
+          </a:prstGeom>
+          <a:pattFill prst="pct30">
+            <a:fgClr>
+              <a:schemeClr val="bg1">
+                <a:lumMod val="85000"/>
+              </a:schemeClr>
+            </a:fgClr>
+            <a:bgClr>
+              <a:schemeClr val="bg1"/>
+            </a:bgClr>
+          </a:pattFill>
+          <a:ln>
+            <a:solidFill>
+              <a:schemeClr val="tx1"/>
+            </a:solidFill>
+          </a:ln>
+        </p:spPr>
+        <p:style>
+          <a:lnRef idx="2">
+            <a:schemeClr val="accent1">
+              <a:shade val="50000"/>
+            </a:schemeClr>
+          </a:lnRef>
+          <a:fillRef idx="1">
+            <a:schemeClr val="accent1"/>
+          </a:fillRef>
+          <a:effectRef idx="0">
+            <a:schemeClr val="accent1"/>
+          </a:effectRef>
+          <a:fontRef idx="minor">
+            <a:schemeClr val="lt1"/>
+          </a:fontRef>
+        </p:style>
+        <p:txBody>
+          <a:bodyPr rtlCol="0" anchor="ctr"/>
+          <a:lstStyle/>
+          <a:p>
+            <a:pPr algn="ctr"/>
+            <a:r>
+              <a:rPr lang="en-US" sz="1200" dirty="0">
+                <a:solidFill>
+                  <a:schemeClr val="tx1"/>
+                </a:solidFill>
+              </a:rPr>
+              <a:t>Specification</a:t>
+            </a:r>
+          </a:p>
+        </p:txBody>
+      </p:sp>
+      <p:sp>
+        <p:nvSpPr>
+          <p:cNvPr id="54" name="Rounded Rectangle 47">
+            <a:extLst>
+              <a:ext uri="{FF2B5EF4-FFF2-40B4-BE49-F238E27FC236}">
+                <a16:creationId xmlns:a16="http://schemas.microsoft.com/office/drawing/2014/main" id="{67B76695-740B-4982-AABC-6C7667F526DE}"/>
+              </a:ext>
+            </a:extLst>
+          </p:cNvPr>
+          <p:cNvSpPr/>
+          <p:nvPr/>
+        </p:nvSpPr>
+        <p:spPr>
+          <a:xfrm>
+            <a:off x="4197836" y="5394173"/>
+            <a:ext cx="1248936" cy="657922"/>
+          </a:xfrm>
+          <a:prstGeom prst="roundRect">
+            <a:avLst/>
+          </a:prstGeom>
+          <a:pattFill prst="pct30">
+            <a:fgClr>
+              <a:schemeClr val="bg1">
+                <a:lumMod val="85000"/>
+              </a:schemeClr>
+            </a:fgClr>
+            <a:bgClr>
+              <a:schemeClr val="bg1"/>
+            </a:bgClr>
+          </a:pattFill>
+          <a:ln>
+            <a:solidFill>
+              <a:schemeClr val="tx1"/>
+            </a:solidFill>
+          </a:ln>
+        </p:spPr>
+        <p:style>
+          <a:lnRef idx="2">
+            <a:schemeClr val="accent1">
+              <a:shade val="50000"/>
+            </a:schemeClr>
+          </a:lnRef>
+          <a:fillRef idx="1">
+            <a:schemeClr val="accent1"/>
+          </a:fillRef>
+          <a:effectRef idx="0">
+            <a:schemeClr val="accent1"/>
+          </a:effectRef>
+          <a:fontRef idx="minor">
+            <a:schemeClr val="lt1"/>
+          </a:fontRef>
+        </p:style>
+        <p:txBody>
+          <a:bodyPr rtlCol="0" anchor="ctr"/>
+          <a:lstStyle/>
+          <a:p>
+            <a:pPr algn="ctr"/>
+            <a:r>
+              <a:rPr lang="en-US" sz="1200" dirty="0">
+                <a:solidFill>
+                  <a:schemeClr val="tx1"/>
+                </a:solidFill>
+              </a:rPr>
+              <a:t>Vocabulary</a:t>
+            </a:r>
+          </a:p>
+        </p:txBody>
+      </p:sp>
+      <p:sp>
+        <p:nvSpPr>
+          <p:cNvPr id="55" name="Rounded Rectangle 47">
+            <a:extLst>
+              <a:ext uri="{FF2B5EF4-FFF2-40B4-BE49-F238E27FC236}">
+                <a16:creationId xmlns:a16="http://schemas.microsoft.com/office/drawing/2014/main" id="{4A96EBC7-9277-4BD0-ABF7-3A9D6BEF1B12}"/>
+              </a:ext>
+            </a:extLst>
+          </p:cNvPr>
+          <p:cNvSpPr/>
+          <p:nvPr/>
+        </p:nvSpPr>
+        <p:spPr>
+          <a:xfrm>
+            <a:off x="4197836" y="6110131"/>
+            <a:ext cx="1248936" cy="657922"/>
+          </a:xfrm>
+          <a:prstGeom prst="roundRect">
+            <a:avLst/>
+          </a:prstGeom>
+          <a:pattFill prst="pct30">
+            <a:fgClr>
+              <a:schemeClr val="bg1">
+                <a:lumMod val="85000"/>
+              </a:schemeClr>
+            </a:fgClr>
+            <a:bgClr>
+              <a:schemeClr val="bg1"/>
+            </a:bgClr>
+          </a:pattFill>
+          <a:ln>
+            <a:solidFill>
+              <a:schemeClr val="tx1"/>
+            </a:solidFill>
+          </a:ln>
+        </p:spPr>
+        <p:style>
+          <a:lnRef idx="2">
+            <a:schemeClr val="accent1">
+              <a:shade val="50000"/>
+            </a:schemeClr>
+          </a:lnRef>
+          <a:fillRef idx="1">
+            <a:schemeClr val="accent1"/>
+          </a:fillRef>
+          <a:effectRef idx="0">
+            <a:schemeClr val="accent1"/>
+          </a:effectRef>
+          <a:fontRef idx="minor">
+            <a:schemeClr val="lt1"/>
+          </a:fontRef>
+        </p:style>
+        <p:txBody>
+          <a:bodyPr rtlCol="0" anchor="ctr"/>
+          <a:lstStyle/>
+          <a:p>
+            <a:pPr algn="ctr"/>
+            <a:r>
+              <a:rPr lang="en-US" sz="1200" dirty="0">
+                <a:solidFill>
+                  <a:schemeClr val="tx1"/>
+                </a:solidFill>
+              </a:rPr>
+              <a:t>Validation</a:t>
+            </a:r>
+          </a:p>
+        </p:txBody>
+      </p:sp>
+      <p:cxnSp>
+        <p:nvCxnSpPr>
+          <p:cNvPr id="60" name="Straight Arrow Connector 59">
+            <a:extLst>
+              <a:ext uri="{FF2B5EF4-FFF2-40B4-BE49-F238E27FC236}">
+                <a16:creationId xmlns:a16="http://schemas.microsoft.com/office/drawing/2014/main" id="{7A6FB54E-B6EA-4785-B290-61D82FBB1FFC}"/>
+              </a:ext>
+            </a:extLst>
+          </p:cNvPr>
+          <p:cNvCxnSpPr>
+            <a:cxnSpLocks/>
+            <a:stCxn id="49" idx="0"/>
+            <a:endCxn id="107" idx="2"/>
+          </p:cNvCxnSpPr>
+          <p:nvPr/>
+        </p:nvCxnSpPr>
+        <p:spPr>
+          <a:xfrm flipV="1">
+            <a:off x="2632067" y="1375416"/>
+            <a:ext cx="0" cy="195948"/>
+          </a:xfrm>
+          <a:prstGeom prst="straightConnector1">
+            <a:avLst/>
+          </a:prstGeom>
+          <a:ln>
+            <a:solidFill>
+              <a:schemeClr val="tx1"/>
+            </a:solidFill>
+            <a:prstDash val="sysDot"/>
+            <a:headEnd type="none" w="med" len="med"/>
+            <a:tailEnd type="arrow" w="med" len="med"/>
+          </a:ln>
+        </p:spPr>
+        <p:style>
+          <a:lnRef idx="1">
+            <a:schemeClr val="accent1"/>
+          </a:lnRef>
+          <a:fillRef idx="0">
+            <a:schemeClr val="accent1"/>
+          </a:fillRef>
+          <a:effectRef idx="0">
+            <a:schemeClr val="accent1"/>
+          </a:effectRef>
+          <a:fontRef idx="minor">
+            <a:schemeClr val="tx1"/>
+          </a:fontRef>
+        </p:style>
+      </p:cxnSp>
+      <p:cxnSp>
+        <p:nvCxnSpPr>
+          <p:cNvPr id="31" name="Connector: Elbow 30">
+            <a:extLst>
+              <a:ext uri="{FF2B5EF4-FFF2-40B4-BE49-F238E27FC236}">
+                <a16:creationId xmlns:a16="http://schemas.microsoft.com/office/drawing/2014/main" id="{40465A53-4ADB-4ACF-9372-C1ECE1A630D0}"/>
+              </a:ext>
+            </a:extLst>
+          </p:cNvPr>
+          <p:cNvCxnSpPr>
+            <a:stCxn id="44" idx="1"/>
+            <a:endCxn id="49" idx="3"/>
+          </p:cNvCxnSpPr>
+          <p:nvPr/>
+        </p:nvCxnSpPr>
+        <p:spPr>
+          <a:xfrm rot="10800000">
+            <a:off x="3256536" y="1900326"/>
+            <a:ext cx="935331" cy="243019"/>
+          </a:xfrm>
+          <a:prstGeom prst="bentConnector3">
+            <a:avLst/>
+          </a:prstGeom>
+          <a:ln>
+            <a:solidFill>
+              <a:schemeClr val="tx1"/>
+            </a:solidFill>
+            <a:headEnd type="none" w="med" len="med"/>
+            <a:tailEnd type="arrow" w="med" len="med"/>
+          </a:ln>
+        </p:spPr>
+        <p:style>
+          <a:lnRef idx="1">
+            <a:schemeClr val="accent1"/>
+          </a:lnRef>
+          <a:fillRef idx="0">
+            <a:schemeClr val="accent1"/>
+          </a:fillRef>
+          <a:effectRef idx="0">
+            <a:schemeClr val="accent1"/>
+          </a:effectRef>
+          <a:fontRef idx="minor">
+            <a:schemeClr val="tx1"/>
+          </a:fontRef>
+        </p:style>
+      </p:cxnSp>
+      <p:cxnSp>
+        <p:nvCxnSpPr>
+          <p:cNvPr id="80" name="Connector: Elbow 79">
+            <a:extLst>
+              <a:ext uri="{FF2B5EF4-FFF2-40B4-BE49-F238E27FC236}">
+                <a16:creationId xmlns:a16="http://schemas.microsoft.com/office/drawing/2014/main" id="{34E7BF61-E4D0-4510-8830-F79899415CA0}"/>
+              </a:ext>
+            </a:extLst>
+          </p:cNvPr>
+          <p:cNvCxnSpPr>
+            <a:cxnSpLocks/>
+            <a:stCxn id="46" idx="1"/>
+            <a:endCxn id="49" idx="3"/>
+          </p:cNvCxnSpPr>
+          <p:nvPr/>
+        </p:nvCxnSpPr>
+        <p:spPr>
+          <a:xfrm rot="10800000">
+            <a:off x="3256536" y="1900326"/>
+            <a:ext cx="935331" cy="958977"/>
+          </a:xfrm>
+          <a:prstGeom prst="bentConnector3">
+            <a:avLst>
+              <a:gd name="adj1" fmla="val 50000"/>
+            </a:avLst>
+          </a:prstGeom>
+          <a:ln>
+            <a:solidFill>
+              <a:schemeClr val="tx1"/>
+            </a:solidFill>
+            <a:headEnd type="none" w="med" len="med"/>
+            <a:tailEnd type="arrow" w="med" len="med"/>
+          </a:ln>
+        </p:spPr>
+        <p:style>
+          <a:lnRef idx="1">
+            <a:schemeClr val="accent1"/>
+          </a:lnRef>
+          <a:fillRef idx="0">
+            <a:schemeClr val="accent1"/>
+          </a:fillRef>
+          <a:effectRef idx="0">
+            <a:schemeClr val="accent1"/>
+          </a:effectRef>
+          <a:fontRef idx="minor">
+            <a:schemeClr val="tx1"/>
+          </a:fontRef>
+        </p:style>
+      </p:cxnSp>
+      <p:cxnSp>
+        <p:nvCxnSpPr>
+          <p:cNvPr id="83" name="Connector: Elbow 82">
+            <a:extLst>
+              <a:ext uri="{FF2B5EF4-FFF2-40B4-BE49-F238E27FC236}">
+                <a16:creationId xmlns:a16="http://schemas.microsoft.com/office/drawing/2014/main" id="{91EC9DEA-2D8F-4EE0-84AD-5067A948FDAA}"/>
+              </a:ext>
+            </a:extLst>
+          </p:cNvPr>
+          <p:cNvCxnSpPr>
+            <a:cxnSpLocks/>
+            <a:stCxn id="47" idx="1"/>
+            <a:endCxn id="49" idx="3"/>
+          </p:cNvCxnSpPr>
+          <p:nvPr/>
+        </p:nvCxnSpPr>
+        <p:spPr>
+          <a:xfrm rot="10800000">
+            <a:off x="3256536" y="1900326"/>
+            <a:ext cx="935331" cy="1674935"/>
+          </a:xfrm>
+          <a:prstGeom prst="bentConnector3">
+            <a:avLst>
+              <a:gd name="adj1" fmla="val 50000"/>
+            </a:avLst>
+          </a:prstGeom>
+          <a:ln>
+            <a:solidFill>
+              <a:schemeClr val="tx1"/>
+            </a:solidFill>
+            <a:headEnd type="none" w="med" len="med"/>
+            <a:tailEnd type="arrow" w="med" len="med"/>
+          </a:ln>
+        </p:spPr>
+        <p:style>
+          <a:lnRef idx="1">
+            <a:schemeClr val="accent1"/>
+          </a:lnRef>
+          <a:fillRef idx="0">
+            <a:schemeClr val="accent1"/>
+          </a:fillRef>
+          <a:effectRef idx="0">
+            <a:schemeClr val="accent1"/>
+          </a:effectRef>
+          <a:fontRef idx="minor">
+            <a:schemeClr val="tx1"/>
+          </a:fontRef>
+        </p:style>
+      </p:cxnSp>
+      <p:cxnSp>
+        <p:nvCxnSpPr>
+          <p:cNvPr id="87" name="Connector: Elbow 86">
+            <a:extLst>
+              <a:ext uri="{FF2B5EF4-FFF2-40B4-BE49-F238E27FC236}">
+                <a16:creationId xmlns:a16="http://schemas.microsoft.com/office/drawing/2014/main" id="{4B2965D5-1F9D-4B95-8678-E3F588E707DA}"/>
+              </a:ext>
+            </a:extLst>
+          </p:cNvPr>
+          <p:cNvCxnSpPr>
+            <a:cxnSpLocks/>
+            <a:stCxn id="48" idx="1"/>
+            <a:endCxn id="49" idx="3"/>
+          </p:cNvCxnSpPr>
+          <p:nvPr/>
+        </p:nvCxnSpPr>
+        <p:spPr>
+          <a:xfrm rot="10800000">
+            <a:off x="3256536" y="1900326"/>
+            <a:ext cx="935331" cy="2390893"/>
+          </a:xfrm>
+          <a:prstGeom prst="bentConnector3">
+            <a:avLst>
+              <a:gd name="adj1" fmla="val 50000"/>
+            </a:avLst>
+          </a:prstGeom>
+          <a:ln>
+            <a:solidFill>
+              <a:schemeClr val="tx1"/>
+            </a:solidFill>
+            <a:headEnd type="none" w="med" len="med"/>
+            <a:tailEnd type="arrow" w="med" len="med"/>
+          </a:ln>
+        </p:spPr>
+        <p:style>
+          <a:lnRef idx="1">
+            <a:schemeClr val="accent1"/>
+          </a:lnRef>
+          <a:fillRef idx="0">
+            <a:schemeClr val="accent1"/>
+          </a:fillRef>
+          <a:effectRef idx="0">
+            <a:schemeClr val="accent1"/>
+          </a:effectRef>
+          <a:fontRef idx="minor">
+            <a:schemeClr val="tx1"/>
+          </a:fontRef>
+        </p:style>
+      </p:cxnSp>
+      <p:cxnSp>
+        <p:nvCxnSpPr>
+          <p:cNvPr id="89" name="Connector: Elbow 88">
+            <a:extLst>
+              <a:ext uri="{FF2B5EF4-FFF2-40B4-BE49-F238E27FC236}">
+                <a16:creationId xmlns:a16="http://schemas.microsoft.com/office/drawing/2014/main" id="{2E6D21C1-1605-4AA5-AE0E-3F67889BDCD8}"/>
+              </a:ext>
+            </a:extLst>
+          </p:cNvPr>
+          <p:cNvCxnSpPr>
+            <a:cxnSpLocks/>
+            <a:stCxn id="53" idx="1"/>
+            <a:endCxn id="49" idx="3"/>
+          </p:cNvCxnSpPr>
+          <p:nvPr/>
+        </p:nvCxnSpPr>
+        <p:spPr>
+          <a:xfrm rot="10800000">
+            <a:off x="3256536" y="1900326"/>
+            <a:ext cx="935331" cy="3106851"/>
+          </a:xfrm>
+          <a:prstGeom prst="bentConnector3">
+            <a:avLst>
+              <a:gd name="adj1" fmla="val 50000"/>
+            </a:avLst>
+          </a:prstGeom>
+          <a:ln>
+            <a:solidFill>
+              <a:schemeClr val="tx1"/>
+            </a:solidFill>
+            <a:headEnd type="none" w="med" len="med"/>
+            <a:tailEnd type="arrow" w="med" len="med"/>
+          </a:ln>
+        </p:spPr>
+        <p:style>
+          <a:lnRef idx="1">
+            <a:schemeClr val="accent1"/>
+          </a:lnRef>
+          <a:fillRef idx="0">
+            <a:schemeClr val="accent1"/>
+          </a:fillRef>
+          <a:effectRef idx="0">
+            <a:schemeClr val="accent1"/>
+          </a:effectRef>
+          <a:fontRef idx="minor">
+            <a:schemeClr val="tx1"/>
+          </a:fontRef>
+        </p:style>
+      </p:cxnSp>
+      <p:cxnSp>
+        <p:nvCxnSpPr>
+          <p:cNvPr id="93" name="Connector: Elbow 92">
+            <a:extLst>
+              <a:ext uri="{FF2B5EF4-FFF2-40B4-BE49-F238E27FC236}">
+                <a16:creationId xmlns:a16="http://schemas.microsoft.com/office/drawing/2014/main" id="{023200CF-89EA-4B79-A000-F21E171BE134}"/>
+              </a:ext>
+            </a:extLst>
+          </p:cNvPr>
+          <p:cNvCxnSpPr>
+            <a:cxnSpLocks/>
+            <a:stCxn id="54" idx="1"/>
+            <a:endCxn id="49" idx="3"/>
+          </p:cNvCxnSpPr>
+          <p:nvPr/>
+        </p:nvCxnSpPr>
+        <p:spPr>
+          <a:xfrm rot="10800000">
+            <a:off x="3256536" y="1900326"/>
+            <a:ext cx="941301" cy="3822809"/>
+          </a:xfrm>
+          <a:prstGeom prst="bentConnector3">
+            <a:avLst>
+              <a:gd name="adj1" fmla="val 50000"/>
+            </a:avLst>
+          </a:prstGeom>
+          <a:ln>
+            <a:solidFill>
+              <a:schemeClr val="tx1"/>
+            </a:solidFill>
+            <a:headEnd type="none" w="med" len="med"/>
+            <a:tailEnd type="arrow" w="med" len="med"/>
+          </a:ln>
+        </p:spPr>
+        <p:style>
+          <a:lnRef idx="1">
+            <a:schemeClr val="accent1"/>
+          </a:lnRef>
+          <a:fillRef idx="0">
+            <a:schemeClr val="accent1"/>
+          </a:fillRef>
+          <a:effectRef idx="0">
+            <a:schemeClr val="accent1"/>
+          </a:effectRef>
+          <a:fontRef idx="minor">
+            <a:schemeClr val="tx1"/>
+          </a:fontRef>
+        </p:style>
+      </p:cxnSp>
+      <p:cxnSp>
+        <p:nvCxnSpPr>
+          <p:cNvPr id="96" name="Connector: Elbow 95">
+            <a:extLst>
+              <a:ext uri="{FF2B5EF4-FFF2-40B4-BE49-F238E27FC236}">
+                <a16:creationId xmlns:a16="http://schemas.microsoft.com/office/drawing/2014/main" id="{3587DABD-2191-4A98-9F35-0B95415FE0E1}"/>
+              </a:ext>
+            </a:extLst>
+          </p:cNvPr>
+          <p:cNvCxnSpPr>
+            <a:cxnSpLocks/>
+            <a:stCxn id="55" idx="1"/>
+            <a:endCxn id="49" idx="3"/>
+          </p:cNvCxnSpPr>
+          <p:nvPr/>
+        </p:nvCxnSpPr>
+        <p:spPr>
+          <a:xfrm rot="10800000">
+            <a:off x="3256536" y="1900326"/>
+            <a:ext cx="941301" cy="4538767"/>
+          </a:xfrm>
+          <a:prstGeom prst="bentConnector3">
+            <a:avLst>
+              <a:gd name="adj1" fmla="val 50000"/>
+            </a:avLst>
+          </a:prstGeom>
+          <a:ln>
+            <a:solidFill>
+              <a:schemeClr val="tx1"/>
+            </a:solidFill>
+            <a:headEnd type="none" w="med" len="med"/>
+            <a:tailEnd type="arrow" w="med" len="med"/>
+          </a:ln>
+        </p:spPr>
+        <p:style>
+          <a:lnRef idx="1">
+            <a:schemeClr val="accent1"/>
+          </a:lnRef>
+          <a:fillRef idx="0">
+            <a:schemeClr val="accent1"/>
+          </a:fillRef>
+          <a:effectRef idx="0">
+            <a:schemeClr val="accent1"/>
+          </a:effectRef>
+          <a:fontRef idx="minor">
+            <a:schemeClr val="tx1"/>
+          </a:fontRef>
+        </p:style>
+      </p:cxnSp>
+      <p:cxnSp>
+        <p:nvCxnSpPr>
+          <p:cNvPr id="118" name="Connector: Elbow 117">
+            <a:extLst>
+              <a:ext uri="{FF2B5EF4-FFF2-40B4-BE49-F238E27FC236}">
+                <a16:creationId xmlns:a16="http://schemas.microsoft.com/office/drawing/2014/main" id="{E28D55C9-8745-43CB-8B83-0677D3F08861}"/>
+              </a:ext>
+            </a:extLst>
+          </p:cNvPr>
+          <p:cNvCxnSpPr>
+            <a:cxnSpLocks/>
+            <a:stCxn id="55" idx="3"/>
+            <a:endCxn id="85" idx="1"/>
+          </p:cNvCxnSpPr>
+          <p:nvPr/>
+        </p:nvCxnSpPr>
+        <p:spPr>
+          <a:xfrm flipV="1">
+            <a:off x="5446772" y="1900325"/>
+            <a:ext cx="934031" cy="4538767"/>
+          </a:xfrm>
+          <a:prstGeom prst="bentConnector3">
+            <a:avLst>
+              <a:gd name="adj1" fmla="val 50000"/>
+            </a:avLst>
+          </a:prstGeom>
+          <a:ln>
+            <a:solidFill>
+              <a:schemeClr val="tx1"/>
+            </a:solidFill>
+            <a:prstDash val="sysDot"/>
+            <a:headEnd type="none" w="med" len="med"/>
+            <a:tailEnd type="arrow" w="med" len="med"/>
+          </a:ln>
+        </p:spPr>
+        <p:style>
+          <a:lnRef idx="1">
+            <a:schemeClr val="accent1"/>
+          </a:lnRef>
+          <a:fillRef idx="0">
+            <a:schemeClr val="accent1"/>
+          </a:fillRef>
+          <a:effectRef idx="0">
+            <a:schemeClr val="accent1"/>
+          </a:effectRef>
+          <a:fontRef idx="minor">
+            <a:schemeClr val="tx1"/>
+          </a:fontRef>
+        </p:style>
+      </p:cxnSp>
+      <p:sp>
+        <p:nvSpPr>
+          <p:cNvPr id="167" name="TextBox 166">
+            <a:extLst>
+              <a:ext uri="{FF2B5EF4-FFF2-40B4-BE49-F238E27FC236}">
+                <a16:creationId xmlns:a16="http://schemas.microsoft.com/office/drawing/2014/main" id="{5DC3F3BF-FBA9-0544-AEAB-E9563127954C}"/>
+              </a:ext>
+            </a:extLst>
+          </p:cNvPr>
+          <p:cNvSpPr txBox="1"/>
+          <p:nvPr/>
+        </p:nvSpPr>
+        <p:spPr>
+          <a:xfrm rot="16200000">
+            <a:off x="2785572" y="1807992"/>
+            <a:ext cx="1404105" cy="184666"/>
+          </a:xfrm>
+          <a:prstGeom prst="rect">
+            <a:avLst/>
+          </a:prstGeom>
+          <a:solidFill>
+            <a:schemeClr val="bg1"/>
+          </a:solidFill>
+        </p:spPr>
+        <p:txBody>
+          <a:bodyPr wrap="square" tIns="0" bIns="0" rtlCol="0">
+            <a:spAutoFit/>
+          </a:bodyPr>
+          <a:lstStyle/>
+          <a:p>
+            <a:pPr algn="ctr"/>
+            <a:r>
+              <a:rPr lang="en-US" sz="1200" dirty="0" err="1"/>
+              <a:t>skos:topConceptOf</a:t>
+            </a:r>
+            <a:endParaRPr lang="en-US" sz="1200" dirty="0"/>
+          </a:p>
+        </p:txBody>
+      </p:sp>
+      <p:cxnSp>
+        <p:nvCxnSpPr>
+          <p:cNvPr id="109" name="Straight Connector 108">
+            <a:extLst>
+              <a:ext uri="{FF2B5EF4-FFF2-40B4-BE49-F238E27FC236}">
+                <a16:creationId xmlns:a16="http://schemas.microsoft.com/office/drawing/2014/main" id="{354BC904-3947-47D2-AF21-EDF70DA0B919}"/>
+              </a:ext>
+            </a:extLst>
+          </p:cNvPr>
+          <p:cNvCxnSpPr>
+            <a:stCxn id="44" idx="3"/>
+          </p:cNvCxnSpPr>
+          <p:nvPr/>
+        </p:nvCxnSpPr>
+        <p:spPr>
+          <a:xfrm>
+            <a:off x="5440802" y="2143344"/>
+            <a:ext cx="472985" cy="0"/>
+          </a:xfrm>
+          <a:prstGeom prst="line">
+            <a:avLst/>
+          </a:prstGeom>
+          <a:ln>
+            <a:solidFill>
+              <a:schemeClr val="tx1"/>
+            </a:solidFill>
+            <a:prstDash val="sysDot"/>
+          </a:ln>
+        </p:spPr>
+        <p:style>
+          <a:lnRef idx="1">
+            <a:schemeClr val="accent1"/>
+          </a:lnRef>
+          <a:fillRef idx="0">
+            <a:schemeClr val="accent1"/>
+          </a:fillRef>
+          <a:effectRef idx="0">
+            <a:schemeClr val="accent1"/>
+          </a:effectRef>
+          <a:fontRef idx="minor">
+            <a:schemeClr val="tx1"/>
+          </a:fontRef>
+        </p:style>
+      </p:cxnSp>
+      <p:cxnSp>
+        <p:nvCxnSpPr>
+          <p:cNvPr id="122" name="Straight Connector 121">
+            <a:extLst>
+              <a:ext uri="{FF2B5EF4-FFF2-40B4-BE49-F238E27FC236}">
+                <a16:creationId xmlns:a16="http://schemas.microsoft.com/office/drawing/2014/main" id="{CC7018C8-0577-4FE0-A318-6C45883DF8C2}"/>
+              </a:ext>
+            </a:extLst>
+          </p:cNvPr>
+          <p:cNvCxnSpPr>
+            <a:cxnSpLocks/>
+            <a:stCxn id="46" idx="3"/>
+          </p:cNvCxnSpPr>
+          <p:nvPr/>
+        </p:nvCxnSpPr>
+        <p:spPr>
+          <a:xfrm>
+            <a:off x="5440802" y="2859302"/>
+            <a:ext cx="478955" cy="0"/>
+          </a:xfrm>
+          <a:prstGeom prst="line">
+            <a:avLst/>
+          </a:prstGeom>
+          <a:ln>
+            <a:solidFill>
+              <a:schemeClr val="tx1"/>
+            </a:solidFill>
+            <a:prstDash val="sysDot"/>
+          </a:ln>
+        </p:spPr>
+        <p:style>
+          <a:lnRef idx="1">
+            <a:schemeClr val="accent1"/>
+          </a:lnRef>
+          <a:fillRef idx="0">
+            <a:schemeClr val="accent1"/>
+          </a:fillRef>
+          <a:effectRef idx="0">
+            <a:schemeClr val="accent1"/>
+          </a:effectRef>
+          <a:fontRef idx="minor">
+            <a:schemeClr val="tx1"/>
+          </a:fontRef>
+        </p:style>
+      </p:cxnSp>
+      <p:cxnSp>
+        <p:nvCxnSpPr>
+          <p:cNvPr id="125" name="Straight Connector 124">
+            <a:extLst>
+              <a:ext uri="{FF2B5EF4-FFF2-40B4-BE49-F238E27FC236}">
+                <a16:creationId xmlns:a16="http://schemas.microsoft.com/office/drawing/2014/main" id="{1893ACD9-863C-4C6B-9F28-9A41275A4770}"/>
+              </a:ext>
+            </a:extLst>
+          </p:cNvPr>
+          <p:cNvCxnSpPr>
+            <a:cxnSpLocks/>
+            <a:stCxn id="47" idx="3"/>
+          </p:cNvCxnSpPr>
+          <p:nvPr/>
+        </p:nvCxnSpPr>
+        <p:spPr>
+          <a:xfrm>
+            <a:off x="5440802" y="3575260"/>
+            <a:ext cx="478955" cy="1"/>
+          </a:xfrm>
+          <a:prstGeom prst="line">
+            <a:avLst/>
+          </a:prstGeom>
+          <a:ln>
+            <a:solidFill>
+              <a:schemeClr val="tx1"/>
+            </a:solidFill>
+            <a:prstDash val="sysDot"/>
+          </a:ln>
+        </p:spPr>
+        <p:style>
+          <a:lnRef idx="1">
+            <a:schemeClr val="accent1"/>
+          </a:lnRef>
+          <a:fillRef idx="0">
+            <a:schemeClr val="accent1"/>
+          </a:fillRef>
+          <a:effectRef idx="0">
+            <a:schemeClr val="accent1"/>
+          </a:effectRef>
+          <a:fontRef idx="minor">
+            <a:schemeClr val="tx1"/>
+          </a:fontRef>
+        </p:style>
+      </p:cxnSp>
+      <p:cxnSp>
+        <p:nvCxnSpPr>
+          <p:cNvPr id="127" name="Straight Connector 126">
+            <a:extLst>
+              <a:ext uri="{FF2B5EF4-FFF2-40B4-BE49-F238E27FC236}">
+                <a16:creationId xmlns:a16="http://schemas.microsoft.com/office/drawing/2014/main" id="{A7194A89-CDF5-4FD3-8846-18907232BC3C}"/>
+              </a:ext>
+            </a:extLst>
+          </p:cNvPr>
+          <p:cNvCxnSpPr>
+            <a:cxnSpLocks/>
+            <a:stCxn id="48" idx="3"/>
+          </p:cNvCxnSpPr>
+          <p:nvPr/>
+        </p:nvCxnSpPr>
+        <p:spPr>
+          <a:xfrm>
+            <a:off x="5440802" y="4291218"/>
+            <a:ext cx="480457" cy="1730"/>
+          </a:xfrm>
+          <a:prstGeom prst="line">
+            <a:avLst/>
+          </a:prstGeom>
+          <a:ln>
+            <a:solidFill>
+              <a:schemeClr val="tx1"/>
+            </a:solidFill>
+            <a:prstDash val="sysDot"/>
+          </a:ln>
+        </p:spPr>
+        <p:style>
+          <a:lnRef idx="1">
+            <a:schemeClr val="accent1"/>
+          </a:lnRef>
+          <a:fillRef idx="0">
+            <a:schemeClr val="accent1"/>
+          </a:fillRef>
+          <a:effectRef idx="0">
+            <a:schemeClr val="accent1"/>
+          </a:effectRef>
+          <a:fontRef idx="minor">
+            <a:schemeClr val="tx1"/>
+          </a:fontRef>
+        </p:style>
+      </p:cxnSp>
+      <p:cxnSp>
+        <p:nvCxnSpPr>
+          <p:cNvPr id="130" name="Straight Connector 129">
+            <a:extLst>
+              <a:ext uri="{FF2B5EF4-FFF2-40B4-BE49-F238E27FC236}">
+                <a16:creationId xmlns:a16="http://schemas.microsoft.com/office/drawing/2014/main" id="{4629C65A-B9BC-4187-B8C9-B63FDA85DA05}"/>
+              </a:ext>
+            </a:extLst>
+          </p:cNvPr>
+          <p:cNvCxnSpPr>
+            <a:cxnSpLocks/>
+            <a:stCxn id="54" idx="3"/>
+          </p:cNvCxnSpPr>
+          <p:nvPr/>
+        </p:nvCxnSpPr>
+        <p:spPr>
+          <a:xfrm>
+            <a:off x="5446772" y="5723134"/>
+            <a:ext cx="467015" cy="0"/>
+          </a:xfrm>
+          <a:prstGeom prst="line">
+            <a:avLst/>
+          </a:prstGeom>
+          <a:ln>
+            <a:solidFill>
+              <a:schemeClr val="tx1"/>
+            </a:solidFill>
+            <a:prstDash val="sysDot"/>
+          </a:ln>
+        </p:spPr>
+        <p:style>
+          <a:lnRef idx="1">
+            <a:schemeClr val="accent1"/>
+          </a:lnRef>
+          <a:fillRef idx="0">
+            <a:schemeClr val="accent1"/>
+          </a:fillRef>
+          <a:effectRef idx="0">
+            <a:schemeClr val="accent1"/>
+          </a:effectRef>
+          <a:fontRef idx="minor">
+            <a:schemeClr val="tx1"/>
+          </a:fontRef>
+        </p:style>
+      </p:cxnSp>
+      <p:cxnSp>
+        <p:nvCxnSpPr>
+          <p:cNvPr id="137" name="Straight Connector 136">
+            <a:extLst>
+              <a:ext uri="{FF2B5EF4-FFF2-40B4-BE49-F238E27FC236}">
+                <a16:creationId xmlns:a16="http://schemas.microsoft.com/office/drawing/2014/main" id="{864CB5F4-966A-4E14-86E4-8C466E39EA73}"/>
+              </a:ext>
+            </a:extLst>
+          </p:cNvPr>
+          <p:cNvCxnSpPr>
+            <a:cxnSpLocks/>
+            <a:stCxn id="53" idx="3"/>
+          </p:cNvCxnSpPr>
+          <p:nvPr/>
+        </p:nvCxnSpPr>
+        <p:spPr>
+          <a:xfrm>
+            <a:off x="5440802" y="5007176"/>
+            <a:ext cx="480457" cy="1"/>
+          </a:xfrm>
+          <a:prstGeom prst="line">
+            <a:avLst/>
+          </a:prstGeom>
+          <a:ln>
+            <a:solidFill>
+              <a:schemeClr val="tx1"/>
+            </a:solidFill>
+            <a:prstDash val="sysDot"/>
+          </a:ln>
+        </p:spPr>
+        <p:style>
+          <a:lnRef idx="1">
+            <a:schemeClr val="accent1"/>
+          </a:lnRef>
+          <a:fillRef idx="0">
+            <a:schemeClr val="accent1"/>
+          </a:fillRef>
+          <a:effectRef idx="0">
+            <a:schemeClr val="accent1"/>
+          </a:effectRef>
+          <a:fontRef idx="minor">
+            <a:schemeClr val="tx1"/>
+          </a:fontRef>
+        </p:style>
+      </p:cxnSp>
     </p:spTree>
     <p:extLst>
       <p:ext uri="{BB962C8B-B14F-4D97-AF65-F5344CB8AC3E}">

--- a/profilesont/diagrams.pptx
+++ b/profilesont/diagrams.pptx
@@ -266,7 +266,7 @@
           <a:lstStyle/>
           <a:p>
             <a:fld id="{7E83BB5F-FC7B-E342-A7CB-8A5E9A913100}" type="datetimeFigureOut">
-              <a:t>11/5/2018</a:t>
+              <a:t>07/12/2018</a:t>
             </a:fld>
             <a:endParaRPr lang="en-US"/>
           </a:p>
@@ -462,7 +462,7 @@
           <a:lstStyle/>
           <a:p>
             <a:fld id="{7E83BB5F-FC7B-E342-A7CB-8A5E9A913100}" type="datetimeFigureOut">
-              <a:t>11/5/2018</a:t>
+              <a:t>07/12/2018</a:t>
             </a:fld>
             <a:endParaRPr lang="en-US"/>
           </a:p>
@@ -668,7 +668,7 @@
           <a:lstStyle/>
           <a:p>
             <a:fld id="{7E83BB5F-FC7B-E342-A7CB-8A5E9A913100}" type="datetimeFigureOut">
-              <a:t>11/5/2018</a:t>
+              <a:t>07/12/2018</a:t>
             </a:fld>
             <a:endParaRPr lang="en-US"/>
           </a:p>
@@ -864,7 +864,7 @@
           <a:lstStyle/>
           <a:p>
             <a:fld id="{7E83BB5F-FC7B-E342-A7CB-8A5E9A913100}" type="datetimeFigureOut">
-              <a:t>11/5/2018</a:t>
+              <a:t>07/12/2018</a:t>
             </a:fld>
             <a:endParaRPr lang="en-US"/>
           </a:p>
@@ -1137,7 +1137,7 @@
           <a:lstStyle/>
           <a:p>
             <a:fld id="{7E83BB5F-FC7B-E342-A7CB-8A5E9A913100}" type="datetimeFigureOut">
-              <a:t>11/5/2018</a:t>
+              <a:t>07/12/2018</a:t>
             </a:fld>
             <a:endParaRPr lang="en-US"/>
           </a:p>
@@ -1400,7 +1400,7 @@
           <a:lstStyle/>
           <a:p>
             <a:fld id="{7E83BB5F-FC7B-E342-A7CB-8A5E9A913100}" type="datetimeFigureOut">
-              <a:t>11/5/2018</a:t>
+              <a:t>07/12/2018</a:t>
             </a:fld>
             <a:endParaRPr lang="en-US"/>
           </a:p>
@@ -1810,7 +1810,7 @@
           <a:lstStyle/>
           <a:p>
             <a:fld id="{7E83BB5F-FC7B-E342-A7CB-8A5E9A913100}" type="datetimeFigureOut">
-              <a:t>11/5/2018</a:t>
+              <a:t>07/12/2018</a:t>
             </a:fld>
             <a:endParaRPr lang="en-US"/>
           </a:p>
@@ -1949,7 +1949,7 @@
           <a:lstStyle/>
           <a:p>
             <a:fld id="{7E83BB5F-FC7B-E342-A7CB-8A5E9A913100}" type="datetimeFigureOut">
-              <a:t>11/5/2018</a:t>
+              <a:t>07/12/2018</a:t>
             </a:fld>
             <a:endParaRPr lang="en-US"/>
           </a:p>
@@ -2060,7 +2060,7 @@
           <a:lstStyle/>
           <a:p>
             <a:fld id="{7E83BB5F-FC7B-E342-A7CB-8A5E9A913100}" type="datetimeFigureOut">
-              <a:t>11/5/2018</a:t>
+              <a:t>07/12/2018</a:t>
             </a:fld>
             <a:endParaRPr lang="en-US"/>
           </a:p>
@@ -2369,7 +2369,7 @@
           <a:lstStyle/>
           <a:p>
             <a:fld id="{7E83BB5F-FC7B-E342-A7CB-8A5E9A913100}" type="datetimeFigureOut">
-              <a:t>11/5/2018</a:t>
+              <a:t>07/12/2018</a:t>
             </a:fld>
             <a:endParaRPr lang="en-US"/>
           </a:p>
@@ -2655,7 +2655,7 @@
           <a:lstStyle/>
           <a:p>
             <a:fld id="{7E83BB5F-FC7B-E342-A7CB-8A5E9A913100}" type="datetimeFigureOut">
-              <a:t>11/5/2018</a:t>
+              <a:t>07/12/2018</a:t>
             </a:fld>
             <a:endParaRPr lang="en-US"/>
           </a:p>
@@ -2894,7 +2894,7 @@
           </a:lstStyle>
           <a:p>
             <a:fld id="{7E83BB5F-FC7B-E342-A7CB-8A5E9A913100}" type="datetimeFigureOut">
-              <a:t>11/5/2018</a:t>
+              <a:t>07/12/2018</a:t>
             </a:fld>
             <a:endParaRPr lang="en-US"/>
           </a:p>
@@ -17583,7 +17583,7 @@
           <a:p>
             <a:pPr algn="ctr"/>
             <a:r>
-              <a:rPr lang="en-US" sz="1400">
+              <a:rPr lang="en-US" sz="1400" dirty="0">
                 <a:solidFill>
                   <a:schemeClr val="tx1"/>
                 </a:solidFill>
@@ -17976,13 +17976,26 @@
           <a:p>
             <a:pPr algn="ctr"/>
             <a:r>
-              <a:rPr lang="en-US" sz="1400" dirty="0">
+              <a:rPr lang="en-US" sz="1400" dirty="0" err="1" smtClean="0">
                 <a:solidFill>
                   <a:schemeClr val="tx1"/>
                 </a:solidFill>
               </a:rPr>
-              <a:t>DCAT-AP-IT</a:t>
-            </a:r>
+              <a:t>GeoDCAT</a:t>
+            </a:r>
+            <a:r>
+              <a:rPr lang="en-US" sz="1400" dirty="0" smtClean="0">
+                <a:solidFill>
+                  <a:schemeClr val="tx1"/>
+                </a:solidFill>
+              </a:rPr>
+              <a:t>-AP_IT</a:t>
+            </a:r>
+            <a:endParaRPr lang="en-US" sz="1400" dirty="0">
+              <a:solidFill>
+                <a:schemeClr val="tx1"/>
+              </a:solidFill>
+            </a:endParaRPr>
           </a:p>
         </p:txBody>
       </p:sp>
